--- a/Documents/epigenetic workshop/Poster.pptx
+++ b/Documents/epigenetic workshop/Poster.pptx
@@ -104,6 +104,11 @@
       </a:defRPr>
     </a:lvl9pPr>
   </p:defaultTextStyle>
+  <p:extLst>
+    <p:ext uri="{EFAFB233-063F-42B5-8137-9DF3F51BA10A}">
+      <p15:sldGuideLst xmlns:p15="http://schemas.microsoft.com/office/powerpoint/2012/main"/>
+    </p:ext>
+  </p:extLst>
 </p:presentation>
 </file>
 
@@ -238,7 +243,7 @@
           <a:p>
             <a:fld id="{00271780-4C30-459F-9B60-DDDABA3AB087}" type="datetimeFigureOut">
               <a:rPr lang="en-US" smtClean="0"/>
-              <a:t>3/5/2015</a:t>
+              <a:t>3/10/2015</a:t>
             </a:fld>
             <a:endParaRPr lang="en-US"/>
           </a:p>
@@ -415,7 +420,7 @@
           <a:p>
             <a:fld id="{00271780-4C30-459F-9B60-DDDABA3AB087}" type="datetimeFigureOut">
               <a:rPr lang="en-US" smtClean="0"/>
-              <a:t>3/5/2015</a:t>
+              <a:t>3/10/2015</a:t>
             </a:fld>
             <a:endParaRPr lang="en-US"/>
           </a:p>
@@ -595,7 +600,7 @@
           <a:p>
             <a:fld id="{00271780-4C30-459F-9B60-DDDABA3AB087}" type="datetimeFigureOut">
               <a:rPr lang="en-US" smtClean="0"/>
-              <a:t>3/5/2015</a:t>
+              <a:t>3/10/2015</a:t>
             </a:fld>
             <a:endParaRPr lang="en-US"/>
           </a:p>
@@ -765,7 +770,7 @@
           <a:p>
             <a:fld id="{00271780-4C30-459F-9B60-DDDABA3AB087}" type="datetimeFigureOut">
               <a:rPr lang="en-US" smtClean="0"/>
-              <a:t>3/5/2015</a:t>
+              <a:t>3/10/2015</a:t>
             </a:fld>
             <a:endParaRPr lang="en-US"/>
           </a:p>
@@ -1009,7 +1014,7 @@
           <a:p>
             <a:fld id="{00271780-4C30-459F-9B60-DDDABA3AB087}" type="datetimeFigureOut">
               <a:rPr lang="en-US" smtClean="0"/>
-              <a:t>3/5/2015</a:t>
+              <a:t>3/10/2015</a:t>
             </a:fld>
             <a:endParaRPr lang="en-US"/>
           </a:p>
@@ -1241,7 +1246,7 @@
           <a:p>
             <a:fld id="{00271780-4C30-459F-9B60-DDDABA3AB087}" type="datetimeFigureOut">
               <a:rPr lang="en-US" smtClean="0"/>
-              <a:t>3/5/2015</a:t>
+              <a:t>3/10/2015</a:t>
             </a:fld>
             <a:endParaRPr lang="en-US"/>
           </a:p>
@@ -1608,7 +1613,7 @@
           <a:p>
             <a:fld id="{00271780-4C30-459F-9B60-DDDABA3AB087}" type="datetimeFigureOut">
               <a:rPr lang="en-US" smtClean="0"/>
-              <a:t>3/5/2015</a:t>
+              <a:t>3/10/2015</a:t>
             </a:fld>
             <a:endParaRPr lang="en-US"/>
           </a:p>
@@ -1726,7 +1731,7 @@
           <a:p>
             <a:fld id="{00271780-4C30-459F-9B60-DDDABA3AB087}" type="datetimeFigureOut">
               <a:rPr lang="en-US" smtClean="0"/>
-              <a:t>3/5/2015</a:t>
+              <a:t>3/10/2015</a:t>
             </a:fld>
             <a:endParaRPr lang="en-US"/>
           </a:p>
@@ -1821,7 +1826,7 @@
           <a:p>
             <a:fld id="{00271780-4C30-459F-9B60-DDDABA3AB087}" type="datetimeFigureOut">
               <a:rPr lang="en-US" smtClean="0"/>
-              <a:t>3/5/2015</a:t>
+              <a:t>3/10/2015</a:t>
             </a:fld>
             <a:endParaRPr lang="en-US"/>
           </a:p>
@@ -2098,7 +2103,7 @@
           <a:p>
             <a:fld id="{00271780-4C30-459F-9B60-DDDABA3AB087}" type="datetimeFigureOut">
               <a:rPr lang="en-US" smtClean="0"/>
-              <a:t>3/5/2015</a:t>
+              <a:t>3/10/2015</a:t>
             </a:fld>
             <a:endParaRPr lang="en-US"/>
           </a:p>
@@ -2355,7 +2360,7 @@
           <a:p>
             <a:fld id="{00271780-4C30-459F-9B60-DDDABA3AB087}" type="datetimeFigureOut">
               <a:rPr lang="en-US" smtClean="0"/>
-              <a:t>3/5/2015</a:t>
+              <a:t>3/10/2015</a:t>
             </a:fld>
             <a:endParaRPr lang="en-US"/>
           </a:p>
@@ -2568,7 +2573,7 @@
           <a:p>
             <a:fld id="{00271780-4C30-459F-9B60-DDDABA3AB087}" type="datetimeFigureOut">
               <a:rPr lang="en-US" smtClean="0"/>
-              <a:t>3/5/2015</a:t>
+              <a:t>3/10/2015</a:t>
             </a:fld>
             <a:endParaRPr lang="en-US"/>
           </a:p>
@@ -3018,13 +3023,8 @@
             </a:r>
             <a:r>
               <a:rPr lang="en-US" dirty="0" smtClean="0"/>
-              <a:t> encounter frequency </a:t>
-            </a:r>
-            <a:r>
-              <a:rPr lang="en-US" dirty="0" smtClean="0"/>
-              <a:t>maps </a:t>
-            </a:r>
-            <a:endParaRPr lang="en-US" dirty="0" smtClean="0"/>
+              <a:t> encounter frequency maps </a:t>
+            </a:r>
           </a:p>
           <a:p>
             <a:pPr algn="ctr"/>
@@ -3089,7 +3089,11 @@
             </a:r>
             <a:r>
               <a:rPr lang="en-US" sz="4800" dirty="0" smtClean="0"/>
-              <a:t>, 46 rue, </a:t>
+              <a:t>, 46 </a:t>
+            </a:r>
+            <a:r>
+              <a:rPr lang="en-US" sz="4800" dirty="0" smtClean="0"/>
+              <a:t>rue </a:t>
             </a:r>
             <a:r>
               <a:rPr lang="en-US" sz="4800" dirty="0" err="1" smtClean="0"/>
@@ -3142,7 +3146,7 @@
         <p:spPr>
           <a:xfrm>
             <a:off x="0" y="2405146"/>
-            <a:ext cx="9350478" cy="23131973"/>
+            <a:ext cx="9350478" cy="26825292"/>
           </a:xfrm>
           <a:prstGeom prst="rect">
             <a:avLst/>
@@ -3166,7 +3170,19 @@
             </a:r>
             <a:r>
               <a:rPr lang="en-US" sz="4000" dirty="0" smtClean="0"/>
-              <a:t>: Reconstruct the local polymer structure using </a:t>
+              <a:t>: </a:t>
+            </a:r>
+            <a:r>
+              <a:rPr lang="en-US" sz="4000" dirty="0" smtClean="0"/>
+              <a:t>1. Reconstruct </a:t>
+            </a:r>
+            <a:r>
+              <a:rPr lang="en-US" sz="4000" dirty="0" smtClean="0"/>
+              <a:t>the local polymer </a:t>
+            </a:r>
+            <a:r>
+              <a:rPr lang="en-US" sz="4000" dirty="0" smtClean="0"/>
+              <a:t>architecture using </a:t>
             </a:r>
             <a:r>
               <a:rPr lang="en-US" sz="4000" dirty="0" err="1" smtClean="0"/>
@@ -3174,16 +3190,49 @@
             </a:r>
             <a:r>
               <a:rPr lang="en-US" sz="4000" dirty="0" smtClean="0"/>
-              <a:t> encounter frequencies, to find the encounter time distribution and Mean </a:t>
-            </a:r>
-            <a:r>
-              <a:rPr lang="en-US" sz="4000" dirty="0" smtClean="0"/>
-              <a:t>First Passage time (</a:t>
-            </a:r>
-            <a:r>
-              <a:rPr lang="en-US" sz="4000" dirty="0" smtClean="0"/>
-              <a:t>MFPT) for different parts of a polymer in a dynamic and cross-linked structure</a:t>
-            </a:r>
+              <a:t> encounter </a:t>
+            </a:r>
+            <a:r>
+              <a:rPr lang="en-US" sz="4000" dirty="0" smtClean="0"/>
+              <a:t>frequency maps; 2. Study the dynamic properties of the resulting structure ,such as the </a:t>
+            </a:r>
+            <a:r>
+              <a:rPr lang="en-US" sz="4000" dirty="0" smtClean="0"/>
+              <a:t>encounter time distribution and Mean First </a:t>
+            </a:r>
+            <a:r>
+              <a:rPr lang="en-US" sz="4000" dirty="0" smtClean="0"/>
+              <a:t>encounter time </a:t>
+            </a:r>
+            <a:r>
+              <a:rPr lang="en-US" sz="4000" dirty="0" smtClean="0"/>
+              <a:t>(</a:t>
+            </a:r>
+            <a:r>
+              <a:rPr lang="en-US" sz="4000" dirty="0" smtClean="0"/>
+              <a:t>MFET</a:t>
+            </a:r>
+            <a:r>
+              <a:rPr lang="en-US" sz="4000" dirty="0" smtClean="0"/>
+              <a:t>) </a:t>
+            </a:r>
+            <a:r>
+              <a:rPr lang="en-US" sz="4000" dirty="0" smtClean="0"/>
+              <a:t>between </a:t>
+            </a:r>
+            <a:r>
+              <a:rPr lang="en-US" sz="4000" dirty="0" smtClean="0"/>
+              <a:t>different </a:t>
+            </a:r>
+            <a:r>
+              <a:rPr lang="en-US" sz="4000" dirty="0" smtClean="0"/>
+              <a:t>parts of a </a:t>
+            </a:r>
+            <a:r>
+              <a:rPr lang="en-US" sz="4000" dirty="0" smtClean="0"/>
+              <a:t>polymer.</a:t>
+            </a:r>
+            <a:endParaRPr lang="en-US" sz="4000" dirty="0" smtClean="0"/>
           </a:p>
           <a:p>
             <a:endParaRPr lang="en-US" sz="4000" dirty="0" smtClean="0"/>
@@ -3195,13 +3244,34 @@
             </a:r>
             <a:r>
               <a:rPr lang="en-US" sz="4000" dirty="0" smtClean="0"/>
-              <a:t>: Transform static encounter map to an average structure, which captures salient features in the chromosome microstructure.</a:t>
-            </a:r>
-          </a:p>
-          <a:p>
-            <a:r>
-              <a:rPr lang="en-US" sz="4000" dirty="0" smtClean="0"/>
-              <a:t>Allowing examination of the polymer behavior in various scenarios. </a:t>
+              <a:t>: </a:t>
+            </a:r>
+            <a:r>
+              <a:rPr lang="en-US" sz="4000" dirty="0" smtClean="0"/>
+              <a:t>Providing a tool to transform </a:t>
+            </a:r>
+            <a:r>
+              <a:rPr lang="en-US" sz="4000" dirty="0" smtClean="0"/>
+              <a:t>static encounter map to an average structure, which captures salient features in the chromosome </a:t>
+            </a:r>
+            <a:r>
+              <a:rPr lang="en-US" sz="4000" dirty="0" smtClean="0"/>
+              <a:t>microstructure</a:t>
+            </a:r>
+            <a:endParaRPr lang="en-US" sz="4000" dirty="0" smtClean="0"/>
+          </a:p>
+          <a:p>
+            <a:r>
+              <a:rPr lang="en-US" sz="4000" dirty="0" smtClean="0"/>
+              <a:t>A</a:t>
+            </a:r>
+            <a:r>
+              <a:rPr lang="en-US" sz="4000" dirty="0" smtClean="0"/>
+              <a:t>llows the </a:t>
+            </a:r>
+            <a:r>
+              <a:rPr lang="en-US" sz="4000" dirty="0" smtClean="0"/>
+              <a:t>examination of the polymer behavior in various scenarios. </a:t>
             </a:r>
           </a:p>
           <a:p>
@@ -3223,7 +3293,15 @@
             </a:r>
             <a:r>
               <a:rPr lang="en-US" sz="4000" dirty="0" smtClean="0"/>
-              <a:t> allows simultaneous capturing of many looping events of the chromosome. </a:t>
+              <a:t> </a:t>
+            </a:r>
+            <a:r>
+              <a:rPr lang="en-US" sz="4000" dirty="0" smtClean="0"/>
+              <a:t>experiment simultaneously captures millions of looping </a:t>
+            </a:r>
+            <a:r>
+              <a:rPr lang="en-US" sz="4000" dirty="0" smtClean="0"/>
+              <a:t>events of the chromosome. </a:t>
             </a:r>
           </a:p>
           <a:p>
@@ -3248,8 +3326,15 @@
             </a:r>
             <a:r>
               <a:rPr lang="en-US" sz="4000" dirty="0" smtClean="0"/>
-              <a:t> inactivation center,</a:t>
-            </a:r>
+              <a:t> inactivation center</a:t>
+            </a:r>
+            <a:r>
+              <a:rPr lang="en-US" sz="4000" dirty="0" smtClean="0"/>
+              <a:t>, however the actual architecture in a specific stage is unknown </a:t>
+            </a:r>
+          </a:p>
+          <a:p>
+            <a:endParaRPr lang="en-US" sz="4000" dirty="0" smtClean="0"/>
           </a:p>
           <a:p>
             <a:r>
@@ -3279,7 +3364,23 @@
             </a:r>
             <a:r>
               <a:rPr lang="en-US" sz="4000" dirty="0" smtClean="0"/>
-              <a:t>: As a proof of principle for our method we analyze 1Mb region of the X-inactivation center , provided by </a:t>
+              <a:t>: </a:t>
+            </a:r>
+            <a:r>
+              <a:rPr lang="en-US" sz="4000" dirty="0" smtClean="0"/>
+              <a:t>we a subset of  ~1Mb </a:t>
+            </a:r>
+            <a:r>
+              <a:rPr lang="en-US" sz="4000" dirty="0" smtClean="0"/>
+              <a:t>region of the </a:t>
+            </a:r>
+            <a:r>
+              <a:rPr lang="en-US" sz="4000" dirty="0" smtClean="0"/>
+              <a:t>X-chromosome around the X- inactivation </a:t>
+            </a:r>
+            <a:r>
+              <a:rPr lang="en-US" sz="4000" dirty="0" smtClean="0"/>
+              <a:t>center , provided by </a:t>
             </a:r>
             <a:r>
               <a:rPr lang="en-US" sz="4000" dirty="0" err="1" smtClean="0"/>
@@ -3291,6 +3392,10 @@
             </a:r>
           </a:p>
           <a:p>
+            <a:r>
+              <a:rPr lang="en-US" sz="4000" dirty="0" smtClean="0"/>
+              <a:t>A coarse graining of the polymer into segments of 3kb and mapping the encounters onto it.</a:t>
+            </a:r>
             <a:endParaRPr lang="en-US" sz="4000" dirty="0" smtClean="0"/>
           </a:p>
           <a:p>
@@ -3316,7 +3421,7 @@
         <p:spPr>
           <a:xfrm>
             <a:off x="9350478" y="2405146"/>
-            <a:ext cx="10117395" cy="28407777"/>
+            <a:ext cx="10117395" cy="29023330"/>
           </a:xfrm>
           <a:prstGeom prst="rect">
             <a:avLst/>
@@ -3346,7 +3451,23 @@
             </a:r>
             <a:r>
               <a:rPr lang="en-US" sz="4000" dirty="0" smtClean="0"/>
-              <a:t> assuming a Rouse model, map encounter signal into part of loops and chains. </a:t>
+              <a:t> </a:t>
+            </a:r>
+            <a:r>
+              <a:rPr lang="en-US" sz="4000" dirty="0" smtClean="0"/>
+              <a:t>We start by assuming </a:t>
+            </a:r>
+            <a:r>
+              <a:rPr lang="en-US" sz="4000" dirty="0" smtClean="0"/>
+              <a:t>a Rouse </a:t>
+            </a:r>
+            <a:r>
+              <a:rPr lang="en-US" sz="4000" dirty="0" smtClean="0"/>
+              <a:t>model describing the polymer, </a:t>
+            </a:r>
+            <a:r>
+              <a:rPr lang="en-US" sz="4000" dirty="0" smtClean="0"/>
+              <a:t>map encounter signal into part of loops and chains. </a:t>
             </a:r>
           </a:p>
           <a:p>
@@ -3370,7 +3491,15 @@
             </a:r>
             <a:r>
               <a:rPr lang="en-US" sz="4000" dirty="0" smtClean="0"/>
-              <a:t>) encounters were mapped onto beads. Resulting in 307 beads. </a:t>
+              <a:t>) encounters were mapped onto beads. Resulting in </a:t>
+            </a:r>
+            <a:r>
+              <a:rPr lang="en-US" sz="4000" dirty="0" smtClean="0"/>
+              <a:t>a polymer of 307 </a:t>
+            </a:r>
+            <a:r>
+              <a:rPr lang="en-US" sz="4000" dirty="0" smtClean="0"/>
+              <a:t>beads. </a:t>
             </a:r>
           </a:p>
           <a:p>
@@ -3379,6 +3508,15 @@
           <a:p>
             <a:r>
               <a:rPr lang="en-US" sz="4000" dirty="0" smtClean="0"/>
+              <a:t>Signals are noisy </a:t>
+            </a:r>
+          </a:p>
+          <a:p>
+            <a:endParaRPr lang="en-US" sz="4000" dirty="0" smtClean="0"/>
+          </a:p>
+          <a:p>
+            <a:r>
+              <a:rPr lang="en-US" sz="4000" dirty="0" smtClean="0"/>
               <a:t>Interpolate zero values in the signal </a:t>
             </a:r>
           </a:p>
@@ -3388,13 +3526,50 @@
           <a:p>
             <a:r>
               <a:rPr lang="en-US" sz="4000" dirty="0" smtClean="0"/>
-              <a:t>Smoothing using Bilateral filter to preserve information carried by the peaks </a:t>
-            </a:r>
-          </a:p>
-          <a:p>
-            <a:r>
-              <a:rPr lang="en-US" sz="4000" dirty="0" smtClean="0"/>
-              <a:t>Provisional ideas: the encounter probability of the Rouse chain behaves like the diffusion (heat) equation, it is therefore natural to smooth the encounter curve using the diffusion equation. To account for the peaks we have to find an unknown source. We arrive at the inverse heat equation. Finding the source then allows us to smooth the curve with analytical formulas.[add image]</a:t>
+              <a:t>The </a:t>
+            </a:r>
+            <a:r>
+              <a:rPr lang="en-US" sz="4000" dirty="0" smtClean="0"/>
+              <a:t>encounter probability of the Rouse chain behaves like the diffusion (heat) equation, it is therefore natural to smooth the encounter curve using the diffusion equation. To account for the peaks we have to find an </a:t>
+            </a:r>
+            <a:r>
+              <a:rPr lang="en-US" sz="4000" dirty="0" smtClean="0"/>
+              <a:t>unknown, time dependent source function r(t). </a:t>
+            </a:r>
+            <a:r>
+              <a:rPr lang="en-US" sz="4000" dirty="0" smtClean="0"/>
+              <a:t>We arrive at the inverse heat equation. Finding the source then allows us to smooth the curve with analytical formulas.[add image]</a:t>
+            </a:r>
+          </a:p>
+          <a:p>
+            <a:endParaRPr lang="en-US" sz="4000" dirty="0" smtClean="0"/>
+          </a:p>
+          <a:p>
+            <a:r>
+              <a:rPr lang="en-US" sz="4000" dirty="0" smtClean="0"/>
+              <a:t>break the encounter signals into regions of loops and chain [ add image]</a:t>
+            </a:r>
+          </a:p>
+          <a:p>
+            <a:endParaRPr lang="en-US" sz="4000" dirty="0" smtClean="0"/>
+          </a:p>
+          <a:p>
+            <a:r>
+              <a:rPr lang="en-US" sz="4000" dirty="0" smtClean="0"/>
+              <a:t>Resulting structure can now be fitted with encounter probability functions, assuming Rouse model </a:t>
+            </a:r>
+          </a:p>
+          <a:p>
+            <a:endParaRPr lang="en-US" sz="4000" dirty="0" smtClean="0"/>
+          </a:p>
+          <a:p>
+            <a:r>
+              <a:rPr lang="en-US" sz="4000" dirty="0" smtClean="0"/>
+              <a:t>Find an agreement </a:t>
+            </a:r>
+            <a:r>
+              <a:rPr lang="en-US" sz="4000" dirty="0" smtClean="0"/>
+              <a:t>between the loop location in various signals by probabilistic model</a:t>
             </a:r>
           </a:p>
           <a:p>
@@ -3403,52 +3578,7 @@
           <a:p>
             <a:r>
               <a:rPr lang="en-US" sz="4000" dirty="0" smtClean="0"/>
-              <a:t>Peak finding/ peak calling [consider removing]</a:t>
-            </a:r>
-          </a:p>
-          <a:p>
-            <a:endParaRPr lang="en-US" sz="4000" dirty="0" smtClean="0"/>
-          </a:p>
-          <a:p>
-            <a:r>
-              <a:rPr lang="en-US" sz="4000" dirty="0" smtClean="0"/>
-              <a:t>break the encounter signals into regions of loops and chain [ add image]</a:t>
-            </a:r>
-          </a:p>
-          <a:p>
-            <a:endParaRPr lang="en-US" sz="4000" dirty="0" smtClean="0"/>
-          </a:p>
-          <a:p>
-            <a:r>
-              <a:rPr lang="en-US" sz="4000" dirty="0" smtClean="0"/>
-              <a:t>Resulting structure can now be fitted with encounter probability functions, assuming Rouse model </a:t>
-            </a:r>
-          </a:p>
-          <a:p>
-            <a:endParaRPr lang="en-US" sz="4000" dirty="0" smtClean="0"/>
-          </a:p>
-          <a:p>
-            <a:r>
-              <a:rPr lang="en-US" sz="4000" dirty="0" smtClean="0"/>
-              <a:t>Agreement between the loop location in various signals by probabilistic model</a:t>
-            </a:r>
-          </a:p>
-          <a:p>
-            <a:endParaRPr lang="en-US" sz="4000" dirty="0"/>
-          </a:p>
-          <a:p>
-            <a:r>
-              <a:rPr lang="en-US" sz="4000" dirty="0" smtClean="0"/>
               <a:t>Reconstruction</a:t>
-            </a:r>
-          </a:p>
-          <a:p>
-            <a:endParaRPr lang="en-US" sz="4000" dirty="0" smtClean="0"/>
-          </a:p>
-          <a:p>
-            <a:r>
-              <a:rPr lang="en-US" sz="4000" dirty="0" smtClean="0"/>
-              <a:t>Adjusting the spring constant for peaks higher than nearest neighbor </a:t>
             </a:r>
           </a:p>
           <a:p>
@@ -3474,8 +3604,30 @@
             </a:r>
             <a:r>
               <a:rPr lang="en-US" sz="4000" dirty="0" smtClean="0"/>
-              <a:t> maps</a:t>
-            </a:r>
+              <a:t> </a:t>
+            </a:r>
+            <a:r>
+              <a:rPr lang="en-US" sz="4000" dirty="0" smtClean="0"/>
+              <a:t>maps</a:t>
+            </a:r>
+          </a:p>
+          <a:p>
+            <a:endParaRPr lang="en-US" sz="4000" dirty="0"/>
+          </a:p>
+          <a:p>
+            <a:r>
+              <a:rPr lang="en-US" sz="4000" dirty="0"/>
+              <a:t>TODO:</a:t>
+            </a:r>
+          </a:p>
+          <a:p>
+            <a:r>
+              <a:rPr lang="en-US" sz="4000" dirty="0"/>
+              <a:t>Adjusting the spring constant for peaks higher than nearest neighbor </a:t>
+            </a:r>
+          </a:p>
+          <a:p>
+            <a:endParaRPr lang="en-US" sz="4000" dirty="0" smtClean="0"/>
           </a:p>
           <a:p>
             <a:endParaRPr lang="en-US" sz="4000" dirty="0"/>
@@ -3494,7 +3646,7 @@
         <p:spPr>
           <a:xfrm>
             <a:off x="19467873" y="2405146"/>
-            <a:ext cx="9488127" cy="5016758"/>
+            <a:ext cx="9488127" cy="3785652"/>
           </a:xfrm>
           <a:prstGeom prst="rect">
             <a:avLst/>
@@ -3514,12 +3666,6 @@
                 </a:solidFill>
               </a:rPr>
               <a:t>Preliminary Results:</a:t>
-            </a:r>
-          </a:p>
-          <a:p>
-            <a:r>
-              <a:rPr lang="en-US" sz="4000" dirty="0" smtClean="0"/>
-              <a:t>The resulting structure have not yet been analyzed, simulation are underway.</a:t>
             </a:r>
           </a:p>
           <a:p>

--- a/Documents/epigenetic workshop/Poster.pptx
+++ b/Documents/epigenetic workshop/Poster.pptx
@@ -2,12 +2,12 @@
 <file path=ppt/presentation.xml><?xml version="1.0" encoding="utf-8"?>
 <p:presentation xmlns:a="http://schemas.openxmlformats.org/drawingml/2006/main" xmlns:r="http://schemas.openxmlformats.org/officeDocument/2006/relationships" xmlns:p="http://schemas.openxmlformats.org/presentationml/2006/main" saveSubsetFonts="1">
   <p:sldMasterIdLst>
-    <p:sldMasterId id="2147483660" r:id="rId1"/>
+    <p:sldMasterId id="2147483684" r:id="rId1"/>
   </p:sldMasterIdLst>
   <p:sldIdLst>
     <p:sldId id="256" r:id="rId2"/>
   </p:sldIdLst>
-  <p:sldSz cx="28956000" cy="28498800"/>
+  <p:sldSz cx="39411275" cy="28621038"/>
   <p:notesSz cx="6858000" cy="9144000"/>
   <p:defaultTextStyle>
     <a:defPPr>
@@ -141,15 +141,15 @@
         </p:nvSpPr>
         <p:spPr>
           <a:xfrm>
-            <a:off x="2171700" y="4664042"/>
-            <a:ext cx="24612600" cy="9921804"/>
+            <a:off x="2955846" y="4684047"/>
+            <a:ext cx="33499584" cy="9964361"/>
           </a:xfrm>
         </p:spPr>
         <p:txBody>
           <a:bodyPr anchor="b"/>
           <a:lstStyle>
             <a:lvl1pPr algn="ctr">
-              <a:defRPr sz="19000"/>
+              <a:defRPr sz="25040"/>
             </a:lvl1pPr>
           </a:lstStyle>
           <a:p>
@@ -173,8 +173,8 @@
         </p:nvSpPr>
         <p:spPr>
           <a:xfrm>
-            <a:off x="3619500" y="14968469"/>
-            <a:ext cx="21717000" cy="6880611"/>
+            <a:off x="4926410" y="15032672"/>
+            <a:ext cx="29558456" cy="6910124"/>
           </a:xfrm>
         </p:spPr>
         <p:txBody>
@@ -182,39 +182,39 @@
           <a:lstStyle>
             <a:lvl1pPr marL="0" indent="0" algn="ctr">
               <a:buNone/>
-              <a:defRPr sz="7600"/>
+              <a:defRPr sz="10016"/>
             </a:lvl1pPr>
-            <a:lvl2pPr marL="1447815" indent="0" algn="ctr">
+            <a:lvl2pPr marL="1908078" indent="0" algn="ctr">
               <a:buNone/>
-              <a:defRPr sz="6333"/>
+              <a:defRPr sz="8347"/>
             </a:lvl2pPr>
-            <a:lvl3pPr marL="2895630" indent="0" algn="ctr">
+            <a:lvl3pPr marL="3816157" indent="0" algn="ctr">
               <a:buNone/>
-              <a:defRPr sz="5700"/>
+              <a:defRPr sz="7512"/>
             </a:lvl3pPr>
-            <a:lvl4pPr marL="4343446" indent="0" algn="ctr">
+            <a:lvl4pPr marL="5724235" indent="0" algn="ctr">
               <a:buNone/>
-              <a:defRPr sz="5067"/>
+              <a:defRPr sz="6677"/>
             </a:lvl4pPr>
-            <a:lvl5pPr marL="5791261" indent="0" algn="ctr">
+            <a:lvl5pPr marL="7632314" indent="0" algn="ctr">
               <a:buNone/>
-              <a:defRPr sz="5067"/>
+              <a:defRPr sz="6677"/>
             </a:lvl5pPr>
-            <a:lvl6pPr marL="7239076" indent="0" algn="ctr">
+            <a:lvl6pPr marL="9540392" indent="0" algn="ctr">
               <a:buNone/>
-              <a:defRPr sz="5067"/>
+              <a:defRPr sz="6677"/>
             </a:lvl6pPr>
-            <a:lvl7pPr marL="8686891" indent="0" algn="ctr">
+            <a:lvl7pPr marL="11448471" indent="0" algn="ctr">
               <a:buNone/>
-              <a:defRPr sz="5067"/>
+              <a:defRPr sz="6677"/>
             </a:lvl7pPr>
-            <a:lvl8pPr marL="10134707" indent="0" algn="ctr">
+            <a:lvl8pPr marL="13356549" indent="0" algn="ctr">
               <a:buNone/>
-              <a:defRPr sz="5067"/>
+              <a:defRPr sz="6677"/>
             </a:lvl8pPr>
-            <a:lvl9pPr marL="11582522" indent="0" algn="ctr">
+            <a:lvl9pPr marL="15264628" indent="0" algn="ctr">
               <a:buNone/>
-              <a:defRPr sz="5067"/>
+              <a:defRPr sz="6677"/>
             </a:lvl9pPr>
           </a:lstStyle>
           <a:p>
@@ -294,20 +294,13 @@
     </p:spTree>
     <p:extLst>
       <p:ext uri="{BB962C8B-B14F-4D97-AF65-F5344CB8AC3E}">
-        <p14:creationId xmlns:p14="http://schemas.microsoft.com/office/powerpoint/2010/main" val="2995717559"/>
+        <p14:creationId xmlns:p14="http://schemas.microsoft.com/office/powerpoint/2010/main" val="2523263351"/>
       </p:ext>
     </p:extLst>
   </p:cSld>
   <p:clrMapOvr>
     <a:masterClrMapping/>
   </p:clrMapOvr>
-  <p:timing>
-    <p:tnLst>
-      <p:par>
-        <p:cTn id="1" dur="indefinite" restart="never" nodeType="tmRoot"/>
-      </p:par>
-    </p:tnLst>
-  </p:timing>
 </p:sldLayout>
 </file>
 
@@ -471,7 +464,7 @@
     </p:spTree>
     <p:extLst>
       <p:ext uri="{BB962C8B-B14F-4D97-AF65-F5344CB8AC3E}">
-        <p14:creationId xmlns:p14="http://schemas.microsoft.com/office/powerpoint/2010/main" val="1286032698"/>
+        <p14:creationId xmlns:p14="http://schemas.microsoft.com/office/powerpoint/2010/main" val="812457150"/>
       </p:ext>
     </p:extLst>
   </p:cSld>
@@ -510,8 +503,8 @@
         </p:nvSpPr>
         <p:spPr>
           <a:xfrm>
-            <a:off x="20721639" y="1517297"/>
-            <a:ext cx="6243638" cy="24151416"/>
+            <a:off x="28203696" y="1523805"/>
+            <a:ext cx="8498056" cy="24255007"/>
           </a:xfrm>
         </p:spPr>
         <p:txBody>
@@ -538,8 +531,8 @@
         </p:nvSpPr>
         <p:spPr>
           <a:xfrm>
-            <a:off x="1990726" y="1517297"/>
-            <a:ext cx="18368963" cy="24151416"/>
+            <a:off x="2709527" y="1523805"/>
+            <a:ext cx="25001528" cy="24255007"/>
           </a:xfrm>
         </p:spPr>
         <p:txBody>
@@ -651,7 +644,7 @@
     </p:spTree>
     <p:extLst>
       <p:ext uri="{BB962C8B-B14F-4D97-AF65-F5344CB8AC3E}">
-        <p14:creationId xmlns:p14="http://schemas.microsoft.com/office/powerpoint/2010/main" val="3682149543"/>
+        <p14:creationId xmlns:p14="http://schemas.microsoft.com/office/powerpoint/2010/main" val="4065551402"/>
       </p:ext>
     </p:extLst>
   </p:cSld>
@@ -821,7 +814,7 @@
     </p:spTree>
     <p:extLst>
       <p:ext uri="{BB962C8B-B14F-4D97-AF65-F5344CB8AC3E}">
-        <p14:creationId xmlns:p14="http://schemas.microsoft.com/office/powerpoint/2010/main" val="1767751556"/>
+        <p14:creationId xmlns:p14="http://schemas.microsoft.com/office/powerpoint/2010/main" val="2190822544"/>
       </p:ext>
     </p:extLst>
   </p:cSld>
@@ -860,15 +853,15 @@
         </p:nvSpPr>
         <p:spPr>
           <a:xfrm>
-            <a:off x="1975645" y="7104918"/>
-            <a:ext cx="24974550" cy="11854707"/>
+            <a:off x="2689000" y="7135392"/>
+            <a:ext cx="33992225" cy="11905555"/>
           </a:xfrm>
         </p:spPr>
         <p:txBody>
           <a:bodyPr anchor="b"/>
           <a:lstStyle>
             <a:lvl1pPr>
-              <a:defRPr sz="19000"/>
+              <a:defRPr sz="25040"/>
             </a:lvl1pPr>
           </a:lstStyle>
           <a:p>
@@ -892,8 +885,8 @@
         </p:nvSpPr>
         <p:spPr>
           <a:xfrm>
-            <a:off x="1975645" y="19071775"/>
-            <a:ext cx="24974550" cy="6234110"/>
+            <a:off x="2689000" y="19153578"/>
+            <a:ext cx="33992225" cy="6260850"/>
           </a:xfrm>
         </p:spPr>
         <p:txBody>
@@ -901,15 +894,15 @@
           <a:lstStyle>
             <a:lvl1pPr marL="0" indent="0">
               <a:buNone/>
-              <a:defRPr sz="7600">
+              <a:defRPr sz="10016">
                 <a:solidFill>
                   <a:schemeClr val="tx1"/>
                 </a:solidFill>
               </a:defRPr>
             </a:lvl1pPr>
-            <a:lvl2pPr marL="1447815" indent="0">
+            <a:lvl2pPr marL="1908078" indent="0">
               <a:buNone/>
-              <a:defRPr sz="6333">
+              <a:defRPr sz="8347">
                 <a:solidFill>
                   <a:schemeClr val="tx1">
                     <a:tint val="75000"/>
@@ -917,9 +910,9 @@
                 </a:solidFill>
               </a:defRPr>
             </a:lvl2pPr>
-            <a:lvl3pPr marL="2895630" indent="0">
+            <a:lvl3pPr marL="3816157" indent="0">
               <a:buNone/>
-              <a:defRPr sz="5700">
+              <a:defRPr sz="7512">
                 <a:solidFill>
                   <a:schemeClr val="tx1">
                     <a:tint val="75000"/>
@@ -927,9 +920,9 @@
                 </a:solidFill>
               </a:defRPr>
             </a:lvl3pPr>
-            <a:lvl4pPr marL="4343446" indent="0">
+            <a:lvl4pPr marL="5724235" indent="0">
               <a:buNone/>
-              <a:defRPr sz="5067">
+              <a:defRPr sz="6677">
                 <a:solidFill>
                   <a:schemeClr val="tx1">
                     <a:tint val="75000"/>
@@ -937,9 +930,9 @@
                 </a:solidFill>
               </a:defRPr>
             </a:lvl4pPr>
-            <a:lvl5pPr marL="5791261" indent="0">
+            <a:lvl5pPr marL="7632314" indent="0">
               <a:buNone/>
-              <a:defRPr sz="5067">
+              <a:defRPr sz="6677">
                 <a:solidFill>
                   <a:schemeClr val="tx1">
                     <a:tint val="75000"/>
@@ -947,9 +940,9 @@
                 </a:solidFill>
               </a:defRPr>
             </a:lvl5pPr>
-            <a:lvl6pPr marL="7239076" indent="0">
+            <a:lvl6pPr marL="9540392" indent="0">
               <a:buNone/>
-              <a:defRPr sz="5067">
+              <a:defRPr sz="6677">
                 <a:solidFill>
                   <a:schemeClr val="tx1">
                     <a:tint val="75000"/>
@@ -957,9 +950,9 @@
                 </a:solidFill>
               </a:defRPr>
             </a:lvl6pPr>
-            <a:lvl7pPr marL="8686891" indent="0">
+            <a:lvl7pPr marL="11448471" indent="0">
               <a:buNone/>
-              <a:defRPr sz="5067">
+              <a:defRPr sz="6677">
                 <a:solidFill>
                   <a:schemeClr val="tx1">
                     <a:tint val="75000"/>
@@ -967,9 +960,9 @@
                 </a:solidFill>
               </a:defRPr>
             </a:lvl7pPr>
-            <a:lvl8pPr marL="10134707" indent="0">
+            <a:lvl8pPr marL="13356549" indent="0">
               <a:buNone/>
-              <a:defRPr sz="5067">
+              <a:defRPr sz="6677">
                 <a:solidFill>
                   <a:schemeClr val="tx1">
                     <a:tint val="75000"/>
@@ -977,9 +970,9 @@
                 </a:solidFill>
               </a:defRPr>
             </a:lvl8pPr>
-            <a:lvl9pPr marL="11582522" indent="0">
+            <a:lvl9pPr marL="15264628" indent="0">
               <a:buNone/>
-              <a:defRPr sz="5067">
+              <a:defRPr sz="6677">
                 <a:solidFill>
                   <a:schemeClr val="tx1">
                     <a:tint val="75000"/>
@@ -1065,7 +1058,7 @@
     </p:spTree>
     <p:extLst>
       <p:ext uri="{BB962C8B-B14F-4D97-AF65-F5344CB8AC3E}">
-        <p14:creationId xmlns:p14="http://schemas.microsoft.com/office/powerpoint/2010/main" val="2480267825"/>
+        <p14:creationId xmlns:p14="http://schemas.microsoft.com/office/powerpoint/2010/main" val="3434145203"/>
       </p:ext>
     </p:extLst>
   </p:cSld>
@@ -1127,8 +1120,8 @@
         </p:nvSpPr>
         <p:spPr>
           <a:xfrm>
-            <a:off x="1990725" y="7586486"/>
-            <a:ext cx="12306300" cy="18082227"/>
+            <a:off x="2709525" y="7619026"/>
+            <a:ext cx="16749792" cy="18159786"/>
           </a:xfrm>
         </p:spPr>
         <p:txBody>
@@ -1184,8 +1177,8 @@
         </p:nvSpPr>
         <p:spPr>
           <a:xfrm>
-            <a:off x="14658975" y="7586486"/>
-            <a:ext cx="12306300" cy="18082227"/>
+            <a:off x="19951958" y="7619026"/>
+            <a:ext cx="16749792" cy="18159786"/>
           </a:xfrm>
         </p:spPr>
         <p:txBody>
@@ -1297,7 +1290,7 @@
     </p:spTree>
     <p:extLst>
       <p:ext uri="{BB962C8B-B14F-4D97-AF65-F5344CB8AC3E}">
-        <p14:creationId xmlns:p14="http://schemas.microsoft.com/office/powerpoint/2010/main" val="3924233789"/>
+        <p14:creationId xmlns:p14="http://schemas.microsoft.com/office/powerpoint/2010/main" val="736828821"/>
       </p:ext>
     </p:extLst>
   </p:cSld>
@@ -1336,8 +1329,8 @@
         </p:nvSpPr>
         <p:spPr>
           <a:xfrm>
-            <a:off x="1994497" y="1517303"/>
-            <a:ext cx="24974550" cy="5508451"/>
+            <a:off x="2714658" y="1523811"/>
+            <a:ext cx="33992225" cy="5532078"/>
           </a:xfrm>
         </p:spPr>
         <p:txBody>
@@ -1364,8 +1357,8 @@
         </p:nvSpPr>
         <p:spPr>
           <a:xfrm>
-            <a:off x="1994500" y="6986166"/>
-            <a:ext cx="12249743" cy="3423812"/>
+            <a:off x="2714663" y="7016131"/>
+            <a:ext cx="16672814" cy="3438498"/>
           </a:xfrm>
         </p:spPr>
         <p:txBody>
@@ -1373,39 +1366,39 @@
           <a:lstStyle>
             <a:lvl1pPr marL="0" indent="0">
               <a:buNone/>
-              <a:defRPr sz="7600" b="1"/>
+              <a:defRPr sz="10016" b="1"/>
             </a:lvl1pPr>
-            <a:lvl2pPr marL="1447815" indent="0">
+            <a:lvl2pPr marL="1908078" indent="0">
               <a:buNone/>
-              <a:defRPr sz="6333" b="1"/>
+              <a:defRPr sz="8347" b="1"/>
             </a:lvl2pPr>
-            <a:lvl3pPr marL="2895630" indent="0">
+            <a:lvl3pPr marL="3816157" indent="0">
               <a:buNone/>
-              <a:defRPr sz="5700" b="1"/>
+              <a:defRPr sz="7512" b="1"/>
             </a:lvl3pPr>
-            <a:lvl4pPr marL="4343446" indent="0">
+            <a:lvl4pPr marL="5724235" indent="0">
               <a:buNone/>
-              <a:defRPr sz="5067" b="1"/>
+              <a:defRPr sz="6677" b="1"/>
             </a:lvl4pPr>
-            <a:lvl5pPr marL="5791261" indent="0">
+            <a:lvl5pPr marL="7632314" indent="0">
               <a:buNone/>
-              <a:defRPr sz="5067" b="1"/>
+              <a:defRPr sz="6677" b="1"/>
             </a:lvl5pPr>
-            <a:lvl6pPr marL="7239076" indent="0">
+            <a:lvl6pPr marL="9540392" indent="0">
               <a:buNone/>
-              <a:defRPr sz="5067" b="1"/>
+              <a:defRPr sz="6677" b="1"/>
             </a:lvl6pPr>
-            <a:lvl7pPr marL="8686891" indent="0">
+            <a:lvl7pPr marL="11448471" indent="0">
               <a:buNone/>
-              <a:defRPr sz="5067" b="1"/>
+              <a:defRPr sz="6677" b="1"/>
             </a:lvl7pPr>
-            <a:lvl8pPr marL="10134707" indent="0">
+            <a:lvl8pPr marL="13356549" indent="0">
               <a:buNone/>
-              <a:defRPr sz="5067" b="1"/>
+              <a:defRPr sz="6677" b="1"/>
             </a:lvl8pPr>
-            <a:lvl9pPr marL="11582522" indent="0">
+            <a:lvl9pPr marL="15264628" indent="0">
               <a:buNone/>
-              <a:defRPr sz="5067" b="1"/>
+              <a:defRPr sz="6677" b="1"/>
             </a:lvl9pPr>
           </a:lstStyle>
           <a:p>
@@ -1429,8 +1422,8 @@
         </p:nvSpPr>
         <p:spPr>
           <a:xfrm>
-            <a:off x="1994500" y="10409978"/>
-            <a:ext cx="12249743" cy="15311510"/>
+            <a:off x="2714663" y="10454629"/>
+            <a:ext cx="16672814" cy="15377185"/>
           </a:xfrm>
         </p:spPr>
         <p:txBody>
@@ -1486,8 +1479,8 @@
         </p:nvSpPr>
         <p:spPr>
           <a:xfrm>
-            <a:off x="14658976" y="6986166"/>
-            <a:ext cx="12310072" cy="3423812"/>
+            <a:off x="19951960" y="7016131"/>
+            <a:ext cx="16754925" cy="3438498"/>
           </a:xfrm>
         </p:spPr>
         <p:txBody>
@@ -1495,39 +1488,39 @@
           <a:lstStyle>
             <a:lvl1pPr marL="0" indent="0">
               <a:buNone/>
-              <a:defRPr sz="7600" b="1"/>
+              <a:defRPr sz="10016" b="1"/>
             </a:lvl1pPr>
-            <a:lvl2pPr marL="1447815" indent="0">
+            <a:lvl2pPr marL="1908078" indent="0">
               <a:buNone/>
-              <a:defRPr sz="6333" b="1"/>
+              <a:defRPr sz="8347" b="1"/>
             </a:lvl2pPr>
-            <a:lvl3pPr marL="2895630" indent="0">
+            <a:lvl3pPr marL="3816157" indent="0">
               <a:buNone/>
-              <a:defRPr sz="5700" b="1"/>
+              <a:defRPr sz="7512" b="1"/>
             </a:lvl3pPr>
-            <a:lvl4pPr marL="4343446" indent="0">
+            <a:lvl4pPr marL="5724235" indent="0">
               <a:buNone/>
-              <a:defRPr sz="5067" b="1"/>
+              <a:defRPr sz="6677" b="1"/>
             </a:lvl4pPr>
-            <a:lvl5pPr marL="5791261" indent="0">
+            <a:lvl5pPr marL="7632314" indent="0">
               <a:buNone/>
-              <a:defRPr sz="5067" b="1"/>
+              <a:defRPr sz="6677" b="1"/>
             </a:lvl5pPr>
-            <a:lvl6pPr marL="7239076" indent="0">
+            <a:lvl6pPr marL="9540392" indent="0">
               <a:buNone/>
-              <a:defRPr sz="5067" b="1"/>
+              <a:defRPr sz="6677" b="1"/>
             </a:lvl6pPr>
-            <a:lvl7pPr marL="8686891" indent="0">
+            <a:lvl7pPr marL="11448471" indent="0">
               <a:buNone/>
-              <a:defRPr sz="5067" b="1"/>
+              <a:defRPr sz="6677" b="1"/>
             </a:lvl7pPr>
-            <a:lvl8pPr marL="10134707" indent="0">
+            <a:lvl8pPr marL="13356549" indent="0">
               <a:buNone/>
-              <a:defRPr sz="5067" b="1"/>
+              <a:defRPr sz="6677" b="1"/>
             </a:lvl8pPr>
-            <a:lvl9pPr marL="11582522" indent="0">
+            <a:lvl9pPr marL="15264628" indent="0">
               <a:buNone/>
-              <a:defRPr sz="5067" b="1"/>
+              <a:defRPr sz="6677" b="1"/>
             </a:lvl9pPr>
           </a:lstStyle>
           <a:p>
@@ -1551,8 +1544,8 @@
         </p:nvSpPr>
         <p:spPr>
           <a:xfrm>
-            <a:off x="14658976" y="10409978"/>
-            <a:ext cx="12310072" cy="15311510"/>
+            <a:off x="19951960" y="10454629"/>
+            <a:ext cx="16754925" cy="15377185"/>
           </a:xfrm>
         </p:spPr>
         <p:txBody>
@@ -1664,7 +1657,7 @@
     </p:spTree>
     <p:extLst>
       <p:ext uri="{BB962C8B-B14F-4D97-AF65-F5344CB8AC3E}">
-        <p14:creationId xmlns:p14="http://schemas.microsoft.com/office/powerpoint/2010/main" val="512460228"/>
+        <p14:creationId xmlns:p14="http://schemas.microsoft.com/office/powerpoint/2010/main" val="2857526462"/>
       </p:ext>
     </p:extLst>
   </p:cSld>
@@ -1782,7 +1775,7 @@
     </p:spTree>
     <p:extLst>
       <p:ext uri="{BB962C8B-B14F-4D97-AF65-F5344CB8AC3E}">
-        <p14:creationId xmlns:p14="http://schemas.microsoft.com/office/powerpoint/2010/main" val="4186962247"/>
+        <p14:creationId xmlns:p14="http://schemas.microsoft.com/office/powerpoint/2010/main" val="3609472700"/>
       </p:ext>
     </p:extLst>
   </p:cSld>
@@ -1877,7 +1870,7 @@
     </p:spTree>
     <p:extLst>
       <p:ext uri="{BB962C8B-B14F-4D97-AF65-F5344CB8AC3E}">
-        <p14:creationId xmlns:p14="http://schemas.microsoft.com/office/powerpoint/2010/main" val="1436167361"/>
+        <p14:creationId xmlns:p14="http://schemas.microsoft.com/office/powerpoint/2010/main" val="1259549053"/>
       </p:ext>
     </p:extLst>
   </p:cSld>
@@ -1916,15 +1909,15 @@
         </p:nvSpPr>
         <p:spPr>
           <a:xfrm>
-            <a:off x="1994496" y="1899920"/>
-            <a:ext cx="9339064" cy="6649720"/>
+            <a:off x="2714658" y="1908069"/>
+            <a:ext cx="12711162" cy="6678242"/>
           </a:xfrm>
         </p:spPr>
         <p:txBody>
           <a:bodyPr anchor="b"/>
           <a:lstStyle>
             <a:lvl1pPr>
-              <a:defRPr sz="10133"/>
+              <a:defRPr sz="13355"/>
             </a:lvl1pPr>
           </a:lstStyle>
           <a:p>
@@ -1948,39 +1941,39 @@
         </p:nvSpPr>
         <p:spPr>
           <a:xfrm>
-            <a:off x="12310072" y="4103306"/>
-            <a:ext cx="14658975" cy="20252619"/>
+            <a:off x="16754925" y="4120906"/>
+            <a:ext cx="19951958" cy="20339488"/>
           </a:xfrm>
         </p:spPr>
         <p:txBody>
           <a:bodyPr/>
           <a:lstStyle>
             <a:lvl1pPr>
-              <a:defRPr sz="10133"/>
+              <a:defRPr sz="13355"/>
             </a:lvl1pPr>
             <a:lvl2pPr>
-              <a:defRPr sz="8867"/>
+              <a:defRPr sz="11686"/>
             </a:lvl2pPr>
             <a:lvl3pPr>
-              <a:defRPr sz="7600"/>
+              <a:defRPr sz="10016"/>
             </a:lvl3pPr>
             <a:lvl4pPr>
-              <a:defRPr sz="6333"/>
+              <a:defRPr sz="8347"/>
             </a:lvl4pPr>
             <a:lvl5pPr>
-              <a:defRPr sz="6333"/>
+              <a:defRPr sz="8347"/>
             </a:lvl5pPr>
             <a:lvl6pPr>
-              <a:defRPr sz="6333"/>
+              <a:defRPr sz="8347"/>
             </a:lvl6pPr>
             <a:lvl7pPr>
-              <a:defRPr sz="6333"/>
+              <a:defRPr sz="8347"/>
             </a:lvl7pPr>
             <a:lvl8pPr>
-              <a:defRPr sz="6333"/>
+              <a:defRPr sz="8347"/>
             </a:lvl8pPr>
             <a:lvl9pPr>
-              <a:defRPr sz="6333"/>
+              <a:defRPr sz="8347"/>
             </a:lvl9pPr>
           </a:lstStyle>
           <a:p>
@@ -2033,8 +2026,8 @@
         </p:nvSpPr>
         <p:spPr>
           <a:xfrm>
-            <a:off x="1994496" y="8549640"/>
-            <a:ext cx="9339064" cy="15839266"/>
+            <a:off x="2714658" y="8586311"/>
+            <a:ext cx="12711162" cy="15907204"/>
           </a:xfrm>
         </p:spPr>
         <p:txBody>
@@ -2042,39 +2035,39 @@
           <a:lstStyle>
             <a:lvl1pPr marL="0" indent="0">
               <a:buNone/>
-              <a:defRPr sz="5067"/>
+              <a:defRPr sz="6677"/>
             </a:lvl1pPr>
-            <a:lvl2pPr marL="1447815" indent="0">
+            <a:lvl2pPr marL="1908078" indent="0">
               <a:buNone/>
-              <a:defRPr sz="4433"/>
+              <a:defRPr sz="5843"/>
             </a:lvl2pPr>
-            <a:lvl3pPr marL="2895630" indent="0">
+            <a:lvl3pPr marL="3816157" indent="0">
               <a:buNone/>
-              <a:defRPr sz="3800"/>
+              <a:defRPr sz="5008"/>
             </a:lvl3pPr>
-            <a:lvl4pPr marL="4343446" indent="0">
+            <a:lvl4pPr marL="5724235" indent="0">
               <a:buNone/>
-              <a:defRPr sz="3167"/>
+              <a:defRPr sz="4173"/>
             </a:lvl4pPr>
-            <a:lvl5pPr marL="5791261" indent="0">
+            <a:lvl5pPr marL="7632314" indent="0">
               <a:buNone/>
-              <a:defRPr sz="3167"/>
+              <a:defRPr sz="4173"/>
             </a:lvl5pPr>
-            <a:lvl6pPr marL="7239076" indent="0">
+            <a:lvl6pPr marL="9540392" indent="0">
               <a:buNone/>
-              <a:defRPr sz="3167"/>
+              <a:defRPr sz="4173"/>
             </a:lvl6pPr>
-            <a:lvl7pPr marL="8686891" indent="0">
+            <a:lvl7pPr marL="11448471" indent="0">
               <a:buNone/>
-              <a:defRPr sz="3167"/>
+              <a:defRPr sz="4173"/>
             </a:lvl7pPr>
-            <a:lvl8pPr marL="10134707" indent="0">
+            <a:lvl8pPr marL="13356549" indent="0">
               <a:buNone/>
-              <a:defRPr sz="3167"/>
+              <a:defRPr sz="4173"/>
             </a:lvl8pPr>
-            <a:lvl9pPr marL="11582522" indent="0">
+            <a:lvl9pPr marL="15264628" indent="0">
               <a:buNone/>
-              <a:defRPr sz="3167"/>
+              <a:defRPr sz="4173"/>
             </a:lvl9pPr>
           </a:lstStyle>
           <a:p>
@@ -2154,7 +2147,7 @@
     </p:spTree>
     <p:extLst>
       <p:ext uri="{BB962C8B-B14F-4D97-AF65-F5344CB8AC3E}">
-        <p14:creationId xmlns:p14="http://schemas.microsoft.com/office/powerpoint/2010/main" val="2983179293"/>
+        <p14:creationId xmlns:p14="http://schemas.microsoft.com/office/powerpoint/2010/main" val="4294729000"/>
       </p:ext>
     </p:extLst>
   </p:cSld>
@@ -2193,15 +2186,15 @@
         </p:nvSpPr>
         <p:spPr>
           <a:xfrm>
-            <a:off x="1994496" y="1899920"/>
-            <a:ext cx="9339064" cy="6649720"/>
+            <a:off x="2714658" y="1908069"/>
+            <a:ext cx="12711162" cy="6678242"/>
           </a:xfrm>
         </p:spPr>
         <p:txBody>
           <a:bodyPr anchor="b"/>
           <a:lstStyle>
             <a:lvl1pPr>
-              <a:defRPr sz="10133"/>
+              <a:defRPr sz="13355"/>
             </a:lvl1pPr>
           </a:lstStyle>
           <a:p>
@@ -2225,8 +2218,8 @@
         </p:nvSpPr>
         <p:spPr>
           <a:xfrm>
-            <a:off x="12310072" y="4103306"/>
-            <a:ext cx="14658975" cy="20252619"/>
+            <a:off x="16754925" y="4120906"/>
+            <a:ext cx="19951958" cy="20339488"/>
           </a:xfrm>
         </p:spPr>
         <p:txBody>
@@ -2234,39 +2227,39 @@
           <a:lstStyle>
             <a:lvl1pPr marL="0" indent="0">
               <a:buNone/>
-              <a:defRPr sz="10133"/>
+              <a:defRPr sz="13355"/>
             </a:lvl1pPr>
-            <a:lvl2pPr marL="1447815" indent="0">
+            <a:lvl2pPr marL="1908078" indent="0">
               <a:buNone/>
-              <a:defRPr sz="8867"/>
+              <a:defRPr sz="11686"/>
             </a:lvl2pPr>
-            <a:lvl3pPr marL="2895630" indent="0">
+            <a:lvl3pPr marL="3816157" indent="0">
               <a:buNone/>
-              <a:defRPr sz="7600"/>
+              <a:defRPr sz="10016"/>
             </a:lvl3pPr>
-            <a:lvl4pPr marL="4343446" indent="0">
+            <a:lvl4pPr marL="5724235" indent="0">
               <a:buNone/>
-              <a:defRPr sz="6333"/>
+              <a:defRPr sz="8347"/>
             </a:lvl4pPr>
-            <a:lvl5pPr marL="5791261" indent="0">
+            <a:lvl5pPr marL="7632314" indent="0">
               <a:buNone/>
-              <a:defRPr sz="6333"/>
+              <a:defRPr sz="8347"/>
             </a:lvl5pPr>
-            <a:lvl6pPr marL="7239076" indent="0">
+            <a:lvl6pPr marL="9540392" indent="0">
               <a:buNone/>
-              <a:defRPr sz="6333"/>
+              <a:defRPr sz="8347"/>
             </a:lvl6pPr>
-            <a:lvl7pPr marL="8686891" indent="0">
+            <a:lvl7pPr marL="11448471" indent="0">
               <a:buNone/>
-              <a:defRPr sz="6333"/>
+              <a:defRPr sz="8347"/>
             </a:lvl7pPr>
-            <a:lvl8pPr marL="10134707" indent="0">
+            <a:lvl8pPr marL="13356549" indent="0">
               <a:buNone/>
-              <a:defRPr sz="6333"/>
+              <a:defRPr sz="8347"/>
             </a:lvl8pPr>
-            <a:lvl9pPr marL="11582522" indent="0">
+            <a:lvl9pPr marL="15264628" indent="0">
               <a:buNone/>
-              <a:defRPr sz="6333"/>
+              <a:defRPr sz="8347"/>
             </a:lvl9pPr>
           </a:lstStyle>
           <a:p>
@@ -2290,8 +2283,8 @@
         </p:nvSpPr>
         <p:spPr>
           <a:xfrm>
-            <a:off x="1994496" y="8549640"/>
-            <a:ext cx="9339064" cy="15839266"/>
+            <a:off x="2714658" y="8586311"/>
+            <a:ext cx="12711162" cy="15907204"/>
           </a:xfrm>
         </p:spPr>
         <p:txBody>
@@ -2299,39 +2292,39 @@
           <a:lstStyle>
             <a:lvl1pPr marL="0" indent="0">
               <a:buNone/>
-              <a:defRPr sz="5067"/>
+              <a:defRPr sz="6677"/>
             </a:lvl1pPr>
-            <a:lvl2pPr marL="1447815" indent="0">
+            <a:lvl2pPr marL="1908078" indent="0">
               <a:buNone/>
-              <a:defRPr sz="4433"/>
+              <a:defRPr sz="5843"/>
             </a:lvl2pPr>
-            <a:lvl3pPr marL="2895630" indent="0">
+            <a:lvl3pPr marL="3816157" indent="0">
               <a:buNone/>
-              <a:defRPr sz="3800"/>
+              <a:defRPr sz="5008"/>
             </a:lvl3pPr>
-            <a:lvl4pPr marL="4343446" indent="0">
+            <a:lvl4pPr marL="5724235" indent="0">
               <a:buNone/>
-              <a:defRPr sz="3167"/>
+              <a:defRPr sz="4173"/>
             </a:lvl4pPr>
-            <a:lvl5pPr marL="5791261" indent="0">
+            <a:lvl5pPr marL="7632314" indent="0">
               <a:buNone/>
-              <a:defRPr sz="3167"/>
+              <a:defRPr sz="4173"/>
             </a:lvl5pPr>
-            <a:lvl6pPr marL="7239076" indent="0">
+            <a:lvl6pPr marL="9540392" indent="0">
               <a:buNone/>
-              <a:defRPr sz="3167"/>
+              <a:defRPr sz="4173"/>
             </a:lvl6pPr>
-            <a:lvl7pPr marL="8686891" indent="0">
+            <a:lvl7pPr marL="11448471" indent="0">
               <a:buNone/>
-              <a:defRPr sz="3167"/>
+              <a:defRPr sz="4173"/>
             </a:lvl7pPr>
-            <a:lvl8pPr marL="10134707" indent="0">
+            <a:lvl8pPr marL="13356549" indent="0">
               <a:buNone/>
-              <a:defRPr sz="3167"/>
+              <a:defRPr sz="4173"/>
             </a:lvl8pPr>
-            <a:lvl9pPr marL="11582522" indent="0">
+            <a:lvl9pPr marL="15264628" indent="0">
               <a:buNone/>
-              <a:defRPr sz="3167"/>
+              <a:defRPr sz="4173"/>
             </a:lvl9pPr>
           </a:lstStyle>
           <a:p>
@@ -2411,7 +2404,7 @@
     </p:spTree>
     <p:extLst>
       <p:ext uri="{BB962C8B-B14F-4D97-AF65-F5344CB8AC3E}">
-        <p14:creationId xmlns:p14="http://schemas.microsoft.com/office/powerpoint/2010/main" val="280873063"/>
+        <p14:creationId xmlns:p14="http://schemas.microsoft.com/office/powerpoint/2010/main" val="1356797122"/>
       </p:ext>
     </p:extLst>
   </p:cSld>
@@ -2455,8 +2448,8 @@
         </p:nvSpPr>
         <p:spPr>
           <a:xfrm>
-            <a:off x="1990725" y="1517303"/>
-            <a:ext cx="24974550" cy="5508451"/>
+            <a:off x="2709525" y="1523811"/>
+            <a:ext cx="33992225" cy="5532078"/>
           </a:xfrm>
           <a:prstGeom prst="rect">
             <a:avLst/>
@@ -2488,8 +2481,8 @@
         </p:nvSpPr>
         <p:spPr>
           <a:xfrm>
-            <a:off x="1990725" y="7586486"/>
-            <a:ext cx="24974550" cy="18082227"/>
+            <a:off x="2709525" y="7619026"/>
+            <a:ext cx="33992225" cy="18159786"/>
           </a:xfrm>
           <a:prstGeom prst="rect">
             <a:avLst/>
@@ -2550,8 +2543,8 @@
         </p:nvSpPr>
         <p:spPr>
           <a:xfrm>
-            <a:off x="1990725" y="26414172"/>
-            <a:ext cx="6515100" cy="1517297"/>
+            <a:off x="2709525" y="26527468"/>
+            <a:ext cx="8867537" cy="1523805"/>
           </a:xfrm>
           <a:prstGeom prst="rect">
             <a:avLst/>
@@ -2561,7 +2554,7 @@
           <a:bodyPr vert="horz" lIns="91440" tIns="45720" rIns="91440" bIns="45720" rtlCol="0" anchor="ctr"/>
           <a:lstStyle>
             <a:lvl1pPr algn="l">
-              <a:defRPr sz="3800">
+              <a:defRPr sz="5008">
                 <a:solidFill>
                   <a:schemeClr val="tx1">
                     <a:tint val="75000"/>
@@ -2591,8 +2584,8 @@
         </p:nvSpPr>
         <p:spPr>
           <a:xfrm>
-            <a:off x="9591675" y="26414172"/>
-            <a:ext cx="9772650" cy="1517297"/>
+            <a:off x="13054985" y="26527468"/>
+            <a:ext cx="13301305" cy="1523805"/>
           </a:xfrm>
           <a:prstGeom prst="rect">
             <a:avLst/>
@@ -2602,7 +2595,7 @@
           <a:bodyPr vert="horz" lIns="91440" tIns="45720" rIns="91440" bIns="45720" rtlCol="0" anchor="ctr"/>
           <a:lstStyle>
             <a:lvl1pPr algn="ctr">
-              <a:defRPr sz="3800">
+              <a:defRPr sz="5008">
                 <a:solidFill>
                   <a:schemeClr val="tx1">
                     <a:tint val="75000"/>
@@ -2628,8 +2621,8 @@
         </p:nvSpPr>
         <p:spPr>
           <a:xfrm>
-            <a:off x="20450175" y="26414172"/>
-            <a:ext cx="6515100" cy="1517297"/>
+            <a:off x="27834213" y="26527468"/>
+            <a:ext cx="8867537" cy="1523805"/>
           </a:xfrm>
           <a:prstGeom prst="rect">
             <a:avLst/>
@@ -2639,7 +2632,7 @@
           <a:bodyPr vert="horz" lIns="91440" tIns="45720" rIns="91440" bIns="45720" rtlCol="0" anchor="ctr"/>
           <a:lstStyle>
             <a:lvl1pPr algn="r">
-              <a:defRPr sz="3800">
+              <a:defRPr sz="5008">
                 <a:solidFill>
                   <a:schemeClr val="tx1">
                     <a:tint val="75000"/>
@@ -2660,27 +2653,27 @@
     </p:spTree>
     <p:extLst>
       <p:ext uri="{BB962C8B-B14F-4D97-AF65-F5344CB8AC3E}">
-        <p14:creationId xmlns:p14="http://schemas.microsoft.com/office/powerpoint/2010/main" val="306410366"/>
+        <p14:creationId xmlns:p14="http://schemas.microsoft.com/office/powerpoint/2010/main" val="1226287717"/>
       </p:ext>
     </p:extLst>
   </p:cSld>
   <p:clrMap bg1="lt1" tx1="dk1" bg2="lt2" tx2="dk2" accent1="accent1" accent2="accent2" accent3="accent3" accent4="accent4" accent5="accent5" accent6="accent6" hlink="hlink" folHlink="folHlink"/>
   <p:sldLayoutIdLst>
-    <p:sldLayoutId id="2147483661" r:id="rId1"/>
-    <p:sldLayoutId id="2147483662" r:id="rId2"/>
-    <p:sldLayoutId id="2147483663" r:id="rId3"/>
-    <p:sldLayoutId id="2147483664" r:id="rId4"/>
-    <p:sldLayoutId id="2147483665" r:id="rId5"/>
-    <p:sldLayoutId id="2147483666" r:id="rId6"/>
-    <p:sldLayoutId id="2147483667" r:id="rId7"/>
-    <p:sldLayoutId id="2147483668" r:id="rId8"/>
-    <p:sldLayoutId id="2147483669" r:id="rId9"/>
-    <p:sldLayoutId id="2147483670" r:id="rId10"/>
-    <p:sldLayoutId id="2147483671" r:id="rId11"/>
+    <p:sldLayoutId id="2147483685" r:id="rId1"/>
+    <p:sldLayoutId id="2147483686" r:id="rId2"/>
+    <p:sldLayoutId id="2147483687" r:id="rId3"/>
+    <p:sldLayoutId id="2147483688" r:id="rId4"/>
+    <p:sldLayoutId id="2147483689" r:id="rId5"/>
+    <p:sldLayoutId id="2147483690" r:id="rId6"/>
+    <p:sldLayoutId id="2147483691" r:id="rId7"/>
+    <p:sldLayoutId id="2147483692" r:id="rId8"/>
+    <p:sldLayoutId id="2147483693" r:id="rId9"/>
+    <p:sldLayoutId id="2147483694" r:id="rId10"/>
+    <p:sldLayoutId id="2147483695" r:id="rId11"/>
   </p:sldLayoutIdLst>
   <p:txStyles>
     <p:titleStyle>
-      <a:lvl1pPr algn="l" defTabSz="2895630" rtl="0" eaLnBrk="1" latinLnBrk="0" hangingPunct="1">
+      <a:lvl1pPr algn="l" defTabSz="3816157" rtl="0" eaLnBrk="1" latinLnBrk="0" hangingPunct="1">
         <a:lnSpc>
           <a:spcPct val="90000"/>
         </a:lnSpc>
@@ -2688,7 +2681,7 @@
           <a:spcPct val="0"/>
         </a:spcBef>
         <a:buNone/>
-        <a:defRPr sz="13933" kern="1200">
+        <a:defRPr sz="18363" kern="1200">
           <a:solidFill>
             <a:schemeClr val="tx1"/>
           </a:solidFill>
@@ -2699,16 +2692,16 @@
       </a:lvl1pPr>
     </p:titleStyle>
     <p:bodyStyle>
-      <a:lvl1pPr marL="723908" indent="-723908" algn="l" defTabSz="2895630" rtl="0" eaLnBrk="1" latinLnBrk="0" hangingPunct="1">
+      <a:lvl1pPr marL="954039" indent="-954039" algn="l" defTabSz="3816157" rtl="0" eaLnBrk="1" latinLnBrk="0" hangingPunct="1">
         <a:lnSpc>
           <a:spcPct val="90000"/>
         </a:lnSpc>
         <a:spcBef>
-          <a:spcPts val="3167"/>
+          <a:spcPts val="4173"/>
         </a:spcBef>
         <a:buFont typeface="Arial" panose="020B0604020202020204" pitchFamily="34" charset="0"/>
         <a:buChar char="•"/>
-        <a:defRPr sz="8867" kern="1200">
+        <a:defRPr sz="11686" kern="1200">
           <a:solidFill>
             <a:schemeClr val="tx1"/>
           </a:solidFill>
@@ -2717,16 +2710,16 @@
           <a:cs typeface="+mn-cs"/>
         </a:defRPr>
       </a:lvl1pPr>
-      <a:lvl2pPr marL="2171723" indent="-723908" algn="l" defTabSz="2895630" rtl="0" eaLnBrk="1" latinLnBrk="0" hangingPunct="1">
+      <a:lvl2pPr marL="2862118" indent="-954039" algn="l" defTabSz="3816157" rtl="0" eaLnBrk="1" latinLnBrk="0" hangingPunct="1">
         <a:lnSpc>
           <a:spcPct val="90000"/>
         </a:lnSpc>
         <a:spcBef>
-          <a:spcPts val="1583"/>
+          <a:spcPts val="2087"/>
         </a:spcBef>
         <a:buFont typeface="Arial" panose="020B0604020202020204" pitchFamily="34" charset="0"/>
         <a:buChar char="•"/>
-        <a:defRPr sz="7600" kern="1200">
+        <a:defRPr sz="10016" kern="1200">
           <a:solidFill>
             <a:schemeClr val="tx1"/>
           </a:solidFill>
@@ -2735,16 +2728,16 @@
           <a:cs typeface="+mn-cs"/>
         </a:defRPr>
       </a:lvl2pPr>
-      <a:lvl3pPr marL="3619538" indent="-723908" algn="l" defTabSz="2895630" rtl="0" eaLnBrk="1" latinLnBrk="0" hangingPunct="1">
+      <a:lvl3pPr marL="4770196" indent="-954039" algn="l" defTabSz="3816157" rtl="0" eaLnBrk="1" latinLnBrk="0" hangingPunct="1">
         <a:lnSpc>
           <a:spcPct val="90000"/>
         </a:lnSpc>
         <a:spcBef>
-          <a:spcPts val="1583"/>
+          <a:spcPts val="2087"/>
         </a:spcBef>
         <a:buFont typeface="Arial" panose="020B0604020202020204" pitchFamily="34" charset="0"/>
         <a:buChar char="•"/>
-        <a:defRPr sz="6333" kern="1200">
+        <a:defRPr sz="8347" kern="1200">
           <a:solidFill>
             <a:schemeClr val="tx1"/>
           </a:solidFill>
@@ -2753,16 +2746,16 @@
           <a:cs typeface="+mn-cs"/>
         </a:defRPr>
       </a:lvl3pPr>
-      <a:lvl4pPr marL="5067353" indent="-723908" algn="l" defTabSz="2895630" rtl="0" eaLnBrk="1" latinLnBrk="0" hangingPunct="1">
+      <a:lvl4pPr marL="6678275" indent="-954039" algn="l" defTabSz="3816157" rtl="0" eaLnBrk="1" latinLnBrk="0" hangingPunct="1">
         <a:lnSpc>
           <a:spcPct val="90000"/>
         </a:lnSpc>
         <a:spcBef>
-          <a:spcPts val="1583"/>
+          <a:spcPts val="2087"/>
         </a:spcBef>
         <a:buFont typeface="Arial" panose="020B0604020202020204" pitchFamily="34" charset="0"/>
         <a:buChar char="•"/>
-        <a:defRPr sz="5700" kern="1200">
+        <a:defRPr sz="7512" kern="1200">
           <a:solidFill>
             <a:schemeClr val="tx1"/>
           </a:solidFill>
@@ -2771,16 +2764,16 @@
           <a:cs typeface="+mn-cs"/>
         </a:defRPr>
       </a:lvl4pPr>
-      <a:lvl5pPr marL="6515169" indent="-723908" algn="l" defTabSz="2895630" rtl="0" eaLnBrk="1" latinLnBrk="0" hangingPunct="1">
+      <a:lvl5pPr marL="8586353" indent="-954039" algn="l" defTabSz="3816157" rtl="0" eaLnBrk="1" latinLnBrk="0" hangingPunct="1">
         <a:lnSpc>
           <a:spcPct val="90000"/>
         </a:lnSpc>
         <a:spcBef>
-          <a:spcPts val="1583"/>
+          <a:spcPts val="2087"/>
         </a:spcBef>
         <a:buFont typeface="Arial" panose="020B0604020202020204" pitchFamily="34" charset="0"/>
         <a:buChar char="•"/>
-        <a:defRPr sz="5700" kern="1200">
+        <a:defRPr sz="7512" kern="1200">
           <a:solidFill>
             <a:schemeClr val="tx1"/>
           </a:solidFill>
@@ -2789,16 +2782,16 @@
           <a:cs typeface="+mn-cs"/>
         </a:defRPr>
       </a:lvl5pPr>
-      <a:lvl6pPr marL="7962984" indent="-723908" algn="l" defTabSz="2895630" rtl="0" eaLnBrk="1" latinLnBrk="0" hangingPunct="1">
+      <a:lvl6pPr marL="10494432" indent="-954039" algn="l" defTabSz="3816157" rtl="0" eaLnBrk="1" latinLnBrk="0" hangingPunct="1">
         <a:lnSpc>
           <a:spcPct val="90000"/>
         </a:lnSpc>
         <a:spcBef>
-          <a:spcPts val="1583"/>
+          <a:spcPts val="2087"/>
         </a:spcBef>
         <a:buFont typeface="Arial" panose="020B0604020202020204" pitchFamily="34" charset="0"/>
         <a:buChar char="•"/>
-        <a:defRPr sz="5700" kern="1200">
+        <a:defRPr sz="7512" kern="1200">
           <a:solidFill>
             <a:schemeClr val="tx1"/>
           </a:solidFill>
@@ -2807,16 +2800,16 @@
           <a:cs typeface="+mn-cs"/>
         </a:defRPr>
       </a:lvl6pPr>
-      <a:lvl7pPr marL="9410799" indent="-723908" algn="l" defTabSz="2895630" rtl="0" eaLnBrk="1" latinLnBrk="0" hangingPunct="1">
+      <a:lvl7pPr marL="12402510" indent="-954039" algn="l" defTabSz="3816157" rtl="0" eaLnBrk="1" latinLnBrk="0" hangingPunct="1">
         <a:lnSpc>
           <a:spcPct val="90000"/>
         </a:lnSpc>
         <a:spcBef>
-          <a:spcPts val="1583"/>
+          <a:spcPts val="2087"/>
         </a:spcBef>
         <a:buFont typeface="Arial" panose="020B0604020202020204" pitchFamily="34" charset="0"/>
         <a:buChar char="•"/>
-        <a:defRPr sz="5700" kern="1200">
+        <a:defRPr sz="7512" kern="1200">
           <a:solidFill>
             <a:schemeClr val="tx1"/>
           </a:solidFill>
@@ -2825,16 +2818,16 @@
           <a:cs typeface="+mn-cs"/>
         </a:defRPr>
       </a:lvl7pPr>
-      <a:lvl8pPr marL="10858614" indent="-723908" algn="l" defTabSz="2895630" rtl="0" eaLnBrk="1" latinLnBrk="0" hangingPunct="1">
+      <a:lvl8pPr marL="14310589" indent="-954039" algn="l" defTabSz="3816157" rtl="0" eaLnBrk="1" latinLnBrk="0" hangingPunct="1">
         <a:lnSpc>
           <a:spcPct val="90000"/>
         </a:lnSpc>
         <a:spcBef>
-          <a:spcPts val="1583"/>
+          <a:spcPts val="2087"/>
         </a:spcBef>
         <a:buFont typeface="Arial" panose="020B0604020202020204" pitchFamily="34" charset="0"/>
         <a:buChar char="•"/>
-        <a:defRPr sz="5700" kern="1200">
+        <a:defRPr sz="7512" kern="1200">
           <a:solidFill>
             <a:schemeClr val="tx1"/>
           </a:solidFill>
@@ -2843,16 +2836,16 @@
           <a:cs typeface="+mn-cs"/>
         </a:defRPr>
       </a:lvl8pPr>
-      <a:lvl9pPr marL="12306430" indent="-723908" algn="l" defTabSz="2895630" rtl="0" eaLnBrk="1" latinLnBrk="0" hangingPunct="1">
+      <a:lvl9pPr marL="16218667" indent="-954039" algn="l" defTabSz="3816157" rtl="0" eaLnBrk="1" latinLnBrk="0" hangingPunct="1">
         <a:lnSpc>
           <a:spcPct val="90000"/>
         </a:lnSpc>
         <a:spcBef>
-          <a:spcPts val="1583"/>
+          <a:spcPts val="2087"/>
         </a:spcBef>
         <a:buFont typeface="Arial" panose="020B0604020202020204" pitchFamily="34" charset="0"/>
         <a:buChar char="•"/>
-        <a:defRPr sz="5700" kern="1200">
+        <a:defRPr sz="7512" kern="1200">
           <a:solidFill>
             <a:schemeClr val="tx1"/>
           </a:solidFill>
@@ -2866,8 +2859,8 @@
       <a:defPPr>
         <a:defRPr lang="en-US"/>
       </a:defPPr>
-      <a:lvl1pPr marL="0" algn="l" defTabSz="2895630" rtl="0" eaLnBrk="1" latinLnBrk="0" hangingPunct="1">
-        <a:defRPr sz="5700" kern="1200">
+      <a:lvl1pPr marL="0" algn="l" defTabSz="3816157" rtl="0" eaLnBrk="1" latinLnBrk="0" hangingPunct="1">
+        <a:defRPr sz="7512" kern="1200">
           <a:solidFill>
             <a:schemeClr val="tx1"/>
           </a:solidFill>
@@ -2876,8 +2869,8 @@
           <a:cs typeface="+mn-cs"/>
         </a:defRPr>
       </a:lvl1pPr>
-      <a:lvl2pPr marL="1447815" algn="l" defTabSz="2895630" rtl="0" eaLnBrk="1" latinLnBrk="0" hangingPunct="1">
-        <a:defRPr sz="5700" kern="1200">
+      <a:lvl2pPr marL="1908078" algn="l" defTabSz="3816157" rtl="0" eaLnBrk="1" latinLnBrk="0" hangingPunct="1">
+        <a:defRPr sz="7512" kern="1200">
           <a:solidFill>
             <a:schemeClr val="tx1"/>
           </a:solidFill>
@@ -2886,8 +2879,8 @@
           <a:cs typeface="+mn-cs"/>
         </a:defRPr>
       </a:lvl2pPr>
-      <a:lvl3pPr marL="2895630" algn="l" defTabSz="2895630" rtl="0" eaLnBrk="1" latinLnBrk="0" hangingPunct="1">
-        <a:defRPr sz="5700" kern="1200">
+      <a:lvl3pPr marL="3816157" algn="l" defTabSz="3816157" rtl="0" eaLnBrk="1" latinLnBrk="0" hangingPunct="1">
+        <a:defRPr sz="7512" kern="1200">
           <a:solidFill>
             <a:schemeClr val="tx1"/>
           </a:solidFill>
@@ -2896,8 +2889,8 @@
           <a:cs typeface="+mn-cs"/>
         </a:defRPr>
       </a:lvl3pPr>
-      <a:lvl4pPr marL="4343446" algn="l" defTabSz="2895630" rtl="0" eaLnBrk="1" latinLnBrk="0" hangingPunct="1">
-        <a:defRPr sz="5700" kern="1200">
+      <a:lvl4pPr marL="5724235" algn="l" defTabSz="3816157" rtl="0" eaLnBrk="1" latinLnBrk="0" hangingPunct="1">
+        <a:defRPr sz="7512" kern="1200">
           <a:solidFill>
             <a:schemeClr val="tx1"/>
           </a:solidFill>
@@ -2906,8 +2899,8 @@
           <a:cs typeface="+mn-cs"/>
         </a:defRPr>
       </a:lvl4pPr>
-      <a:lvl5pPr marL="5791261" algn="l" defTabSz="2895630" rtl="0" eaLnBrk="1" latinLnBrk="0" hangingPunct="1">
-        <a:defRPr sz="5700" kern="1200">
+      <a:lvl5pPr marL="7632314" algn="l" defTabSz="3816157" rtl="0" eaLnBrk="1" latinLnBrk="0" hangingPunct="1">
+        <a:defRPr sz="7512" kern="1200">
           <a:solidFill>
             <a:schemeClr val="tx1"/>
           </a:solidFill>
@@ -2916,8 +2909,8 @@
           <a:cs typeface="+mn-cs"/>
         </a:defRPr>
       </a:lvl5pPr>
-      <a:lvl6pPr marL="7239076" algn="l" defTabSz="2895630" rtl="0" eaLnBrk="1" latinLnBrk="0" hangingPunct="1">
-        <a:defRPr sz="5700" kern="1200">
+      <a:lvl6pPr marL="9540392" algn="l" defTabSz="3816157" rtl="0" eaLnBrk="1" latinLnBrk="0" hangingPunct="1">
+        <a:defRPr sz="7512" kern="1200">
           <a:solidFill>
             <a:schemeClr val="tx1"/>
           </a:solidFill>
@@ -2926,8 +2919,8 @@
           <a:cs typeface="+mn-cs"/>
         </a:defRPr>
       </a:lvl6pPr>
-      <a:lvl7pPr marL="8686891" algn="l" defTabSz="2895630" rtl="0" eaLnBrk="1" latinLnBrk="0" hangingPunct="1">
-        <a:defRPr sz="5700" kern="1200">
+      <a:lvl7pPr marL="11448471" algn="l" defTabSz="3816157" rtl="0" eaLnBrk="1" latinLnBrk="0" hangingPunct="1">
+        <a:defRPr sz="7512" kern="1200">
           <a:solidFill>
             <a:schemeClr val="tx1"/>
           </a:solidFill>
@@ -2936,8 +2929,8 @@
           <a:cs typeface="+mn-cs"/>
         </a:defRPr>
       </a:lvl7pPr>
-      <a:lvl8pPr marL="10134707" algn="l" defTabSz="2895630" rtl="0" eaLnBrk="1" latinLnBrk="0" hangingPunct="1">
-        <a:defRPr sz="5700" kern="1200">
+      <a:lvl8pPr marL="13356549" algn="l" defTabSz="3816157" rtl="0" eaLnBrk="1" latinLnBrk="0" hangingPunct="1">
+        <a:defRPr sz="7512" kern="1200">
           <a:solidFill>
             <a:schemeClr val="tx1"/>
           </a:solidFill>
@@ -2946,8 +2939,8 @@
           <a:cs typeface="+mn-cs"/>
         </a:defRPr>
       </a:lvl8pPr>
-      <a:lvl9pPr marL="11582522" algn="l" defTabSz="2895630" rtl="0" eaLnBrk="1" latinLnBrk="0" hangingPunct="1">
-        <a:defRPr sz="5700" kern="1200">
+      <a:lvl9pPr marL="15264628" algn="l" defTabSz="3816157" rtl="0" eaLnBrk="1" latinLnBrk="0" hangingPunct="1">
+        <a:defRPr sz="7512" kern="1200">
           <a:solidFill>
             <a:schemeClr val="tx1"/>
           </a:solidFill>
@@ -2986,8 +2979,8 @@
         </p:nvSpPr>
         <p:spPr>
           <a:xfrm>
-            <a:off x="0" y="0"/>
-            <a:ext cx="28956000" cy="2405146"/>
+            <a:off x="266700" y="0"/>
+            <a:ext cx="38785800" cy="1840504"/>
           </a:xfrm>
           <a:prstGeom prst="rect">
             <a:avLst/>
@@ -3012,98 +3005,97 @@
           </a:bodyPr>
           <a:lstStyle/>
           <a:p>
+            <a:r>
+              <a:rPr lang="en-US" sz="3937" dirty="0" smtClean="0"/>
+              <a:t>             </a:t>
+            </a:r>
+            <a:r>
+              <a:rPr lang="en-US" sz="4400" dirty="0"/>
+              <a:t>Reconstruction of the X-inactivation center structure using </a:t>
+            </a:r>
+            <a:r>
+              <a:rPr lang="en-US" sz="4400" dirty="0" err="1"/>
+              <a:t>HiC</a:t>
+            </a:r>
+            <a:r>
+              <a:rPr lang="en-US" sz="4400" dirty="0"/>
+              <a:t> encounter frequency maps </a:t>
+            </a:r>
+          </a:p>
+          <a:p>
             <a:pPr algn="ctr"/>
             <a:r>
-              <a:rPr lang="en-US" dirty="0" smtClean="0"/>
-              <a:t> Reconstruction of the X-inactivation center structure using </a:t>
-            </a:r>
-            <a:r>
-              <a:rPr lang="en-US" dirty="0" err="1" smtClean="0"/>
-              <a:t>HiC</a:t>
-            </a:r>
-            <a:r>
-              <a:rPr lang="en-US" dirty="0" smtClean="0"/>
-              <a:t> encounter frequency maps </a:t>
+              <a:rPr lang="en-US" sz="3480" dirty="0"/>
+              <a:t>Ofir </a:t>
+            </a:r>
+            <a:r>
+              <a:rPr lang="en-US" sz="3480" dirty="0" err="1"/>
+              <a:t>Shukron</a:t>
+            </a:r>
+            <a:r>
+              <a:rPr lang="en-US" sz="3480" dirty="0"/>
+              <a:t>, David </a:t>
+            </a:r>
+            <a:r>
+              <a:rPr lang="en-US" sz="3480" dirty="0" err="1"/>
+              <a:t>Holcman</a:t>
+            </a:r>
+            <a:r>
+              <a:rPr lang="en-US" sz="3480" dirty="0"/>
+              <a:t>,</a:t>
             </a:r>
           </a:p>
           <a:p>
             <a:pPr algn="ctr"/>
             <a:r>
-              <a:rPr lang="en-US" sz="4800" dirty="0" smtClean="0"/>
-              <a:t>Ofir </a:t>
-            </a:r>
-            <a:r>
-              <a:rPr lang="en-US" sz="4800" dirty="0" err="1" smtClean="0"/>
-              <a:t>Shukron</a:t>
-            </a:r>
-            <a:r>
-              <a:rPr lang="en-US" sz="4800" dirty="0" smtClean="0"/>
-              <a:t>, David </a:t>
-            </a:r>
-            <a:r>
-              <a:rPr lang="en-US" sz="4800" dirty="0" err="1" smtClean="0"/>
-              <a:t>Holcman</a:t>
-            </a:r>
-            <a:r>
-              <a:rPr lang="en-US" sz="4800" dirty="0" smtClean="0"/>
-              <a:t>,</a:t>
-            </a:r>
-          </a:p>
-          <a:p>
-            <a:pPr algn="ctr"/>
-            <a:r>
-              <a:rPr lang="en-US" sz="4800" dirty="0" err="1" smtClean="0"/>
+              <a:rPr lang="en-US" sz="3480" dirty="0" err="1"/>
               <a:t>Departement</a:t>
             </a:r>
             <a:r>
-              <a:rPr lang="en-US" sz="4800" dirty="0" smtClean="0"/>
+              <a:rPr lang="en-US" sz="3480" dirty="0"/>
               <a:t> de </a:t>
             </a:r>
             <a:r>
-              <a:rPr lang="en-US" sz="4800" dirty="0" err="1" smtClean="0"/>
+              <a:rPr lang="en-US" sz="3480" dirty="0" err="1"/>
               <a:t>Biologie</a:t>
             </a:r>
             <a:r>
-              <a:rPr lang="en-US" sz="4800" dirty="0" smtClean="0"/>
+              <a:rPr lang="en-US" sz="3480" dirty="0"/>
               <a:t>, </a:t>
             </a:r>
             <a:r>
-              <a:rPr lang="en-US" sz="4800" dirty="0" err="1" smtClean="0"/>
+              <a:rPr lang="en-US" sz="3480" dirty="0" err="1"/>
               <a:t>Ecole</a:t>
             </a:r>
             <a:r>
-              <a:rPr lang="en-US" sz="4800" dirty="0" smtClean="0"/>
+              <a:rPr lang="en-US" sz="3480" dirty="0"/>
               <a:t> </a:t>
             </a:r>
             <a:r>
-              <a:rPr lang="en-US" sz="4800" dirty="0" err="1" smtClean="0"/>
+              <a:rPr lang="en-US" sz="3480" dirty="0" err="1"/>
               <a:t>Normale</a:t>
             </a:r>
             <a:r>
-              <a:rPr lang="en-US" sz="4800" dirty="0" smtClean="0"/>
+              <a:rPr lang="en-US" sz="3480" dirty="0"/>
               <a:t> </a:t>
             </a:r>
             <a:r>
-              <a:rPr lang="en-US" sz="4800" dirty="0" err="1" smtClean="0"/>
+              <a:rPr lang="en-US" sz="3480" dirty="0" err="1"/>
               <a:t>Superieure</a:t>
             </a:r>
             <a:r>
-              <a:rPr lang="en-US" sz="4800" dirty="0" smtClean="0"/>
-              <a:t>, 46 </a:t>
-            </a:r>
-            <a:r>
-              <a:rPr lang="en-US" sz="4800" dirty="0" smtClean="0"/>
-              <a:t>rue </a:t>
-            </a:r>
-            <a:r>
-              <a:rPr lang="en-US" sz="4800" dirty="0" err="1" smtClean="0"/>
+              <a:rPr lang="en-US" sz="3480" dirty="0"/>
+              <a:t>, 46 rue </a:t>
+            </a:r>
+            <a:r>
+              <a:rPr lang="en-US" sz="3480" dirty="0" err="1"/>
               <a:t>d’Ulm</a:t>
             </a:r>
             <a:r>
-              <a:rPr lang="en-US" sz="4800" dirty="0" smtClean="0"/>
+              <a:rPr lang="en-US" sz="3480" dirty="0"/>
               <a:t>, 75005, Paris, France</a:t>
             </a:r>
-            <a:endParaRPr lang="en-US" sz="4800" dirty="0"/>
+            <a:endParaRPr lang="en-US" sz="3480" dirty="0"/>
           </a:p>
         </p:txBody>
       </p:sp>
@@ -3129,8 +3121,8 @@
         </p:blipFill>
         <p:spPr>
           <a:xfrm>
-            <a:off x="0" y="0"/>
-            <a:ext cx="1769806" cy="2405146"/>
+            <a:off x="342761" y="48261"/>
+            <a:ext cx="1283294" cy="1743982"/>
           </a:xfrm>
           <a:prstGeom prst="rect">
             <a:avLst/>
@@ -3145,8 +3137,8 @@
         </p:nvSpPr>
         <p:spPr>
           <a:xfrm>
-            <a:off x="0" y="2405146"/>
-            <a:ext cx="9350478" cy="26825292"/>
+            <a:off x="539750" y="1902228"/>
+            <a:ext cx="6780074" cy="11026095"/>
           </a:xfrm>
           <a:prstGeom prst="rect">
             <a:avLst/>
@@ -3165,478 +3157,2642 @@
           <a:lstStyle/>
           <a:p>
             <a:r>
-              <a:rPr lang="en-US" sz="4000" b="1" dirty="0" smtClean="0"/>
-              <a:t>Aim</a:t>
-            </a:r>
-            <a:r>
-              <a:rPr lang="en-US" sz="4000" dirty="0" smtClean="0"/>
+              <a:rPr lang="en-US" sz="2030" b="1" dirty="0" smtClean="0"/>
+              <a:t>Goal</a:t>
+            </a:r>
+            <a:r>
+              <a:rPr lang="en-US" sz="2030" dirty="0" smtClean="0"/>
+              <a:t/>
+            </a:r>
+            <a:br>
+              <a:rPr lang="en-US" sz="2030" dirty="0" smtClean="0"/>
+            </a:br>
+            <a:r>
+              <a:rPr lang="en-US" sz="2030" dirty="0" smtClean="0"/>
+              <a:t>Reconstruct </a:t>
+            </a:r>
+            <a:r>
+              <a:rPr lang="en-US" sz="2030" dirty="0"/>
+              <a:t>the local polymer architecture using </a:t>
+            </a:r>
+            <a:r>
+              <a:rPr lang="en-US" sz="2030" dirty="0" err="1"/>
+              <a:t>HiC</a:t>
+            </a:r>
+            <a:r>
+              <a:rPr lang="en-US" sz="2030" dirty="0"/>
+              <a:t> encounter frequency </a:t>
+            </a:r>
+            <a:r>
+              <a:rPr lang="en-US" sz="2030" dirty="0" smtClean="0"/>
+              <a:t>maps; Study </a:t>
+            </a:r>
+            <a:r>
+              <a:rPr lang="en-US" sz="2030" dirty="0"/>
+              <a:t>the dynamic properties of the resulting </a:t>
+            </a:r>
+            <a:r>
+              <a:rPr lang="en-US" sz="2030" dirty="0" smtClean="0"/>
+              <a:t>structure, such </a:t>
+            </a:r>
+            <a:r>
+              <a:rPr lang="en-US" sz="2030" dirty="0"/>
+              <a:t>as the encounter time distribution and Mean First encounter time (MFET) between different parts of a polymer.</a:t>
+            </a:r>
+          </a:p>
+          <a:p>
+            <a:endParaRPr lang="en-US" sz="2030" dirty="0"/>
+          </a:p>
+          <a:p>
+            <a:r>
+              <a:rPr lang="en-US" sz="2030" b="1" dirty="0" smtClean="0"/>
+              <a:t>Significance</a:t>
+            </a:r>
+            <a:r>
+              <a:rPr lang="en-US" sz="2030" dirty="0" smtClean="0"/>
+              <a:t/>
+            </a:r>
+            <a:br>
+              <a:rPr lang="en-US" sz="2030" dirty="0" smtClean="0"/>
+            </a:br>
+            <a:r>
+              <a:rPr lang="en-US" sz="2030" dirty="0" smtClean="0"/>
+              <a:t>Providing </a:t>
+            </a:r>
+            <a:r>
+              <a:rPr lang="en-US" sz="2030" dirty="0"/>
+              <a:t>a tool to transform static </a:t>
+            </a:r>
+            <a:r>
+              <a:rPr lang="en-US" sz="2030" dirty="0" err="1" smtClean="0"/>
+              <a:t>HiC</a:t>
+            </a:r>
+            <a:r>
+              <a:rPr lang="en-US" sz="2030" dirty="0" smtClean="0"/>
+              <a:t> encounter </a:t>
+            </a:r>
+            <a:r>
+              <a:rPr lang="en-US" sz="2030" dirty="0"/>
+              <a:t>map to an </a:t>
+            </a:r>
+            <a:r>
+              <a:rPr lang="en-US" sz="2030" dirty="0" smtClean="0"/>
+              <a:t>average polymer </a:t>
+            </a:r>
+            <a:r>
+              <a:rPr lang="en-US" sz="2030" dirty="0"/>
+              <a:t>structure, which captures salient features in the chromosome </a:t>
+            </a:r>
+            <a:r>
+              <a:rPr lang="en-US" sz="2030" dirty="0" smtClean="0"/>
+              <a:t>microstructure, allowing analysis and simulation of the dynamics of a cross-linked polymer in various </a:t>
+            </a:r>
+            <a:r>
+              <a:rPr lang="en-US" sz="2030" dirty="0"/>
+              <a:t>scenarios. </a:t>
+            </a:r>
+          </a:p>
+          <a:p>
+            <a:endParaRPr lang="en-US" sz="2030" dirty="0"/>
+          </a:p>
+          <a:p>
+            <a:endParaRPr lang="en-US" sz="2030" dirty="0"/>
+          </a:p>
+          <a:p>
+            <a:r>
+              <a:rPr lang="en-US" sz="2030" b="1" dirty="0"/>
+              <a:t>Background:</a:t>
+            </a:r>
+          </a:p>
+          <a:p>
+            <a:r>
+              <a:rPr lang="en-US" sz="2030" dirty="0" err="1"/>
+              <a:t>HiC</a:t>
+            </a:r>
+            <a:r>
+              <a:rPr lang="en-US" sz="2030" dirty="0"/>
+              <a:t> experiment simultaneously captures millions of looping events of the chromosome. </a:t>
+            </a:r>
+            <a:r>
+              <a:rPr lang="en-US" sz="2030" dirty="0" err="1" smtClean="0"/>
+              <a:t>HiC</a:t>
+            </a:r>
+            <a:r>
+              <a:rPr lang="en-US" sz="2030" dirty="0" smtClean="0"/>
+              <a:t> steps include 1</a:t>
+            </a:r>
+            <a:r>
+              <a:rPr lang="en-US" sz="2030" dirty="0"/>
+              <a:t>. extraction of </a:t>
+            </a:r>
+            <a:r>
+              <a:rPr lang="en-US" sz="2030" dirty="0" smtClean="0"/>
+              <a:t>loci </a:t>
+            </a:r>
+            <a:r>
+              <a:rPr lang="en-US" sz="2030" dirty="0"/>
+              <a:t>from cells, 2. </a:t>
+            </a:r>
+            <a:r>
+              <a:rPr lang="en-US" sz="2030" dirty="0"/>
+              <a:t>fixation using formaldehyde 3. digestion using restriction enzymes, e.g. </a:t>
+            </a:r>
+            <a:r>
+              <a:rPr lang="en-US" sz="2030" dirty="0" err="1"/>
+              <a:t>HindIII</a:t>
+            </a:r>
+            <a:r>
+              <a:rPr lang="en-US" sz="2030" dirty="0"/>
+              <a:t>, 4. ligation, 5. </a:t>
+            </a:r>
+            <a:r>
+              <a:rPr lang="en-US" sz="2030" dirty="0"/>
+              <a:t>reverse cross linking 6. </a:t>
+            </a:r>
+            <a:r>
+              <a:rPr lang="en-US" sz="2030" dirty="0" smtClean="0"/>
+              <a:t>mapping using PCR </a:t>
+            </a:r>
+            <a:endParaRPr lang="en-US" sz="2030" dirty="0"/>
+          </a:p>
+          <a:p>
+            <a:endParaRPr lang="en-US" sz="2030" dirty="0"/>
+          </a:p>
+          <a:p>
+            <a:r>
+              <a:rPr lang="en-US" sz="2030" dirty="0"/>
+              <a:t>Analysis of the </a:t>
+            </a:r>
+            <a:r>
+              <a:rPr lang="en-US" sz="2030" dirty="0" err="1"/>
+              <a:t>HiC</a:t>
+            </a:r>
+            <a:r>
+              <a:rPr lang="en-US" sz="2030" dirty="0"/>
+              <a:t> experiment in mouse embryonic stem cells reveals the presence of stable Topologically Associating Domains (TAD) , in the 4.5Mb region of the  </a:t>
+            </a:r>
+            <a:r>
+              <a:rPr lang="en-US" sz="2030" dirty="0"/>
+              <a:t>X</a:t>
+            </a:r>
+            <a:r>
+              <a:rPr lang="en-US" sz="2030" dirty="0"/>
+              <a:t> inactivation center, however the actual architecture in a specific stage is unknown </a:t>
+            </a:r>
+          </a:p>
+          <a:p>
+            <a:endParaRPr lang="en-US" sz="2030" dirty="0"/>
+          </a:p>
+          <a:p>
+            <a:r>
+              <a:rPr lang="en-US" sz="2030" b="1" dirty="0"/>
+              <a:t>The data</a:t>
+            </a:r>
+            <a:r>
+              <a:rPr lang="en-US" sz="2030" dirty="0"/>
               <a:t>: </a:t>
             </a:r>
-            <a:r>
-              <a:rPr lang="en-US" sz="4000" dirty="0" smtClean="0"/>
-              <a:t>1. Reconstruct </a:t>
-            </a:r>
-            <a:r>
-              <a:rPr lang="en-US" sz="4000" dirty="0" smtClean="0"/>
-              <a:t>the local polymer </a:t>
-            </a:r>
-            <a:r>
-              <a:rPr lang="en-US" sz="4000" dirty="0" smtClean="0"/>
-              <a:t>architecture using </a:t>
-            </a:r>
-            <a:r>
-              <a:rPr lang="en-US" sz="4000" dirty="0" err="1" smtClean="0"/>
-              <a:t>HiC</a:t>
-            </a:r>
-            <a:r>
-              <a:rPr lang="en-US" sz="4000" dirty="0" smtClean="0"/>
-              <a:t> encounter </a:t>
-            </a:r>
-            <a:r>
-              <a:rPr lang="en-US" sz="4000" dirty="0" smtClean="0"/>
-              <a:t>frequency maps; 2. Study the dynamic properties of the resulting structure ,such as the </a:t>
-            </a:r>
-            <a:r>
-              <a:rPr lang="en-US" sz="4000" dirty="0" smtClean="0"/>
-              <a:t>encounter time distribution and Mean First </a:t>
-            </a:r>
-            <a:r>
-              <a:rPr lang="en-US" sz="4000" dirty="0" smtClean="0"/>
-              <a:t>encounter time </a:t>
-            </a:r>
-            <a:r>
-              <a:rPr lang="en-US" sz="4000" dirty="0" smtClean="0"/>
-              <a:t>(</a:t>
-            </a:r>
-            <a:r>
-              <a:rPr lang="en-US" sz="4000" dirty="0" smtClean="0"/>
-              <a:t>MFET</a:t>
-            </a:r>
-            <a:r>
-              <a:rPr lang="en-US" sz="4000" dirty="0" smtClean="0"/>
-              <a:t>) </a:t>
-            </a:r>
-            <a:r>
-              <a:rPr lang="en-US" sz="4000" dirty="0" smtClean="0"/>
-              <a:t>between </a:t>
-            </a:r>
-            <a:r>
-              <a:rPr lang="en-US" sz="4000" dirty="0" smtClean="0"/>
-              <a:t>different </a:t>
-            </a:r>
-            <a:r>
-              <a:rPr lang="en-US" sz="4000" dirty="0" smtClean="0"/>
-              <a:t>parts of a </a:t>
-            </a:r>
-            <a:r>
-              <a:rPr lang="en-US" sz="4000" dirty="0" smtClean="0"/>
-              <a:t>polymer.</a:t>
-            </a:r>
-            <a:endParaRPr lang="en-US" sz="4000" dirty="0" smtClean="0"/>
-          </a:p>
-          <a:p>
-            <a:endParaRPr lang="en-US" sz="4000" dirty="0" smtClean="0"/>
-          </a:p>
-          <a:p>
-            <a:r>
-              <a:rPr lang="en-US" sz="4000" b="1" dirty="0" smtClean="0"/>
-              <a:t>Significance</a:t>
-            </a:r>
-            <a:r>
-              <a:rPr lang="en-US" sz="4000" dirty="0" smtClean="0"/>
-              <a:t>: </a:t>
-            </a:r>
-            <a:r>
-              <a:rPr lang="en-US" sz="4000" dirty="0" smtClean="0"/>
-              <a:t>Providing a tool to transform </a:t>
-            </a:r>
-            <a:r>
-              <a:rPr lang="en-US" sz="4000" dirty="0" smtClean="0"/>
-              <a:t>static encounter map to an average structure, which captures salient features in the chromosome </a:t>
-            </a:r>
-            <a:r>
-              <a:rPr lang="en-US" sz="4000" dirty="0" smtClean="0"/>
-              <a:t>microstructure</a:t>
-            </a:r>
-            <a:endParaRPr lang="en-US" sz="4000" dirty="0" smtClean="0"/>
-          </a:p>
-          <a:p>
-            <a:r>
-              <a:rPr lang="en-US" sz="4000" dirty="0" smtClean="0"/>
-              <a:t>A</a:t>
-            </a:r>
-            <a:r>
-              <a:rPr lang="en-US" sz="4000" dirty="0" smtClean="0"/>
-              <a:t>llows the </a:t>
-            </a:r>
-            <a:r>
-              <a:rPr lang="en-US" sz="4000" dirty="0" smtClean="0"/>
-              <a:t>examination of the polymer behavior in various scenarios. </a:t>
-            </a:r>
-          </a:p>
-          <a:p>
-            <a:endParaRPr lang="en-US" sz="4000" dirty="0" smtClean="0"/>
-          </a:p>
-          <a:p>
-            <a:endParaRPr lang="en-US" sz="4000" dirty="0"/>
-          </a:p>
-          <a:p>
-            <a:r>
-              <a:rPr lang="en-US" sz="4000" b="1" dirty="0" smtClean="0"/>
-              <a:t>Background:</a:t>
-            </a:r>
-          </a:p>
-          <a:p>
-            <a:r>
-              <a:rPr lang="en-US" sz="4000" dirty="0" err="1" smtClean="0"/>
-              <a:t>HiC</a:t>
-            </a:r>
-            <a:r>
-              <a:rPr lang="en-US" sz="4000" dirty="0" smtClean="0"/>
-              <a:t> </a:t>
-            </a:r>
-            <a:r>
-              <a:rPr lang="en-US" sz="4000" dirty="0" smtClean="0"/>
-              <a:t>experiment simultaneously captures millions of looping </a:t>
-            </a:r>
-            <a:r>
-              <a:rPr lang="en-US" sz="4000" dirty="0" smtClean="0"/>
-              <a:t>events of the chromosome. </a:t>
-            </a:r>
-          </a:p>
-          <a:p>
-            <a:endParaRPr lang="en-US" sz="4000" dirty="0"/>
-          </a:p>
-          <a:p>
-            <a:r>
-              <a:rPr lang="en-US" sz="4000" dirty="0" smtClean="0"/>
-              <a:t>Analysis of the </a:t>
-            </a:r>
-            <a:r>
-              <a:rPr lang="en-US" sz="4000" dirty="0" err="1" smtClean="0"/>
-              <a:t>HiC</a:t>
-            </a:r>
-            <a:r>
-              <a:rPr lang="en-US" sz="4000" dirty="0" smtClean="0"/>
-              <a:t> experiment in mouse embryonic stem cells reveals the presence of stable Topologically Associating Domains (TAD) , in the 4.5Mb region of the  </a:t>
-            </a:r>
-            <a:r>
-              <a:rPr lang="en-US" sz="4000" dirty="0"/>
-              <a:t>X</a:t>
-            </a:r>
-            <a:r>
-              <a:rPr lang="en-US" sz="4000" dirty="0" smtClean="0"/>
-              <a:t> inactivation center</a:t>
-            </a:r>
-            <a:r>
-              <a:rPr lang="en-US" sz="4000" dirty="0" smtClean="0"/>
-              <a:t>, however the actual architecture in a specific stage is unknown </a:t>
-            </a:r>
-          </a:p>
-          <a:p>
-            <a:endParaRPr lang="en-US" sz="4000" dirty="0" smtClean="0"/>
-          </a:p>
-          <a:p>
-            <a:r>
-              <a:rPr lang="en-US" sz="4000" dirty="0" err="1" smtClean="0"/>
-              <a:t>Linx</a:t>
-            </a:r>
-            <a:r>
-              <a:rPr lang="en-US" sz="4000" dirty="0" smtClean="0"/>
-              <a:t>, </a:t>
-            </a:r>
-            <a:r>
-              <a:rPr lang="en-US" sz="4000" dirty="0" err="1" smtClean="0"/>
-              <a:t>xIst,Tsix,xite</a:t>
-            </a:r>
-            <a:endParaRPr lang="en-US" sz="4000" dirty="0"/>
-          </a:p>
-          <a:p>
-            <a:endParaRPr lang="en-US" sz="4000" dirty="0" smtClean="0"/>
-          </a:p>
-          <a:p>
-            <a:endParaRPr lang="en-US" sz="4000" dirty="0" smtClean="0"/>
-          </a:p>
-          <a:p>
-            <a:r>
-              <a:rPr lang="en-US" sz="4000" b="1" dirty="0" smtClean="0"/>
-              <a:t>The data</a:t>
-            </a:r>
-            <a:r>
-              <a:rPr lang="en-US" sz="4000" dirty="0" smtClean="0"/>
-              <a:t>: </a:t>
-            </a:r>
-            <a:r>
-              <a:rPr lang="en-US" sz="4000" dirty="0" smtClean="0"/>
-              <a:t>we a subset of  ~1Mb </a:t>
-            </a:r>
-            <a:r>
-              <a:rPr lang="en-US" sz="4000" dirty="0" smtClean="0"/>
-              <a:t>region of the </a:t>
-            </a:r>
-            <a:r>
-              <a:rPr lang="en-US" sz="4000" dirty="0" smtClean="0"/>
-              <a:t>X-chromosome around the X- inactivation </a:t>
-            </a:r>
-            <a:r>
-              <a:rPr lang="en-US" sz="4000" dirty="0" smtClean="0"/>
-              <a:t>center , provided by </a:t>
-            </a:r>
-            <a:r>
-              <a:rPr lang="en-US" sz="4000" dirty="0" err="1" smtClean="0"/>
+            <a:endParaRPr lang="en-US" sz="2030" dirty="0" smtClean="0"/>
+          </a:p>
+          <a:p>
+            <a:r>
+              <a:rPr lang="en-US" sz="2030" dirty="0" smtClean="0"/>
+              <a:t>we use a </a:t>
+            </a:r>
+            <a:r>
+              <a:rPr lang="en-US" sz="2030" dirty="0"/>
+              <a:t>subset of  ~1Mb region of the X-chromosome around the X- inactivation center , provided by </a:t>
+            </a:r>
+            <a:r>
+              <a:rPr lang="en-US" sz="2030" dirty="0" err="1"/>
               <a:t>G.Luca</a:t>
             </a:r>
             <a:r>
-              <a:rPr lang="en-US" sz="4000" dirty="0" smtClean="0"/>
+              <a:rPr lang="en-US" sz="2030" dirty="0"/>
               <a:t> et. Al.</a:t>
             </a:r>
           </a:p>
           <a:p>
-            <a:r>
-              <a:rPr lang="en-US" sz="4000" dirty="0" smtClean="0"/>
-              <a:t>A coarse graining of the polymer into segments of 3kb and mapping the encounters onto it.</a:t>
-            </a:r>
-            <a:endParaRPr lang="en-US" sz="4000" dirty="0" smtClean="0"/>
-          </a:p>
-          <a:p>
-            <a:endParaRPr lang="en-US" dirty="0"/>
-          </a:p>
-          <a:p>
-            <a:endParaRPr lang="en-US" dirty="0" smtClean="0"/>
-          </a:p>
-          <a:p>
-            <a:endParaRPr lang="en-US" dirty="0"/>
-          </a:p>
-          <a:p>
-            <a:endParaRPr lang="en-US" dirty="0"/>
-          </a:p>
-        </p:txBody>
-      </p:sp>
-      <p:sp>
-        <p:nvSpPr>
-          <p:cNvPr id="11" name="TextBox 10"/>
-          <p:cNvSpPr txBox="1"/>
-          <p:nvPr/>
-        </p:nvSpPr>
-        <p:spPr>
-          <a:xfrm>
-            <a:off x="9350478" y="2405146"/>
-            <a:ext cx="10117395" cy="29023330"/>
-          </a:xfrm>
-          <a:prstGeom prst="rect">
-            <a:avLst/>
-          </a:prstGeom>
-          <a:solidFill>
-            <a:schemeClr val="accent1">
-              <a:lumMod val="20000"/>
-              <a:lumOff val="80000"/>
-            </a:schemeClr>
-          </a:solidFill>
-        </p:spPr>
-        <p:txBody>
-          <a:bodyPr wrap="square" rtlCol="0">
-            <a:spAutoFit/>
-          </a:bodyPr>
-          <a:lstStyle/>
-          <a:p>
-            <a:r>
-              <a:rPr lang="en-US" sz="4000" b="1" dirty="0" smtClean="0"/>
-              <a:t>Method:</a:t>
-            </a:r>
-          </a:p>
-          <a:p>
-            <a:r>
-              <a:rPr lang="en-US" sz="4000" b="1" dirty="0" smtClean="0"/>
-              <a:t>General idea:</a:t>
-            </a:r>
-            <a:r>
-              <a:rPr lang="en-US" sz="4000" dirty="0" smtClean="0"/>
-              <a:t> </a:t>
-            </a:r>
-            <a:r>
-              <a:rPr lang="en-US" sz="4000" dirty="0" smtClean="0"/>
-              <a:t>We start by assuming </a:t>
-            </a:r>
-            <a:r>
-              <a:rPr lang="en-US" sz="4000" dirty="0" smtClean="0"/>
-              <a:t>a Rouse </a:t>
-            </a:r>
-            <a:r>
-              <a:rPr lang="en-US" sz="4000" dirty="0" smtClean="0"/>
-              <a:t>model describing the polymer, </a:t>
-            </a:r>
-            <a:r>
-              <a:rPr lang="en-US" sz="4000" dirty="0" smtClean="0"/>
-              <a:t>map encounter signal into part of loops and chains. </a:t>
-            </a:r>
-          </a:p>
-          <a:p>
-            <a:r>
-              <a:rPr lang="en-US" sz="4000" b="1" dirty="0" smtClean="0"/>
-              <a:t>[add image]</a:t>
-            </a:r>
-            <a:endParaRPr lang="en-US" sz="4000" b="1" dirty="0"/>
-          </a:p>
-          <a:p>
-            <a:endParaRPr lang="en-US" sz="4000" b="1" dirty="0" smtClean="0"/>
-          </a:p>
-          <a:p>
-            <a:r>
-              <a:rPr lang="en-US" sz="4000" dirty="0" smtClean="0"/>
-              <a:t>Coarse graining (by Luca): using bead size of 300bp (the mean restriction fragment size of </a:t>
-            </a:r>
-            <a:r>
-              <a:rPr lang="en-US" sz="4000" dirty="0" err="1" smtClean="0"/>
-              <a:t>HindII</a:t>
-            </a:r>
-            <a:r>
-              <a:rPr lang="en-US" sz="4000" dirty="0" smtClean="0"/>
-              <a:t>) encounters were mapped onto beads. Resulting in </a:t>
-            </a:r>
-            <a:r>
-              <a:rPr lang="en-US" sz="4000" dirty="0" smtClean="0"/>
-              <a:t>a polymer of 307 </a:t>
-            </a:r>
-            <a:r>
-              <a:rPr lang="en-US" sz="4000" dirty="0" smtClean="0"/>
-              <a:t>beads. </a:t>
-            </a:r>
-          </a:p>
-          <a:p>
-            <a:endParaRPr lang="en-US" sz="4000" dirty="0" smtClean="0"/>
-          </a:p>
-          <a:p>
-            <a:r>
-              <a:rPr lang="en-US" sz="4000" dirty="0" smtClean="0"/>
-              <a:t>Signals are noisy </a:t>
-            </a:r>
-          </a:p>
-          <a:p>
-            <a:endParaRPr lang="en-US" sz="4000" dirty="0" smtClean="0"/>
-          </a:p>
-          <a:p>
-            <a:r>
-              <a:rPr lang="en-US" sz="4000" dirty="0" smtClean="0"/>
-              <a:t>Interpolate zero values in the signal </a:t>
-            </a:r>
-          </a:p>
-          <a:p>
-            <a:endParaRPr lang="en-US" sz="4000" dirty="0"/>
-          </a:p>
-          <a:p>
-            <a:r>
-              <a:rPr lang="en-US" sz="4000" dirty="0" smtClean="0"/>
-              <a:t>The </a:t>
-            </a:r>
-            <a:r>
-              <a:rPr lang="en-US" sz="4000" dirty="0" smtClean="0"/>
-              <a:t>encounter probability of the Rouse chain behaves like the diffusion (heat) equation, it is therefore natural to smooth the encounter curve using the diffusion equation. To account for the peaks we have to find an </a:t>
-            </a:r>
-            <a:r>
-              <a:rPr lang="en-US" sz="4000" dirty="0" smtClean="0"/>
-              <a:t>unknown, time dependent source function r(t). </a:t>
-            </a:r>
-            <a:r>
-              <a:rPr lang="en-US" sz="4000" dirty="0" smtClean="0"/>
-              <a:t>We arrive at the inverse heat equation. Finding the source then allows us to smooth the curve with analytical formulas.[add image]</a:t>
-            </a:r>
-          </a:p>
-          <a:p>
-            <a:endParaRPr lang="en-US" sz="4000" dirty="0" smtClean="0"/>
-          </a:p>
-          <a:p>
-            <a:r>
-              <a:rPr lang="en-US" sz="4000" dirty="0" smtClean="0"/>
-              <a:t>break the encounter signals into regions of loops and chain [ add image]</a:t>
-            </a:r>
-          </a:p>
-          <a:p>
-            <a:endParaRPr lang="en-US" sz="4000" dirty="0" smtClean="0"/>
-          </a:p>
-          <a:p>
-            <a:r>
-              <a:rPr lang="en-US" sz="4000" dirty="0" smtClean="0"/>
-              <a:t>Resulting structure can now be fitted with encounter probability functions, assuming Rouse model </a:t>
-            </a:r>
-          </a:p>
-          <a:p>
-            <a:endParaRPr lang="en-US" sz="4000" dirty="0" smtClean="0"/>
-          </a:p>
-          <a:p>
-            <a:r>
-              <a:rPr lang="en-US" sz="4000" dirty="0" smtClean="0"/>
-              <a:t>Find an agreement </a:t>
-            </a:r>
-            <a:r>
-              <a:rPr lang="en-US" sz="4000" dirty="0" smtClean="0"/>
-              <a:t>between the loop location in various signals by probabilistic model</a:t>
-            </a:r>
-          </a:p>
-          <a:p>
-            <a:endParaRPr lang="en-US" sz="4000" dirty="0"/>
-          </a:p>
-          <a:p>
-            <a:r>
-              <a:rPr lang="en-US" sz="4000" dirty="0" smtClean="0"/>
-              <a:t>Reconstruction</a:t>
-            </a:r>
-          </a:p>
-          <a:p>
-            <a:endParaRPr lang="en-US" sz="4000" dirty="0" smtClean="0"/>
-          </a:p>
-          <a:p>
-            <a:r>
-              <a:rPr lang="en-US" sz="4000" dirty="0" smtClean="0"/>
-              <a:t>Simulation of the resulted structure</a:t>
-            </a:r>
-          </a:p>
-          <a:p>
-            <a:endParaRPr lang="en-US" sz="4000" dirty="0"/>
-          </a:p>
-          <a:p>
-            <a:r>
-              <a:rPr lang="en-US" sz="4000" dirty="0" smtClean="0"/>
-              <a:t>Validation with the </a:t>
-            </a:r>
-            <a:r>
-              <a:rPr lang="en-US" sz="4000" dirty="0" err="1" smtClean="0"/>
-              <a:t>HiC</a:t>
-            </a:r>
-            <a:r>
-              <a:rPr lang="en-US" sz="4000" dirty="0" smtClean="0"/>
-              <a:t> </a:t>
-            </a:r>
-            <a:r>
-              <a:rPr lang="en-US" sz="4000" dirty="0" smtClean="0"/>
-              <a:t>maps</a:t>
-            </a:r>
-          </a:p>
-          <a:p>
-            <a:endParaRPr lang="en-US" sz="4000" dirty="0"/>
-          </a:p>
-          <a:p>
-            <a:r>
-              <a:rPr lang="en-US" sz="4000" dirty="0"/>
-              <a:t>TODO:</a:t>
-            </a:r>
-          </a:p>
-          <a:p>
-            <a:r>
-              <a:rPr lang="en-US" sz="4000" dirty="0"/>
-              <a:t>Adjusting the spring constant for peaks higher than nearest neighbor </a:t>
-            </a:r>
-          </a:p>
-          <a:p>
-            <a:endParaRPr lang="en-US" sz="4000" dirty="0" smtClean="0"/>
-          </a:p>
-          <a:p>
-            <a:endParaRPr lang="en-US" sz="4000" dirty="0"/>
-          </a:p>
-          <a:p>
-            <a:endParaRPr lang="en-US" sz="4000" dirty="0"/>
-          </a:p>
-        </p:txBody>
-      </p:sp>
+            <a:endParaRPr lang="en-US" sz="2030" dirty="0"/>
+          </a:p>
+          <a:p>
+            <a:endParaRPr lang="en-US" sz="2030" dirty="0"/>
+          </a:p>
+          <a:p>
+            <a:endParaRPr lang="en-US" sz="2030" dirty="0"/>
+          </a:p>
+          <a:p>
+            <a:endParaRPr lang="en-US" sz="2030" dirty="0"/>
+          </a:p>
+        </p:txBody>
+      </p:sp>
+      <mc:AlternateContent xmlns:mc="http://schemas.openxmlformats.org/markup-compatibility/2006">
+        <mc:Choice xmlns:a14="http://schemas.microsoft.com/office/drawing/2010/main" Requires="a14">
+          <p:sp>
+            <p:nvSpPr>
+              <p:cNvPr id="11" name="TextBox 10"/>
+              <p:cNvSpPr txBox="1"/>
+              <p:nvPr/>
+            </p:nvSpPr>
+            <p:spPr>
+              <a:xfrm>
+                <a:off x="7903758" y="1869097"/>
+                <a:ext cx="7336169" cy="29397920"/>
+              </a:xfrm>
+              <a:prstGeom prst="rect">
+                <a:avLst/>
+              </a:prstGeom>
+              <a:solidFill>
+                <a:schemeClr val="accent1">
+                  <a:lumMod val="20000"/>
+                  <a:lumOff val="80000"/>
+                </a:schemeClr>
+              </a:solidFill>
+            </p:spPr>
+            <p:txBody>
+              <a:bodyPr wrap="square" rtlCol="0">
+                <a:spAutoFit/>
+              </a:bodyPr>
+              <a:lstStyle/>
+              <a:p>
+                <a:r>
+                  <a:rPr lang="en-US" sz="4800" b="1" dirty="0" smtClean="0"/>
+                  <a:t>Methods</a:t>
+                </a:r>
+                <a:r>
+                  <a:rPr lang="en-US" sz="2900" b="1" dirty="0" smtClean="0"/>
+                  <a:t/>
+                </a:r>
+                <a:br>
+                  <a:rPr lang="en-US" sz="2900" b="1" dirty="0" smtClean="0"/>
+                </a:br>
+                <a:endParaRPr lang="en-US" sz="2900" b="1" dirty="0" smtClean="0"/>
+              </a:p>
+              <a:p>
+                <a:r>
+                  <a:rPr lang="en-US" sz="2030" b="1" dirty="0" smtClean="0"/>
+                  <a:t>Modeling the polymer </a:t>
+                </a:r>
+              </a:p>
+              <a:p>
+                <a:pPr/>
+                <a:r>
+                  <a:rPr lang="en-US" sz="2030" dirty="0"/>
+                  <a:t>Assuming </a:t>
+                </a:r>
+                <a:r>
+                  <a:rPr lang="en-US" sz="2030" dirty="0"/>
+                  <a:t>a Rouse model </a:t>
+                </a:r>
+                <a:r>
+                  <a:rPr lang="en-US" sz="2030" dirty="0" smtClean="0"/>
+                  <a:t>to describe </a:t>
+                </a:r>
+                <a:r>
+                  <a:rPr lang="en-US" sz="2030" dirty="0"/>
+                  <a:t>the </a:t>
+                </a:r>
+                <a:r>
+                  <a:rPr lang="en-US" sz="2030" dirty="0" smtClean="0"/>
+                  <a:t>dynamics of the polymer . The potential in the Rouse model is given by </a:t>
+                </a:r>
+                <a:br>
+                  <a:rPr lang="en-US" sz="2030" dirty="0" smtClean="0"/>
+                </a:br>
+                <a14:m>
+                  <m:oMathPara xmlns:m="http://schemas.openxmlformats.org/officeDocument/2006/math">
+                    <m:oMathParaPr>
+                      <m:jc m:val="centerGroup"/>
+                    </m:oMathParaPr>
+                    <m:oMath xmlns:m="http://schemas.openxmlformats.org/officeDocument/2006/math">
+                      <m:r>
+                        <m:rPr>
+                          <m:sty m:val="p"/>
+                        </m:rPr>
+                        <a:rPr lang="el-GR" sz="2030" i="1" smtClean="0">
+                          <a:latin typeface="Cambria Math" panose="02040503050406030204" pitchFamily="18" charset="0"/>
+                          <a:ea typeface="Cambria Math" panose="02040503050406030204" pitchFamily="18" charset="0"/>
+                        </a:rPr>
+                        <m:t>Φ</m:t>
+                      </m:r>
+                      <m:d>
+                        <m:dPr>
+                          <m:ctrlPr>
+                            <a:rPr lang="en-US" sz="2030" b="0" i="1" smtClean="0">
+                              <a:latin typeface="Cambria Math" panose="02040503050406030204" pitchFamily="18" charset="0"/>
+                              <a:ea typeface="Cambria Math" panose="02040503050406030204" pitchFamily="18" charset="0"/>
+                            </a:rPr>
+                          </m:ctrlPr>
+                        </m:dPr>
+                        <m:e>
+                          <m:sSub>
+                            <m:sSubPr>
+                              <m:ctrlPr>
+                                <a:rPr lang="en-US" sz="2030" b="0" i="1" smtClean="0">
+                                  <a:latin typeface="Cambria Math" panose="02040503050406030204" pitchFamily="18" charset="0"/>
+                                  <a:ea typeface="Cambria Math" panose="02040503050406030204" pitchFamily="18" charset="0"/>
+                                </a:rPr>
+                              </m:ctrlPr>
+                            </m:sSubPr>
+                            <m:e>
+                              <m:r>
+                                <a:rPr lang="en-US" sz="2030" b="0" i="1" smtClean="0">
+                                  <a:latin typeface="Cambria Math" panose="02040503050406030204" pitchFamily="18" charset="0"/>
+                                  <a:ea typeface="Cambria Math" panose="02040503050406030204" pitchFamily="18" charset="0"/>
+                                </a:rPr>
+                                <m:t>𝑅</m:t>
+                              </m:r>
+                            </m:e>
+                            <m:sub>
+                              <m:r>
+                                <a:rPr lang="en-US" sz="2030" b="0" i="1" smtClean="0">
+                                  <a:latin typeface="Cambria Math" panose="02040503050406030204" pitchFamily="18" charset="0"/>
+                                  <a:ea typeface="Cambria Math" panose="02040503050406030204" pitchFamily="18" charset="0"/>
+                                </a:rPr>
+                                <m:t>1</m:t>
+                              </m:r>
+                            </m:sub>
+                          </m:sSub>
+                          <m:r>
+                            <a:rPr lang="en-US" sz="2030" b="0" i="1" smtClean="0">
+                              <a:latin typeface="Cambria Math" panose="02040503050406030204" pitchFamily="18" charset="0"/>
+                              <a:ea typeface="Cambria Math" panose="02040503050406030204" pitchFamily="18" charset="0"/>
+                            </a:rPr>
+                            <m:t>,</m:t>
+                          </m:r>
+                          <m:sSub>
+                            <m:sSubPr>
+                              <m:ctrlPr>
+                                <a:rPr lang="en-US" sz="2030" b="0" i="1" smtClean="0">
+                                  <a:latin typeface="Cambria Math" panose="02040503050406030204" pitchFamily="18" charset="0"/>
+                                  <a:ea typeface="Cambria Math" panose="02040503050406030204" pitchFamily="18" charset="0"/>
+                                </a:rPr>
+                              </m:ctrlPr>
+                            </m:sSubPr>
+                            <m:e>
+                              <m:r>
+                                <a:rPr lang="en-US" sz="2030" b="0" i="1" smtClean="0">
+                                  <a:latin typeface="Cambria Math" panose="02040503050406030204" pitchFamily="18" charset="0"/>
+                                  <a:ea typeface="Cambria Math" panose="02040503050406030204" pitchFamily="18" charset="0"/>
+                                </a:rPr>
+                                <m:t>𝑅</m:t>
+                              </m:r>
+                            </m:e>
+                            <m:sub>
+                              <m:r>
+                                <a:rPr lang="en-US" sz="2030" b="0" i="1" smtClean="0">
+                                  <a:latin typeface="Cambria Math" panose="02040503050406030204" pitchFamily="18" charset="0"/>
+                                  <a:ea typeface="Cambria Math" panose="02040503050406030204" pitchFamily="18" charset="0"/>
+                                </a:rPr>
+                                <m:t>2</m:t>
+                              </m:r>
+                            </m:sub>
+                          </m:sSub>
+                          <m:r>
+                            <a:rPr lang="en-US" sz="2030" b="0" i="1" smtClean="0">
+                              <a:latin typeface="Cambria Math" panose="02040503050406030204" pitchFamily="18" charset="0"/>
+                              <a:ea typeface="Cambria Math" panose="02040503050406030204" pitchFamily="18" charset="0"/>
+                            </a:rPr>
+                            <m:t>,..,</m:t>
+                          </m:r>
+                          <m:sSub>
+                            <m:sSubPr>
+                              <m:ctrlPr>
+                                <a:rPr lang="en-US" sz="2030" b="0" i="1" smtClean="0">
+                                  <a:latin typeface="Cambria Math" panose="02040503050406030204" pitchFamily="18" charset="0"/>
+                                  <a:ea typeface="Cambria Math" panose="02040503050406030204" pitchFamily="18" charset="0"/>
+                                </a:rPr>
+                              </m:ctrlPr>
+                            </m:sSubPr>
+                            <m:e>
+                              <m:r>
+                                <a:rPr lang="en-US" sz="2030" b="0" i="1" smtClean="0">
+                                  <a:latin typeface="Cambria Math" panose="02040503050406030204" pitchFamily="18" charset="0"/>
+                                  <a:ea typeface="Cambria Math" panose="02040503050406030204" pitchFamily="18" charset="0"/>
+                                </a:rPr>
+                                <m:t>𝑅</m:t>
+                              </m:r>
+                            </m:e>
+                            <m:sub>
+                              <m:r>
+                                <a:rPr lang="en-US" sz="2030" b="0" i="1" smtClean="0">
+                                  <a:latin typeface="Cambria Math" panose="02040503050406030204" pitchFamily="18" charset="0"/>
+                                  <a:ea typeface="Cambria Math" panose="02040503050406030204" pitchFamily="18" charset="0"/>
+                                </a:rPr>
+                                <m:t>𝑁</m:t>
+                              </m:r>
+                            </m:sub>
+                          </m:sSub>
+                        </m:e>
+                      </m:d>
+                      <m:r>
+                        <a:rPr lang="en-US" sz="2030" b="0" i="1" smtClean="0">
+                          <a:latin typeface="Cambria Math" panose="02040503050406030204" pitchFamily="18" charset="0"/>
+                          <a:ea typeface="Cambria Math" panose="02040503050406030204" pitchFamily="18" charset="0"/>
+                        </a:rPr>
+                        <m:t>=</m:t>
+                      </m:r>
+                      <m:f>
+                        <m:fPr>
+                          <m:ctrlPr>
+                            <a:rPr lang="en-US" sz="2030" b="0" i="1" smtClean="0">
+                              <a:latin typeface="Cambria Math" panose="02040503050406030204" pitchFamily="18" charset="0"/>
+                              <a:ea typeface="Cambria Math" panose="02040503050406030204" pitchFamily="18" charset="0"/>
+                            </a:rPr>
+                          </m:ctrlPr>
+                        </m:fPr>
+                        <m:num>
+                          <m:r>
+                            <a:rPr lang="en-US" sz="2030" b="0" i="1" smtClean="0">
+                              <a:latin typeface="Cambria Math" panose="02040503050406030204" pitchFamily="18" charset="0"/>
+                              <a:ea typeface="Cambria Math" panose="02040503050406030204" pitchFamily="18" charset="0"/>
+                            </a:rPr>
+                            <m:t>𝑘</m:t>
+                          </m:r>
+                        </m:num>
+                        <m:den>
+                          <m:r>
+                            <a:rPr lang="en-US" sz="2030" b="0" i="1" smtClean="0">
+                              <a:latin typeface="Cambria Math" panose="02040503050406030204" pitchFamily="18" charset="0"/>
+                              <a:ea typeface="Cambria Math" panose="02040503050406030204" pitchFamily="18" charset="0"/>
+                            </a:rPr>
+                            <m:t>4</m:t>
+                          </m:r>
+                        </m:den>
+                      </m:f>
+                      <m:nary>
+                        <m:naryPr>
+                          <m:chr m:val="∑"/>
+                          <m:ctrlPr>
+                            <a:rPr lang="en-US" sz="2030" b="0" i="1" smtClean="0">
+                              <a:latin typeface="Cambria Math" panose="02040503050406030204" pitchFamily="18" charset="0"/>
+                              <a:ea typeface="Cambria Math" panose="02040503050406030204" pitchFamily="18" charset="0"/>
+                            </a:rPr>
+                          </m:ctrlPr>
+                        </m:naryPr>
+                        <m:sub>
+                          <m:r>
+                            <m:rPr>
+                              <m:brk m:alnAt="23"/>
+                            </m:rPr>
+                            <a:rPr lang="en-US" sz="2030" b="0" i="1" smtClean="0">
+                              <a:latin typeface="Cambria Math" panose="02040503050406030204" pitchFamily="18" charset="0"/>
+                              <a:ea typeface="Cambria Math" panose="02040503050406030204" pitchFamily="18" charset="0"/>
+                            </a:rPr>
+                            <m:t>𝑖</m:t>
+                          </m:r>
+                          <m:r>
+                            <a:rPr lang="en-US" sz="2030" b="0" i="1" smtClean="0">
+                              <a:latin typeface="Cambria Math" panose="02040503050406030204" pitchFamily="18" charset="0"/>
+                              <a:ea typeface="Cambria Math" panose="02040503050406030204" pitchFamily="18" charset="0"/>
+                            </a:rPr>
+                            <m:t>=1</m:t>
+                          </m:r>
+                        </m:sub>
+                        <m:sup>
+                          <m:r>
+                            <a:rPr lang="en-US" sz="2030" b="0" i="1" smtClean="0">
+                              <a:latin typeface="Cambria Math" panose="02040503050406030204" pitchFamily="18" charset="0"/>
+                              <a:ea typeface="Cambria Math" panose="02040503050406030204" pitchFamily="18" charset="0"/>
+                            </a:rPr>
+                            <m:t>𝑁</m:t>
+                          </m:r>
+                        </m:sup>
+                        <m:e>
+                          <m:nary>
+                            <m:naryPr>
+                              <m:chr m:val="∑"/>
+                              <m:ctrlPr>
+                                <a:rPr lang="en-US" sz="2030" i="1">
+                                  <a:latin typeface="Cambria Math" panose="02040503050406030204" pitchFamily="18" charset="0"/>
+                                  <a:ea typeface="Cambria Math" panose="02040503050406030204" pitchFamily="18" charset="0"/>
+                                </a:rPr>
+                              </m:ctrlPr>
+                            </m:naryPr>
+                            <m:sub>
+                              <m:r>
+                                <m:rPr>
+                                  <m:brk m:alnAt="23"/>
+                                </m:rPr>
+                                <a:rPr lang="en-US" sz="2030" b="0" i="1" smtClean="0">
+                                  <a:latin typeface="Cambria Math" panose="02040503050406030204" pitchFamily="18" charset="0"/>
+                                  <a:ea typeface="Cambria Math" panose="02040503050406030204" pitchFamily="18" charset="0"/>
+                                </a:rPr>
+                                <m:t>𝑗</m:t>
+                              </m:r>
+                            </m:sub>
+                            <m:sup>
+                              <m:r>
+                                <a:rPr lang="en-US" sz="2030" b="0" i="1" smtClean="0">
+                                  <a:latin typeface="Cambria Math" panose="02040503050406030204" pitchFamily="18" charset="0"/>
+                                  <a:ea typeface="Cambria Math" panose="02040503050406030204" pitchFamily="18" charset="0"/>
+                                </a:rPr>
+                                <m:t>𝑁</m:t>
+                              </m:r>
+                            </m:sup>
+                            <m:e>
+                              <m:sSup>
+                                <m:sSupPr>
+                                  <m:ctrlPr>
+                                    <a:rPr lang="en-US" sz="2030" i="1">
+                                      <a:latin typeface="Cambria Math" panose="02040503050406030204" pitchFamily="18" charset="0"/>
+                                      <a:ea typeface="Cambria Math" panose="02040503050406030204" pitchFamily="18" charset="0"/>
+                                    </a:rPr>
+                                  </m:ctrlPr>
+                                </m:sSupPr>
+                                <m:e>
+                                  <m:sSub>
+                                    <m:sSubPr>
+                                      <m:ctrlPr>
+                                        <a:rPr lang="en-US" sz="2030" b="0" i="1" smtClean="0">
+                                          <a:latin typeface="Cambria Math" panose="02040503050406030204" pitchFamily="18" charset="0"/>
+                                          <a:ea typeface="Cambria Math" panose="02040503050406030204" pitchFamily="18" charset="0"/>
+                                        </a:rPr>
+                                      </m:ctrlPr>
+                                    </m:sSubPr>
+                                    <m:e>
+                                      <m:r>
+                                        <a:rPr lang="en-US" sz="2030" b="0" i="1" smtClean="0">
+                                          <a:latin typeface="Cambria Math" panose="02040503050406030204" pitchFamily="18" charset="0"/>
+                                          <a:ea typeface="Cambria Math" panose="02040503050406030204" pitchFamily="18" charset="0"/>
+                                        </a:rPr>
+                                        <m:t>𝛿</m:t>
+                                      </m:r>
+                                    </m:e>
+                                    <m:sub>
+                                      <m:r>
+                                        <a:rPr lang="en-US" sz="2030" b="0" i="1" smtClean="0">
+                                          <a:latin typeface="Cambria Math" panose="02040503050406030204" pitchFamily="18" charset="0"/>
+                                          <a:ea typeface="Cambria Math" panose="02040503050406030204" pitchFamily="18" charset="0"/>
+                                        </a:rPr>
+                                        <m:t>𝑖𝑗</m:t>
+                                      </m:r>
+                                    </m:sub>
+                                  </m:sSub>
+                                  <m:d>
+                                    <m:dPr>
+                                      <m:ctrlPr>
+                                        <a:rPr lang="en-US" sz="2030" i="1">
+                                          <a:latin typeface="Cambria Math" panose="02040503050406030204" pitchFamily="18" charset="0"/>
+                                          <a:ea typeface="Cambria Math" panose="02040503050406030204" pitchFamily="18" charset="0"/>
+                                        </a:rPr>
+                                      </m:ctrlPr>
+                                    </m:dPr>
+                                    <m:e>
+                                      <m:sSub>
+                                        <m:sSubPr>
+                                          <m:ctrlPr>
+                                            <a:rPr lang="en-US" sz="2030" i="1">
+                                              <a:latin typeface="Cambria Math" panose="02040503050406030204" pitchFamily="18" charset="0"/>
+                                              <a:ea typeface="Cambria Math" panose="02040503050406030204" pitchFamily="18" charset="0"/>
+                                            </a:rPr>
+                                          </m:ctrlPr>
+                                        </m:sSubPr>
+                                        <m:e>
+                                          <m:r>
+                                            <a:rPr lang="en-US" sz="2030" i="1">
+                                              <a:latin typeface="Cambria Math" panose="02040503050406030204" pitchFamily="18" charset="0"/>
+                                              <a:ea typeface="Cambria Math" panose="02040503050406030204" pitchFamily="18" charset="0"/>
+                                            </a:rPr>
+                                            <m:t>𝑅</m:t>
+                                          </m:r>
+                                        </m:e>
+                                        <m:sub>
+                                          <m:r>
+                                            <a:rPr lang="en-US" sz="2030" i="1">
+                                              <a:latin typeface="Cambria Math" panose="02040503050406030204" pitchFamily="18" charset="0"/>
+                                              <a:ea typeface="Cambria Math" panose="02040503050406030204" pitchFamily="18" charset="0"/>
+                                            </a:rPr>
+                                            <m:t>𝑖</m:t>
+                                          </m:r>
+                                        </m:sub>
+                                      </m:sSub>
+                                      <m:r>
+                                        <a:rPr lang="en-US" sz="2030" i="1">
+                                          <a:latin typeface="Cambria Math" panose="02040503050406030204" pitchFamily="18" charset="0"/>
+                                          <a:ea typeface="Cambria Math" panose="02040503050406030204" pitchFamily="18" charset="0"/>
+                                        </a:rPr>
+                                        <m:t>−</m:t>
+                                      </m:r>
+                                      <m:sSub>
+                                        <m:sSubPr>
+                                          <m:ctrlPr>
+                                            <a:rPr lang="en-US" sz="2030" i="1">
+                                              <a:latin typeface="Cambria Math" panose="02040503050406030204" pitchFamily="18" charset="0"/>
+                                              <a:ea typeface="Cambria Math" panose="02040503050406030204" pitchFamily="18" charset="0"/>
+                                            </a:rPr>
+                                          </m:ctrlPr>
+                                        </m:sSubPr>
+                                        <m:e>
+                                          <m:r>
+                                            <a:rPr lang="en-US" sz="2030" i="1">
+                                              <a:latin typeface="Cambria Math" panose="02040503050406030204" pitchFamily="18" charset="0"/>
+                                              <a:ea typeface="Cambria Math" panose="02040503050406030204" pitchFamily="18" charset="0"/>
+                                            </a:rPr>
+                                            <m:t>𝑅</m:t>
+                                          </m:r>
+                                        </m:e>
+                                        <m:sub>
+                                          <m:r>
+                                            <a:rPr lang="en-US" sz="2030" i="1">
+                                              <a:latin typeface="Cambria Math" panose="02040503050406030204" pitchFamily="18" charset="0"/>
+                                              <a:ea typeface="Cambria Math" panose="02040503050406030204" pitchFamily="18" charset="0"/>
+                                            </a:rPr>
+                                            <m:t>𝑗</m:t>
+                                          </m:r>
+                                        </m:sub>
+                                      </m:sSub>
+                                    </m:e>
+                                  </m:d>
+                                </m:e>
+                                <m:sup>
+                                  <m:r>
+                                    <a:rPr lang="en-US" sz="2030" i="1">
+                                      <a:latin typeface="Cambria Math" panose="02040503050406030204" pitchFamily="18" charset="0"/>
+                                      <a:ea typeface="Cambria Math" panose="02040503050406030204" pitchFamily="18" charset="0"/>
+                                    </a:rPr>
+                                    <m:t>2</m:t>
+                                  </m:r>
+                                </m:sup>
+                              </m:sSup>
+                            </m:e>
+                          </m:nary>
+                        </m:e>
+                      </m:nary>
+                    </m:oMath>
+                  </m:oMathPara>
+                </a14:m>
+                <a:r>
+                  <a:rPr lang="en-US" sz="2030" dirty="0" smtClean="0"/>
+                  <a:t/>
+                </a:r>
+                <a:br>
+                  <a:rPr lang="en-US" sz="2030" dirty="0" smtClean="0"/>
+                </a:br>
+                <a:r>
+                  <a:rPr lang="en-US" sz="2030" dirty="0" smtClean="0"/>
+                  <a:t>with </a:t>
+                </a:r>
+                <a14:m>
+                  <m:oMath xmlns:m="http://schemas.openxmlformats.org/officeDocument/2006/math">
+                    <m:r>
+                      <a:rPr lang="en-US" sz="2030" b="0" i="1" smtClean="0">
+                        <a:latin typeface="Cambria Math" panose="02040503050406030204" pitchFamily="18" charset="0"/>
+                      </a:rPr>
+                      <m:t>𝑘</m:t>
+                    </m:r>
+                  </m:oMath>
+                </a14:m>
+                <a:r>
+                  <a:rPr lang="en-US" sz="2030" dirty="0" smtClean="0"/>
+                  <a:t> the spring constant, </a:t>
+                </a:r>
+                <a14:m>
+                  <m:oMath xmlns:m="http://schemas.openxmlformats.org/officeDocument/2006/math">
+                    <m:sSub>
+                      <m:sSubPr>
+                        <m:ctrlPr>
+                          <a:rPr lang="en-US" sz="2030" b="0" i="1" smtClean="0">
+                            <a:latin typeface="Cambria Math" panose="02040503050406030204" pitchFamily="18" charset="0"/>
+                          </a:rPr>
+                        </m:ctrlPr>
+                      </m:sSubPr>
+                      <m:e>
+                        <m:r>
+                          <a:rPr lang="en-US" sz="2030" b="0" i="1" smtClean="0">
+                            <a:latin typeface="Cambria Math" panose="02040503050406030204" pitchFamily="18" charset="0"/>
+                          </a:rPr>
+                          <m:t>𝛿</m:t>
+                        </m:r>
+                      </m:e>
+                      <m:sub>
+                        <m:r>
+                          <a:rPr lang="en-US" sz="2030" b="0" i="1" smtClean="0">
+                            <a:latin typeface="Cambria Math" panose="02040503050406030204" pitchFamily="18" charset="0"/>
+                          </a:rPr>
+                          <m:t>𝑖𝑗</m:t>
+                        </m:r>
+                      </m:sub>
+                    </m:sSub>
+                    <m:r>
+                      <a:rPr lang="en-US" sz="2030" b="0" i="1" smtClean="0">
+                        <a:latin typeface="Cambria Math" panose="02040503050406030204" pitchFamily="18" charset="0"/>
+                      </a:rPr>
+                      <m:t>=1</m:t>
+                    </m:r>
+                  </m:oMath>
+                </a14:m>
+                <a:r>
+                  <a:rPr lang="en-US" sz="2030" dirty="0" smtClean="0"/>
+                  <a:t> if beads </a:t>
+                </a:r>
+                <a14:m>
+                  <m:oMath xmlns:m="http://schemas.openxmlformats.org/officeDocument/2006/math">
+                    <m:r>
+                      <a:rPr lang="en-US" sz="2030" b="0" i="1" smtClean="0">
+                        <a:latin typeface="Cambria Math" panose="02040503050406030204" pitchFamily="18" charset="0"/>
+                      </a:rPr>
+                      <m:t>𝑖</m:t>
+                    </m:r>
+                  </m:oMath>
+                </a14:m>
+                <a:r>
+                  <a:rPr lang="en-US" sz="2030" dirty="0" smtClean="0"/>
+                  <a:t> and </a:t>
+                </a:r>
+                <a14:m>
+                  <m:oMath xmlns:m="http://schemas.openxmlformats.org/officeDocument/2006/math">
+                    <m:r>
+                      <a:rPr lang="en-US" sz="2030" b="0" i="1" smtClean="0">
+                        <a:latin typeface="Cambria Math" panose="02040503050406030204" pitchFamily="18" charset="0"/>
+                      </a:rPr>
+                      <m:t>𝑗</m:t>
+                    </m:r>
+                  </m:oMath>
+                </a14:m>
+                <a:r>
+                  <a:rPr lang="en-US" sz="2030" dirty="0" smtClean="0"/>
+                  <a:t> are connected, and 0 otherwise. The </a:t>
+                </a:r>
+                <a:r>
+                  <a:rPr lang="en-US" sz="2030" dirty="0"/>
+                  <a:t>stochastic dynamics of bead </a:t>
+                </a:r>
+                <a14:m>
+                  <m:oMath xmlns:m="http://schemas.openxmlformats.org/officeDocument/2006/math">
+                    <m:r>
+                      <a:rPr lang="en-US" sz="2030" b="0" i="1" smtClean="0">
+                        <a:latin typeface="Cambria Math" panose="02040503050406030204" pitchFamily="18" charset="0"/>
+                      </a:rPr>
+                      <m:t>𝑖</m:t>
+                    </m:r>
+                  </m:oMath>
+                </a14:m>
+                <a:r>
+                  <a:rPr lang="en-US" sz="2030" dirty="0" smtClean="0"/>
+                  <a:t>  </a:t>
+                </a:r>
+                <a:r>
+                  <a:rPr lang="en-US" sz="2030" dirty="0"/>
+                  <a:t>in a rouse chain of  N beads is given by</a:t>
+                </a:r>
+                <a:r>
+                  <a:rPr lang="en-US" sz="2030" dirty="0" smtClean="0"/>
+                  <a:t>:</a:t>
+                </a:r>
+              </a:p>
+              <a:p>
+                <a:pPr/>
+                <a:r>
+                  <a:rPr lang="en-US" sz="2030" dirty="0"/>
+                  <a:t/>
+                </a:r>
+                <a:br>
+                  <a:rPr lang="en-US" sz="2030" dirty="0"/>
+                </a:br>
+                <a14:m>
+                  <m:oMathPara xmlns:m="http://schemas.openxmlformats.org/officeDocument/2006/math">
+                    <m:oMathParaPr>
+                      <m:jc m:val="centerGroup"/>
+                    </m:oMathParaPr>
+                    <m:oMath xmlns:m="http://schemas.openxmlformats.org/officeDocument/2006/math">
+                      <m:f>
+                        <m:fPr>
+                          <m:ctrlPr>
+                            <a:rPr lang="en-US" sz="2030" i="1">
+                              <a:latin typeface="Cambria Math" panose="02040503050406030204" pitchFamily="18" charset="0"/>
+                            </a:rPr>
+                          </m:ctrlPr>
+                        </m:fPr>
+                        <m:num>
+                          <m:r>
+                            <a:rPr lang="en-US" sz="2030" i="1">
+                              <a:latin typeface="Cambria Math" panose="02040503050406030204" pitchFamily="18" charset="0"/>
+                            </a:rPr>
+                            <m:t>𝑑</m:t>
+                          </m:r>
+                          <m:sSub>
+                            <m:sSubPr>
+                              <m:ctrlPr>
+                                <a:rPr lang="en-US" sz="2030" i="1">
+                                  <a:latin typeface="Cambria Math" panose="02040503050406030204" pitchFamily="18" charset="0"/>
+                                </a:rPr>
+                              </m:ctrlPr>
+                            </m:sSubPr>
+                            <m:e>
+                              <m:r>
+                                <a:rPr lang="en-US" sz="2030" i="1">
+                                  <a:latin typeface="Cambria Math" panose="02040503050406030204" pitchFamily="18" charset="0"/>
+                                </a:rPr>
+                                <m:t>𝑅</m:t>
+                              </m:r>
+                            </m:e>
+                            <m:sub>
+                              <m:r>
+                                <a:rPr lang="en-US" sz="2030" i="1">
+                                  <a:latin typeface="Cambria Math" panose="02040503050406030204" pitchFamily="18" charset="0"/>
+                                </a:rPr>
+                                <m:t>𝑖</m:t>
+                              </m:r>
+                            </m:sub>
+                          </m:sSub>
+                          <m:r>
+                            <a:rPr lang="en-US" sz="2030" i="1">
+                              <a:latin typeface="Cambria Math" panose="02040503050406030204" pitchFamily="18" charset="0"/>
+                            </a:rPr>
+                            <m:t>(</m:t>
+                          </m:r>
+                          <m:r>
+                            <a:rPr lang="en-US" sz="2030" i="1">
+                              <a:latin typeface="Cambria Math" panose="02040503050406030204" pitchFamily="18" charset="0"/>
+                            </a:rPr>
+                            <m:t>𝑡</m:t>
+                          </m:r>
+                          <m:r>
+                            <a:rPr lang="en-US" sz="2030" i="1">
+                              <a:latin typeface="Cambria Math" panose="02040503050406030204" pitchFamily="18" charset="0"/>
+                            </a:rPr>
+                            <m:t>)</m:t>
+                          </m:r>
+                        </m:num>
+                        <m:den>
+                          <m:r>
+                            <a:rPr lang="en-US" sz="2030" i="1">
+                              <a:latin typeface="Cambria Math" panose="02040503050406030204" pitchFamily="18" charset="0"/>
+                            </a:rPr>
+                            <m:t>𝑑𝑡</m:t>
+                          </m:r>
+                        </m:den>
+                      </m:f>
+                      <m:r>
+                        <a:rPr lang="en-US" sz="2030" i="1">
+                          <a:latin typeface="Cambria Math" panose="02040503050406030204" pitchFamily="18" charset="0"/>
+                        </a:rPr>
+                        <m:t>=−</m:t>
+                      </m:r>
+                      <m:r>
+                        <a:rPr lang="en-US" sz="2030" b="0" i="1" smtClean="0">
+                          <a:latin typeface="Cambria Math" panose="02040503050406030204" pitchFamily="18" charset="0"/>
+                        </a:rPr>
+                        <m:t>𝐷</m:t>
+                      </m:r>
+                      <m:r>
+                        <a:rPr lang="en-US" sz="2030" i="1">
+                          <a:latin typeface="Cambria Math" panose="02040503050406030204" pitchFamily="18" charset="0"/>
+                          <a:ea typeface="Cambria Math" panose="02040503050406030204" pitchFamily="18" charset="0"/>
+                        </a:rPr>
+                        <m:t>∇</m:t>
+                      </m:r>
+                      <m:sSub>
+                        <m:sSubPr>
+                          <m:ctrlPr>
+                            <a:rPr lang="en-US" sz="2030" b="0" i="1" smtClean="0">
+                              <a:latin typeface="Cambria Math" panose="02040503050406030204" pitchFamily="18" charset="0"/>
+                              <a:ea typeface="Cambria Math" panose="02040503050406030204" pitchFamily="18" charset="0"/>
+                            </a:rPr>
+                          </m:ctrlPr>
+                        </m:sSubPr>
+                        <m:e>
+                          <m:r>
+                            <m:rPr>
+                              <m:sty m:val="p"/>
+                            </m:rPr>
+                            <a:rPr lang="el-GR" sz="2030" i="1" smtClean="0">
+                              <a:latin typeface="Cambria Math" panose="02040503050406030204" pitchFamily="18" charset="0"/>
+                              <a:ea typeface="Cambria Math" panose="02040503050406030204" pitchFamily="18" charset="0"/>
+                            </a:rPr>
+                            <m:t>Φ</m:t>
+                          </m:r>
+                        </m:e>
+                        <m:sub>
+                          <m:sSub>
+                            <m:sSubPr>
+                              <m:ctrlPr>
+                                <a:rPr lang="en-US" sz="2030" b="0" i="1" smtClean="0">
+                                  <a:latin typeface="Cambria Math" panose="02040503050406030204" pitchFamily="18" charset="0"/>
+                                  <a:ea typeface="Cambria Math" panose="02040503050406030204" pitchFamily="18" charset="0"/>
+                                </a:rPr>
+                              </m:ctrlPr>
+                            </m:sSubPr>
+                            <m:e>
+                              <m:r>
+                                <a:rPr lang="en-US" sz="2030" b="0" i="1" smtClean="0">
+                                  <a:latin typeface="Cambria Math" panose="02040503050406030204" pitchFamily="18" charset="0"/>
+                                  <a:ea typeface="Cambria Math" panose="02040503050406030204" pitchFamily="18" charset="0"/>
+                                </a:rPr>
+                                <m:t>𝑅</m:t>
+                              </m:r>
+                            </m:e>
+                            <m:sub>
+                              <m:r>
+                                <a:rPr lang="en-US" sz="2030" b="0" i="1" smtClean="0">
+                                  <a:latin typeface="Cambria Math" panose="02040503050406030204" pitchFamily="18" charset="0"/>
+                                  <a:ea typeface="Cambria Math" panose="02040503050406030204" pitchFamily="18" charset="0"/>
+                                </a:rPr>
+                                <m:t>𝑖</m:t>
+                              </m:r>
+                            </m:sub>
+                          </m:sSub>
+                        </m:sub>
+                      </m:sSub>
+                      <m:r>
+                        <a:rPr lang="en-US" sz="2030" i="1">
+                          <a:latin typeface="Cambria Math" panose="02040503050406030204" pitchFamily="18" charset="0"/>
+                        </a:rPr>
+                        <m:t>+</m:t>
+                      </m:r>
+                      <m:rad>
+                        <m:radPr>
+                          <m:degHide m:val="on"/>
+                          <m:ctrlPr>
+                            <a:rPr lang="en-US" sz="2030" i="1">
+                              <a:latin typeface="Cambria Math" panose="02040503050406030204" pitchFamily="18" charset="0"/>
+                            </a:rPr>
+                          </m:ctrlPr>
+                        </m:radPr>
+                        <m:deg/>
+                        <m:e>
+                          <m:r>
+                            <a:rPr lang="en-US" sz="2030" i="1">
+                              <a:latin typeface="Cambria Math" panose="02040503050406030204" pitchFamily="18" charset="0"/>
+                            </a:rPr>
+                            <m:t>2</m:t>
+                          </m:r>
+                          <m:r>
+                            <a:rPr lang="en-US" sz="2030" i="1">
+                              <a:latin typeface="Cambria Math" panose="02040503050406030204" pitchFamily="18" charset="0"/>
+                            </a:rPr>
+                            <m:t>𝐷</m:t>
+                          </m:r>
+                        </m:e>
+                      </m:rad>
+                      <m:f>
+                        <m:fPr>
+                          <m:ctrlPr>
+                            <a:rPr lang="en-US" sz="2030" i="1">
+                              <a:latin typeface="Cambria Math" panose="02040503050406030204" pitchFamily="18" charset="0"/>
+                            </a:rPr>
+                          </m:ctrlPr>
+                        </m:fPr>
+                        <m:num>
+                          <m:r>
+                            <a:rPr lang="en-US" sz="2030" i="1">
+                              <a:latin typeface="Cambria Math" panose="02040503050406030204" pitchFamily="18" charset="0"/>
+                            </a:rPr>
+                            <m:t>𝑑𝑤</m:t>
+                          </m:r>
+                          <m:r>
+                            <a:rPr lang="en-US" sz="2030" i="1">
+                              <a:latin typeface="Cambria Math" panose="02040503050406030204" pitchFamily="18" charset="0"/>
+                            </a:rPr>
+                            <m:t>(</m:t>
+                          </m:r>
+                          <m:r>
+                            <a:rPr lang="en-US" sz="2030" i="1">
+                              <a:latin typeface="Cambria Math" panose="02040503050406030204" pitchFamily="18" charset="0"/>
+                            </a:rPr>
+                            <m:t>𝑡</m:t>
+                          </m:r>
+                          <m:r>
+                            <a:rPr lang="en-US" sz="2030" i="1">
+                              <a:latin typeface="Cambria Math" panose="02040503050406030204" pitchFamily="18" charset="0"/>
+                            </a:rPr>
+                            <m:t>)</m:t>
+                          </m:r>
+                        </m:num>
+                        <m:den>
+                          <m:r>
+                            <a:rPr lang="en-US" sz="2030" i="1">
+                              <a:latin typeface="Cambria Math" panose="02040503050406030204" pitchFamily="18" charset="0"/>
+                            </a:rPr>
+                            <m:t>𝑑𝑡</m:t>
+                          </m:r>
+                        </m:den>
+                      </m:f>
+                    </m:oMath>
+                  </m:oMathPara>
+                </a14:m>
+                <a:endParaRPr lang="en-US" sz="2030" dirty="0"/>
+              </a:p>
+              <a:p>
+                <a:endParaRPr lang="en-US" sz="2030" b="1" dirty="0"/>
+              </a:p>
+              <a:p>
+                <a:r>
+                  <a:rPr lang="en-US" sz="2030" dirty="0"/>
+                  <a:t>With </a:t>
+                </a:r>
+                <a14:m>
+                  <m:oMath xmlns:m="http://schemas.openxmlformats.org/officeDocument/2006/math">
+                    <m:sSub>
+                      <m:sSubPr>
+                        <m:ctrlPr>
+                          <a:rPr lang="en-US" sz="2030" i="1">
+                            <a:latin typeface="Cambria Math" panose="02040503050406030204" pitchFamily="18" charset="0"/>
+                          </a:rPr>
+                        </m:ctrlPr>
+                      </m:sSubPr>
+                      <m:e>
+                        <m:r>
+                          <a:rPr lang="en-US" sz="2030" i="1">
+                            <a:latin typeface="Cambria Math" panose="02040503050406030204" pitchFamily="18" charset="0"/>
+                          </a:rPr>
+                          <m:t>𝑅</m:t>
+                        </m:r>
+                      </m:e>
+                      <m:sub>
+                        <m:r>
+                          <a:rPr lang="en-US" sz="2030" i="1">
+                            <a:latin typeface="Cambria Math" panose="02040503050406030204" pitchFamily="18" charset="0"/>
+                          </a:rPr>
+                          <m:t>𝑖</m:t>
+                        </m:r>
+                      </m:sub>
+                    </m:sSub>
+                    <m:r>
+                      <a:rPr lang="en-US" sz="2030" i="1">
+                        <a:latin typeface="Cambria Math" panose="02040503050406030204" pitchFamily="18" charset="0"/>
+                      </a:rPr>
+                      <m:t>(</m:t>
+                    </m:r>
+                    <m:r>
+                      <a:rPr lang="en-US" sz="2030" i="1">
+                        <a:latin typeface="Cambria Math" panose="02040503050406030204" pitchFamily="18" charset="0"/>
+                      </a:rPr>
+                      <m:t>𝑡</m:t>
+                    </m:r>
+                    <m:r>
+                      <a:rPr lang="en-US" sz="2030" i="1">
+                        <a:latin typeface="Cambria Math" panose="02040503050406030204" pitchFamily="18" charset="0"/>
+                      </a:rPr>
+                      <m:t>)</m:t>
+                    </m:r>
+                  </m:oMath>
+                </a14:m>
+                <a:r>
+                  <a:rPr lang="en-US" sz="2030" dirty="0"/>
+                  <a:t> the position of bead </a:t>
+                </a:r>
+                <a14:m>
+                  <m:oMath xmlns:m="http://schemas.openxmlformats.org/officeDocument/2006/math">
+                    <m:r>
+                      <a:rPr lang="en-US" sz="2030" i="1">
+                        <a:latin typeface="Cambria Math" panose="02040503050406030204" pitchFamily="18" charset="0"/>
+                      </a:rPr>
+                      <m:t>𝑖</m:t>
+                    </m:r>
+                  </m:oMath>
+                </a14:m>
+                <a:r>
+                  <a:rPr lang="en-US" sz="2030" dirty="0"/>
+                  <a:t> at time </a:t>
+                </a:r>
+                <a14:m>
+                  <m:oMath xmlns:m="http://schemas.openxmlformats.org/officeDocument/2006/math">
+                    <m:r>
+                      <a:rPr lang="en-US" sz="2030" i="1">
+                        <a:latin typeface="Cambria Math" panose="02040503050406030204" pitchFamily="18" charset="0"/>
+                      </a:rPr>
+                      <m:t>𝑡</m:t>
+                    </m:r>
+                  </m:oMath>
+                </a14:m>
+                <a:r>
+                  <a:rPr lang="en-US" sz="2030" dirty="0"/>
+                  <a:t> , </a:t>
+                </a:r>
+                <a14:m>
+                  <m:oMath xmlns:m="http://schemas.openxmlformats.org/officeDocument/2006/math">
+                    <m:r>
+                      <a:rPr lang="en-US" sz="2030" i="1">
+                        <a:latin typeface="Cambria Math" panose="02040503050406030204" pitchFamily="18" charset="0"/>
+                      </a:rPr>
+                      <m:t>𝐷</m:t>
+                    </m:r>
+                  </m:oMath>
+                </a14:m>
+                <a:r>
+                  <a:rPr lang="en-US" sz="2030" dirty="0"/>
+                  <a:t> is the diffusion constant, and </a:t>
+                </a:r>
+                <a14:m>
+                  <m:oMath xmlns:m="http://schemas.openxmlformats.org/officeDocument/2006/math">
+                    <m:r>
+                      <a:rPr lang="en-US" sz="2030" i="1">
+                        <a:latin typeface="Cambria Math" panose="02040503050406030204" pitchFamily="18" charset="0"/>
+                      </a:rPr>
+                      <m:t>𝑤</m:t>
+                    </m:r>
+                    <m:r>
+                      <a:rPr lang="en-US" sz="2030" i="1">
+                        <a:latin typeface="Cambria Math" panose="02040503050406030204" pitchFamily="18" charset="0"/>
+                      </a:rPr>
+                      <m:t>(</m:t>
+                    </m:r>
+                    <m:r>
+                      <a:rPr lang="en-US" sz="2030" i="1">
+                        <a:latin typeface="Cambria Math" panose="02040503050406030204" pitchFamily="18" charset="0"/>
+                      </a:rPr>
+                      <m:t>𝑡</m:t>
+                    </m:r>
+                    <m:r>
+                      <a:rPr lang="en-US" sz="2030" i="1">
+                        <a:latin typeface="Cambria Math" panose="02040503050406030204" pitchFamily="18" charset="0"/>
+                      </a:rPr>
+                      <m:t>)</m:t>
+                    </m:r>
+                  </m:oMath>
+                </a14:m>
+                <a:r>
+                  <a:rPr lang="en-US" sz="2030" dirty="0"/>
+                  <a:t> is a white Gaussian noise with </a:t>
+                </a:r>
+                <a:r>
+                  <a:rPr lang="en-US" sz="2030" dirty="0" smtClean="0"/>
+                  <a:t>mean 0 a variance 1.</a:t>
+                </a:r>
+                <a:endParaRPr lang="en-US" sz="2030" dirty="0"/>
+              </a:p>
+              <a:p>
+                <a:r>
+                  <a:rPr lang="en-US" sz="2030" b="1" dirty="0"/>
+                  <a:t/>
+                </a:r>
+                <a:br>
+                  <a:rPr lang="en-US" sz="2030" b="1" dirty="0"/>
+                </a:br>
+                <a:r>
+                  <a:rPr lang="en-US" sz="2030" b="1" dirty="0" smtClean="0"/>
+                  <a:t>Coarse </a:t>
+                </a:r>
+                <a:r>
+                  <a:rPr lang="en-US" sz="2030" b="1" dirty="0"/>
+                  <a:t>graining of the encounter frequency </a:t>
+                </a:r>
+                <a:r>
+                  <a:rPr lang="en-US" sz="2030" dirty="0"/>
+                  <a:t/>
+                </a:r>
+                <a:br>
+                  <a:rPr lang="en-US" sz="2030" dirty="0"/>
+                </a:br>
+                <a:r>
+                  <a:rPr lang="en-US" sz="2030" dirty="0" smtClean="0"/>
+                  <a:t>Segment </a:t>
+                </a:r>
+                <a:r>
+                  <a:rPr lang="en-US" sz="2030" dirty="0"/>
+                  <a:t>size was chosen to be </a:t>
+                </a:r>
+                <a:r>
+                  <a:rPr lang="en-US" sz="2030" dirty="0" smtClean="0"/>
+                  <a:t>3kb, in </a:t>
+                </a:r>
+                <a:r>
+                  <a:rPr lang="en-US" sz="2030" dirty="0"/>
+                  <a:t>agreement with the mean restriction fragment size of </a:t>
+                </a:r>
+                <a:r>
+                  <a:rPr lang="en-US" sz="2030" dirty="0" err="1"/>
+                  <a:t>HindII</a:t>
+                </a:r>
+                <a:r>
+                  <a:rPr lang="en-US" sz="2030" dirty="0"/>
+                  <a:t> enzyme. </a:t>
+                </a:r>
+                <a:r>
+                  <a:rPr lang="en-US" sz="2030" dirty="0"/>
+                  <a:t>Encounters of ~920, </a:t>
+                </a:r>
+                <a:r>
+                  <a:rPr lang="en-US" sz="2030" dirty="0" smtClean="0"/>
+                  <a:t>kb </a:t>
+                </a:r>
+                <a:r>
+                  <a:rPr lang="en-US" sz="2030" dirty="0"/>
+                  <a:t>were mapped onto </a:t>
+                </a:r>
+                <a:r>
+                  <a:rPr lang="en-US" sz="2030" dirty="0" smtClean="0"/>
+                  <a:t>a polymer chain of N=307 beads [performed by Luca et. </a:t>
+                </a:r>
+                <a:r>
+                  <a:rPr lang="en-US" sz="2030" dirty="0"/>
+                  <a:t>a</a:t>
+                </a:r>
+                <a:r>
+                  <a:rPr lang="en-US" sz="2030" dirty="0" smtClean="0"/>
+                  <a:t>l].</a:t>
+                </a:r>
+                <a:endParaRPr lang="en-US" sz="2030" dirty="0"/>
+              </a:p>
+              <a:p>
+                <a:endParaRPr lang="en-US" sz="2030" b="1" dirty="0"/>
+              </a:p>
+              <a:p>
+                <a:r>
+                  <a:rPr lang="en-US" sz="2030" dirty="0"/>
+                  <a:t>1. We wish to partition the encounter signal of each bead into regions of loops and chains [add image]</a:t>
+                </a:r>
+              </a:p>
+              <a:p>
+                <a:endParaRPr lang="en-US" sz="2030" dirty="0"/>
+              </a:p>
+              <a:p>
+                <a:r>
+                  <a:rPr lang="en-US" sz="2030" b="1" dirty="0" smtClean="0"/>
+                  <a:t>Smoothing</a:t>
+                </a:r>
+                <a:br>
+                  <a:rPr lang="en-US" sz="2030" b="1" dirty="0" smtClean="0"/>
+                </a:br>
+                <a:r>
+                  <a:rPr lang="en-US" sz="2030" dirty="0" smtClean="0"/>
+                  <a:t>For </a:t>
+                </a:r>
+                <a:r>
+                  <a:rPr lang="en-US" sz="2030" dirty="0"/>
+                  <a:t>the Rouse polymer, the distribution of the distance between bead m and n is normally distributed with </a:t>
+                </a:r>
+                <a:br>
+                  <a:rPr lang="en-US" sz="2030" dirty="0"/>
+                </a:br>
+                <a:r>
+                  <a:rPr lang="en-US" sz="2030" dirty="0" smtClean="0"/>
+                  <a:t>        </a:t>
+                </a:r>
+                <a14:m>
+                  <m:oMath xmlns:m="http://schemas.openxmlformats.org/officeDocument/2006/math">
+                    <m:r>
+                      <a:rPr lang="en-US" sz="2030" i="1">
+                        <a:latin typeface="Cambria Math" panose="02040503050406030204" pitchFamily="18" charset="0"/>
+                      </a:rPr>
+                      <m:t>𝑃</m:t>
+                    </m:r>
+                    <m:d>
+                      <m:dPr>
+                        <m:ctrlPr>
+                          <a:rPr lang="en-US" sz="2030" i="1">
+                            <a:latin typeface="Cambria Math" panose="02040503050406030204" pitchFamily="18" charset="0"/>
+                          </a:rPr>
+                        </m:ctrlPr>
+                      </m:dPr>
+                      <m:e>
+                        <m:d>
+                          <m:dPr>
+                            <m:begChr m:val="|"/>
+                            <m:endChr m:val="|"/>
+                            <m:ctrlPr>
+                              <a:rPr lang="en-US" sz="2030" i="1">
+                                <a:latin typeface="Cambria Math" panose="02040503050406030204" pitchFamily="18" charset="0"/>
+                              </a:rPr>
+                            </m:ctrlPr>
+                          </m:dPr>
+                          <m:e>
+                            <m:sSub>
+                              <m:sSubPr>
+                                <m:ctrlPr>
+                                  <a:rPr lang="en-US" sz="2030" i="1">
+                                    <a:latin typeface="Cambria Math" panose="02040503050406030204" pitchFamily="18" charset="0"/>
+                                  </a:rPr>
+                                </m:ctrlPr>
+                              </m:sSubPr>
+                              <m:e>
+                                <m:r>
+                                  <a:rPr lang="en-US" sz="2030" i="1">
+                                    <a:latin typeface="Cambria Math" panose="02040503050406030204" pitchFamily="18" charset="0"/>
+                                  </a:rPr>
+                                  <m:t>𝑅</m:t>
+                                </m:r>
+                              </m:e>
+                              <m:sub>
+                                <m:r>
+                                  <a:rPr lang="en-US" sz="2030" i="1">
+                                    <a:latin typeface="Cambria Math" panose="02040503050406030204" pitchFamily="18" charset="0"/>
+                                  </a:rPr>
+                                  <m:t>𝑛</m:t>
+                                </m:r>
+                              </m:sub>
+                            </m:sSub>
+                            <m:r>
+                              <a:rPr lang="en-US" sz="2030" i="1">
+                                <a:latin typeface="Cambria Math" panose="02040503050406030204" pitchFamily="18" charset="0"/>
+                              </a:rPr>
+                              <m:t>−</m:t>
+                            </m:r>
+                            <m:sSub>
+                              <m:sSubPr>
+                                <m:ctrlPr>
+                                  <a:rPr lang="en-US" sz="2030" i="1">
+                                    <a:latin typeface="Cambria Math" panose="02040503050406030204" pitchFamily="18" charset="0"/>
+                                  </a:rPr>
+                                </m:ctrlPr>
+                              </m:sSubPr>
+                              <m:e>
+                                <m:r>
+                                  <a:rPr lang="en-US" sz="2030" i="1">
+                                    <a:latin typeface="Cambria Math" panose="02040503050406030204" pitchFamily="18" charset="0"/>
+                                  </a:rPr>
+                                  <m:t>𝑅</m:t>
+                                </m:r>
+                              </m:e>
+                              <m:sub>
+                                <m:r>
+                                  <a:rPr lang="en-US" sz="2030" i="1">
+                                    <a:latin typeface="Cambria Math" panose="02040503050406030204" pitchFamily="18" charset="0"/>
+                                  </a:rPr>
+                                  <m:t>𝑚</m:t>
+                                </m:r>
+                              </m:sub>
+                            </m:sSub>
+                          </m:e>
+                        </m:d>
+                      </m:e>
+                    </m:d>
+                    <m:r>
+                      <a:rPr lang="en-US" sz="2030" i="1">
+                        <a:latin typeface="Cambria Math" panose="02040503050406030204" pitchFamily="18" charset="0"/>
+                      </a:rPr>
+                      <m:t>=</m:t>
+                    </m:r>
+                    <m:sSup>
+                      <m:sSupPr>
+                        <m:ctrlPr>
+                          <a:rPr lang="en-US" sz="2030" i="1">
+                            <a:latin typeface="Cambria Math" panose="02040503050406030204" pitchFamily="18" charset="0"/>
+                          </a:rPr>
+                        </m:ctrlPr>
+                      </m:sSupPr>
+                      <m:e>
+                        <m:d>
+                          <m:dPr>
+                            <m:ctrlPr>
+                              <a:rPr lang="en-US" sz="2030" i="1">
+                                <a:latin typeface="Cambria Math" panose="02040503050406030204" pitchFamily="18" charset="0"/>
+                              </a:rPr>
+                            </m:ctrlPr>
+                          </m:dPr>
+                          <m:e>
+                            <m:f>
+                              <m:fPr>
+                                <m:ctrlPr>
+                                  <a:rPr lang="en-US" sz="2030" i="1">
+                                    <a:latin typeface="Cambria Math" panose="02040503050406030204" pitchFamily="18" charset="0"/>
+                                  </a:rPr>
+                                </m:ctrlPr>
+                              </m:fPr>
+                              <m:num>
+                                <m:r>
+                                  <a:rPr lang="en-US" sz="2030" i="1">
+                                    <a:latin typeface="Cambria Math" panose="02040503050406030204" pitchFamily="18" charset="0"/>
+                                  </a:rPr>
+                                  <m:t>3</m:t>
+                                </m:r>
+                              </m:num>
+                              <m:den>
+                                <m:r>
+                                  <a:rPr lang="en-US" sz="2030" i="1">
+                                    <a:latin typeface="Cambria Math" panose="02040503050406030204" pitchFamily="18" charset="0"/>
+                                  </a:rPr>
+                                  <m:t>2</m:t>
+                                </m:r>
+                                <m:r>
+                                  <a:rPr lang="en-US" sz="2030" i="1">
+                                    <a:latin typeface="Cambria Math" panose="02040503050406030204" pitchFamily="18" charset="0"/>
+                                    <a:ea typeface="Cambria Math" panose="02040503050406030204" pitchFamily="18" charset="0"/>
+                                  </a:rPr>
+                                  <m:t>𝜋</m:t>
+                                </m:r>
+                                <m:sSup>
+                                  <m:sSupPr>
+                                    <m:ctrlPr>
+                                      <a:rPr lang="en-US" sz="2030" i="1">
+                                        <a:latin typeface="Cambria Math" panose="02040503050406030204" pitchFamily="18" charset="0"/>
+                                        <a:ea typeface="Cambria Math" panose="02040503050406030204" pitchFamily="18" charset="0"/>
+                                      </a:rPr>
+                                    </m:ctrlPr>
+                                  </m:sSupPr>
+                                  <m:e>
+                                    <m:r>
+                                      <a:rPr lang="en-US" sz="2030" i="1">
+                                        <a:latin typeface="Cambria Math" panose="02040503050406030204" pitchFamily="18" charset="0"/>
+                                        <a:ea typeface="Cambria Math" panose="02040503050406030204" pitchFamily="18" charset="0"/>
+                                      </a:rPr>
+                                      <m:t>𝑏</m:t>
+                                    </m:r>
+                                  </m:e>
+                                  <m:sup>
+                                    <m:r>
+                                      <a:rPr lang="en-US" sz="2030" i="1">
+                                        <a:latin typeface="Cambria Math" panose="02040503050406030204" pitchFamily="18" charset="0"/>
+                                        <a:ea typeface="Cambria Math" panose="02040503050406030204" pitchFamily="18" charset="0"/>
+                                      </a:rPr>
+                                      <m:t>2</m:t>
+                                    </m:r>
+                                  </m:sup>
+                                </m:sSup>
+                                <m:r>
+                                  <a:rPr lang="en-US" sz="2030" i="1">
+                                    <a:latin typeface="Cambria Math" panose="02040503050406030204" pitchFamily="18" charset="0"/>
+                                  </a:rPr>
+                                  <m:t>|</m:t>
+                                </m:r>
+                                <m:r>
+                                  <a:rPr lang="en-US" sz="2030" i="1">
+                                    <a:latin typeface="Cambria Math" panose="02040503050406030204" pitchFamily="18" charset="0"/>
+                                  </a:rPr>
+                                  <m:t>𝑚</m:t>
+                                </m:r>
+                                <m:r>
+                                  <a:rPr lang="en-US" sz="2030" i="1">
+                                    <a:latin typeface="Cambria Math" panose="02040503050406030204" pitchFamily="18" charset="0"/>
+                                  </a:rPr>
+                                  <m:t>−</m:t>
+                                </m:r>
+                                <m:r>
+                                  <a:rPr lang="en-US" sz="2030" i="1">
+                                    <a:latin typeface="Cambria Math" panose="02040503050406030204" pitchFamily="18" charset="0"/>
+                                  </a:rPr>
+                                  <m:t>𝑛</m:t>
+                                </m:r>
+                                <m:r>
+                                  <a:rPr lang="en-US" sz="2030" i="1">
+                                    <a:latin typeface="Cambria Math" panose="02040503050406030204" pitchFamily="18" charset="0"/>
+                                  </a:rPr>
+                                  <m:t>|</m:t>
+                                </m:r>
+                              </m:den>
+                            </m:f>
+                          </m:e>
+                        </m:d>
+                      </m:e>
+                      <m:sup>
+                        <m:r>
+                          <a:rPr lang="en-US" sz="2030" i="1">
+                            <a:latin typeface="Cambria Math" panose="02040503050406030204" pitchFamily="18" charset="0"/>
+                          </a:rPr>
+                          <m:t>1.5</m:t>
+                        </m:r>
+                      </m:sup>
+                    </m:sSup>
+                    <m:r>
+                      <m:rPr>
+                        <m:sty m:val="p"/>
+                      </m:rPr>
+                      <a:rPr lang="en-US" sz="2030">
+                        <a:latin typeface="Cambria Math" panose="02040503050406030204" pitchFamily="18" charset="0"/>
+                      </a:rPr>
+                      <m:t>exp</m:t>
+                    </m:r>
+                    <m:r>
+                      <a:rPr lang="en-US" sz="2030" i="1">
+                        <a:latin typeface="Cambria Math" panose="02040503050406030204" pitchFamily="18" charset="0"/>
+                      </a:rPr>
+                      <m:t>⁡</m:t>
+                    </m:r>
+                    <m:d>
+                      <m:dPr>
+                        <m:ctrlPr>
+                          <a:rPr lang="en-US" sz="2030" i="1">
+                            <a:latin typeface="Cambria Math" panose="02040503050406030204" pitchFamily="18" charset="0"/>
+                          </a:rPr>
+                        </m:ctrlPr>
+                      </m:dPr>
+                      <m:e>
+                        <m:r>
+                          <a:rPr lang="en-US" sz="2030" i="1">
+                            <a:latin typeface="Cambria Math" panose="02040503050406030204" pitchFamily="18" charset="0"/>
+                          </a:rPr>
+                          <m:t>−</m:t>
+                        </m:r>
+                        <m:f>
+                          <m:fPr>
+                            <m:ctrlPr>
+                              <a:rPr lang="en-US" sz="2030" i="1">
+                                <a:latin typeface="Cambria Math" panose="02040503050406030204" pitchFamily="18" charset="0"/>
+                              </a:rPr>
+                            </m:ctrlPr>
+                          </m:fPr>
+                          <m:num>
+                            <m:sSup>
+                              <m:sSupPr>
+                                <m:ctrlPr>
+                                  <a:rPr lang="en-US" sz="2030" i="1">
+                                    <a:latin typeface="Cambria Math" panose="02040503050406030204" pitchFamily="18" charset="0"/>
+                                  </a:rPr>
+                                </m:ctrlPr>
+                              </m:sSupPr>
+                              <m:e>
+                                <m:d>
+                                  <m:dPr>
+                                    <m:begChr m:val="|"/>
+                                    <m:endChr m:val="|"/>
+                                    <m:ctrlPr>
+                                      <a:rPr lang="en-US" sz="2030" i="1">
+                                        <a:latin typeface="Cambria Math" panose="02040503050406030204" pitchFamily="18" charset="0"/>
+                                      </a:rPr>
+                                    </m:ctrlPr>
+                                  </m:dPr>
+                                  <m:e>
+                                    <m:sSub>
+                                      <m:sSubPr>
+                                        <m:ctrlPr>
+                                          <a:rPr lang="en-US" sz="2030" i="1">
+                                            <a:latin typeface="Cambria Math" panose="02040503050406030204" pitchFamily="18" charset="0"/>
+                                          </a:rPr>
+                                        </m:ctrlPr>
+                                      </m:sSubPr>
+                                      <m:e>
+                                        <m:r>
+                                          <a:rPr lang="en-US" sz="2030" i="1">
+                                            <a:latin typeface="Cambria Math" panose="02040503050406030204" pitchFamily="18" charset="0"/>
+                                          </a:rPr>
+                                          <m:t>𝑅</m:t>
+                                        </m:r>
+                                      </m:e>
+                                      <m:sub>
+                                        <m:r>
+                                          <a:rPr lang="en-US" sz="2030" i="1">
+                                            <a:latin typeface="Cambria Math" panose="02040503050406030204" pitchFamily="18" charset="0"/>
+                                          </a:rPr>
+                                          <m:t>𝑛</m:t>
+                                        </m:r>
+                                      </m:sub>
+                                    </m:sSub>
+                                    <m:r>
+                                      <a:rPr lang="en-US" sz="2030" i="1">
+                                        <a:latin typeface="Cambria Math" panose="02040503050406030204" pitchFamily="18" charset="0"/>
+                                      </a:rPr>
+                                      <m:t>−</m:t>
+                                    </m:r>
+                                    <m:sSub>
+                                      <m:sSubPr>
+                                        <m:ctrlPr>
+                                          <a:rPr lang="en-US" sz="2030" i="1">
+                                            <a:latin typeface="Cambria Math" panose="02040503050406030204" pitchFamily="18" charset="0"/>
+                                          </a:rPr>
+                                        </m:ctrlPr>
+                                      </m:sSubPr>
+                                      <m:e>
+                                        <m:r>
+                                          <a:rPr lang="en-US" sz="2030" i="1">
+                                            <a:latin typeface="Cambria Math" panose="02040503050406030204" pitchFamily="18" charset="0"/>
+                                          </a:rPr>
+                                          <m:t>𝑅</m:t>
+                                        </m:r>
+                                      </m:e>
+                                      <m:sub>
+                                        <m:r>
+                                          <a:rPr lang="en-US" sz="2030" i="1">
+                                            <a:latin typeface="Cambria Math" panose="02040503050406030204" pitchFamily="18" charset="0"/>
+                                          </a:rPr>
+                                          <m:t>𝑚</m:t>
+                                        </m:r>
+                                      </m:sub>
+                                    </m:sSub>
+                                  </m:e>
+                                </m:d>
+                              </m:e>
+                              <m:sup>
+                                <m:r>
+                                  <a:rPr lang="en-US" sz="2030" i="1">
+                                    <a:latin typeface="Cambria Math" panose="02040503050406030204" pitchFamily="18" charset="0"/>
+                                  </a:rPr>
+                                  <m:t>2</m:t>
+                                </m:r>
+                              </m:sup>
+                            </m:sSup>
+                          </m:num>
+                          <m:den>
+                            <m:r>
+                              <a:rPr lang="en-US" sz="2030" i="1">
+                                <a:latin typeface="Cambria Math" panose="02040503050406030204" pitchFamily="18" charset="0"/>
+                              </a:rPr>
+                              <m:t>2</m:t>
+                            </m:r>
+                            <m:sSup>
+                              <m:sSupPr>
+                                <m:ctrlPr>
+                                  <a:rPr lang="en-US" sz="2030" i="1">
+                                    <a:latin typeface="Cambria Math" panose="02040503050406030204" pitchFamily="18" charset="0"/>
+                                  </a:rPr>
+                                </m:ctrlPr>
+                              </m:sSupPr>
+                              <m:e>
+                                <m:d>
+                                  <m:dPr>
+                                    <m:begChr m:val="|"/>
+                                    <m:endChr m:val="|"/>
+                                    <m:ctrlPr>
+                                      <a:rPr lang="en-US" sz="2030" i="1">
+                                        <a:latin typeface="Cambria Math" panose="02040503050406030204" pitchFamily="18" charset="0"/>
+                                      </a:rPr>
+                                    </m:ctrlPr>
+                                  </m:dPr>
+                                  <m:e>
+                                    <m:r>
+                                      <a:rPr lang="en-US" sz="2030" i="1">
+                                        <a:latin typeface="Cambria Math" panose="02040503050406030204" pitchFamily="18" charset="0"/>
+                                      </a:rPr>
+                                      <m:t>𝑚</m:t>
+                                    </m:r>
+                                    <m:r>
+                                      <a:rPr lang="en-US" sz="2030" i="1">
+                                        <a:latin typeface="Cambria Math" panose="02040503050406030204" pitchFamily="18" charset="0"/>
+                                      </a:rPr>
+                                      <m:t>−</m:t>
+                                    </m:r>
+                                    <m:r>
+                                      <a:rPr lang="en-US" sz="2030" i="1">
+                                        <a:latin typeface="Cambria Math" panose="02040503050406030204" pitchFamily="18" charset="0"/>
+                                      </a:rPr>
+                                      <m:t>𝑛</m:t>
+                                    </m:r>
+                                  </m:e>
+                                </m:d>
+                              </m:e>
+                              <m:sup>
+                                <m:r>
+                                  <a:rPr lang="en-US" sz="2030" i="1">
+                                    <a:latin typeface="Cambria Math" panose="02040503050406030204" pitchFamily="18" charset="0"/>
+                                  </a:rPr>
+                                  <m:t>2</m:t>
+                                </m:r>
+                              </m:sup>
+                            </m:sSup>
+                          </m:den>
+                        </m:f>
+                      </m:e>
+                    </m:d>
+                  </m:oMath>
+                </a14:m>
+                <a:r>
+                  <a:rPr lang="en-US" sz="2030" dirty="0"/>
+                  <a:t> </a:t>
+                </a:r>
+                <a:br>
+                  <a:rPr lang="en-US" sz="2030" dirty="0"/>
+                </a:br>
+                <a:r>
+                  <a:rPr lang="en-US" sz="2030" dirty="0"/>
+                  <a:t/>
+                </a:r>
+                <a:br>
+                  <a:rPr lang="en-US" sz="2030" dirty="0"/>
+                </a:br>
+                <a:r>
+                  <a:rPr lang="en-US" sz="2030" dirty="0"/>
+                  <a:t>with </a:t>
+                </a:r>
+                <a14:m>
+                  <m:oMath xmlns:m="http://schemas.openxmlformats.org/officeDocument/2006/math">
+                    <m:r>
+                      <a:rPr lang="en-US" sz="2030" i="1">
+                        <a:latin typeface="Cambria Math" panose="02040503050406030204" pitchFamily="18" charset="0"/>
+                        <a:ea typeface="Cambria Math" panose="02040503050406030204" pitchFamily="18" charset="0"/>
+                      </a:rPr>
+                      <m:t>𝑏</m:t>
+                    </m:r>
+                    <m:r>
+                      <a:rPr lang="en-US" sz="2030" i="1">
+                        <a:latin typeface="Cambria Math" panose="02040503050406030204" pitchFamily="18" charset="0"/>
+                        <a:ea typeface="Cambria Math" panose="02040503050406030204" pitchFamily="18" charset="0"/>
+                      </a:rPr>
+                      <m:t> </m:t>
+                    </m:r>
+                  </m:oMath>
+                </a14:m>
+                <a:r>
+                  <a:rPr lang="en-US" sz="2030" dirty="0"/>
+                  <a:t>the std. </a:t>
+                </a:r>
+                <a:r>
+                  <a:rPr lang="en-US" sz="2030" dirty="0"/>
+                  <a:t>of the distance between </a:t>
+                </a:r>
+                <a:r>
+                  <a:rPr lang="en-US" sz="2030" dirty="0" smtClean="0"/>
+                  <a:t>beads, whereas for </a:t>
+                </a:r>
+                <a14:m>
+                  <m:oMath xmlns:m="http://schemas.openxmlformats.org/officeDocument/2006/math">
+                    <m:sSub>
+                      <m:sSubPr>
+                        <m:ctrlPr>
+                          <a:rPr lang="en-US" sz="2030" b="0" i="1" smtClean="0">
+                            <a:latin typeface="Cambria Math" panose="02040503050406030204" pitchFamily="18" charset="0"/>
+                          </a:rPr>
+                        </m:ctrlPr>
+                      </m:sSubPr>
+                      <m:e>
+                        <m:r>
+                          <a:rPr lang="en-US" sz="2030" b="0" i="1" smtClean="0">
+                            <a:latin typeface="Cambria Math" panose="02040503050406030204" pitchFamily="18" charset="0"/>
+                          </a:rPr>
+                          <m:t>𝑅</m:t>
+                        </m:r>
+                      </m:e>
+                      <m:sub>
+                        <m:r>
+                          <a:rPr lang="en-US" sz="2030" b="0" i="1" smtClean="0">
+                            <a:latin typeface="Cambria Math" panose="02040503050406030204" pitchFamily="18" charset="0"/>
+                          </a:rPr>
+                          <m:t>𝑚</m:t>
+                        </m:r>
+                      </m:sub>
+                    </m:sSub>
+                    <m:r>
+                      <a:rPr lang="en-US" sz="2030" b="0" i="1" smtClean="0">
+                        <a:latin typeface="Cambria Math" panose="02040503050406030204" pitchFamily="18" charset="0"/>
+                      </a:rPr>
+                      <m:t>=</m:t>
+                    </m:r>
+                    <m:sSub>
+                      <m:sSubPr>
+                        <m:ctrlPr>
+                          <a:rPr lang="en-US" sz="2030" b="0" i="1" smtClean="0">
+                            <a:latin typeface="Cambria Math" panose="02040503050406030204" pitchFamily="18" charset="0"/>
+                          </a:rPr>
+                        </m:ctrlPr>
+                      </m:sSubPr>
+                      <m:e>
+                        <m:r>
+                          <a:rPr lang="en-US" sz="2030" b="0" i="1" smtClean="0">
+                            <a:latin typeface="Cambria Math" panose="02040503050406030204" pitchFamily="18" charset="0"/>
+                          </a:rPr>
+                          <m:t>𝑅</m:t>
+                        </m:r>
+                      </m:e>
+                      <m:sub>
+                        <m:r>
+                          <a:rPr lang="en-US" sz="2030" b="0" i="1" smtClean="0">
+                            <a:latin typeface="Cambria Math" panose="02040503050406030204" pitchFamily="18" charset="0"/>
+                          </a:rPr>
+                          <m:t>𝑛</m:t>
+                        </m:r>
+                      </m:sub>
+                    </m:sSub>
+                  </m:oMath>
+                </a14:m>
+                <a:r>
+                  <a:rPr lang="en-US" sz="2030" dirty="0" smtClean="0"/>
+                  <a:t> we get the encounter probability . This </a:t>
+                </a:r>
+                <a:r>
+                  <a:rPr lang="en-US" sz="2030" dirty="0"/>
+                  <a:t>is also the fundamental solution for the diffusion (heat) equation. It is therefore natural to smooth the encounter curve using the </a:t>
+                </a:r>
+                <a:r>
+                  <a:rPr lang="en-US" sz="2030" dirty="0" smtClean="0"/>
+                  <a:t>diffusion (heat) </a:t>
+                </a:r>
+                <a:r>
+                  <a:rPr lang="en-US" sz="2030" dirty="0"/>
+                  <a:t>equation. To account for the peaks we have to find an unknown, time </a:t>
+                </a:r>
+                <a:r>
+                  <a:rPr lang="en-US" sz="2030" dirty="0" smtClean="0"/>
+                  <a:t>dependent, </a:t>
+                </a:r>
+                <a:r>
+                  <a:rPr lang="en-US" sz="2030" dirty="0"/>
+                  <a:t>heat </a:t>
+                </a:r>
+                <a:r>
+                  <a:rPr lang="en-US" sz="2030" dirty="0" smtClean="0"/>
+                  <a:t>source </a:t>
+                </a:r>
+                <a14:m>
+                  <m:oMath xmlns:m="http://schemas.openxmlformats.org/officeDocument/2006/math">
+                    <m:r>
+                      <a:rPr lang="en-US" sz="2030" b="0" i="1" smtClean="0">
+                        <a:latin typeface="Cambria Math" panose="02040503050406030204" pitchFamily="18" charset="0"/>
+                      </a:rPr>
+                      <m:t>𝑟</m:t>
+                    </m:r>
+                    <m:r>
+                      <a:rPr lang="en-US" sz="2030" b="0" i="1" smtClean="0">
+                        <a:latin typeface="Cambria Math" panose="02040503050406030204" pitchFamily="18" charset="0"/>
+                      </a:rPr>
+                      <m:t>(</m:t>
+                    </m:r>
+                    <m:r>
+                      <a:rPr lang="en-US" sz="2030" b="0" i="1" smtClean="0">
+                        <a:latin typeface="Cambria Math" panose="02040503050406030204" pitchFamily="18" charset="0"/>
+                      </a:rPr>
+                      <m:t>𝑡</m:t>
+                    </m:r>
+                    <m:r>
+                      <a:rPr lang="en-US" sz="2030" b="0" i="1" smtClean="0">
+                        <a:latin typeface="Cambria Math" panose="02040503050406030204" pitchFamily="18" charset="0"/>
+                      </a:rPr>
+                      <m:t>)</m:t>
+                    </m:r>
+                  </m:oMath>
+                </a14:m>
+                <a:r>
+                  <a:rPr lang="en-US" sz="2030" dirty="0" smtClean="0"/>
+                  <a:t>. </a:t>
+                </a:r>
+                <a:r>
+                  <a:rPr lang="en-US" sz="2030" dirty="0"/>
+                  <a:t>We arrive at </a:t>
+                </a:r>
+                <a:r>
+                  <a:rPr lang="en-US" sz="2030" dirty="0" smtClean="0"/>
+                  <a:t>solving the </a:t>
+                </a:r>
+                <a:r>
+                  <a:rPr lang="en-US" sz="2030" dirty="0"/>
+                  <a:t>inverse heat equation. </a:t>
+                </a:r>
+              </a:p>
+              <a:p>
+                <a14:m>
+                  <m:oMathPara xmlns:m="http://schemas.openxmlformats.org/officeDocument/2006/math">
+                    <m:oMathParaPr>
+                      <m:jc m:val="centerGroup"/>
+                    </m:oMathParaPr>
+                    <m:oMath xmlns:m="http://schemas.openxmlformats.org/officeDocument/2006/math">
+                      <m:sSub>
+                        <m:sSubPr>
+                          <m:ctrlPr>
+                            <a:rPr lang="en-US" sz="2030" i="1">
+                              <a:latin typeface="Cambria Math" panose="02040503050406030204" pitchFamily="18" charset="0"/>
+                            </a:rPr>
+                          </m:ctrlPr>
+                        </m:sSubPr>
+                        <m:e>
+                          <m:r>
+                            <a:rPr lang="en-US" sz="2030" i="1">
+                              <a:latin typeface="Cambria Math" panose="02040503050406030204" pitchFamily="18" charset="0"/>
+                            </a:rPr>
+                            <m:t>𝑢</m:t>
+                          </m:r>
+                        </m:e>
+                        <m:sub>
+                          <m:r>
+                            <a:rPr lang="en-US" sz="2030" i="1">
+                              <a:latin typeface="Cambria Math" panose="02040503050406030204" pitchFamily="18" charset="0"/>
+                            </a:rPr>
+                            <m:t>𝑡</m:t>
+                          </m:r>
+                        </m:sub>
+                      </m:sSub>
+                      <m:r>
+                        <a:rPr lang="en-US" sz="2030" i="1">
+                          <a:latin typeface="Cambria Math" panose="02040503050406030204" pitchFamily="18" charset="0"/>
+                        </a:rPr>
+                        <m:t>=</m:t>
+                      </m:r>
+                      <m:sSub>
+                        <m:sSubPr>
+                          <m:ctrlPr>
+                            <a:rPr lang="en-US" sz="2030" i="1">
+                              <a:latin typeface="Cambria Math" panose="02040503050406030204" pitchFamily="18" charset="0"/>
+                            </a:rPr>
+                          </m:ctrlPr>
+                        </m:sSubPr>
+                        <m:e>
+                          <m:r>
+                            <a:rPr lang="en-US" sz="2030" i="1">
+                              <a:latin typeface="Cambria Math" panose="02040503050406030204" pitchFamily="18" charset="0"/>
+                            </a:rPr>
+                            <m:t>𝑢</m:t>
+                          </m:r>
+                        </m:e>
+                        <m:sub>
+                          <m:r>
+                            <a:rPr lang="en-US" sz="2030" i="1">
+                              <a:latin typeface="Cambria Math" panose="02040503050406030204" pitchFamily="18" charset="0"/>
+                            </a:rPr>
+                            <m:t>𝑥𝑥</m:t>
+                          </m:r>
+                        </m:sub>
+                      </m:sSub>
+                      <m:r>
+                        <a:rPr lang="en-US" sz="2030" i="1">
+                          <a:latin typeface="Cambria Math" panose="02040503050406030204" pitchFamily="18" charset="0"/>
+                        </a:rPr>
+                        <m:t>+</m:t>
+                      </m:r>
+                      <m:r>
+                        <a:rPr lang="en-US" sz="2030" i="1">
+                          <a:latin typeface="Cambria Math" panose="02040503050406030204" pitchFamily="18" charset="0"/>
+                        </a:rPr>
+                        <m:t>𝑟</m:t>
+                      </m:r>
+                      <m:d>
+                        <m:dPr>
+                          <m:ctrlPr>
+                            <a:rPr lang="en-US" sz="2030" i="1">
+                              <a:latin typeface="Cambria Math" panose="02040503050406030204" pitchFamily="18" charset="0"/>
+                            </a:rPr>
+                          </m:ctrlPr>
+                        </m:dPr>
+                        <m:e>
+                          <m:r>
+                            <a:rPr lang="en-US" sz="2030" i="1">
+                              <a:latin typeface="Cambria Math" panose="02040503050406030204" pitchFamily="18" charset="0"/>
+                            </a:rPr>
+                            <m:t>𝑡</m:t>
+                          </m:r>
+                        </m:e>
+                      </m:d>
+                      <m:r>
+                        <a:rPr lang="en-US" sz="2030" i="1">
+                          <a:latin typeface="Cambria Math" panose="02040503050406030204" pitchFamily="18" charset="0"/>
+                        </a:rPr>
+                        <m:t>,    0&lt;</m:t>
+                      </m:r>
+                      <m:r>
+                        <a:rPr lang="en-US" sz="2030" i="1">
+                          <a:latin typeface="Cambria Math" panose="02040503050406030204" pitchFamily="18" charset="0"/>
+                        </a:rPr>
+                        <m:t>𝑥</m:t>
+                      </m:r>
+                      <m:r>
+                        <a:rPr lang="en-US" sz="2030" i="1">
+                          <a:latin typeface="Cambria Math" panose="02040503050406030204" pitchFamily="18" charset="0"/>
+                        </a:rPr>
+                        <m:t>&lt;1,  </m:t>
+                      </m:r>
+                      <m:r>
+                        <a:rPr lang="en-US" sz="2030" i="1">
+                          <a:latin typeface="Cambria Math" panose="02040503050406030204" pitchFamily="18" charset="0"/>
+                        </a:rPr>
+                        <m:t>𝑡</m:t>
+                      </m:r>
+                      <m:r>
+                        <a:rPr lang="en-US" sz="2030" i="1">
+                          <a:latin typeface="Cambria Math" panose="02040503050406030204" pitchFamily="18" charset="0"/>
+                          <a:ea typeface="Cambria Math" panose="02040503050406030204" pitchFamily="18" charset="0"/>
+                        </a:rPr>
+                        <m:t>≥0</m:t>
+                      </m:r>
+                    </m:oMath>
+                  </m:oMathPara>
+                </a14:m>
+                <a:endParaRPr lang="en-US" sz="2030" dirty="0"/>
+              </a:p>
+              <a:p>
+                <a:r>
+                  <a:rPr lang="en-US" sz="2030" dirty="0" smtClean="0"/>
+                  <a:t>with </a:t>
+                </a:r>
+                <a:endParaRPr lang="en-US" sz="2030" dirty="0"/>
+              </a:p>
+              <a:p>
+                <a14:m>
+                  <m:oMathPara xmlns:m="http://schemas.openxmlformats.org/officeDocument/2006/math">
+                    <m:oMathParaPr>
+                      <m:jc m:val="centerGroup"/>
+                    </m:oMathParaPr>
+                    <m:oMath xmlns:m="http://schemas.openxmlformats.org/officeDocument/2006/math">
+                      <m:r>
+                        <a:rPr lang="en-US" sz="2030" i="1">
+                          <a:latin typeface="Cambria Math" panose="02040503050406030204" pitchFamily="18" charset="0"/>
+                        </a:rPr>
+                        <m:t>𝑢</m:t>
+                      </m:r>
+                      <m:d>
+                        <m:dPr>
+                          <m:ctrlPr>
+                            <a:rPr lang="en-US" sz="2030" i="1">
+                              <a:latin typeface="Cambria Math" panose="02040503050406030204" pitchFamily="18" charset="0"/>
+                            </a:rPr>
+                          </m:ctrlPr>
+                        </m:dPr>
+                        <m:e>
+                          <m:r>
+                            <a:rPr lang="en-US" sz="2030" i="1">
+                              <a:latin typeface="Cambria Math" panose="02040503050406030204" pitchFamily="18" charset="0"/>
+                            </a:rPr>
+                            <m:t>0,</m:t>
+                          </m:r>
+                          <m:r>
+                            <a:rPr lang="en-US" sz="2030" i="1">
+                              <a:latin typeface="Cambria Math" panose="02040503050406030204" pitchFamily="18" charset="0"/>
+                            </a:rPr>
+                            <m:t>𝑡</m:t>
+                          </m:r>
+                        </m:e>
+                      </m:d>
+                      <m:r>
+                        <a:rPr lang="en-US" sz="2030" i="1">
+                          <a:latin typeface="Cambria Math" panose="02040503050406030204" pitchFamily="18" charset="0"/>
+                        </a:rPr>
+                        <m:t>=</m:t>
+                      </m:r>
+                      <m:r>
+                        <a:rPr lang="en-US" sz="2030" i="1">
+                          <a:latin typeface="Cambria Math" panose="02040503050406030204" pitchFamily="18" charset="0"/>
+                        </a:rPr>
+                        <m:t>𝑢</m:t>
+                      </m:r>
+                      <m:d>
+                        <m:dPr>
+                          <m:ctrlPr>
+                            <a:rPr lang="en-US" sz="2030" i="1">
+                              <a:latin typeface="Cambria Math" panose="02040503050406030204" pitchFamily="18" charset="0"/>
+                            </a:rPr>
+                          </m:ctrlPr>
+                        </m:dPr>
+                        <m:e>
+                          <m:r>
+                            <a:rPr lang="en-US" sz="2030" i="1">
+                              <a:latin typeface="Cambria Math" panose="02040503050406030204" pitchFamily="18" charset="0"/>
+                            </a:rPr>
+                            <m:t>1,</m:t>
+                          </m:r>
+                          <m:r>
+                            <a:rPr lang="en-US" sz="2030" i="1">
+                              <a:latin typeface="Cambria Math" panose="02040503050406030204" pitchFamily="18" charset="0"/>
+                            </a:rPr>
+                            <m:t>𝑡</m:t>
+                          </m:r>
+                        </m:e>
+                      </m:d>
+                      <m:r>
+                        <a:rPr lang="en-US" sz="2030" i="1">
+                          <a:latin typeface="Cambria Math" panose="02040503050406030204" pitchFamily="18" charset="0"/>
+                        </a:rPr>
+                        <m:t>,  </m:t>
+                      </m:r>
+                      <m:sSub>
+                        <m:sSubPr>
+                          <m:ctrlPr>
+                            <a:rPr lang="en-US" sz="2030" i="1">
+                              <a:latin typeface="Cambria Math" panose="02040503050406030204" pitchFamily="18" charset="0"/>
+                            </a:rPr>
+                          </m:ctrlPr>
+                        </m:sSubPr>
+                        <m:e>
+                          <m:r>
+                            <a:rPr lang="en-US" sz="2030" i="1">
+                              <a:latin typeface="Cambria Math" panose="02040503050406030204" pitchFamily="18" charset="0"/>
+                            </a:rPr>
+                            <m:t>𝑢</m:t>
+                          </m:r>
+                        </m:e>
+                        <m:sub>
+                          <m:r>
+                            <a:rPr lang="en-US" sz="2030" i="1">
+                              <a:latin typeface="Cambria Math" panose="02040503050406030204" pitchFamily="18" charset="0"/>
+                            </a:rPr>
+                            <m:t>𝑥</m:t>
+                          </m:r>
+                        </m:sub>
+                      </m:sSub>
+                      <m:d>
+                        <m:dPr>
+                          <m:ctrlPr>
+                            <a:rPr lang="en-US" sz="2030" i="1">
+                              <a:latin typeface="Cambria Math" panose="02040503050406030204" pitchFamily="18" charset="0"/>
+                            </a:rPr>
+                          </m:ctrlPr>
+                        </m:dPr>
+                        <m:e>
+                          <m:r>
+                            <a:rPr lang="en-US" sz="2030" i="1">
+                              <a:latin typeface="Cambria Math" panose="02040503050406030204" pitchFamily="18" charset="0"/>
+                            </a:rPr>
+                            <m:t>0,</m:t>
+                          </m:r>
+                          <m:r>
+                            <a:rPr lang="en-US" sz="2030" i="1">
+                              <a:latin typeface="Cambria Math" panose="02040503050406030204" pitchFamily="18" charset="0"/>
+                            </a:rPr>
+                            <m:t>𝑡</m:t>
+                          </m:r>
+                        </m:e>
+                      </m:d>
+                      <m:r>
+                        <a:rPr lang="en-US" sz="2030" i="1">
+                          <a:latin typeface="Cambria Math" panose="02040503050406030204" pitchFamily="18" charset="0"/>
+                        </a:rPr>
+                        <m:t>+</m:t>
+                      </m:r>
+                      <m:r>
+                        <a:rPr lang="en-US" sz="2030" i="1">
+                          <a:latin typeface="Cambria Math" panose="02040503050406030204" pitchFamily="18" charset="0"/>
+                          <a:ea typeface="Cambria Math" panose="02040503050406030204" pitchFamily="18" charset="0"/>
+                        </a:rPr>
+                        <m:t>𝛼</m:t>
+                      </m:r>
+                      <m:r>
+                        <a:rPr lang="en-US" sz="2030" i="1">
+                          <a:latin typeface="Cambria Math" panose="02040503050406030204" pitchFamily="18" charset="0"/>
+                          <a:ea typeface="Cambria Math" panose="02040503050406030204" pitchFamily="18" charset="0"/>
+                        </a:rPr>
+                        <m:t>𝑢</m:t>
+                      </m:r>
+                      <m:d>
+                        <m:dPr>
+                          <m:ctrlPr>
+                            <a:rPr lang="en-US" sz="2030" i="1">
+                              <a:latin typeface="Cambria Math" panose="02040503050406030204" pitchFamily="18" charset="0"/>
+                              <a:ea typeface="Cambria Math" panose="02040503050406030204" pitchFamily="18" charset="0"/>
+                            </a:rPr>
+                          </m:ctrlPr>
+                        </m:dPr>
+                        <m:e>
+                          <m:r>
+                            <a:rPr lang="en-US" sz="2030" i="1">
+                              <a:latin typeface="Cambria Math" panose="02040503050406030204" pitchFamily="18" charset="0"/>
+                              <a:ea typeface="Cambria Math" panose="02040503050406030204" pitchFamily="18" charset="0"/>
+                            </a:rPr>
+                            <m:t>0,</m:t>
+                          </m:r>
+                          <m:r>
+                            <a:rPr lang="en-US" sz="2030" i="1">
+                              <a:latin typeface="Cambria Math" panose="02040503050406030204" pitchFamily="18" charset="0"/>
+                              <a:ea typeface="Cambria Math" panose="02040503050406030204" pitchFamily="18" charset="0"/>
+                            </a:rPr>
+                            <m:t>𝑡</m:t>
+                          </m:r>
+                        </m:e>
+                      </m:d>
+                      <m:r>
+                        <a:rPr lang="en-US" sz="2030" i="1">
+                          <a:latin typeface="Cambria Math" panose="02040503050406030204" pitchFamily="18" charset="0"/>
+                          <a:ea typeface="Cambria Math" panose="02040503050406030204" pitchFamily="18" charset="0"/>
+                        </a:rPr>
+                        <m:t>=0,  </m:t>
+                      </m:r>
+                      <m:r>
+                        <a:rPr lang="en-US" sz="2030" i="1">
+                          <a:latin typeface="Cambria Math" panose="02040503050406030204" pitchFamily="18" charset="0"/>
+                          <a:ea typeface="Cambria Math" panose="02040503050406030204" pitchFamily="18" charset="0"/>
+                        </a:rPr>
+                        <m:t>𝑢</m:t>
+                      </m:r>
+                      <m:d>
+                        <m:dPr>
+                          <m:ctrlPr>
+                            <a:rPr lang="en-US" sz="2030" i="1">
+                              <a:latin typeface="Cambria Math" panose="02040503050406030204" pitchFamily="18" charset="0"/>
+                              <a:ea typeface="Cambria Math" panose="02040503050406030204" pitchFamily="18" charset="0"/>
+                            </a:rPr>
+                          </m:ctrlPr>
+                        </m:dPr>
+                        <m:e>
+                          <m:r>
+                            <a:rPr lang="en-US" sz="2030" i="1">
+                              <a:latin typeface="Cambria Math" panose="02040503050406030204" pitchFamily="18" charset="0"/>
+                              <a:ea typeface="Cambria Math" panose="02040503050406030204" pitchFamily="18" charset="0"/>
+                            </a:rPr>
+                            <m:t>𝑥</m:t>
+                          </m:r>
+                          <m:r>
+                            <a:rPr lang="en-US" sz="2030" i="1">
+                              <a:latin typeface="Cambria Math" panose="02040503050406030204" pitchFamily="18" charset="0"/>
+                              <a:ea typeface="Cambria Math" panose="02040503050406030204" pitchFamily="18" charset="0"/>
+                            </a:rPr>
+                            <m:t>,0</m:t>
+                          </m:r>
+                        </m:e>
+                      </m:d>
+                      <m:r>
+                        <a:rPr lang="en-US" sz="2030" i="1">
+                          <a:latin typeface="Cambria Math" panose="02040503050406030204" pitchFamily="18" charset="0"/>
+                          <a:ea typeface="Cambria Math" panose="02040503050406030204" pitchFamily="18" charset="0"/>
+                        </a:rPr>
+                        <m:t>=</m:t>
+                      </m:r>
+                      <m:r>
+                        <a:rPr lang="en-US" sz="2030" i="1">
+                          <a:latin typeface="Cambria Math" panose="02040503050406030204" pitchFamily="18" charset="0"/>
+                          <a:ea typeface="Cambria Math" panose="02040503050406030204" pitchFamily="18" charset="0"/>
+                        </a:rPr>
+                        <m:t>𝜑</m:t>
+                      </m:r>
+                      <m:d>
+                        <m:dPr>
+                          <m:ctrlPr>
+                            <a:rPr lang="en-US" sz="2030" i="1">
+                              <a:latin typeface="Cambria Math" panose="02040503050406030204" pitchFamily="18" charset="0"/>
+                              <a:ea typeface="Cambria Math" panose="02040503050406030204" pitchFamily="18" charset="0"/>
+                            </a:rPr>
+                          </m:ctrlPr>
+                        </m:dPr>
+                        <m:e>
+                          <m:r>
+                            <a:rPr lang="en-US" sz="2030" i="1">
+                              <a:latin typeface="Cambria Math" panose="02040503050406030204" pitchFamily="18" charset="0"/>
+                              <a:ea typeface="Cambria Math" panose="02040503050406030204" pitchFamily="18" charset="0"/>
+                            </a:rPr>
+                            <m:t>𝑥</m:t>
+                          </m:r>
+                        </m:e>
+                      </m:d>
+                    </m:oMath>
+                    <m:oMath xmlns:m="http://schemas.openxmlformats.org/officeDocument/2006/math">
+                      <m:nary>
+                        <m:naryPr>
+                          <m:ctrlPr>
+                            <a:rPr lang="en-US" sz="2030" i="1" smtClean="0">
+                              <a:latin typeface="Cambria Math" panose="02040503050406030204" pitchFamily="18" charset="0"/>
+                              <a:ea typeface="Cambria Math" panose="02040503050406030204" pitchFamily="18" charset="0"/>
+                            </a:rPr>
+                          </m:ctrlPr>
+                        </m:naryPr>
+                        <m:sub>
+                          <m:r>
+                            <m:rPr>
+                              <m:brk m:alnAt="23"/>
+                            </m:rPr>
+                            <a:rPr lang="en-US" sz="2030" b="0" i="1" smtClean="0">
+                              <a:latin typeface="Cambria Math" panose="02040503050406030204" pitchFamily="18" charset="0"/>
+                              <a:ea typeface="Cambria Math" panose="02040503050406030204" pitchFamily="18" charset="0"/>
+                            </a:rPr>
+                            <m:t>0</m:t>
+                          </m:r>
+                        </m:sub>
+                        <m:sup>
+                          <m:r>
+                            <a:rPr lang="en-US" sz="2030" b="0" i="1" smtClean="0">
+                              <a:latin typeface="Cambria Math" panose="02040503050406030204" pitchFamily="18" charset="0"/>
+                              <a:ea typeface="Cambria Math" panose="02040503050406030204" pitchFamily="18" charset="0"/>
+                            </a:rPr>
+                            <m:t>1</m:t>
+                          </m:r>
+                        </m:sup>
+                        <m:e>
+                          <m:r>
+                            <a:rPr lang="en-US" sz="2030" b="0" i="1" smtClean="0">
+                              <a:latin typeface="Cambria Math" panose="02040503050406030204" pitchFamily="18" charset="0"/>
+                              <a:ea typeface="Cambria Math" panose="02040503050406030204" pitchFamily="18" charset="0"/>
+                            </a:rPr>
+                            <m:t>𝑢</m:t>
+                          </m:r>
+                          <m:d>
+                            <m:dPr>
+                              <m:ctrlPr>
+                                <a:rPr lang="en-US" sz="2030" b="0" i="1" smtClean="0">
+                                  <a:latin typeface="Cambria Math" panose="02040503050406030204" pitchFamily="18" charset="0"/>
+                                  <a:ea typeface="Cambria Math" panose="02040503050406030204" pitchFamily="18" charset="0"/>
+                                </a:rPr>
+                              </m:ctrlPr>
+                            </m:dPr>
+                            <m:e>
+                              <m:r>
+                                <a:rPr lang="en-US" sz="2030" b="0" i="1" smtClean="0">
+                                  <a:latin typeface="Cambria Math" panose="02040503050406030204" pitchFamily="18" charset="0"/>
+                                  <a:ea typeface="Cambria Math" panose="02040503050406030204" pitchFamily="18" charset="0"/>
+                                </a:rPr>
+                                <m:t>𝑥</m:t>
+                              </m:r>
+                              <m:r>
+                                <a:rPr lang="en-US" sz="2030" b="0" i="1" smtClean="0">
+                                  <a:latin typeface="Cambria Math" panose="02040503050406030204" pitchFamily="18" charset="0"/>
+                                  <a:ea typeface="Cambria Math" panose="02040503050406030204" pitchFamily="18" charset="0"/>
+                                </a:rPr>
+                                <m:t>,</m:t>
+                              </m:r>
+                              <m:r>
+                                <a:rPr lang="en-US" sz="2030" b="0" i="1" smtClean="0">
+                                  <a:latin typeface="Cambria Math" panose="02040503050406030204" pitchFamily="18" charset="0"/>
+                                  <a:ea typeface="Cambria Math" panose="02040503050406030204" pitchFamily="18" charset="0"/>
+                                </a:rPr>
+                                <m:t>𝑡</m:t>
+                              </m:r>
+                            </m:e>
+                          </m:d>
+                          <m:r>
+                            <a:rPr lang="en-US" sz="2030" b="0" i="1" smtClean="0">
+                              <a:latin typeface="Cambria Math" panose="02040503050406030204" pitchFamily="18" charset="0"/>
+                              <a:ea typeface="Cambria Math" panose="02040503050406030204" pitchFamily="18" charset="0"/>
+                            </a:rPr>
+                            <m:t>𝑑𝑥</m:t>
+                          </m:r>
+                          <m:r>
+                            <a:rPr lang="en-US" sz="2030" b="0" i="1" smtClean="0">
+                              <a:latin typeface="Cambria Math" panose="02040503050406030204" pitchFamily="18" charset="0"/>
+                              <a:ea typeface="Cambria Math" panose="02040503050406030204" pitchFamily="18" charset="0"/>
+                            </a:rPr>
+                            <m:t>=</m:t>
+                          </m:r>
+                          <m:r>
+                            <a:rPr lang="en-US" sz="2030" b="0" i="1" smtClean="0">
+                              <a:latin typeface="Cambria Math" panose="02040503050406030204" pitchFamily="18" charset="0"/>
+                              <a:ea typeface="Cambria Math" panose="02040503050406030204" pitchFamily="18" charset="0"/>
+                            </a:rPr>
+                            <m:t>𝐸</m:t>
+                          </m:r>
+                          <m:r>
+                            <a:rPr lang="en-US" sz="2030" b="0" i="1" smtClean="0">
+                              <a:latin typeface="Cambria Math" panose="02040503050406030204" pitchFamily="18" charset="0"/>
+                              <a:ea typeface="Cambria Math" panose="02040503050406030204" pitchFamily="18" charset="0"/>
+                            </a:rPr>
+                            <m:t>(</m:t>
+                          </m:r>
+                          <m:r>
+                            <a:rPr lang="en-US" sz="2030" b="0" i="1" smtClean="0">
+                              <a:latin typeface="Cambria Math" panose="02040503050406030204" pitchFamily="18" charset="0"/>
+                              <a:ea typeface="Cambria Math" panose="02040503050406030204" pitchFamily="18" charset="0"/>
+                            </a:rPr>
+                            <m:t>𝑡</m:t>
+                          </m:r>
+                          <m:r>
+                            <a:rPr lang="en-US" sz="2030" b="0" i="1" smtClean="0">
+                              <a:latin typeface="Cambria Math" panose="02040503050406030204" pitchFamily="18" charset="0"/>
+                              <a:ea typeface="Cambria Math" panose="02040503050406030204" pitchFamily="18" charset="0"/>
+                            </a:rPr>
+                            <m:t>)</m:t>
+                          </m:r>
+                        </m:e>
+                      </m:nary>
+                    </m:oMath>
+                  </m:oMathPara>
+                </a14:m>
+                <a:endParaRPr lang="en-US" sz="2030" dirty="0"/>
+              </a:p>
+              <a:p>
+                <a:endParaRPr lang="en-US" sz="2030" dirty="0" smtClean="0"/>
+              </a:p>
+              <a:p>
+                <a:r>
+                  <a:rPr lang="en-US" sz="2030" dirty="0" smtClean="0"/>
+                  <a:t>Treating t as the distance between beads,  E(t) the encounter signal for bead </a:t>
+                </a:r>
+                <a:r>
+                  <a:rPr lang="en-US" sz="2030" dirty="0" err="1" smtClean="0"/>
+                  <a:t>i</a:t>
+                </a:r>
+                <a:r>
+                  <a:rPr lang="en-US" sz="2030" dirty="0" smtClean="0"/>
+                  <a:t> and using the Boundary Element Method proposed by [</a:t>
+                </a:r>
+                <a:r>
+                  <a:rPr lang="en-US" sz="2030" dirty="0" err="1"/>
+                  <a:t>Farcas</a:t>
+                </a:r>
+                <a:r>
+                  <a:rPr lang="en-US" sz="2030" dirty="0"/>
+                  <a:t> and </a:t>
+                </a:r>
+                <a:r>
+                  <a:rPr lang="en-US" sz="2030" dirty="0" err="1"/>
+                  <a:t>Lesnic</a:t>
+                </a:r>
+                <a:r>
+                  <a:rPr lang="en-US" sz="2030" dirty="0"/>
+                  <a:t> 2006 </a:t>
+                </a:r>
+                <a:r>
+                  <a:rPr lang="en-US" sz="2030" dirty="0" smtClean="0"/>
+                  <a:t>, </a:t>
+                </a:r>
+                <a:r>
+                  <a:rPr lang="en-US" sz="2030" dirty="0" err="1" smtClean="0"/>
+                  <a:t>Hazanee</a:t>
+                </a:r>
+                <a:r>
+                  <a:rPr lang="en-US" sz="2030" dirty="0" smtClean="0"/>
+                  <a:t> et. </a:t>
+                </a:r>
+                <a:r>
+                  <a:rPr lang="en-US" sz="2030" dirty="0"/>
+                  <a:t>a</a:t>
+                </a:r>
+                <a:r>
+                  <a:rPr lang="en-US" sz="2030" dirty="0" smtClean="0"/>
+                  <a:t>l. 2011], we find the unknown source and the smoothed approximation to the encounter signal</a:t>
+                </a:r>
+              </a:p>
+              <a:p>
+                <a:r>
+                  <a:rPr lang="en-US" sz="2030" dirty="0" smtClean="0"/>
+                  <a:t>[Add figure of smoothing]</a:t>
+                </a:r>
+              </a:p>
+              <a:p>
+                <a:endParaRPr lang="en-US" sz="2030" dirty="0" smtClean="0"/>
+              </a:p>
+              <a:p>
+                <a:r>
+                  <a:rPr lang="en-US" sz="2030" dirty="0" smtClean="0"/>
+                  <a:t>3. </a:t>
+                </a:r>
+                <a:r>
+                  <a:rPr lang="en-US" sz="2030" b="1" dirty="0" smtClean="0"/>
+                  <a:t>From encounter signal to loops and chains</a:t>
+                </a:r>
+                <a:endParaRPr lang="en-US" sz="2030" dirty="0"/>
+              </a:p>
+              <a:p>
+                <a:r>
+                  <a:rPr lang="en-US" sz="2030" dirty="0" smtClean="0"/>
+                  <a:t>break </a:t>
+                </a:r>
+                <a:r>
+                  <a:rPr lang="en-US" sz="2030" dirty="0"/>
+                  <a:t>the encounter signals into regions of loops and chain </a:t>
+                </a:r>
+                <a:r>
+                  <a:rPr lang="en-US" sz="2030" dirty="0" smtClean="0"/>
+                  <a:t>[add </a:t>
+                </a:r>
+                <a:r>
+                  <a:rPr lang="en-US" sz="2030" dirty="0"/>
+                  <a:t>image</a:t>
+                </a:r>
+                <a:r>
+                  <a:rPr lang="en-US" sz="2030" dirty="0" smtClean="0"/>
+                  <a:t>]</a:t>
+                </a:r>
+              </a:p>
+              <a:p>
+                <a:endParaRPr lang="en-US" sz="2030" dirty="0"/>
+              </a:p>
+              <a:p>
+                <a:r>
+                  <a:rPr lang="en-US" sz="2030" b="1" dirty="0"/>
+                  <a:t>Assign spring constant </a:t>
+                </a:r>
+              </a:p>
+              <a:p>
+                <a:r>
+                  <a:rPr lang="en-US" sz="2030" dirty="0" smtClean="0"/>
+                  <a:t>For encounter probabilities higher than nearest neighbor probability, we assign a different spring constant between the beads. First we estimate the nearest neighbor interaction using the whole data. Empirically tested we fit a lognormal distribution to the  NN encounter probability and use its expectation in the calculation of the spring constant.  </a:t>
+                </a:r>
+                <a:br>
+                  <a:rPr lang="en-US" sz="2030" dirty="0" smtClean="0"/>
+                </a:br>
+                <a14:m>
+                  <m:oMathPara xmlns:m="http://schemas.openxmlformats.org/officeDocument/2006/math">
+                    <m:oMathParaPr>
+                      <m:jc m:val="centerGroup"/>
+                    </m:oMathParaPr>
+                    <m:oMath xmlns:m="http://schemas.openxmlformats.org/officeDocument/2006/math">
+                      <m:acc>
+                        <m:accPr>
+                          <m:chr m:val="̂"/>
+                          <m:ctrlPr>
+                            <a:rPr lang="en-US" sz="2030" i="1" smtClean="0">
+                              <a:latin typeface="Cambria Math" panose="02040503050406030204" pitchFamily="18" charset="0"/>
+                            </a:rPr>
+                          </m:ctrlPr>
+                        </m:accPr>
+                        <m:e>
+                          <m:r>
+                            <a:rPr lang="en-US" sz="2030" b="0" i="1" smtClean="0">
+                              <a:latin typeface="Cambria Math" panose="02040503050406030204" pitchFamily="18" charset="0"/>
+                            </a:rPr>
+                            <m:t>𝑘</m:t>
+                          </m:r>
+                        </m:e>
+                      </m:acc>
+                      <m:r>
+                        <a:rPr lang="en-US" sz="2030" b="0" i="1" smtClean="0">
+                          <a:latin typeface="Cambria Math" panose="02040503050406030204" pitchFamily="18" charset="0"/>
+                        </a:rPr>
+                        <m:t>=</m:t>
+                      </m:r>
+                    </m:oMath>
+                  </m:oMathPara>
+                </a14:m>
+                <a:r>
+                  <a:rPr lang="en-US" sz="2030" b="1" dirty="0"/>
+                  <a:t/>
+                </a:r>
+                <a:br>
+                  <a:rPr lang="en-US" sz="2030" b="1" dirty="0"/>
+                </a:br>
+                <a:r>
+                  <a:rPr lang="en-US" sz="2030" b="1" dirty="0"/>
+                  <a:t>Simulation</a:t>
+                </a:r>
+              </a:p>
+              <a:p>
+                <a:endParaRPr lang="en-US" sz="2030" dirty="0"/>
+              </a:p>
+              <a:p>
+                <a:endParaRPr lang="en-US" sz="2030" dirty="0"/>
+              </a:p>
+              <a:p>
+                <a:endParaRPr lang="en-US" sz="2030" dirty="0"/>
+              </a:p>
+              <a:p>
+                <a:r>
+                  <a:rPr lang="en-US" sz="2030" dirty="0"/>
+                  <a:t>Resulting structure can now be fitted with encounter probability functions, assuming Rouse model </a:t>
+                </a:r>
+              </a:p>
+              <a:p>
+                <a:endParaRPr lang="en-US" sz="2030" dirty="0"/>
+              </a:p>
+              <a:p>
+                <a:r>
+                  <a:rPr lang="en-US" sz="2030" dirty="0"/>
+                  <a:t>Find an agreement between the loop location in various signals by probabilistic model</a:t>
+                </a:r>
+              </a:p>
+              <a:p>
+                <a:endParaRPr lang="en-US" sz="2030" dirty="0"/>
+              </a:p>
+              <a:p>
+                <a:r>
+                  <a:rPr lang="en-US" sz="2030" dirty="0"/>
+                  <a:t>Reconstruction</a:t>
+                </a:r>
+              </a:p>
+              <a:p>
+                <a:endParaRPr lang="en-US" sz="2030" dirty="0"/>
+              </a:p>
+              <a:p>
+                <a:r>
+                  <a:rPr lang="en-US" sz="2030" dirty="0"/>
+                  <a:t>Simulation of the resulted structure</a:t>
+                </a:r>
+              </a:p>
+              <a:p>
+                <a:endParaRPr lang="en-US" sz="2030" dirty="0"/>
+              </a:p>
+              <a:p>
+                <a:r>
+                  <a:rPr lang="en-US" sz="2030" dirty="0"/>
+                  <a:t>Validation with the </a:t>
+                </a:r>
+                <a:r>
+                  <a:rPr lang="en-US" sz="2030" dirty="0" err="1"/>
+                  <a:t>HiC</a:t>
+                </a:r>
+                <a:r>
+                  <a:rPr lang="en-US" sz="2030" dirty="0"/>
+                  <a:t> maps</a:t>
+                </a:r>
+              </a:p>
+              <a:p>
+                <a:endParaRPr lang="en-US" sz="2030" dirty="0"/>
+              </a:p>
+              <a:p>
+                <a:r>
+                  <a:rPr lang="en-US" sz="2030" dirty="0"/>
+                  <a:t>Adjusting </a:t>
+                </a:r>
+                <a:r>
+                  <a:rPr lang="en-US" sz="2030" dirty="0"/>
+                  <a:t>the spring constant for peaks higher than nearest neighbor </a:t>
+                </a:r>
+                <a:r>
+                  <a:rPr lang="en-US" sz="2030" dirty="0"/>
+                  <a:t>, we estimate the nearest neighbor encounter prob. By calculating the distribution and taking its mean, then for simulation, if we determine k to be our spring constant,  then the new spring constant, for an encounter probability higher then nearest neighbor, for bead m and for distance |m-n| is given by k(P(1)/P(m-n))^1.5 |m-n|</a:t>
+                </a:r>
+                <a:endParaRPr lang="en-US" sz="2030" dirty="0"/>
+              </a:p>
+              <a:p>
+                <a:endParaRPr lang="en-US" sz="2030" dirty="0"/>
+              </a:p>
+              <a:p>
+                <a:endParaRPr lang="en-US" sz="2030" dirty="0"/>
+              </a:p>
+              <a:p>
+                <a:endParaRPr lang="en-US" sz="2030" dirty="0"/>
+              </a:p>
+            </p:txBody>
+          </p:sp>
+        </mc:Choice>
+        <mc:Fallback>
+          <p:sp>
+            <p:nvSpPr>
+              <p:cNvPr id="11" name="TextBox 10"/>
+              <p:cNvSpPr txBox="1">
+                <a:spLocks noRot="1" noChangeAspect="1" noMove="1" noResize="1" noEditPoints="1" noAdjustHandles="1" noChangeArrowheads="1" noChangeShapeType="1" noTextEdit="1"/>
+              </p:cNvSpPr>
+              <p:nvPr/>
+            </p:nvSpPr>
+            <p:spPr>
+              <a:xfrm>
+                <a:off x="7903758" y="1869097"/>
+                <a:ext cx="7336169" cy="29397920"/>
+              </a:xfrm>
+              <a:prstGeom prst="rect">
+                <a:avLst/>
+              </a:prstGeom>
+              <a:blipFill rotWithShape="0">
+                <a:blip r:embed="rId3"/>
+                <a:stretch>
+                  <a:fillRect l="-3824" t="-456" r="-1663"/>
+                </a:stretch>
+              </a:blipFill>
+            </p:spPr>
+            <p:txBody>
+              <a:bodyPr/>
+              <a:lstStyle/>
+              <a:p>
+                <a:r>
+                  <a:rPr lang="en-US">
+                    <a:noFill/>
+                  </a:rPr>
+                  <a:t> </a:t>
+                </a:r>
+              </a:p>
+            </p:txBody>
+          </p:sp>
+        </mc:Fallback>
+      </mc:AlternateContent>
       <p:sp>
         <p:nvSpPr>
           <p:cNvPr id="12" name="TextBox 11"/>
@@ -3645,8 +5801,8 @@
         </p:nvSpPr>
         <p:spPr>
           <a:xfrm>
-            <a:off x="19467873" y="2405146"/>
-            <a:ext cx="9488127" cy="3785652"/>
+            <a:off x="30927840" y="2501539"/>
+            <a:ext cx="6879884" cy="2769989"/>
           </a:xfrm>
           <a:prstGeom prst="rect">
             <a:avLst/>
@@ -3660,36 +5816,339 @@
           <a:lstStyle/>
           <a:p>
             <a:r>
-              <a:rPr lang="en-US" sz="4000" b="1" dirty="0" smtClean="0">
-                <a:solidFill>
-                  <a:schemeClr val="tx1"/>
-                </a:solidFill>
-              </a:rPr>
-              <a:t>Preliminary Results:</a:t>
-            </a:r>
-          </a:p>
-          <a:p>
-            <a:endParaRPr lang="en-US" sz="4000" dirty="0" smtClean="0"/>
-          </a:p>
-          <a:p>
-            <a:r>
-              <a:rPr lang="en-US" sz="4000" dirty="0" smtClean="0">
-                <a:solidFill>
-                  <a:schemeClr val="tx1"/>
-                </a:solidFill>
-              </a:rPr>
+              <a:rPr lang="en-US" sz="2900" b="1" dirty="0" smtClean="0"/>
+              <a:t>Results</a:t>
+            </a:r>
+            <a:r>
+              <a:rPr lang="en-US" sz="2900" b="1" dirty="0"/>
+              <a:t>:</a:t>
+            </a:r>
+          </a:p>
+          <a:p>
+            <a:endParaRPr lang="en-US" sz="2900" dirty="0"/>
+          </a:p>
+          <a:p>
+            <a:r>
+              <a:rPr lang="en-US" sz="2900" dirty="0"/>
               <a:t>In synthetic example, we see accurate reconstruction.</a:t>
             </a:r>
           </a:p>
           <a:p>
-            <a:endParaRPr lang="en-US" sz="4000" dirty="0" smtClean="0">
-              <a:solidFill>
-                <a:schemeClr val="tx1"/>
-              </a:solidFill>
-            </a:endParaRPr>
-          </a:p>
-          <a:p>
-            <a:endParaRPr lang="en-US" sz="4000" dirty="0"/>
+            <a:endParaRPr lang="en-US" sz="2900" dirty="0"/>
+          </a:p>
+          <a:p>
+            <a:endParaRPr lang="en-US" sz="2900" dirty="0"/>
+          </a:p>
+        </p:txBody>
+      </p:sp>
+      <p:grpSp>
+        <p:nvGrpSpPr>
+          <p:cNvPr id="52" name="Group 51"/>
+          <p:cNvGrpSpPr/>
+          <p:nvPr/>
+        </p:nvGrpSpPr>
+        <p:grpSpPr>
+          <a:xfrm>
+            <a:off x="679311" y="15326931"/>
+            <a:ext cx="6500952" cy="3152271"/>
+            <a:chOff x="539750" y="14090700"/>
+            <a:chExt cx="6500952" cy="3152271"/>
+          </a:xfrm>
+        </p:grpSpPr>
+        <p:pic>
+          <p:nvPicPr>
+            <p:cNvPr id="3" name="Picture 2"/>
+            <p:cNvPicPr>
+              <a:picLocks noChangeAspect="1"/>
+            </p:cNvPicPr>
+            <p:nvPr/>
+          </p:nvPicPr>
+          <p:blipFill>
+            <a:blip r:embed="rId4">
+              <a:extLst>
+                <a:ext uri="{28A0092B-C50C-407E-A947-70E740481C1C}">
+                  <a14:useLocalDpi xmlns:a14="http://schemas.microsoft.com/office/drawing/2010/main" val="0"/>
+                </a:ext>
+              </a:extLst>
+            </a:blip>
+            <a:stretch>
+              <a:fillRect/>
+            </a:stretch>
+          </p:blipFill>
+          <p:spPr>
+            <a:xfrm>
+              <a:off x="539750" y="14090700"/>
+              <a:ext cx="3225687" cy="3152271"/>
+            </a:xfrm>
+            <a:prstGeom prst="rect">
+              <a:avLst/>
+            </a:prstGeom>
+          </p:spPr>
+        </p:pic>
+        <p:pic>
+          <p:nvPicPr>
+            <p:cNvPr id="2" name="Picture 1"/>
+            <p:cNvPicPr>
+              <a:picLocks noChangeAspect="1"/>
+            </p:cNvPicPr>
+            <p:nvPr/>
+          </p:nvPicPr>
+          <p:blipFill>
+            <a:blip r:embed="rId5">
+              <a:extLst>
+                <a:ext uri="{28A0092B-C50C-407E-A947-70E740481C1C}">
+                  <a14:useLocalDpi xmlns:a14="http://schemas.microsoft.com/office/drawing/2010/main" val="0"/>
+                </a:ext>
+              </a:extLst>
+            </a:blip>
+            <a:stretch>
+              <a:fillRect/>
+            </a:stretch>
+          </p:blipFill>
+          <p:spPr>
+            <a:xfrm>
+              <a:off x="4628493" y="14090700"/>
+              <a:ext cx="2412209" cy="2598360"/>
+            </a:xfrm>
+            <a:prstGeom prst="rect">
+              <a:avLst/>
+            </a:prstGeom>
+          </p:spPr>
+        </p:pic>
+        <p:cxnSp>
+          <p:nvCxnSpPr>
+            <p:cNvPr id="6" name="Straight Connector 5"/>
+            <p:cNvCxnSpPr/>
+            <p:nvPr/>
+          </p:nvCxnSpPr>
+          <p:spPr>
+            <a:xfrm flipH="1">
+              <a:off x="1509486" y="14427200"/>
+              <a:ext cx="3267654" cy="580570"/>
+            </a:xfrm>
+            <a:prstGeom prst="line">
+              <a:avLst/>
+            </a:prstGeom>
+            <a:ln w="12700"/>
+          </p:spPr>
+          <p:style>
+            <a:lnRef idx="1">
+              <a:schemeClr val="accent1"/>
+            </a:lnRef>
+            <a:fillRef idx="0">
+              <a:schemeClr val="accent1"/>
+            </a:fillRef>
+            <a:effectRef idx="0">
+              <a:schemeClr val="accent1"/>
+            </a:effectRef>
+            <a:fontRef idx="minor">
+              <a:schemeClr val="tx1"/>
+            </a:fontRef>
+          </p:style>
+        </p:cxnSp>
+        <p:cxnSp>
+          <p:nvCxnSpPr>
+            <p:cNvPr id="8" name="Straight Connector 7"/>
+            <p:cNvCxnSpPr/>
+            <p:nvPr/>
+          </p:nvCxnSpPr>
+          <p:spPr>
+            <a:xfrm flipH="1" flipV="1">
+              <a:off x="1509486" y="15718971"/>
+              <a:ext cx="3267654" cy="902155"/>
+            </a:xfrm>
+            <a:prstGeom prst="line">
+              <a:avLst/>
+            </a:prstGeom>
+            <a:ln w="12700"/>
+          </p:spPr>
+          <p:style>
+            <a:lnRef idx="1">
+              <a:schemeClr val="accent1"/>
+            </a:lnRef>
+            <a:fillRef idx="0">
+              <a:schemeClr val="accent1"/>
+            </a:fillRef>
+            <a:effectRef idx="0">
+              <a:schemeClr val="accent1"/>
+            </a:effectRef>
+            <a:fontRef idx="minor">
+              <a:schemeClr val="tx1"/>
+            </a:fontRef>
+          </p:style>
+        </p:cxnSp>
+        <p:sp>
+          <p:nvSpPr>
+            <p:cNvPr id="14" name="Rectangle 13"/>
+            <p:cNvSpPr/>
+            <p:nvPr/>
+          </p:nvSpPr>
+          <p:spPr>
+            <a:xfrm>
+              <a:off x="1509486" y="15007771"/>
+              <a:ext cx="685074" cy="711200"/>
+            </a:xfrm>
+            <a:prstGeom prst="rect">
+              <a:avLst/>
+            </a:prstGeom>
+            <a:noFill/>
+          </p:spPr>
+          <p:style>
+            <a:lnRef idx="2">
+              <a:schemeClr val="accent1">
+                <a:shade val="50000"/>
+              </a:schemeClr>
+            </a:lnRef>
+            <a:fillRef idx="1">
+              <a:schemeClr val="accent1"/>
+            </a:fillRef>
+            <a:effectRef idx="0">
+              <a:schemeClr val="accent1"/>
+            </a:effectRef>
+            <a:fontRef idx="minor">
+              <a:schemeClr val="lt1"/>
+            </a:fontRef>
+          </p:style>
+          <p:txBody>
+            <a:bodyPr rtlCol="0" anchor="ctr"/>
+            <a:lstStyle/>
+            <a:p>
+              <a:pPr algn="ctr"/>
+              <a:endParaRPr lang="en-US"/>
+            </a:p>
+          </p:txBody>
+        </p:sp>
+        <p:cxnSp>
+          <p:nvCxnSpPr>
+            <p:cNvPr id="28" name="Straight Connector 27"/>
+            <p:cNvCxnSpPr/>
+            <p:nvPr/>
+          </p:nvCxnSpPr>
+          <p:spPr>
+            <a:xfrm flipV="1">
+              <a:off x="2194560" y="14693672"/>
+              <a:ext cx="2582580" cy="314100"/>
+            </a:xfrm>
+            <a:prstGeom prst="line">
+              <a:avLst/>
+            </a:prstGeom>
+            <a:ln w="12700"/>
+          </p:spPr>
+          <p:style>
+            <a:lnRef idx="1">
+              <a:schemeClr val="accent1"/>
+            </a:lnRef>
+            <a:fillRef idx="0">
+              <a:schemeClr val="accent1"/>
+            </a:fillRef>
+            <a:effectRef idx="0">
+              <a:schemeClr val="accent1"/>
+            </a:effectRef>
+            <a:fontRef idx="minor">
+              <a:schemeClr val="tx1"/>
+            </a:fontRef>
+          </p:style>
+        </p:cxnSp>
+        <p:cxnSp>
+          <p:nvCxnSpPr>
+            <p:cNvPr id="30" name="Straight Connector 29"/>
+            <p:cNvCxnSpPr/>
+            <p:nvPr/>
+          </p:nvCxnSpPr>
+          <p:spPr>
+            <a:xfrm>
+              <a:off x="2194560" y="15718969"/>
+              <a:ext cx="2582580" cy="489418"/>
+            </a:xfrm>
+            <a:prstGeom prst="line">
+              <a:avLst/>
+            </a:prstGeom>
+            <a:ln w="12700"/>
+          </p:spPr>
+          <p:style>
+            <a:lnRef idx="1">
+              <a:schemeClr val="accent1"/>
+            </a:lnRef>
+            <a:fillRef idx="0">
+              <a:schemeClr val="accent1"/>
+            </a:fillRef>
+            <a:effectRef idx="0">
+              <a:schemeClr val="accent1"/>
+            </a:effectRef>
+            <a:fontRef idx="minor">
+              <a:schemeClr val="tx1"/>
+            </a:fontRef>
+          </p:style>
+        </p:cxnSp>
+      </p:grpSp>
+      <p:sp>
+        <p:nvSpPr>
+          <p:cNvPr id="53" name="Rectangle 52"/>
+          <p:cNvSpPr/>
+          <p:nvPr/>
+        </p:nvSpPr>
+        <p:spPr>
+          <a:xfrm>
+            <a:off x="266700" y="0"/>
+            <a:ext cx="38785800" cy="28194000"/>
+          </a:xfrm>
+          <a:prstGeom prst="rect">
+            <a:avLst/>
+          </a:prstGeom>
+          <a:noFill/>
+        </p:spPr>
+        <p:style>
+          <a:lnRef idx="2">
+            <a:schemeClr val="accent1">
+              <a:shade val="50000"/>
+            </a:schemeClr>
+          </a:lnRef>
+          <a:fillRef idx="1">
+            <a:schemeClr val="accent1"/>
+          </a:fillRef>
+          <a:effectRef idx="0">
+            <a:schemeClr val="accent1"/>
+          </a:effectRef>
+          <a:fontRef idx="minor">
+            <a:schemeClr val="lt1"/>
+          </a:fontRef>
+        </p:style>
+        <p:txBody>
+          <a:bodyPr rtlCol="0" anchor="ctr"/>
+          <a:lstStyle/>
+          <a:p>
+            <a:pPr algn="ctr"/>
+            <a:endParaRPr lang="en-US"/>
+          </a:p>
+        </p:txBody>
+      </p:sp>
+      <p:sp>
+        <p:nvSpPr>
+          <p:cNvPr id="54" name="TextBox 53"/>
+          <p:cNvSpPr txBox="1"/>
+          <p:nvPr/>
+        </p:nvSpPr>
+        <p:spPr>
+          <a:xfrm>
+            <a:off x="952500" y="18479202"/>
+            <a:ext cx="5905500" cy="523220"/>
+          </a:xfrm>
+          <a:prstGeom prst="rect">
+            <a:avLst/>
+          </a:prstGeom>
+          <a:noFill/>
+        </p:spPr>
+        <p:txBody>
+          <a:bodyPr wrap="square" rtlCol="0">
+            <a:spAutoFit/>
+          </a:bodyPr>
+          <a:lstStyle/>
+          <a:p>
+            <a:r>
+              <a:rPr lang="en-US" sz="2800" dirty="0" smtClean="0"/>
+              <a:t>Nora et. Al  2012</a:t>
+            </a:r>
+            <a:endParaRPr lang="en-US" sz="2800" dirty="0"/>
           </a:p>
         </p:txBody>
       </p:sp>

--- a/Documents/epigenetic workshop/Poster.pptx
+++ b/Documents/epigenetic workshop/Poster.pptx
@@ -3138,7 +3138,7 @@
         <p:spPr>
           <a:xfrm>
             <a:off x="539750" y="1902228"/>
-            <a:ext cx="6780074" cy="11026095"/>
+            <a:ext cx="6780074" cy="10401309"/>
           </a:xfrm>
           <a:prstGeom prst="rect">
             <a:avLst/>
@@ -3185,7 +3185,7 @@
             </a:r>
             <a:r>
               <a:rPr lang="en-US" sz="2030" dirty="0" smtClean="0"/>
-              <a:t>maps; Study </a:t>
+              <a:t>maps. Study </a:t>
             </a:r>
             <a:r>
               <a:rPr lang="en-US" sz="2030" dirty="0"/>
@@ -3279,39 +3279,7 @@
             </a:r>
             <a:r>
               <a:rPr lang="en-US" sz="2030" dirty="0" smtClean="0"/>
-              <a:t> steps include 1</a:t>
-            </a:r>
-            <a:r>
-              <a:rPr lang="en-US" sz="2030" dirty="0"/>
-              <a:t>. extraction of </a:t>
-            </a:r>
-            <a:r>
-              <a:rPr lang="en-US" sz="2030" dirty="0" smtClean="0"/>
-              <a:t>loci </a:t>
-            </a:r>
-            <a:r>
-              <a:rPr lang="en-US" sz="2030" dirty="0"/>
-              <a:t>from cells, 2. </a:t>
-            </a:r>
-            <a:r>
-              <a:rPr lang="en-US" sz="2030" dirty="0"/>
-              <a:t>fixation using formaldehyde 3. digestion using restriction enzymes, e.g. </a:t>
-            </a:r>
-            <a:r>
-              <a:rPr lang="en-US" sz="2030" dirty="0" err="1"/>
-              <a:t>HindIII</a:t>
-            </a:r>
-            <a:r>
-              <a:rPr lang="en-US" sz="2030" dirty="0"/>
-              <a:t>, 4. ligation, 5. </a:t>
-            </a:r>
-            <a:r>
-              <a:rPr lang="en-US" sz="2030" dirty="0"/>
-              <a:t>reverse cross linking 6. </a:t>
-            </a:r>
-            <a:r>
-              <a:rPr lang="en-US" sz="2030" dirty="0" smtClean="0"/>
-              <a:t>mapping using PCR </a:t>
+              <a:t> steps are presented in figure 1 A.</a:t>
             </a:r>
             <a:endParaRPr lang="en-US" sz="2030" dirty="0"/>
           </a:p>
@@ -3329,7 +3297,15 @@
             </a:r>
             <a:r>
               <a:rPr lang="en-US" sz="2030" dirty="0"/>
-              <a:t> experiment in mouse embryonic stem cells reveals the presence of stable Topologically Associating Domains (TAD) , in the 4.5Mb region of the  </a:t>
+              <a:t> </a:t>
+            </a:r>
+            <a:r>
+              <a:rPr lang="en-US" sz="2030" dirty="0" smtClean="0"/>
+              <a:t>encounter frequencies in </a:t>
+            </a:r>
+            <a:r>
+              <a:rPr lang="en-US" sz="2030" dirty="0"/>
+              <a:t>mouse embryonic stem cells reveals the presence of stable Topologically Associating Domains (TAD) , in the 4.5Mb region of the  </a:t>
             </a:r>
             <a:r>
               <a:rPr lang="en-US" sz="2030" dirty="0"/>
@@ -3337,7 +3313,15 @@
             </a:r>
             <a:r>
               <a:rPr lang="en-US" sz="2030" dirty="0"/>
-              <a:t> inactivation center, however the actual architecture in a specific stage is unknown </a:t>
+              <a:t> inactivation </a:t>
+            </a:r>
+            <a:r>
+              <a:rPr lang="en-US" sz="2030" dirty="0" smtClean="0"/>
+              <a:t>center figure 1B.  However, </a:t>
+            </a:r>
+            <a:r>
+              <a:rPr lang="en-US" sz="2030" dirty="0"/>
+              <a:t>the actual architecture in a specific stage is unknown </a:t>
             </a:r>
           </a:p>
           <a:p>
@@ -3397,7 +3381,7 @@
             <p:spPr>
               <a:xfrm>
                 <a:off x="7903758" y="1869097"/>
-                <a:ext cx="7336169" cy="29397920"/>
+                <a:ext cx="7336169" cy="28923815"/>
               </a:xfrm>
               <a:prstGeom prst="rect">
                 <a:avLst/>
@@ -3442,7 +3426,15 @@
                 </a:r>
                 <a:r>
                   <a:rPr lang="en-US" sz="2030" dirty="0"/>
-                  <a:t>a Rouse model </a:t>
+                  <a:t>a Rouse </a:t>
+                </a:r>
+                <a:r>
+                  <a:rPr lang="en-US" sz="2030" dirty="0" smtClean="0"/>
+                  <a:t>model </a:t>
+                </a:r>
+                <a:r>
+                  <a:rPr lang="en-US" sz="2030" dirty="0"/>
+                  <a:t>(beads connected by harmonic springs) </a:t>
                 </a:r>
                 <a:r>
                   <a:rPr lang="en-US" sz="2030" dirty="0" smtClean="0"/>
@@ -3934,7 +3926,23 @@
                 </a:r>
                 <a:r>
                   <a:rPr lang="en-US" sz="2030" dirty="0"/>
-                  <a:t>in a rouse chain of  N beads is given by</a:t>
+                  <a:t>in a </a:t>
+                </a:r>
+                <a:r>
+                  <a:rPr lang="en-US" sz="2030" dirty="0" smtClean="0"/>
+                  <a:t>Rouse </a:t>
+                </a:r>
+                <a:r>
+                  <a:rPr lang="en-US" sz="2030" dirty="0"/>
+                  <a:t>chain of </a:t>
+                </a:r>
+                <a:r>
+                  <a:rPr lang="en-US" sz="2030" dirty="0" smtClean="0"/>
+                  <a:t>N </a:t>
+                </a:r>
+                <a:r>
+                  <a:rPr lang="en-US" sz="2030" dirty="0"/>
+                  <a:t>beads is given by</a:t>
                 </a:r>
                 <a:r>
                   <a:rPr lang="en-US" sz="2030" dirty="0" smtClean="0"/>
@@ -4358,7 +4366,11 @@
                 </a:r>
                 <a:r>
                   <a:rPr lang="en-US" sz="2030" dirty="0"/>
-                  <a:t> enzyme. </a:t>
+                  <a:t> </a:t>
+                </a:r>
+                <a:r>
+                  <a:rPr lang="en-US" sz="2030" dirty="0" smtClean="0"/>
+                  <a:t>enzyme (Luca et al.). </a:t>
                 </a:r>
                 <a:r>
                   <a:rPr lang="en-US" sz="2030" dirty="0"/>
@@ -4374,25 +4386,7 @@
                 </a:r>
                 <a:r>
                   <a:rPr lang="en-US" sz="2030" dirty="0" smtClean="0"/>
-                  <a:t>a polymer chain of N=307 beads [performed by Luca et. </a:t>
-                </a:r>
-                <a:r>
-                  <a:rPr lang="en-US" sz="2030" dirty="0"/>
-                  <a:t>a</a:t>
-                </a:r>
-                <a:r>
-                  <a:rPr lang="en-US" sz="2030" dirty="0" smtClean="0"/>
-                  <a:t>l].</a:t>
-                </a:r>
-                <a:endParaRPr lang="en-US" sz="2030" dirty="0"/>
-              </a:p>
-              <a:p>
-                <a:endParaRPr lang="en-US" sz="2030" b="1" dirty="0"/>
-              </a:p>
-              <a:p>
-                <a:r>
-                  <a:rPr lang="en-US" sz="2030" dirty="0"/>
-                  <a:t>1. We wish to partition the encounter signal of each bead into regions of loops and chains [add image]</a:t>
+                  <a:t>a polymer chain of N=307 beads</a:t>
                 </a:r>
               </a:p>
               <a:p>
@@ -4408,11 +4402,11 @@
                 </a:br>
                 <a:r>
                   <a:rPr lang="en-US" sz="2030" dirty="0" smtClean="0"/>
-                  <a:t>For </a:t>
+                  <a:t>For linear </a:t>
                 </a:r>
                 <a:r>
                   <a:rPr lang="en-US" sz="2030" dirty="0"/>
-                  <a:t>the Rouse polymer, the distribution of the distance between bead m and n is normally distributed with </a:t>
+                  <a:t>Rouse polymer, the distribution of the distance between bead m and n is normally distributed with </a:t>
                 </a:r>
                 <a:br>
                   <a:rPr lang="en-US" sz="2030" dirty="0"/>
@@ -5615,7 +5609,72 @@
               <a:p>
                 <a:r>
                   <a:rPr lang="en-US" sz="2030" dirty="0" smtClean="0"/>
-                  <a:t>For encounter probabilities higher than nearest neighbor probability, we assign a different spring constant between the beads. First we estimate the nearest neighbor interaction using the whole data. Empirically tested we fit a lognormal distribution to the  NN encounter probability and use its expectation in the calculation of the spring constant.  </a:t>
+                  <a:t>For encounter probabilities higher than nearest neighbor (NN) probability, we assign a different spring constant between the beads. First, we estimate the NN interaction for all beads </a:t>
+                </a:r>
+                <a14:m>
+                  <m:oMath xmlns:m="http://schemas.openxmlformats.org/officeDocument/2006/math">
+                    <m:acc>
+                      <m:accPr>
+                        <m:chr m:val="̂"/>
+                        <m:ctrlPr>
+                          <a:rPr lang="en-US" sz="2030" i="1" smtClean="0">
+                            <a:latin typeface="Cambria Math" panose="02040503050406030204" pitchFamily="18" charset="0"/>
+                          </a:rPr>
+                        </m:ctrlPr>
+                      </m:accPr>
+                      <m:e>
+                        <m:r>
+                          <a:rPr lang="en-US" sz="2030" b="0" i="1" smtClean="0">
+                            <a:latin typeface="Cambria Math" panose="02040503050406030204" pitchFamily="18" charset="0"/>
+                          </a:rPr>
+                          <m:t>𝑃</m:t>
+                        </m:r>
+                      </m:e>
+                    </m:acc>
+                    <m:r>
+                      <a:rPr lang="en-US" sz="2030" b="0" i="1" smtClean="0">
+                        <a:latin typeface="Cambria Math" panose="02040503050406030204" pitchFamily="18" charset="0"/>
+                      </a:rPr>
+                      <m:t>(1)</m:t>
+                    </m:r>
+                  </m:oMath>
+                </a14:m>
+                <a:r>
+                  <a:rPr lang="en-US" sz="2030" dirty="0" smtClean="0"/>
+                  <a:t>. Empirically tested, we fit a lognormal distribution to the  NN encounter probability and use its expectation in the calculation of the spring constant.  </a:t>
+                </a:r>
+              </a:p>
+              <a:p>
+                <a:endParaRPr lang="en-US" sz="2030" dirty="0"/>
+              </a:p>
+              <a:p>
+                <a:endParaRPr lang="en-US" sz="2030" dirty="0" smtClean="0"/>
+              </a:p>
+              <a:p>
+                <a:endParaRPr lang="en-US" sz="2030" dirty="0"/>
+              </a:p>
+              <a:p>
+                <a:endParaRPr lang="en-US" sz="2030" dirty="0" smtClean="0"/>
+              </a:p>
+              <a:p>
+                <a:endParaRPr lang="en-US" sz="2030" dirty="0"/>
+              </a:p>
+              <a:p>
+                <a:endParaRPr lang="en-US" sz="2030" dirty="0" smtClean="0"/>
+              </a:p>
+              <a:p>
+                <a:endParaRPr lang="en-US" sz="2030" dirty="0"/>
+              </a:p>
+              <a:p>
+                <a:endParaRPr lang="en-US" sz="2030" dirty="0" smtClean="0"/>
+              </a:p>
+              <a:p>
+                <a:endParaRPr lang="en-US" sz="2030" dirty="0"/>
+              </a:p>
+              <a:p>
+                <a:r>
+                  <a:rPr lang="en-US" sz="2030" dirty="0" smtClean="0"/>
+                  <a:t/>
                 </a:r>
                 <a:br>
                   <a:rPr lang="en-US" sz="2030" dirty="0" smtClean="0"/>
@@ -5650,6 +5709,158 @@
                         </a:rPr>
                         <m:t>=</m:t>
                       </m:r>
+                      <m:r>
+                        <a:rPr lang="en-US" sz="2030" b="0" i="1" smtClean="0">
+                          <a:latin typeface="Cambria Math" panose="02040503050406030204" pitchFamily="18" charset="0"/>
+                        </a:rPr>
+                        <m:t>𝑘</m:t>
+                      </m:r>
+                      <m:r>
+                        <a:rPr lang="en-US" sz="2030" b="0" i="1" smtClean="0">
+                          <a:latin typeface="Cambria Math" panose="02040503050406030204" pitchFamily="18" charset="0"/>
+                        </a:rPr>
+                        <m:t>|</m:t>
+                      </m:r>
+                      <m:r>
+                        <a:rPr lang="en-US" sz="2030" b="0" i="1" smtClean="0">
+                          <a:latin typeface="Cambria Math" panose="02040503050406030204" pitchFamily="18" charset="0"/>
+                        </a:rPr>
+                        <m:t>𝑚</m:t>
+                      </m:r>
+                      <m:r>
+                        <a:rPr lang="en-US" sz="2030" b="0" i="1" smtClean="0">
+                          <a:latin typeface="Cambria Math" panose="02040503050406030204" pitchFamily="18" charset="0"/>
+                        </a:rPr>
+                        <m:t>−</m:t>
+                      </m:r>
+                      <m:r>
+                        <a:rPr lang="en-US" sz="2030" b="0" i="1" smtClean="0">
+                          <a:latin typeface="Cambria Math" panose="02040503050406030204" pitchFamily="18" charset="0"/>
+                        </a:rPr>
+                        <m:t>𝑛</m:t>
+                      </m:r>
+                      <m:r>
+                        <a:rPr lang="en-US" sz="2030" b="0" i="1" smtClean="0">
+                          <a:latin typeface="Cambria Math" panose="02040503050406030204" pitchFamily="18" charset="0"/>
+                        </a:rPr>
+                        <m:t>|</m:t>
+                      </m:r>
+                      <m:sSup>
+                        <m:sSupPr>
+                          <m:ctrlPr>
+                            <a:rPr lang="en-US" sz="2030" b="0" i="1" smtClean="0">
+                              <a:latin typeface="Cambria Math" panose="02040503050406030204" pitchFamily="18" charset="0"/>
+                            </a:rPr>
+                          </m:ctrlPr>
+                        </m:sSupPr>
+                        <m:e>
+                          <m:d>
+                            <m:dPr>
+                              <m:ctrlPr>
+                                <a:rPr lang="en-US" sz="2030" b="0" i="1" smtClean="0">
+                                  <a:latin typeface="Cambria Math" panose="02040503050406030204" pitchFamily="18" charset="0"/>
+                                </a:rPr>
+                              </m:ctrlPr>
+                            </m:dPr>
+                            <m:e>
+                              <m:f>
+                                <m:fPr>
+                                  <m:ctrlPr>
+                                    <a:rPr lang="en-US" sz="2030" i="1">
+                                      <a:latin typeface="Cambria Math" panose="02040503050406030204" pitchFamily="18" charset="0"/>
+                                    </a:rPr>
+                                  </m:ctrlPr>
+                                </m:fPr>
+                                <m:num>
+                                  <m:acc>
+                                    <m:accPr>
+                                      <m:chr m:val="̂"/>
+                                      <m:ctrlPr>
+                                        <a:rPr lang="en-US" sz="2030" i="1">
+                                          <a:latin typeface="Cambria Math" panose="02040503050406030204" pitchFamily="18" charset="0"/>
+                                        </a:rPr>
+                                      </m:ctrlPr>
+                                    </m:accPr>
+                                    <m:e>
+                                      <m:r>
+                                        <a:rPr lang="en-US" sz="2030" i="1">
+                                          <a:latin typeface="Cambria Math" panose="02040503050406030204" pitchFamily="18" charset="0"/>
+                                        </a:rPr>
+                                        <m:t>𝑃</m:t>
+                                      </m:r>
+                                    </m:e>
+                                  </m:acc>
+                                  <m:r>
+                                    <a:rPr lang="en-US" sz="2030" i="1">
+                                      <a:latin typeface="Cambria Math" panose="02040503050406030204" pitchFamily="18" charset="0"/>
+                                    </a:rPr>
+                                    <m:t>(1)</m:t>
+                                  </m:r>
+                                </m:num>
+                                <m:den>
+                                  <m:r>
+                                    <a:rPr lang="en-US" sz="2030" i="1">
+                                      <a:latin typeface="Cambria Math" panose="02040503050406030204" pitchFamily="18" charset="0"/>
+                                    </a:rPr>
+                                    <m:t>𝑃</m:t>
+                                  </m:r>
+                                  <m:r>
+                                    <a:rPr lang="en-US" sz="2030" i="1">
+                                      <a:latin typeface="Cambria Math" panose="02040503050406030204" pitchFamily="18" charset="0"/>
+                                    </a:rPr>
+                                    <m:t>(</m:t>
+                                  </m:r>
+                                  <m:d>
+                                    <m:dPr>
+                                      <m:begChr m:val="|"/>
+                                      <m:endChr m:val="|"/>
+                                      <m:ctrlPr>
+                                        <a:rPr lang="en-US" sz="2030" i="1">
+                                          <a:latin typeface="Cambria Math" panose="02040503050406030204" pitchFamily="18" charset="0"/>
+                                        </a:rPr>
+                                      </m:ctrlPr>
+                                    </m:dPr>
+                                    <m:e>
+                                      <m:r>
+                                        <a:rPr lang="en-US" sz="2030" i="1">
+                                          <a:latin typeface="Cambria Math" panose="02040503050406030204" pitchFamily="18" charset="0"/>
+                                        </a:rPr>
+                                        <m:t>𝑚</m:t>
+                                      </m:r>
+                                      <m:r>
+                                        <a:rPr lang="en-US" sz="2030" i="1">
+                                          <a:latin typeface="Cambria Math" panose="02040503050406030204" pitchFamily="18" charset="0"/>
+                                        </a:rPr>
+                                        <m:t>−</m:t>
+                                      </m:r>
+                                      <m:r>
+                                        <a:rPr lang="en-US" sz="2030" i="1">
+                                          <a:latin typeface="Cambria Math" panose="02040503050406030204" pitchFamily="18" charset="0"/>
+                                        </a:rPr>
+                                        <m:t>𝑛</m:t>
+                                      </m:r>
+                                    </m:e>
+                                  </m:d>
+                                  <m:r>
+                                    <a:rPr lang="en-US" sz="2030" i="1">
+                                      <a:latin typeface="Cambria Math" panose="02040503050406030204" pitchFamily="18" charset="0"/>
+                                    </a:rPr>
+                                    <m:t>)</m:t>
+                                  </m:r>
+                                </m:den>
+                              </m:f>
+                            </m:e>
+                          </m:d>
+                        </m:e>
+                        <m:sup>
+                          <m:r>
+                            <a:rPr lang="en-US" sz="2030" b="0" i="1" smtClean="0">
+                              <a:latin typeface="Cambria Math" panose="02040503050406030204" pitchFamily="18" charset="0"/>
+                            </a:rPr>
+                            <m:t>1.5</m:t>
+                          </m:r>
+                        </m:sup>
+                      </m:sSup>
                     </m:oMath>
                   </m:oMathPara>
                 </a14:m>
@@ -5723,30 +5934,6 @@
                   <a:rPr lang="en-US" sz="2030" dirty="0"/>
                   <a:t> maps</a:t>
                 </a:r>
-              </a:p>
-              <a:p>
-                <a:endParaRPr lang="en-US" sz="2030" dirty="0"/>
-              </a:p>
-              <a:p>
-                <a:r>
-                  <a:rPr lang="en-US" sz="2030" dirty="0"/>
-                  <a:t>Adjusting </a:t>
-                </a:r>
-                <a:r>
-                  <a:rPr lang="en-US" sz="2030" dirty="0"/>
-                  <a:t>the spring constant for peaks higher than nearest neighbor </a:t>
-                </a:r>
-                <a:r>
-                  <a:rPr lang="en-US" sz="2030" dirty="0"/>
-                  <a:t>, we estimate the nearest neighbor encounter prob. By calculating the distribution and taking its mean, then for simulation, if we determine k to be our spring constant,  then the new spring constant, for an encounter probability higher then nearest neighbor, for bead m and for distance |m-n| is given by k(P(1)/P(m-n))^1.5 |m-n|</a:t>
-                </a:r>
-                <a:endParaRPr lang="en-US" sz="2030" dirty="0"/>
-              </a:p>
-              <a:p>
-                <a:endParaRPr lang="en-US" sz="2030" dirty="0"/>
-              </a:p>
-              <a:p>
-                <a:endParaRPr lang="en-US" sz="2030" dirty="0"/>
               </a:p>
               <a:p>
                 <a:endParaRPr lang="en-US" sz="2030" dirty="0"/>
@@ -5766,7 +5953,7 @@
             <p:spPr>
               <a:xfrm>
                 <a:off x="7903758" y="1869097"/>
-                <a:ext cx="7336169" cy="29397920"/>
+                <a:ext cx="7336169" cy="28923815"/>
               </a:xfrm>
               <a:prstGeom prst="rect">
                 <a:avLst/>
@@ -5774,7 +5961,7 @@
               <a:blipFill rotWithShape="0">
                 <a:blip r:embed="rId3"/>
                 <a:stretch>
-                  <a:fillRect l="-3824" t="-456" r="-1663"/>
+                  <a:fillRect l="-3824" t="-464" r="-1663"/>
                 </a:stretch>
               </a:blipFill>
             </p:spPr>
@@ -5849,7 +6036,7 @@
         </p:nvGrpSpPr>
         <p:grpSpPr>
           <a:xfrm>
-            <a:off x="679311" y="15326931"/>
+            <a:off x="539750" y="17539568"/>
             <a:ext cx="6500952" cy="3152271"/>
             <a:chOff x="539750" y="14090700"/>
             <a:chExt cx="6500952" cy="3152271"/>
@@ -6130,7 +6317,7 @@
         </p:nvSpPr>
         <p:spPr>
           <a:xfrm>
-            <a:off x="952500" y="18479202"/>
+            <a:off x="539750" y="20821672"/>
             <a:ext cx="5905500" cy="523220"/>
           </a:xfrm>
           <a:prstGeom prst="rect">
@@ -6146,12 +6333,3471 @@
           <a:p>
             <a:r>
               <a:rPr lang="en-US" sz="2800" dirty="0" smtClean="0"/>
-              <a:t>Nora et. Al  2012</a:t>
+              <a:t>Nora et. al  2012</a:t>
             </a:r>
             <a:endParaRPr lang="en-US" sz="2800" dirty="0"/>
           </a:p>
         </p:txBody>
       </p:sp>
+      <p:grpSp>
+        <p:nvGrpSpPr>
+          <p:cNvPr id="115" name="Group 114"/>
+          <p:cNvGrpSpPr/>
+          <p:nvPr/>
+        </p:nvGrpSpPr>
+        <p:grpSpPr>
+          <a:xfrm>
+            <a:off x="870612" y="13104281"/>
+            <a:ext cx="6311241" cy="3774019"/>
+            <a:chOff x="16281615" y="3600181"/>
+            <a:chExt cx="12448242" cy="10757075"/>
+          </a:xfrm>
+        </p:grpSpPr>
+        <p:sp>
+          <p:nvSpPr>
+            <p:cNvPr id="111" name="TextBox 110"/>
+            <p:cNvSpPr txBox="1"/>
+            <p:nvPr/>
+          </p:nvSpPr>
+          <p:spPr>
+            <a:xfrm>
+              <a:off x="23184464" y="3716594"/>
+              <a:ext cx="5545393" cy="658265"/>
+            </a:xfrm>
+            <a:prstGeom prst="rect">
+              <a:avLst/>
+            </a:prstGeom>
+            <a:noFill/>
+          </p:spPr>
+          <p:txBody>
+            <a:bodyPr wrap="square" rtlCol="0">
+              <a:spAutoFit/>
+            </a:bodyPr>
+            <a:lstStyle/>
+            <a:p>
+              <a:r>
+                <a:rPr lang="en-US" sz="2400" b="1" dirty="0" smtClean="0"/>
+                <a:t>2. </a:t>
+              </a:r>
+              <a:r>
+                <a:rPr lang="en-US" sz="2000" dirty="0" err="1" smtClean="0"/>
+                <a:t>HindIII</a:t>
+              </a:r>
+              <a:r>
+                <a:rPr lang="en-US" sz="2000" dirty="0" smtClean="0"/>
+                <a:t> digestion</a:t>
+              </a:r>
+              <a:endParaRPr lang="en-US" sz="2000" dirty="0"/>
+            </a:p>
+          </p:txBody>
+        </p:sp>
+        <p:sp>
+          <p:nvSpPr>
+            <p:cNvPr id="112" name="TextBox 111"/>
+            <p:cNvSpPr txBox="1"/>
+            <p:nvPr/>
+          </p:nvSpPr>
+          <p:spPr>
+            <a:xfrm>
+              <a:off x="23184464" y="8023122"/>
+              <a:ext cx="5545393" cy="658265"/>
+            </a:xfrm>
+            <a:prstGeom prst="rect">
+              <a:avLst/>
+            </a:prstGeom>
+            <a:noFill/>
+          </p:spPr>
+          <p:txBody>
+            <a:bodyPr wrap="square" rtlCol="0">
+              <a:spAutoFit/>
+            </a:bodyPr>
+            <a:lstStyle/>
+            <a:p>
+              <a:r>
+                <a:rPr lang="en-US" sz="2400" b="1" dirty="0" smtClean="0"/>
+                <a:t>3.</a:t>
+              </a:r>
+              <a:r>
+                <a:rPr lang="en-US" sz="2000" b="1" dirty="0" smtClean="0"/>
+                <a:t> </a:t>
+              </a:r>
+              <a:r>
+                <a:rPr lang="en-US" sz="2000" dirty="0" smtClean="0"/>
+                <a:t>Ligation </a:t>
+              </a:r>
+              <a:endParaRPr lang="en-US" sz="2000" dirty="0"/>
+            </a:p>
+          </p:txBody>
+        </p:sp>
+        <p:grpSp>
+          <p:nvGrpSpPr>
+            <p:cNvPr id="114" name="Group 113"/>
+            <p:cNvGrpSpPr/>
+            <p:nvPr/>
+          </p:nvGrpSpPr>
+          <p:grpSpPr>
+            <a:xfrm>
+              <a:off x="16281615" y="3600181"/>
+              <a:ext cx="11756852" cy="10757075"/>
+              <a:chOff x="16291015" y="3240270"/>
+              <a:chExt cx="11051514" cy="11116986"/>
+            </a:xfrm>
+          </p:grpSpPr>
+          <p:grpSp>
+            <p:nvGrpSpPr>
+              <p:cNvPr id="68" name="Group 67"/>
+              <p:cNvGrpSpPr/>
+              <p:nvPr/>
+            </p:nvGrpSpPr>
+            <p:grpSpPr>
+              <a:xfrm>
+                <a:off x="16689689" y="5436327"/>
+                <a:ext cx="4395957" cy="2919880"/>
+                <a:chOff x="18232095" y="8411654"/>
+                <a:chExt cx="2178879" cy="1286381"/>
+              </a:xfrm>
+            </p:grpSpPr>
+            <p:sp>
+              <p:nvSpPr>
+                <p:cNvPr id="57" name="Freeform 56"/>
+                <p:cNvSpPr/>
+                <p:nvPr/>
+              </p:nvSpPr>
+              <p:spPr>
+                <a:xfrm>
+                  <a:off x="18232095" y="8411654"/>
+                  <a:ext cx="2178879" cy="1286381"/>
+                </a:xfrm>
+                <a:custGeom>
+                  <a:avLst/>
+                  <a:gdLst>
+                    <a:gd name="connsiteX0" fmla="*/ 29612 w 2830870"/>
+                    <a:gd name="connsiteY0" fmla="*/ 1277257 h 1828800"/>
+                    <a:gd name="connsiteX1" fmla="*/ 15098 w 2830870"/>
+                    <a:gd name="connsiteY1" fmla="*/ 1175657 h 1828800"/>
+                    <a:gd name="connsiteX2" fmla="*/ 584 w 2830870"/>
+                    <a:gd name="connsiteY2" fmla="*/ 1103086 h 1828800"/>
+                    <a:gd name="connsiteX3" fmla="*/ 145727 w 2830870"/>
+                    <a:gd name="connsiteY3" fmla="*/ 290286 h 1828800"/>
+                    <a:gd name="connsiteX4" fmla="*/ 232812 w 2830870"/>
+                    <a:gd name="connsiteY4" fmla="*/ 203200 h 1828800"/>
+                    <a:gd name="connsiteX5" fmla="*/ 595670 w 2830870"/>
+                    <a:gd name="connsiteY5" fmla="*/ 14514 h 1828800"/>
+                    <a:gd name="connsiteX6" fmla="*/ 871441 w 2830870"/>
+                    <a:gd name="connsiteY6" fmla="*/ 0 h 1828800"/>
+                    <a:gd name="connsiteX7" fmla="*/ 944012 w 2830870"/>
+                    <a:gd name="connsiteY7" fmla="*/ 58057 h 1828800"/>
+                    <a:gd name="connsiteX8" fmla="*/ 1016584 w 2830870"/>
+                    <a:gd name="connsiteY8" fmla="*/ 478971 h 1828800"/>
+                    <a:gd name="connsiteX9" fmla="*/ 1045612 w 2830870"/>
+                    <a:gd name="connsiteY9" fmla="*/ 566057 h 1828800"/>
+                    <a:gd name="connsiteX10" fmla="*/ 1118184 w 2830870"/>
+                    <a:gd name="connsiteY10" fmla="*/ 754743 h 1828800"/>
+                    <a:gd name="connsiteX11" fmla="*/ 1219784 w 2830870"/>
+                    <a:gd name="connsiteY11" fmla="*/ 957943 h 1828800"/>
+                    <a:gd name="connsiteX12" fmla="*/ 1234298 w 2830870"/>
+                    <a:gd name="connsiteY12" fmla="*/ 1001486 h 1828800"/>
+                    <a:gd name="connsiteX13" fmla="*/ 1364927 w 2830870"/>
+                    <a:gd name="connsiteY13" fmla="*/ 1190171 h 1828800"/>
+                    <a:gd name="connsiteX14" fmla="*/ 1626184 w 2830870"/>
+                    <a:gd name="connsiteY14" fmla="*/ 1407886 h 1828800"/>
+                    <a:gd name="connsiteX15" fmla="*/ 1669727 w 2830870"/>
+                    <a:gd name="connsiteY15" fmla="*/ 1436914 h 1828800"/>
+                    <a:gd name="connsiteX16" fmla="*/ 1785841 w 2830870"/>
+                    <a:gd name="connsiteY16" fmla="*/ 1553028 h 1828800"/>
+                    <a:gd name="connsiteX17" fmla="*/ 1843898 w 2830870"/>
+                    <a:gd name="connsiteY17" fmla="*/ 1567543 h 1828800"/>
+                    <a:gd name="connsiteX18" fmla="*/ 1974527 w 2830870"/>
+                    <a:gd name="connsiteY18" fmla="*/ 1625600 h 1828800"/>
+                    <a:gd name="connsiteX19" fmla="*/ 2163212 w 2830870"/>
+                    <a:gd name="connsiteY19" fmla="*/ 1654628 h 1828800"/>
+                    <a:gd name="connsiteX20" fmla="*/ 2221270 w 2830870"/>
+                    <a:gd name="connsiteY20" fmla="*/ 1669143 h 1828800"/>
+                    <a:gd name="connsiteX21" fmla="*/ 2714755 w 2830870"/>
+                    <a:gd name="connsiteY21" fmla="*/ 1524000 h 1828800"/>
+                    <a:gd name="connsiteX22" fmla="*/ 2729270 w 2830870"/>
+                    <a:gd name="connsiteY22" fmla="*/ 1451428 h 1828800"/>
+                    <a:gd name="connsiteX23" fmla="*/ 2700241 w 2830870"/>
+                    <a:gd name="connsiteY23" fmla="*/ 986971 h 1828800"/>
+                    <a:gd name="connsiteX24" fmla="*/ 2714755 w 2830870"/>
+                    <a:gd name="connsiteY24" fmla="*/ 725714 h 1828800"/>
+                    <a:gd name="connsiteX25" fmla="*/ 2743784 w 2830870"/>
+                    <a:gd name="connsiteY25" fmla="*/ 682171 h 1828800"/>
+                    <a:gd name="connsiteX26" fmla="*/ 2830870 w 2830870"/>
+                    <a:gd name="connsiteY26" fmla="*/ 624114 h 1828800"/>
+                    <a:gd name="connsiteX27" fmla="*/ 2816355 w 2830870"/>
+                    <a:gd name="connsiteY27" fmla="*/ 537028 h 1828800"/>
+                    <a:gd name="connsiteX28" fmla="*/ 2772812 w 2830870"/>
+                    <a:gd name="connsiteY28" fmla="*/ 522514 h 1828800"/>
+                    <a:gd name="connsiteX29" fmla="*/ 2540584 w 2830870"/>
+                    <a:gd name="connsiteY29" fmla="*/ 435428 h 1828800"/>
+                    <a:gd name="connsiteX30" fmla="*/ 2497041 w 2830870"/>
+                    <a:gd name="connsiteY30" fmla="*/ 420914 h 1828800"/>
+                    <a:gd name="connsiteX31" fmla="*/ 2380927 w 2830870"/>
+                    <a:gd name="connsiteY31" fmla="*/ 377371 h 1828800"/>
+                    <a:gd name="connsiteX32" fmla="*/ 2206755 w 2830870"/>
+                    <a:gd name="connsiteY32" fmla="*/ 406400 h 1828800"/>
+                    <a:gd name="connsiteX33" fmla="*/ 2192241 w 2830870"/>
+                    <a:gd name="connsiteY33" fmla="*/ 464457 h 1828800"/>
+                    <a:gd name="connsiteX34" fmla="*/ 2177727 w 2830870"/>
+                    <a:gd name="connsiteY34" fmla="*/ 551543 h 1828800"/>
+                    <a:gd name="connsiteX35" fmla="*/ 2148698 w 2830870"/>
+                    <a:gd name="connsiteY35" fmla="*/ 798286 h 1828800"/>
+                    <a:gd name="connsiteX36" fmla="*/ 2134184 w 2830870"/>
+                    <a:gd name="connsiteY36" fmla="*/ 885371 h 1828800"/>
+                    <a:gd name="connsiteX37" fmla="*/ 1800355 w 2830870"/>
+                    <a:gd name="connsiteY37" fmla="*/ 899886 h 1828800"/>
+                    <a:gd name="connsiteX38" fmla="*/ 1539098 w 2830870"/>
+                    <a:gd name="connsiteY38" fmla="*/ 943428 h 1828800"/>
+                    <a:gd name="connsiteX39" fmla="*/ 1408470 w 2830870"/>
+                    <a:gd name="connsiteY39" fmla="*/ 856343 h 1828800"/>
+                    <a:gd name="connsiteX40" fmla="*/ 1350412 w 2830870"/>
+                    <a:gd name="connsiteY40" fmla="*/ 769257 h 1828800"/>
+                    <a:gd name="connsiteX41" fmla="*/ 1364927 w 2830870"/>
+                    <a:gd name="connsiteY41" fmla="*/ 566057 h 1828800"/>
+                    <a:gd name="connsiteX42" fmla="*/ 1393955 w 2830870"/>
+                    <a:gd name="connsiteY42" fmla="*/ 522514 h 1828800"/>
+                    <a:gd name="connsiteX43" fmla="*/ 1408470 w 2830870"/>
+                    <a:gd name="connsiteY43" fmla="*/ 464457 h 1828800"/>
+                    <a:gd name="connsiteX44" fmla="*/ 1393955 w 2830870"/>
+                    <a:gd name="connsiteY44" fmla="*/ 217714 h 1828800"/>
+                    <a:gd name="connsiteX45" fmla="*/ 1263327 w 2830870"/>
+                    <a:gd name="connsiteY45" fmla="*/ 101600 h 1828800"/>
+                    <a:gd name="connsiteX46" fmla="*/ 1219784 w 2830870"/>
+                    <a:gd name="connsiteY46" fmla="*/ 72571 h 1828800"/>
+                    <a:gd name="connsiteX47" fmla="*/ 1161727 w 2830870"/>
+                    <a:gd name="connsiteY47" fmla="*/ 87086 h 1828800"/>
+                    <a:gd name="connsiteX48" fmla="*/ 1132698 w 2830870"/>
+                    <a:gd name="connsiteY48" fmla="*/ 130628 h 1828800"/>
+                    <a:gd name="connsiteX49" fmla="*/ 1118184 w 2830870"/>
+                    <a:gd name="connsiteY49" fmla="*/ 493486 h 1828800"/>
+                    <a:gd name="connsiteX50" fmla="*/ 1074641 w 2830870"/>
+                    <a:gd name="connsiteY50" fmla="*/ 580571 h 1828800"/>
+                    <a:gd name="connsiteX51" fmla="*/ 1060127 w 2830870"/>
+                    <a:gd name="connsiteY51" fmla="*/ 624114 h 1828800"/>
+                    <a:gd name="connsiteX52" fmla="*/ 1002070 w 2830870"/>
+                    <a:gd name="connsiteY52" fmla="*/ 711200 h 1828800"/>
+                    <a:gd name="connsiteX53" fmla="*/ 958527 w 2830870"/>
+                    <a:gd name="connsiteY53" fmla="*/ 798286 h 1828800"/>
+                    <a:gd name="connsiteX54" fmla="*/ 914984 w 2830870"/>
+                    <a:gd name="connsiteY54" fmla="*/ 841828 h 1828800"/>
+                    <a:gd name="connsiteX55" fmla="*/ 842412 w 2830870"/>
+                    <a:gd name="connsiteY55" fmla="*/ 914400 h 1828800"/>
+                    <a:gd name="connsiteX56" fmla="*/ 813384 w 2830870"/>
+                    <a:gd name="connsiteY56" fmla="*/ 957943 h 1828800"/>
+                    <a:gd name="connsiteX57" fmla="*/ 784355 w 2830870"/>
+                    <a:gd name="connsiteY57" fmla="*/ 1117600 h 1828800"/>
+                    <a:gd name="connsiteX58" fmla="*/ 784355 w 2830870"/>
+                    <a:gd name="connsiteY58" fmla="*/ 1567543 h 1828800"/>
+                    <a:gd name="connsiteX59" fmla="*/ 769841 w 2830870"/>
+                    <a:gd name="connsiteY59" fmla="*/ 1611086 h 1828800"/>
+                    <a:gd name="connsiteX60" fmla="*/ 784355 w 2830870"/>
+                    <a:gd name="connsiteY60" fmla="*/ 1698171 h 1828800"/>
+                    <a:gd name="connsiteX61" fmla="*/ 871441 w 2830870"/>
+                    <a:gd name="connsiteY61" fmla="*/ 1756228 h 1828800"/>
+                    <a:gd name="connsiteX62" fmla="*/ 900470 w 2830870"/>
+                    <a:gd name="connsiteY62" fmla="*/ 1799771 h 1828800"/>
+                    <a:gd name="connsiteX63" fmla="*/ 813384 w 2830870"/>
+                    <a:gd name="connsiteY63" fmla="*/ 1828800 h 1828800"/>
+                    <a:gd name="connsiteX64" fmla="*/ 726298 w 2830870"/>
+                    <a:gd name="connsiteY64" fmla="*/ 1799771 h 1828800"/>
+                    <a:gd name="connsiteX65" fmla="*/ 639212 w 2830870"/>
+                    <a:gd name="connsiteY65" fmla="*/ 1741714 h 1828800"/>
+                    <a:gd name="connsiteX66" fmla="*/ 581155 w 2830870"/>
+                    <a:gd name="connsiteY66" fmla="*/ 1654628 h 1828800"/>
+                    <a:gd name="connsiteX67" fmla="*/ 523098 w 2830870"/>
+                    <a:gd name="connsiteY67" fmla="*/ 1509486 h 1828800"/>
+                    <a:gd name="connsiteX68" fmla="*/ 537612 w 2830870"/>
+                    <a:gd name="connsiteY68" fmla="*/ 1335314 h 1828800"/>
+                    <a:gd name="connsiteX69" fmla="*/ 552127 w 2830870"/>
+                    <a:gd name="connsiteY69" fmla="*/ 1291771 h 1828800"/>
+                    <a:gd name="connsiteX70" fmla="*/ 566641 w 2830870"/>
+                    <a:gd name="connsiteY70" fmla="*/ 1233714 h 1828800"/>
+                    <a:gd name="connsiteX71" fmla="*/ 552127 w 2830870"/>
+                    <a:gd name="connsiteY71" fmla="*/ 972457 h 1828800"/>
+                    <a:gd name="connsiteX72" fmla="*/ 537612 w 2830870"/>
+                    <a:gd name="connsiteY72" fmla="*/ 928914 h 1828800"/>
+                    <a:gd name="connsiteX73" fmla="*/ 508584 w 2830870"/>
+                    <a:gd name="connsiteY73" fmla="*/ 798286 h 1828800"/>
+                    <a:gd name="connsiteX74" fmla="*/ 450527 w 2830870"/>
+                    <a:gd name="connsiteY74" fmla="*/ 711200 h 1828800"/>
+                    <a:gd name="connsiteX75" fmla="*/ 421498 w 2830870"/>
+                    <a:gd name="connsiteY75" fmla="*/ 696686 h 1828800"/>
+                  </a:gdLst>
+                  <a:ahLst/>
+                  <a:cxnLst>
+                    <a:cxn ang="0">
+                      <a:pos x="connsiteX0" y="connsiteY0"/>
+                    </a:cxn>
+                    <a:cxn ang="0">
+                      <a:pos x="connsiteX1" y="connsiteY1"/>
+                    </a:cxn>
+                    <a:cxn ang="0">
+                      <a:pos x="connsiteX2" y="connsiteY2"/>
+                    </a:cxn>
+                    <a:cxn ang="0">
+                      <a:pos x="connsiteX3" y="connsiteY3"/>
+                    </a:cxn>
+                    <a:cxn ang="0">
+                      <a:pos x="connsiteX4" y="connsiteY4"/>
+                    </a:cxn>
+                    <a:cxn ang="0">
+                      <a:pos x="connsiteX5" y="connsiteY5"/>
+                    </a:cxn>
+                    <a:cxn ang="0">
+                      <a:pos x="connsiteX6" y="connsiteY6"/>
+                    </a:cxn>
+                    <a:cxn ang="0">
+                      <a:pos x="connsiteX7" y="connsiteY7"/>
+                    </a:cxn>
+                    <a:cxn ang="0">
+                      <a:pos x="connsiteX8" y="connsiteY8"/>
+                    </a:cxn>
+                    <a:cxn ang="0">
+                      <a:pos x="connsiteX9" y="connsiteY9"/>
+                    </a:cxn>
+                    <a:cxn ang="0">
+                      <a:pos x="connsiteX10" y="connsiteY10"/>
+                    </a:cxn>
+                    <a:cxn ang="0">
+                      <a:pos x="connsiteX11" y="connsiteY11"/>
+                    </a:cxn>
+                    <a:cxn ang="0">
+                      <a:pos x="connsiteX12" y="connsiteY12"/>
+                    </a:cxn>
+                    <a:cxn ang="0">
+                      <a:pos x="connsiteX13" y="connsiteY13"/>
+                    </a:cxn>
+                    <a:cxn ang="0">
+                      <a:pos x="connsiteX14" y="connsiteY14"/>
+                    </a:cxn>
+                    <a:cxn ang="0">
+                      <a:pos x="connsiteX15" y="connsiteY15"/>
+                    </a:cxn>
+                    <a:cxn ang="0">
+                      <a:pos x="connsiteX16" y="connsiteY16"/>
+                    </a:cxn>
+                    <a:cxn ang="0">
+                      <a:pos x="connsiteX17" y="connsiteY17"/>
+                    </a:cxn>
+                    <a:cxn ang="0">
+                      <a:pos x="connsiteX18" y="connsiteY18"/>
+                    </a:cxn>
+                    <a:cxn ang="0">
+                      <a:pos x="connsiteX19" y="connsiteY19"/>
+                    </a:cxn>
+                    <a:cxn ang="0">
+                      <a:pos x="connsiteX20" y="connsiteY20"/>
+                    </a:cxn>
+                    <a:cxn ang="0">
+                      <a:pos x="connsiteX21" y="connsiteY21"/>
+                    </a:cxn>
+                    <a:cxn ang="0">
+                      <a:pos x="connsiteX22" y="connsiteY22"/>
+                    </a:cxn>
+                    <a:cxn ang="0">
+                      <a:pos x="connsiteX23" y="connsiteY23"/>
+                    </a:cxn>
+                    <a:cxn ang="0">
+                      <a:pos x="connsiteX24" y="connsiteY24"/>
+                    </a:cxn>
+                    <a:cxn ang="0">
+                      <a:pos x="connsiteX25" y="connsiteY25"/>
+                    </a:cxn>
+                    <a:cxn ang="0">
+                      <a:pos x="connsiteX26" y="connsiteY26"/>
+                    </a:cxn>
+                    <a:cxn ang="0">
+                      <a:pos x="connsiteX27" y="connsiteY27"/>
+                    </a:cxn>
+                    <a:cxn ang="0">
+                      <a:pos x="connsiteX28" y="connsiteY28"/>
+                    </a:cxn>
+                    <a:cxn ang="0">
+                      <a:pos x="connsiteX29" y="connsiteY29"/>
+                    </a:cxn>
+                    <a:cxn ang="0">
+                      <a:pos x="connsiteX30" y="connsiteY30"/>
+                    </a:cxn>
+                    <a:cxn ang="0">
+                      <a:pos x="connsiteX31" y="connsiteY31"/>
+                    </a:cxn>
+                    <a:cxn ang="0">
+                      <a:pos x="connsiteX32" y="connsiteY32"/>
+                    </a:cxn>
+                    <a:cxn ang="0">
+                      <a:pos x="connsiteX33" y="connsiteY33"/>
+                    </a:cxn>
+                    <a:cxn ang="0">
+                      <a:pos x="connsiteX34" y="connsiteY34"/>
+                    </a:cxn>
+                    <a:cxn ang="0">
+                      <a:pos x="connsiteX35" y="connsiteY35"/>
+                    </a:cxn>
+                    <a:cxn ang="0">
+                      <a:pos x="connsiteX36" y="connsiteY36"/>
+                    </a:cxn>
+                    <a:cxn ang="0">
+                      <a:pos x="connsiteX37" y="connsiteY37"/>
+                    </a:cxn>
+                    <a:cxn ang="0">
+                      <a:pos x="connsiteX38" y="connsiteY38"/>
+                    </a:cxn>
+                    <a:cxn ang="0">
+                      <a:pos x="connsiteX39" y="connsiteY39"/>
+                    </a:cxn>
+                    <a:cxn ang="0">
+                      <a:pos x="connsiteX40" y="connsiteY40"/>
+                    </a:cxn>
+                    <a:cxn ang="0">
+                      <a:pos x="connsiteX41" y="connsiteY41"/>
+                    </a:cxn>
+                    <a:cxn ang="0">
+                      <a:pos x="connsiteX42" y="connsiteY42"/>
+                    </a:cxn>
+                    <a:cxn ang="0">
+                      <a:pos x="connsiteX43" y="connsiteY43"/>
+                    </a:cxn>
+                    <a:cxn ang="0">
+                      <a:pos x="connsiteX44" y="connsiteY44"/>
+                    </a:cxn>
+                    <a:cxn ang="0">
+                      <a:pos x="connsiteX45" y="connsiteY45"/>
+                    </a:cxn>
+                    <a:cxn ang="0">
+                      <a:pos x="connsiteX46" y="connsiteY46"/>
+                    </a:cxn>
+                    <a:cxn ang="0">
+                      <a:pos x="connsiteX47" y="connsiteY47"/>
+                    </a:cxn>
+                    <a:cxn ang="0">
+                      <a:pos x="connsiteX48" y="connsiteY48"/>
+                    </a:cxn>
+                    <a:cxn ang="0">
+                      <a:pos x="connsiteX49" y="connsiteY49"/>
+                    </a:cxn>
+                    <a:cxn ang="0">
+                      <a:pos x="connsiteX50" y="connsiteY50"/>
+                    </a:cxn>
+                    <a:cxn ang="0">
+                      <a:pos x="connsiteX51" y="connsiteY51"/>
+                    </a:cxn>
+                    <a:cxn ang="0">
+                      <a:pos x="connsiteX52" y="connsiteY52"/>
+                    </a:cxn>
+                    <a:cxn ang="0">
+                      <a:pos x="connsiteX53" y="connsiteY53"/>
+                    </a:cxn>
+                    <a:cxn ang="0">
+                      <a:pos x="connsiteX54" y="connsiteY54"/>
+                    </a:cxn>
+                    <a:cxn ang="0">
+                      <a:pos x="connsiteX55" y="connsiteY55"/>
+                    </a:cxn>
+                    <a:cxn ang="0">
+                      <a:pos x="connsiteX56" y="connsiteY56"/>
+                    </a:cxn>
+                    <a:cxn ang="0">
+                      <a:pos x="connsiteX57" y="connsiteY57"/>
+                    </a:cxn>
+                    <a:cxn ang="0">
+                      <a:pos x="connsiteX58" y="connsiteY58"/>
+                    </a:cxn>
+                    <a:cxn ang="0">
+                      <a:pos x="connsiteX59" y="connsiteY59"/>
+                    </a:cxn>
+                    <a:cxn ang="0">
+                      <a:pos x="connsiteX60" y="connsiteY60"/>
+                    </a:cxn>
+                    <a:cxn ang="0">
+                      <a:pos x="connsiteX61" y="connsiteY61"/>
+                    </a:cxn>
+                    <a:cxn ang="0">
+                      <a:pos x="connsiteX62" y="connsiteY62"/>
+                    </a:cxn>
+                    <a:cxn ang="0">
+                      <a:pos x="connsiteX63" y="connsiteY63"/>
+                    </a:cxn>
+                    <a:cxn ang="0">
+                      <a:pos x="connsiteX64" y="connsiteY64"/>
+                    </a:cxn>
+                    <a:cxn ang="0">
+                      <a:pos x="connsiteX65" y="connsiteY65"/>
+                    </a:cxn>
+                    <a:cxn ang="0">
+                      <a:pos x="connsiteX66" y="connsiteY66"/>
+                    </a:cxn>
+                    <a:cxn ang="0">
+                      <a:pos x="connsiteX67" y="connsiteY67"/>
+                    </a:cxn>
+                    <a:cxn ang="0">
+                      <a:pos x="connsiteX68" y="connsiteY68"/>
+                    </a:cxn>
+                    <a:cxn ang="0">
+                      <a:pos x="connsiteX69" y="connsiteY69"/>
+                    </a:cxn>
+                    <a:cxn ang="0">
+                      <a:pos x="connsiteX70" y="connsiteY70"/>
+                    </a:cxn>
+                    <a:cxn ang="0">
+                      <a:pos x="connsiteX71" y="connsiteY71"/>
+                    </a:cxn>
+                    <a:cxn ang="0">
+                      <a:pos x="connsiteX72" y="connsiteY72"/>
+                    </a:cxn>
+                    <a:cxn ang="0">
+                      <a:pos x="connsiteX73" y="connsiteY73"/>
+                    </a:cxn>
+                    <a:cxn ang="0">
+                      <a:pos x="connsiteX74" y="connsiteY74"/>
+                    </a:cxn>
+                    <a:cxn ang="0">
+                      <a:pos x="connsiteX75" y="connsiteY75"/>
+                    </a:cxn>
+                  </a:cxnLst>
+                  <a:rect l="l" t="t" r="r" b="b"/>
+                  <a:pathLst>
+                    <a:path w="2830870" h="1828800">
+                      <a:moveTo>
+                        <a:pt x="29612" y="1277257"/>
+                      </a:moveTo>
+                      <a:cubicBezTo>
+                        <a:pt x="24774" y="1243390"/>
+                        <a:pt x="20722" y="1209402"/>
+                        <a:pt x="15098" y="1175657"/>
+                      </a:cubicBezTo>
+                      <a:cubicBezTo>
+                        <a:pt x="11042" y="1151323"/>
+                        <a:pt x="-3017" y="1127491"/>
+                        <a:pt x="584" y="1103086"/>
+                      </a:cubicBezTo>
+                      <a:cubicBezTo>
+                        <a:pt x="40755" y="830814"/>
+                        <a:pt x="76956" y="556775"/>
+                        <a:pt x="145727" y="290286"/>
+                      </a:cubicBezTo>
+                      <a:cubicBezTo>
+                        <a:pt x="155985" y="250536"/>
+                        <a:pt x="199312" y="226929"/>
+                        <a:pt x="232812" y="203200"/>
+                      </a:cubicBezTo>
+                      <a:cubicBezTo>
+                        <a:pt x="310103" y="148452"/>
+                        <a:pt x="469798" y="29038"/>
+                        <a:pt x="595670" y="14514"/>
+                      </a:cubicBezTo>
+                      <a:cubicBezTo>
+                        <a:pt x="687114" y="3963"/>
+                        <a:pt x="779517" y="4838"/>
+                        <a:pt x="871441" y="0"/>
+                      </a:cubicBezTo>
+                      <a:cubicBezTo>
+                        <a:pt x="895631" y="19352"/>
+                        <a:pt x="935028" y="28410"/>
+                        <a:pt x="944012" y="58057"/>
+                      </a:cubicBezTo>
+                      <a:cubicBezTo>
+                        <a:pt x="985302" y="194313"/>
+                        <a:pt x="988662" y="339361"/>
+                        <a:pt x="1016584" y="478971"/>
+                      </a:cubicBezTo>
+                      <a:cubicBezTo>
+                        <a:pt x="1022585" y="508976"/>
+                        <a:pt x="1035034" y="537345"/>
+                        <a:pt x="1045612" y="566057"/>
+                      </a:cubicBezTo>
+                      <a:cubicBezTo>
+                        <a:pt x="1068908" y="629289"/>
+                        <a:pt x="1088048" y="694470"/>
+                        <a:pt x="1118184" y="754743"/>
+                      </a:cubicBezTo>
+                      <a:cubicBezTo>
+                        <a:pt x="1152051" y="822476"/>
+                        <a:pt x="1195837" y="886101"/>
+                        <a:pt x="1219784" y="957943"/>
+                      </a:cubicBezTo>
+                      <a:cubicBezTo>
+                        <a:pt x="1224622" y="972457"/>
+                        <a:pt x="1226189" y="988512"/>
+                        <a:pt x="1234298" y="1001486"/>
+                      </a:cubicBezTo>
+                      <a:cubicBezTo>
+                        <a:pt x="1274841" y="1066355"/>
+                        <a:pt x="1318459" y="1129405"/>
+                        <a:pt x="1364927" y="1190171"/>
+                      </a:cubicBezTo>
+                      <a:cubicBezTo>
+                        <a:pt x="1413717" y="1253973"/>
+                        <a:pt x="1622342" y="1404948"/>
+                        <a:pt x="1626184" y="1407886"/>
+                      </a:cubicBezTo>
+                      <a:cubicBezTo>
+                        <a:pt x="1640041" y="1418482"/>
+                        <a:pt x="1656820" y="1425180"/>
+                        <a:pt x="1669727" y="1436914"/>
+                      </a:cubicBezTo>
+                      <a:cubicBezTo>
+                        <a:pt x="1710229" y="1473734"/>
+                        <a:pt x="1742052" y="1520186"/>
+                        <a:pt x="1785841" y="1553028"/>
+                      </a:cubicBezTo>
+                      <a:cubicBezTo>
+                        <a:pt x="1801799" y="1564997"/>
+                        <a:pt x="1825280" y="1560382"/>
+                        <a:pt x="1843898" y="1567543"/>
+                      </a:cubicBezTo>
+                      <a:cubicBezTo>
+                        <a:pt x="1888372" y="1584648"/>
+                        <a:pt x="1930053" y="1608495"/>
+                        <a:pt x="1974527" y="1625600"/>
+                      </a:cubicBezTo>
+                      <a:cubicBezTo>
+                        <a:pt x="2025592" y="1645240"/>
+                        <a:pt x="2121461" y="1649989"/>
+                        <a:pt x="2163212" y="1654628"/>
+                      </a:cubicBezTo>
+                      <a:cubicBezTo>
+                        <a:pt x="2182565" y="1659466"/>
+                        <a:pt x="2201497" y="1666507"/>
+                        <a:pt x="2221270" y="1669143"/>
+                      </a:cubicBezTo>
+                      <a:cubicBezTo>
+                        <a:pt x="2484171" y="1704197"/>
+                        <a:pt x="2377953" y="1685079"/>
+                        <a:pt x="2714755" y="1524000"/>
+                      </a:cubicBezTo>
+                      <a:cubicBezTo>
+                        <a:pt x="2719593" y="1499809"/>
+                        <a:pt x="2729270" y="1476098"/>
+                        <a:pt x="2729270" y="1451428"/>
+                      </a:cubicBezTo>
+                      <a:cubicBezTo>
+                        <a:pt x="2729270" y="1060352"/>
+                        <a:pt x="2757509" y="1158780"/>
+                        <a:pt x="2700241" y="986971"/>
+                      </a:cubicBezTo>
+                      <a:cubicBezTo>
+                        <a:pt x="2682312" y="861464"/>
+                        <a:pt x="2672912" y="872164"/>
+                        <a:pt x="2714755" y="725714"/>
+                      </a:cubicBezTo>
+                      <a:cubicBezTo>
+                        <a:pt x="2719547" y="708941"/>
+                        <a:pt x="2730656" y="693658"/>
+                        <a:pt x="2743784" y="682171"/>
+                      </a:cubicBezTo>
+                      <a:cubicBezTo>
+                        <a:pt x="2770040" y="659197"/>
+                        <a:pt x="2830870" y="624114"/>
+                        <a:pt x="2830870" y="624114"/>
+                      </a:cubicBezTo>
+                      <a:cubicBezTo>
+                        <a:pt x="2826032" y="595085"/>
+                        <a:pt x="2830956" y="562580"/>
+                        <a:pt x="2816355" y="537028"/>
+                      </a:cubicBezTo>
+                      <a:cubicBezTo>
+                        <a:pt x="2808764" y="523744"/>
+                        <a:pt x="2787168" y="527803"/>
+                        <a:pt x="2772812" y="522514"/>
+                      </a:cubicBezTo>
+                      <a:lnTo>
+                        <a:pt x="2540584" y="435428"/>
+                      </a:lnTo>
+                      <a:cubicBezTo>
+                        <a:pt x="2526228" y="430139"/>
+                        <a:pt x="2511419" y="426142"/>
+                        <a:pt x="2497041" y="420914"/>
+                      </a:cubicBezTo>
+                      <a:cubicBezTo>
+                        <a:pt x="2458193" y="406788"/>
+                        <a:pt x="2419632" y="391885"/>
+                        <a:pt x="2380927" y="377371"/>
+                      </a:cubicBezTo>
+                      <a:cubicBezTo>
+                        <a:pt x="2322870" y="387047"/>
+                        <a:pt x="2260196" y="381735"/>
+                        <a:pt x="2206755" y="406400"/>
+                      </a:cubicBezTo>
+                      <a:cubicBezTo>
+                        <a:pt x="2188643" y="414759"/>
+                        <a:pt x="2196153" y="444896"/>
+                        <a:pt x="2192241" y="464457"/>
+                      </a:cubicBezTo>
+                      <a:cubicBezTo>
+                        <a:pt x="2186470" y="493315"/>
+                        <a:pt x="2180977" y="522294"/>
+                        <a:pt x="2177727" y="551543"/>
+                      </a:cubicBezTo>
+                      <a:cubicBezTo>
+                        <a:pt x="2138216" y="907136"/>
+                        <a:pt x="2184354" y="602174"/>
+                        <a:pt x="2148698" y="798286"/>
+                      </a:cubicBezTo>
+                      <a:cubicBezTo>
+                        <a:pt x="2143434" y="827240"/>
+                        <a:pt x="2162436" y="877131"/>
+                        <a:pt x="2134184" y="885371"/>
+                      </a:cubicBezTo>
+                      <a:cubicBezTo>
+                        <a:pt x="2027258" y="916558"/>
+                        <a:pt x="1911631" y="895048"/>
+                        <a:pt x="1800355" y="899886"/>
+                      </a:cubicBezTo>
+                      <a:cubicBezTo>
+                        <a:pt x="1664796" y="990259"/>
+                        <a:pt x="1748037" y="960840"/>
+                        <a:pt x="1539098" y="943428"/>
+                      </a:cubicBezTo>
+                      <a:cubicBezTo>
+                        <a:pt x="1507707" y="786472"/>
+                        <a:pt x="1563652" y="946866"/>
+                        <a:pt x="1408470" y="856343"/>
+                      </a:cubicBezTo>
+                      <a:cubicBezTo>
+                        <a:pt x="1378334" y="838764"/>
+                        <a:pt x="1350412" y="769257"/>
+                        <a:pt x="1350412" y="769257"/>
+                      </a:cubicBezTo>
+                      <a:cubicBezTo>
+                        <a:pt x="1355250" y="701524"/>
+                        <a:pt x="1353126" y="632930"/>
+                        <a:pt x="1364927" y="566057"/>
+                      </a:cubicBezTo>
+                      <a:cubicBezTo>
+                        <a:pt x="1367959" y="548879"/>
+                        <a:pt x="1387083" y="538547"/>
+                        <a:pt x="1393955" y="522514"/>
+                      </a:cubicBezTo>
+                      <a:cubicBezTo>
+                        <a:pt x="1401813" y="504179"/>
+                        <a:pt x="1403632" y="483809"/>
+                        <a:pt x="1408470" y="464457"/>
+                      </a:cubicBezTo>
+                      <a:cubicBezTo>
+                        <a:pt x="1403632" y="382209"/>
+                        <a:pt x="1409371" y="298649"/>
+                        <a:pt x="1393955" y="217714"/>
+                      </a:cubicBezTo>
+                      <a:cubicBezTo>
+                        <a:pt x="1384577" y="168479"/>
+                        <a:pt x="1291077" y="120100"/>
+                        <a:pt x="1263327" y="101600"/>
+                      </a:cubicBezTo>
+                      <a:lnTo>
+                        <a:pt x="1219784" y="72571"/>
+                      </a:lnTo>
+                      <a:cubicBezTo>
+                        <a:pt x="1200432" y="77409"/>
+                        <a:pt x="1178325" y="76021"/>
+                        <a:pt x="1161727" y="87086"/>
+                      </a:cubicBezTo>
+                      <a:cubicBezTo>
+                        <a:pt x="1147213" y="96762"/>
+                        <a:pt x="1134556" y="113283"/>
+                        <a:pt x="1132698" y="130628"/>
+                      </a:cubicBezTo>
+                      <a:cubicBezTo>
+                        <a:pt x="1119802" y="250989"/>
+                        <a:pt x="1126808" y="372744"/>
+                        <a:pt x="1118184" y="493486"/>
+                      </a:cubicBezTo>
+                      <a:cubicBezTo>
+                        <a:pt x="1115780" y="527137"/>
+                        <a:pt x="1092058" y="554445"/>
+                        <a:pt x="1074641" y="580571"/>
+                      </a:cubicBezTo>
+                      <a:cubicBezTo>
+                        <a:pt x="1069803" y="595085"/>
+                        <a:pt x="1067557" y="610740"/>
+                        <a:pt x="1060127" y="624114"/>
+                      </a:cubicBezTo>
+                      <a:cubicBezTo>
+                        <a:pt x="1043184" y="654612"/>
+                        <a:pt x="1013103" y="678102"/>
+                        <a:pt x="1002070" y="711200"/>
+                      </a:cubicBezTo>
+                      <a:cubicBezTo>
+                        <a:pt x="987523" y="754838"/>
+                        <a:pt x="989788" y="760773"/>
+                        <a:pt x="958527" y="798286"/>
+                      </a:cubicBezTo>
+                      <a:cubicBezTo>
+                        <a:pt x="945386" y="814055"/>
+                        <a:pt x="928125" y="826059"/>
+                        <a:pt x="914984" y="841828"/>
+                      </a:cubicBezTo>
+                      <a:cubicBezTo>
+                        <a:pt x="854506" y="914401"/>
+                        <a:pt x="922242" y="861179"/>
+                        <a:pt x="842412" y="914400"/>
+                      </a:cubicBezTo>
+                      <a:cubicBezTo>
+                        <a:pt x="832736" y="928914"/>
+                        <a:pt x="821185" y="942341"/>
+                        <a:pt x="813384" y="957943"/>
+                      </a:cubicBezTo>
+                      <a:cubicBezTo>
+                        <a:pt x="791011" y="1002691"/>
+                        <a:pt x="789358" y="1077576"/>
+                        <a:pt x="784355" y="1117600"/>
+                      </a:cubicBezTo>
+                      <a:cubicBezTo>
+                        <a:pt x="798372" y="1341864"/>
+                        <a:pt x="808751" y="1347981"/>
+                        <a:pt x="784355" y="1567543"/>
+                      </a:cubicBezTo>
+                      <a:cubicBezTo>
+                        <a:pt x="782665" y="1582749"/>
+                        <a:pt x="774679" y="1596572"/>
+                        <a:pt x="769841" y="1611086"/>
+                      </a:cubicBezTo>
+                      <a:cubicBezTo>
+                        <a:pt x="774679" y="1640114"/>
+                        <a:pt x="767479" y="1674062"/>
+                        <a:pt x="784355" y="1698171"/>
+                      </a:cubicBezTo>
+                      <a:cubicBezTo>
+                        <a:pt x="804362" y="1726752"/>
+                        <a:pt x="871441" y="1756228"/>
+                        <a:pt x="871441" y="1756228"/>
+                      </a:cubicBezTo>
+                      <a:cubicBezTo>
+                        <a:pt x="881117" y="1770742"/>
+                        <a:pt x="911367" y="1786149"/>
+                        <a:pt x="900470" y="1799771"/>
+                      </a:cubicBezTo>
+                      <a:cubicBezTo>
+                        <a:pt x="881355" y="1823665"/>
+                        <a:pt x="813384" y="1828800"/>
+                        <a:pt x="813384" y="1828800"/>
+                      </a:cubicBezTo>
+                      <a:cubicBezTo>
+                        <a:pt x="784355" y="1819124"/>
+                        <a:pt x="751758" y="1816744"/>
+                        <a:pt x="726298" y="1799771"/>
+                      </a:cubicBezTo>
+                      <a:lnTo>
+                        <a:pt x="639212" y="1741714"/>
+                      </a:lnTo>
+                      <a:cubicBezTo>
+                        <a:pt x="619860" y="1712685"/>
+                        <a:pt x="592187" y="1687726"/>
+                        <a:pt x="581155" y="1654628"/>
+                      </a:cubicBezTo>
+                      <a:cubicBezTo>
+                        <a:pt x="545285" y="1547017"/>
+                        <a:pt x="565811" y="1594911"/>
+                        <a:pt x="523098" y="1509486"/>
+                      </a:cubicBezTo>
+                      <a:cubicBezTo>
+                        <a:pt x="527936" y="1451429"/>
+                        <a:pt x="529912" y="1393062"/>
+                        <a:pt x="537612" y="1335314"/>
+                      </a:cubicBezTo>
+                      <a:cubicBezTo>
+                        <a:pt x="539634" y="1320149"/>
+                        <a:pt x="547924" y="1306482"/>
+                        <a:pt x="552127" y="1291771"/>
+                      </a:cubicBezTo>
+                      <a:cubicBezTo>
+                        <a:pt x="557607" y="1272591"/>
+                        <a:pt x="561803" y="1253066"/>
+                        <a:pt x="566641" y="1233714"/>
+                      </a:cubicBezTo>
+                      <a:cubicBezTo>
+                        <a:pt x="561803" y="1146628"/>
+                        <a:pt x="560396" y="1059284"/>
+                        <a:pt x="552127" y="972457"/>
+                      </a:cubicBezTo>
+                      <a:cubicBezTo>
+                        <a:pt x="550676" y="957226"/>
+                        <a:pt x="541323" y="943757"/>
+                        <a:pt x="537612" y="928914"/>
+                      </a:cubicBezTo>
+                      <a:cubicBezTo>
+                        <a:pt x="507674" y="809165"/>
+                        <a:pt x="538390" y="902608"/>
+                        <a:pt x="508584" y="798286"/>
+                      </a:cubicBezTo>
+                      <a:cubicBezTo>
+                        <a:pt x="496053" y="754425"/>
+                        <a:pt x="493520" y="739862"/>
+                        <a:pt x="450527" y="711200"/>
+                      </a:cubicBezTo>
+                      <a:cubicBezTo>
+                        <a:pt x="426461" y="695156"/>
+                        <a:pt x="384074" y="696686"/>
+                        <a:pt x="421498" y="696686"/>
+                      </a:cubicBezTo>
+                    </a:path>
+                  </a:pathLst>
+                </a:custGeom>
+                <a:noFill/>
+                <a:ln w="57150"/>
+              </p:spPr>
+              <p:style>
+                <a:lnRef idx="2">
+                  <a:schemeClr val="accent1">
+                    <a:shade val="50000"/>
+                  </a:schemeClr>
+                </a:lnRef>
+                <a:fillRef idx="1">
+                  <a:schemeClr val="accent1"/>
+                </a:fillRef>
+                <a:effectRef idx="0">
+                  <a:schemeClr val="accent1"/>
+                </a:effectRef>
+                <a:fontRef idx="minor">
+                  <a:schemeClr val="lt1"/>
+                </a:fontRef>
+              </p:style>
+              <p:txBody>
+                <a:bodyPr rtlCol="0" anchor="ctr"/>
+                <a:lstStyle/>
+                <a:p>
+                  <a:pPr algn="ctr"/>
+                  <a:endParaRPr lang="en-US"/>
+                </a:p>
+              </p:txBody>
+            </p:sp>
+            <p:cxnSp>
+              <p:nvCxnSpPr>
+                <p:cNvPr id="59" name="Straight Connector 58"/>
+                <p:cNvCxnSpPr>
+                  <a:stCxn id="57" idx="70"/>
+                  <a:endCxn id="57" idx="57"/>
+                </p:cNvCxnSpPr>
+                <p:nvPr/>
+              </p:nvCxnSpPr>
+              <p:spPr>
+                <a:xfrm flipV="1">
+                  <a:off x="18668231" y="9197775"/>
+                  <a:ext cx="167571" cy="81675"/>
+                </a:xfrm>
+                <a:prstGeom prst="line">
+                  <a:avLst/>
+                </a:prstGeom>
+                <a:ln w="57150">
+                  <a:solidFill>
+                    <a:srgbClr val="C00000"/>
+                  </a:solidFill>
+                </a:ln>
+              </p:spPr>
+              <p:style>
+                <a:lnRef idx="1">
+                  <a:schemeClr val="accent1"/>
+                </a:lnRef>
+                <a:fillRef idx="0">
+                  <a:schemeClr val="accent1"/>
+                </a:fillRef>
+                <a:effectRef idx="0">
+                  <a:schemeClr val="accent1"/>
+                </a:effectRef>
+                <a:fontRef idx="minor">
+                  <a:schemeClr val="tx1"/>
+                </a:fontRef>
+              </p:style>
+            </p:cxnSp>
+            <p:cxnSp>
+              <p:nvCxnSpPr>
+                <p:cNvPr id="61" name="Straight Connector 60"/>
+                <p:cNvCxnSpPr>
+                  <a:stCxn id="57" idx="12"/>
+                  <a:endCxn id="57" idx="39"/>
+                </p:cNvCxnSpPr>
+                <p:nvPr/>
+              </p:nvCxnSpPr>
+              <p:spPr>
+                <a:xfrm flipV="1">
+                  <a:off x="19182116" y="9014007"/>
+                  <a:ext cx="134058" cy="102094"/>
+                </a:xfrm>
+                <a:prstGeom prst="line">
+                  <a:avLst/>
+                </a:prstGeom>
+                <a:ln w="57150">
+                  <a:solidFill>
+                    <a:srgbClr val="C00000"/>
+                  </a:solidFill>
+                </a:ln>
+              </p:spPr>
+              <p:style>
+                <a:lnRef idx="1">
+                  <a:schemeClr val="accent1"/>
+                </a:lnRef>
+                <a:fillRef idx="0">
+                  <a:schemeClr val="accent1"/>
+                </a:fillRef>
+                <a:effectRef idx="0">
+                  <a:schemeClr val="accent1"/>
+                </a:effectRef>
+                <a:fontRef idx="minor">
+                  <a:schemeClr val="tx1"/>
+                </a:fontRef>
+              </p:style>
+            </p:cxnSp>
+            <p:cxnSp>
+              <p:nvCxnSpPr>
+                <p:cNvPr id="63" name="Straight Connector 62"/>
+                <p:cNvCxnSpPr>
+                  <a:stCxn id="57" idx="52"/>
+                </p:cNvCxnSpPr>
+                <p:nvPr/>
+              </p:nvCxnSpPr>
+              <p:spPr>
+                <a:xfrm flipV="1">
+                  <a:off x="19003374" y="8851136"/>
+                  <a:ext cx="91278" cy="60777"/>
+                </a:xfrm>
+                <a:prstGeom prst="line">
+                  <a:avLst/>
+                </a:prstGeom>
+                <a:ln w="57150">
+                  <a:solidFill>
+                    <a:srgbClr val="C00000"/>
+                  </a:solidFill>
+                </a:ln>
+              </p:spPr>
+              <p:style>
+                <a:lnRef idx="1">
+                  <a:schemeClr val="accent1"/>
+                </a:lnRef>
+                <a:fillRef idx="0">
+                  <a:schemeClr val="accent1"/>
+                </a:fillRef>
+                <a:effectRef idx="0">
+                  <a:schemeClr val="accent1"/>
+                </a:effectRef>
+                <a:fontRef idx="minor">
+                  <a:schemeClr val="tx1"/>
+                </a:fontRef>
+              </p:style>
+            </p:cxnSp>
+            <p:cxnSp>
+              <p:nvCxnSpPr>
+                <p:cNvPr id="65" name="Straight Connector 64"/>
+                <p:cNvCxnSpPr/>
+                <p:nvPr/>
+              </p:nvCxnSpPr>
+              <p:spPr>
+                <a:xfrm flipH="1" flipV="1">
+                  <a:off x="19259849" y="8752571"/>
+                  <a:ext cx="101600" cy="14515"/>
+                </a:xfrm>
+                <a:prstGeom prst="line">
+                  <a:avLst/>
+                </a:prstGeom>
+                <a:ln w="57150">
+                  <a:solidFill>
+                    <a:srgbClr val="C00000"/>
+                  </a:solidFill>
+                </a:ln>
+              </p:spPr>
+              <p:style>
+                <a:lnRef idx="1">
+                  <a:schemeClr val="accent1"/>
+                </a:lnRef>
+                <a:fillRef idx="0">
+                  <a:schemeClr val="accent1"/>
+                </a:fillRef>
+                <a:effectRef idx="0">
+                  <a:schemeClr val="accent1"/>
+                </a:effectRef>
+                <a:fontRef idx="minor">
+                  <a:schemeClr val="tx1"/>
+                </a:fontRef>
+              </p:style>
+            </p:cxnSp>
+            <p:cxnSp>
+              <p:nvCxnSpPr>
+                <p:cNvPr id="67" name="Straight Connector 66"/>
+                <p:cNvCxnSpPr>
+                  <a:stCxn id="57" idx="58"/>
+                  <a:endCxn id="57" idx="66"/>
+                </p:cNvCxnSpPr>
+                <p:nvPr/>
+              </p:nvCxnSpPr>
+              <p:spPr>
+                <a:xfrm flipH="1">
+                  <a:off x="18679401" y="9514267"/>
+                  <a:ext cx="156400" cy="61255"/>
+                </a:xfrm>
+                <a:prstGeom prst="line">
+                  <a:avLst/>
+                </a:prstGeom>
+                <a:ln w="57150">
+                  <a:solidFill>
+                    <a:srgbClr val="C00000"/>
+                  </a:solidFill>
+                </a:ln>
+              </p:spPr>
+              <p:style>
+                <a:lnRef idx="1">
+                  <a:schemeClr val="accent1"/>
+                </a:lnRef>
+                <a:fillRef idx="0">
+                  <a:schemeClr val="accent1"/>
+                </a:fillRef>
+                <a:effectRef idx="0">
+                  <a:schemeClr val="accent1"/>
+                </a:effectRef>
+                <a:fontRef idx="minor">
+                  <a:schemeClr val="tx1"/>
+                </a:fontRef>
+              </p:style>
+            </p:cxnSp>
+          </p:grpSp>
+          <p:grpSp>
+            <p:nvGrpSpPr>
+              <p:cNvPr id="78" name="Group 77"/>
+              <p:cNvGrpSpPr/>
+              <p:nvPr/>
+            </p:nvGrpSpPr>
+            <p:grpSpPr>
+              <a:xfrm>
+                <a:off x="16291015" y="8874305"/>
+                <a:ext cx="4853898" cy="1760761"/>
+                <a:chOff x="15461725" y="8862845"/>
+                <a:chExt cx="11133584" cy="1871935"/>
+              </a:xfrm>
+            </p:grpSpPr>
+            <p:sp>
+              <p:nvSpPr>
+                <p:cNvPr id="69" name="Rectangle 68"/>
+                <p:cNvSpPr/>
+                <p:nvPr/>
+              </p:nvSpPr>
+              <p:spPr>
+                <a:xfrm>
+                  <a:off x="15461725" y="8862845"/>
+                  <a:ext cx="11133584" cy="1871935"/>
+                </a:xfrm>
+                <a:prstGeom prst="rect">
+                  <a:avLst/>
+                </a:prstGeom>
+                <a:noFill/>
+              </p:spPr>
+              <p:style>
+                <a:lnRef idx="2">
+                  <a:schemeClr val="accent1">
+                    <a:shade val="50000"/>
+                  </a:schemeClr>
+                </a:lnRef>
+                <a:fillRef idx="1">
+                  <a:schemeClr val="accent1"/>
+                </a:fillRef>
+                <a:effectRef idx="0">
+                  <a:schemeClr val="accent1"/>
+                </a:effectRef>
+                <a:fontRef idx="minor">
+                  <a:schemeClr val="lt1"/>
+                </a:fontRef>
+              </p:style>
+              <p:txBody>
+                <a:bodyPr rtlCol="0" anchor="ctr"/>
+                <a:lstStyle/>
+                <a:p>
+                  <a:pPr algn="ctr"/>
+                  <a:r>
+                    <a:rPr lang="en-US" sz="2400" dirty="0" smtClean="0">
+                      <a:solidFill>
+                        <a:schemeClr val="tx1"/>
+                      </a:solidFill>
+                    </a:rPr>
+                    <a:t>Polymer</a:t>
+                  </a:r>
+                  <a:br>
+                    <a:rPr lang="en-US" sz="2400" dirty="0" smtClean="0">
+                      <a:solidFill>
+                        <a:schemeClr val="tx1"/>
+                      </a:solidFill>
+                    </a:rPr>
+                  </a:br>
+                  <a:r>
+                    <a:rPr lang="en-US" sz="2400" dirty="0" smtClean="0">
+                      <a:solidFill>
+                        <a:schemeClr val="tx1"/>
+                      </a:solidFill>
+                    </a:rPr>
+                    <a:t>   cross-links</a:t>
+                  </a:r>
+                  <a:endParaRPr lang="en-US" sz="2400" dirty="0">
+                    <a:solidFill>
+                      <a:schemeClr val="tx1"/>
+                    </a:solidFill>
+                  </a:endParaRPr>
+                </a:p>
+              </p:txBody>
+            </p:sp>
+            <p:cxnSp>
+              <p:nvCxnSpPr>
+                <p:cNvPr id="71" name="Straight Connector 70"/>
+                <p:cNvCxnSpPr/>
+                <p:nvPr/>
+              </p:nvCxnSpPr>
+              <p:spPr>
+                <a:xfrm>
+                  <a:off x="16589398" y="9286310"/>
+                  <a:ext cx="1660719" cy="0"/>
+                </a:xfrm>
+                <a:prstGeom prst="line">
+                  <a:avLst/>
+                </a:prstGeom>
+                <a:ln w="57150"/>
+              </p:spPr>
+              <p:style>
+                <a:lnRef idx="1">
+                  <a:schemeClr val="accent1"/>
+                </a:lnRef>
+                <a:fillRef idx="0">
+                  <a:schemeClr val="accent1"/>
+                </a:fillRef>
+                <a:effectRef idx="0">
+                  <a:schemeClr val="accent1"/>
+                </a:effectRef>
+                <a:fontRef idx="minor">
+                  <a:schemeClr val="tx1"/>
+                </a:fontRef>
+              </p:style>
+            </p:cxnSp>
+            <p:cxnSp>
+              <p:nvCxnSpPr>
+                <p:cNvPr id="77" name="Straight Connector 76"/>
+                <p:cNvCxnSpPr/>
+                <p:nvPr/>
+              </p:nvCxnSpPr>
+              <p:spPr>
+                <a:xfrm>
+                  <a:off x="16589397" y="10260590"/>
+                  <a:ext cx="1660718" cy="448"/>
+                </a:xfrm>
+                <a:prstGeom prst="line">
+                  <a:avLst/>
+                </a:prstGeom>
+                <a:ln w="57150">
+                  <a:solidFill>
+                    <a:srgbClr val="C00000"/>
+                  </a:solidFill>
+                </a:ln>
+              </p:spPr>
+              <p:style>
+                <a:lnRef idx="1">
+                  <a:schemeClr val="accent1"/>
+                </a:lnRef>
+                <a:fillRef idx="0">
+                  <a:schemeClr val="accent1"/>
+                </a:fillRef>
+                <a:effectRef idx="0">
+                  <a:schemeClr val="accent1"/>
+                </a:effectRef>
+                <a:fontRef idx="minor">
+                  <a:schemeClr val="tx1"/>
+                </a:fontRef>
+              </p:style>
+            </p:cxnSp>
+          </p:grpSp>
+          <p:grpSp>
+            <p:nvGrpSpPr>
+              <p:cNvPr id="105" name="Group 104"/>
+              <p:cNvGrpSpPr/>
+              <p:nvPr/>
+            </p:nvGrpSpPr>
+            <p:grpSpPr>
+              <a:xfrm>
+                <a:off x="23985892" y="5340334"/>
+                <a:ext cx="1799772" cy="2351314"/>
+                <a:chOff x="24296914" y="6052457"/>
+                <a:chExt cx="1799772" cy="2351314"/>
+              </a:xfrm>
+            </p:grpSpPr>
+            <p:sp>
+              <p:nvSpPr>
+                <p:cNvPr id="94" name="Freeform 93"/>
+                <p:cNvSpPr/>
+                <p:nvPr/>
+              </p:nvSpPr>
+              <p:spPr>
+                <a:xfrm>
+                  <a:off x="24296914" y="6429829"/>
+                  <a:ext cx="802521" cy="1973942"/>
+                </a:xfrm>
+                <a:custGeom>
+                  <a:avLst/>
+                  <a:gdLst>
+                    <a:gd name="connsiteX0" fmla="*/ 0 w 802521"/>
+                    <a:gd name="connsiteY0" fmla="*/ 0 h 1973942"/>
+                    <a:gd name="connsiteX1" fmla="*/ 101600 w 802521"/>
+                    <a:gd name="connsiteY1" fmla="*/ 58057 h 1973942"/>
+                    <a:gd name="connsiteX2" fmla="*/ 159657 w 802521"/>
+                    <a:gd name="connsiteY2" fmla="*/ 101600 h 1973942"/>
+                    <a:gd name="connsiteX3" fmla="*/ 232229 w 802521"/>
+                    <a:gd name="connsiteY3" fmla="*/ 145142 h 1973942"/>
+                    <a:gd name="connsiteX4" fmla="*/ 275772 w 802521"/>
+                    <a:gd name="connsiteY4" fmla="*/ 174171 h 1973942"/>
+                    <a:gd name="connsiteX5" fmla="*/ 478972 w 802521"/>
+                    <a:gd name="connsiteY5" fmla="*/ 304800 h 1973942"/>
+                    <a:gd name="connsiteX6" fmla="*/ 653143 w 802521"/>
+                    <a:gd name="connsiteY6" fmla="*/ 464457 h 1973942"/>
+                    <a:gd name="connsiteX7" fmla="*/ 696686 w 802521"/>
+                    <a:gd name="connsiteY7" fmla="*/ 580571 h 1973942"/>
+                    <a:gd name="connsiteX8" fmla="*/ 711200 w 802521"/>
+                    <a:gd name="connsiteY8" fmla="*/ 653142 h 1973942"/>
+                    <a:gd name="connsiteX9" fmla="*/ 725715 w 802521"/>
+                    <a:gd name="connsiteY9" fmla="*/ 711200 h 1973942"/>
+                    <a:gd name="connsiteX10" fmla="*/ 711200 w 802521"/>
+                    <a:gd name="connsiteY10" fmla="*/ 914400 h 1973942"/>
+                    <a:gd name="connsiteX11" fmla="*/ 682172 w 802521"/>
+                    <a:gd name="connsiteY11" fmla="*/ 957942 h 1973942"/>
+                    <a:gd name="connsiteX12" fmla="*/ 667657 w 802521"/>
+                    <a:gd name="connsiteY12" fmla="*/ 1030514 h 1973942"/>
+                    <a:gd name="connsiteX13" fmla="*/ 638629 w 802521"/>
+                    <a:gd name="connsiteY13" fmla="*/ 1117600 h 1973942"/>
+                    <a:gd name="connsiteX14" fmla="*/ 638629 w 802521"/>
+                    <a:gd name="connsiteY14" fmla="*/ 1712685 h 1973942"/>
+                    <a:gd name="connsiteX15" fmla="*/ 667657 w 802521"/>
+                    <a:gd name="connsiteY15" fmla="*/ 1770742 h 1973942"/>
+                    <a:gd name="connsiteX16" fmla="*/ 754743 w 802521"/>
+                    <a:gd name="connsiteY16" fmla="*/ 1872342 h 1973942"/>
+                    <a:gd name="connsiteX17" fmla="*/ 798286 w 802521"/>
+                    <a:gd name="connsiteY17" fmla="*/ 1901371 h 1973942"/>
+                    <a:gd name="connsiteX18" fmla="*/ 798286 w 802521"/>
+                    <a:gd name="connsiteY18" fmla="*/ 1973942 h 1973942"/>
+                  </a:gdLst>
+                  <a:ahLst/>
+                  <a:cxnLst>
+                    <a:cxn ang="0">
+                      <a:pos x="connsiteX0" y="connsiteY0"/>
+                    </a:cxn>
+                    <a:cxn ang="0">
+                      <a:pos x="connsiteX1" y="connsiteY1"/>
+                    </a:cxn>
+                    <a:cxn ang="0">
+                      <a:pos x="connsiteX2" y="connsiteY2"/>
+                    </a:cxn>
+                    <a:cxn ang="0">
+                      <a:pos x="connsiteX3" y="connsiteY3"/>
+                    </a:cxn>
+                    <a:cxn ang="0">
+                      <a:pos x="connsiteX4" y="connsiteY4"/>
+                    </a:cxn>
+                    <a:cxn ang="0">
+                      <a:pos x="connsiteX5" y="connsiteY5"/>
+                    </a:cxn>
+                    <a:cxn ang="0">
+                      <a:pos x="connsiteX6" y="connsiteY6"/>
+                    </a:cxn>
+                    <a:cxn ang="0">
+                      <a:pos x="connsiteX7" y="connsiteY7"/>
+                    </a:cxn>
+                    <a:cxn ang="0">
+                      <a:pos x="connsiteX8" y="connsiteY8"/>
+                    </a:cxn>
+                    <a:cxn ang="0">
+                      <a:pos x="connsiteX9" y="connsiteY9"/>
+                    </a:cxn>
+                    <a:cxn ang="0">
+                      <a:pos x="connsiteX10" y="connsiteY10"/>
+                    </a:cxn>
+                    <a:cxn ang="0">
+                      <a:pos x="connsiteX11" y="connsiteY11"/>
+                    </a:cxn>
+                    <a:cxn ang="0">
+                      <a:pos x="connsiteX12" y="connsiteY12"/>
+                    </a:cxn>
+                    <a:cxn ang="0">
+                      <a:pos x="connsiteX13" y="connsiteY13"/>
+                    </a:cxn>
+                    <a:cxn ang="0">
+                      <a:pos x="connsiteX14" y="connsiteY14"/>
+                    </a:cxn>
+                    <a:cxn ang="0">
+                      <a:pos x="connsiteX15" y="connsiteY15"/>
+                    </a:cxn>
+                    <a:cxn ang="0">
+                      <a:pos x="connsiteX16" y="connsiteY16"/>
+                    </a:cxn>
+                    <a:cxn ang="0">
+                      <a:pos x="connsiteX17" y="connsiteY17"/>
+                    </a:cxn>
+                    <a:cxn ang="0">
+                      <a:pos x="connsiteX18" y="connsiteY18"/>
+                    </a:cxn>
+                  </a:cxnLst>
+                  <a:rect l="l" t="t" r="r" b="b"/>
+                  <a:pathLst>
+                    <a:path w="802521" h="1973942">
+                      <a:moveTo>
+                        <a:pt x="0" y="0"/>
+                      </a:moveTo>
+                      <a:cubicBezTo>
+                        <a:pt x="33867" y="19352"/>
+                        <a:pt x="68692" y="37116"/>
+                        <a:pt x="101600" y="58057"/>
+                      </a:cubicBezTo>
+                      <a:cubicBezTo>
+                        <a:pt x="122009" y="71044"/>
+                        <a:pt x="139529" y="88182"/>
+                        <a:pt x="159657" y="101600"/>
+                      </a:cubicBezTo>
+                      <a:cubicBezTo>
+                        <a:pt x="183130" y="117248"/>
+                        <a:pt x="208306" y="130190"/>
+                        <a:pt x="232229" y="145142"/>
+                      </a:cubicBezTo>
+                      <a:cubicBezTo>
+                        <a:pt x="247022" y="154387"/>
+                        <a:pt x="260916" y="165029"/>
+                        <a:pt x="275772" y="174171"/>
+                      </a:cubicBezTo>
+                      <a:cubicBezTo>
+                        <a:pt x="319977" y="201374"/>
+                        <a:pt x="427948" y="258415"/>
+                        <a:pt x="478972" y="304800"/>
+                      </a:cubicBezTo>
+                      <a:cubicBezTo>
+                        <a:pt x="705397" y="510642"/>
+                        <a:pt x="476603" y="323224"/>
+                        <a:pt x="653143" y="464457"/>
+                      </a:cubicBezTo>
+                      <a:cubicBezTo>
+                        <a:pt x="662025" y="486662"/>
+                        <a:pt x="689101" y="550229"/>
+                        <a:pt x="696686" y="580571"/>
+                      </a:cubicBezTo>
+                      <a:cubicBezTo>
+                        <a:pt x="702669" y="604504"/>
+                        <a:pt x="705848" y="629060"/>
+                        <a:pt x="711200" y="653142"/>
+                      </a:cubicBezTo>
+                      <a:cubicBezTo>
+                        <a:pt x="715527" y="672615"/>
+                        <a:pt x="720877" y="691847"/>
+                        <a:pt x="725715" y="711200"/>
+                      </a:cubicBezTo>
+                      <a:cubicBezTo>
+                        <a:pt x="720877" y="778933"/>
+                        <a:pt x="723001" y="847527"/>
+                        <a:pt x="711200" y="914400"/>
+                      </a:cubicBezTo>
+                      <a:cubicBezTo>
+                        <a:pt x="708169" y="931578"/>
+                        <a:pt x="688297" y="941609"/>
+                        <a:pt x="682172" y="957942"/>
+                      </a:cubicBezTo>
+                      <a:cubicBezTo>
+                        <a:pt x="673510" y="981041"/>
+                        <a:pt x="674148" y="1006713"/>
+                        <a:pt x="667657" y="1030514"/>
+                      </a:cubicBezTo>
+                      <a:cubicBezTo>
+                        <a:pt x="659606" y="1060035"/>
+                        <a:pt x="638629" y="1117600"/>
+                        <a:pt x="638629" y="1117600"/>
+                      </a:cubicBezTo>
+                      <a:cubicBezTo>
+                        <a:pt x="633523" y="1260560"/>
+                        <a:pt x="608293" y="1540777"/>
+                        <a:pt x="638629" y="1712685"/>
+                      </a:cubicBezTo>
+                      <a:cubicBezTo>
+                        <a:pt x="642389" y="1733992"/>
+                        <a:pt x="656922" y="1751956"/>
+                        <a:pt x="667657" y="1770742"/>
+                      </a:cubicBezTo>
+                      <a:cubicBezTo>
+                        <a:pt x="692309" y="1813883"/>
+                        <a:pt x="715037" y="1838308"/>
+                        <a:pt x="754743" y="1872342"/>
+                      </a:cubicBezTo>
+                      <a:cubicBezTo>
+                        <a:pt x="767988" y="1883695"/>
+                        <a:pt x="791414" y="1885337"/>
+                        <a:pt x="798286" y="1901371"/>
+                      </a:cubicBezTo>
+                      <a:cubicBezTo>
+                        <a:pt x="807815" y="1923605"/>
+                        <a:pt x="798286" y="1949752"/>
+                        <a:pt x="798286" y="1973942"/>
+                      </a:cubicBezTo>
+                    </a:path>
+                  </a:pathLst>
+                </a:custGeom>
+                <a:noFill/>
+                <a:ln w="57150"/>
+              </p:spPr>
+              <p:style>
+                <a:lnRef idx="2">
+                  <a:schemeClr val="accent1">
+                    <a:shade val="50000"/>
+                  </a:schemeClr>
+                </a:lnRef>
+                <a:fillRef idx="1">
+                  <a:schemeClr val="accent1"/>
+                </a:fillRef>
+                <a:effectRef idx="0">
+                  <a:schemeClr val="accent1"/>
+                </a:effectRef>
+                <a:fontRef idx="minor">
+                  <a:schemeClr val="lt1"/>
+                </a:fontRef>
+              </p:style>
+              <p:txBody>
+                <a:bodyPr rtlCol="0" anchor="ctr"/>
+                <a:lstStyle/>
+                <a:p>
+                  <a:pPr algn="ctr"/>
+                  <a:endParaRPr lang="en-US"/>
+                </a:p>
+              </p:txBody>
+            </p:sp>
+            <p:sp>
+              <p:nvSpPr>
+                <p:cNvPr id="95" name="Freeform 94"/>
+                <p:cNvSpPr/>
+                <p:nvPr/>
+              </p:nvSpPr>
+              <p:spPr>
+                <a:xfrm>
+                  <a:off x="25138743" y="6052457"/>
+                  <a:ext cx="957943" cy="2119086"/>
+                </a:xfrm>
+                <a:custGeom>
+                  <a:avLst/>
+                  <a:gdLst>
+                    <a:gd name="connsiteX0" fmla="*/ 957943 w 957943"/>
+                    <a:gd name="connsiteY0" fmla="*/ 2119086 h 2119086"/>
+                    <a:gd name="connsiteX1" fmla="*/ 754743 w 957943"/>
+                    <a:gd name="connsiteY1" fmla="*/ 2002972 h 2119086"/>
+                    <a:gd name="connsiteX2" fmla="*/ 696686 w 957943"/>
+                    <a:gd name="connsiteY2" fmla="*/ 1988457 h 2119086"/>
+                    <a:gd name="connsiteX3" fmla="*/ 566057 w 957943"/>
+                    <a:gd name="connsiteY3" fmla="*/ 1930400 h 2119086"/>
+                    <a:gd name="connsiteX4" fmla="*/ 522514 w 957943"/>
+                    <a:gd name="connsiteY4" fmla="*/ 1901372 h 2119086"/>
+                    <a:gd name="connsiteX5" fmla="*/ 493486 w 957943"/>
+                    <a:gd name="connsiteY5" fmla="*/ 1857829 h 2119086"/>
+                    <a:gd name="connsiteX6" fmla="*/ 464457 w 957943"/>
+                    <a:gd name="connsiteY6" fmla="*/ 1727200 h 2119086"/>
+                    <a:gd name="connsiteX7" fmla="*/ 449943 w 957943"/>
+                    <a:gd name="connsiteY7" fmla="*/ 1683657 h 2119086"/>
+                    <a:gd name="connsiteX8" fmla="*/ 435428 w 957943"/>
+                    <a:gd name="connsiteY8" fmla="*/ 1393372 h 2119086"/>
+                    <a:gd name="connsiteX9" fmla="*/ 391886 w 957943"/>
+                    <a:gd name="connsiteY9" fmla="*/ 1306286 h 2119086"/>
+                    <a:gd name="connsiteX10" fmla="*/ 290286 w 957943"/>
+                    <a:gd name="connsiteY10" fmla="*/ 1219200 h 2119086"/>
+                    <a:gd name="connsiteX11" fmla="*/ 246743 w 957943"/>
+                    <a:gd name="connsiteY11" fmla="*/ 1175657 h 2119086"/>
+                    <a:gd name="connsiteX12" fmla="*/ 188686 w 957943"/>
+                    <a:gd name="connsiteY12" fmla="*/ 1132114 h 2119086"/>
+                    <a:gd name="connsiteX13" fmla="*/ 116114 w 957943"/>
+                    <a:gd name="connsiteY13" fmla="*/ 1059543 h 2119086"/>
+                    <a:gd name="connsiteX14" fmla="*/ 101600 w 957943"/>
+                    <a:gd name="connsiteY14" fmla="*/ 1016000 h 2119086"/>
+                    <a:gd name="connsiteX15" fmla="*/ 43543 w 957943"/>
+                    <a:gd name="connsiteY15" fmla="*/ 928914 h 2119086"/>
+                    <a:gd name="connsiteX16" fmla="*/ 0 w 957943"/>
+                    <a:gd name="connsiteY16" fmla="*/ 841829 h 2119086"/>
+                    <a:gd name="connsiteX17" fmla="*/ 29028 w 957943"/>
+                    <a:gd name="connsiteY17" fmla="*/ 537029 h 2119086"/>
+                    <a:gd name="connsiteX18" fmla="*/ 43543 w 957943"/>
+                    <a:gd name="connsiteY18" fmla="*/ 478972 h 2119086"/>
+                    <a:gd name="connsiteX19" fmla="*/ 87086 w 957943"/>
+                    <a:gd name="connsiteY19" fmla="*/ 362857 h 2119086"/>
+                    <a:gd name="connsiteX20" fmla="*/ 116114 w 957943"/>
+                    <a:gd name="connsiteY20" fmla="*/ 304800 h 2119086"/>
+                    <a:gd name="connsiteX21" fmla="*/ 159657 w 957943"/>
+                    <a:gd name="connsiteY21" fmla="*/ 217714 h 2119086"/>
+                    <a:gd name="connsiteX22" fmla="*/ 304800 w 957943"/>
+                    <a:gd name="connsiteY22" fmla="*/ 145143 h 2119086"/>
+                    <a:gd name="connsiteX23" fmla="*/ 377371 w 957943"/>
+                    <a:gd name="connsiteY23" fmla="*/ 101600 h 2119086"/>
+                    <a:gd name="connsiteX24" fmla="*/ 420914 w 957943"/>
+                    <a:gd name="connsiteY24" fmla="*/ 72572 h 2119086"/>
+                    <a:gd name="connsiteX25" fmla="*/ 508000 w 957943"/>
+                    <a:gd name="connsiteY25" fmla="*/ 0 h 2119086"/>
+                  </a:gdLst>
+                  <a:ahLst/>
+                  <a:cxnLst>
+                    <a:cxn ang="0">
+                      <a:pos x="connsiteX0" y="connsiteY0"/>
+                    </a:cxn>
+                    <a:cxn ang="0">
+                      <a:pos x="connsiteX1" y="connsiteY1"/>
+                    </a:cxn>
+                    <a:cxn ang="0">
+                      <a:pos x="connsiteX2" y="connsiteY2"/>
+                    </a:cxn>
+                    <a:cxn ang="0">
+                      <a:pos x="connsiteX3" y="connsiteY3"/>
+                    </a:cxn>
+                    <a:cxn ang="0">
+                      <a:pos x="connsiteX4" y="connsiteY4"/>
+                    </a:cxn>
+                    <a:cxn ang="0">
+                      <a:pos x="connsiteX5" y="connsiteY5"/>
+                    </a:cxn>
+                    <a:cxn ang="0">
+                      <a:pos x="connsiteX6" y="connsiteY6"/>
+                    </a:cxn>
+                    <a:cxn ang="0">
+                      <a:pos x="connsiteX7" y="connsiteY7"/>
+                    </a:cxn>
+                    <a:cxn ang="0">
+                      <a:pos x="connsiteX8" y="connsiteY8"/>
+                    </a:cxn>
+                    <a:cxn ang="0">
+                      <a:pos x="connsiteX9" y="connsiteY9"/>
+                    </a:cxn>
+                    <a:cxn ang="0">
+                      <a:pos x="connsiteX10" y="connsiteY10"/>
+                    </a:cxn>
+                    <a:cxn ang="0">
+                      <a:pos x="connsiteX11" y="connsiteY11"/>
+                    </a:cxn>
+                    <a:cxn ang="0">
+                      <a:pos x="connsiteX12" y="connsiteY12"/>
+                    </a:cxn>
+                    <a:cxn ang="0">
+                      <a:pos x="connsiteX13" y="connsiteY13"/>
+                    </a:cxn>
+                    <a:cxn ang="0">
+                      <a:pos x="connsiteX14" y="connsiteY14"/>
+                    </a:cxn>
+                    <a:cxn ang="0">
+                      <a:pos x="connsiteX15" y="connsiteY15"/>
+                    </a:cxn>
+                    <a:cxn ang="0">
+                      <a:pos x="connsiteX16" y="connsiteY16"/>
+                    </a:cxn>
+                    <a:cxn ang="0">
+                      <a:pos x="connsiteX17" y="connsiteY17"/>
+                    </a:cxn>
+                    <a:cxn ang="0">
+                      <a:pos x="connsiteX18" y="connsiteY18"/>
+                    </a:cxn>
+                    <a:cxn ang="0">
+                      <a:pos x="connsiteX19" y="connsiteY19"/>
+                    </a:cxn>
+                    <a:cxn ang="0">
+                      <a:pos x="connsiteX20" y="connsiteY20"/>
+                    </a:cxn>
+                    <a:cxn ang="0">
+                      <a:pos x="connsiteX21" y="connsiteY21"/>
+                    </a:cxn>
+                    <a:cxn ang="0">
+                      <a:pos x="connsiteX22" y="connsiteY22"/>
+                    </a:cxn>
+                    <a:cxn ang="0">
+                      <a:pos x="connsiteX23" y="connsiteY23"/>
+                    </a:cxn>
+                    <a:cxn ang="0">
+                      <a:pos x="connsiteX24" y="connsiteY24"/>
+                    </a:cxn>
+                    <a:cxn ang="0">
+                      <a:pos x="connsiteX25" y="connsiteY25"/>
+                    </a:cxn>
+                  </a:cxnLst>
+                  <a:rect l="l" t="t" r="r" b="b"/>
+                  <a:pathLst>
+                    <a:path w="957943" h="2119086">
+                      <a:moveTo>
+                        <a:pt x="957943" y="2119086"/>
+                      </a:moveTo>
+                      <a:cubicBezTo>
+                        <a:pt x="890210" y="2080381"/>
+                        <a:pt x="830425" y="2021894"/>
+                        <a:pt x="754743" y="2002972"/>
+                      </a:cubicBezTo>
+                      <a:cubicBezTo>
+                        <a:pt x="735391" y="1998134"/>
+                        <a:pt x="715610" y="1994765"/>
+                        <a:pt x="696686" y="1988457"/>
+                      </a:cubicBezTo>
+                      <a:cubicBezTo>
+                        <a:pt x="659353" y="1976013"/>
+                        <a:pt x="601470" y="1950636"/>
+                        <a:pt x="566057" y="1930400"/>
+                      </a:cubicBezTo>
+                      <a:cubicBezTo>
+                        <a:pt x="550911" y="1921745"/>
+                        <a:pt x="537028" y="1911048"/>
+                        <a:pt x="522514" y="1901372"/>
+                      </a:cubicBezTo>
+                      <a:cubicBezTo>
+                        <a:pt x="512838" y="1886858"/>
+                        <a:pt x="501287" y="1873431"/>
+                        <a:pt x="493486" y="1857829"/>
+                      </a:cubicBezTo>
+                      <a:cubicBezTo>
+                        <a:pt x="473880" y="1818616"/>
+                        <a:pt x="473378" y="1767346"/>
+                        <a:pt x="464457" y="1727200"/>
+                      </a:cubicBezTo>
+                      <a:cubicBezTo>
+                        <a:pt x="461138" y="1712265"/>
+                        <a:pt x="454781" y="1698171"/>
+                        <a:pt x="449943" y="1683657"/>
+                      </a:cubicBezTo>
+                      <a:cubicBezTo>
+                        <a:pt x="445105" y="1586895"/>
+                        <a:pt x="443821" y="1489890"/>
+                        <a:pt x="435428" y="1393372"/>
+                      </a:cubicBezTo>
+                      <a:cubicBezTo>
+                        <a:pt x="432886" y="1364137"/>
+                        <a:pt x="409461" y="1327376"/>
+                        <a:pt x="391886" y="1306286"/>
+                      </a:cubicBezTo>
+                      <a:cubicBezTo>
+                        <a:pt x="346869" y="1252265"/>
+                        <a:pt x="346343" y="1267249"/>
+                        <a:pt x="290286" y="1219200"/>
+                      </a:cubicBezTo>
+                      <a:cubicBezTo>
+                        <a:pt x="274701" y="1205842"/>
+                        <a:pt x="262328" y="1189015"/>
+                        <a:pt x="246743" y="1175657"/>
+                      </a:cubicBezTo>
+                      <a:cubicBezTo>
+                        <a:pt x="228376" y="1159914"/>
+                        <a:pt x="205791" y="1149219"/>
+                        <a:pt x="188686" y="1132114"/>
+                      </a:cubicBezTo>
+                      <a:cubicBezTo>
+                        <a:pt x="91924" y="1035353"/>
+                        <a:pt x="232229" y="1136954"/>
+                        <a:pt x="116114" y="1059543"/>
+                      </a:cubicBezTo>
+                      <a:cubicBezTo>
+                        <a:pt x="111276" y="1045029"/>
+                        <a:pt x="109030" y="1029374"/>
+                        <a:pt x="101600" y="1016000"/>
+                      </a:cubicBezTo>
+                      <a:cubicBezTo>
+                        <a:pt x="84657" y="985502"/>
+                        <a:pt x="54576" y="962011"/>
+                        <a:pt x="43543" y="928914"/>
+                      </a:cubicBezTo>
+                      <a:cubicBezTo>
+                        <a:pt x="23511" y="868823"/>
+                        <a:pt x="37514" y="898102"/>
+                        <a:pt x="0" y="841829"/>
+                      </a:cubicBezTo>
+                      <a:cubicBezTo>
+                        <a:pt x="9676" y="740229"/>
+                        <a:pt x="16868" y="638362"/>
+                        <a:pt x="29028" y="537029"/>
+                      </a:cubicBezTo>
+                      <a:cubicBezTo>
+                        <a:pt x="31405" y="517223"/>
+                        <a:pt x="38063" y="498152"/>
+                        <a:pt x="43543" y="478972"/>
+                      </a:cubicBezTo>
+                      <a:cubicBezTo>
+                        <a:pt x="53120" y="445452"/>
+                        <a:pt x="74813" y="390472"/>
+                        <a:pt x="87086" y="362857"/>
+                      </a:cubicBezTo>
+                      <a:cubicBezTo>
+                        <a:pt x="95873" y="343085"/>
+                        <a:pt x="107591" y="324687"/>
+                        <a:pt x="116114" y="304800"/>
+                      </a:cubicBezTo>
+                      <a:cubicBezTo>
+                        <a:pt x="131200" y="269598"/>
+                        <a:pt x="127778" y="245608"/>
+                        <a:pt x="159657" y="217714"/>
+                      </a:cubicBezTo>
+                      <a:cubicBezTo>
+                        <a:pt x="228780" y="157232"/>
+                        <a:pt x="232658" y="163178"/>
+                        <a:pt x="304800" y="145143"/>
+                      </a:cubicBezTo>
+                      <a:cubicBezTo>
+                        <a:pt x="328990" y="130629"/>
+                        <a:pt x="353448" y="116552"/>
+                        <a:pt x="377371" y="101600"/>
+                      </a:cubicBezTo>
+                      <a:cubicBezTo>
+                        <a:pt x="392163" y="92355"/>
+                        <a:pt x="404974" y="79657"/>
+                        <a:pt x="420914" y="72572"/>
+                      </a:cubicBezTo>
+                      <a:cubicBezTo>
+                        <a:pt x="521769" y="27748"/>
+                        <a:pt x="508000" y="79457"/>
+                        <a:pt x="508000" y="0"/>
+                      </a:cubicBezTo>
+                    </a:path>
+                  </a:pathLst>
+                </a:custGeom>
+                <a:noFill/>
+                <a:ln w="57150"/>
+              </p:spPr>
+              <p:style>
+                <a:lnRef idx="2">
+                  <a:schemeClr val="accent1">
+                    <a:shade val="50000"/>
+                  </a:schemeClr>
+                </a:lnRef>
+                <a:fillRef idx="1">
+                  <a:schemeClr val="accent1"/>
+                </a:fillRef>
+                <a:effectRef idx="0">
+                  <a:schemeClr val="accent1"/>
+                </a:effectRef>
+                <a:fontRef idx="minor">
+                  <a:schemeClr val="lt1"/>
+                </a:fontRef>
+              </p:style>
+              <p:txBody>
+                <a:bodyPr rtlCol="0" anchor="ctr"/>
+                <a:lstStyle/>
+                <a:p>
+                  <a:pPr algn="ctr"/>
+                  <a:endParaRPr lang="en-US"/>
+                </a:p>
+              </p:txBody>
+            </p:sp>
+            <p:cxnSp>
+              <p:nvCxnSpPr>
+                <p:cNvPr id="99" name="Straight Connector 98"/>
+                <p:cNvCxnSpPr>
+                  <a:stCxn id="94" idx="7"/>
+                  <a:endCxn id="95" idx="15"/>
+                </p:cNvCxnSpPr>
+                <p:nvPr/>
+              </p:nvCxnSpPr>
+              <p:spPr>
+                <a:xfrm flipV="1">
+                  <a:off x="24993600" y="6981371"/>
+                  <a:ext cx="188686" cy="29029"/>
+                </a:xfrm>
+                <a:prstGeom prst="line">
+                  <a:avLst/>
+                </a:prstGeom>
+                <a:ln w="57150">
+                  <a:solidFill>
+                    <a:srgbClr val="C00000"/>
+                  </a:solidFill>
+                </a:ln>
+              </p:spPr>
+              <p:style>
+                <a:lnRef idx="1">
+                  <a:schemeClr val="accent1"/>
+                </a:lnRef>
+                <a:fillRef idx="0">
+                  <a:schemeClr val="accent1"/>
+                </a:fillRef>
+                <a:effectRef idx="0">
+                  <a:schemeClr val="accent1"/>
+                </a:effectRef>
+                <a:fontRef idx="minor">
+                  <a:schemeClr val="tx1"/>
+                </a:fontRef>
+              </p:style>
+            </p:cxnSp>
+          </p:grpSp>
+          <p:grpSp>
+            <p:nvGrpSpPr>
+              <p:cNvPr id="106" name="Group 105"/>
+              <p:cNvGrpSpPr/>
+              <p:nvPr/>
+            </p:nvGrpSpPr>
+            <p:grpSpPr>
+              <a:xfrm>
+                <a:off x="24767797" y="9042399"/>
+                <a:ext cx="1880432" cy="2946401"/>
+                <a:chOff x="24767797" y="9042399"/>
+                <a:chExt cx="1880432" cy="2946401"/>
+              </a:xfrm>
+            </p:grpSpPr>
+            <p:sp>
+              <p:nvSpPr>
+                <p:cNvPr id="101" name="Freeform 100"/>
+                <p:cNvSpPr/>
+                <p:nvPr/>
+              </p:nvSpPr>
+              <p:spPr>
+                <a:xfrm>
+                  <a:off x="24767797" y="9114971"/>
+                  <a:ext cx="1880432" cy="2873829"/>
+                </a:xfrm>
+                <a:custGeom>
+                  <a:avLst/>
+                  <a:gdLst>
+                    <a:gd name="connsiteX0" fmla="*/ 399974 w 1880432"/>
+                    <a:gd name="connsiteY0" fmla="*/ 2873829 h 2873829"/>
+                    <a:gd name="connsiteX1" fmla="*/ 472546 w 1880432"/>
+                    <a:gd name="connsiteY1" fmla="*/ 2786743 h 2873829"/>
+                    <a:gd name="connsiteX2" fmla="*/ 516089 w 1880432"/>
+                    <a:gd name="connsiteY2" fmla="*/ 2743200 h 2873829"/>
+                    <a:gd name="connsiteX3" fmla="*/ 530603 w 1880432"/>
+                    <a:gd name="connsiteY3" fmla="*/ 2699658 h 2873829"/>
+                    <a:gd name="connsiteX4" fmla="*/ 559632 w 1880432"/>
+                    <a:gd name="connsiteY4" fmla="*/ 2656115 h 2873829"/>
+                    <a:gd name="connsiteX5" fmla="*/ 559632 w 1880432"/>
+                    <a:gd name="connsiteY5" fmla="*/ 1872343 h 2873829"/>
+                    <a:gd name="connsiteX6" fmla="*/ 530603 w 1880432"/>
+                    <a:gd name="connsiteY6" fmla="*/ 1785258 h 2873829"/>
+                    <a:gd name="connsiteX7" fmla="*/ 516089 w 1880432"/>
+                    <a:gd name="connsiteY7" fmla="*/ 1741715 h 2873829"/>
+                    <a:gd name="connsiteX8" fmla="*/ 443517 w 1880432"/>
+                    <a:gd name="connsiteY8" fmla="*/ 1611086 h 2873829"/>
+                    <a:gd name="connsiteX9" fmla="*/ 429003 w 1880432"/>
+                    <a:gd name="connsiteY9" fmla="*/ 1538515 h 2873829"/>
+                    <a:gd name="connsiteX10" fmla="*/ 385460 w 1880432"/>
+                    <a:gd name="connsiteY10" fmla="*/ 1494972 h 2873829"/>
+                    <a:gd name="connsiteX11" fmla="*/ 341917 w 1880432"/>
+                    <a:gd name="connsiteY11" fmla="*/ 1422400 h 2873829"/>
+                    <a:gd name="connsiteX12" fmla="*/ 298374 w 1880432"/>
+                    <a:gd name="connsiteY12" fmla="*/ 1364343 h 2873829"/>
+                    <a:gd name="connsiteX13" fmla="*/ 283860 w 1880432"/>
+                    <a:gd name="connsiteY13" fmla="*/ 1306286 h 2873829"/>
+                    <a:gd name="connsiteX14" fmla="*/ 211289 w 1880432"/>
+                    <a:gd name="connsiteY14" fmla="*/ 1219200 h 2873829"/>
+                    <a:gd name="connsiteX15" fmla="*/ 153232 w 1880432"/>
+                    <a:gd name="connsiteY15" fmla="*/ 1103086 h 2873829"/>
+                    <a:gd name="connsiteX16" fmla="*/ 109689 w 1880432"/>
+                    <a:gd name="connsiteY16" fmla="*/ 1016000 h 2873829"/>
+                    <a:gd name="connsiteX17" fmla="*/ 66146 w 1880432"/>
+                    <a:gd name="connsiteY17" fmla="*/ 957943 h 2873829"/>
+                    <a:gd name="connsiteX18" fmla="*/ 22603 w 1880432"/>
+                    <a:gd name="connsiteY18" fmla="*/ 812800 h 2873829"/>
+                    <a:gd name="connsiteX19" fmla="*/ 8089 w 1880432"/>
+                    <a:gd name="connsiteY19" fmla="*/ 725715 h 2873829"/>
+                    <a:gd name="connsiteX20" fmla="*/ 95174 w 1880432"/>
+                    <a:gd name="connsiteY20" fmla="*/ 174172 h 2873829"/>
+                    <a:gd name="connsiteX21" fmla="*/ 167746 w 1880432"/>
+                    <a:gd name="connsiteY21" fmla="*/ 116115 h 2873829"/>
+                    <a:gd name="connsiteX22" fmla="*/ 182260 w 1880432"/>
+                    <a:gd name="connsiteY22" fmla="*/ 72572 h 2873829"/>
+                    <a:gd name="connsiteX23" fmla="*/ 254832 w 1880432"/>
+                    <a:gd name="connsiteY23" fmla="*/ 43543 h 2873829"/>
+                    <a:gd name="connsiteX24" fmla="*/ 341917 w 1880432"/>
+                    <a:gd name="connsiteY24" fmla="*/ 0 h 2873829"/>
+                    <a:gd name="connsiteX25" fmla="*/ 1241803 w 1880432"/>
+                    <a:gd name="connsiteY25" fmla="*/ 43543 h 2873829"/>
+                    <a:gd name="connsiteX26" fmla="*/ 1314374 w 1880432"/>
+                    <a:gd name="connsiteY26" fmla="*/ 101600 h 2873829"/>
+                    <a:gd name="connsiteX27" fmla="*/ 1357917 w 1880432"/>
+                    <a:gd name="connsiteY27" fmla="*/ 130629 h 2873829"/>
+                    <a:gd name="connsiteX28" fmla="*/ 1459517 w 1880432"/>
+                    <a:gd name="connsiteY28" fmla="*/ 188686 h 2873829"/>
+                    <a:gd name="connsiteX29" fmla="*/ 1546603 w 1880432"/>
+                    <a:gd name="connsiteY29" fmla="*/ 275772 h 2873829"/>
+                    <a:gd name="connsiteX30" fmla="*/ 1561117 w 1880432"/>
+                    <a:gd name="connsiteY30" fmla="*/ 319315 h 2873829"/>
+                    <a:gd name="connsiteX31" fmla="*/ 1532089 w 1880432"/>
+                    <a:gd name="connsiteY31" fmla="*/ 609600 h 2873829"/>
+                    <a:gd name="connsiteX32" fmla="*/ 1517574 w 1880432"/>
+                    <a:gd name="connsiteY32" fmla="*/ 667658 h 2873829"/>
+                    <a:gd name="connsiteX33" fmla="*/ 1488546 w 1880432"/>
+                    <a:gd name="connsiteY33" fmla="*/ 725715 h 2873829"/>
+                    <a:gd name="connsiteX34" fmla="*/ 1474032 w 1880432"/>
+                    <a:gd name="connsiteY34" fmla="*/ 769258 h 2873829"/>
+                    <a:gd name="connsiteX35" fmla="*/ 1430489 w 1880432"/>
+                    <a:gd name="connsiteY35" fmla="*/ 827315 h 2873829"/>
+                    <a:gd name="connsiteX36" fmla="*/ 1386946 w 1880432"/>
+                    <a:gd name="connsiteY36" fmla="*/ 899886 h 2873829"/>
+                    <a:gd name="connsiteX37" fmla="*/ 1299860 w 1880432"/>
+                    <a:gd name="connsiteY37" fmla="*/ 986972 h 2873829"/>
+                    <a:gd name="connsiteX38" fmla="*/ 1227289 w 1880432"/>
+                    <a:gd name="connsiteY38" fmla="*/ 1132115 h 2873829"/>
+                    <a:gd name="connsiteX39" fmla="*/ 1198260 w 1880432"/>
+                    <a:gd name="connsiteY39" fmla="*/ 1175658 h 2873829"/>
+                    <a:gd name="connsiteX40" fmla="*/ 1154717 w 1880432"/>
+                    <a:gd name="connsiteY40" fmla="*/ 1219200 h 2873829"/>
+                    <a:gd name="connsiteX41" fmla="*/ 1096660 w 1880432"/>
+                    <a:gd name="connsiteY41" fmla="*/ 1306286 h 2873829"/>
+                    <a:gd name="connsiteX42" fmla="*/ 1053117 w 1880432"/>
+                    <a:gd name="connsiteY42" fmla="*/ 1364343 h 2873829"/>
+                    <a:gd name="connsiteX43" fmla="*/ 1024089 w 1880432"/>
+                    <a:gd name="connsiteY43" fmla="*/ 1407886 h 2873829"/>
+                    <a:gd name="connsiteX44" fmla="*/ 995060 w 1880432"/>
+                    <a:gd name="connsiteY44" fmla="*/ 1480458 h 2873829"/>
+                    <a:gd name="connsiteX45" fmla="*/ 907974 w 1880432"/>
+                    <a:gd name="connsiteY45" fmla="*/ 1596572 h 2873829"/>
+                    <a:gd name="connsiteX46" fmla="*/ 849917 w 1880432"/>
+                    <a:gd name="connsiteY46" fmla="*/ 1712686 h 2873829"/>
+                    <a:gd name="connsiteX47" fmla="*/ 849917 w 1880432"/>
+                    <a:gd name="connsiteY47" fmla="*/ 2017486 h 2873829"/>
+                    <a:gd name="connsiteX48" fmla="*/ 864432 w 1880432"/>
+                    <a:gd name="connsiteY48" fmla="*/ 2075543 h 2873829"/>
+                    <a:gd name="connsiteX49" fmla="*/ 951517 w 1880432"/>
+                    <a:gd name="connsiteY49" fmla="*/ 2206172 h 2873829"/>
+                    <a:gd name="connsiteX50" fmla="*/ 1009574 w 1880432"/>
+                    <a:gd name="connsiteY50" fmla="*/ 2278743 h 2873829"/>
+                    <a:gd name="connsiteX51" fmla="*/ 1053117 w 1880432"/>
+                    <a:gd name="connsiteY51" fmla="*/ 2351315 h 2873829"/>
+                    <a:gd name="connsiteX52" fmla="*/ 1096660 w 1880432"/>
+                    <a:gd name="connsiteY52" fmla="*/ 2394858 h 2873829"/>
+                    <a:gd name="connsiteX53" fmla="*/ 1154717 w 1880432"/>
+                    <a:gd name="connsiteY53" fmla="*/ 2481943 h 2873829"/>
+                    <a:gd name="connsiteX54" fmla="*/ 1183746 w 1880432"/>
+                    <a:gd name="connsiteY54" fmla="*/ 2525486 h 2873829"/>
+                    <a:gd name="connsiteX55" fmla="*/ 1227289 w 1880432"/>
+                    <a:gd name="connsiteY55" fmla="*/ 2554515 h 2873829"/>
+                    <a:gd name="connsiteX56" fmla="*/ 1270832 w 1880432"/>
+                    <a:gd name="connsiteY56" fmla="*/ 2598058 h 2873829"/>
+                    <a:gd name="connsiteX57" fmla="*/ 1328889 w 1880432"/>
+                    <a:gd name="connsiteY57" fmla="*/ 2612572 h 2873829"/>
+                    <a:gd name="connsiteX58" fmla="*/ 1372432 w 1880432"/>
+                    <a:gd name="connsiteY58" fmla="*/ 2627086 h 2873829"/>
+                    <a:gd name="connsiteX59" fmla="*/ 1474032 w 1880432"/>
+                    <a:gd name="connsiteY59" fmla="*/ 2670629 h 2873829"/>
+                    <a:gd name="connsiteX60" fmla="*/ 1517574 w 1880432"/>
+                    <a:gd name="connsiteY60" fmla="*/ 2699658 h 2873829"/>
+                    <a:gd name="connsiteX61" fmla="*/ 1561117 w 1880432"/>
+                    <a:gd name="connsiteY61" fmla="*/ 2743200 h 2873829"/>
+                    <a:gd name="connsiteX62" fmla="*/ 1706260 w 1880432"/>
+                    <a:gd name="connsiteY62" fmla="*/ 2786743 h 2873829"/>
+                    <a:gd name="connsiteX63" fmla="*/ 1793346 w 1880432"/>
+                    <a:gd name="connsiteY63" fmla="*/ 2844800 h 2873829"/>
+                    <a:gd name="connsiteX64" fmla="*/ 1880432 w 1880432"/>
+                    <a:gd name="connsiteY64" fmla="*/ 2873829 h 2873829"/>
+                  </a:gdLst>
+                  <a:ahLst/>
+                  <a:cxnLst>
+                    <a:cxn ang="0">
+                      <a:pos x="connsiteX0" y="connsiteY0"/>
+                    </a:cxn>
+                    <a:cxn ang="0">
+                      <a:pos x="connsiteX1" y="connsiteY1"/>
+                    </a:cxn>
+                    <a:cxn ang="0">
+                      <a:pos x="connsiteX2" y="connsiteY2"/>
+                    </a:cxn>
+                    <a:cxn ang="0">
+                      <a:pos x="connsiteX3" y="connsiteY3"/>
+                    </a:cxn>
+                    <a:cxn ang="0">
+                      <a:pos x="connsiteX4" y="connsiteY4"/>
+                    </a:cxn>
+                    <a:cxn ang="0">
+                      <a:pos x="connsiteX5" y="connsiteY5"/>
+                    </a:cxn>
+                    <a:cxn ang="0">
+                      <a:pos x="connsiteX6" y="connsiteY6"/>
+                    </a:cxn>
+                    <a:cxn ang="0">
+                      <a:pos x="connsiteX7" y="connsiteY7"/>
+                    </a:cxn>
+                    <a:cxn ang="0">
+                      <a:pos x="connsiteX8" y="connsiteY8"/>
+                    </a:cxn>
+                    <a:cxn ang="0">
+                      <a:pos x="connsiteX9" y="connsiteY9"/>
+                    </a:cxn>
+                    <a:cxn ang="0">
+                      <a:pos x="connsiteX10" y="connsiteY10"/>
+                    </a:cxn>
+                    <a:cxn ang="0">
+                      <a:pos x="connsiteX11" y="connsiteY11"/>
+                    </a:cxn>
+                    <a:cxn ang="0">
+                      <a:pos x="connsiteX12" y="connsiteY12"/>
+                    </a:cxn>
+                    <a:cxn ang="0">
+                      <a:pos x="connsiteX13" y="connsiteY13"/>
+                    </a:cxn>
+                    <a:cxn ang="0">
+                      <a:pos x="connsiteX14" y="connsiteY14"/>
+                    </a:cxn>
+                    <a:cxn ang="0">
+                      <a:pos x="connsiteX15" y="connsiteY15"/>
+                    </a:cxn>
+                    <a:cxn ang="0">
+                      <a:pos x="connsiteX16" y="connsiteY16"/>
+                    </a:cxn>
+                    <a:cxn ang="0">
+                      <a:pos x="connsiteX17" y="connsiteY17"/>
+                    </a:cxn>
+                    <a:cxn ang="0">
+                      <a:pos x="connsiteX18" y="connsiteY18"/>
+                    </a:cxn>
+                    <a:cxn ang="0">
+                      <a:pos x="connsiteX19" y="connsiteY19"/>
+                    </a:cxn>
+                    <a:cxn ang="0">
+                      <a:pos x="connsiteX20" y="connsiteY20"/>
+                    </a:cxn>
+                    <a:cxn ang="0">
+                      <a:pos x="connsiteX21" y="connsiteY21"/>
+                    </a:cxn>
+                    <a:cxn ang="0">
+                      <a:pos x="connsiteX22" y="connsiteY22"/>
+                    </a:cxn>
+                    <a:cxn ang="0">
+                      <a:pos x="connsiteX23" y="connsiteY23"/>
+                    </a:cxn>
+                    <a:cxn ang="0">
+                      <a:pos x="connsiteX24" y="connsiteY24"/>
+                    </a:cxn>
+                    <a:cxn ang="0">
+                      <a:pos x="connsiteX25" y="connsiteY25"/>
+                    </a:cxn>
+                    <a:cxn ang="0">
+                      <a:pos x="connsiteX26" y="connsiteY26"/>
+                    </a:cxn>
+                    <a:cxn ang="0">
+                      <a:pos x="connsiteX27" y="connsiteY27"/>
+                    </a:cxn>
+                    <a:cxn ang="0">
+                      <a:pos x="connsiteX28" y="connsiteY28"/>
+                    </a:cxn>
+                    <a:cxn ang="0">
+                      <a:pos x="connsiteX29" y="connsiteY29"/>
+                    </a:cxn>
+                    <a:cxn ang="0">
+                      <a:pos x="connsiteX30" y="connsiteY30"/>
+                    </a:cxn>
+                    <a:cxn ang="0">
+                      <a:pos x="connsiteX31" y="connsiteY31"/>
+                    </a:cxn>
+                    <a:cxn ang="0">
+                      <a:pos x="connsiteX32" y="connsiteY32"/>
+                    </a:cxn>
+                    <a:cxn ang="0">
+                      <a:pos x="connsiteX33" y="connsiteY33"/>
+                    </a:cxn>
+                    <a:cxn ang="0">
+                      <a:pos x="connsiteX34" y="connsiteY34"/>
+                    </a:cxn>
+                    <a:cxn ang="0">
+                      <a:pos x="connsiteX35" y="connsiteY35"/>
+                    </a:cxn>
+                    <a:cxn ang="0">
+                      <a:pos x="connsiteX36" y="connsiteY36"/>
+                    </a:cxn>
+                    <a:cxn ang="0">
+                      <a:pos x="connsiteX37" y="connsiteY37"/>
+                    </a:cxn>
+                    <a:cxn ang="0">
+                      <a:pos x="connsiteX38" y="connsiteY38"/>
+                    </a:cxn>
+                    <a:cxn ang="0">
+                      <a:pos x="connsiteX39" y="connsiteY39"/>
+                    </a:cxn>
+                    <a:cxn ang="0">
+                      <a:pos x="connsiteX40" y="connsiteY40"/>
+                    </a:cxn>
+                    <a:cxn ang="0">
+                      <a:pos x="connsiteX41" y="connsiteY41"/>
+                    </a:cxn>
+                    <a:cxn ang="0">
+                      <a:pos x="connsiteX42" y="connsiteY42"/>
+                    </a:cxn>
+                    <a:cxn ang="0">
+                      <a:pos x="connsiteX43" y="connsiteY43"/>
+                    </a:cxn>
+                    <a:cxn ang="0">
+                      <a:pos x="connsiteX44" y="connsiteY44"/>
+                    </a:cxn>
+                    <a:cxn ang="0">
+                      <a:pos x="connsiteX45" y="connsiteY45"/>
+                    </a:cxn>
+                    <a:cxn ang="0">
+                      <a:pos x="connsiteX46" y="connsiteY46"/>
+                    </a:cxn>
+                    <a:cxn ang="0">
+                      <a:pos x="connsiteX47" y="connsiteY47"/>
+                    </a:cxn>
+                    <a:cxn ang="0">
+                      <a:pos x="connsiteX48" y="connsiteY48"/>
+                    </a:cxn>
+                    <a:cxn ang="0">
+                      <a:pos x="connsiteX49" y="connsiteY49"/>
+                    </a:cxn>
+                    <a:cxn ang="0">
+                      <a:pos x="connsiteX50" y="connsiteY50"/>
+                    </a:cxn>
+                    <a:cxn ang="0">
+                      <a:pos x="connsiteX51" y="connsiteY51"/>
+                    </a:cxn>
+                    <a:cxn ang="0">
+                      <a:pos x="connsiteX52" y="connsiteY52"/>
+                    </a:cxn>
+                    <a:cxn ang="0">
+                      <a:pos x="connsiteX53" y="connsiteY53"/>
+                    </a:cxn>
+                    <a:cxn ang="0">
+                      <a:pos x="connsiteX54" y="connsiteY54"/>
+                    </a:cxn>
+                    <a:cxn ang="0">
+                      <a:pos x="connsiteX55" y="connsiteY55"/>
+                    </a:cxn>
+                    <a:cxn ang="0">
+                      <a:pos x="connsiteX56" y="connsiteY56"/>
+                    </a:cxn>
+                    <a:cxn ang="0">
+                      <a:pos x="connsiteX57" y="connsiteY57"/>
+                    </a:cxn>
+                    <a:cxn ang="0">
+                      <a:pos x="connsiteX58" y="connsiteY58"/>
+                    </a:cxn>
+                    <a:cxn ang="0">
+                      <a:pos x="connsiteX59" y="connsiteY59"/>
+                    </a:cxn>
+                    <a:cxn ang="0">
+                      <a:pos x="connsiteX60" y="connsiteY60"/>
+                    </a:cxn>
+                    <a:cxn ang="0">
+                      <a:pos x="connsiteX61" y="connsiteY61"/>
+                    </a:cxn>
+                    <a:cxn ang="0">
+                      <a:pos x="connsiteX62" y="connsiteY62"/>
+                    </a:cxn>
+                    <a:cxn ang="0">
+                      <a:pos x="connsiteX63" y="connsiteY63"/>
+                    </a:cxn>
+                    <a:cxn ang="0">
+                      <a:pos x="connsiteX64" y="connsiteY64"/>
+                    </a:cxn>
+                  </a:cxnLst>
+                  <a:rect l="l" t="t" r="r" b="b"/>
+                  <a:pathLst>
+                    <a:path w="1880432" h="2873829">
+                      <a:moveTo>
+                        <a:pt x="399974" y="2873829"/>
+                      </a:moveTo>
+                      <a:cubicBezTo>
+                        <a:pt x="424165" y="2844800"/>
+                        <a:pt x="447442" y="2814985"/>
+                        <a:pt x="472546" y="2786743"/>
+                      </a:cubicBezTo>
+                      <a:cubicBezTo>
+                        <a:pt x="486183" y="2771401"/>
+                        <a:pt x="504703" y="2760279"/>
+                        <a:pt x="516089" y="2743200"/>
+                      </a:cubicBezTo>
+                      <a:cubicBezTo>
+                        <a:pt x="524575" y="2730470"/>
+                        <a:pt x="523761" y="2713342"/>
+                        <a:pt x="530603" y="2699658"/>
+                      </a:cubicBezTo>
+                      <a:cubicBezTo>
+                        <a:pt x="538404" y="2684056"/>
+                        <a:pt x="549956" y="2670629"/>
+                        <a:pt x="559632" y="2656115"/>
+                      </a:cubicBezTo>
+                      <a:cubicBezTo>
+                        <a:pt x="618594" y="2361299"/>
+                        <a:pt x="594387" y="2509516"/>
+                        <a:pt x="559632" y="1872343"/>
+                      </a:cubicBezTo>
+                      <a:cubicBezTo>
+                        <a:pt x="557965" y="1841790"/>
+                        <a:pt x="540279" y="1814286"/>
+                        <a:pt x="530603" y="1785258"/>
+                      </a:cubicBezTo>
+                      <a:cubicBezTo>
+                        <a:pt x="525765" y="1770744"/>
+                        <a:pt x="522931" y="1755399"/>
+                        <a:pt x="516089" y="1741715"/>
+                      </a:cubicBezTo>
+                      <a:cubicBezTo>
+                        <a:pt x="474444" y="1658426"/>
+                        <a:pt x="498192" y="1702211"/>
+                        <a:pt x="443517" y="1611086"/>
+                      </a:cubicBezTo>
+                      <a:cubicBezTo>
+                        <a:pt x="438679" y="1586896"/>
+                        <a:pt x="440035" y="1560580"/>
+                        <a:pt x="429003" y="1538515"/>
+                      </a:cubicBezTo>
+                      <a:cubicBezTo>
+                        <a:pt x="419823" y="1520156"/>
+                        <a:pt x="397776" y="1511393"/>
+                        <a:pt x="385460" y="1494972"/>
+                      </a:cubicBezTo>
+                      <a:cubicBezTo>
+                        <a:pt x="368533" y="1472403"/>
+                        <a:pt x="357566" y="1445873"/>
+                        <a:pt x="341917" y="1422400"/>
+                      </a:cubicBezTo>
+                      <a:cubicBezTo>
+                        <a:pt x="328499" y="1402272"/>
+                        <a:pt x="312888" y="1383695"/>
+                        <a:pt x="298374" y="1364343"/>
+                      </a:cubicBezTo>
+                      <a:cubicBezTo>
+                        <a:pt x="293536" y="1344991"/>
+                        <a:pt x="291718" y="1324621"/>
+                        <a:pt x="283860" y="1306286"/>
+                      </a:cubicBezTo>
+                      <a:cubicBezTo>
+                        <a:pt x="268704" y="1270922"/>
+                        <a:pt x="237445" y="1245356"/>
+                        <a:pt x="211289" y="1219200"/>
+                      </a:cubicBezTo>
+                      <a:cubicBezTo>
+                        <a:pt x="182277" y="1074146"/>
+                        <a:pt x="222931" y="1207635"/>
+                        <a:pt x="153232" y="1103086"/>
+                      </a:cubicBezTo>
+                      <a:cubicBezTo>
+                        <a:pt x="135229" y="1076082"/>
+                        <a:pt x="126387" y="1043830"/>
+                        <a:pt x="109689" y="1016000"/>
+                      </a:cubicBezTo>
+                      <a:cubicBezTo>
+                        <a:pt x="97243" y="995257"/>
+                        <a:pt x="80660" y="977295"/>
+                        <a:pt x="66146" y="957943"/>
+                      </a:cubicBezTo>
+                      <a:cubicBezTo>
+                        <a:pt x="47630" y="902395"/>
+                        <a:pt x="33572" y="867645"/>
+                        <a:pt x="22603" y="812800"/>
+                      </a:cubicBezTo>
+                      <a:cubicBezTo>
+                        <a:pt x="16832" y="783943"/>
+                        <a:pt x="12927" y="754743"/>
+                        <a:pt x="8089" y="725715"/>
+                      </a:cubicBezTo>
+                      <a:cubicBezTo>
+                        <a:pt x="25835" y="432897"/>
+                        <a:pt x="-60255" y="329600"/>
+                        <a:pt x="95174" y="174172"/>
+                      </a:cubicBezTo>
+                      <a:cubicBezTo>
+                        <a:pt x="117080" y="152267"/>
+                        <a:pt x="143555" y="135467"/>
+                        <a:pt x="167746" y="116115"/>
+                      </a:cubicBezTo>
+                      <a:cubicBezTo>
+                        <a:pt x="172584" y="101601"/>
+                        <a:pt x="170507" y="82366"/>
+                        <a:pt x="182260" y="72572"/>
+                      </a:cubicBezTo>
+                      <a:cubicBezTo>
+                        <a:pt x="202275" y="55892"/>
+                        <a:pt x="231528" y="55195"/>
+                        <a:pt x="254832" y="43543"/>
+                      </a:cubicBezTo>
+                      <a:cubicBezTo>
+                        <a:pt x="367381" y="-12732"/>
+                        <a:pt x="232466" y="36485"/>
+                        <a:pt x="341917" y="0"/>
+                      </a:cubicBezTo>
+                      <a:cubicBezTo>
+                        <a:pt x="641879" y="14514"/>
+                        <a:pt x="943116" y="12337"/>
+                        <a:pt x="1241803" y="43543"/>
+                      </a:cubicBezTo>
+                      <a:cubicBezTo>
+                        <a:pt x="1272614" y="46762"/>
+                        <a:pt x="1289591" y="83013"/>
+                        <a:pt x="1314374" y="101600"/>
+                      </a:cubicBezTo>
+                      <a:cubicBezTo>
+                        <a:pt x="1328329" y="112067"/>
+                        <a:pt x="1342771" y="121974"/>
+                        <a:pt x="1357917" y="130629"/>
+                      </a:cubicBezTo>
+                      <a:cubicBezTo>
+                        <a:pt x="1394708" y="151653"/>
+                        <a:pt x="1427695" y="160400"/>
+                        <a:pt x="1459517" y="188686"/>
+                      </a:cubicBezTo>
+                      <a:cubicBezTo>
+                        <a:pt x="1490200" y="215960"/>
+                        <a:pt x="1546603" y="275772"/>
+                        <a:pt x="1546603" y="275772"/>
+                      </a:cubicBezTo>
+                      <a:cubicBezTo>
+                        <a:pt x="1551441" y="290286"/>
+                        <a:pt x="1561117" y="304016"/>
+                        <a:pt x="1561117" y="319315"/>
+                      </a:cubicBezTo>
+                      <a:cubicBezTo>
+                        <a:pt x="1561117" y="636612"/>
+                        <a:pt x="1569795" y="477631"/>
+                        <a:pt x="1532089" y="609600"/>
+                      </a:cubicBezTo>
+                      <a:cubicBezTo>
+                        <a:pt x="1526609" y="628781"/>
+                        <a:pt x="1524578" y="648980"/>
+                        <a:pt x="1517574" y="667658"/>
+                      </a:cubicBezTo>
+                      <a:cubicBezTo>
+                        <a:pt x="1509977" y="687917"/>
+                        <a:pt x="1497069" y="705828"/>
+                        <a:pt x="1488546" y="725715"/>
+                      </a:cubicBezTo>
+                      <a:cubicBezTo>
+                        <a:pt x="1482519" y="739777"/>
+                        <a:pt x="1481623" y="755974"/>
+                        <a:pt x="1474032" y="769258"/>
+                      </a:cubicBezTo>
+                      <a:cubicBezTo>
+                        <a:pt x="1462030" y="790261"/>
+                        <a:pt x="1443908" y="807187"/>
+                        <a:pt x="1430489" y="827315"/>
+                      </a:cubicBezTo>
+                      <a:cubicBezTo>
+                        <a:pt x="1414840" y="850788"/>
+                        <a:pt x="1404810" y="878052"/>
+                        <a:pt x="1386946" y="899886"/>
+                      </a:cubicBezTo>
+                      <a:cubicBezTo>
+                        <a:pt x="1360950" y="931659"/>
+                        <a:pt x="1299860" y="986972"/>
+                        <a:pt x="1299860" y="986972"/>
+                      </a:cubicBezTo>
+                      <a:cubicBezTo>
+                        <a:pt x="1276885" y="1078875"/>
+                        <a:pt x="1296411" y="1028432"/>
+                        <a:pt x="1227289" y="1132115"/>
+                      </a:cubicBezTo>
+                      <a:cubicBezTo>
+                        <a:pt x="1217613" y="1146629"/>
+                        <a:pt x="1210595" y="1163323"/>
+                        <a:pt x="1198260" y="1175658"/>
+                      </a:cubicBezTo>
+                      <a:cubicBezTo>
+                        <a:pt x="1183746" y="1190172"/>
+                        <a:pt x="1167319" y="1202998"/>
+                        <a:pt x="1154717" y="1219200"/>
+                      </a:cubicBezTo>
+                      <a:cubicBezTo>
+                        <a:pt x="1133298" y="1246739"/>
+                        <a:pt x="1117593" y="1278376"/>
+                        <a:pt x="1096660" y="1306286"/>
+                      </a:cubicBezTo>
+                      <a:cubicBezTo>
+                        <a:pt x="1082146" y="1325638"/>
+                        <a:pt x="1067177" y="1344658"/>
+                        <a:pt x="1053117" y="1364343"/>
+                      </a:cubicBezTo>
+                      <a:cubicBezTo>
+                        <a:pt x="1042978" y="1378538"/>
+                        <a:pt x="1031890" y="1392284"/>
+                        <a:pt x="1024089" y="1407886"/>
+                      </a:cubicBezTo>
+                      <a:cubicBezTo>
+                        <a:pt x="1012437" y="1431190"/>
+                        <a:pt x="1008715" y="1458269"/>
+                        <a:pt x="995060" y="1480458"/>
+                      </a:cubicBezTo>
+                      <a:cubicBezTo>
+                        <a:pt x="969704" y="1521662"/>
+                        <a:pt x="925942" y="1551651"/>
+                        <a:pt x="907974" y="1596572"/>
+                      </a:cubicBezTo>
+                      <a:cubicBezTo>
+                        <a:pt x="872467" y="1685339"/>
+                        <a:pt x="893398" y="1647465"/>
+                        <a:pt x="849917" y="1712686"/>
+                      </a:cubicBezTo>
+                      <a:cubicBezTo>
+                        <a:pt x="809170" y="1834931"/>
+                        <a:pt x="826872" y="1764000"/>
+                        <a:pt x="849917" y="2017486"/>
+                      </a:cubicBezTo>
+                      <a:cubicBezTo>
+                        <a:pt x="851723" y="2037352"/>
+                        <a:pt x="856330" y="2057314"/>
+                        <a:pt x="864432" y="2075543"/>
+                      </a:cubicBezTo>
+                      <a:cubicBezTo>
+                        <a:pt x="884794" y="2121358"/>
+                        <a:pt x="921596" y="2166278"/>
+                        <a:pt x="951517" y="2206172"/>
+                      </a:cubicBezTo>
+                      <a:cubicBezTo>
+                        <a:pt x="985010" y="2306647"/>
+                        <a:pt x="937954" y="2195185"/>
+                        <a:pt x="1009574" y="2278743"/>
+                      </a:cubicBezTo>
+                      <a:cubicBezTo>
+                        <a:pt x="1027933" y="2300162"/>
+                        <a:pt x="1036190" y="2328746"/>
+                        <a:pt x="1053117" y="2351315"/>
+                      </a:cubicBezTo>
+                      <a:cubicBezTo>
+                        <a:pt x="1065433" y="2367736"/>
+                        <a:pt x="1082146" y="2380344"/>
+                        <a:pt x="1096660" y="2394858"/>
+                      </a:cubicBezTo>
+                      <a:cubicBezTo>
+                        <a:pt x="1122167" y="2471378"/>
+                        <a:pt x="1094316" y="2409462"/>
+                        <a:pt x="1154717" y="2481943"/>
+                      </a:cubicBezTo>
+                      <a:cubicBezTo>
+                        <a:pt x="1165884" y="2495344"/>
+                        <a:pt x="1171411" y="2513151"/>
+                        <a:pt x="1183746" y="2525486"/>
+                      </a:cubicBezTo>
+                      <a:cubicBezTo>
+                        <a:pt x="1196081" y="2537821"/>
+                        <a:pt x="1213888" y="2543348"/>
+                        <a:pt x="1227289" y="2554515"/>
+                      </a:cubicBezTo>
+                      <a:cubicBezTo>
+                        <a:pt x="1243058" y="2567656"/>
+                        <a:pt x="1253010" y="2587874"/>
+                        <a:pt x="1270832" y="2598058"/>
+                      </a:cubicBezTo>
+                      <a:cubicBezTo>
+                        <a:pt x="1288152" y="2607955"/>
+                        <a:pt x="1309709" y="2607092"/>
+                        <a:pt x="1328889" y="2612572"/>
+                      </a:cubicBezTo>
+                      <a:cubicBezTo>
+                        <a:pt x="1343600" y="2616775"/>
+                        <a:pt x="1358370" y="2621059"/>
+                        <a:pt x="1372432" y="2627086"/>
+                      </a:cubicBezTo>
+                      <a:cubicBezTo>
+                        <a:pt x="1497979" y="2680892"/>
+                        <a:pt x="1371916" y="2636591"/>
+                        <a:pt x="1474032" y="2670629"/>
+                      </a:cubicBezTo>
+                      <a:cubicBezTo>
+                        <a:pt x="1488546" y="2680305"/>
+                        <a:pt x="1504173" y="2688491"/>
+                        <a:pt x="1517574" y="2699658"/>
+                      </a:cubicBezTo>
+                      <a:cubicBezTo>
+                        <a:pt x="1533343" y="2712799"/>
+                        <a:pt x="1543174" y="2733232"/>
+                        <a:pt x="1561117" y="2743200"/>
+                      </a:cubicBezTo>
+                      <a:cubicBezTo>
+                        <a:pt x="1590032" y="2759264"/>
+                        <a:pt x="1668777" y="2777372"/>
+                        <a:pt x="1706260" y="2786743"/>
+                      </a:cubicBezTo>
+                      <a:cubicBezTo>
+                        <a:pt x="1735289" y="2806095"/>
+                        <a:pt x="1760248" y="2833767"/>
+                        <a:pt x="1793346" y="2844800"/>
+                      </a:cubicBezTo>
+                      <a:lnTo>
+                        <a:pt x="1880432" y="2873829"/>
+                      </a:lnTo>
+                    </a:path>
+                  </a:pathLst>
+                </a:custGeom>
+                <a:noFill/>
+                <a:ln w="57150"/>
+              </p:spPr>
+              <p:style>
+                <a:lnRef idx="2">
+                  <a:schemeClr val="accent1">
+                    <a:shade val="50000"/>
+                  </a:schemeClr>
+                </a:lnRef>
+                <a:fillRef idx="1">
+                  <a:schemeClr val="accent1"/>
+                </a:fillRef>
+                <a:effectRef idx="0">
+                  <a:schemeClr val="accent1"/>
+                </a:effectRef>
+                <a:fontRef idx="minor">
+                  <a:schemeClr val="lt1"/>
+                </a:fontRef>
+              </p:style>
+              <p:txBody>
+                <a:bodyPr rtlCol="0" anchor="ctr"/>
+                <a:lstStyle/>
+                <a:p>
+                  <a:pPr algn="ctr"/>
+                  <a:endParaRPr lang="en-US"/>
+                </a:p>
+              </p:txBody>
+            </p:sp>
+            <p:cxnSp>
+              <p:nvCxnSpPr>
+                <p:cNvPr id="103" name="Straight Connector 102"/>
+                <p:cNvCxnSpPr>
+                  <a:stCxn id="101" idx="5"/>
+                </p:cNvCxnSpPr>
+                <p:nvPr/>
+              </p:nvCxnSpPr>
+              <p:spPr>
+                <a:xfrm>
+                  <a:off x="25327429" y="10987314"/>
+                  <a:ext cx="290285" cy="8075"/>
+                </a:xfrm>
+                <a:prstGeom prst="line">
+                  <a:avLst/>
+                </a:prstGeom>
+                <a:ln w="57150">
+                  <a:solidFill>
+                    <a:srgbClr val="C00000"/>
+                  </a:solidFill>
+                </a:ln>
+              </p:spPr>
+              <p:style>
+                <a:lnRef idx="1">
+                  <a:schemeClr val="accent1"/>
+                </a:lnRef>
+                <a:fillRef idx="0">
+                  <a:schemeClr val="accent1"/>
+                </a:fillRef>
+                <a:effectRef idx="0">
+                  <a:schemeClr val="accent1"/>
+                </a:effectRef>
+                <a:fontRef idx="minor">
+                  <a:schemeClr val="tx1"/>
+                </a:fontRef>
+              </p:style>
+            </p:cxnSp>
+            <p:sp>
+              <p:nvSpPr>
+                <p:cNvPr id="104" name="Oval 103"/>
+                <p:cNvSpPr/>
+                <p:nvPr/>
+              </p:nvSpPr>
+              <p:spPr>
+                <a:xfrm>
+                  <a:off x="25370971" y="9042399"/>
+                  <a:ext cx="337042" cy="230222"/>
+                </a:xfrm>
+                <a:prstGeom prst="ellipse">
+                  <a:avLst/>
+                </a:prstGeom>
+                <a:solidFill>
+                  <a:schemeClr val="accent2"/>
+                </a:solidFill>
+                <a:ln>
+                  <a:solidFill>
+                    <a:schemeClr val="accent2"/>
+                  </a:solidFill>
+                </a:ln>
+              </p:spPr>
+              <p:style>
+                <a:lnRef idx="2">
+                  <a:schemeClr val="accent1">
+                    <a:shade val="50000"/>
+                  </a:schemeClr>
+                </a:lnRef>
+                <a:fillRef idx="1">
+                  <a:schemeClr val="accent1"/>
+                </a:fillRef>
+                <a:effectRef idx="0">
+                  <a:schemeClr val="accent1"/>
+                </a:effectRef>
+                <a:fontRef idx="minor">
+                  <a:schemeClr val="lt1"/>
+                </a:fontRef>
+              </p:style>
+              <p:txBody>
+                <a:bodyPr rtlCol="0" anchor="ctr"/>
+                <a:lstStyle/>
+                <a:p>
+                  <a:pPr algn="ctr"/>
+                  <a:endParaRPr lang="en-US"/>
+                </a:p>
+              </p:txBody>
+            </p:sp>
+          </p:grpSp>
+          <p:grpSp>
+            <p:nvGrpSpPr>
+              <p:cNvPr id="109" name="Group 108"/>
+              <p:cNvGrpSpPr/>
+              <p:nvPr/>
+            </p:nvGrpSpPr>
+            <p:grpSpPr>
+              <a:xfrm>
+                <a:off x="20112013" y="12961882"/>
+                <a:ext cx="4949372" cy="1395374"/>
+                <a:chOff x="20087771" y="11829143"/>
+                <a:chExt cx="4949372" cy="1395374"/>
+              </a:xfrm>
+            </p:grpSpPr>
+            <p:sp>
+              <p:nvSpPr>
+                <p:cNvPr id="107" name="Freeform 106"/>
+                <p:cNvSpPr/>
+                <p:nvPr/>
+              </p:nvSpPr>
+              <p:spPr>
+                <a:xfrm>
+                  <a:off x="20087771" y="11829143"/>
+                  <a:ext cx="4949372" cy="1395374"/>
+                </a:xfrm>
+                <a:custGeom>
+                  <a:avLst/>
+                  <a:gdLst>
+                    <a:gd name="connsiteX0" fmla="*/ 0 w 4949372"/>
+                    <a:gd name="connsiteY0" fmla="*/ 928914 h 1395374"/>
+                    <a:gd name="connsiteX1" fmla="*/ 827315 w 4949372"/>
+                    <a:gd name="connsiteY1" fmla="*/ 928914 h 1395374"/>
+                    <a:gd name="connsiteX2" fmla="*/ 899886 w 4949372"/>
+                    <a:gd name="connsiteY2" fmla="*/ 899886 h 1395374"/>
+                    <a:gd name="connsiteX3" fmla="*/ 972458 w 4949372"/>
+                    <a:gd name="connsiteY3" fmla="*/ 798286 h 1395374"/>
+                    <a:gd name="connsiteX4" fmla="*/ 986972 w 4949372"/>
+                    <a:gd name="connsiteY4" fmla="*/ 754743 h 1395374"/>
+                    <a:gd name="connsiteX5" fmla="*/ 1016000 w 4949372"/>
+                    <a:gd name="connsiteY5" fmla="*/ 696686 h 1395374"/>
+                    <a:gd name="connsiteX6" fmla="*/ 1045029 w 4949372"/>
+                    <a:gd name="connsiteY6" fmla="*/ 609600 h 1395374"/>
+                    <a:gd name="connsiteX7" fmla="*/ 1088572 w 4949372"/>
+                    <a:gd name="connsiteY7" fmla="*/ 551543 h 1395374"/>
+                    <a:gd name="connsiteX8" fmla="*/ 1146629 w 4949372"/>
+                    <a:gd name="connsiteY8" fmla="*/ 464457 h 1395374"/>
+                    <a:gd name="connsiteX9" fmla="*/ 1204686 w 4949372"/>
+                    <a:gd name="connsiteY9" fmla="*/ 362857 h 1395374"/>
+                    <a:gd name="connsiteX10" fmla="*/ 1219200 w 4949372"/>
+                    <a:gd name="connsiteY10" fmla="*/ 319314 h 1395374"/>
+                    <a:gd name="connsiteX11" fmla="*/ 1262743 w 4949372"/>
+                    <a:gd name="connsiteY11" fmla="*/ 246743 h 1395374"/>
+                    <a:gd name="connsiteX12" fmla="*/ 1291772 w 4949372"/>
+                    <a:gd name="connsiteY12" fmla="*/ 188686 h 1395374"/>
+                    <a:gd name="connsiteX13" fmla="*/ 1335315 w 4949372"/>
+                    <a:gd name="connsiteY13" fmla="*/ 145143 h 1395374"/>
+                    <a:gd name="connsiteX14" fmla="*/ 1364343 w 4949372"/>
+                    <a:gd name="connsiteY14" fmla="*/ 101600 h 1395374"/>
+                    <a:gd name="connsiteX15" fmla="*/ 1451429 w 4949372"/>
+                    <a:gd name="connsiteY15" fmla="*/ 58057 h 1395374"/>
+                    <a:gd name="connsiteX16" fmla="*/ 1509486 w 4949372"/>
+                    <a:gd name="connsiteY16" fmla="*/ 29028 h 1395374"/>
+                    <a:gd name="connsiteX17" fmla="*/ 1640115 w 4949372"/>
+                    <a:gd name="connsiteY17" fmla="*/ 0 h 1395374"/>
+                    <a:gd name="connsiteX18" fmla="*/ 1828800 w 4949372"/>
+                    <a:gd name="connsiteY18" fmla="*/ 14514 h 1395374"/>
+                    <a:gd name="connsiteX19" fmla="*/ 1872343 w 4949372"/>
+                    <a:gd name="connsiteY19" fmla="*/ 29028 h 1395374"/>
+                    <a:gd name="connsiteX20" fmla="*/ 1959429 w 4949372"/>
+                    <a:gd name="connsiteY20" fmla="*/ 87086 h 1395374"/>
+                    <a:gd name="connsiteX21" fmla="*/ 2046515 w 4949372"/>
+                    <a:gd name="connsiteY21" fmla="*/ 217714 h 1395374"/>
+                    <a:gd name="connsiteX22" fmla="*/ 2090058 w 4949372"/>
+                    <a:gd name="connsiteY22" fmla="*/ 261257 h 1395374"/>
+                    <a:gd name="connsiteX23" fmla="*/ 2119086 w 4949372"/>
+                    <a:gd name="connsiteY23" fmla="*/ 319314 h 1395374"/>
+                    <a:gd name="connsiteX24" fmla="*/ 2162629 w 4949372"/>
+                    <a:gd name="connsiteY24" fmla="*/ 377371 h 1395374"/>
+                    <a:gd name="connsiteX25" fmla="*/ 2191658 w 4949372"/>
+                    <a:gd name="connsiteY25" fmla="*/ 420914 h 1395374"/>
+                    <a:gd name="connsiteX26" fmla="*/ 2220686 w 4949372"/>
+                    <a:gd name="connsiteY26" fmla="*/ 522514 h 1395374"/>
+                    <a:gd name="connsiteX27" fmla="*/ 2249715 w 4949372"/>
+                    <a:gd name="connsiteY27" fmla="*/ 609600 h 1395374"/>
+                    <a:gd name="connsiteX28" fmla="*/ 2264229 w 4949372"/>
+                    <a:gd name="connsiteY28" fmla="*/ 653143 h 1395374"/>
+                    <a:gd name="connsiteX29" fmla="*/ 2322286 w 4949372"/>
+                    <a:gd name="connsiteY29" fmla="*/ 798286 h 1395374"/>
+                    <a:gd name="connsiteX30" fmla="*/ 2380343 w 4949372"/>
+                    <a:gd name="connsiteY30" fmla="*/ 841828 h 1395374"/>
+                    <a:gd name="connsiteX31" fmla="*/ 2409372 w 4949372"/>
+                    <a:gd name="connsiteY31" fmla="*/ 885371 h 1395374"/>
+                    <a:gd name="connsiteX32" fmla="*/ 2452915 w 4949372"/>
+                    <a:gd name="connsiteY32" fmla="*/ 899886 h 1395374"/>
+                    <a:gd name="connsiteX33" fmla="*/ 2525486 w 4949372"/>
+                    <a:gd name="connsiteY33" fmla="*/ 914400 h 1395374"/>
+                    <a:gd name="connsiteX34" fmla="*/ 2583543 w 4949372"/>
+                    <a:gd name="connsiteY34" fmla="*/ 928914 h 1395374"/>
+                    <a:gd name="connsiteX35" fmla="*/ 3265715 w 4949372"/>
+                    <a:gd name="connsiteY35" fmla="*/ 928914 h 1395374"/>
+                    <a:gd name="connsiteX36" fmla="*/ 3396343 w 4949372"/>
+                    <a:gd name="connsiteY36" fmla="*/ 986971 h 1395374"/>
+                    <a:gd name="connsiteX37" fmla="*/ 3643086 w 4949372"/>
+                    <a:gd name="connsiteY37" fmla="*/ 1030514 h 1395374"/>
+                    <a:gd name="connsiteX38" fmla="*/ 3730172 w 4949372"/>
+                    <a:gd name="connsiteY38" fmla="*/ 1074057 h 1395374"/>
+                    <a:gd name="connsiteX39" fmla="*/ 3773715 w 4949372"/>
+                    <a:gd name="connsiteY39" fmla="*/ 1103086 h 1395374"/>
+                    <a:gd name="connsiteX40" fmla="*/ 3846286 w 4949372"/>
+                    <a:gd name="connsiteY40" fmla="*/ 1204686 h 1395374"/>
+                    <a:gd name="connsiteX41" fmla="*/ 3889829 w 4949372"/>
+                    <a:gd name="connsiteY41" fmla="*/ 1219200 h 1395374"/>
+                    <a:gd name="connsiteX42" fmla="*/ 3947886 w 4949372"/>
+                    <a:gd name="connsiteY42" fmla="*/ 1262743 h 1395374"/>
+                    <a:gd name="connsiteX43" fmla="*/ 4078515 w 4949372"/>
+                    <a:gd name="connsiteY43" fmla="*/ 1277257 h 1395374"/>
+                    <a:gd name="connsiteX44" fmla="*/ 4122058 w 4949372"/>
+                    <a:gd name="connsiteY44" fmla="*/ 1291771 h 1395374"/>
+                    <a:gd name="connsiteX45" fmla="*/ 4194629 w 4949372"/>
+                    <a:gd name="connsiteY45" fmla="*/ 1320800 h 1395374"/>
+                    <a:gd name="connsiteX46" fmla="*/ 4310743 w 4949372"/>
+                    <a:gd name="connsiteY46" fmla="*/ 1378857 h 1395374"/>
+                    <a:gd name="connsiteX47" fmla="*/ 4354286 w 4949372"/>
+                    <a:gd name="connsiteY47" fmla="*/ 1393371 h 1395374"/>
+                    <a:gd name="connsiteX48" fmla="*/ 4949372 w 4949372"/>
+                    <a:gd name="connsiteY48" fmla="*/ 1393371 h 1395374"/>
+                  </a:gdLst>
+                  <a:ahLst/>
+                  <a:cxnLst>
+                    <a:cxn ang="0">
+                      <a:pos x="connsiteX0" y="connsiteY0"/>
+                    </a:cxn>
+                    <a:cxn ang="0">
+                      <a:pos x="connsiteX1" y="connsiteY1"/>
+                    </a:cxn>
+                    <a:cxn ang="0">
+                      <a:pos x="connsiteX2" y="connsiteY2"/>
+                    </a:cxn>
+                    <a:cxn ang="0">
+                      <a:pos x="connsiteX3" y="connsiteY3"/>
+                    </a:cxn>
+                    <a:cxn ang="0">
+                      <a:pos x="connsiteX4" y="connsiteY4"/>
+                    </a:cxn>
+                    <a:cxn ang="0">
+                      <a:pos x="connsiteX5" y="connsiteY5"/>
+                    </a:cxn>
+                    <a:cxn ang="0">
+                      <a:pos x="connsiteX6" y="connsiteY6"/>
+                    </a:cxn>
+                    <a:cxn ang="0">
+                      <a:pos x="connsiteX7" y="connsiteY7"/>
+                    </a:cxn>
+                    <a:cxn ang="0">
+                      <a:pos x="connsiteX8" y="connsiteY8"/>
+                    </a:cxn>
+                    <a:cxn ang="0">
+                      <a:pos x="connsiteX9" y="connsiteY9"/>
+                    </a:cxn>
+                    <a:cxn ang="0">
+                      <a:pos x="connsiteX10" y="connsiteY10"/>
+                    </a:cxn>
+                    <a:cxn ang="0">
+                      <a:pos x="connsiteX11" y="connsiteY11"/>
+                    </a:cxn>
+                    <a:cxn ang="0">
+                      <a:pos x="connsiteX12" y="connsiteY12"/>
+                    </a:cxn>
+                    <a:cxn ang="0">
+                      <a:pos x="connsiteX13" y="connsiteY13"/>
+                    </a:cxn>
+                    <a:cxn ang="0">
+                      <a:pos x="connsiteX14" y="connsiteY14"/>
+                    </a:cxn>
+                    <a:cxn ang="0">
+                      <a:pos x="connsiteX15" y="connsiteY15"/>
+                    </a:cxn>
+                    <a:cxn ang="0">
+                      <a:pos x="connsiteX16" y="connsiteY16"/>
+                    </a:cxn>
+                    <a:cxn ang="0">
+                      <a:pos x="connsiteX17" y="connsiteY17"/>
+                    </a:cxn>
+                    <a:cxn ang="0">
+                      <a:pos x="connsiteX18" y="connsiteY18"/>
+                    </a:cxn>
+                    <a:cxn ang="0">
+                      <a:pos x="connsiteX19" y="connsiteY19"/>
+                    </a:cxn>
+                    <a:cxn ang="0">
+                      <a:pos x="connsiteX20" y="connsiteY20"/>
+                    </a:cxn>
+                    <a:cxn ang="0">
+                      <a:pos x="connsiteX21" y="connsiteY21"/>
+                    </a:cxn>
+                    <a:cxn ang="0">
+                      <a:pos x="connsiteX22" y="connsiteY22"/>
+                    </a:cxn>
+                    <a:cxn ang="0">
+                      <a:pos x="connsiteX23" y="connsiteY23"/>
+                    </a:cxn>
+                    <a:cxn ang="0">
+                      <a:pos x="connsiteX24" y="connsiteY24"/>
+                    </a:cxn>
+                    <a:cxn ang="0">
+                      <a:pos x="connsiteX25" y="connsiteY25"/>
+                    </a:cxn>
+                    <a:cxn ang="0">
+                      <a:pos x="connsiteX26" y="connsiteY26"/>
+                    </a:cxn>
+                    <a:cxn ang="0">
+                      <a:pos x="connsiteX27" y="connsiteY27"/>
+                    </a:cxn>
+                    <a:cxn ang="0">
+                      <a:pos x="connsiteX28" y="connsiteY28"/>
+                    </a:cxn>
+                    <a:cxn ang="0">
+                      <a:pos x="connsiteX29" y="connsiteY29"/>
+                    </a:cxn>
+                    <a:cxn ang="0">
+                      <a:pos x="connsiteX30" y="connsiteY30"/>
+                    </a:cxn>
+                    <a:cxn ang="0">
+                      <a:pos x="connsiteX31" y="connsiteY31"/>
+                    </a:cxn>
+                    <a:cxn ang="0">
+                      <a:pos x="connsiteX32" y="connsiteY32"/>
+                    </a:cxn>
+                    <a:cxn ang="0">
+                      <a:pos x="connsiteX33" y="connsiteY33"/>
+                    </a:cxn>
+                    <a:cxn ang="0">
+                      <a:pos x="connsiteX34" y="connsiteY34"/>
+                    </a:cxn>
+                    <a:cxn ang="0">
+                      <a:pos x="connsiteX35" y="connsiteY35"/>
+                    </a:cxn>
+                    <a:cxn ang="0">
+                      <a:pos x="connsiteX36" y="connsiteY36"/>
+                    </a:cxn>
+                    <a:cxn ang="0">
+                      <a:pos x="connsiteX37" y="connsiteY37"/>
+                    </a:cxn>
+                    <a:cxn ang="0">
+                      <a:pos x="connsiteX38" y="connsiteY38"/>
+                    </a:cxn>
+                    <a:cxn ang="0">
+                      <a:pos x="connsiteX39" y="connsiteY39"/>
+                    </a:cxn>
+                    <a:cxn ang="0">
+                      <a:pos x="connsiteX40" y="connsiteY40"/>
+                    </a:cxn>
+                    <a:cxn ang="0">
+                      <a:pos x="connsiteX41" y="connsiteY41"/>
+                    </a:cxn>
+                    <a:cxn ang="0">
+                      <a:pos x="connsiteX42" y="connsiteY42"/>
+                    </a:cxn>
+                    <a:cxn ang="0">
+                      <a:pos x="connsiteX43" y="connsiteY43"/>
+                    </a:cxn>
+                    <a:cxn ang="0">
+                      <a:pos x="connsiteX44" y="connsiteY44"/>
+                    </a:cxn>
+                    <a:cxn ang="0">
+                      <a:pos x="connsiteX45" y="connsiteY45"/>
+                    </a:cxn>
+                    <a:cxn ang="0">
+                      <a:pos x="connsiteX46" y="connsiteY46"/>
+                    </a:cxn>
+                    <a:cxn ang="0">
+                      <a:pos x="connsiteX47" y="connsiteY47"/>
+                    </a:cxn>
+                    <a:cxn ang="0">
+                      <a:pos x="connsiteX48" y="connsiteY48"/>
+                    </a:cxn>
+                  </a:cxnLst>
+                  <a:rect l="l" t="t" r="r" b="b"/>
+                  <a:pathLst>
+                    <a:path w="4949372" h="1395374">
+                      <a:moveTo>
+                        <a:pt x="0" y="928914"/>
+                      </a:moveTo>
+                      <a:cubicBezTo>
+                        <a:pt x="344596" y="953528"/>
+                        <a:pt x="338085" y="959490"/>
+                        <a:pt x="827315" y="928914"/>
+                      </a:cubicBezTo>
+                      <a:cubicBezTo>
+                        <a:pt x="853318" y="927289"/>
+                        <a:pt x="875696" y="909562"/>
+                        <a:pt x="899886" y="899886"/>
+                      </a:cubicBezTo>
+                      <a:cubicBezTo>
+                        <a:pt x="909741" y="886746"/>
+                        <a:pt x="961850" y="819502"/>
+                        <a:pt x="972458" y="798286"/>
+                      </a:cubicBezTo>
+                      <a:cubicBezTo>
+                        <a:pt x="979300" y="784602"/>
+                        <a:pt x="980945" y="768805"/>
+                        <a:pt x="986972" y="754743"/>
+                      </a:cubicBezTo>
+                      <a:cubicBezTo>
+                        <a:pt x="995495" y="734856"/>
+                        <a:pt x="1007964" y="716775"/>
+                        <a:pt x="1016000" y="696686"/>
+                      </a:cubicBezTo>
+                      <a:cubicBezTo>
+                        <a:pt x="1027364" y="668276"/>
+                        <a:pt x="1026670" y="634079"/>
+                        <a:pt x="1045029" y="609600"/>
+                      </a:cubicBezTo>
+                      <a:cubicBezTo>
+                        <a:pt x="1059543" y="590248"/>
+                        <a:pt x="1074700" y="571361"/>
+                        <a:pt x="1088572" y="551543"/>
+                      </a:cubicBezTo>
+                      <a:cubicBezTo>
+                        <a:pt x="1108579" y="522962"/>
+                        <a:pt x="1146629" y="464457"/>
+                        <a:pt x="1146629" y="464457"/>
+                      </a:cubicBezTo>
+                      <a:cubicBezTo>
+                        <a:pt x="1179907" y="364620"/>
+                        <a:pt x="1134389" y="485876"/>
+                        <a:pt x="1204686" y="362857"/>
+                      </a:cubicBezTo>
+                      <a:cubicBezTo>
+                        <a:pt x="1212277" y="349573"/>
+                        <a:pt x="1212358" y="332998"/>
+                        <a:pt x="1219200" y="319314"/>
+                      </a:cubicBezTo>
+                      <a:cubicBezTo>
+                        <a:pt x="1231816" y="294082"/>
+                        <a:pt x="1249043" y="271403"/>
+                        <a:pt x="1262743" y="246743"/>
+                      </a:cubicBezTo>
+                      <a:cubicBezTo>
+                        <a:pt x="1273251" y="227829"/>
+                        <a:pt x="1279196" y="206292"/>
+                        <a:pt x="1291772" y="188686"/>
+                      </a:cubicBezTo>
+                      <a:cubicBezTo>
+                        <a:pt x="1303703" y="171983"/>
+                        <a:pt x="1322174" y="160912"/>
+                        <a:pt x="1335315" y="145143"/>
+                      </a:cubicBezTo>
+                      <a:cubicBezTo>
+                        <a:pt x="1346482" y="131742"/>
+                        <a:pt x="1352008" y="113935"/>
+                        <a:pt x="1364343" y="101600"/>
+                      </a:cubicBezTo>
+                      <a:cubicBezTo>
+                        <a:pt x="1399210" y="66732"/>
+                        <a:pt x="1410111" y="75765"/>
+                        <a:pt x="1451429" y="58057"/>
+                      </a:cubicBezTo>
+                      <a:cubicBezTo>
+                        <a:pt x="1471316" y="49534"/>
+                        <a:pt x="1489227" y="36625"/>
+                        <a:pt x="1509486" y="29028"/>
+                      </a:cubicBezTo>
+                      <a:cubicBezTo>
+                        <a:pt x="1532911" y="20243"/>
+                        <a:pt x="1620410" y="3941"/>
+                        <a:pt x="1640115" y="0"/>
+                      </a:cubicBezTo>
+                      <a:cubicBezTo>
+                        <a:pt x="1703010" y="4838"/>
+                        <a:pt x="1766206" y="6690"/>
+                        <a:pt x="1828800" y="14514"/>
+                      </a:cubicBezTo>
+                      <a:cubicBezTo>
+                        <a:pt x="1843981" y="16412"/>
+                        <a:pt x="1860396" y="19471"/>
+                        <a:pt x="1872343" y="29028"/>
+                      </a:cubicBezTo>
+                      <a:cubicBezTo>
+                        <a:pt x="1963468" y="101927"/>
+                        <a:pt x="1826094" y="53750"/>
+                        <a:pt x="1959429" y="87086"/>
+                      </a:cubicBezTo>
+                      <a:cubicBezTo>
+                        <a:pt x="1991912" y="141223"/>
+                        <a:pt x="2006202" y="170682"/>
+                        <a:pt x="2046515" y="217714"/>
+                      </a:cubicBezTo>
+                      <a:cubicBezTo>
+                        <a:pt x="2059873" y="233299"/>
+                        <a:pt x="2075544" y="246743"/>
+                        <a:pt x="2090058" y="261257"/>
+                      </a:cubicBezTo>
+                      <a:cubicBezTo>
+                        <a:pt x="2099734" y="280609"/>
+                        <a:pt x="2107619" y="300966"/>
+                        <a:pt x="2119086" y="319314"/>
+                      </a:cubicBezTo>
+                      <a:cubicBezTo>
+                        <a:pt x="2131907" y="339827"/>
+                        <a:pt x="2148569" y="357686"/>
+                        <a:pt x="2162629" y="377371"/>
+                      </a:cubicBezTo>
+                      <a:cubicBezTo>
+                        <a:pt x="2172768" y="391566"/>
+                        <a:pt x="2181982" y="406400"/>
+                        <a:pt x="2191658" y="420914"/>
+                      </a:cubicBezTo>
+                      <a:cubicBezTo>
+                        <a:pt x="2240445" y="567278"/>
+                        <a:pt x="2166000" y="340227"/>
+                        <a:pt x="2220686" y="522514"/>
+                      </a:cubicBezTo>
+                      <a:cubicBezTo>
+                        <a:pt x="2229479" y="551822"/>
+                        <a:pt x="2240039" y="580571"/>
+                        <a:pt x="2249715" y="609600"/>
+                      </a:cubicBezTo>
+                      <a:cubicBezTo>
+                        <a:pt x="2254553" y="624114"/>
+                        <a:pt x="2260518" y="638300"/>
+                        <a:pt x="2264229" y="653143"/>
+                      </a:cubicBezTo>
+                      <a:cubicBezTo>
+                        <a:pt x="2278129" y="708743"/>
+                        <a:pt x="2283628" y="748583"/>
+                        <a:pt x="2322286" y="798286"/>
+                      </a:cubicBezTo>
+                      <a:cubicBezTo>
+                        <a:pt x="2337137" y="817381"/>
+                        <a:pt x="2360991" y="827314"/>
+                        <a:pt x="2380343" y="841828"/>
+                      </a:cubicBezTo>
+                      <a:cubicBezTo>
+                        <a:pt x="2390019" y="856342"/>
+                        <a:pt x="2395750" y="874474"/>
+                        <a:pt x="2409372" y="885371"/>
+                      </a:cubicBezTo>
+                      <a:cubicBezTo>
+                        <a:pt x="2421319" y="894929"/>
+                        <a:pt x="2438072" y="896175"/>
+                        <a:pt x="2452915" y="899886"/>
+                      </a:cubicBezTo>
+                      <a:cubicBezTo>
+                        <a:pt x="2476848" y="905869"/>
+                        <a:pt x="2501404" y="909049"/>
+                        <a:pt x="2525486" y="914400"/>
+                      </a:cubicBezTo>
+                      <a:cubicBezTo>
+                        <a:pt x="2544959" y="918727"/>
+                        <a:pt x="2564191" y="924076"/>
+                        <a:pt x="2583543" y="928914"/>
+                      </a:cubicBezTo>
+                      <a:cubicBezTo>
+                        <a:pt x="2873008" y="908238"/>
+                        <a:pt x="2890721" y="900068"/>
+                        <a:pt x="3265715" y="928914"/>
+                      </a:cubicBezTo>
+                      <a:cubicBezTo>
+                        <a:pt x="3404588" y="939597"/>
+                        <a:pt x="3307251" y="954574"/>
+                        <a:pt x="3396343" y="986971"/>
+                      </a:cubicBezTo>
+                      <a:cubicBezTo>
+                        <a:pt x="3483585" y="1018695"/>
+                        <a:pt x="3551184" y="1020303"/>
+                        <a:pt x="3643086" y="1030514"/>
+                      </a:cubicBezTo>
+                      <a:cubicBezTo>
+                        <a:pt x="3767875" y="1113707"/>
+                        <a:pt x="3609988" y="1013965"/>
+                        <a:pt x="3730172" y="1074057"/>
+                      </a:cubicBezTo>
+                      <a:cubicBezTo>
+                        <a:pt x="3745774" y="1081858"/>
+                        <a:pt x="3759201" y="1093410"/>
+                        <a:pt x="3773715" y="1103086"/>
+                      </a:cubicBezTo>
+                      <a:cubicBezTo>
+                        <a:pt x="3792071" y="1158153"/>
+                        <a:pt x="3786021" y="1161639"/>
+                        <a:pt x="3846286" y="1204686"/>
+                      </a:cubicBezTo>
+                      <a:cubicBezTo>
+                        <a:pt x="3858736" y="1213579"/>
+                        <a:pt x="3875315" y="1214362"/>
+                        <a:pt x="3889829" y="1219200"/>
+                      </a:cubicBezTo>
+                      <a:cubicBezTo>
+                        <a:pt x="3909181" y="1233714"/>
+                        <a:pt x="3924765" y="1255629"/>
+                        <a:pt x="3947886" y="1262743"/>
+                      </a:cubicBezTo>
+                      <a:cubicBezTo>
+                        <a:pt x="3989760" y="1275627"/>
+                        <a:pt x="4035300" y="1270055"/>
+                        <a:pt x="4078515" y="1277257"/>
+                      </a:cubicBezTo>
+                      <a:cubicBezTo>
+                        <a:pt x="4093606" y="1279772"/>
+                        <a:pt x="4107733" y="1286399"/>
+                        <a:pt x="4122058" y="1291771"/>
+                      </a:cubicBezTo>
+                      <a:cubicBezTo>
+                        <a:pt x="4146453" y="1300919"/>
+                        <a:pt x="4170973" y="1309882"/>
+                        <a:pt x="4194629" y="1320800"/>
+                      </a:cubicBezTo>
+                      <a:cubicBezTo>
+                        <a:pt x="4233919" y="1338934"/>
+                        <a:pt x="4269690" y="1365173"/>
+                        <a:pt x="4310743" y="1378857"/>
+                      </a:cubicBezTo>
+                      <a:cubicBezTo>
+                        <a:pt x="4325257" y="1383695"/>
+                        <a:pt x="4338991" y="1393023"/>
+                        <a:pt x="4354286" y="1393371"/>
+                      </a:cubicBezTo>
+                      <a:cubicBezTo>
+                        <a:pt x="4552597" y="1397878"/>
+                        <a:pt x="4751010" y="1393371"/>
+                        <a:pt x="4949372" y="1393371"/>
+                      </a:cubicBezTo>
+                    </a:path>
+                  </a:pathLst>
+                </a:custGeom>
+                <a:noFill/>
+                <a:ln w="57150"/>
+              </p:spPr>
+              <p:style>
+                <a:lnRef idx="2">
+                  <a:schemeClr val="accent1">
+                    <a:shade val="50000"/>
+                  </a:schemeClr>
+                </a:lnRef>
+                <a:fillRef idx="1">
+                  <a:schemeClr val="accent1"/>
+                </a:fillRef>
+                <a:effectRef idx="0">
+                  <a:schemeClr val="accent1"/>
+                </a:effectRef>
+                <a:fontRef idx="minor">
+                  <a:schemeClr val="lt1"/>
+                </a:fontRef>
+              </p:style>
+              <p:txBody>
+                <a:bodyPr rtlCol="0" anchor="ctr"/>
+                <a:lstStyle/>
+                <a:p>
+                  <a:pPr algn="ctr"/>
+                  <a:endParaRPr lang="en-US"/>
+                </a:p>
+              </p:txBody>
+            </p:sp>
+            <p:sp>
+              <p:nvSpPr>
+                <p:cNvPr id="108" name="Oval 107"/>
+                <p:cNvSpPr/>
+                <p:nvPr/>
+              </p:nvSpPr>
+              <p:spPr>
+                <a:xfrm>
+                  <a:off x="22257657" y="12526830"/>
+                  <a:ext cx="337042" cy="230222"/>
+                </a:xfrm>
+                <a:prstGeom prst="ellipse">
+                  <a:avLst/>
+                </a:prstGeom>
+                <a:solidFill>
+                  <a:schemeClr val="accent2"/>
+                </a:solidFill>
+                <a:ln>
+                  <a:solidFill>
+                    <a:schemeClr val="accent2"/>
+                  </a:solidFill>
+                </a:ln>
+              </p:spPr>
+              <p:style>
+                <a:lnRef idx="2">
+                  <a:schemeClr val="accent1">
+                    <a:shade val="50000"/>
+                  </a:schemeClr>
+                </a:lnRef>
+                <a:fillRef idx="1">
+                  <a:schemeClr val="accent1"/>
+                </a:fillRef>
+                <a:effectRef idx="0">
+                  <a:schemeClr val="accent1"/>
+                </a:effectRef>
+                <a:fontRef idx="minor">
+                  <a:schemeClr val="lt1"/>
+                </a:fontRef>
+              </p:style>
+              <p:txBody>
+                <a:bodyPr rtlCol="0" anchor="ctr"/>
+                <a:lstStyle/>
+                <a:p>
+                  <a:pPr algn="ctr"/>
+                  <a:endParaRPr lang="en-US"/>
+                </a:p>
+              </p:txBody>
+            </p:sp>
+          </p:grpSp>
+          <p:sp>
+            <p:nvSpPr>
+              <p:cNvPr id="110" name="TextBox 109"/>
+              <p:cNvSpPr txBox="1"/>
+              <p:nvPr/>
+            </p:nvSpPr>
+            <p:spPr>
+              <a:xfrm>
+                <a:off x="16438289" y="3240270"/>
+                <a:ext cx="5843608" cy="2266513"/>
+              </a:xfrm>
+              <a:prstGeom prst="rect">
+                <a:avLst/>
+              </a:prstGeom>
+              <a:noFill/>
+            </p:spPr>
+            <p:txBody>
+              <a:bodyPr wrap="square" rtlCol="0">
+                <a:spAutoFit/>
+              </a:bodyPr>
+              <a:lstStyle/>
+              <a:p>
+                <a:r>
+                  <a:rPr lang="en-US" sz="2400" b="1" dirty="0" smtClean="0"/>
+                  <a:t>1. </a:t>
+                </a:r>
+                <a:r>
+                  <a:rPr lang="en-US" sz="2000" dirty="0" smtClean="0"/>
+                  <a:t>Cross-linking the polymer</a:t>
+                </a:r>
+                <a:br>
+                  <a:rPr lang="en-US" sz="2000" dirty="0" smtClean="0"/>
+                </a:br>
+                <a:r>
+                  <a:rPr lang="en-US" sz="2000" dirty="0" smtClean="0"/>
+                  <a:t>      using  formaldehyde</a:t>
+                </a:r>
+                <a:endParaRPr lang="en-US" sz="2000" dirty="0"/>
+              </a:p>
+            </p:txBody>
+          </p:sp>
+          <p:sp>
+            <p:nvSpPr>
+              <p:cNvPr id="113" name="TextBox 112"/>
+              <p:cNvSpPr txBox="1"/>
+              <p:nvPr/>
+            </p:nvSpPr>
+            <p:spPr>
+              <a:xfrm>
+                <a:off x="17616725" y="11763491"/>
+                <a:ext cx="9725804" cy="680289"/>
+              </a:xfrm>
+              <a:prstGeom prst="rect">
+                <a:avLst/>
+              </a:prstGeom>
+              <a:noFill/>
+            </p:spPr>
+            <p:txBody>
+              <a:bodyPr wrap="square" rtlCol="0">
+                <a:spAutoFit/>
+              </a:bodyPr>
+              <a:lstStyle/>
+              <a:p>
+                <a:r>
+                  <a:rPr lang="en-US" sz="2400" b="1" dirty="0" smtClean="0"/>
+                  <a:t>4. </a:t>
+                </a:r>
+                <a:r>
+                  <a:rPr lang="en-US" sz="2000" dirty="0" smtClean="0"/>
+                  <a:t>Reverse cross-linking, and PCR</a:t>
+                </a:r>
+                <a:endParaRPr lang="en-US" sz="2000" dirty="0"/>
+              </a:p>
+            </p:txBody>
+          </p:sp>
+        </p:grpSp>
+      </p:grpSp>
+      <p:sp>
+        <p:nvSpPr>
+          <p:cNvPr id="128" name="TextBox 127"/>
+          <p:cNvSpPr txBox="1"/>
+          <p:nvPr/>
+        </p:nvSpPr>
+        <p:spPr>
+          <a:xfrm>
+            <a:off x="539749" y="12433370"/>
+            <a:ext cx="4088743" cy="584775"/>
+          </a:xfrm>
+          <a:prstGeom prst="rect">
+            <a:avLst/>
+          </a:prstGeom>
+          <a:noFill/>
+        </p:spPr>
+        <p:txBody>
+          <a:bodyPr wrap="square" rtlCol="0">
+            <a:spAutoFit/>
+          </a:bodyPr>
+          <a:lstStyle/>
+          <a:p>
+            <a:r>
+              <a:rPr lang="en-US" sz="3200" dirty="0" smtClean="0"/>
+              <a:t>Figure 1</a:t>
+            </a:r>
+            <a:endParaRPr lang="en-US" sz="3200" dirty="0"/>
+          </a:p>
+        </p:txBody>
+      </p:sp>
+      <p:sp>
+        <p:nvSpPr>
+          <p:cNvPr id="129" name="TextBox 128"/>
+          <p:cNvSpPr txBox="1"/>
+          <p:nvPr/>
+        </p:nvSpPr>
+        <p:spPr>
+          <a:xfrm>
+            <a:off x="328411" y="13145123"/>
+            <a:ext cx="235612" cy="927818"/>
+          </a:xfrm>
+          <a:prstGeom prst="rect">
+            <a:avLst/>
+          </a:prstGeom>
+          <a:noFill/>
+        </p:spPr>
+        <p:txBody>
+          <a:bodyPr wrap="square" rtlCol="0">
+            <a:spAutoFit/>
+          </a:bodyPr>
+          <a:lstStyle/>
+          <a:p>
+            <a:r>
+              <a:rPr lang="en-US" dirty="0" smtClean="0"/>
+              <a:t>A</a:t>
+            </a:r>
+            <a:endParaRPr lang="en-US" dirty="0"/>
+          </a:p>
+        </p:txBody>
+      </p:sp>
+      <p:sp>
+        <p:nvSpPr>
+          <p:cNvPr id="130" name="TextBox 129"/>
+          <p:cNvSpPr txBox="1"/>
+          <p:nvPr/>
+        </p:nvSpPr>
+        <p:spPr>
+          <a:xfrm>
+            <a:off x="332420" y="16611750"/>
+            <a:ext cx="538191" cy="927818"/>
+          </a:xfrm>
+          <a:prstGeom prst="rect">
+            <a:avLst/>
+          </a:prstGeom>
+          <a:noFill/>
+        </p:spPr>
+        <p:txBody>
+          <a:bodyPr wrap="square" rtlCol="0">
+            <a:spAutoFit/>
+          </a:bodyPr>
+          <a:lstStyle/>
+          <a:p>
+            <a:r>
+              <a:rPr lang="en-US" dirty="0" smtClean="0"/>
+              <a:t>B</a:t>
+            </a:r>
+            <a:endParaRPr lang="en-US" dirty="0"/>
+          </a:p>
+        </p:txBody>
+      </p:sp>
+      <p:pic>
+        <p:nvPicPr>
+          <p:cNvPr id="131" name="Picture 130"/>
+          <p:cNvPicPr>
+            <a:picLocks noChangeAspect="1"/>
+          </p:cNvPicPr>
+          <p:nvPr/>
+        </p:nvPicPr>
+        <p:blipFill>
+          <a:blip r:embed="rId6" cstate="print">
+            <a:extLst>
+              <a:ext uri="{28A0092B-C50C-407E-A947-70E740481C1C}">
+                <a14:useLocalDpi xmlns:a14="http://schemas.microsoft.com/office/drawing/2010/main" val="0"/>
+              </a:ext>
+            </a:extLst>
+          </a:blip>
+          <a:stretch>
+            <a:fillRect/>
+          </a:stretch>
+        </p:blipFill>
+        <p:spPr>
+          <a:xfrm>
+            <a:off x="15569583" y="16301104"/>
+            <a:ext cx="6376017" cy="3648687"/>
+          </a:xfrm>
+          <a:prstGeom prst="rect">
+            <a:avLst/>
+          </a:prstGeom>
+        </p:spPr>
+      </p:pic>
     </p:spTree>
     <p:extLst>
       <p:ext uri="{BB962C8B-B14F-4D97-AF65-F5344CB8AC3E}">

--- a/Documents/epigenetic workshop/Poster.pptx
+++ b/Documents/epigenetic workshop/Poster.pptx
@@ -3369,8 +3369,8 @@
           </a:p>
         </p:txBody>
       </p:sp>
-      <mc:AlternateContent xmlns:mc="http://schemas.openxmlformats.org/markup-compatibility/2006">
-        <mc:Choice xmlns:a14="http://schemas.microsoft.com/office/drawing/2010/main" Requires="a14">
+      <mc:AlternateContent xmlns:mc="http://schemas.openxmlformats.org/markup-compatibility/2006" xmlns:a14="http://schemas.microsoft.com/office/drawing/2010/main">
+        <mc:Choice Requires="a14">
           <p:sp>
             <p:nvSpPr>
               <p:cNvPr id="11" name="TextBox 10"/>
@@ -4965,6 +4965,7 @@
                 </a:r>
               </a:p>
               <a:p>
+                <a:pPr/>
                 <a14:m>
                   <m:oMathPara xmlns:m="http://schemas.openxmlformats.org/officeDocument/2006/math">
                     <m:oMathParaPr>
@@ -5503,33 +5504,14 @@
               <a:p>
                 <a:r>
                   <a:rPr lang="en-US" sz="2030" dirty="0" smtClean="0"/>
-                  <a:t>For a structure containing a </a:t>
-                </a:r>
-                <a:r>
-                  <a:rPr lang="en-US" sz="2030" dirty="0" smtClean="0"/>
-                  <a:t>loop and a chain (Figure 2C), </a:t>
-                </a:r>
-                <a:r>
-                  <a:rPr lang="en-US" sz="2030" dirty="0" smtClean="0"/>
-                  <a:t>the </a:t>
-                </a:r>
-                <a:r>
-                  <a:rPr lang="en-US" sz="2030" dirty="0" smtClean="0"/>
-                  <a:t>bead distance distribution for </a:t>
-                </a:r>
-                <a:r>
-                  <a:rPr lang="en-US" sz="2030" dirty="0" smtClean="0"/>
-                  <a:t>bead n and m is given by the addition of two normally distributed vectors, which results in a normal </a:t>
-                </a:r>
-                <a:r>
-                  <a:rPr lang="en-US" sz="2030" dirty="0" smtClean="0"/>
-                  <a:t>distribution by the convolution of the two pdfs of a chain and a ring.</a:t>
+                  <a:t>For a structure containing a loop and a chain (Figure 2C), the bead distance distribution for bead n and m is given by the addition of two normally distributed vectors, which results in a normal distribution by the convolution of the two pdfs of a chain and a ring.</a:t>
                 </a:r>
               </a:p>
               <a:p>
                 <a:endParaRPr lang="en-US" sz="2030" dirty="0"/>
               </a:p>
               <a:p>
+                <a:pPr/>
                 <a14:m>
                   <m:oMathPara xmlns:m="http://schemas.openxmlformats.org/officeDocument/2006/math">
                     <m:oMathParaPr>
@@ -5701,11 +5683,7 @@
                 </a:r>
                 <a:r>
                   <a:rPr lang="en-US" sz="2030" dirty="0" smtClean="0"/>
-                  <a:t> data display increase and decrease in encounter probability as a result of the looped structure of the chromosome. The description of the distance distribution in composite polymer structure by a normal distribution motivates the use  of the </a:t>
-                </a:r>
-                <a:r>
-                  <a:rPr lang="en-US" sz="2030" dirty="0" smtClean="0"/>
-                  <a:t>fundamental </a:t>
+                  <a:t> data display increase and decrease in encounter probability as a result of the looped structure of the chromosome. The description of the distance distribution in composite polymer structure by a normal distribution motivates the use  of the fundamental </a:t>
                 </a:r>
                 <a:r>
                   <a:rPr lang="en-US" sz="2030" dirty="0"/>
@@ -5713,11 +5691,7 @@
                 </a:r>
                 <a:r>
                   <a:rPr lang="en-US" sz="2030" dirty="0" smtClean="0"/>
-                  <a:t>equation for the  smoothing of the encounter curves. Encounter probability is thought of as the change of temperature over time, and variation in encounter probability </a:t>
-                </a:r>
-                <a:r>
-                  <a:rPr lang="en-US" sz="2030" dirty="0" smtClean="0"/>
-                  <a:t>is considered to be a result of turning on and off a heat source </a:t>
+                  <a:t>equation for the  smoothing of the encounter curves. Encounter probability is thought of as the change of temperature over time, and variation in encounter probability is considered to be a result of turning on and off a heat source </a:t>
                 </a:r>
                 <a14:m>
                   <m:oMath xmlns:m="http://schemas.openxmlformats.org/officeDocument/2006/math">
@@ -6352,7 +6326,7 @@
             </p:txBody>
           </p:sp>
         </mc:Choice>
-        <mc:Fallback>
+        <mc:Fallback xmlns="">
           <p:sp>
             <p:nvSpPr>
               <p:cNvPr id="11" name="TextBox 10"/>
@@ -10300,11 +10274,7 @@
                 </a:r>
                 <a:r>
                   <a:rPr lang="en-US" sz="2400" dirty="0"/>
-                  <a:t>signal for bead </a:t>
-                </a:r>
-                <a:r>
-                  <a:rPr lang="en-US" sz="2400" dirty="0"/>
-                  <a:t>i</a:t>
+                  <a:t>signal for bead i</a:t>
                 </a:r>
                 <a:r>
                   <a:rPr lang="en-US" sz="2400" dirty="0" smtClean="0"/>
@@ -10446,17 +10416,26 @@
                 </a:r>
               </a:p>
               <a:p>
+                <a:pPr/>
                 <a:r>
                   <a:rPr lang="en-US" sz="2400" dirty="0" smtClean="0"/>
                   <a:t>If the encounter probabilities between bead m and n is found to be higher than the nearest neighbor (NN) probability (Figure 5A), </a:t>
                 </a:r>
                 <a:r>
                   <a:rPr lang="en-US" sz="2400" dirty="0"/>
-                  <a:t>we assign a different spring constant between the beads. </a:t>
+                  <a:t>we assign </a:t>
+                </a:r>
+                <a:r>
+                  <a:rPr lang="en-US" sz="2400"/>
+                  <a:t>a </a:t>
+                </a:r>
+                <a:r>
+                  <a:rPr lang="en-US" sz="2400" smtClean="0"/>
+                  <a:t>higher spring </a:t>
                 </a:r>
                 <a:r>
                   <a:rPr lang="en-US" sz="2400" dirty="0"/>
-                  <a:t>First, we estimate the NN interaction for all beads </a:t>
+                  <a:t>constant between the beads. First, we estimate the NN interaction for all beads </a:t>
                 </a:r>
                 <a14:m>
                   <m:oMath xmlns:m="http://schemas.openxmlformats.org/officeDocument/2006/math">
@@ -10500,11 +10479,7 @@
                 </a14:m>
                 <a:r>
                   <a:rPr lang="en-US" sz="2400" dirty="0"/>
-                  <a:t>. </a:t>
-                </a:r>
-                <a:r>
-                  <a:rPr lang="en-US" sz="2400" dirty="0"/>
-                  <a:t>Empirically tested, we fit a lognormal distribution to the  NN encounter probability and use its expectation in the calculation of the </a:t>
+                  <a:t>. Empirically tested, we fit a lognormal distribution to the  NN encounter probability and use its expectation in the calculation of the </a:t>
                 </a:r>
                 <a:r>
                   <a:rPr lang="en-US" sz="2400" dirty="0" smtClean="0"/>

--- a/Documents/epigenetic workshop/Poster.pptx
+++ b/Documents/epigenetic workshop/Poster.pptx
@@ -243,7 +243,7 @@
           <a:p>
             <a:fld id="{00271780-4C30-459F-9B60-DDDABA3AB087}" type="datetimeFigureOut">
               <a:rPr lang="en-US" smtClean="0"/>
-              <a:t>3/11/2015</a:t>
+              <a:t>3/12/2015</a:t>
             </a:fld>
             <a:endParaRPr lang="en-US"/>
           </a:p>
@@ -413,7 +413,7 @@
           <a:p>
             <a:fld id="{00271780-4C30-459F-9B60-DDDABA3AB087}" type="datetimeFigureOut">
               <a:rPr lang="en-US" smtClean="0"/>
-              <a:t>3/11/2015</a:t>
+              <a:t>3/12/2015</a:t>
             </a:fld>
             <a:endParaRPr lang="en-US"/>
           </a:p>
@@ -593,7 +593,7 @@
           <a:p>
             <a:fld id="{00271780-4C30-459F-9B60-DDDABA3AB087}" type="datetimeFigureOut">
               <a:rPr lang="en-US" smtClean="0"/>
-              <a:t>3/11/2015</a:t>
+              <a:t>3/12/2015</a:t>
             </a:fld>
             <a:endParaRPr lang="en-US"/>
           </a:p>
@@ -763,7 +763,7 @@
           <a:p>
             <a:fld id="{00271780-4C30-459F-9B60-DDDABA3AB087}" type="datetimeFigureOut">
               <a:rPr lang="en-US" smtClean="0"/>
-              <a:t>3/11/2015</a:t>
+              <a:t>3/12/2015</a:t>
             </a:fld>
             <a:endParaRPr lang="en-US"/>
           </a:p>
@@ -1007,7 +1007,7 @@
           <a:p>
             <a:fld id="{00271780-4C30-459F-9B60-DDDABA3AB087}" type="datetimeFigureOut">
               <a:rPr lang="en-US" smtClean="0"/>
-              <a:t>3/11/2015</a:t>
+              <a:t>3/12/2015</a:t>
             </a:fld>
             <a:endParaRPr lang="en-US"/>
           </a:p>
@@ -1239,7 +1239,7 @@
           <a:p>
             <a:fld id="{00271780-4C30-459F-9B60-DDDABA3AB087}" type="datetimeFigureOut">
               <a:rPr lang="en-US" smtClean="0"/>
-              <a:t>3/11/2015</a:t>
+              <a:t>3/12/2015</a:t>
             </a:fld>
             <a:endParaRPr lang="en-US"/>
           </a:p>
@@ -1606,7 +1606,7 @@
           <a:p>
             <a:fld id="{00271780-4C30-459F-9B60-DDDABA3AB087}" type="datetimeFigureOut">
               <a:rPr lang="en-US" smtClean="0"/>
-              <a:t>3/11/2015</a:t>
+              <a:t>3/12/2015</a:t>
             </a:fld>
             <a:endParaRPr lang="en-US"/>
           </a:p>
@@ -1724,7 +1724,7 @@
           <a:p>
             <a:fld id="{00271780-4C30-459F-9B60-DDDABA3AB087}" type="datetimeFigureOut">
               <a:rPr lang="en-US" smtClean="0"/>
-              <a:t>3/11/2015</a:t>
+              <a:t>3/12/2015</a:t>
             </a:fld>
             <a:endParaRPr lang="en-US"/>
           </a:p>
@@ -1819,7 +1819,7 @@
           <a:p>
             <a:fld id="{00271780-4C30-459F-9B60-DDDABA3AB087}" type="datetimeFigureOut">
               <a:rPr lang="en-US" smtClean="0"/>
-              <a:t>3/11/2015</a:t>
+              <a:t>3/12/2015</a:t>
             </a:fld>
             <a:endParaRPr lang="en-US"/>
           </a:p>
@@ -2096,7 +2096,7 @@
           <a:p>
             <a:fld id="{00271780-4C30-459F-9B60-DDDABA3AB087}" type="datetimeFigureOut">
               <a:rPr lang="en-US" smtClean="0"/>
-              <a:t>3/11/2015</a:t>
+              <a:t>3/12/2015</a:t>
             </a:fld>
             <a:endParaRPr lang="en-US"/>
           </a:p>
@@ -2353,7 +2353,7 @@
           <a:p>
             <a:fld id="{00271780-4C30-459F-9B60-DDDABA3AB087}" type="datetimeFigureOut">
               <a:rPr lang="en-US" smtClean="0"/>
-              <a:t>3/11/2015</a:t>
+              <a:t>3/12/2015</a:t>
             </a:fld>
             <a:endParaRPr lang="en-US"/>
           </a:p>
@@ -2566,7 +2566,7 @@
           <a:p>
             <a:fld id="{00271780-4C30-459F-9B60-DDDABA3AB087}" type="datetimeFigureOut">
               <a:rPr lang="en-US" smtClean="0"/>
-              <a:t>3/11/2015</a:t>
+              <a:t>3/12/2015</a:t>
             </a:fld>
             <a:endParaRPr lang="en-US"/>
           </a:p>
@@ -2973,6 +2973,170 @@
       </p:grpSpPr>
       <p:sp>
         <p:nvSpPr>
+          <p:cNvPr id="7" name="TextBox 6"/>
+          <p:cNvSpPr txBox="1"/>
+          <p:nvPr/>
+        </p:nvSpPr>
+        <p:spPr>
+          <a:xfrm>
+            <a:off x="23449935" y="2013369"/>
+            <a:ext cx="7503018" cy="13142059"/>
+          </a:xfrm>
+          <a:prstGeom prst="rect">
+            <a:avLst/>
+          </a:prstGeom>
+          <a:solidFill>
+            <a:schemeClr val="accent2">
+              <a:lumMod val="20000"/>
+              <a:lumOff val="80000"/>
+            </a:schemeClr>
+          </a:solidFill>
+        </p:spPr>
+        <p:txBody>
+          <a:bodyPr wrap="square" rtlCol="0">
+            <a:spAutoFit/>
+          </a:bodyPr>
+          <a:lstStyle/>
+          <a:p>
+            <a:r>
+              <a:rPr lang="en-US" sz="4000" b="1" dirty="0" smtClean="0"/>
+              <a:t>Results</a:t>
+            </a:r>
+          </a:p>
+          <a:p>
+            <a:endParaRPr lang="en-US" sz="2400" dirty="0" smtClean="0"/>
+          </a:p>
+          <a:p>
+            <a:r>
+              <a:rPr lang="en-US" sz="3200" b="1" dirty="0" smtClean="0"/>
+              <a:t>Validation</a:t>
+            </a:r>
+          </a:p>
+          <a:p>
+            <a:endParaRPr lang="en-US" sz="2400" dirty="0" smtClean="0"/>
+          </a:p>
+          <a:p>
+            <a:r>
+              <a:rPr lang="en-US" sz="2400" b="1" dirty="0" smtClean="0"/>
+              <a:t>Validation with synthetic data</a:t>
+            </a:r>
+            <a:r>
+              <a:rPr lang="en-US" sz="2400" dirty="0" smtClean="0"/>
+              <a:t/>
+            </a:r>
+            <a:br>
+              <a:rPr lang="en-US" sz="2400" dirty="0" smtClean="0"/>
+            </a:br>
+            <a:r>
+              <a:rPr lang="en-US" sz="2400" dirty="0" smtClean="0"/>
+              <a:t>To test our method we start with a known structure (Figure 7A) and simulate its dynamics to get the encounter signals. Applying our method, we get an excellent agreement with the initial structure figure 7B, as can be seen from the connectivity matrix Figure 7C. </a:t>
+            </a:r>
+          </a:p>
+          <a:p>
+            <a:endParaRPr lang="en-US" sz="2400" dirty="0"/>
+          </a:p>
+          <a:p>
+            <a:r>
+              <a:rPr lang="en-US" sz="3200" b="1" dirty="0" smtClean="0"/>
+              <a:t>Figure 7</a:t>
+            </a:r>
+          </a:p>
+          <a:p>
+            <a:endParaRPr lang="en-US" sz="2400" dirty="0"/>
+          </a:p>
+          <a:p>
+            <a:endParaRPr lang="en-US" sz="2400" dirty="0" smtClean="0"/>
+          </a:p>
+          <a:p>
+            <a:endParaRPr lang="en-US" sz="2400" dirty="0"/>
+          </a:p>
+          <a:p>
+            <a:endParaRPr lang="en-US" sz="2400" dirty="0" smtClean="0"/>
+          </a:p>
+          <a:p>
+            <a:endParaRPr lang="en-US" sz="2400" dirty="0"/>
+          </a:p>
+          <a:p>
+            <a:endParaRPr lang="en-US" sz="2400" dirty="0" smtClean="0"/>
+          </a:p>
+          <a:p>
+            <a:endParaRPr lang="en-US" sz="2400" dirty="0"/>
+          </a:p>
+          <a:p>
+            <a:endParaRPr lang="en-US" sz="2400" dirty="0" smtClean="0"/>
+          </a:p>
+          <a:p>
+            <a:endParaRPr lang="en-US" sz="2400" dirty="0"/>
+          </a:p>
+          <a:p>
+            <a:endParaRPr lang="en-US" sz="2400" dirty="0" smtClean="0"/>
+          </a:p>
+          <a:p>
+            <a:endParaRPr lang="en-US" sz="2400" dirty="0"/>
+          </a:p>
+          <a:p>
+            <a:endParaRPr lang="en-US" sz="2400" dirty="0" smtClean="0"/>
+          </a:p>
+          <a:p>
+            <a:endParaRPr lang="en-US" sz="2400" dirty="0"/>
+          </a:p>
+          <a:p>
+            <a:endParaRPr lang="en-US" sz="2400" dirty="0" smtClean="0"/>
+          </a:p>
+          <a:p>
+            <a:endParaRPr lang="en-US" sz="2400" dirty="0"/>
+          </a:p>
+          <a:p>
+            <a:r>
+              <a:rPr lang="en-US" sz="2400" b="1" dirty="0" smtClean="0"/>
+              <a:t>Reconstruction of the </a:t>
+            </a:r>
+            <a:r>
+              <a:rPr lang="en-US" sz="2400" b="1" dirty="0" err="1" smtClean="0"/>
+              <a:t>HiC</a:t>
+            </a:r>
+            <a:r>
+              <a:rPr lang="en-US" sz="2400" b="1" dirty="0" smtClean="0"/>
+              <a:t> data </a:t>
+            </a:r>
+          </a:p>
+          <a:p>
+            <a:r>
+              <a:rPr lang="en-US" sz="2400" dirty="0" smtClean="0"/>
+              <a:t>The connectivity matrix of the of the resulting structure is shown in </a:t>
+            </a:r>
+            <a:r>
+              <a:rPr lang="en-US" sz="2400" b="1" dirty="0" smtClean="0"/>
+              <a:t>Figure </a:t>
+            </a:r>
+            <a:r>
+              <a:rPr lang="en-US" sz="2400" b="1" dirty="0" smtClean="0"/>
+              <a:t>8A.</a:t>
+            </a:r>
+            <a:r>
+              <a:rPr lang="en-US" sz="2400" dirty="0" smtClean="0"/>
+              <a:t>  A comparison between the simulated and experimental encounter probability and the simulated</a:t>
+            </a:r>
+            <a:endParaRPr lang="en-US" sz="2400" dirty="0" smtClean="0"/>
+          </a:p>
+          <a:p>
+            <a:r>
+              <a:rPr lang="en-US" sz="2400" dirty="0" smtClean="0"/>
+              <a:t>can be appreciated in</a:t>
+            </a:r>
+            <a:r>
+              <a:rPr lang="en-US" sz="2400" b="1" dirty="0" smtClean="0"/>
+              <a:t> Figure 8B</a:t>
+            </a:r>
+            <a:endParaRPr lang="en-US" sz="2400" b="1" dirty="0" smtClean="0"/>
+          </a:p>
+          <a:p>
+            <a:endParaRPr lang="en-US" sz="2400" b="1" dirty="0"/>
+          </a:p>
+        </p:txBody>
+      </p:sp>
+      <p:sp>
+        <p:nvSpPr>
           <p:cNvPr id="4" name="TextBox 3"/>
           <p:cNvSpPr txBox="1"/>
           <p:nvPr/>
@@ -3136,8 +3300,8 @@
         </p:nvSpPr>
         <p:spPr>
           <a:xfrm>
-            <a:off x="539750" y="1937169"/>
-            <a:ext cx="6780074" cy="10401309"/>
+            <a:off x="539750" y="2013369"/>
+            <a:ext cx="6780074" cy="14756347"/>
           </a:xfrm>
           <a:prstGeom prst="rect">
             <a:avLst/>
@@ -3156,207 +3320,251 @@
           <a:lstStyle/>
           <a:p>
             <a:r>
-              <a:rPr lang="en-US" sz="2030" b="1" dirty="0" smtClean="0"/>
+              <a:rPr lang="en-US" sz="4000" b="1" dirty="0" smtClean="0"/>
               <a:t>Goal</a:t>
             </a:r>
-            <a:r>
-              <a:rPr lang="en-US" sz="2030" dirty="0" smtClean="0"/>
+            <a:br>
+              <a:rPr lang="en-US" sz="4000" b="1" dirty="0" smtClean="0"/>
+            </a:br>
+            <a:r>
+              <a:rPr lang="en-US" sz="2400" dirty="0" smtClean="0"/>
               <a:t/>
             </a:r>
             <a:br>
-              <a:rPr lang="en-US" sz="2030" dirty="0" smtClean="0"/>
+              <a:rPr lang="en-US" sz="2400" dirty="0" smtClean="0"/>
             </a:br>
             <a:r>
-              <a:rPr lang="en-US" sz="2030" dirty="0" smtClean="0"/>
+              <a:rPr lang="en-US" sz="2400" dirty="0" smtClean="0"/>
               <a:t>Reconstruct </a:t>
             </a:r>
             <a:r>
-              <a:rPr lang="en-US" sz="2030" dirty="0"/>
+              <a:rPr lang="en-US" sz="2400" dirty="0"/>
               <a:t>the local polymer architecture using </a:t>
             </a:r>
             <a:r>
-              <a:rPr lang="en-US" sz="2030" dirty="0" err="1"/>
+              <a:rPr lang="en-US" sz="2400" dirty="0" err="1"/>
               <a:t>HiC</a:t>
             </a:r>
             <a:r>
-              <a:rPr lang="en-US" sz="2030" dirty="0"/>
+              <a:rPr lang="en-US" sz="2400" dirty="0"/>
               <a:t> encounter frequency </a:t>
             </a:r>
             <a:r>
-              <a:rPr lang="en-US" sz="2030" dirty="0" smtClean="0"/>
-              <a:t>maps. Study </a:t>
-            </a:r>
-            <a:r>
-              <a:rPr lang="en-US" sz="2030" dirty="0"/>
-              <a:t>the dynamic properties of the resulting </a:t>
-            </a:r>
-            <a:r>
-              <a:rPr lang="en-US" sz="2030" dirty="0" smtClean="0"/>
+              <a:rPr lang="en-US" sz="2400" dirty="0" smtClean="0"/>
+              <a:t>maps. Study the dynamic </a:t>
+            </a:r>
+            <a:r>
+              <a:rPr lang="en-US" sz="2400" dirty="0"/>
+              <a:t>properties of the resulting </a:t>
+            </a:r>
+            <a:r>
+              <a:rPr lang="en-US" sz="2400" dirty="0" smtClean="0"/>
               <a:t>structure, the </a:t>
             </a:r>
             <a:r>
-              <a:rPr lang="en-US" sz="2030" dirty="0"/>
+              <a:rPr lang="en-US" sz="2400" dirty="0"/>
               <a:t>encounter time distribution and Mean First encounter time (MFET) between different parts of a polymer.</a:t>
             </a:r>
           </a:p>
           <a:p>
-            <a:endParaRPr lang="en-US" sz="2030" dirty="0"/>
-          </a:p>
-          <a:p>
-            <a:r>
-              <a:rPr lang="en-US" sz="2030" b="1" dirty="0" smtClean="0"/>
+            <a:endParaRPr lang="en-US" sz="2400" dirty="0"/>
+          </a:p>
+          <a:p>
+            <a:r>
+              <a:rPr lang="en-US" sz="4000" b="1" dirty="0" smtClean="0"/>
               <a:t>Significance</a:t>
             </a:r>
             <a:r>
-              <a:rPr lang="en-US" sz="2030" dirty="0" smtClean="0"/>
+              <a:rPr lang="en-US" sz="2400" dirty="0" smtClean="0"/>
               <a:t/>
             </a:r>
             <a:br>
-              <a:rPr lang="en-US" sz="2030" dirty="0" smtClean="0"/>
+              <a:rPr lang="en-US" sz="2400" dirty="0" smtClean="0"/>
             </a:br>
             <a:r>
-              <a:rPr lang="en-US" sz="2030" dirty="0" smtClean="0"/>
+              <a:rPr lang="en-US" sz="2400" dirty="0" smtClean="0"/>
               <a:t>Providing </a:t>
             </a:r>
             <a:r>
-              <a:rPr lang="en-US" sz="2030" dirty="0"/>
+              <a:rPr lang="en-US" sz="2400" dirty="0"/>
               <a:t>a tool to transform static </a:t>
             </a:r>
             <a:r>
-              <a:rPr lang="en-US" sz="2030" dirty="0" err="1" smtClean="0"/>
+              <a:rPr lang="en-US" sz="2400" dirty="0" err="1" smtClean="0"/>
               <a:t>HiC</a:t>
             </a:r>
             <a:r>
-              <a:rPr lang="en-US" sz="2030" dirty="0" smtClean="0"/>
+              <a:rPr lang="en-US" sz="2400" dirty="0" smtClean="0"/>
               <a:t> encounter </a:t>
             </a:r>
             <a:r>
-              <a:rPr lang="en-US" sz="2030" dirty="0"/>
+              <a:rPr lang="en-US" sz="2400" dirty="0"/>
               <a:t>map to an </a:t>
             </a:r>
             <a:r>
-              <a:rPr lang="en-US" sz="2030" dirty="0" smtClean="0"/>
+              <a:rPr lang="en-US" sz="2400" dirty="0" smtClean="0"/>
               <a:t>average polymer </a:t>
             </a:r>
             <a:r>
-              <a:rPr lang="en-US" sz="2030" dirty="0"/>
+              <a:rPr lang="en-US" sz="2400" dirty="0"/>
               <a:t>structure, which captures salient features in the chromosome </a:t>
             </a:r>
             <a:r>
-              <a:rPr lang="en-US" sz="2030" dirty="0" smtClean="0"/>
+              <a:rPr lang="en-US" sz="2400" dirty="0" smtClean="0"/>
               <a:t>microstructure of the examined cells, allowing further mathematical analysis and simulation of the dynamics of a cross-linked polymer in various </a:t>
             </a:r>
             <a:r>
-              <a:rPr lang="en-US" sz="2030" dirty="0"/>
+              <a:rPr lang="en-US" sz="2400" dirty="0"/>
               <a:t>scenarios. </a:t>
             </a:r>
           </a:p>
           <a:p>
-            <a:endParaRPr lang="en-US" sz="2030" dirty="0"/>
-          </a:p>
-          <a:p>
-            <a:endParaRPr lang="en-US" sz="2030" dirty="0"/>
-          </a:p>
-          <a:p>
-            <a:r>
-              <a:rPr lang="en-US" sz="2030" b="1" dirty="0"/>
-              <a:t>Background:</a:t>
-            </a:r>
-          </a:p>
-          <a:p>
-            <a:r>
-              <a:rPr lang="en-US" sz="2030" dirty="0" err="1"/>
+            <a:endParaRPr lang="en-US" sz="2400" dirty="0"/>
+          </a:p>
+          <a:p>
+            <a:endParaRPr lang="en-US" sz="2400" dirty="0"/>
+          </a:p>
+          <a:p>
+            <a:r>
+              <a:rPr lang="en-US" sz="4000" b="1" dirty="0" smtClean="0"/>
+              <a:t>Background</a:t>
+            </a:r>
+            <a:endParaRPr lang="en-US" sz="4000" b="1" dirty="0"/>
+          </a:p>
+          <a:p>
+            <a:r>
+              <a:rPr lang="en-US" sz="2400" dirty="0" err="1"/>
               <a:t>HiC</a:t>
             </a:r>
             <a:r>
-              <a:rPr lang="en-US" sz="2030" dirty="0"/>
+              <a:rPr lang="en-US" sz="2400" dirty="0"/>
               <a:t> experiment simultaneously captures millions of looping events of the chromosome. </a:t>
             </a:r>
             <a:r>
-              <a:rPr lang="en-US" sz="2030" dirty="0" err="1" smtClean="0"/>
+              <a:rPr lang="en-US" sz="2400" dirty="0" err="1" smtClean="0"/>
               <a:t>HiC</a:t>
             </a:r>
             <a:r>
-              <a:rPr lang="en-US" sz="2030" dirty="0" smtClean="0"/>
-              <a:t> steps are presented in Figure 1 A.</a:t>
-            </a:r>
-            <a:endParaRPr lang="en-US" sz="2030" dirty="0"/>
-          </a:p>
-          <a:p>
-            <a:endParaRPr lang="en-US" sz="2030" dirty="0"/>
-          </a:p>
-          <a:p>
-            <a:r>
-              <a:rPr lang="en-US" sz="2030" dirty="0"/>
+              <a:rPr lang="en-US" sz="2400" dirty="0" smtClean="0"/>
+              <a:t> steps are presented in </a:t>
+            </a:r>
+            <a:r>
+              <a:rPr lang="en-US" sz="2400" b="1" dirty="0" smtClean="0"/>
+              <a:t>Figure 1A</a:t>
+            </a:r>
+            <a:r>
+              <a:rPr lang="en-US" sz="2400" dirty="0" smtClean="0"/>
+              <a:t>.</a:t>
+            </a:r>
+            <a:endParaRPr lang="en-US" sz="2400" dirty="0"/>
+          </a:p>
+          <a:p>
+            <a:endParaRPr lang="en-US" sz="2400" dirty="0"/>
+          </a:p>
+          <a:p>
+            <a:r>
+              <a:rPr lang="en-US" sz="2400" dirty="0"/>
               <a:t>Analysis of the </a:t>
             </a:r>
             <a:r>
-              <a:rPr lang="en-US" sz="2030" dirty="0" err="1"/>
+              <a:rPr lang="en-US" sz="2400" dirty="0" err="1"/>
               <a:t>HiC</a:t>
             </a:r>
             <a:r>
-              <a:rPr lang="en-US" sz="2030" dirty="0"/>
+              <a:rPr lang="en-US" sz="2400" dirty="0"/>
               <a:t> </a:t>
             </a:r>
             <a:r>
-              <a:rPr lang="en-US" sz="2030" dirty="0" smtClean="0"/>
+              <a:rPr lang="en-US" sz="2400" dirty="0" smtClean="0"/>
               <a:t>encounter frequencies in </a:t>
             </a:r>
             <a:r>
-              <a:rPr lang="en-US" sz="2030" dirty="0"/>
-              <a:t>mouse embryonic stem cells reveals the presence of stable Topologically Associating Domains (TAD) , in the 4.5Mb region of the  X inactivation </a:t>
-            </a:r>
-            <a:r>
-              <a:rPr lang="en-US" sz="2030" dirty="0" smtClean="0"/>
-              <a:t>center figure 1B.  However, </a:t>
-            </a:r>
-            <a:r>
-              <a:rPr lang="en-US" sz="2030" dirty="0"/>
+              <a:rPr lang="en-US" sz="2400" dirty="0"/>
+              <a:t>mouse embryonic stem cells reveals the presence of stable Topologically Associating Domains (TAD</a:t>
+            </a:r>
+            <a:r>
+              <a:rPr lang="en-US" sz="2400" dirty="0" smtClean="0"/>
+              <a:t>) [Nora PE 2012] </a:t>
+            </a:r>
+            <a:r>
+              <a:rPr lang="en-US" sz="2400" dirty="0"/>
+              <a:t>, in the 4.5Mb region of the  X inactivation </a:t>
+            </a:r>
+            <a:r>
+              <a:rPr lang="en-US" sz="2400" dirty="0" smtClean="0"/>
+              <a:t>center </a:t>
+            </a:r>
+            <a:r>
+              <a:rPr lang="en-US" sz="2400" b="1" dirty="0" smtClean="0"/>
+              <a:t>Figure </a:t>
+            </a:r>
+            <a:r>
+              <a:rPr lang="en-US" sz="2400" b="1" dirty="0" smtClean="0"/>
+              <a:t>1B</a:t>
+            </a:r>
+            <a:r>
+              <a:rPr lang="en-US" sz="2400" dirty="0" smtClean="0"/>
+              <a:t>.  However, </a:t>
+            </a:r>
+            <a:r>
+              <a:rPr lang="en-US" sz="2400" dirty="0"/>
               <a:t>the actual architecture in a specific stage </a:t>
             </a:r>
             <a:r>
-              <a:rPr lang="en-US" sz="2030" dirty="0" smtClean="0"/>
+              <a:rPr lang="en-US" sz="2400" dirty="0" smtClean="0"/>
               <a:t>of cell life is </a:t>
             </a:r>
             <a:r>
-              <a:rPr lang="en-US" sz="2030" dirty="0"/>
+              <a:rPr lang="en-US" sz="2400" dirty="0"/>
               <a:t>unknown </a:t>
             </a:r>
           </a:p>
           <a:p>
-            <a:endParaRPr lang="en-US" sz="2030" dirty="0"/>
-          </a:p>
-          <a:p>
-            <a:r>
-              <a:rPr lang="en-US" sz="2030" b="1" dirty="0"/>
-              <a:t>The data</a:t>
-            </a:r>
-            <a:r>
-              <a:rPr lang="en-US" sz="2030" dirty="0"/>
-              <a:t>: </a:t>
-            </a:r>
-            <a:endParaRPr lang="en-US" sz="2030" dirty="0" smtClean="0"/>
-          </a:p>
-          <a:p>
-            <a:r>
-              <a:rPr lang="en-US" sz="2030" dirty="0" smtClean="0"/>
-              <a:t>we use a </a:t>
-            </a:r>
-            <a:r>
-              <a:rPr lang="en-US" sz="2030" dirty="0"/>
+            <a:endParaRPr lang="en-US" sz="2400" dirty="0"/>
+          </a:p>
+          <a:p>
+            <a:r>
+              <a:rPr lang="en-US" sz="2800" b="1" dirty="0"/>
+              <a:t>The </a:t>
+            </a:r>
+            <a:r>
+              <a:rPr lang="en-US" sz="2800" b="1" dirty="0" smtClean="0"/>
+              <a:t>data</a:t>
+            </a:r>
+            <a:r>
+              <a:rPr lang="en-US" sz="2800" dirty="0"/>
+              <a:t> </a:t>
+            </a:r>
+            <a:endParaRPr lang="en-US" sz="2800" dirty="0" smtClean="0"/>
+          </a:p>
+          <a:p>
+            <a:r>
+              <a:rPr lang="en-US" sz="2400" dirty="0" smtClean="0"/>
+              <a:t>We </a:t>
+            </a:r>
+            <a:r>
+              <a:rPr lang="en-US" sz="2400" dirty="0" smtClean="0"/>
+              <a:t>use a </a:t>
+            </a:r>
+            <a:r>
+              <a:rPr lang="en-US" sz="2400" dirty="0"/>
               <a:t>subset of  ~1Mb region of the X-chromosome around the X- inactivation center , provided by </a:t>
             </a:r>
             <a:r>
-              <a:rPr lang="en-US" sz="2030" dirty="0" err="1"/>
+              <a:rPr lang="en-US" sz="2400" dirty="0" err="1" smtClean="0"/>
               <a:t>G.Luca</a:t>
             </a:r>
             <a:r>
-              <a:rPr lang="en-US" sz="2030" dirty="0"/>
-              <a:t> et. Al.</a:t>
-            </a:r>
-          </a:p>
-          <a:p>
-            <a:endParaRPr lang="en-US" sz="2030" dirty="0"/>
+              <a:rPr lang="en-US" sz="2400" dirty="0" smtClean="0"/>
+              <a:t> </a:t>
+            </a:r>
+            <a:r>
+              <a:rPr lang="en-US" sz="2400" dirty="0"/>
+              <a:t>et. Al.</a:t>
+            </a:r>
+          </a:p>
+          <a:p>
+            <a:endParaRPr lang="en-US" sz="2400" dirty="0"/>
           </a:p>
           <a:p>
             <a:endParaRPr lang="en-US" sz="2030" dirty="0"/>
@@ -3369,8 +3577,8 @@
           </a:p>
         </p:txBody>
       </p:sp>
-      <mc:AlternateContent xmlns:mc="http://schemas.openxmlformats.org/markup-compatibility/2006" xmlns:a14="http://schemas.microsoft.com/office/drawing/2010/main">
-        <mc:Choice Requires="a14">
+      <mc:AlternateContent xmlns:mc="http://schemas.openxmlformats.org/markup-compatibility/2006">
+        <mc:Choice xmlns:a14="http://schemas.microsoft.com/office/drawing/2010/main" Requires="a14">
           <p:sp>
             <p:nvSpPr>
               <p:cNvPr id="11" name="TextBox 10"/>
@@ -3379,8 +3587,8 @@
             </p:nvSpPr>
             <p:spPr>
               <a:xfrm>
-                <a:off x="7725088" y="1947305"/>
-                <a:ext cx="7336169" cy="26949942"/>
+                <a:off x="7725088" y="2023505"/>
+                <a:ext cx="7336169" cy="26164983"/>
               </a:xfrm>
               <a:prstGeom prst="rect">
                 <a:avLst/>
@@ -3403,88 +3611,96 @@
                   <a:t>Methods</a:t>
                 </a:r>
                 <a:r>
-                  <a:rPr lang="en-US" sz="2900" b="1" dirty="0" smtClean="0"/>
+                  <a:rPr lang="en-US" sz="2400" b="1" dirty="0" smtClean="0"/>
                   <a:t/>
                 </a:r>
                 <a:br>
-                  <a:rPr lang="en-US" sz="2900" b="1" dirty="0" smtClean="0"/>
+                  <a:rPr lang="en-US" sz="2400" b="1" dirty="0" smtClean="0"/>
                 </a:br>
-                <a:endParaRPr lang="en-US" sz="2900" b="1" dirty="0" smtClean="0"/>
+                <a:endParaRPr lang="en-US" sz="2400" b="1" dirty="0" smtClean="0"/>
               </a:p>
               <a:p>
                 <a:r>
-                  <a:rPr lang="en-US" sz="2030" b="1" dirty="0" smtClean="0"/>
+                  <a:rPr lang="en-US" sz="3200" b="1" dirty="0" smtClean="0"/>
                   <a:t>Coarse </a:t>
                 </a:r>
                 <a:r>
-                  <a:rPr lang="en-US" sz="2030" b="1" dirty="0"/>
+                  <a:rPr lang="en-US" sz="3200" b="1" dirty="0"/>
                   <a:t>graining of the encounter frequency </a:t>
                 </a:r>
                 <a:r>
-                  <a:rPr lang="en-US" sz="2030" dirty="0"/>
+                  <a:rPr lang="en-US" sz="2400" dirty="0"/>
                   <a:t/>
                 </a:r>
                 <a:br>
-                  <a:rPr lang="en-US" sz="2030" dirty="0"/>
+                  <a:rPr lang="en-US" sz="2400" dirty="0"/>
                 </a:br>
                 <a:r>
-                  <a:rPr lang="en-US" sz="2030" dirty="0"/>
+                  <a:rPr lang="en-US" sz="2400" dirty="0"/>
                   <a:t>Segment size was chosen to be 3kb, in agreement with the mean restriction fragment size of </a:t>
                 </a:r>
                 <a:r>
-                  <a:rPr lang="en-US" sz="2030" dirty="0" err="1"/>
+                  <a:rPr lang="en-US" sz="2400" dirty="0" err="1"/>
                   <a:t>HindII</a:t>
                 </a:r>
                 <a:r>
-                  <a:rPr lang="en-US" sz="2030" dirty="0"/>
-                  <a:t> enzyme (Luca et al.). Encounters of ~920, kb were mapped onto a polymer chain of N=307 beads</a:t>
+                  <a:rPr lang="en-US" sz="2400" dirty="0"/>
+                  <a:t> enzyme (Luca et al.). Encounters of ~</a:t>
+                </a:r>
+                <a:r>
+                  <a:rPr lang="en-US" sz="2400" dirty="0" smtClean="0"/>
+                  <a:t>920 </a:t>
+                </a:r>
+                <a:r>
+                  <a:rPr lang="en-US" sz="2400" dirty="0"/>
+                  <a:t>kb were mapped onto a polymer chain of N=307 beads</a:t>
                 </a:r>
               </a:p>
               <a:p>
-                <a:endParaRPr lang="en-US" sz="2030" b="1" dirty="0" smtClean="0"/>
+                <a:endParaRPr lang="en-US" sz="2400" b="1" dirty="0" smtClean="0"/>
               </a:p>
               <a:p>
                 <a:r>
-                  <a:rPr lang="en-US" sz="2030" b="1" dirty="0" smtClean="0"/>
+                  <a:rPr lang="en-US" sz="3200" b="1" dirty="0" smtClean="0"/>
                   <a:t>Modeling the polymer </a:t>
                 </a:r>
               </a:p>
               <a:p>
                 <a:pPr/>
                 <a:r>
-                  <a:rPr lang="en-US" sz="2030" dirty="0"/>
+                  <a:rPr lang="en-US" sz="2400" dirty="0"/>
                   <a:t>Assuming a Rouse </a:t>
                 </a:r>
                 <a:r>
-                  <a:rPr lang="en-US" sz="2030" dirty="0" smtClean="0"/>
+                  <a:rPr lang="en-US" sz="2400" dirty="0" smtClean="0"/>
                   <a:t>model </a:t>
                 </a:r>
                 <a:r>
-                  <a:rPr lang="en-US" sz="2030" dirty="0"/>
+                  <a:rPr lang="en-US" sz="2400" dirty="0"/>
                   <a:t>(</a:t>
                 </a:r>
                 <a:r>
-                  <a:rPr lang="en-US" sz="2030" dirty="0" smtClean="0"/>
+                  <a:rPr lang="en-US" sz="2400" dirty="0" smtClean="0"/>
                   <a:t>beads connected </a:t>
                 </a:r>
                 <a:r>
-                  <a:rPr lang="en-US" sz="2030" dirty="0"/>
+                  <a:rPr lang="en-US" sz="2400" dirty="0"/>
                   <a:t>by harmonic springs) </a:t>
                 </a:r>
                 <a:r>
-                  <a:rPr lang="en-US" sz="2030" dirty="0" smtClean="0"/>
+                  <a:rPr lang="en-US" sz="2400" dirty="0" smtClean="0"/>
                   <a:t>to describe </a:t>
                 </a:r>
                 <a:r>
-                  <a:rPr lang="en-US" sz="2030" dirty="0"/>
+                  <a:rPr lang="en-US" sz="2400" dirty="0"/>
                   <a:t>the </a:t>
                 </a:r>
                 <a:r>
-                  <a:rPr lang="en-US" sz="2030" dirty="0" smtClean="0"/>
-                  <a:t>dynamics of the polymer . The potential in the Rouse model is given by </a:t>
+                  <a:rPr lang="en-US" sz="2400" dirty="0" smtClean="0"/>
+                  <a:t>dynamics of the polymer . The potential:</a:t>
                 </a:r>
                 <a:br>
-                  <a:rPr lang="en-US" sz="2030" dirty="0" smtClean="0"/>
+                  <a:rPr lang="en-US" sz="2400" dirty="0" smtClean="0"/>
                 </a:br>
                 <a14:m>
                   <m:oMathPara xmlns:m="http://schemas.openxmlformats.org/officeDocument/2006/math">
@@ -3496,7 +3712,7 @@
                         <m:rPr>
                           <m:sty m:val="p"/>
                         </m:rPr>
-                        <a:rPr lang="el-GR" sz="2030" i="1" smtClean="0">
+                        <a:rPr lang="el-GR" sz="2400" i="1" smtClean="0">
                           <a:latin typeface="Cambria Math" panose="02040503050406030204" pitchFamily="18" charset="0"/>
                           <a:ea typeface="Cambria Math" panose="02040503050406030204" pitchFamily="18" charset="0"/>
                         </a:rPr>
@@ -3505,7 +3721,7 @@
                       <m:d>
                         <m:dPr>
                           <m:ctrlPr>
-                            <a:rPr lang="en-US" sz="2030" b="0" i="1" smtClean="0">
+                            <a:rPr lang="en-US" sz="2400" b="0" i="1" smtClean="0">
                               <a:latin typeface="Cambria Math" panose="02040503050406030204" pitchFamily="18" charset="0"/>
                               <a:ea typeface="Cambria Math" panose="02040503050406030204" pitchFamily="18" charset="0"/>
                             </a:rPr>
@@ -3515,7 +3731,7 @@
                           <m:sSub>
                             <m:sSubPr>
                               <m:ctrlPr>
-                                <a:rPr lang="en-US" sz="2030" b="0" i="1" smtClean="0">
+                                <a:rPr lang="en-US" sz="2400" b="0" i="1" smtClean="0">
                                   <a:latin typeface="Cambria Math" panose="02040503050406030204" pitchFamily="18" charset="0"/>
                                   <a:ea typeface="Cambria Math" panose="02040503050406030204" pitchFamily="18" charset="0"/>
                                 </a:rPr>
@@ -3523,7 +3739,7 @@
                             </m:sSubPr>
                             <m:e>
                               <m:r>
-                                <a:rPr lang="en-US" sz="2030" b="0" i="1" smtClean="0">
+                                <a:rPr lang="en-US" sz="2400" b="0" i="1" smtClean="0">
                                   <a:latin typeface="Cambria Math" panose="02040503050406030204" pitchFamily="18" charset="0"/>
                                   <a:ea typeface="Cambria Math" panose="02040503050406030204" pitchFamily="18" charset="0"/>
                                 </a:rPr>
@@ -3532,7 +3748,7 @@
                             </m:e>
                             <m:sub>
                               <m:r>
-                                <a:rPr lang="en-US" sz="2030" b="0" i="1" smtClean="0">
+                                <a:rPr lang="en-US" sz="2400" b="0" i="1" smtClean="0">
                                   <a:latin typeface="Cambria Math" panose="02040503050406030204" pitchFamily="18" charset="0"/>
                                   <a:ea typeface="Cambria Math" panose="02040503050406030204" pitchFamily="18" charset="0"/>
                                 </a:rPr>
@@ -3541,7 +3757,7 @@
                             </m:sub>
                           </m:sSub>
                           <m:r>
-                            <a:rPr lang="en-US" sz="2030" b="0" i="1" smtClean="0">
+                            <a:rPr lang="en-US" sz="2400" b="0" i="1" smtClean="0">
                               <a:latin typeface="Cambria Math" panose="02040503050406030204" pitchFamily="18" charset="0"/>
                               <a:ea typeface="Cambria Math" panose="02040503050406030204" pitchFamily="18" charset="0"/>
                             </a:rPr>
@@ -3550,7 +3766,7 @@
                           <m:sSub>
                             <m:sSubPr>
                               <m:ctrlPr>
-                                <a:rPr lang="en-US" sz="2030" b="0" i="1" smtClean="0">
+                                <a:rPr lang="en-US" sz="2400" b="0" i="1" smtClean="0">
                                   <a:latin typeface="Cambria Math" panose="02040503050406030204" pitchFamily="18" charset="0"/>
                                   <a:ea typeface="Cambria Math" panose="02040503050406030204" pitchFamily="18" charset="0"/>
                                 </a:rPr>
@@ -3558,7 +3774,7 @@
                             </m:sSubPr>
                             <m:e>
                               <m:r>
-                                <a:rPr lang="en-US" sz="2030" b="0" i="1" smtClean="0">
+                                <a:rPr lang="en-US" sz="2400" b="0" i="1" smtClean="0">
                                   <a:latin typeface="Cambria Math" panose="02040503050406030204" pitchFamily="18" charset="0"/>
                                   <a:ea typeface="Cambria Math" panose="02040503050406030204" pitchFamily="18" charset="0"/>
                                 </a:rPr>
@@ -3567,7 +3783,7 @@
                             </m:e>
                             <m:sub>
                               <m:r>
-                                <a:rPr lang="en-US" sz="2030" b="0" i="1" smtClean="0">
+                                <a:rPr lang="en-US" sz="2400" b="0" i="1" smtClean="0">
                                   <a:latin typeface="Cambria Math" panose="02040503050406030204" pitchFamily="18" charset="0"/>
                                   <a:ea typeface="Cambria Math" panose="02040503050406030204" pitchFamily="18" charset="0"/>
                                 </a:rPr>
@@ -3576,7 +3792,7 @@
                             </m:sub>
                           </m:sSub>
                           <m:r>
-                            <a:rPr lang="en-US" sz="2030" b="0" i="1" smtClean="0">
+                            <a:rPr lang="en-US" sz="2400" b="0" i="1" smtClean="0">
                               <a:latin typeface="Cambria Math" panose="02040503050406030204" pitchFamily="18" charset="0"/>
                               <a:ea typeface="Cambria Math" panose="02040503050406030204" pitchFamily="18" charset="0"/>
                             </a:rPr>
@@ -3585,7 +3801,7 @@
                           <m:sSub>
                             <m:sSubPr>
                               <m:ctrlPr>
-                                <a:rPr lang="en-US" sz="2030" b="0" i="1" smtClean="0">
+                                <a:rPr lang="en-US" sz="2400" b="0" i="1" smtClean="0">
                                   <a:latin typeface="Cambria Math" panose="02040503050406030204" pitchFamily="18" charset="0"/>
                                   <a:ea typeface="Cambria Math" panose="02040503050406030204" pitchFamily="18" charset="0"/>
                                 </a:rPr>
@@ -3593,7 +3809,7 @@
                             </m:sSubPr>
                             <m:e>
                               <m:r>
-                                <a:rPr lang="en-US" sz="2030" b="0" i="1" smtClean="0">
+                                <a:rPr lang="en-US" sz="2400" b="0" i="1" smtClean="0">
                                   <a:latin typeface="Cambria Math" panose="02040503050406030204" pitchFamily="18" charset="0"/>
                                   <a:ea typeface="Cambria Math" panose="02040503050406030204" pitchFamily="18" charset="0"/>
                                 </a:rPr>
@@ -3602,7 +3818,7 @@
                             </m:e>
                             <m:sub>
                               <m:r>
-                                <a:rPr lang="en-US" sz="2030" b="0" i="1" smtClean="0">
+                                <a:rPr lang="en-US" sz="2400" b="0" i="1" smtClean="0">
                                   <a:latin typeface="Cambria Math" panose="02040503050406030204" pitchFamily="18" charset="0"/>
                                   <a:ea typeface="Cambria Math" panose="02040503050406030204" pitchFamily="18" charset="0"/>
                                 </a:rPr>
@@ -3613,7 +3829,7 @@
                         </m:e>
                       </m:d>
                       <m:r>
-                        <a:rPr lang="en-US" sz="2030" b="0" i="1" smtClean="0">
+                        <a:rPr lang="en-US" sz="2400" b="0" i="1" smtClean="0">
                           <a:latin typeface="Cambria Math" panose="02040503050406030204" pitchFamily="18" charset="0"/>
                           <a:ea typeface="Cambria Math" panose="02040503050406030204" pitchFamily="18" charset="0"/>
                         </a:rPr>
@@ -3622,7 +3838,7 @@
                       <m:f>
                         <m:fPr>
                           <m:ctrlPr>
-                            <a:rPr lang="en-US" sz="2030" b="0" i="1" smtClean="0">
+                            <a:rPr lang="en-US" sz="2400" b="0" i="1" smtClean="0">
                               <a:latin typeface="Cambria Math" panose="02040503050406030204" pitchFamily="18" charset="0"/>
                               <a:ea typeface="Cambria Math" panose="02040503050406030204" pitchFamily="18" charset="0"/>
                             </a:rPr>
@@ -3630,7 +3846,7 @@
                         </m:fPr>
                         <m:num>
                           <m:r>
-                            <a:rPr lang="en-US" sz="2030" b="0" i="1" smtClean="0">
+                            <a:rPr lang="en-US" sz="2400" b="0" i="1" smtClean="0">
                               <a:latin typeface="Cambria Math" panose="02040503050406030204" pitchFamily="18" charset="0"/>
                               <a:ea typeface="Cambria Math" panose="02040503050406030204" pitchFamily="18" charset="0"/>
                             </a:rPr>
@@ -3639,7 +3855,7 @@
                         </m:num>
                         <m:den>
                           <m:r>
-                            <a:rPr lang="en-US" sz="2030" b="0" i="1" smtClean="0">
+                            <a:rPr lang="en-US" sz="2400" b="0" i="1" smtClean="0">
                               <a:latin typeface="Cambria Math" panose="02040503050406030204" pitchFamily="18" charset="0"/>
                               <a:ea typeface="Cambria Math" panose="02040503050406030204" pitchFamily="18" charset="0"/>
                             </a:rPr>
@@ -3651,7 +3867,7 @@
                         <m:naryPr>
                           <m:chr m:val="∑"/>
                           <m:ctrlPr>
-                            <a:rPr lang="en-US" sz="2030" b="0" i="1" smtClean="0">
+                            <a:rPr lang="en-US" sz="2400" b="0" i="1" smtClean="0">
                               <a:latin typeface="Cambria Math" panose="02040503050406030204" pitchFamily="18" charset="0"/>
                               <a:ea typeface="Cambria Math" panose="02040503050406030204" pitchFamily="18" charset="0"/>
                             </a:rPr>
@@ -3662,21 +3878,21 @@
                             <m:rPr>
                               <m:brk m:alnAt="23"/>
                             </m:rPr>
-                            <a:rPr lang="en-US" sz="2030" b="0" i="1" smtClean="0">
+                            <a:rPr lang="en-US" sz="2400" b="0" i="1" smtClean="0">
                               <a:latin typeface="Cambria Math" panose="02040503050406030204" pitchFamily="18" charset="0"/>
                               <a:ea typeface="Cambria Math" panose="02040503050406030204" pitchFamily="18" charset="0"/>
                             </a:rPr>
                             <m:t>𝑖</m:t>
                           </m:r>
                           <m:r>
-                            <a:rPr lang="en-US" sz="2030" b="0" i="1" smtClean="0">
+                            <a:rPr lang="en-US" sz="2400" b="0" i="1" smtClean="0">
                               <a:latin typeface="Cambria Math" panose="02040503050406030204" pitchFamily="18" charset="0"/>
                               <a:ea typeface="Cambria Math" panose="02040503050406030204" pitchFamily="18" charset="0"/>
                             </a:rPr>
                             <m:t>=</m:t>
                           </m:r>
                           <m:r>
-                            <a:rPr lang="en-US" sz="2030" b="0" i="1" smtClean="0">
+                            <a:rPr lang="en-US" sz="2400" b="0" i="1" smtClean="0">
                               <a:latin typeface="Cambria Math" panose="02040503050406030204" pitchFamily="18" charset="0"/>
                               <a:ea typeface="Cambria Math" panose="02040503050406030204" pitchFamily="18" charset="0"/>
                             </a:rPr>
@@ -3685,7 +3901,7 @@
                         </m:sub>
                         <m:sup>
                           <m:r>
-                            <a:rPr lang="en-US" sz="2030" b="0" i="1" smtClean="0">
+                            <a:rPr lang="en-US" sz="2400" b="0" i="1" smtClean="0">
                               <a:latin typeface="Cambria Math" panose="02040503050406030204" pitchFamily="18" charset="0"/>
                               <a:ea typeface="Cambria Math" panose="02040503050406030204" pitchFamily="18" charset="0"/>
                             </a:rPr>
@@ -3697,7 +3913,7 @@
                             <m:naryPr>
                               <m:chr m:val="∑"/>
                               <m:ctrlPr>
-                                <a:rPr lang="en-US" sz="2030" i="1">
+                                <a:rPr lang="en-US" sz="2400" i="1">
                                   <a:latin typeface="Cambria Math" panose="02040503050406030204" pitchFamily="18" charset="0"/>
                                   <a:ea typeface="Cambria Math" panose="02040503050406030204" pitchFamily="18" charset="0"/>
                                 </a:rPr>
@@ -3708,7 +3924,7 @@
                                 <m:rPr>
                                   <m:brk m:alnAt="23"/>
                                 </m:rPr>
-                                <a:rPr lang="en-US" sz="2030" b="0" i="1" smtClean="0">
+                                <a:rPr lang="en-US" sz="2400" b="0" i="1" smtClean="0">
                                   <a:latin typeface="Cambria Math" panose="02040503050406030204" pitchFamily="18" charset="0"/>
                                   <a:ea typeface="Cambria Math" panose="02040503050406030204" pitchFamily="18" charset="0"/>
                                 </a:rPr>
@@ -3717,7 +3933,7 @@
                             </m:sub>
                             <m:sup>
                               <m:r>
-                                <a:rPr lang="en-US" sz="2030" b="0" i="1" smtClean="0">
+                                <a:rPr lang="en-US" sz="2400" b="0" i="1" smtClean="0">
                                   <a:latin typeface="Cambria Math" panose="02040503050406030204" pitchFamily="18" charset="0"/>
                                   <a:ea typeface="Cambria Math" panose="02040503050406030204" pitchFamily="18" charset="0"/>
                                 </a:rPr>
@@ -3728,7 +3944,7 @@
                               <m:sSup>
                                 <m:sSupPr>
                                   <m:ctrlPr>
-                                    <a:rPr lang="en-US" sz="2030" i="1">
+                                    <a:rPr lang="en-US" sz="2400" i="1">
                                       <a:latin typeface="Cambria Math" panose="02040503050406030204" pitchFamily="18" charset="0"/>
                                       <a:ea typeface="Cambria Math" panose="02040503050406030204" pitchFamily="18" charset="0"/>
                                     </a:rPr>
@@ -3738,7 +3954,7 @@
                                   <m:sSub>
                                     <m:sSubPr>
                                       <m:ctrlPr>
-                                        <a:rPr lang="en-US" sz="2030" b="0" i="1" smtClean="0">
+                                        <a:rPr lang="en-US" sz="2400" b="0" i="1" smtClean="0">
                                           <a:latin typeface="Cambria Math" panose="02040503050406030204" pitchFamily="18" charset="0"/>
                                           <a:ea typeface="Cambria Math" panose="02040503050406030204" pitchFamily="18" charset="0"/>
                                         </a:rPr>
@@ -3746,7 +3962,7 @@
                                     </m:sSubPr>
                                     <m:e>
                                       <m:r>
-                                        <a:rPr lang="en-US" sz="2030" b="0" i="1" smtClean="0">
+                                        <a:rPr lang="en-US" sz="2400" b="0" i="1" smtClean="0">
                                           <a:latin typeface="Cambria Math" panose="02040503050406030204" pitchFamily="18" charset="0"/>
                                           <a:ea typeface="Cambria Math" panose="02040503050406030204" pitchFamily="18" charset="0"/>
                                         </a:rPr>
@@ -3755,7 +3971,7 @@
                                     </m:e>
                                     <m:sub>
                                       <m:r>
-                                        <a:rPr lang="en-US" sz="2030" b="0" i="1" smtClean="0">
+                                        <a:rPr lang="en-US" sz="2400" b="0" i="1" smtClean="0">
                                           <a:latin typeface="Cambria Math" panose="02040503050406030204" pitchFamily="18" charset="0"/>
                                           <a:ea typeface="Cambria Math" panose="02040503050406030204" pitchFamily="18" charset="0"/>
                                         </a:rPr>
@@ -3766,7 +3982,7 @@
                                   <m:d>
                                     <m:dPr>
                                       <m:ctrlPr>
-                                        <a:rPr lang="en-US" sz="2030" i="1">
+                                        <a:rPr lang="en-US" sz="2400" i="1">
                                           <a:latin typeface="Cambria Math" panose="02040503050406030204" pitchFamily="18" charset="0"/>
                                           <a:ea typeface="Cambria Math" panose="02040503050406030204" pitchFamily="18" charset="0"/>
                                         </a:rPr>
@@ -3776,7 +3992,7 @@
                                       <m:sSub>
                                         <m:sSubPr>
                                           <m:ctrlPr>
-                                            <a:rPr lang="en-US" sz="2030" i="1">
+                                            <a:rPr lang="en-US" sz="2400" i="1">
                                               <a:latin typeface="Cambria Math" panose="02040503050406030204" pitchFamily="18" charset="0"/>
                                               <a:ea typeface="Cambria Math" panose="02040503050406030204" pitchFamily="18" charset="0"/>
                                             </a:rPr>
@@ -3784,7 +4000,7 @@
                                         </m:sSubPr>
                                         <m:e>
                                           <m:r>
-                                            <a:rPr lang="en-US" sz="2030" i="1">
+                                            <a:rPr lang="en-US" sz="2400" i="1">
                                               <a:latin typeface="Cambria Math" panose="02040503050406030204" pitchFamily="18" charset="0"/>
                                               <a:ea typeface="Cambria Math" panose="02040503050406030204" pitchFamily="18" charset="0"/>
                                             </a:rPr>
@@ -3793,7 +4009,7 @@
                                         </m:e>
                                         <m:sub>
                                           <m:r>
-                                            <a:rPr lang="en-US" sz="2030" i="1">
+                                            <a:rPr lang="en-US" sz="2400" i="1">
                                               <a:latin typeface="Cambria Math" panose="02040503050406030204" pitchFamily="18" charset="0"/>
                                               <a:ea typeface="Cambria Math" panose="02040503050406030204" pitchFamily="18" charset="0"/>
                                             </a:rPr>
@@ -3802,7 +4018,7 @@
                                         </m:sub>
                                       </m:sSub>
                                       <m:r>
-                                        <a:rPr lang="en-US" sz="2030" i="1">
+                                        <a:rPr lang="en-US" sz="2400" i="1">
                                           <a:latin typeface="Cambria Math" panose="02040503050406030204" pitchFamily="18" charset="0"/>
                                           <a:ea typeface="Cambria Math" panose="02040503050406030204" pitchFamily="18" charset="0"/>
                                         </a:rPr>
@@ -3811,7 +4027,7 @@
                                       <m:sSub>
                                         <m:sSubPr>
                                           <m:ctrlPr>
-                                            <a:rPr lang="en-US" sz="2030" i="1">
+                                            <a:rPr lang="en-US" sz="2400" i="1">
                                               <a:latin typeface="Cambria Math" panose="02040503050406030204" pitchFamily="18" charset="0"/>
                                               <a:ea typeface="Cambria Math" panose="02040503050406030204" pitchFamily="18" charset="0"/>
                                             </a:rPr>
@@ -3819,7 +4035,7 @@
                                         </m:sSubPr>
                                         <m:e>
                                           <m:r>
-                                            <a:rPr lang="en-US" sz="2030" i="1">
+                                            <a:rPr lang="en-US" sz="2400" i="1">
                                               <a:latin typeface="Cambria Math" panose="02040503050406030204" pitchFamily="18" charset="0"/>
                                               <a:ea typeface="Cambria Math" panose="02040503050406030204" pitchFamily="18" charset="0"/>
                                             </a:rPr>
@@ -3828,7 +4044,7 @@
                                         </m:e>
                                         <m:sub>
                                           <m:r>
-                                            <a:rPr lang="en-US" sz="2030" i="1">
+                                            <a:rPr lang="en-US" sz="2400" i="1">
                                               <a:latin typeface="Cambria Math" panose="02040503050406030204" pitchFamily="18" charset="0"/>
                                               <a:ea typeface="Cambria Math" panose="02040503050406030204" pitchFamily="18" charset="0"/>
                                             </a:rPr>
@@ -3841,7 +4057,7 @@
                                 </m:e>
                                 <m:sup>
                                   <m:r>
-                                    <a:rPr lang="en-US" sz="2030" i="1">
+                                    <a:rPr lang="en-US" sz="2400" i="1">
                                       <a:latin typeface="Cambria Math" panose="02040503050406030204" pitchFamily="18" charset="0"/>
                                       <a:ea typeface="Cambria Math" panose="02040503050406030204" pitchFamily="18" charset="0"/>
                                     </a:rPr>
@@ -3857,20 +4073,20 @@
                   </m:oMathPara>
                 </a14:m>
                 <a:r>
-                  <a:rPr lang="en-US" sz="2030" dirty="0" smtClean="0"/>
+                  <a:rPr lang="en-US" sz="2400" dirty="0" smtClean="0"/>
                   <a:t/>
                 </a:r>
                 <a:br>
-                  <a:rPr lang="en-US" sz="2030" dirty="0" smtClean="0"/>
+                  <a:rPr lang="en-US" sz="2400" dirty="0" smtClean="0"/>
                 </a:br>
                 <a:r>
-                  <a:rPr lang="en-US" sz="2030" dirty="0" smtClean="0"/>
+                  <a:rPr lang="en-US" sz="2400" dirty="0" smtClean="0"/>
                   <a:t>with </a:t>
                 </a:r>
                 <a14:m>
                   <m:oMath xmlns:m="http://schemas.openxmlformats.org/officeDocument/2006/math">
                     <m:r>
-                      <a:rPr lang="en-US" sz="2030" b="0" i="1" smtClean="0">
+                      <a:rPr lang="en-US" sz="2400" b="0" i="1" smtClean="0">
                         <a:latin typeface="Cambria Math" panose="02040503050406030204" pitchFamily="18" charset="0"/>
                       </a:rPr>
                       <m:t>𝑘</m:t>
@@ -3878,7 +4094,7 @@
                   </m:oMath>
                 </a14:m>
                 <a:r>
-                  <a:rPr lang="en-US" sz="2030" dirty="0" smtClean="0"/>
+                  <a:rPr lang="en-US" sz="2400" dirty="0" smtClean="0"/>
                   <a:t> the spring constant, </a:t>
                 </a:r>
                 <a14:m>
@@ -3886,14 +4102,14 @@
                     <m:sSub>
                       <m:sSubPr>
                         <m:ctrlPr>
-                          <a:rPr lang="en-US" sz="2030" b="0" i="1" smtClean="0">
+                          <a:rPr lang="en-US" sz="2400" b="0" i="1" smtClean="0">
                             <a:latin typeface="Cambria Math" panose="02040503050406030204" pitchFamily="18" charset="0"/>
                           </a:rPr>
                         </m:ctrlPr>
                       </m:sSubPr>
                       <m:e>
                         <m:r>
-                          <a:rPr lang="en-US" sz="2030" b="0" i="1" smtClean="0">
+                          <a:rPr lang="en-US" sz="2400" b="0" i="1" smtClean="0">
                             <a:latin typeface="Cambria Math" panose="02040503050406030204" pitchFamily="18" charset="0"/>
                           </a:rPr>
                           <m:t>𝛿</m:t>
@@ -3901,7 +4117,7 @@
                       </m:e>
                       <m:sub>
                         <m:r>
-                          <a:rPr lang="en-US" sz="2030" b="0" i="1" smtClean="0">
+                          <a:rPr lang="en-US" sz="2400" b="0" i="1" smtClean="0">
                             <a:latin typeface="Cambria Math" panose="02040503050406030204" pitchFamily="18" charset="0"/>
                           </a:rPr>
                           <m:t>𝑖𝑗</m:t>
@@ -3909,13 +4125,13 @@
                       </m:sub>
                     </m:sSub>
                     <m:r>
-                      <a:rPr lang="en-US" sz="2030" b="0" i="1" smtClean="0">
+                      <a:rPr lang="en-US" sz="2400" b="0" i="1" smtClean="0">
                         <a:latin typeface="Cambria Math" panose="02040503050406030204" pitchFamily="18" charset="0"/>
                       </a:rPr>
                       <m:t>=</m:t>
                     </m:r>
                     <m:r>
-                      <a:rPr lang="en-US" sz="2030" b="0" i="1" smtClean="0">
+                      <a:rPr lang="en-US" sz="2400" b="0" i="1" smtClean="0">
                         <a:latin typeface="Cambria Math" panose="02040503050406030204" pitchFamily="18" charset="0"/>
                       </a:rPr>
                       <m:t>1</m:t>
@@ -3923,13 +4139,13 @@
                   </m:oMath>
                 </a14:m>
                 <a:r>
-                  <a:rPr lang="en-US" sz="2030" dirty="0" smtClean="0"/>
+                  <a:rPr lang="en-US" sz="2400" dirty="0" smtClean="0"/>
                   <a:t> if beads </a:t>
                 </a:r>
                 <a14:m>
                   <m:oMath xmlns:m="http://schemas.openxmlformats.org/officeDocument/2006/math">
                     <m:r>
-                      <a:rPr lang="en-US" sz="2030" b="0" i="1" smtClean="0">
+                      <a:rPr lang="en-US" sz="2400" b="0" i="1" smtClean="0">
                         <a:latin typeface="Cambria Math" panose="02040503050406030204" pitchFamily="18" charset="0"/>
                       </a:rPr>
                       <m:t>𝑖</m:t>
@@ -3937,13 +4153,13 @@
                   </m:oMath>
                 </a14:m>
                 <a:r>
-                  <a:rPr lang="en-US" sz="2030" dirty="0" smtClean="0"/>
+                  <a:rPr lang="en-US" sz="2400" dirty="0" smtClean="0"/>
                   <a:t> and </a:t>
                 </a:r>
                 <a14:m>
                   <m:oMath xmlns:m="http://schemas.openxmlformats.org/officeDocument/2006/math">
                     <m:r>
-                      <a:rPr lang="en-US" sz="2030" b="0" i="1" smtClean="0">
+                      <a:rPr lang="en-US" sz="2400" b="0" i="1" smtClean="0">
                         <a:latin typeface="Cambria Math" panose="02040503050406030204" pitchFamily="18" charset="0"/>
                       </a:rPr>
                       <m:t>𝑗</m:t>
@@ -3951,17 +4167,17 @@
                   </m:oMath>
                 </a14:m>
                 <a:r>
-                  <a:rPr lang="en-US" sz="2030" dirty="0" smtClean="0"/>
+                  <a:rPr lang="en-US" sz="2400" dirty="0" smtClean="0"/>
                   <a:t> are connected, and 0 otherwise. The </a:t>
                 </a:r>
                 <a:r>
-                  <a:rPr lang="en-US" sz="2030" dirty="0"/>
+                  <a:rPr lang="en-US" sz="2400" dirty="0"/>
                   <a:t>stochastic dynamics of bead </a:t>
                 </a:r>
                 <a14:m>
                   <m:oMath xmlns:m="http://schemas.openxmlformats.org/officeDocument/2006/math">
                     <m:r>
-                      <a:rPr lang="en-US" sz="2030" b="0" i="1" smtClean="0">
+                      <a:rPr lang="en-US" sz="2400" b="0" i="1" smtClean="0">
                         <a:latin typeface="Cambria Math" panose="02040503050406030204" pitchFamily="18" charset="0"/>
                       </a:rPr>
                       <m:t>𝑖</m:t>
@@ -3969,42 +4185,42 @@
                   </m:oMath>
                 </a14:m>
                 <a:r>
-                  <a:rPr lang="en-US" sz="2030" dirty="0" smtClean="0"/>
+                  <a:rPr lang="en-US" sz="2400" dirty="0" smtClean="0"/>
                   <a:t>  </a:t>
                 </a:r>
                 <a:r>
-                  <a:rPr lang="en-US" sz="2030" dirty="0"/>
+                  <a:rPr lang="en-US" sz="2400" dirty="0"/>
                   <a:t>in a </a:t>
                 </a:r>
                 <a:r>
-                  <a:rPr lang="en-US" sz="2030" dirty="0" smtClean="0"/>
+                  <a:rPr lang="en-US" sz="2400" dirty="0" smtClean="0"/>
                   <a:t>Rouse </a:t>
                 </a:r>
                 <a:r>
-                  <a:rPr lang="en-US" sz="2030" dirty="0"/>
+                  <a:rPr lang="en-US" sz="2400" dirty="0"/>
                   <a:t>chain of </a:t>
                 </a:r>
                 <a:r>
-                  <a:rPr lang="en-US" sz="2030" dirty="0" smtClean="0"/>
+                  <a:rPr lang="en-US" sz="2400" dirty="0" smtClean="0"/>
                   <a:t>N </a:t>
                 </a:r>
                 <a:r>
-                  <a:rPr lang="en-US" sz="2030" dirty="0"/>
+                  <a:rPr lang="en-US" sz="2400" dirty="0"/>
                   <a:t>beads is given by</a:t>
                 </a:r>
                 <a:r>
-                  <a:rPr lang="en-US" sz="2030" dirty="0" smtClean="0"/>
+                  <a:rPr lang="en-US" sz="2400" dirty="0" smtClean="0"/>
                   <a:t>:</a:t>
                 </a:r>
               </a:p>
               <a:p>
                 <a:pPr/>
                 <a:r>
-                  <a:rPr lang="en-US" sz="2030" dirty="0"/>
+                  <a:rPr lang="en-US" sz="2400" dirty="0"/>
                   <a:t/>
                 </a:r>
                 <a:br>
-                  <a:rPr lang="en-US" sz="2030" dirty="0"/>
+                  <a:rPr lang="en-US" sz="2400" dirty="0"/>
                 </a:br>
                 <a14:m>
                   <m:oMathPara xmlns:m="http://schemas.openxmlformats.org/officeDocument/2006/math">
@@ -4015,14 +4231,14 @@
                       <m:f>
                         <m:fPr>
                           <m:ctrlPr>
-                            <a:rPr lang="en-US" sz="2030" i="1">
+                            <a:rPr lang="en-US" sz="2400" i="1">
                               <a:latin typeface="Cambria Math" panose="02040503050406030204" pitchFamily="18" charset="0"/>
                             </a:rPr>
                           </m:ctrlPr>
                         </m:fPr>
                         <m:num>
                           <m:r>
-                            <a:rPr lang="en-US" sz="2030" i="1">
+                            <a:rPr lang="en-US" sz="2400" i="1">
                               <a:latin typeface="Cambria Math" panose="02040503050406030204" pitchFamily="18" charset="0"/>
                             </a:rPr>
                             <m:t>𝑑</m:t>
@@ -4030,14 +4246,14 @@
                           <m:sSub>
                             <m:sSubPr>
                               <m:ctrlPr>
-                                <a:rPr lang="en-US" sz="2030" i="1">
+                                <a:rPr lang="en-US" sz="2400" i="1">
                                   <a:latin typeface="Cambria Math" panose="02040503050406030204" pitchFamily="18" charset="0"/>
                                 </a:rPr>
                               </m:ctrlPr>
                             </m:sSubPr>
                             <m:e>
                               <m:r>
-                                <a:rPr lang="en-US" sz="2030" i="1">
+                                <a:rPr lang="en-US" sz="2400" i="1">
                                   <a:latin typeface="Cambria Math" panose="02040503050406030204" pitchFamily="18" charset="0"/>
                                 </a:rPr>
                                 <m:t>𝑅</m:t>
@@ -4045,7 +4261,7 @@
                             </m:e>
                             <m:sub>
                               <m:r>
-                                <a:rPr lang="en-US" sz="2030" i="1">
+                                <a:rPr lang="en-US" sz="2400" i="1">
                                   <a:latin typeface="Cambria Math" panose="02040503050406030204" pitchFamily="18" charset="0"/>
                                 </a:rPr>
                                 <m:t>𝑖</m:t>
@@ -4053,19 +4269,19 @@
                             </m:sub>
                           </m:sSub>
                           <m:r>
-                            <a:rPr lang="en-US" sz="2030" i="1">
+                            <a:rPr lang="en-US" sz="2400" i="1">
                               <a:latin typeface="Cambria Math" panose="02040503050406030204" pitchFamily="18" charset="0"/>
                             </a:rPr>
                             <m:t>(</m:t>
                           </m:r>
                           <m:r>
-                            <a:rPr lang="en-US" sz="2030" i="1">
+                            <a:rPr lang="en-US" sz="2400" i="1">
                               <a:latin typeface="Cambria Math" panose="02040503050406030204" pitchFamily="18" charset="0"/>
                             </a:rPr>
                             <m:t>𝑡</m:t>
                           </m:r>
                           <m:r>
-                            <a:rPr lang="en-US" sz="2030" i="1">
+                            <a:rPr lang="en-US" sz="2400" i="1">
                               <a:latin typeface="Cambria Math" panose="02040503050406030204" pitchFamily="18" charset="0"/>
                             </a:rPr>
                             <m:t>)</m:t>
@@ -4073,7 +4289,7 @@
                         </m:num>
                         <m:den>
                           <m:r>
-                            <a:rPr lang="en-US" sz="2030" i="1">
+                            <a:rPr lang="en-US" sz="2400" i="1">
                               <a:latin typeface="Cambria Math" panose="02040503050406030204" pitchFamily="18" charset="0"/>
                             </a:rPr>
                             <m:t>𝑑𝑡</m:t>
@@ -4081,19 +4297,19 @@
                         </m:den>
                       </m:f>
                       <m:r>
-                        <a:rPr lang="en-US" sz="2030" i="1">
+                        <a:rPr lang="en-US" sz="2400" i="1">
                           <a:latin typeface="Cambria Math" panose="02040503050406030204" pitchFamily="18" charset="0"/>
                         </a:rPr>
                         <m:t>=−</m:t>
                       </m:r>
                       <m:r>
-                        <a:rPr lang="en-US" sz="2030" b="0" i="1" smtClean="0">
+                        <a:rPr lang="en-US" sz="2400" b="0" i="1" smtClean="0">
                           <a:latin typeface="Cambria Math" panose="02040503050406030204" pitchFamily="18" charset="0"/>
                         </a:rPr>
                         <m:t>𝐷</m:t>
                       </m:r>
                       <m:r>
-                        <a:rPr lang="en-US" sz="2030" i="1">
+                        <a:rPr lang="en-US" sz="2400" i="1">
                           <a:latin typeface="Cambria Math" panose="02040503050406030204" pitchFamily="18" charset="0"/>
                           <a:ea typeface="Cambria Math" panose="02040503050406030204" pitchFamily="18" charset="0"/>
                         </a:rPr>
@@ -4102,7 +4318,7 @@
                       <m:sSub>
                         <m:sSubPr>
                           <m:ctrlPr>
-                            <a:rPr lang="en-US" sz="2030" b="0" i="1" smtClean="0">
+                            <a:rPr lang="en-US" sz="2400" b="0" i="1" smtClean="0">
                               <a:latin typeface="Cambria Math" panose="02040503050406030204" pitchFamily="18" charset="0"/>
                               <a:ea typeface="Cambria Math" panose="02040503050406030204" pitchFamily="18" charset="0"/>
                             </a:rPr>
@@ -4113,7 +4329,7 @@
                             <m:rPr>
                               <m:sty m:val="p"/>
                             </m:rPr>
-                            <a:rPr lang="el-GR" sz="2030" i="1" smtClean="0">
+                            <a:rPr lang="el-GR" sz="2400" i="1" smtClean="0">
                               <a:latin typeface="Cambria Math" panose="02040503050406030204" pitchFamily="18" charset="0"/>
                               <a:ea typeface="Cambria Math" panose="02040503050406030204" pitchFamily="18" charset="0"/>
                             </a:rPr>
@@ -4124,7 +4340,7 @@
                           <m:sSub>
                             <m:sSubPr>
                               <m:ctrlPr>
-                                <a:rPr lang="en-US" sz="2030" b="0" i="1" smtClean="0">
+                                <a:rPr lang="en-US" sz="2400" b="0" i="1" smtClean="0">
                                   <a:latin typeface="Cambria Math" panose="02040503050406030204" pitchFamily="18" charset="0"/>
                                   <a:ea typeface="Cambria Math" panose="02040503050406030204" pitchFamily="18" charset="0"/>
                                 </a:rPr>
@@ -4132,7 +4348,7 @@
                             </m:sSubPr>
                             <m:e>
                               <m:r>
-                                <a:rPr lang="en-US" sz="2030" b="0" i="1" smtClean="0">
+                                <a:rPr lang="en-US" sz="2400" b="0" i="1" smtClean="0">
                                   <a:latin typeface="Cambria Math" panose="02040503050406030204" pitchFamily="18" charset="0"/>
                                   <a:ea typeface="Cambria Math" panose="02040503050406030204" pitchFamily="18" charset="0"/>
                                 </a:rPr>
@@ -4141,7 +4357,7 @@
                             </m:e>
                             <m:sub>
                               <m:r>
-                                <a:rPr lang="en-US" sz="2030" b="0" i="1" smtClean="0">
+                                <a:rPr lang="en-US" sz="2400" b="0" i="1" smtClean="0">
                                   <a:latin typeface="Cambria Math" panose="02040503050406030204" pitchFamily="18" charset="0"/>
                                   <a:ea typeface="Cambria Math" panose="02040503050406030204" pitchFamily="18" charset="0"/>
                                 </a:rPr>
@@ -4152,7 +4368,7 @@
                         </m:sub>
                       </m:sSub>
                       <m:r>
-                        <a:rPr lang="en-US" sz="2030" i="1">
+                        <a:rPr lang="en-US" sz="2400" i="1">
                           <a:latin typeface="Cambria Math" panose="02040503050406030204" pitchFamily="18" charset="0"/>
                         </a:rPr>
                         <m:t>+</m:t>
@@ -4161,7 +4377,7 @@
                         <m:radPr>
                           <m:degHide m:val="on"/>
                           <m:ctrlPr>
-                            <a:rPr lang="en-US" sz="2030" i="1">
+                            <a:rPr lang="en-US" sz="2400" i="1">
                               <a:latin typeface="Cambria Math" panose="02040503050406030204" pitchFamily="18" charset="0"/>
                             </a:rPr>
                           </m:ctrlPr>
@@ -4169,13 +4385,13 @@
                         <m:deg/>
                         <m:e>
                           <m:r>
-                            <a:rPr lang="en-US" sz="2030" i="1">
+                            <a:rPr lang="en-US" sz="2400" i="1">
                               <a:latin typeface="Cambria Math" panose="02040503050406030204" pitchFamily="18" charset="0"/>
                             </a:rPr>
                             <m:t>2</m:t>
                           </m:r>
                           <m:r>
-                            <a:rPr lang="en-US" sz="2030" i="1">
+                            <a:rPr lang="en-US" sz="2400" i="1">
                               <a:latin typeface="Cambria Math" panose="02040503050406030204" pitchFamily="18" charset="0"/>
                             </a:rPr>
                             <m:t>𝐷</m:t>
@@ -4185,32 +4401,32 @@
                       <m:f>
                         <m:fPr>
                           <m:ctrlPr>
-                            <a:rPr lang="en-US" sz="2030" i="1">
+                            <a:rPr lang="en-US" sz="2400" i="1">
                               <a:latin typeface="Cambria Math" panose="02040503050406030204" pitchFamily="18" charset="0"/>
                             </a:rPr>
                           </m:ctrlPr>
                         </m:fPr>
                         <m:num>
                           <m:r>
-                            <a:rPr lang="en-US" sz="2030" i="1">
+                            <a:rPr lang="en-US" sz="2400" i="1">
                               <a:latin typeface="Cambria Math" panose="02040503050406030204" pitchFamily="18" charset="0"/>
                             </a:rPr>
                             <m:t>𝑑𝑤</m:t>
                           </m:r>
                           <m:r>
-                            <a:rPr lang="en-US" sz="2030" i="1">
+                            <a:rPr lang="en-US" sz="2400" i="1">
                               <a:latin typeface="Cambria Math" panose="02040503050406030204" pitchFamily="18" charset="0"/>
                             </a:rPr>
                             <m:t>(</m:t>
                           </m:r>
                           <m:r>
-                            <a:rPr lang="en-US" sz="2030" i="1">
+                            <a:rPr lang="en-US" sz="2400" i="1">
                               <a:latin typeface="Cambria Math" panose="02040503050406030204" pitchFamily="18" charset="0"/>
                             </a:rPr>
                             <m:t>𝑡</m:t>
                           </m:r>
                           <m:r>
-                            <a:rPr lang="en-US" sz="2030" i="1">
+                            <a:rPr lang="en-US" sz="2400" i="1">
                               <a:latin typeface="Cambria Math" panose="02040503050406030204" pitchFamily="18" charset="0"/>
                             </a:rPr>
                             <m:t>)</m:t>
@@ -4218,7 +4434,7 @@
                         </m:num>
                         <m:den>
                           <m:r>
-                            <a:rPr lang="en-US" sz="2030" i="1">
+                            <a:rPr lang="en-US" sz="2400" i="1">
                               <a:latin typeface="Cambria Math" panose="02040503050406030204" pitchFamily="18" charset="0"/>
                             </a:rPr>
                             <m:t>𝑑𝑡</m:t>
@@ -4228,14 +4444,14 @@
                     </m:oMath>
                   </m:oMathPara>
                 </a14:m>
-                <a:endParaRPr lang="en-US" sz="2030" dirty="0"/>
+                <a:endParaRPr lang="en-US" sz="2400" dirty="0"/>
               </a:p>
               <a:p>
-                <a:endParaRPr lang="en-US" sz="2030" b="1" dirty="0"/>
+                <a:endParaRPr lang="en-US" sz="2400" b="1" dirty="0"/>
               </a:p>
               <a:p>
                 <a:r>
-                  <a:rPr lang="en-US" sz="2030" dirty="0"/>
+                  <a:rPr lang="en-US" sz="2400" dirty="0"/>
                   <a:t>With </a:t>
                 </a:r>
                 <a14:m>
@@ -4243,14 +4459,14 @@
                     <m:sSub>
                       <m:sSubPr>
                         <m:ctrlPr>
-                          <a:rPr lang="en-US" sz="2030" i="1">
+                          <a:rPr lang="en-US" sz="2400" i="1">
                             <a:latin typeface="Cambria Math" panose="02040503050406030204" pitchFamily="18" charset="0"/>
                           </a:rPr>
                         </m:ctrlPr>
                       </m:sSubPr>
                       <m:e>
                         <m:r>
-                          <a:rPr lang="en-US" sz="2030" i="1">
+                          <a:rPr lang="en-US" sz="2400" i="1">
                             <a:latin typeface="Cambria Math" panose="02040503050406030204" pitchFamily="18" charset="0"/>
                           </a:rPr>
                           <m:t>𝑅</m:t>
@@ -4258,7 +4474,7 @@
                       </m:e>
                       <m:sub>
                         <m:r>
-                          <a:rPr lang="en-US" sz="2030" i="1">
+                          <a:rPr lang="en-US" sz="2400" i="1">
                             <a:latin typeface="Cambria Math" panose="02040503050406030204" pitchFamily="18" charset="0"/>
                           </a:rPr>
                           <m:t>𝑖</m:t>
@@ -4266,19 +4482,19 @@
                       </m:sub>
                     </m:sSub>
                     <m:r>
-                      <a:rPr lang="en-US" sz="2030" i="1">
+                      <a:rPr lang="en-US" sz="2400" i="1">
                         <a:latin typeface="Cambria Math" panose="02040503050406030204" pitchFamily="18" charset="0"/>
                       </a:rPr>
                       <m:t>(</m:t>
                     </m:r>
                     <m:r>
-                      <a:rPr lang="en-US" sz="2030" i="1">
+                      <a:rPr lang="en-US" sz="2400" i="1">
                         <a:latin typeface="Cambria Math" panose="02040503050406030204" pitchFamily="18" charset="0"/>
                       </a:rPr>
                       <m:t>𝑡</m:t>
                     </m:r>
                     <m:r>
-                      <a:rPr lang="en-US" sz="2030" i="1">
+                      <a:rPr lang="en-US" sz="2400" i="1">
                         <a:latin typeface="Cambria Math" panose="02040503050406030204" pitchFamily="18" charset="0"/>
                       </a:rPr>
                       <m:t>)</m:t>
@@ -4286,13 +4502,13 @@
                   </m:oMath>
                 </a14:m>
                 <a:r>
-                  <a:rPr lang="en-US" sz="2030" dirty="0"/>
+                  <a:rPr lang="en-US" sz="2400" dirty="0"/>
                   <a:t> the position of bead </a:t>
                 </a:r>
                 <a14:m>
                   <m:oMath xmlns:m="http://schemas.openxmlformats.org/officeDocument/2006/math">
                     <m:r>
-                      <a:rPr lang="en-US" sz="2030" i="1">
+                      <a:rPr lang="en-US" sz="2400" i="1">
                         <a:latin typeface="Cambria Math" panose="02040503050406030204" pitchFamily="18" charset="0"/>
                       </a:rPr>
                       <m:t>𝑖</m:t>
@@ -4300,13 +4516,13 @@
                   </m:oMath>
                 </a14:m>
                 <a:r>
-                  <a:rPr lang="en-US" sz="2030" dirty="0"/>
+                  <a:rPr lang="en-US" sz="2400" dirty="0"/>
                   <a:t> at time </a:t>
                 </a:r>
                 <a14:m>
                   <m:oMath xmlns:m="http://schemas.openxmlformats.org/officeDocument/2006/math">
                     <m:r>
-                      <a:rPr lang="en-US" sz="2030" i="1">
+                      <a:rPr lang="en-US" sz="2400" i="1">
                         <a:latin typeface="Cambria Math" panose="02040503050406030204" pitchFamily="18" charset="0"/>
                       </a:rPr>
                       <m:t>𝑡</m:t>
@@ -4314,13 +4530,13 @@
                   </m:oMath>
                 </a14:m>
                 <a:r>
-                  <a:rPr lang="en-US" sz="2030" dirty="0"/>
+                  <a:rPr lang="en-US" sz="2400" dirty="0"/>
                   <a:t> , </a:t>
                 </a:r>
                 <a14:m>
                   <m:oMath xmlns:m="http://schemas.openxmlformats.org/officeDocument/2006/math">
                     <m:r>
-                      <a:rPr lang="en-US" sz="2030" i="1">
+                      <a:rPr lang="en-US" sz="2400" i="1">
                         <a:latin typeface="Cambria Math" panose="02040503050406030204" pitchFamily="18" charset="0"/>
                       </a:rPr>
                       <m:t>𝐷</m:t>
@@ -4328,31 +4544,31 @@
                   </m:oMath>
                 </a14:m>
                 <a:r>
-                  <a:rPr lang="en-US" sz="2030" dirty="0"/>
+                  <a:rPr lang="en-US" sz="2400" dirty="0"/>
                   <a:t> is the diffusion constant, and </a:t>
                 </a:r>
                 <a14:m>
                   <m:oMath xmlns:m="http://schemas.openxmlformats.org/officeDocument/2006/math">
                     <m:r>
-                      <a:rPr lang="en-US" sz="2030" i="1">
+                      <a:rPr lang="en-US" sz="2400" i="1">
                         <a:latin typeface="Cambria Math" panose="02040503050406030204" pitchFamily="18" charset="0"/>
                       </a:rPr>
                       <m:t>𝑤</m:t>
                     </m:r>
                     <m:r>
-                      <a:rPr lang="en-US" sz="2030" i="1">
+                      <a:rPr lang="en-US" sz="2400" i="1">
                         <a:latin typeface="Cambria Math" panose="02040503050406030204" pitchFamily="18" charset="0"/>
                       </a:rPr>
                       <m:t>(</m:t>
                     </m:r>
                     <m:r>
-                      <a:rPr lang="en-US" sz="2030" i="1">
+                      <a:rPr lang="en-US" sz="2400" i="1">
                         <a:latin typeface="Cambria Math" panose="02040503050406030204" pitchFamily="18" charset="0"/>
                       </a:rPr>
                       <m:t>𝑡</m:t>
                     </m:r>
                     <m:r>
-                      <a:rPr lang="en-US" sz="2030" i="1">
+                      <a:rPr lang="en-US" sz="2400" i="1">
                         <a:latin typeface="Cambria Math" panose="02040503050406030204" pitchFamily="18" charset="0"/>
                       </a:rPr>
                       <m:t>)</m:t>
@@ -4360,46 +4576,46 @@
                   </m:oMath>
                 </a14:m>
                 <a:r>
-                  <a:rPr lang="en-US" sz="2030" dirty="0"/>
+                  <a:rPr lang="en-US" sz="2400" dirty="0"/>
                   <a:t> is a white Gaussian noise with </a:t>
                 </a:r>
                 <a:r>
-                  <a:rPr lang="en-US" sz="2030" dirty="0" smtClean="0"/>
+                  <a:rPr lang="en-US" sz="2400" dirty="0" smtClean="0"/>
                   <a:t>mean 0 a variance 1.</a:t>
                 </a:r>
-                <a:endParaRPr lang="en-US" sz="2030" dirty="0"/>
+                <a:endParaRPr lang="en-US" sz="2400" dirty="0"/>
               </a:p>
               <a:p>
-                <a:endParaRPr lang="en-US" sz="2030" dirty="0" smtClean="0"/>
+                <a:endParaRPr lang="en-US" sz="2400" dirty="0" smtClean="0"/>
               </a:p>
               <a:p>
                 <a:r>
-                  <a:rPr lang="en-US" sz="2030" b="1" dirty="0" smtClean="0"/>
-                  <a:t>The encounter Probability</a:t>
+                  <a:rPr lang="en-US" sz="3200" b="1" dirty="0" smtClean="0"/>
+                  <a:t>The encounter probability</a:t>
                 </a:r>
               </a:p>
               <a:p>
                 <a:r>
-                  <a:rPr lang="en-US" sz="2030" dirty="0" smtClean="0"/>
+                  <a:rPr lang="en-US" sz="2400" dirty="0" smtClean="0"/>
                   <a:t>For </a:t>
                 </a:r>
                 <a:r>
-                  <a:rPr lang="en-US" sz="2030" dirty="0"/>
+                  <a:rPr lang="en-US" sz="2400" dirty="0"/>
                   <a:t>linear Rouse </a:t>
                 </a:r>
                 <a:r>
-                  <a:rPr lang="en-US" sz="2030" dirty="0" smtClean="0"/>
+                  <a:rPr lang="en-US" sz="2400" dirty="0" smtClean="0"/>
                   <a:t>polymer of N beads (Figure 2A), </a:t>
                 </a:r>
                 <a:r>
-                  <a:rPr lang="en-US" sz="2030" dirty="0"/>
+                  <a:rPr lang="en-US" sz="2400" dirty="0"/>
                   <a:t>the distribution of the distance between bead m and n is normally distributed with </a:t>
                 </a:r>
                 <a:br>
-                  <a:rPr lang="en-US" sz="2030" dirty="0"/>
+                  <a:rPr lang="en-US" sz="2400" dirty="0"/>
                 </a:br>
                 <a:r>
-                  <a:rPr lang="en-US" sz="2030" dirty="0"/>
+                  <a:rPr lang="en-US" sz="2400" dirty="0"/>
                   <a:t>        </a:t>
                 </a:r>
                 <a14:m>
@@ -4407,14 +4623,14 @@
                     <m:sSub>
                       <m:sSubPr>
                         <m:ctrlPr>
-                          <a:rPr lang="en-US" sz="2030" b="0" i="1" smtClean="0">
+                          <a:rPr lang="en-US" sz="2400" b="0" i="1" smtClean="0">
                             <a:latin typeface="Cambria Math" panose="02040503050406030204" pitchFamily="18" charset="0"/>
                           </a:rPr>
                         </m:ctrlPr>
                       </m:sSubPr>
                       <m:e>
                         <m:r>
-                          <a:rPr lang="en-US" sz="2030" i="1">
+                          <a:rPr lang="en-US" sz="2400" i="1">
                             <a:latin typeface="Cambria Math" panose="02040503050406030204" pitchFamily="18" charset="0"/>
                           </a:rPr>
                           <m:t>𝑃</m:t>
@@ -4422,7 +4638,7 @@
                       </m:e>
                       <m:sub>
                         <m:r>
-                          <a:rPr lang="en-US" sz="2030" b="0" i="1" smtClean="0">
+                          <a:rPr lang="en-US" sz="2400" b="0" i="1" smtClean="0">
                             <a:latin typeface="Cambria Math" panose="02040503050406030204" pitchFamily="18" charset="0"/>
                           </a:rPr>
                           <m:t>𝑁</m:t>
@@ -4432,7 +4648,7 @@
                     <m:d>
                       <m:dPr>
                         <m:ctrlPr>
-                          <a:rPr lang="en-US" sz="2030" i="1">
+                          <a:rPr lang="en-US" sz="2400" i="1">
                             <a:latin typeface="Cambria Math" panose="02040503050406030204" pitchFamily="18" charset="0"/>
                           </a:rPr>
                         </m:ctrlPr>
@@ -4443,7 +4659,7 @@
                             <m:begChr m:val="|"/>
                             <m:endChr m:val="|"/>
                             <m:ctrlPr>
-                              <a:rPr lang="en-US" sz="2030" i="1">
+                              <a:rPr lang="en-US" sz="2400" i="1">
                                 <a:latin typeface="Cambria Math" panose="02040503050406030204" pitchFamily="18" charset="0"/>
                               </a:rPr>
                             </m:ctrlPr>
@@ -4452,14 +4668,14 @@
                             <m:sSub>
                               <m:sSubPr>
                                 <m:ctrlPr>
-                                  <a:rPr lang="en-US" sz="2030" i="1">
+                                  <a:rPr lang="en-US" sz="2400" i="1">
                                     <a:latin typeface="Cambria Math" panose="02040503050406030204" pitchFamily="18" charset="0"/>
                                   </a:rPr>
                                 </m:ctrlPr>
                               </m:sSubPr>
                               <m:e>
                                 <m:r>
-                                  <a:rPr lang="en-US" sz="2030" i="1">
+                                  <a:rPr lang="en-US" sz="2400" i="1">
                                     <a:latin typeface="Cambria Math" panose="02040503050406030204" pitchFamily="18" charset="0"/>
                                   </a:rPr>
                                   <m:t>𝑅</m:t>
@@ -4467,7 +4683,7 @@
                               </m:e>
                               <m:sub>
                                 <m:r>
-                                  <a:rPr lang="en-US" sz="2030" i="1">
+                                  <a:rPr lang="en-US" sz="2400" i="1">
                                     <a:latin typeface="Cambria Math" panose="02040503050406030204" pitchFamily="18" charset="0"/>
                                   </a:rPr>
                                   <m:t>𝑛</m:t>
@@ -4475,7 +4691,7 @@
                               </m:sub>
                             </m:sSub>
                             <m:r>
-                              <a:rPr lang="en-US" sz="2030" i="1">
+                              <a:rPr lang="en-US" sz="2400" i="1">
                                 <a:latin typeface="Cambria Math" panose="02040503050406030204" pitchFamily="18" charset="0"/>
                               </a:rPr>
                               <m:t>−</m:t>
@@ -4483,14 +4699,14 @@
                             <m:sSub>
                               <m:sSubPr>
                                 <m:ctrlPr>
-                                  <a:rPr lang="en-US" sz="2030" i="1">
+                                  <a:rPr lang="en-US" sz="2400" i="1">
                                     <a:latin typeface="Cambria Math" panose="02040503050406030204" pitchFamily="18" charset="0"/>
                                   </a:rPr>
                                 </m:ctrlPr>
                               </m:sSubPr>
                               <m:e>
                                 <m:r>
-                                  <a:rPr lang="en-US" sz="2030" i="1">
+                                  <a:rPr lang="en-US" sz="2400" i="1">
                                     <a:latin typeface="Cambria Math" panose="02040503050406030204" pitchFamily="18" charset="0"/>
                                   </a:rPr>
                                   <m:t>𝑅</m:t>
@@ -4498,7 +4714,7 @@
                               </m:e>
                               <m:sub>
                                 <m:r>
-                                  <a:rPr lang="en-US" sz="2030" i="1">
+                                  <a:rPr lang="en-US" sz="2400" i="1">
                                     <a:latin typeface="Cambria Math" panose="02040503050406030204" pitchFamily="18" charset="0"/>
                                   </a:rPr>
                                   <m:t>𝑚</m:t>
@@ -4510,7 +4726,7 @@
                       </m:e>
                     </m:d>
                     <m:r>
-                      <a:rPr lang="en-US" sz="2030" i="1">
+                      <a:rPr lang="en-US" sz="2400" i="1">
                         <a:latin typeface="Cambria Math" panose="02040503050406030204" pitchFamily="18" charset="0"/>
                       </a:rPr>
                       <m:t>=</m:t>
@@ -4518,7 +4734,7 @@
                     <m:sSup>
                       <m:sSupPr>
                         <m:ctrlPr>
-                          <a:rPr lang="en-US" sz="2030" i="1">
+                          <a:rPr lang="en-US" sz="2400" i="1">
                             <a:latin typeface="Cambria Math" panose="02040503050406030204" pitchFamily="18" charset="0"/>
                           </a:rPr>
                         </m:ctrlPr>
@@ -4527,7 +4743,7 @@
                         <m:d>
                           <m:dPr>
                             <m:ctrlPr>
-                              <a:rPr lang="en-US" sz="2030" i="1">
+                              <a:rPr lang="en-US" sz="2400" i="1">
                                 <a:latin typeface="Cambria Math" panose="02040503050406030204" pitchFamily="18" charset="0"/>
                               </a:rPr>
                             </m:ctrlPr>
@@ -4536,14 +4752,14 @@
                             <m:f>
                               <m:fPr>
                                 <m:ctrlPr>
-                                  <a:rPr lang="en-US" sz="2030" i="1">
+                                  <a:rPr lang="en-US" sz="2400" i="1">
                                     <a:latin typeface="Cambria Math" panose="02040503050406030204" pitchFamily="18" charset="0"/>
                                   </a:rPr>
                                 </m:ctrlPr>
                               </m:fPr>
                               <m:num>
                                 <m:r>
-                                  <a:rPr lang="en-US" sz="2030" i="1">
+                                  <a:rPr lang="en-US" sz="2400" i="1">
                                     <a:latin typeface="Cambria Math" panose="02040503050406030204" pitchFamily="18" charset="0"/>
                                   </a:rPr>
                                   <m:t>3</m:t>
@@ -4551,13 +4767,13 @@
                               </m:num>
                               <m:den>
                                 <m:r>
-                                  <a:rPr lang="en-US" sz="2030" i="1">
+                                  <a:rPr lang="en-US" sz="2400" i="1">
                                     <a:latin typeface="Cambria Math" panose="02040503050406030204" pitchFamily="18" charset="0"/>
                                   </a:rPr>
                                   <m:t>2</m:t>
                                 </m:r>
                                 <m:r>
-                                  <a:rPr lang="en-US" sz="2030" i="1">
+                                  <a:rPr lang="en-US" sz="2400" i="1">
                                     <a:latin typeface="Cambria Math" panose="02040503050406030204" pitchFamily="18" charset="0"/>
                                     <a:ea typeface="Cambria Math" panose="02040503050406030204" pitchFamily="18" charset="0"/>
                                   </a:rPr>
@@ -4566,7 +4782,7 @@
                                 <m:sSup>
                                   <m:sSupPr>
                                     <m:ctrlPr>
-                                      <a:rPr lang="en-US" sz="2030" i="1">
+                                      <a:rPr lang="en-US" sz="2400" i="1">
                                         <a:latin typeface="Cambria Math" panose="02040503050406030204" pitchFamily="18" charset="0"/>
                                         <a:ea typeface="Cambria Math" panose="02040503050406030204" pitchFamily="18" charset="0"/>
                                       </a:rPr>
@@ -4574,7 +4790,7 @@
                                   </m:sSupPr>
                                   <m:e>
                                     <m:r>
-                                      <a:rPr lang="en-US" sz="2030" i="1">
+                                      <a:rPr lang="en-US" sz="2400" i="1">
                                         <a:latin typeface="Cambria Math" panose="02040503050406030204" pitchFamily="18" charset="0"/>
                                         <a:ea typeface="Cambria Math" panose="02040503050406030204" pitchFamily="18" charset="0"/>
                                       </a:rPr>
@@ -4583,7 +4799,7 @@
                                   </m:e>
                                   <m:sup>
                                     <m:r>
-                                      <a:rPr lang="en-US" sz="2030" i="1">
+                                      <a:rPr lang="en-US" sz="2400" i="1">
                                         <a:latin typeface="Cambria Math" panose="02040503050406030204" pitchFamily="18" charset="0"/>
                                         <a:ea typeface="Cambria Math" panose="02040503050406030204" pitchFamily="18" charset="0"/>
                                       </a:rPr>
@@ -4592,31 +4808,31 @@
                                   </m:sup>
                                 </m:sSup>
                                 <m:r>
-                                  <a:rPr lang="en-US" sz="2030" i="1">
+                                  <a:rPr lang="en-US" sz="2400" i="1">
                                     <a:latin typeface="Cambria Math" panose="02040503050406030204" pitchFamily="18" charset="0"/>
                                   </a:rPr>
                                   <m:t>|</m:t>
                                 </m:r>
                                 <m:r>
-                                  <a:rPr lang="en-US" sz="2030" i="1">
+                                  <a:rPr lang="en-US" sz="2400" i="1">
                                     <a:latin typeface="Cambria Math" panose="02040503050406030204" pitchFamily="18" charset="0"/>
                                   </a:rPr>
                                   <m:t>𝑚</m:t>
                                 </m:r>
                                 <m:r>
-                                  <a:rPr lang="en-US" sz="2030" i="1">
+                                  <a:rPr lang="en-US" sz="2400" i="1">
                                     <a:latin typeface="Cambria Math" panose="02040503050406030204" pitchFamily="18" charset="0"/>
                                   </a:rPr>
                                   <m:t>−</m:t>
                                 </m:r>
                                 <m:r>
-                                  <a:rPr lang="en-US" sz="2030" i="1">
+                                  <a:rPr lang="en-US" sz="2400" i="1">
                                     <a:latin typeface="Cambria Math" panose="02040503050406030204" pitchFamily="18" charset="0"/>
                                   </a:rPr>
                                   <m:t>𝑛</m:t>
                                 </m:r>
                                 <m:r>
-                                  <a:rPr lang="en-US" sz="2030" i="1">
+                                  <a:rPr lang="en-US" sz="2400" i="1">
                                     <a:latin typeface="Cambria Math" panose="02040503050406030204" pitchFamily="18" charset="0"/>
                                   </a:rPr>
                                   <m:t>|</m:t>
@@ -4628,19 +4844,19 @@
                       </m:e>
                       <m:sup>
                         <m:r>
-                          <a:rPr lang="en-US" sz="2030" i="1">
+                          <a:rPr lang="en-US" sz="2400" i="1">
                             <a:latin typeface="Cambria Math" panose="02040503050406030204" pitchFamily="18" charset="0"/>
                           </a:rPr>
                           <m:t>1</m:t>
                         </m:r>
                         <m:r>
-                          <a:rPr lang="en-US" sz="2030" i="1">
+                          <a:rPr lang="en-US" sz="2400" i="1">
                             <a:latin typeface="Cambria Math" panose="02040503050406030204" pitchFamily="18" charset="0"/>
                           </a:rPr>
                           <m:t>.</m:t>
                         </m:r>
                         <m:r>
-                          <a:rPr lang="en-US" sz="2030" i="1">
+                          <a:rPr lang="en-US" sz="2400" i="1">
                             <a:latin typeface="Cambria Math" panose="02040503050406030204" pitchFamily="18" charset="0"/>
                           </a:rPr>
                           <m:t>5</m:t>
@@ -4651,13 +4867,13 @@
                       <m:rPr>
                         <m:sty m:val="p"/>
                       </m:rPr>
-                      <a:rPr lang="en-US" sz="2030">
+                      <a:rPr lang="en-US" sz="2400">
                         <a:latin typeface="Cambria Math" panose="02040503050406030204" pitchFamily="18" charset="0"/>
                       </a:rPr>
                       <m:t>exp</m:t>
                     </m:r>
                     <m:r>
-                      <a:rPr lang="en-US" sz="2030" i="1">
+                      <a:rPr lang="en-US" sz="2400" i="1">
                         <a:latin typeface="Cambria Math" panose="02040503050406030204" pitchFamily="18" charset="0"/>
                       </a:rPr>
                       <m:t>⁡</m:t>
@@ -4665,14 +4881,14 @@
                     <m:d>
                       <m:dPr>
                         <m:ctrlPr>
-                          <a:rPr lang="en-US" sz="2030" i="1">
+                          <a:rPr lang="en-US" sz="2400" i="1">
                             <a:latin typeface="Cambria Math" panose="02040503050406030204" pitchFamily="18" charset="0"/>
                           </a:rPr>
                         </m:ctrlPr>
                       </m:dPr>
                       <m:e>
                         <m:r>
-                          <a:rPr lang="en-US" sz="2030" i="1">
+                          <a:rPr lang="en-US" sz="2400" i="1">
                             <a:latin typeface="Cambria Math" panose="02040503050406030204" pitchFamily="18" charset="0"/>
                           </a:rPr>
                           <m:t>−</m:t>
@@ -4680,7 +4896,7 @@
                         <m:f>
                           <m:fPr>
                             <m:ctrlPr>
-                              <a:rPr lang="en-US" sz="2030" i="1">
+                              <a:rPr lang="en-US" sz="2400" i="1">
                                 <a:latin typeface="Cambria Math" panose="02040503050406030204" pitchFamily="18" charset="0"/>
                               </a:rPr>
                             </m:ctrlPr>
@@ -4689,7 +4905,7 @@
                             <m:sSup>
                               <m:sSupPr>
                                 <m:ctrlPr>
-                                  <a:rPr lang="en-US" sz="2030" i="1">
+                                  <a:rPr lang="en-US" sz="2400" i="1">
                                     <a:latin typeface="Cambria Math" panose="02040503050406030204" pitchFamily="18" charset="0"/>
                                   </a:rPr>
                                 </m:ctrlPr>
@@ -4700,7 +4916,7 @@
                                     <m:begChr m:val="|"/>
                                     <m:endChr m:val="|"/>
                                     <m:ctrlPr>
-                                      <a:rPr lang="en-US" sz="2030" i="1">
+                                      <a:rPr lang="en-US" sz="2400" i="1">
                                         <a:latin typeface="Cambria Math" panose="02040503050406030204" pitchFamily="18" charset="0"/>
                                       </a:rPr>
                                     </m:ctrlPr>
@@ -4709,14 +4925,14 @@
                                     <m:sSub>
                                       <m:sSubPr>
                                         <m:ctrlPr>
-                                          <a:rPr lang="en-US" sz="2030" i="1">
+                                          <a:rPr lang="en-US" sz="2400" i="1">
                                             <a:latin typeface="Cambria Math" panose="02040503050406030204" pitchFamily="18" charset="0"/>
                                           </a:rPr>
                                         </m:ctrlPr>
                                       </m:sSubPr>
                                       <m:e>
                                         <m:r>
-                                          <a:rPr lang="en-US" sz="2030" i="1">
+                                          <a:rPr lang="en-US" sz="2400" i="1">
                                             <a:latin typeface="Cambria Math" panose="02040503050406030204" pitchFamily="18" charset="0"/>
                                           </a:rPr>
                                           <m:t>𝑅</m:t>
@@ -4724,7 +4940,7 @@
                                       </m:e>
                                       <m:sub>
                                         <m:r>
-                                          <a:rPr lang="en-US" sz="2030" i="1">
+                                          <a:rPr lang="en-US" sz="2400" i="1">
                                             <a:latin typeface="Cambria Math" panose="02040503050406030204" pitchFamily="18" charset="0"/>
                                           </a:rPr>
                                           <m:t>𝑛</m:t>
@@ -4732,7 +4948,7 @@
                                       </m:sub>
                                     </m:sSub>
                                     <m:r>
-                                      <a:rPr lang="en-US" sz="2030" i="1">
+                                      <a:rPr lang="en-US" sz="2400" i="1">
                                         <a:latin typeface="Cambria Math" panose="02040503050406030204" pitchFamily="18" charset="0"/>
                                       </a:rPr>
                                       <m:t>−</m:t>
@@ -4740,14 +4956,14 @@
                                     <m:sSub>
                                       <m:sSubPr>
                                         <m:ctrlPr>
-                                          <a:rPr lang="en-US" sz="2030" i="1">
+                                          <a:rPr lang="en-US" sz="2400" i="1">
                                             <a:latin typeface="Cambria Math" panose="02040503050406030204" pitchFamily="18" charset="0"/>
                                           </a:rPr>
                                         </m:ctrlPr>
                                       </m:sSubPr>
                                       <m:e>
                                         <m:r>
-                                          <a:rPr lang="en-US" sz="2030" i="1">
+                                          <a:rPr lang="en-US" sz="2400" i="1">
                                             <a:latin typeface="Cambria Math" panose="02040503050406030204" pitchFamily="18" charset="0"/>
                                           </a:rPr>
                                           <m:t>𝑅</m:t>
@@ -4755,7 +4971,7 @@
                                       </m:e>
                                       <m:sub>
                                         <m:r>
-                                          <a:rPr lang="en-US" sz="2030" i="1">
+                                          <a:rPr lang="en-US" sz="2400" i="1">
                                             <a:latin typeface="Cambria Math" panose="02040503050406030204" pitchFamily="18" charset="0"/>
                                           </a:rPr>
                                           <m:t>𝑚</m:t>
@@ -4767,7 +4983,7 @@
                               </m:e>
                               <m:sup>
                                 <m:r>
-                                  <a:rPr lang="en-US" sz="2030" i="1">
+                                  <a:rPr lang="en-US" sz="2400" i="1">
                                     <a:latin typeface="Cambria Math" panose="02040503050406030204" pitchFamily="18" charset="0"/>
                                   </a:rPr>
                                   <m:t>2</m:t>
@@ -4777,7 +4993,7 @@
                           </m:num>
                           <m:den>
                             <m:r>
-                              <a:rPr lang="en-US" sz="2030" i="1">
+                              <a:rPr lang="en-US" sz="2400" i="1">
                                 <a:latin typeface="Cambria Math" panose="02040503050406030204" pitchFamily="18" charset="0"/>
                               </a:rPr>
                               <m:t>2</m:t>
@@ -4785,7 +5001,7 @@
                             <m:sSup>
                               <m:sSupPr>
                                 <m:ctrlPr>
-                                  <a:rPr lang="en-US" sz="2030" i="1">
+                                  <a:rPr lang="en-US" sz="2400" i="1">
                                     <a:latin typeface="Cambria Math" panose="02040503050406030204" pitchFamily="18" charset="0"/>
                                   </a:rPr>
                                 </m:ctrlPr>
@@ -4796,26 +5012,26 @@
                                     <m:begChr m:val="|"/>
                                     <m:endChr m:val="|"/>
                                     <m:ctrlPr>
-                                      <a:rPr lang="en-US" sz="2030" i="1">
+                                      <a:rPr lang="en-US" sz="2400" i="1">
                                         <a:latin typeface="Cambria Math" panose="02040503050406030204" pitchFamily="18" charset="0"/>
                                       </a:rPr>
                                     </m:ctrlPr>
                                   </m:dPr>
                                   <m:e>
                                     <m:r>
-                                      <a:rPr lang="en-US" sz="2030" i="1">
+                                      <a:rPr lang="en-US" sz="2400" i="1">
                                         <a:latin typeface="Cambria Math" panose="02040503050406030204" pitchFamily="18" charset="0"/>
                                       </a:rPr>
                                       <m:t>𝑚</m:t>
                                     </m:r>
                                     <m:r>
-                                      <a:rPr lang="en-US" sz="2030" i="1">
+                                      <a:rPr lang="en-US" sz="2400" i="1">
                                         <a:latin typeface="Cambria Math" panose="02040503050406030204" pitchFamily="18" charset="0"/>
                                       </a:rPr>
                                       <m:t>−</m:t>
                                     </m:r>
                                     <m:r>
-                                      <a:rPr lang="en-US" sz="2030" i="1">
+                                      <a:rPr lang="en-US" sz="2400" i="1">
                                         <a:latin typeface="Cambria Math" panose="02040503050406030204" pitchFamily="18" charset="0"/>
                                       </a:rPr>
                                       <m:t>𝑛</m:t>
@@ -4825,7 +5041,7 @@
                               </m:e>
                               <m:sup>
                                 <m:r>
-                                  <a:rPr lang="en-US" sz="2030" i="1">
+                                  <a:rPr lang="en-US" sz="2400" i="1">
                                     <a:latin typeface="Cambria Math" panose="02040503050406030204" pitchFamily="18" charset="0"/>
                                   </a:rPr>
                                   <m:t>2</m:t>
@@ -4839,34 +5055,34 @@
                   </m:oMath>
                 </a14:m>
                 <a:r>
-                  <a:rPr lang="en-US" sz="2030" dirty="0"/>
+                  <a:rPr lang="en-US" sz="2400" dirty="0"/>
                   <a:t> </a:t>
                 </a:r>
                 <a:br>
-                  <a:rPr lang="en-US" sz="2030" dirty="0"/>
+                  <a:rPr lang="en-US" sz="2400" dirty="0"/>
                 </a:br>
                 <a:r>
-                  <a:rPr lang="en-US" sz="2030" dirty="0"/>
+                  <a:rPr lang="en-US" sz="2400" dirty="0"/>
                   <a:t/>
                 </a:r>
                 <a:br>
-                  <a:rPr lang="en-US" sz="2030" dirty="0"/>
+                  <a:rPr lang="en-US" sz="2400" dirty="0"/>
                 </a:br>
                 <a:r>
-                  <a:rPr lang="en-US" sz="2030" dirty="0"/>
+                  <a:rPr lang="en-US" sz="2400" dirty="0"/>
                   <a:t>with </a:t>
                 </a:r>
                 <a14:m>
                   <m:oMath xmlns:m="http://schemas.openxmlformats.org/officeDocument/2006/math">
                     <m:r>
-                      <a:rPr lang="en-US" sz="2030" i="1">
+                      <a:rPr lang="en-US" sz="2400" i="1">
                         <a:latin typeface="Cambria Math" panose="02040503050406030204" pitchFamily="18" charset="0"/>
                         <a:ea typeface="Cambria Math" panose="02040503050406030204" pitchFamily="18" charset="0"/>
                       </a:rPr>
                       <m:t>𝑏</m:t>
                     </m:r>
                     <m:r>
-                      <a:rPr lang="en-US" sz="2030" i="1">
+                      <a:rPr lang="en-US" sz="2400" i="1">
                         <a:latin typeface="Cambria Math" panose="02040503050406030204" pitchFamily="18" charset="0"/>
                         <a:ea typeface="Cambria Math" panose="02040503050406030204" pitchFamily="18" charset="0"/>
                       </a:rPr>
@@ -4875,7 +5091,7 @@
                   </m:oMath>
                 </a14:m>
                 <a:r>
-                  <a:rPr lang="en-US" sz="2030" dirty="0"/>
+                  <a:rPr lang="en-US" sz="2400" dirty="0"/>
                   <a:t>the std. of the distance between beads, whereas for </a:t>
                 </a:r>
                 <a14:m>
@@ -4883,14 +5099,14 @@
                     <m:sSub>
                       <m:sSubPr>
                         <m:ctrlPr>
-                          <a:rPr lang="en-US" sz="2030" i="1">
+                          <a:rPr lang="en-US" sz="2400" i="1">
                             <a:latin typeface="Cambria Math" panose="02040503050406030204" pitchFamily="18" charset="0"/>
                           </a:rPr>
                         </m:ctrlPr>
                       </m:sSubPr>
                       <m:e>
                         <m:r>
-                          <a:rPr lang="en-US" sz="2030" i="1">
+                          <a:rPr lang="en-US" sz="2400" i="1">
                             <a:latin typeface="Cambria Math" panose="02040503050406030204" pitchFamily="18" charset="0"/>
                           </a:rPr>
                           <m:t>𝑅</m:t>
@@ -4898,7 +5114,7 @@
                       </m:e>
                       <m:sub>
                         <m:r>
-                          <a:rPr lang="en-US" sz="2030" i="1">
+                          <a:rPr lang="en-US" sz="2400" i="1">
                             <a:latin typeface="Cambria Math" panose="02040503050406030204" pitchFamily="18" charset="0"/>
                           </a:rPr>
                           <m:t>𝑚</m:t>
@@ -4906,7 +5122,7 @@
                       </m:sub>
                     </m:sSub>
                     <m:r>
-                      <a:rPr lang="en-US" sz="2030" i="1">
+                      <a:rPr lang="en-US" sz="2400" i="1">
                         <a:latin typeface="Cambria Math" panose="02040503050406030204" pitchFamily="18" charset="0"/>
                       </a:rPr>
                       <m:t>=</m:t>
@@ -4914,14 +5130,14 @@
                     <m:sSub>
                       <m:sSubPr>
                         <m:ctrlPr>
-                          <a:rPr lang="en-US" sz="2030" i="1">
+                          <a:rPr lang="en-US" sz="2400" i="1">
                             <a:latin typeface="Cambria Math" panose="02040503050406030204" pitchFamily="18" charset="0"/>
                           </a:rPr>
                         </m:ctrlPr>
                       </m:sSubPr>
                       <m:e>
                         <m:r>
-                          <a:rPr lang="en-US" sz="2030" i="1">
+                          <a:rPr lang="en-US" sz="2400" i="1">
                             <a:latin typeface="Cambria Math" panose="02040503050406030204" pitchFamily="18" charset="0"/>
                           </a:rPr>
                           <m:t>𝑅</m:t>
@@ -4929,7 +5145,7 @@
                       </m:e>
                       <m:sub>
                         <m:r>
-                          <a:rPr lang="en-US" sz="2030" i="1">
+                          <a:rPr lang="en-US" sz="2400" i="1">
                             <a:latin typeface="Cambria Math" panose="02040503050406030204" pitchFamily="18" charset="0"/>
                           </a:rPr>
                           <m:t>𝑛</m:t>
@@ -4939,28 +5155,53 @@
                   </m:oMath>
                 </a14:m>
                 <a:r>
-                  <a:rPr lang="en-US" sz="2030" dirty="0"/>
+                  <a:rPr lang="en-US" sz="2400" dirty="0"/>
                   <a:t> we get the encounter probability</a:t>
                 </a:r>
                 <a:r>
-                  <a:rPr lang="en-US" sz="2030" dirty="0" smtClean="0"/>
+                  <a:rPr lang="en-US" sz="2400" dirty="0" smtClean="0"/>
                   <a:t>.</a:t>
                 </a:r>
               </a:p>
               <a:p>
-                <a:endParaRPr lang="en-US" sz="2030" dirty="0" smtClean="0"/>
+                <a:endParaRPr lang="en-US" sz="2400" dirty="0" smtClean="0"/>
               </a:p>
               <a:p>
                 <a:r>
-                  <a:rPr lang="en-US" sz="2030" dirty="0" smtClean="0"/>
+                  <a:rPr lang="en-US" sz="2400" dirty="0" smtClean="0"/>
                   <a:t>Rings of </a:t>
                 </a:r>
+                <a14:m>
+                  <m:oMath xmlns:m="http://schemas.openxmlformats.org/officeDocument/2006/math">
+                    <m:sSub>
+                      <m:sSubPr>
+                        <m:ctrlPr>
+                          <a:rPr lang="en-US" sz="2400" b="0" i="1" smtClean="0">
+                            <a:latin typeface="Cambria Math" panose="02040503050406030204" pitchFamily="18" charset="0"/>
+                          </a:rPr>
+                        </m:ctrlPr>
+                      </m:sSubPr>
+                      <m:e>
+                        <m:r>
+                          <a:rPr lang="en-US" sz="2400" b="0" i="1" smtClean="0">
+                            <a:latin typeface="Cambria Math" panose="02040503050406030204" pitchFamily="18" charset="0"/>
+                          </a:rPr>
+                          <m:t>𝑁</m:t>
+                        </m:r>
+                      </m:e>
+                      <m:sub>
+                        <m:r>
+                          <a:rPr lang="en-US" sz="2400" b="0" i="1" smtClean="0">
+                            <a:latin typeface="Cambria Math" panose="02040503050406030204" pitchFamily="18" charset="0"/>
+                          </a:rPr>
+                          <m:t>𝑟</m:t>
+                        </m:r>
+                      </m:sub>
+                    </m:sSub>
+                  </m:oMath>
+                </a14:m>
                 <a:r>
-                  <a:rPr lang="en-US" sz="2030" dirty="0" err="1" smtClean="0"/>
-                  <a:t>N_r</a:t>
-                </a:r>
-                <a:r>
-                  <a:rPr lang="en-US" sz="2030" dirty="0" smtClean="0"/>
+                  <a:rPr lang="en-US" sz="2400" dirty="0" smtClean="0"/>
                   <a:t> beads (Figure 2B) behave like Brownian bridges, with distance distribution </a:t>
                 </a:r>
               </a:p>
@@ -4975,14 +5216,14 @@
                       <m:sSub>
                         <m:sSubPr>
                           <m:ctrlPr>
-                            <a:rPr lang="en-US" sz="2030" b="0" i="1" smtClean="0">
+                            <a:rPr lang="en-US" sz="2400" b="0" i="1" smtClean="0">
                               <a:latin typeface="Cambria Math" panose="02040503050406030204" pitchFamily="18" charset="0"/>
                             </a:rPr>
                           </m:ctrlPr>
                         </m:sSubPr>
                         <m:e>
                           <m:r>
-                            <a:rPr lang="en-US" sz="2030" b="0" i="1" smtClean="0">
+                            <a:rPr lang="en-US" sz="2400" b="0" i="1" smtClean="0">
                               <a:latin typeface="Cambria Math" panose="02040503050406030204" pitchFamily="18" charset="0"/>
                             </a:rPr>
                             <m:t>𝑃</m:t>
@@ -4992,14 +5233,14 @@
                           <m:sSub>
                             <m:sSubPr>
                               <m:ctrlPr>
-                                <a:rPr lang="en-US" sz="2030" b="0" i="1" smtClean="0">
+                                <a:rPr lang="en-US" sz="2400" b="0" i="1" smtClean="0">
                                   <a:latin typeface="Cambria Math" panose="02040503050406030204" pitchFamily="18" charset="0"/>
                                 </a:rPr>
                               </m:ctrlPr>
                             </m:sSubPr>
                             <m:e>
                               <m:r>
-                                <a:rPr lang="en-US" sz="2030" b="0" i="1" smtClean="0">
+                                <a:rPr lang="en-US" sz="2400" b="0" i="1" smtClean="0">
                                   <a:latin typeface="Cambria Math" panose="02040503050406030204" pitchFamily="18" charset="0"/>
                                 </a:rPr>
                                 <m:t>𝑁</m:t>
@@ -5007,7 +5248,7 @@
                             </m:e>
                             <m:sub>
                               <m:r>
-                                <a:rPr lang="en-US" sz="2030" b="0" i="1" smtClean="0">
+                                <a:rPr lang="en-US" sz="2400" b="0" i="1" smtClean="0">
                                   <a:latin typeface="Cambria Math" panose="02040503050406030204" pitchFamily="18" charset="0"/>
                                 </a:rPr>
                                 <m:t>𝑟</m:t>
@@ -5016,91 +5257,102 @@
                           </m:sSub>
                         </m:sub>
                       </m:sSub>
-                      <m:r>
-                        <a:rPr lang="en-US" sz="2030" b="0" i="1" smtClean="0">
-                          <a:latin typeface="Cambria Math" panose="02040503050406030204" pitchFamily="18" charset="0"/>
-                        </a:rPr>
-                        <m:t>(</m:t>
-                      </m:r>
                       <m:d>
                         <m:dPr>
-                          <m:begChr m:val="|"/>
-                          <m:endChr m:val="|"/>
                           <m:ctrlPr>
-                            <a:rPr lang="en-US" sz="2030" b="0" i="1" smtClean="0">
+                            <a:rPr lang="en-US" sz="2400" b="0" i="1" smtClean="0">
                               <a:latin typeface="Cambria Math" panose="02040503050406030204" pitchFamily="18" charset="0"/>
                             </a:rPr>
                           </m:ctrlPr>
                         </m:dPr>
                         <m:e>
-                          <m:sSub>
-                            <m:sSubPr>
+                          <m:d>
+                            <m:dPr>
+                              <m:begChr m:val="|"/>
+                              <m:endChr m:val="|"/>
                               <m:ctrlPr>
-                                <a:rPr lang="en-US" sz="2030" b="0" i="1" smtClean="0">
+                                <a:rPr lang="en-US" sz="2400" b="0" i="1" smtClean="0">
                                   <a:latin typeface="Cambria Math" panose="02040503050406030204" pitchFamily="18" charset="0"/>
                                 </a:rPr>
                               </m:ctrlPr>
-                            </m:sSubPr>
+                            </m:dPr>
                             <m:e>
+                              <m:sSub>
+                                <m:sSubPr>
+                                  <m:ctrlPr>
+                                    <a:rPr lang="en-US" sz="2400" b="0" i="1" smtClean="0">
+                                      <a:latin typeface="Cambria Math" panose="02040503050406030204" pitchFamily="18" charset="0"/>
+                                    </a:rPr>
+                                  </m:ctrlPr>
+                                </m:sSubPr>
+                                <m:e>
+                                  <m:r>
+                                    <a:rPr lang="en-US" sz="2400" b="0" i="1" smtClean="0">
+                                      <a:latin typeface="Cambria Math" panose="02040503050406030204" pitchFamily="18" charset="0"/>
+                                    </a:rPr>
+                                    <m:t>𝑅</m:t>
+                                  </m:r>
+                                </m:e>
+                                <m:sub>
+                                  <m:r>
+                                    <a:rPr lang="en-US" sz="2400" b="0" i="1" smtClean="0">
+                                      <a:latin typeface="Cambria Math" panose="02040503050406030204" pitchFamily="18" charset="0"/>
+                                    </a:rPr>
+                                    <m:t>𝑛</m:t>
+                                  </m:r>
+                                </m:sub>
+                              </m:sSub>
                               <m:r>
-                                <a:rPr lang="en-US" sz="2030" b="0" i="1" smtClean="0">
+                                <a:rPr lang="en-US" sz="2400" b="0" i="1" smtClean="0">
                                   <a:latin typeface="Cambria Math" panose="02040503050406030204" pitchFamily="18" charset="0"/>
                                 </a:rPr>
-                                <m:t>𝑅</m:t>
+                                <m:t>−</m:t>
                               </m:r>
+                              <m:sSub>
+                                <m:sSubPr>
+                                  <m:ctrlPr>
+                                    <a:rPr lang="en-US" sz="2400" b="0" i="1" smtClean="0">
+                                      <a:latin typeface="Cambria Math" panose="02040503050406030204" pitchFamily="18" charset="0"/>
+                                    </a:rPr>
+                                  </m:ctrlPr>
+                                </m:sSubPr>
+                                <m:e>
+                                  <m:r>
+                                    <a:rPr lang="en-US" sz="2400" b="0" i="1" smtClean="0">
+                                      <a:latin typeface="Cambria Math" panose="02040503050406030204" pitchFamily="18" charset="0"/>
+                                    </a:rPr>
+                                    <m:t>𝑅</m:t>
+                                  </m:r>
+                                </m:e>
+                                <m:sub>
+                                  <m:r>
+                                    <a:rPr lang="en-US" sz="2400" b="0" i="1" smtClean="0">
+                                      <a:latin typeface="Cambria Math" panose="02040503050406030204" pitchFamily="18" charset="0"/>
+                                    </a:rPr>
+                                    <m:t>𝑚</m:t>
+                                  </m:r>
+                                </m:sub>
+                              </m:sSub>
                             </m:e>
-                            <m:sub>
-                              <m:r>
-                                <a:rPr lang="en-US" sz="2030" b="0" i="1" smtClean="0">
-                                  <a:latin typeface="Cambria Math" panose="02040503050406030204" pitchFamily="18" charset="0"/>
-                                </a:rPr>
-                                <m:t>𝑛</m:t>
-                              </m:r>
-                            </m:sub>
-                          </m:sSub>
-                          <m:r>
-                            <a:rPr lang="en-US" sz="2030" b="0" i="1" smtClean="0">
-                              <a:latin typeface="Cambria Math" panose="02040503050406030204" pitchFamily="18" charset="0"/>
-                            </a:rPr>
-                            <m:t>−</m:t>
-                          </m:r>
-                          <m:sSub>
-                            <m:sSubPr>
-                              <m:ctrlPr>
-                                <a:rPr lang="en-US" sz="2030" b="0" i="1" smtClean="0">
-                                  <a:latin typeface="Cambria Math" panose="02040503050406030204" pitchFamily="18" charset="0"/>
-                                </a:rPr>
-                              </m:ctrlPr>
-                            </m:sSubPr>
-                            <m:e>
-                              <m:r>
-                                <a:rPr lang="en-US" sz="2030" b="0" i="1" smtClean="0">
-                                  <a:latin typeface="Cambria Math" panose="02040503050406030204" pitchFamily="18" charset="0"/>
-                                </a:rPr>
-                                <m:t>𝑅</m:t>
-                              </m:r>
-                            </m:e>
-                            <m:sub>
-                              <m:r>
-                                <a:rPr lang="en-US" sz="2030" b="0" i="1" smtClean="0">
-                                  <a:latin typeface="Cambria Math" panose="02040503050406030204" pitchFamily="18" charset="0"/>
-                                </a:rPr>
-                                <m:t>𝑚</m:t>
-                              </m:r>
-                            </m:sub>
-                          </m:sSub>
+                          </m:d>
                         </m:e>
                       </m:d>
                       <m:r>
-                        <a:rPr lang="en-US" sz="2030" b="0" i="1" smtClean="0">
+                        <a:rPr lang="en-US" sz="2400" b="0" i="1" smtClean="0">
                           <a:latin typeface="Cambria Math" panose="02040503050406030204" pitchFamily="18" charset="0"/>
                         </a:rPr>
-                        <m:t>)=</m:t>
+                        <m:t>=</m:t>
+                      </m:r>
+                      <m:r>
+                        <a:rPr lang="en-US" sz="2400" b="0" i="1" smtClean="0">
+                          <a:latin typeface="Cambria Math" panose="02040503050406030204" pitchFamily="18" charset="0"/>
+                        </a:rPr>
+                        <m:t>  </m:t>
                       </m:r>
                       <m:sSup>
                         <m:sSupPr>
                           <m:ctrlPr>
-                            <a:rPr lang="en-US" sz="2030" b="0" i="1" smtClean="0">
+                            <a:rPr lang="en-US" sz="2400" b="0" i="1" smtClean="0">
                               <a:latin typeface="Cambria Math" panose="02040503050406030204" pitchFamily="18" charset="0"/>
                             </a:rPr>
                           </m:ctrlPr>
@@ -5109,7 +5361,7 @@
                           <m:d>
                             <m:dPr>
                               <m:ctrlPr>
-                                <a:rPr lang="en-US" sz="2030" b="0" i="1" smtClean="0">
+                                <a:rPr lang="en-US" sz="2400" b="0" i="1" smtClean="0">
                                   <a:latin typeface="Cambria Math" panose="02040503050406030204" pitchFamily="18" charset="0"/>
                                 </a:rPr>
                               </m:ctrlPr>
@@ -5118,14 +5370,14 @@
                               <m:f>
                                 <m:fPr>
                                   <m:ctrlPr>
-                                    <a:rPr lang="en-US" sz="2030" b="0" i="1" smtClean="0">
+                                    <a:rPr lang="en-US" sz="2400" b="0" i="1" smtClean="0">
                                       <a:latin typeface="Cambria Math" panose="02040503050406030204" pitchFamily="18" charset="0"/>
                                     </a:rPr>
                                   </m:ctrlPr>
                                 </m:fPr>
                                 <m:num>
                                   <m:r>
-                                    <a:rPr lang="en-US" sz="2030" b="0" i="1" smtClean="0">
+                                    <a:rPr lang="en-US" sz="2400" b="0" i="1" smtClean="0">
                                       <a:latin typeface="Cambria Math" panose="02040503050406030204" pitchFamily="18" charset="0"/>
                                     </a:rPr>
                                     <m:t>3</m:t>
@@ -5133,13 +5385,13 @@
                                 </m:num>
                                 <m:den>
                                   <m:r>
-                                    <a:rPr lang="en-US" sz="2030" b="0" i="1" smtClean="0">
+                                    <a:rPr lang="en-US" sz="2400" b="0" i="1" smtClean="0">
                                       <a:latin typeface="Cambria Math" panose="02040503050406030204" pitchFamily="18" charset="0"/>
                                     </a:rPr>
                                     <m:t>2</m:t>
                                   </m:r>
                                   <m:r>
-                                    <a:rPr lang="en-US" sz="2030" b="0" i="1" smtClean="0">
+                                    <a:rPr lang="en-US" sz="2400" b="0" i="1" smtClean="0">
                                       <a:latin typeface="Cambria Math" panose="02040503050406030204" pitchFamily="18" charset="0"/>
                                       <a:ea typeface="Cambria Math" panose="02040503050406030204" pitchFamily="18" charset="0"/>
                                     </a:rPr>
@@ -5148,7 +5400,7 @@
                                   <m:sSup>
                                     <m:sSupPr>
                                       <m:ctrlPr>
-                                        <a:rPr lang="en-US" sz="2030" b="0" i="1" smtClean="0">
+                                        <a:rPr lang="en-US" sz="2400" b="0" i="1" smtClean="0">
                                           <a:latin typeface="Cambria Math" panose="02040503050406030204" pitchFamily="18" charset="0"/>
                                           <a:ea typeface="Cambria Math" panose="02040503050406030204" pitchFamily="18" charset="0"/>
                                         </a:rPr>
@@ -5156,7 +5408,7 @@
                                     </m:sSupPr>
                                     <m:e>
                                       <m:r>
-                                        <a:rPr lang="en-US" sz="2030" b="0" i="1" smtClean="0">
+                                        <a:rPr lang="en-US" sz="2400" b="0" i="1" smtClean="0">
                                           <a:latin typeface="Cambria Math" panose="02040503050406030204" pitchFamily="18" charset="0"/>
                                           <a:ea typeface="Cambria Math" panose="02040503050406030204" pitchFamily="18" charset="0"/>
                                         </a:rPr>
@@ -5165,7 +5417,7 @@
                                     </m:e>
                                     <m:sup>
                                       <m:r>
-                                        <a:rPr lang="en-US" sz="2030" b="0" i="1" smtClean="0">
+                                        <a:rPr lang="en-US" sz="2400" b="0" i="1" smtClean="0">
                                           <a:latin typeface="Cambria Math" panose="02040503050406030204" pitchFamily="18" charset="0"/>
                                           <a:ea typeface="Cambria Math" panose="02040503050406030204" pitchFamily="18" charset="0"/>
                                         </a:rPr>
@@ -5174,7 +5426,7 @@
                                     </m:sup>
                                   </m:sSup>
                                   <m:r>
-                                    <a:rPr lang="en-US" sz="2030" b="0" i="1" smtClean="0">
+                                    <a:rPr lang="en-US" sz="2400" b="0" i="1" smtClean="0">
                                       <a:latin typeface="Cambria Math" panose="02040503050406030204" pitchFamily="18" charset="0"/>
                                       <a:ea typeface="Cambria Math" panose="02040503050406030204" pitchFamily="18" charset="0"/>
                                     </a:rPr>
@@ -5183,7 +5435,7 @@
                                   <m:d>
                                     <m:dPr>
                                       <m:ctrlPr>
-                                        <a:rPr lang="en-US" sz="2030" b="0" i="1" smtClean="0">
+                                        <a:rPr lang="en-US" sz="2400" b="0" i="1" smtClean="0">
                                           <a:latin typeface="Cambria Math" panose="02040503050406030204" pitchFamily="18" charset="0"/>
                                           <a:ea typeface="Cambria Math" panose="02040503050406030204" pitchFamily="18" charset="0"/>
                                         </a:rPr>
@@ -5193,7 +5445,7 @@
                                       <m:sSub>
                                         <m:sSubPr>
                                           <m:ctrlPr>
-                                            <a:rPr lang="en-US" sz="2030" b="0" i="1" smtClean="0">
+                                            <a:rPr lang="en-US" sz="2400" b="0" i="1" smtClean="0">
                                               <a:latin typeface="Cambria Math" panose="02040503050406030204" pitchFamily="18" charset="0"/>
                                               <a:ea typeface="Cambria Math" panose="02040503050406030204" pitchFamily="18" charset="0"/>
                                             </a:rPr>
@@ -5201,7 +5453,7 @@
                                         </m:sSubPr>
                                         <m:e>
                                           <m:r>
-                                            <a:rPr lang="en-US" sz="2030" b="0" i="1" smtClean="0">
+                                            <a:rPr lang="en-US" sz="2400" b="0" i="1" smtClean="0">
                                               <a:latin typeface="Cambria Math" panose="02040503050406030204" pitchFamily="18" charset="0"/>
                                               <a:ea typeface="Cambria Math" panose="02040503050406030204" pitchFamily="18" charset="0"/>
                                             </a:rPr>
@@ -5210,7 +5462,7 @@
                                         </m:e>
                                         <m:sub>
                                           <m:r>
-                                            <a:rPr lang="en-US" sz="2030" b="0" i="1" smtClean="0">
+                                            <a:rPr lang="en-US" sz="2400" b="0" i="1" smtClean="0">
                                               <a:latin typeface="Cambria Math" panose="02040503050406030204" pitchFamily="18" charset="0"/>
                                               <a:ea typeface="Cambria Math" panose="02040503050406030204" pitchFamily="18" charset="0"/>
                                             </a:rPr>
@@ -5219,14 +5471,14 @@
                                         </m:sub>
                                       </m:sSub>
                                       <m:r>
-                                        <a:rPr lang="en-US" sz="2030" b="0" i="1" smtClean="0">
+                                        <a:rPr lang="en-US" sz="2400" b="0" i="1" smtClean="0">
                                           <a:latin typeface="Cambria Math" panose="02040503050406030204" pitchFamily="18" charset="0"/>
                                           <a:ea typeface="Cambria Math" panose="02040503050406030204" pitchFamily="18" charset="0"/>
                                         </a:rPr>
                                         <m:t>−</m:t>
                                       </m:r>
                                       <m:r>
-                                        <a:rPr lang="en-US" sz="2030" b="0" i="1" smtClean="0">
+                                        <a:rPr lang="en-US" sz="2400" b="0" i="1" smtClean="0">
                                           <a:latin typeface="Cambria Math" panose="02040503050406030204" pitchFamily="18" charset="0"/>
                                           <a:ea typeface="Cambria Math" panose="02040503050406030204" pitchFamily="18" charset="0"/>
                                         </a:rPr>
@@ -5241,19 +5493,19 @@
                         </m:e>
                         <m:sup>
                           <m:r>
-                            <a:rPr lang="en-US" sz="2030" b="0" i="1" smtClean="0">
+                            <a:rPr lang="en-US" sz="2400" b="0" i="1" smtClean="0">
                               <a:latin typeface="Cambria Math" panose="02040503050406030204" pitchFamily="18" charset="0"/>
                             </a:rPr>
                             <m:t>1</m:t>
                           </m:r>
                           <m:r>
-                            <a:rPr lang="en-US" sz="2030" b="0" i="1" smtClean="0">
+                            <a:rPr lang="en-US" sz="2400" b="0" i="1" smtClean="0">
                               <a:latin typeface="Cambria Math" panose="02040503050406030204" pitchFamily="18" charset="0"/>
                             </a:rPr>
                             <m:t>.</m:t>
                           </m:r>
                           <m:r>
-                            <a:rPr lang="en-US" sz="2030" b="0" i="1" smtClean="0">
+                            <a:rPr lang="en-US" sz="2400" b="0" i="1" smtClean="0">
                               <a:latin typeface="Cambria Math" panose="02040503050406030204" pitchFamily="18" charset="0"/>
                             </a:rPr>
                             <m:t>5</m:t>
@@ -5261,7 +5513,7 @@
                         </m:sup>
                       </m:sSup>
                       <m:r>
-                        <a:rPr lang="en-US" sz="2030" b="0" i="1" smtClean="0">
+                        <a:rPr lang="en-US" sz="2400" b="0" i="1" smtClean="0">
                           <a:latin typeface="Cambria Math" panose="02040503050406030204" pitchFamily="18" charset="0"/>
                         </a:rPr>
                         <m:t>𝑒𝑥𝑝</m:t>
@@ -5269,7 +5521,7 @@
                       <m:d>
                         <m:dPr>
                           <m:ctrlPr>
-                            <a:rPr lang="en-US" sz="2030" b="0" i="1" smtClean="0">
+                            <a:rPr lang="en-US" sz="2400" b="0" i="1" smtClean="0">
                               <a:latin typeface="Cambria Math" panose="02040503050406030204" pitchFamily="18" charset="0"/>
                             </a:rPr>
                           </m:ctrlPr>
@@ -5278,14 +5530,14 @@
                           <m:f>
                             <m:fPr>
                               <m:ctrlPr>
-                                <a:rPr lang="en-US" sz="2030" b="0" i="1" smtClean="0">
+                                <a:rPr lang="en-US" sz="2400" b="0" i="1" smtClean="0">
                                   <a:latin typeface="Cambria Math" panose="02040503050406030204" pitchFamily="18" charset="0"/>
                                 </a:rPr>
                               </m:ctrlPr>
                             </m:fPr>
                             <m:num>
                               <m:r>
-                                <a:rPr lang="en-US" sz="2030" b="0" i="1" smtClean="0">
+                                <a:rPr lang="en-US" sz="2400" b="0" i="1" smtClean="0">
                                   <a:latin typeface="Cambria Math" panose="02040503050406030204" pitchFamily="18" charset="0"/>
                                 </a:rPr>
                                 <m:t>3</m:t>
@@ -5293,14 +5545,14 @@
                               <m:sSub>
                                 <m:sSubPr>
                                   <m:ctrlPr>
-                                    <a:rPr lang="en-US" sz="2030" b="0" i="1" smtClean="0">
+                                    <a:rPr lang="en-US" sz="2400" b="0" i="1" smtClean="0">
                                       <a:latin typeface="Cambria Math" panose="02040503050406030204" pitchFamily="18" charset="0"/>
                                     </a:rPr>
                                   </m:ctrlPr>
                                 </m:sSubPr>
                                 <m:e>
                                   <m:r>
-                                    <a:rPr lang="en-US" sz="2030" b="0" i="1" smtClean="0">
+                                    <a:rPr lang="en-US" sz="2400" b="0" i="1" smtClean="0">
                                       <a:latin typeface="Cambria Math" panose="02040503050406030204" pitchFamily="18" charset="0"/>
                                     </a:rPr>
                                     <m:t>𝑁</m:t>
@@ -5308,7 +5560,7 @@
                                 </m:e>
                                 <m:sub>
                                   <m:r>
-                                    <a:rPr lang="en-US" sz="2030" b="0" i="1" smtClean="0">
+                                    <a:rPr lang="en-US" sz="2400" b="0" i="1" smtClean="0">
                                       <a:latin typeface="Cambria Math" panose="02040503050406030204" pitchFamily="18" charset="0"/>
                                     </a:rPr>
                                     <m:t>𝑟</m:t>
@@ -5318,7 +5570,7 @@
                               <m:sSup>
                                 <m:sSupPr>
                                   <m:ctrlPr>
-                                    <a:rPr lang="en-US" sz="2030" b="0" i="1" smtClean="0">
+                                    <a:rPr lang="en-US" sz="2400" b="0" i="1" smtClean="0">
                                       <a:latin typeface="Cambria Math" panose="02040503050406030204" pitchFamily="18" charset="0"/>
                                     </a:rPr>
                                   </m:ctrlPr>
@@ -5327,7 +5579,7 @@
                                   <m:d>
                                     <m:dPr>
                                       <m:ctrlPr>
-                                        <a:rPr lang="en-US" sz="2030" b="0" i="1" smtClean="0">
+                                        <a:rPr lang="en-US" sz="2400" b="0" i="1" smtClean="0">
                                           <a:latin typeface="Cambria Math" panose="02040503050406030204" pitchFamily="18" charset="0"/>
                                         </a:rPr>
                                       </m:ctrlPr>
@@ -5336,14 +5588,14 @@
                                       <m:sSub>
                                         <m:sSubPr>
                                           <m:ctrlPr>
-                                            <a:rPr lang="en-US" sz="2030" b="0" i="1" smtClean="0">
+                                            <a:rPr lang="en-US" sz="2400" b="0" i="1" smtClean="0">
                                               <a:latin typeface="Cambria Math" panose="02040503050406030204" pitchFamily="18" charset="0"/>
                                             </a:rPr>
                                           </m:ctrlPr>
                                         </m:sSubPr>
                                         <m:e>
                                           <m:r>
-                                            <a:rPr lang="en-US" sz="2030" b="0" i="1" smtClean="0">
+                                            <a:rPr lang="en-US" sz="2400" b="0" i="1" smtClean="0">
                                               <a:latin typeface="Cambria Math" panose="02040503050406030204" pitchFamily="18" charset="0"/>
                                             </a:rPr>
                                             <m:t>𝑅</m:t>
@@ -5351,7 +5603,7 @@
                                         </m:e>
                                         <m:sub>
                                           <m:r>
-                                            <a:rPr lang="en-US" sz="2030" b="0" i="1" smtClean="0">
+                                            <a:rPr lang="en-US" sz="2400" b="0" i="1" smtClean="0">
                                               <a:latin typeface="Cambria Math" panose="02040503050406030204" pitchFamily="18" charset="0"/>
                                             </a:rPr>
                                             <m:t>𝑛</m:t>
@@ -5359,7 +5611,7 @@
                                         </m:sub>
                                       </m:sSub>
                                       <m:r>
-                                        <a:rPr lang="en-US" sz="2030" b="0" i="1" smtClean="0">
+                                        <a:rPr lang="en-US" sz="2400" b="0" i="1" smtClean="0">
                                           <a:latin typeface="Cambria Math" panose="02040503050406030204" pitchFamily="18" charset="0"/>
                                         </a:rPr>
                                         <m:t>−</m:t>
@@ -5367,14 +5619,14 @@
                                       <m:sSub>
                                         <m:sSubPr>
                                           <m:ctrlPr>
-                                            <a:rPr lang="en-US" sz="2030" b="0" i="1" smtClean="0">
+                                            <a:rPr lang="en-US" sz="2400" b="0" i="1" smtClean="0">
                                               <a:latin typeface="Cambria Math" panose="02040503050406030204" pitchFamily="18" charset="0"/>
                                             </a:rPr>
                                           </m:ctrlPr>
                                         </m:sSubPr>
                                         <m:e>
                                           <m:r>
-                                            <a:rPr lang="en-US" sz="2030" b="0" i="1" smtClean="0">
+                                            <a:rPr lang="en-US" sz="2400" b="0" i="1" smtClean="0">
                                               <a:latin typeface="Cambria Math" panose="02040503050406030204" pitchFamily="18" charset="0"/>
                                             </a:rPr>
                                             <m:t>𝑅</m:t>
@@ -5382,7 +5634,7 @@
                                         </m:e>
                                         <m:sub>
                                           <m:r>
-                                            <a:rPr lang="en-US" sz="2030" b="0" i="1" smtClean="0">
+                                            <a:rPr lang="en-US" sz="2400" b="0" i="1" smtClean="0">
                                               <a:latin typeface="Cambria Math" panose="02040503050406030204" pitchFamily="18" charset="0"/>
                                             </a:rPr>
                                             <m:t>𝑚</m:t>
@@ -5394,7 +5646,7 @@
                                 </m:e>
                                 <m:sup>
                                   <m:r>
-                                    <a:rPr lang="en-US" sz="2030" b="0" i="1" smtClean="0">
+                                    <a:rPr lang="en-US" sz="2400" b="0" i="1" smtClean="0">
                                       <a:latin typeface="Cambria Math" panose="02040503050406030204" pitchFamily="18" charset="0"/>
                                     </a:rPr>
                                     <m:t>2</m:t>
@@ -5404,7 +5656,7 @@
                             </m:num>
                             <m:den>
                               <m:r>
-                                <a:rPr lang="en-US" sz="2030" b="0" i="1" smtClean="0">
+                                <a:rPr lang="en-US" sz="2400" b="0" i="1" smtClean="0">
                                   <a:latin typeface="Cambria Math" panose="02040503050406030204" pitchFamily="18" charset="0"/>
                                 </a:rPr>
                                 <m:t>2</m:t>
@@ -5412,14 +5664,14 @@
                               <m:sSup>
                                 <m:sSupPr>
                                   <m:ctrlPr>
-                                    <a:rPr lang="en-US" sz="2030" b="0" i="1" smtClean="0">
+                                    <a:rPr lang="en-US" sz="2400" b="0" i="1" smtClean="0">
                                       <a:latin typeface="Cambria Math" panose="02040503050406030204" pitchFamily="18" charset="0"/>
                                     </a:rPr>
                                   </m:ctrlPr>
                                 </m:sSupPr>
                                 <m:e>
                                   <m:r>
-                                    <a:rPr lang="en-US" sz="2030" b="0" i="1" smtClean="0">
+                                    <a:rPr lang="en-US" sz="2400" b="0" i="1" smtClean="0">
                                       <a:latin typeface="Cambria Math" panose="02040503050406030204" pitchFamily="18" charset="0"/>
                                     </a:rPr>
                                     <m:t>𝑏</m:t>
@@ -5427,7 +5679,7 @@
                                 </m:e>
                                 <m:sup>
                                   <m:r>
-                                    <a:rPr lang="en-US" sz="2030" b="0" i="1" smtClean="0">
+                                    <a:rPr lang="en-US" sz="2400" b="0" i="1" smtClean="0">
                                       <a:latin typeface="Cambria Math" panose="02040503050406030204" pitchFamily="18" charset="0"/>
                                     </a:rPr>
                                     <m:t>2</m:t>
@@ -5435,13 +5687,13 @@
                                 </m:sup>
                               </m:sSup>
                               <m:r>
-                                <a:rPr lang="en-US" sz="2030" b="0" i="1" smtClean="0">
+                                <a:rPr lang="en-US" sz="2400" b="0" i="1" smtClean="0">
                                   <a:latin typeface="Cambria Math" panose="02040503050406030204" pitchFamily="18" charset="0"/>
                                 </a:rPr>
                                 <m:t>𝑚</m:t>
                               </m:r>
                               <m:r>
-                                <a:rPr lang="en-US" sz="2030" b="0" i="1" smtClean="0">
+                                <a:rPr lang="en-US" sz="2400" b="0" i="1" smtClean="0">
                                   <a:latin typeface="Cambria Math" panose="02040503050406030204" pitchFamily="18" charset="0"/>
                                 </a:rPr>
                                 <m:t>(</m:t>
@@ -5449,14 +5701,14 @@
                               <m:sSub>
                                 <m:sSubPr>
                                   <m:ctrlPr>
-                                    <a:rPr lang="en-US" sz="2030" b="0" i="1" smtClean="0">
+                                    <a:rPr lang="en-US" sz="2400" b="0" i="1" smtClean="0">
                                       <a:latin typeface="Cambria Math" panose="02040503050406030204" pitchFamily="18" charset="0"/>
                                     </a:rPr>
                                   </m:ctrlPr>
                                 </m:sSubPr>
                                 <m:e>
                                   <m:r>
-                                    <a:rPr lang="en-US" sz="2030" b="0" i="1" smtClean="0">
+                                    <a:rPr lang="en-US" sz="2400" b="0" i="1" smtClean="0">
                                       <a:latin typeface="Cambria Math" panose="02040503050406030204" pitchFamily="18" charset="0"/>
                                     </a:rPr>
                                     <m:t>𝑁</m:t>
@@ -5464,7 +5716,7 @@
                                 </m:e>
                                 <m:sub>
                                   <m:r>
-                                    <a:rPr lang="en-US" sz="2030" b="0" i="1" smtClean="0">
+                                    <a:rPr lang="en-US" sz="2400" b="0" i="1" smtClean="0">
                                       <a:latin typeface="Cambria Math" panose="02040503050406030204" pitchFamily="18" charset="0"/>
                                     </a:rPr>
                                     <m:t>𝑟</m:t>
@@ -5472,19 +5724,19 @@
                                 </m:sub>
                               </m:sSub>
                               <m:r>
-                                <a:rPr lang="en-US" sz="2030" b="0" i="1" smtClean="0">
+                                <a:rPr lang="en-US" sz="2400" b="0" i="1" smtClean="0">
                                   <a:latin typeface="Cambria Math" panose="02040503050406030204" pitchFamily="18" charset="0"/>
                                 </a:rPr>
                                 <m:t>−</m:t>
                               </m:r>
                               <m:r>
-                                <a:rPr lang="en-US" sz="2030" b="0" i="1" smtClean="0">
+                                <a:rPr lang="en-US" sz="2400" b="0" i="1" smtClean="0">
                                   <a:latin typeface="Cambria Math" panose="02040503050406030204" pitchFamily="18" charset="0"/>
                                 </a:rPr>
                                 <m:t>𝑚</m:t>
                               </m:r>
                               <m:r>
-                                <a:rPr lang="en-US" sz="2030" b="0" i="1" smtClean="0">
+                                <a:rPr lang="en-US" sz="2400" b="0" i="1" smtClean="0">
                                   <a:latin typeface="Cambria Math" panose="02040503050406030204" pitchFamily="18" charset="0"/>
                                 </a:rPr>
                                 <m:t>)</m:t>
@@ -5496,19 +5748,19 @@
                     </m:oMath>
                   </m:oMathPara>
                 </a14:m>
-                <a:endParaRPr lang="en-US" sz="2030" dirty="0" smtClean="0"/>
+                <a:endParaRPr lang="en-US" sz="2400" dirty="0" smtClean="0"/>
               </a:p>
               <a:p>
-                <a:endParaRPr lang="en-US" sz="2030" dirty="0" smtClean="0"/>
+                <a:endParaRPr lang="en-US" sz="2400" dirty="0" smtClean="0"/>
               </a:p>
               <a:p>
                 <a:r>
-                  <a:rPr lang="en-US" sz="2030" dirty="0" smtClean="0"/>
+                  <a:rPr lang="en-US" sz="2400" dirty="0" smtClean="0"/>
                   <a:t>For a structure containing a loop and a chain (Figure 2C), the bead distance distribution for bead n and m is given by the addition of two normally distributed vectors, which results in a normal distribution by the convolution of the two pdfs of a chain and a ring.</a:t>
                 </a:r>
               </a:p>
               <a:p>
-                <a:endParaRPr lang="en-US" sz="2030" dirty="0"/>
+                <a:endParaRPr lang="en-US" sz="2400" dirty="0"/>
               </a:p>
               <a:p>
                 <a:pPr/>
@@ -5519,13 +5771,13 @@
                     </m:oMathParaPr>
                     <m:oMath xmlns:m="http://schemas.openxmlformats.org/officeDocument/2006/math">
                       <m:r>
-                        <a:rPr lang="en-US" sz="2030" b="0" i="1" smtClean="0">
+                        <a:rPr lang="en-US" sz="2400" b="0" i="1" smtClean="0">
                           <a:latin typeface="Cambria Math" panose="02040503050406030204" pitchFamily="18" charset="0"/>
                         </a:rPr>
                         <m:t>𝑃</m:t>
                       </m:r>
                       <m:r>
-                        <a:rPr lang="en-US" sz="2030" b="0" i="1" smtClean="0">
+                        <a:rPr lang="en-US" sz="2400" b="0" i="1" smtClean="0">
                           <a:latin typeface="Cambria Math" panose="02040503050406030204" pitchFamily="18" charset="0"/>
                         </a:rPr>
                         <m:t>=</m:t>
@@ -5533,14 +5785,14 @@
                       <m:sSub>
                         <m:sSubPr>
                           <m:ctrlPr>
-                            <a:rPr lang="en-US" sz="2030" b="0" i="1" smtClean="0">
+                            <a:rPr lang="en-US" sz="2400" b="0" i="1" smtClean="0">
                               <a:latin typeface="Cambria Math" panose="02040503050406030204" pitchFamily="18" charset="0"/>
                             </a:rPr>
                           </m:ctrlPr>
                         </m:sSubPr>
                         <m:e>
                           <m:r>
-                            <a:rPr lang="en-US" sz="2030" b="0" i="1" smtClean="0">
+                            <a:rPr lang="en-US" sz="2400" b="0" i="1" smtClean="0">
                               <a:latin typeface="Cambria Math" panose="02040503050406030204" pitchFamily="18" charset="0"/>
                             </a:rPr>
                             <m:t>𝑃</m:t>
@@ -5548,7 +5800,7 @@
                         </m:e>
                         <m:sub>
                           <m:r>
-                            <a:rPr lang="en-US" sz="2030" b="0" i="1" smtClean="0">
+                            <a:rPr lang="en-US" sz="2400" b="0" i="1" smtClean="0">
                               <a:latin typeface="Cambria Math" panose="02040503050406030204" pitchFamily="18" charset="0"/>
                             </a:rPr>
                             <m:t>𝑁</m:t>
@@ -5556,19 +5808,19 @@
                         </m:sub>
                       </m:sSub>
                       <m:r>
-                        <a:rPr lang="en-US" sz="2030" b="0" i="1" smtClean="0">
+                        <a:rPr lang="en-US" sz="2400" b="0" i="1" smtClean="0">
                           <a:latin typeface="Cambria Math" panose="02040503050406030204" pitchFamily="18" charset="0"/>
                         </a:rPr>
                         <m:t>∗</m:t>
                       </m:r>
                       <m:r>
-                        <a:rPr lang="en-US" sz="2030" b="0" i="1" smtClean="0">
+                        <a:rPr lang="en-US" sz="2400" b="0" i="1" smtClean="0">
                           <a:latin typeface="Cambria Math" panose="02040503050406030204" pitchFamily="18" charset="0"/>
                         </a:rPr>
                         <m:t>𝑃</m:t>
                       </m:r>
                       <m:r>
-                        <a:rPr lang="en-US" sz="2030" b="0" i="1" smtClean="0">
+                        <a:rPr lang="en-US" sz="2400" b="0" i="1" smtClean="0">
                           <a:latin typeface="Cambria Math" panose="02040503050406030204" pitchFamily="18" charset="0"/>
                         </a:rPr>
                         <m:t>_</m:t>
@@ -5576,14 +5828,14 @@
                       <m:sSub>
                         <m:sSubPr>
                           <m:ctrlPr>
-                            <a:rPr lang="en-US" sz="2030" b="0" i="1" smtClean="0">
+                            <a:rPr lang="en-US" sz="2400" b="0" i="1" smtClean="0">
                               <a:latin typeface="Cambria Math" panose="02040503050406030204" pitchFamily="18" charset="0"/>
                             </a:rPr>
                           </m:ctrlPr>
                         </m:sSubPr>
                         <m:e>
                           <m:r>
-                            <a:rPr lang="en-US" sz="2030" b="0" i="1" smtClean="0">
+                            <a:rPr lang="en-US" sz="2400" b="0" i="1" smtClean="0">
                               <a:latin typeface="Cambria Math" panose="02040503050406030204" pitchFamily="18" charset="0"/>
                             </a:rPr>
                             <m:t>𝑁</m:t>
@@ -5591,7 +5843,7 @@
                         </m:e>
                         <m:sub>
                           <m:r>
-                            <a:rPr lang="en-US" sz="2030" b="0" i="1" smtClean="0">
+                            <a:rPr lang="en-US" sz="2400" b="0" i="1" smtClean="0">
                               <a:latin typeface="Cambria Math" panose="02040503050406030204" pitchFamily="18" charset="0"/>
                             </a:rPr>
                             <m:t>𝑟</m:t>
@@ -5601,10 +5853,10 @@
                     </m:oMath>
                   </m:oMathPara>
                 </a14:m>
-                <a:endParaRPr lang="en-US" sz="2030" dirty="0" smtClean="0"/>
+                <a:endParaRPr lang="en-US" sz="2400" dirty="0" smtClean="0"/>
               </a:p>
               <a:p>
-                <a:endParaRPr lang="en-US" sz="2030" b="1" dirty="0" smtClean="0"/>
+                <a:endParaRPr lang="en-US" sz="2400" b="1" dirty="0" smtClean="0"/>
               </a:p>
               <a:p>
                 <a:r>
@@ -5613,720 +5865,57 @@
                 </a:r>
               </a:p>
               <a:p>
-                <a:endParaRPr lang="en-US" sz="3200" b="1" dirty="0" smtClean="0"/>
+                <a:endParaRPr lang="en-US" sz="2400" b="1" dirty="0" smtClean="0"/>
               </a:p>
               <a:p>
-                <a:endParaRPr lang="en-US" sz="2030" b="1" dirty="0"/>
+                <a:endParaRPr lang="en-US" sz="2400" b="1" dirty="0"/>
               </a:p>
               <a:p>
-                <a:endParaRPr lang="en-US" sz="2030" b="1" dirty="0"/>
+                <a:endParaRPr lang="en-US" sz="2400" b="1" dirty="0"/>
               </a:p>
               <a:p>
-                <a:endParaRPr lang="en-US" sz="2030" b="1" dirty="0" smtClean="0"/>
+                <a:endParaRPr lang="en-US" sz="2400" b="1" dirty="0" smtClean="0"/>
               </a:p>
               <a:p>
-                <a:endParaRPr lang="en-US" sz="2030" b="1" dirty="0"/>
+                <a:endParaRPr lang="en-US" sz="2400" b="1" dirty="0"/>
               </a:p>
               <a:p>
-                <a:endParaRPr lang="en-US" sz="2030" b="1" dirty="0" smtClean="0"/>
+                <a:endParaRPr lang="en-US" sz="2400" b="1" dirty="0" smtClean="0"/>
               </a:p>
               <a:p>
-                <a:endParaRPr lang="en-US" sz="2030" b="1" dirty="0"/>
+                <a:endParaRPr lang="en-US" sz="2400" b="1" dirty="0"/>
               </a:p>
               <a:p>
-                <a:endParaRPr lang="en-US" sz="2030" b="1" dirty="0" smtClean="0"/>
+                <a:endParaRPr lang="en-US" sz="2400" b="1" dirty="0" smtClean="0"/>
               </a:p>
               <a:p>
-                <a:endParaRPr lang="en-US" sz="2030" b="1" dirty="0" smtClean="0"/>
+                <a:endParaRPr lang="en-US" sz="2400" b="1" dirty="0" smtClean="0"/>
               </a:p>
               <a:p>
-                <a:endParaRPr lang="en-US" sz="2030" b="1" dirty="0" smtClean="0"/>
+                <a:endParaRPr lang="en-US" sz="2400" b="1" dirty="0" smtClean="0"/>
               </a:p>
               <a:p>
-                <a:endParaRPr lang="en-US" sz="2030" b="1" dirty="0"/>
+                <a:endParaRPr lang="en-US" sz="2400" b="1" dirty="0"/>
               </a:p>
               <a:p>
-                <a:endParaRPr lang="en-US" sz="2030" b="1" dirty="0" smtClean="0"/>
+                <a:endParaRPr lang="en-US" sz="2400" b="1" dirty="0" smtClean="0"/>
               </a:p>
               <a:p>
-                <a:endParaRPr lang="en-US" sz="2030" b="1" dirty="0"/>
+                <a:endParaRPr lang="en-US" sz="2400" b="1" dirty="0" smtClean="0"/>
               </a:p>
               <a:p>
-                <a:endParaRPr lang="en-US" sz="2030" b="1" dirty="0" smtClean="0"/>
+                <a:endParaRPr lang="en-US" sz="2400" b="1" dirty="0"/>
               </a:p>
               <a:p>
-                <a:endParaRPr lang="en-US" sz="2030" b="1" dirty="0"/>
+                <a:endParaRPr lang="en-US" sz="2400" b="1" dirty="0"/>
               </a:p>
               <a:p>
-                <a:endParaRPr lang="en-US" sz="2030" b="1" dirty="0" smtClean="0"/>
-              </a:p>
-              <a:p>
-                <a:endParaRPr lang="en-US" sz="2030" b="1" dirty="0" smtClean="0"/>
-              </a:p>
-              <a:p>
-                <a:endParaRPr lang="en-US" sz="2030" b="1" dirty="0"/>
-              </a:p>
-              <a:p>
-                <a:r>
-                  <a:rPr lang="en-US" sz="2030" b="1" dirty="0" smtClean="0"/>
-                  <a:t>Smoothing by the inverse heat equation</a:t>
-                </a:r>
-              </a:p>
-              <a:p>
-                <a:r>
-                  <a:rPr lang="en-US" sz="2030" dirty="0" smtClean="0"/>
-                  <a:t>Noisy signals from the </a:t>
-                </a:r>
-                <a:r>
-                  <a:rPr lang="en-US" sz="2030" dirty="0" err="1" smtClean="0"/>
-                  <a:t>HiC</a:t>
-                </a:r>
-                <a:r>
-                  <a:rPr lang="en-US" sz="2030" dirty="0" smtClean="0"/>
-                  <a:t> data display increase and decrease in encounter probability as a result of the looped structure of the chromosome. The description of the distance distribution in composite polymer structure by a normal distribution motivates the use  of the fundamental </a:t>
-                </a:r>
-                <a:r>
-                  <a:rPr lang="en-US" sz="2030" dirty="0"/>
-                  <a:t>solution for the diffusion (heat) </a:t>
-                </a:r>
-                <a:r>
-                  <a:rPr lang="en-US" sz="2030" dirty="0" smtClean="0"/>
-                  <a:t>equation for the  smoothing of the encounter curves. Encounter probability is thought of as the change of temperature over time, and variation in encounter probability is considered to be a result of turning on and off a heat source </a:t>
-                </a:r>
-                <a14:m>
-                  <m:oMath xmlns:m="http://schemas.openxmlformats.org/officeDocument/2006/math">
-                    <m:r>
-                      <a:rPr lang="en-US" sz="2030" b="0" i="1" smtClean="0">
-                        <a:latin typeface="Cambria Math" panose="02040503050406030204" pitchFamily="18" charset="0"/>
-                      </a:rPr>
-                      <m:t>𝑟</m:t>
-                    </m:r>
-                    <m:r>
-                      <a:rPr lang="en-US" sz="2030" b="0" i="1" smtClean="0">
-                        <a:latin typeface="Cambria Math" panose="02040503050406030204" pitchFamily="18" charset="0"/>
-                      </a:rPr>
-                      <m:t>(</m:t>
-                    </m:r>
-                    <m:r>
-                      <a:rPr lang="en-US" sz="2030" b="0" i="1" smtClean="0">
-                        <a:latin typeface="Cambria Math" panose="02040503050406030204" pitchFamily="18" charset="0"/>
-                      </a:rPr>
-                      <m:t>𝑡</m:t>
-                    </m:r>
-                    <m:r>
-                      <a:rPr lang="en-US" sz="2030" b="0" i="1" smtClean="0">
-                        <a:latin typeface="Cambria Math" panose="02040503050406030204" pitchFamily="18" charset="0"/>
-                      </a:rPr>
-                      <m:t>)</m:t>
-                    </m:r>
-                  </m:oMath>
-                </a14:m>
-                <a:r>
-                  <a:rPr lang="en-US" sz="2030" dirty="0" smtClean="0"/>
-                  <a:t> (see Figure 3A). We, thus, arrive </a:t>
-                </a:r>
-                <a:r>
-                  <a:rPr lang="en-US" sz="2030" dirty="0"/>
-                  <a:t>at </a:t>
-                </a:r>
-                <a:r>
-                  <a:rPr lang="en-US" sz="2030" dirty="0" smtClean="0"/>
-                  <a:t>solving the </a:t>
-                </a:r>
-                <a:r>
-                  <a:rPr lang="en-US" sz="2030" dirty="0"/>
-                  <a:t>inverse heat </a:t>
-                </a:r>
-                <a:r>
-                  <a:rPr lang="en-US" sz="2030" dirty="0" smtClean="0"/>
-                  <a:t>equation with an unknown source. </a:t>
-                </a:r>
-                <a:endParaRPr lang="en-US" sz="2030" dirty="0"/>
-              </a:p>
-              <a:p>
-                <a:pPr/>
-                <a14:m>
-                  <m:oMathPara xmlns:m="http://schemas.openxmlformats.org/officeDocument/2006/math">
-                    <m:oMathParaPr>
-                      <m:jc m:val="centerGroup"/>
-                    </m:oMathParaPr>
-                    <m:oMath xmlns:m="http://schemas.openxmlformats.org/officeDocument/2006/math">
-                      <m:sSub>
-                        <m:sSubPr>
-                          <m:ctrlPr>
-                            <a:rPr lang="en-US" sz="2030" i="1">
-                              <a:latin typeface="Cambria Math" panose="02040503050406030204" pitchFamily="18" charset="0"/>
-                            </a:rPr>
-                          </m:ctrlPr>
-                        </m:sSubPr>
-                        <m:e>
-                          <m:r>
-                            <a:rPr lang="en-US" sz="2030" i="1">
-                              <a:latin typeface="Cambria Math" panose="02040503050406030204" pitchFamily="18" charset="0"/>
-                            </a:rPr>
-                            <m:t>𝑢</m:t>
-                          </m:r>
-                        </m:e>
-                        <m:sub>
-                          <m:r>
-                            <a:rPr lang="en-US" sz="2030" i="1">
-                              <a:latin typeface="Cambria Math" panose="02040503050406030204" pitchFamily="18" charset="0"/>
-                            </a:rPr>
-                            <m:t>𝑡</m:t>
-                          </m:r>
-                        </m:sub>
-                      </m:sSub>
-                      <m:r>
-                        <a:rPr lang="en-US" sz="2030" i="1">
-                          <a:latin typeface="Cambria Math" panose="02040503050406030204" pitchFamily="18" charset="0"/>
-                        </a:rPr>
-                        <m:t>=</m:t>
-                      </m:r>
-                      <m:sSub>
-                        <m:sSubPr>
-                          <m:ctrlPr>
-                            <a:rPr lang="en-US" sz="2030" i="1">
-                              <a:latin typeface="Cambria Math" panose="02040503050406030204" pitchFamily="18" charset="0"/>
-                            </a:rPr>
-                          </m:ctrlPr>
-                        </m:sSubPr>
-                        <m:e>
-                          <m:r>
-                            <a:rPr lang="en-US" sz="2030" i="1">
-                              <a:latin typeface="Cambria Math" panose="02040503050406030204" pitchFamily="18" charset="0"/>
-                            </a:rPr>
-                            <m:t>𝑢</m:t>
-                          </m:r>
-                        </m:e>
-                        <m:sub>
-                          <m:r>
-                            <a:rPr lang="en-US" sz="2030" i="1">
-                              <a:latin typeface="Cambria Math" panose="02040503050406030204" pitchFamily="18" charset="0"/>
-                            </a:rPr>
-                            <m:t>𝑥𝑥</m:t>
-                          </m:r>
-                        </m:sub>
-                      </m:sSub>
-                      <m:r>
-                        <a:rPr lang="en-US" sz="2030" i="1">
-                          <a:latin typeface="Cambria Math" panose="02040503050406030204" pitchFamily="18" charset="0"/>
-                        </a:rPr>
-                        <m:t>+</m:t>
-                      </m:r>
-                      <m:r>
-                        <a:rPr lang="en-US" sz="2030" i="1">
-                          <a:latin typeface="Cambria Math" panose="02040503050406030204" pitchFamily="18" charset="0"/>
-                        </a:rPr>
-                        <m:t>𝑟</m:t>
-                      </m:r>
-                      <m:d>
-                        <m:dPr>
-                          <m:ctrlPr>
-                            <a:rPr lang="en-US" sz="2030" i="1">
-                              <a:latin typeface="Cambria Math" panose="02040503050406030204" pitchFamily="18" charset="0"/>
-                            </a:rPr>
-                          </m:ctrlPr>
-                        </m:dPr>
-                        <m:e>
-                          <m:r>
-                            <a:rPr lang="en-US" sz="2030" i="1">
-                              <a:latin typeface="Cambria Math" panose="02040503050406030204" pitchFamily="18" charset="0"/>
-                            </a:rPr>
-                            <m:t>𝑡</m:t>
-                          </m:r>
-                        </m:e>
-                      </m:d>
-                      <m:r>
-                        <a:rPr lang="en-US" sz="2030" i="1">
-                          <a:latin typeface="Cambria Math" panose="02040503050406030204" pitchFamily="18" charset="0"/>
-                        </a:rPr>
-                        <m:t>,    </m:t>
-                      </m:r>
-                      <m:r>
-                        <a:rPr lang="en-US" sz="2030" i="1">
-                          <a:latin typeface="Cambria Math" panose="02040503050406030204" pitchFamily="18" charset="0"/>
-                        </a:rPr>
-                        <m:t>0</m:t>
-                      </m:r>
-                      <m:r>
-                        <a:rPr lang="en-US" sz="2030" i="1">
-                          <a:latin typeface="Cambria Math" panose="02040503050406030204" pitchFamily="18" charset="0"/>
-                        </a:rPr>
-                        <m:t>&lt;</m:t>
-                      </m:r>
-                      <m:r>
-                        <a:rPr lang="en-US" sz="2030" i="1">
-                          <a:latin typeface="Cambria Math" panose="02040503050406030204" pitchFamily="18" charset="0"/>
-                        </a:rPr>
-                        <m:t>𝑥</m:t>
-                      </m:r>
-                      <m:r>
-                        <a:rPr lang="en-US" sz="2030" i="1">
-                          <a:latin typeface="Cambria Math" panose="02040503050406030204" pitchFamily="18" charset="0"/>
-                        </a:rPr>
-                        <m:t>&lt;</m:t>
-                      </m:r>
-                      <m:r>
-                        <a:rPr lang="en-US" sz="2030" i="1">
-                          <a:latin typeface="Cambria Math" panose="02040503050406030204" pitchFamily="18" charset="0"/>
-                        </a:rPr>
-                        <m:t>1</m:t>
-                      </m:r>
-                      <m:r>
-                        <a:rPr lang="en-US" sz="2030" i="1">
-                          <a:latin typeface="Cambria Math" panose="02040503050406030204" pitchFamily="18" charset="0"/>
-                        </a:rPr>
-                        <m:t>,  </m:t>
-                      </m:r>
-                      <m:r>
-                        <a:rPr lang="en-US" sz="2030" i="1">
-                          <a:latin typeface="Cambria Math" panose="02040503050406030204" pitchFamily="18" charset="0"/>
-                        </a:rPr>
-                        <m:t>𝑡</m:t>
-                      </m:r>
-                      <m:r>
-                        <a:rPr lang="en-US" sz="2030" i="1">
-                          <a:latin typeface="Cambria Math" panose="02040503050406030204" pitchFamily="18" charset="0"/>
-                          <a:ea typeface="Cambria Math" panose="02040503050406030204" pitchFamily="18" charset="0"/>
-                        </a:rPr>
-                        <m:t>≥</m:t>
-                      </m:r>
-                      <m:r>
-                        <a:rPr lang="en-US" sz="2030" i="1">
-                          <a:latin typeface="Cambria Math" panose="02040503050406030204" pitchFamily="18" charset="0"/>
-                          <a:ea typeface="Cambria Math" panose="02040503050406030204" pitchFamily="18" charset="0"/>
-                        </a:rPr>
-                        <m:t>0</m:t>
-                      </m:r>
-                    </m:oMath>
-                  </m:oMathPara>
-                </a14:m>
-                <a:endParaRPr lang="en-US" sz="2030" dirty="0"/>
-              </a:p>
-              <a:p>
-                <a:r>
-                  <a:rPr lang="en-US" sz="2030" dirty="0" smtClean="0"/>
-                  <a:t>with </a:t>
-                </a:r>
-                <a:endParaRPr lang="en-US" sz="2030" dirty="0"/>
-              </a:p>
-              <a:p>
-                <a:pPr/>
-                <a14:m>
-                  <m:oMathPara xmlns:m="http://schemas.openxmlformats.org/officeDocument/2006/math">
-                    <m:oMathParaPr>
-                      <m:jc m:val="centerGroup"/>
-                    </m:oMathParaPr>
-                    <m:oMath xmlns:m="http://schemas.openxmlformats.org/officeDocument/2006/math">
-                      <m:r>
-                        <a:rPr lang="en-US" sz="2030" i="1">
-                          <a:latin typeface="Cambria Math" panose="02040503050406030204" pitchFamily="18" charset="0"/>
-                        </a:rPr>
-                        <m:t>𝑢</m:t>
-                      </m:r>
-                      <m:d>
-                        <m:dPr>
-                          <m:ctrlPr>
-                            <a:rPr lang="en-US" sz="2030" i="1">
-                              <a:latin typeface="Cambria Math" panose="02040503050406030204" pitchFamily="18" charset="0"/>
-                            </a:rPr>
-                          </m:ctrlPr>
-                        </m:dPr>
-                        <m:e>
-                          <m:r>
-                            <a:rPr lang="en-US" sz="2030" i="1">
-                              <a:latin typeface="Cambria Math" panose="02040503050406030204" pitchFamily="18" charset="0"/>
-                            </a:rPr>
-                            <m:t>0</m:t>
-                          </m:r>
-                          <m:r>
-                            <a:rPr lang="en-US" sz="2030" i="1">
-                              <a:latin typeface="Cambria Math" panose="02040503050406030204" pitchFamily="18" charset="0"/>
-                            </a:rPr>
-                            <m:t>,</m:t>
-                          </m:r>
-                          <m:r>
-                            <a:rPr lang="en-US" sz="2030" i="1">
-                              <a:latin typeface="Cambria Math" panose="02040503050406030204" pitchFamily="18" charset="0"/>
-                            </a:rPr>
-                            <m:t>𝑡</m:t>
-                          </m:r>
-                        </m:e>
-                      </m:d>
-                      <m:r>
-                        <a:rPr lang="en-US" sz="2030" i="1">
-                          <a:latin typeface="Cambria Math" panose="02040503050406030204" pitchFamily="18" charset="0"/>
-                        </a:rPr>
-                        <m:t>=</m:t>
-                      </m:r>
-                      <m:r>
-                        <a:rPr lang="en-US" sz="2030" i="1">
-                          <a:latin typeface="Cambria Math" panose="02040503050406030204" pitchFamily="18" charset="0"/>
-                        </a:rPr>
-                        <m:t>𝑢</m:t>
-                      </m:r>
-                      <m:d>
-                        <m:dPr>
-                          <m:ctrlPr>
-                            <a:rPr lang="en-US" sz="2030" i="1">
-                              <a:latin typeface="Cambria Math" panose="02040503050406030204" pitchFamily="18" charset="0"/>
-                            </a:rPr>
-                          </m:ctrlPr>
-                        </m:dPr>
-                        <m:e>
-                          <m:r>
-                            <a:rPr lang="en-US" sz="2030" i="1">
-                              <a:latin typeface="Cambria Math" panose="02040503050406030204" pitchFamily="18" charset="0"/>
-                            </a:rPr>
-                            <m:t>1</m:t>
-                          </m:r>
-                          <m:r>
-                            <a:rPr lang="en-US" sz="2030" i="1">
-                              <a:latin typeface="Cambria Math" panose="02040503050406030204" pitchFamily="18" charset="0"/>
-                            </a:rPr>
-                            <m:t>,</m:t>
-                          </m:r>
-                          <m:r>
-                            <a:rPr lang="en-US" sz="2030" i="1">
-                              <a:latin typeface="Cambria Math" panose="02040503050406030204" pitchFamily="18" charset="0"/>
-                            </a:rPr>
-                            <m:t>𝑡</m:t>
-                          </m:r>
-                        </m:e>
-                      </m:d>
-                      <m:r>
-                        <a:rPr lang="en-US" sz="2030" i="1">
-                          <a:latin typeface="Cambria Math" panose="02040503050406030204" pitchFamily="18" charset="0"/>
-                        </a:rPr>
-                        <m:t>,  </m:t>
-                      </m:r>
-                      <m:sSub>
-                        <m:sSubPr>
-                          <m:ctrlPr>
-                            <a:rPr lang="en-US" sz="2030" i="1">
-                              <a:latin typeface="Cambria Math" panose="02040503050406030204" pitchFamily="18" charset="0"/>
-                            </a:rPr>
-                          </m:ctrlPr>
-                        </m:sSubPr>
-                        <m:e>
-                          <m:r>
-                            <a:rPr lang="en-US" sz="2030" i="1">
-                              <a:latin typeface="Cambria Math" panose="02040503050406030204" pitchFamily="18" charset="0"/>
-                            </a:rPr>
-                            <m:t>𝑢</m:t>
-                          </m:r>
-                        </m:e>
-                        <m:sub>
-                          <m:r>
-                            <a:rPr lang="en-US" sz="2030" i="1">
-                              <a:latin typeface="Cambria Math" panose="02040503050406030204" pitchFamily="18" charset="0"/>
-                            </a:rPr>
-                            <m:t>𝑥</m:t>
-                          </m:r>
-                        </m:sub>
-                      </m:sSub>
-                      <m:d>
-                        <m:dPr>
-                          <m:ctrlPr>
-                            <a:rPr lang="en-US" sz="2030" i="1">
-                              <a:latin typeface="Cambria Math" panose="02040503050406030204" pitchFamily="18" charset="0"/>
-                            </a:rPr>
-                          </m:ctrlPr>
-                        </m:dPr>
-                        <m:e>
-                          <m:r>
-                            <a:rPr lang="en-US" sz="2030" i="1">
-                              <a:latin typeface="Cambria Math" panose="02040503050406030204" pitchFamily="18" charset="0"/>
-                            </a:rPr>
-                            <m:t>0</m:t>
-                          </m:r>
-                          <m:r>
-                            <a:rPr lang="en-US" sz="2030" i="1">
-                              <a:latin typeface="Cambria Math" panose="02040503050406030204" pitchFamily="18" charset="0"/>
-                            </a:rPr>
-                            <m:t>,</m:t>
-                          </m:r>
-                          <m:r>
-                            <a:rPr lang="en-US" sz="2030" i="1">
-                              <a:latin typeface="Cambria Math" panose="02040503050406030204" pitchFamily="18" charset="0"/>
-                            </a:rPr>
-                            <m:t>𝑡</m:t>
-                          </m:r>
-                        </m:e>
-                      </m:d>
-                      <m:r>
-                        <a:rPr lang="en-US" sz="2030" i="1">
-                          <a:latin typeface="Cambria Math" panose="02040503050406030204" pitchFamily="18" charset="0"/>
-                        </a:rPr>
-                        <m:t>+</m:t>
-                      </m:r>
-                      <m:r>
-                        <a:rPr lang="en-US" sz="2030" i="1">
-                          <a:latin typeface="Cambria Math" panose="02040503050406030204" pitchFamily="18" charset="0"/>
-                          <a:ea typeface="Cambria Math" panose="02040503050406030204" pitchFamily="18" charset="0"/>
-                        </a:rPr>
-                        <m:t>𝛼</m:t>
-                      </m:r>
-                      <m:r>
-                        <a:rPr lang="en-US" sz="2030" i="1">
-                          <a:latin typeface="Cambria Math" panose="02040503050406030204" pitchFamily="18" charset="0"/>
-                          <a:ea typeface="Cambria Math" panose="02040503050406030204" pitchFamily="18" charset="0"/>
-                        </a:rPr>
-                        <m:t>𝑢</m:t>
-                      </m:r>
-                      <m:d>
-                        <m:dPr>
-                          <m:ctrlPr>
-                            <a:rPr lang="en-US" sz="2030" i="1">
-                              <a:latin typeface="Cambria Math" panose="02040503050406030204" pitchFamily="18" charset="0"/>
-                              <a:ea typeface="Cambria Math" panose="02040503050406030204" pitchFamily="18" charset="0"/>
-                            </a:rPr>
-                          </m:ctrlPr>
-                        </m:dPr>
-                        <m:e>
-                          <m:r>
-                            <a:rPr lang="en-US" sz="2030" i="1">
-                              <a:latin typeface="Cambria Math" panose="02040503050406030204" pitchFamily="18" charset="0"/>
-                              <a:ea typeface="Cambria Math" panose="02040503050406030204" pitchFamily="18" charset="0"/>
-                            </a:rPr>
-                            <m:t>0</m:t>
-                          </m:r>
-                          <m:r>
-                            <a:rPr lang="en-US" sz="2030" i="1">
-                              <a:latin typeface="Cambria Math" panose="02040503050406030204" pitchFamily="18" charset="0"/>
-                              <a:ea typeface="Cambria Math" panose="02040503050406030204" pitchFamily="18" charset="0"/>
-                            </a:rPr>
-                            <m:t>,</m:t>
-                          </m:r>
-                          <m:r>
-                            <a:rPr lang="en-US" sz="2030" i="1">
-                              <a:latin typeface="Cambria Math" panose="02040503050406030204" pitchFamily="18" charset="0"/>
-                              <a:ea typeface="Cambria Math" panose="02040503050406030204" pitchFamily="18" charset="0"/>
-                            </a:rPr>
-                            <m:t>𝑡</m:t>
-                          </m:r>
-                        </m:e>
-                      </m:d>
-                      <m:r>
-                        <a:rPr lang="en-US" sz="2030" i="1">
-                          <a:latin typeface="Cambria Math" panose="02040503050406030204" pitchFamily="18" charset="0"/>
-                          <a:ea typeface="Cambria Math" panose="02040503050406030204" pitchFamily="18" charset="0"/>
-                        </a:rPr>
-                        <m:t>=</m:t>
-                      </m:r>
-                      <m:r>
-                        <a:rPr lang="en-US" sz="2030" i="1">
-                          <a:latin typeface="Cambria Math" panose="02040503050406030204" pitchFamily="18" charset="0"/>
-                          <a:ea typeface="Cambria Math" panose="02040503050406030204" pitchFamily="18" charset="0"/>
-                        </a:rPr>
-                        <m:t>0</m:t>
-                      </m:r>
-                      <m:r>
-                        <a:rPr lang="en-US" sz="2030" i="1">
-                          <a:latin typeface="Cambria Math" panose="02040503050406030204" pitchFamily="18" charset="0"/>
-                          <a:ea typeface="Cambria Math" panose="02040503050406030204" pitchFamily="18" charset="0"/>
-                        </a:rPr>
-                        <m:t>,  </m:t>
-                      </m:r>
-                      <m:r>
-                        <a:rPr lang="en-US" sz="2030" i="1">
-                          <a:latin typeface="Cambria Math" panose="02040503050406030204" pitchFamily="18" charset="0"/>
-                          <a:ea typeface="Cambria Math" panose="02040503050406030204" pitchFamily="18" charset="0"/>
-                        </a:rPr>
-                        <m:t>𝑢</m:t>
-                      </m:r>
-                      <m:d>
-                        <m:dPr>
-                          <m:ctrlPr>
-                            <a:rPr lang="en-US" sz="2030" i="1">
-                              <a:latin typeface="Cambria Math" panose="02040503050406030204" pitchFamily="18" charset="0"/>
-                              <a:ea typeface="Cambria Math" panose="02040503050406030204" pitchFamily="18" charset="0"/>
-                            </a:rPr>
-                          </m:ctrlPr>
-                        </m:dPr>
-                        <m:e>
-                          <m:r>
-                            <a:rPr lang="en-US" sz="2030" i="1">
-                              <a:latin typeface="Cambria Math" panose="02040503050406030204" pitchFamily="18" charset="0"/>
-                              <a:ea typeface="Cambria Math" panose="02040503050406030204" pitchFamily="18" charset="0"/>
-                            </a:rPr>
-                            <m:t>𝑥</m:t>
-                          </m:r>
-                          <m:r>
-                            <a:rPr lang="en-US" sz="2030" i="1">
-                              <a:latin typeface="Cambria Math" panose="02040503050406030204" pitchFamily="18" charset="0"/>
-                              <a:ea typeface="Cambria Math" panose="02040503050406030204" pitchFamily="18" charset="0"/>
-                            </a:rPr>
-                            <m:t>,</m:t>
-                          </m:r>
-                          <m:r>
-                            <a:rPr lang="en-US" sz="2030" i="1">
-                              <a:latin typeface="Cambria Math" panose="02040503050406030204" pitchFamily="18" charset="0"/>
-                              <a:ea typeface="Cambria Math" panose="02040503050406030204" pitchFamily="18" charset="0"/>
-                            </a:rPr>
-                            <m:t>0</m:t>
-                          </m:r>
-                        </m:e>
-                      </m:d>
-                      <m:r>
-                        <a:rPr lang="en-US" sz="2030" i="1">
-                          <a:latin typeface="Cambria Math" panose="02040503050406030204" pitchFamily="18" charset="0"/>
-                          <a:ea typeface="Cambria Math" panose="02040503050406030204" pitchFamily="18" charset="0"/>
-                        </a:rPr>
-                        <m:t>=</m:t>
-                      </m:r>
-                      <m:r>
-                        <a:rPr lang="en-US" sz="2030" i="1">
-                          <a:latin typeface="Cambria Math" panose="02040503050406030204" pitchFamily="18" charset="0"/>
-                          <a:ea typeface="Cambria Math" panose="02040503050406030204" pitchFamily="18" charset="0"/>
-                        </a:rPr>
-                        <m:t>𝜑</m:t>
-                      </m:r>
-                      <m:d>
-                        <m:dPr>
-                          <m:ctrlPr>
-                            <a:rPr lang="en-US" sz="2030" i="1">
-                              <a:latin typeface="Cambria Math" panose="02040503050406030204" pitchFamily="18" charset="0"/>
-                              <a:ea typeface="Cambria Math" panose="02040503050406030204" pitchFamily="18" charset="0"/>
-                            </a:rPr>
-                          </m:ctrlPr>
-                        </m:dPr>
-                        <m:e>
-                          <m:r>
-                            <a:rPr lang="en-US" sz="2030" i="1">
-                              <a:latin typeface="Cambria Math" panose="02040503050406030204" pitchFamily="18" charset="0"/>
-                              <a:ea typeface="Cambria Math" panose="02040503050406030204" pitchFamily="18" charset="0"/>
-                            </a:rPr>
-                            <m:t>𝑥</m:t>
-                          </m:r>
-                        </m:e>
-                      </m:d>
-                    </m:oMath>
-                    <m:oMath xmlns:m="http://schemas.openxmlformats.org/officeDocument/2006/math">
-                      <m:nary>
-                        <m:naryPr>
-                          <m:ctrlPr>
-                            <a:rPr lang="en-US" sz="2030" i="1" smtClean="0">
-                              <a:latin typeface="Cambria Math" panose="02040503050406030204" pitchFamily="18" charset="0"/>
-                              <a:ea typeface="Cambria Math" panose="02040503050406030204" pitchFamily="18" charset="0"/>
-                            </a:rPr>
-                          </m:ctrlPr>
-                        </m:naryPr>
-                        <m:sub>
-                          <m:r>
-                            <m:rPr>
-                              <m:brk m:alnAt="23"/>
-                            </m:rPr>
-                            <a:rPr lang="en-US" sz="2030" b="0" i="1" smtClean="0">
-                              <a:latin typeface="Cambria Math" panose="02040503050406030204" pitchFamily="18" charset="0"/>
-                              <a:ea typeface="Cambria Math" panose="02040503050406030204" pitchFamily="18" charset="0"/>
-                            </a:rPr>
-                            <m:t>0</m:t>
-                          </m:r>
-                        </m:sub>
-                        <m:sup>
-                          <m:r>
-                            <a:rPr lang="en-US" sz="2030" b="0" i="1" smtClean="0">
-                              <a:latin typeface="Cambria Math" panose="02040503050406030204" pitchFamily="18" charset="0"/>
-                              <a:ea typeface="Cambria Math" panose="02040503050406030204" pitchFamily="18" charset="0"/>
-                            </a:rPr>
-                            <m:t>1</m:t>
-                          </m:r>
-                        </m:sup>
-                        <m:e>
-                          <m:r>
-                            <a:rPr lang="en-US" sz="2030" b="0" i="1" smtClean="0">
-                              <a:latin typeface="Cambria Math" panose="02040503050406030204" pitchFamily="18" charset="0"/>
-                              <a:ea typeface="Cambria Math" panose="02040503050406030204" pitchFamily="18" charset="0"/>
-                            </a:rPr>
-                            <m:t>𝑢</m:t>
-                          </m:r>
-                          <m:d>
-                            <m:dPr>
-                              <m:ctrlPr>
-                                <a:rPr lang="en-US" sz="2030" b="0" i="1" smtClean="0">
-                                  <a:latin typeface="Cambria Math" panose="02040503050406030204" pitchFamily="18" charset="0"/>
-                                  <a:ea typeface="Cambria Math" panose="02040503050406030204" pitchFamily="18" charset="0"/>
-                                </a:rPr>
-                              </m:ctrlPr>
-                            </m:dPr>
-                            <m:e>
-                              <m:r>
-                                <a:rPr lang="en-US" sz="2030" b="0" i="1" smtClean="0">
-                                  <a:latin typeface="Cambria Math" panose="02040503050406030204" pitchFamily="18" charset="0"/>
-                                  <a:ea typeface="Cambria Math" panose="02040503050406030204" pitchFamily="18" charset="0"/>
-                                </a:rPr>
-                                <m:t>𝑥</m:t>
-                              </m:r>
-                              <m:r>
-                                <a:rPr lang="en-US" sz="2030" b="0" i="1" smtClean="0">
-                                  <a:latin typeface="Cambria Math" panose="02040503050406030204" pitchFamily="18" charset="0"/>
-                                  <a:ea typeface="Cambria Math" panose="02040503050406030204" pitchFamily="18" charset="0"/>
-                                </a:rPr>
-                                <m:t>,</m:t>
-                              </m:r>
-                              <m:r>
-                                <a:rPr lang="en-US" sz="2030" b="0" i="1" smtClean="0">
-                                  <a:latin typeface="Cambria Math" panose="02040503050406030204" pitchFamily="18" charset="0"/>
-                                  <a:ea typeface="Cambria Math" panose="02040503050406030204" pitchFamily="18" charset="0"/>
-                                </a:rPr>
-                                <m:t>𝑡</m:t>
-                              </m:r>
-                            </m:e>
-                          </m:d>
-                          <m:r>
-                            <a:rPr lang="en-US" sz="2030" b="0" i="1" smtClean="0">
-                              <a:latin typeface="Cambria Math" panose="02040503050406030204" pitchFamily="18" charset="0"/>
-                              <a:ea typeface="Cambria Math" panose="02040503050406030204" pitchFamily="18" charset="0"/>
-                            </a:rPr>
-                            <m:t>𝑑𝑥</m:t>
-                          </m:r>
-                          <m:r>
-                            <a:rPr lang="en-US" sz="2030" b="0" i="1" smtClean="0">
-                              <a:latin typeface="Cambria Math" panose="02040503050406030204" pitchFamily="18" charset="0"/>
-                              <a:ea typeface="Cambria Math" panose="02040503050406030204" pitchFamily="18" charset="0"/>
-                            </a:rPr>
-                            <m:t>=</m:t>
-                          </m:r>
-                          <m:r>
-                            <a:rPr lang="en-US" sz="2030" b="0" i="1" smtClean="0">
-                              <a:latin typeface="Cambria Math" panose="02040503050406030204" pitchFamily="18" charset="0"/>
-                              <a:ea typeface="Cambria Math" panose="02040503050406030204" pitchFamily="18" charset="0"/>
-                            </a:rPr>
-                            <m:t>𝐸</m:t>
-                          </m:r>
-                          <m:r>
-                            <a:rPr lang="en-US" sz="2030" b="0" i="1" smtClean="0">
-                              <a:latin typeface="Cambria Math" panose="02040503050406030204" pitchFamily="18" charset="0"/>
-                              <a:ea typeface="Cambria Math" panose="02040503050406030204" pitchFamily="18" charset="0"/>
-                            </a:rPr>
-                            <m:t>(</m:t>
-                          </m:r>
-                          <m:r>
-                            <a:rPr lang="en-US" sz="2030" b="0" i="1" smtClean="0">
-                              <a:latin typeface="Cambria Math" panose="02040503050406030204" pitchFamily="18" charset="0"/>
-                              <a:ea typeface="Cambria Math" panose="02040503050406030204" pitchFamily="18" charset="0"/>
-                            </a:rPr>
-                            <m:t>𝑡</m:t>
-                          </m:r>
-                          <m:r>
-                            <a:rPr lang="en-US" sz="2030" b="0" i="1" smtClean="0">
-                              <a:latin typeface="Cambria Math" panose="02040503050406030204" pitchFamily="18" charset="0"/>
-                              <a:ea typeface="Cambria Math" panose="02040503050406030204" pitchFamily="18" charset="0"/>
-                            </a:rPr>
-                            <m:t>)</m:t>
-                          </m:r>
-                        </m:e>
-                      </m:nary>
-                    </m:oMath>
-                  </m:oMathPara>
-                </a14:m>
-                <a:endParaRPr lang="en-US" sz="2030" dirty="0"/>
+                <a:endParaRPr lang="en-US" sz="2400" b="1" dirty="0" smtClean="0"/>
               </a:p>
             </p:txBody>
           </p:sp>
         </mc:Choice>
-        <mc:Fallback xmlns="">
+        <mc:Fallback>
           <p:sp>
             <p:nvSpPr>
               <p:cNvPr id="11" name="TextBox 10"/>
@@ -6337,8 +5926,8 @@
             </p:nvSpPr>
             <p:spPr>
               <a:xfrm>
-                <a:off x="7725088" y="1947305"/>
-                <a:ext cx="7336169" cy="26949942"/>
+                <a:off x="7725088" y="2023505"/>
+                <a:ext cx="7336169" cy="26164983"/>
               </a:xfrm>
               <a:prstGeom prst="rect">
                 <a:avLst/>
@@ -6346,7 +5935,7 @@
               <a:blipFill rotWithShape="0">
                 <a:blip r:embed="rId3"/>
                 <a:stretch>
-                  <a:fillRect l="-2907" t="-407" r="-1661"/>
+                  <a:fillRect l="-2907" t="-419" r="-1827"/>
                 </a:stretch>
               </a:blipFill>
             </p:spPr>
@@ -6355,7 +5944,7 @@
               <a:lstStyle/>
               <a:p>
                 <a:r>
-                  <a:rPr lang="he-IL">
+                  <a:rPr lang="en-US">
                     <a:noFill/>
                   </a:rPr>
                   <a:t> </a:t>
@@ -6365,54 +5954,6 @@
           </p:sp>
         </mc:Fallback>
       </mc:AlternateContent>
-      <p:sp>
-        <p:nvSpPr>
-          <p:cNvPr id="12" name="TextBox 11"/>
-          <p:cNvSpPr txBox="1"/>
-          <p:nvPr/>
-        </p:nvSpPr>
-        <p:spPr>
-          <a:xfrm>
-            <a:off x="30927840" y="2501539"/>
-            <a:ext cx="6879884" cy="2769989"/>
-          </a:xfrm>
-          <a:prstGeom prst="rect">
-            <a:avLst/>
-          </a:prstGeom>
-          <a:noFill/>
-        </p:spPr>
-        <p:txBody>
-          <a:bodyPr wrap="square" rtlCol="0">
-            <a:spAutoFit/>
-          </a:bodyPr>
-          <a:lstStyle/>
-          <a:p>
-            <a:r>
-              <a:rPr lang="en-US" sz="2900" b="1" dirty="0" smtClean="0"/>
-              <a:t>Results</a:t>
-            </a:r>
-            <a:r>
-              <a:rPr lang="en-US" sz="2900" b="1" dirty="0"/>
-              <a:t>:</a:t>
-            </a:r>
-          </a:p>
-          <a:p>
-            <a:endParaRPr lang="en-US" sz="2900" dirty="0"/>
-          </a:p>
-          <a:p>
-            <a:r>
-              <a:rPr lang="en-US" sz="2900" dirty="0"/>
-              <a:t>In synthetic example, we see accurate reconstruction.</a:t>
-            </a:r>
-          </a:p>
-          <a:p>
-            <a:endParaRPr lang="en-US" sz="2900" dirty="0"/>
-          </a:p>
-          <a:p>
-            <a:endParaRPr lang="en-US" sz="2900" dirty="0"/>
-          </a:p>
-        </p:txBody>
-      </p:sp>
       <p:sp>
         <p:nvSpPr>
           <p:cNvPr id="53" name="Rectangle 52"/>
@@ -6462,7 +6003,7 @@
         </p:nvGrpSpPr>
         <p:grpSpPr>
           <a:xfrm>
-            <a:off x="325554" y="12782694"/>
+            <a:off x="342761" y="16876868"/>
             <a:ext cx="6994270" cy="9536193"/>
             <a:chOff x="325554" y="12782694"/>
             <a:chExt cx="6994270" cy="9536193"/>
@@ -10114,10 +9655,10 @@
               <a:lstStyle/>
               <a:p>
                 <a:r>
-                  <a:rPr lang="en-US" sz="4000" dirty="0" smtClean="0"/>
+                  <a:rPr lang="en-US" sz="4000" b="1" dirty="0" smtClean="0"/>
                   <a:t>Figure 1</a:t>
                 </a:r>
-                <a:endParaRPr lang="en-US" sz="4000" dirty="0"/>
+                <a:endParaRPr lang="en-US" sz="4000" b="1" dirty="0"/>
               </a:p>
             </p:txBody>
           </p:sp>
@@ -10131,7 +9672,7 @@
           <p:spPr>
             <a:xfrm>
               <a:off x="325554" y="13437374"/>
-              <a:ext cx="235612" cy="927818"/>
+              <a:ext cx="235612" cy="707886"/>
             </a:xfrm>
             <a:prstGeom prst="rect">
               <a:avLst/>
@@ -10145,10 +9686,10 @@
             <a:lstStyle/>
             <a:p>
               <a:r>
-                <a:rPr lang="en-US" dirty="0" smtClean="0"/>
+                <a:rPr lang="en-US" sz="4000" b="1" dirty="0" smtClean="0"/>
                 <a:t>A</a:t>
               </a:r>
-              <a:endParaRPr lang="en-US" dirty="0"/>
+              <a:endParaRPr lang="en-US" sz="4000" b="1" dirty="0"/>
             </a:p>
           </p:txBody>
         </p:sp>
@@ -10161,7 +9702,7 @@
           <p:spPr>
             <a:xfrm>
               <a:off x="366453" y="17321069"/>
-              <a:ext cx="538191" cy="927818"/>
+              <a:ext cx="538191" cy="707886"/>
             </a:xfrm>
             <a:prstGeom prst="rect">
               <a:avLst/>
@@ -10175,10 +9716,10 @@
             <a:lstStyle/>
             <a:p>
               <a:r>
-                <a:rPr lang="en-US" dirty="0" smtClean="0"/>
+                <a:rPr lang="en-US" sz="4000" b="1" dirty="0" smtClean="0"/>
                 <a:t>B</a:t>
               </a:r>
-              <a:endParaRPr lang="en-US" dirty="0"/>
+              <a:endParaRPr lang="en-US" sz="4000" b="1" dirty="0"/>
             </a:p>
           </p:txBody>
         </p:sp>
@@ -10194,7 +9735,7 @@
             <p:spPr>
               <a:xfrm>
                 <a:off x="15564344" y="1979474"/>
-                <a:ext cx="7309265" cy="26881974"/>
+                <a:ext cx="7622063" cy="26164214"/>
               </a:xfrm>
               <a:prstGeom prst="rect">
                 <a:avLst/>
@@ -10218,6 +9759,659 @@
               </a:p>
               <a:p>
                 <a:endParaRPr lang="en-US" sz="2400" dirty="0"/>
+              </a:p>
+              <a:p>
+                <a:r>
+                  <a:rPr lang="en-US" sz="3200" b="1" dirty="0"/>
+                  <a:t>Smoothing by </a:t>
+                </a:r>
+                <a:r>
+                  <a:rPr lang="en-US" sz="3200" b="1" dirty="0" smtClean="0"/>
+                  <a:t>solving the </a:t>
+                </a:r>
+                <a:r>
+                  <a:rPr lang="en-US" sz="3200" b="1" dirty="0"/>
+                  <a:t>inverse heat equation</a:t>
+                </a:r>
+              </a:p>
+              <a:p>
+                <a:r>
+                  <a:rPr lang="en-US" sz="2400" dirty="0" smtClean="0"/>
+                  <a:t>The </a:t>
+                </a:r>
+                <a:r>
+                  <a:rPr lang="en-US" sz="2400" dirty="0"/>
+                  <a:t>description of the distance distribution in composite polymer structure by a normal distribution motivates the use  of the fundamental solution for the diffusion (heat) equation for the  smoothing of the encounter curves. Encounter probability is thought of as the change of temperature over time, and variation in encounter probability is considered to be a result of turning on and off a heat source </a:t>
+                </a:r>
+                <a14:m>
+                  <m:oMath xmlns:m="http://schemas.openxmlformats.org/officeDocument/2006/math">
+                    <m:r>
+                      <a:rPr lang="en-US" sz="2400" i="1">
+                        <a:latin typeface="Cambria Math" panose="02040503050406030204" pitchFamily="18" charset="0"/>
+                      </a:rPr>
+                      <m:t>𝑟</m:t>
+                    </m:r>
+                    <m:r>
+                      <a:rPr lang="en-US" sz="2400" i="1">
+                        <a:latin typeface="Cambria Math" panose="02040503050406030204" pitchFamily="18" charset="0"/>
+                      </a:rPr>
+                      <m:t>(</m:t>
+                    </m:r>
+                    <m:r>
+                      <a:rPr lang="en-US" sz="2400" i="1">
+                        <a:latin typeface="Cambria Math" panose="02040503050406030204" pitchFamily="18" charset="0"/>
+                      </a:rPr>
+                      <m:t>𝑡</m:t>
+                    </m:r>
+                    <m:r>
+                      <a:rPr lang="en-US" sz="2400" i="1">
+                        <a:latin typeface="Cambria Math" panose="02040503050406030204" pitchFamily="18" charset="0"/>
+                      </a:rPr>
+                      <m:t>)</m:t>
+                    </m:r>
+                  </m:oMath>
+                </a14:m>
+                <a:r>
+                  <a:rPr lang="en-US" sz="2400" dirty="0"/>
+                  <a:t> (see Figure 3A). We, thus, arrive at solving the inverse heat equation with an unknown source. </a:t>
+                </a:r>
+              </a:p>
+              <a:p>
+                <a:pPr/>
+                <a14:m>
+                  <m:oMathPara xmlns:m="http://schemas.openxmlformats.org/officeDocument/2006/math">
+                    <m:oMathParaPr>
+                      <m:jc m:val="centerGroup"/>
+                    </m:oMathParaPr>
+                    <m:oMath xmlns:m="http://schemas.openxmlformats.org/officeDocument/2006/math">
+                      <m:sSub>
+                        <m:sSubPr>
+                          <m:ctrlPr>
+                            <a:rPr lang="en-US" sz="2400" i="1">
+                              <a:latin typeface="Cambria Math" panose="02040503050406030204" pitchFamily="18" charset="0"/>
+                            </a:rPr>
+                          </m:ctrlPr>
+                        </m:sSubPr>
+                        <m:e>
+                          <m:r>
+                            <a:rPr lang="en-US" sz="2400" i="1">
+                              <a:latin typeface="Cambria Math" panose="02040503050406030204" pitchFamily="18" charset="0"/>
+                            </a:rPr>
+                            <m:t>𝑢</m:t>
+                          </m:r>
+                        </m:e>
+                        <m:sub>
+                          <m:r>
+                            <a:rPr lang="en-US" sz="2400" i="1">
+                              <a:latin typeface="Cambria Math" panose="02040503050406030204" pitchFamily="18" charset="0"/>
+                            </a:rPr>
+                            <m:t>𝑡</m:t>
+                          </m:r>
+                        </m:sub>
+                      </m:sSub>
+                      <m:r>
+                        <a:rPr lang="en-US" sz="2400" i="1">
+                          <a:latin typeface="Cambria Math" panose="02040503050406030204" pitchFamily="18" charset="0"/>
+                        </a:rPr>
+                        <m:t>=</m:t>
+                      </m:r>
+                      <m:sSub>
+                        <m:sSubPr>
+                          <m:ctrlPr>
+                            <a:rPr lang="en-US" sz="2400" i="1">
+                              <a:latin typeface="Cambria Math" panose="02040503050406030204" pitchFamily="18" charset="0"/>
+                            </a:rPr>
+                          </m:ctrlPr>
+                        </m:sSubPr>
+                        <m:e>
+                          <m:r>
+                            <a:rPr lang="en-US" sz="2400" i="1">
+                              <a:latin typeface="Cambria Math" panose="02040503050406030204" pitchFamily="18" charset="0"/>
+                            </a:rPr>
+                            <m:t>𝑢</m:t>
+                          </m:r>
+                        </m:e>
+                        <m:sub>
+                          <m:r>
+                            <a:rPr lang="en-US" sz="2400" i="1">
+                              <a:latin typeface="Cambria Math" panose="02040503050406030204" pitchFamily="18" charset="0"/>
+                            </a:rPr>
+                            <m:t>𝑥𝑥</m:t>
+                          </m:r>
+                        </m:sub>
+                      </m:sSub>
+                      <m:r>
+                        <a:rPr lang="en-US" sz="2400" i="1">
+                          <a:latin typeface="Cambria Math" panose="02040503050406030204" pitchFamily="18" charset="0"/>
+                        </a:rPr>
+                        <m:t>+</m:t>
+                      </m:r>
+                      <m:r>
+                        <a:rPr lang="en-US" sz="2400" i="1">
+                          <a:latin typeface="Cambria Math" panose="02040503050406030204" pitchFamily="18" charset="0"/>
+                        </a:rPr>
+                        <m:t>𝑟</m:t>
+                      </m:r>
+                      <m:d>
+                        <m:dPr>
+                          <m:ctrlPr>
+                            <a:rPr lang="en-US" sz="2400" i="1">
+                              <a:latin typeface="Cambria Math" panose="02040503050406030204" pitchFamily="18" charset="0"/>
+                            </a:rPr>
+                          </m:ctrlPr>
+                        </m:dPr>
+                        <m:e>
+                          <m:r>
+                            <a:rPr lang="en-US" sz="2400" i="1">
+                              <a:latin typeface="Cambria Math" panose="02040503050406030204" pitchFamily="18" charset="0"/>
+                            </a:rPr>
+                            <m:t>𝑡</m:t>
+                          </m:r>
+                        </m:e>
+                      </m:d>
+                      <m:r>
+                        <a:rPr lang="en-US" sz="2400" i="1">
+                          <a:latin typeface="Cambria Math" panose="02040503050406030204" pitchFamily="18" charset="0"/>
+                        </a:rPr>
+                        <m:t>,    </m:t>
+                      </m:r>
+                      <m:r>
+                        <a:rPr lang="en-US" sz="2400" i="1">
+                          <a:latin typeface="Cambria Math" panose="02040503050406030204" pitchFamily="18" charset="0"/>
+                        </a:rPr>
+                        <m:t>0</m:t>
+                      </m:r>
+                      <m:r>
+                        <a:rPr lang="en-US" sz="2400" i="1">
+                          <a:latin typeface="Cambria Math" panose="02040503050406030204" pitchFamily="18" charset="0"/>
+                        </a:rPr>
+                        <m:t>&lt;</m:t>
+                      </m:r>
+                      <m:r>
+                        <a:rPr lang="en-US" sz="2400" i="1">
+                          <a:latin typeface="Cambria Math" panose="02040503050406030204" pitchFamily="18" charset="0"/>
+                        </a:rPr>
+                        <m:t>𝑥</m:t>
+                      </m:r>
+                      <m:r>
+                        <a:rPr lang="en-US" sz="2400" i="1">
+                          <a:latin typeface="Cambria Math" panose="02040503050406030204" pitchFamily="18" charset="0"/>
+                        </a:rPr>
+                        <m:t>&lt;</m:t>
+                      </m:r>
+                      <m:r>
+                        <a:rPr lang="en-US" sz="2400" i="1">
+                          <a:latin typeface="Cambria Math" panose="02040503050406030204" pitchFamily="18" charset="0"/>
+                        </a:rPr>
+                        <m:t>1</m:t>
+                      </m:r>
+                      <m:r>
+                        <a:rPr lang="en-US" sz="2400" i="1">
+                          <a:latin typeface="Cambria Math" panose="02040503050406030204" pitchFamily="18" charset="0"/>
+                        </a:rPr>
+                        <m:t>,  </m:t>
+                      </m:r>
+                      <m:r>
+                        <a:rPr lang="en-US" sz="2400" i="1">
+                          <a:latin typeface="Cambria Math" panose="02040503050406030204" pitchFamily="18" charset="0"/>
+                        </a:rPr>
+                        <m:t>𝑡</m:t>
+                      </m:r>
+                      <m:r>
+                        <a:rPr lang="en-US" sz="2400" i="1">
+                          <a:latin typeface="Cambria Math" panose="02040503050406030204" pitchFamily="18" charset="0"/>
+                          <a:ea typeface="Cambria Math" panose="02040503050406030204" pitchFamily="18" charset="0"/>
+                        </a:rPr>
+                        <m:t>≥</m:t>
+                      </m:r>
+                      <m:r>
+                        <a:rPr lang="en-US" sz="2400" i="1">
+                          <a:latin typeface="Cambria Math" panose="02040503050406030204" pitchFamily="18" charset="0"/>
+                          <a:ea typeface="Cambria Math" panose="02040503050406030204" pitchFamily="18" charset="0"/>
+                        </a:rPr>
+                        <m:t>0</m:t>
+                      </m:r>
+                    </m:oMath>
+                  </m:oMathPara>
+                </a14:m>
+                <a:endParaRPr lang="en-US" sz="2400" dirty="0"/>
+              </a:p>
+              <a:p>
+                <a:pPr/>
+                <a:r>
+                  <a:rPr lang="en-US" sz="2400" dirty="0"/>
+                  <a:t>with </a:t>
+                </a:r>
+                <a:br>
+                  <a:rPr lang="en-US" sz="2400" dirty="0"/>
+                </a:br>
+                <a14:m>
+                  <m:oMathPara xmlns:m="http://schemas.openxmlformats.org/officeDocument/2006/math">
+                    <m:oMathParaPr>
+                      <m:jc m:val="centerGroup"/>
+                    </m:oMathParaPr>
+                    <m:oMath xmlns:m="http://schemas.openxmlformats.org/officeDocument/2006/math">
+                      <m:r>
+                        <a:rPr lang="en-US" sz="2400" i="1">
+                          <a:latin typeface="Cambria Math" panose="02040503050406030204" pitchFamily="18" charset="0"/>
+                        </a:rPr>
+                        <m:t>𝑢</m:t>
+                      </m:r>
+                      <m:d>
+                        <m:dPr>
+                          <m:ctrlPr>
+                            <a:rPr lang="en-US" sz="2400" i="1">
+                              <a:latin typeface="Cambria Math" panose="02040503050406030204" pitchFamily="18" charset="0"/>
+                            </a:rPr>
+                          </m:ctrlPr>
+                        </m:dPr>
+                        <m:e>
+                          <m:r>
+                            <a:rPr lang="en-US" sz="2400" i="1">
+                              <a:latin typeface="Cambria Math" panose="02040503050406030204" pitchFamily="18" charset="0"/>
+                            </a:rPr>
+                            <m:t>0</m:t>
+                          </m:r>
+                          <m:r>
+                            <a:rPr lang="en-US" sz="2400" i="1">
+                              <a:latin typeface="Cambria Math" panose="02040503050406030204" pitchFamily="18" charset="0"/>
+                            </a:rPr>
+                            <m:t>,</m:t>
+                          </m:r>
+                          <m:r>
+                            <a:rPr lang="en-US" sz="2400" i="1">
+                              <a:latin typeface="Cambria Math" panose="02040503050406030204" pitchFamily="18" charset="0"/>
+                            </a:rPr>
+                            <m:t>𝑡</m:t>
+                          </m:r>
+                        </m:e>
+                      </m:d>
+                      <m:r>
+                        <a:rPr lang="en-US" sz="2400" i="1">
+                          <a:latin typeface="Cambria Math" panose="02040503050406030204" pitchFamily="18" charset="0"/>
+                        </a:rPr>
+                        <m:t>=</m:t>
+                      </m:r>
+                      <m:r>
+                        <a:rPr lang="en-US" sz="2400" i="1">
+                          <a:latin typeface="Cambria Math" panose="02040503050406030204" pitchFamily="18" charset="0"/>
+                        </a:rPr>
+                        <m:t>𝑢</m:t>
+                      </m:r>
+                      <m:d>
+                        <m:dPr>
+                          <m:ctrlPr>
+                            <a:rPr lang="en-US" sz="2400" i="1">
+                              <a:latin typeface="Cambria Math" panose="02040503050406030204" pitchFamily="18" charset="0"/>
+                            </a:rPr>
+                          </m:ctrlPr>
+                        </m:dPr>
+                        <m:e>
+                          <m:r>
+                            <a:rPr lang="en-US" sz="2400" i="1">
+                              <a:latin typeface="Cambria Math" panose="02040503050406030204" pitchFamily="18" charset="0"/>
+                            </a:rPr>
+                            <m:t>1</m:t>
+                          </m:r>
+                          <m:r>
+                            <a:rPr lang="en-US" sz="2400" i="1">
+                              <a:latin typeface="Cambria Math" panose="02040503050406030204" pitchFamily="18" charset="0"/>
+                            </a:rPr>
+                            <m:t>,</m:t>
+                          </m:r>
+                          <m:r>
+                            <a:rPr lang="en-US" sz="2400" i="1">
+                              <a:latin typeface="Cambria Math" panose="02040503050406030204" pitchFamily="18" charset="0"/>
+                            </a:rPr>
+                            <m:t>𝑡</m:t>
+                          </m:r>
+                        </m:e>
+                      </m:d>
+                      <m:r>
+                        <a:rPr lang="en-US" sz="2400" i="1">
+                          <a:latin typeface="Cambria Math" panose="02040503050406030204" pitchFamily="18" charset="0"/>
+                        </a:rPr>
+                        <m:t>,  </m:t>
+                      </m:r>
+                      <m:sSub>
+                        <m:sSubPr>
+                          <m:ctrlPr>
+                            <a:rPr lang="en-US" sz="2400" i="1">
+                              <a:latin typeface="Cambria Math" panose="02040503050406030204" pitchFamily="18" charset="0"/>
+                            </a:rPr>
+                          </m:ctrlPr>
+                        </m:sSubPr>
+                        <m:e>
+                          <m:r>
+                            <a:rPr lang="en-US" sz="2400" i="1">
+                              <a:latin typeface="Cambria Math" panose="02040503050406030204" pitchFamily="18" charset="0"/>
+                            </a:rPr>
+                            <m:t>𝑢</m:t>
+                          </m:r>
+                        </m:e>
+                        <m:sub>
+                          <m:r>
+                            <a:rPr lang="en-US" sz="2400" i="1">
+                              <a:latin typeface="Cambria Math" panose="02040503050406030204" pitchFamily="18" charset="0"/>
+                            </a:rPr>
+                            <m:t>𝑥</m:t>
+                          </m:r>
+                        </m:sub>
+                      </m:sSub>
+                      <m:d>
+                        <m:dPr>
+                          <m:ctrlPr>
+                            <a:rPr lang="en-US" sz="2400" i="1">
+                              <a:latin typeface="Cambria Math" panose="02040503050406030204" pitchFamily="18" charset="0"/>
+                            </a:rPr>
+                          </m:ctrlPr>
+                        </m:dPr>
+                        <m:e>
+                          <m:r>
+                            <a:rPr lang="en-US" sz="2400" i="1">
+                              <a:latin typeface="Cambria Math" panose="02040503050406030204" pitchFamily="18" charset="0"/>
+                            </a:rPr>
+                            <m:t>0</m:t>
+                          </m:r>
+                          <m:r>
+                            <a:rPr lang="en-US" sz="2400" i="1">
+                              <a:latin typeface="Cambria Math" panose="02040503050406030204" pitchFamily="18" charset="0"/>
+                            </a:rPr>
+                            <m:t>,</m:t>
+                          </m:r>
+                          <m:r>
+                            <a:rPr lang="en-US" sz="2400" i="1">
+                              <a:latin typeface="Cambria Math" panose="02040503050406030204" pitchFamily="18" charset="0"/>
+                            </a:rPr>
+                            <m:t>𝑡</m:t>
+                          </m:r>
+                        </m:e>
+                      </m:d>
+                      <m:r>
+                        <a:rPr lang="en-US" sz="2400" i="1">
+                          <a:latin typeface="Cambria Math" panose="02040503050406030204" pitchFamily="18" charset="0"/>
+                        </a:rPr>
+                        <m:t>+</m:t>
+                      </m:r>
+                      <m:r>
+                        <a:rPr lang="en-US" sz="2400" i="1">
+                          <a:latin typeface="Cambria Math" panose="02040503050406030204" pitchFamily="18" charset="0"/>
+                          <a:ea typeface="Cambria Math" panose="02040503050406030204" pitchFamily="18" charset="0"/>
+                        </a:rPr>
+                        <m:t>𝛼</m:t>
+                      </m:r>
+                      <m:r>
+                        <a:rPr lang="en-US" sz="2400" i="1">
+                          <a:latin typeface="Cambria Math" panose="02040503050406030204" pitchFamily="18" charset="0"/>
+                          <a:ea typeface="Cambria Math" panose="02040503050406030204" pitchFamily="18" charset="0"/>
+                        </a:rPr>
+                        <m:t>𝑢</m:t>
+                      </m:r>
+                      <m:d>
+                        <m:dPr>
+                          <m:ctrlPr>
+                            <a:rPr lang="en-US" sz="2400" i="1">
+                              <a:latin typeface="Cambria Math" panose="02040503050406030204" pitchFamily="18" charset="0"/>
+                              <a:ea typeface="Cambria Math" panose="02040503050406030204" pitchFamily="18" charset="0"/>
+                            </a:rPr>
+                          </m:ctrlPr>
+                        </m:dPr>
+                        <m:e>
+                          <m:r>
+                            <a:rPr lang="en-US" sz="2400" i="1">
+                              <a:latin typeface="Cambria Math" panose="02040503050406030204" pitchFamily="18" charset="0"/>
+                              <a:ea typeface="Cambria Math" panose="02040503050406030204" pitchFamily="18" charset="0"/>
+                            </a:rPr>
+                            <m:t>0</m:t>
+                          </m:r>
+                          <m:r>
+                            <a:rPr lang="en-US" sz="2400" i="1">
+                              <a:latin typeface="Cambria Math" panose="02040503050406030204" pitchFamily="18" charset="0"/>
+                              <a:ea typeface="Cambria Math" panose="02040503050406030204" pitchFamily="18" charset="0"/>
+                            </a:rPr>
+                            <m:t>,</m:t>
+                          </m:r>
+                          <m:r>
+                            <a:rPr lang="en-US" sz="2400" i="1">
+                              <a:latin typeface="Cambria Math" panose="02040503050406030204" pitchFamily="18" charset="0"/>
+                              <a:ea typeface="Cambria Math" panose="02040503050406030204" pitchFamily="18" charset="0"/>
+                            </a:rPr>
+                            <m:t>𝑡</m:t>
+                          </m:r>
+                        </m:e>
+                      </m:d>
+                      <m:r>
+                        <a:rPr lang="en-US" sz="2400" i="1">
+                          <a:latin typeface="Cambria Math" panose="02040503050406030204" pitchFamily="18" charset="0"/>
+                          <a:ea typeface="Cambria Math" panose="02040503050406030204" pitchFamily="18" charset="0"/>
+                        </a:rPr>
+                        <m:t>=</m:t>
+                      </m:r>
+                      <m:r>
+                        <a:rPr lang="en-US" sz="2400" i="1">
+                          <a:latin typeface="Cambria Math" panose="02040503050406030204" pitchFamily="18" charset="0"/>
+                          <a:ea typeface="Cambria Math" panose="02040503050406030204" pitchFamily="18" charset="0"/>
+                        </a:rPr>
+                        <m:t>0</m:t>
+                      </m:r>
+                      <m:r>
+                        <a:rPr lang="en-US" sz="2400" b="0" i="1" smtClean="0">
+                          <a:latin typeface="Cambria Math" panose="02040503050406030204" pitchFamily="18" charset="0"/>
+                          <a:ea typeface="Cambria Math" panose="02040503050406030204" pitchFamily="18" charset="0"/>
+                        </a:rPr>
+                        <m:t>,</m:t>
+                      </m:r>
+                      <m:r>
+                        <a:rPr lang="en-US" sz="2400" i="1">
+                          <a:latin typeface="Cambria Math" panose="02040503050406030204" pitchFamily="18" charset="0"/>
+                          <a:ea typeface="Cambria Math" panose="02040503050406030204" pitchFamily="18" charset="0"/>
+                        </a:rPr>
+                        <m:t> </m:t>
+                      </m:r>
+                      <m:r>
+                        <a:rPr lang="en-US" sz="2400" b="0" i="1" smtClean="0">
+                          <a:latin typeface="Cambria Math" panose="02040503050406030204" pitchFamily="18" charset="0"/>
+                          <a:ea typeface="Cambria Math" panose="02040503050406030204" pitchFamily="18" charset="0"/>
+                        </a:rPr>
+                        <m:t> </m:t>
+                      </m:r>
+                      <m:r>
+                        <a:rPr lang="en-US" sz="2400" i="1">
+                          <a:latin typeface="Cambria Math" panose="02040503050406030204" pitchFamily="18" charset="0"/>
+                          <a:ea typeface="Cambria Math" panose="02040503050406030204" pitchFamily="18" charset="0"/>
+                        </a:rPr>
+                        <m:t>𝑢</m:t>
+                      </m:r>
+                      <m:d>
+                        <m:dPr>
+                          <m:ctrlPr>
+                            <a:rPr lang="en-US" sz="2400" i="1">
+                              <a:latin typeface="Cambria Math" panose="02040503050406030204" pitchFamily="18" charset="0"/>
+                              <a:ea typeface="Cambria Math" panose="02040503050406030204" pitchFamily="18" charset="0"/>
+                            </a:rPr>
+                          </m:ctrlPr>
+                        </m:dPr>
+                        <m:e>
+                          <m:r>
+                            <a:rPr lang="en-US" sz="2400" i="1">
+                              <a:latin typeface="Cambria Math" panose="02040503050406030204" pitchFamily="18" charset="0"/>
+                              <a:ea typeface="Cambria Math" panose="02040503050406030204" pitchFamily="18" charset="0"/>
+                            </a:rPr>
+                            <m:t>𝑥</m:t>
+                          </m:r>
+                          <m:r>
+                            <a:rPr lang="en-US" sz="2400" i="1">
+                              <a:latin typeface="Cambria Math" panose="02040503050406030204" pitchFamily="18" charset="0"/>
+                              <a:ea typeface="Cambria Math" panose="02040503050406030204" pitchFamily="18" charset="0"/>
+                            </a:rPr>
+                            <m:t>,</m:t>
+                          </m:r>
+                          <m:r>
+                            <a:rPr lang="en-US" sz="2400" i="1">
+                              <a:latin typeface="Cambria Math" panose="02040503050406030204" pitchFamily="18" charset="0"/>
+                              <a:ea typeface="Cambria Math" panose="02040503050406030204" pitchFamily="18" charset="0"/>
+                            </a:rPr>
+                            <m:t>0</m:t>
+                          </m:r>
+                        </m:e>
+                      </m:d>
+                      <m:r>
+                        <a:rPr lang="en-US" sz="2400" i="1">
+                          <a:latin typeface="Cambria Math" panose="02040503050406030204" pitchFamily="18" charset="0"/>
+                          <a:ea typeface="Cambria Math" panose="02040503050406030204" pitchFamily="18" charset="0"/>
+                        </a:rPr>
+                        <m:t>=</m:t>
+                      </m:r>
+                      <m:r>
+                        <a:rPr lang="en-US" sz="2400" i="1">
+                          <a:latin typeface="Cambria Math" panose="02040503050406030204" pitchFamily="18" charset="0"/>
+                          <a:ea typeface="Cambria Math" panose="02040503050406030204" pitchFamily="18" charset="0"/>
+                        </a:rPr>
+                        <m:t>𝜑</m:t>
+                      </m:r>
+                      <m:d>
+                        <m:dPr>
+                          <m:ctrlPr>
+                            <a:rPr lang="en-US" sz="2400" i="1">
+                              <a:latin typeface="Cambria Math" panose="02040503050406030204" pitchFamily="18" charset="0"/>
+                              <a:ea typeface="Cambria Math" panose="02040503050406030204" pitchFamily="18" charset="0"/>
+                            </a:rPr>
+                          </m:ctrlPr>
+                        </m:dPr>
+                        <m:e>
+                          <m:r>
+                            <a:rPr lang="en-US" sz="2400" i="1">
+                              <a:latin typeface="Cambria Math" panose="02040503050406030204" pitchFamily="18" charset="0"/>
+                              <a:ea typeface="Cambria Math" panose="02040503050406030204" pitchFamily="18" charset="0"/>
+                            </a:rPr>
+                            <m:t>𝑥</m:t>
+                          </m:r>
+                        </m:e>
+                      </m:d>
+                    </m:oMath>
+                    <m:oMath xmlns:m="http://schemas.openxmlformats.org/officeDocument/2006/math">
+                      <m:nary>
+                        <m:naryPr>
+                          <m:ctrlPr>
+                            <a:rPr lang="en-US" sz="2400" i="1">
+                              <a:latin typeface="Cambria Math" panose="02040503050406030204" pitchFamily="18" charset="0"/>
+                              <a:ea typeface="Cambria Math" panose="02040503050406030204" pitchFamily="18" charset="0"/>
+                            </a:rPr>
+                          </m:ctrlPr>
+                        </m:naryPr>
+                        <m:sub>
+                          <m:r>
+                            <m:rPr>
+                              <m:brk m:alnAt="23"/>
+                            </m:rPr>
+                            <a:rPr lang="en-US" sz="2400" i="1">
+                              <a:latin typeface="Cambria Math" panose="02040503050406030204" pitchFamily="18" charset="0"/>
+                              <a:ea typeface="Cambria Math" panose="02040503050406030204" pitchFamily="18" charset="0"/>
+                            </a:rPr>
+                            <m:t>0</m:t>
+                          </m:r>
+                        </m:sub>
+                        <m:sup>
+                          <m:r>
+                            <a:rPr lang="en-US" sz="2400" i="1">
+                              <a:latin typeface="Cambria Math" panose="02040503050406030204" pitchFamily="18" charset="0"/>
+                              <a:ea typeface="Cambria Math" panose="02040503050406030204" pitchFamily="18" charset="0"/>
+                            </a:rPr>
+                            <m:t>1</m:t>
+                          </m:r>
+                        </m:sup>
+                        <m:e>
+                          <m:r>
+                            <a:rPr lang="en-US" sz="2400" i="1">
+                              <a:latin typeface="Cambria Math" panose="02040503050406030204" pitchFamily="18" charset="0"/>
+                              <a:ea typeface="Cambria Math" panose="02040503050406030204" pitchFamily="18" charset="0"/>
+                            </a:rPr>
+                            <m:t>𝑢</m:t>
+                          </m:r>
+                          <m:d>
+                            <m:dPr>
+                              <m:ctrlPr>
+                                <a:rPr lang="en-US" sz="2400" i="1">
+                                  <a:latin typeface="Cambria Math" panose="02040503050406030204" pitchFamily="18" charset="0"/>
+                                  <a:ea typeface="Cambria Math" panose="02040503050406030204" pitchFamily="18" charset="0"/>
+                                </a:rPr>
+                              </m:ctrlPr>
+                            </m:dPr>
+                            <m:e>
+                              <m:r>
+                                <a:rPr lang="en-US" sz="2400" i="1">
+                                  <a:latin typeface="Cambria Math" panose="02040503050406030204" pitchFamily="18" charset="0"/>
+                                  <a:ea typeface="Cambria Math" panose="02040503050406030204" pitchFamily="18" charset="0"/>
+                                </a:rPr>
+                                <m:t>𝑥</m:t>
+                              </m:r>
+                              <m:r>
+                                <a:rPr lang="en-US" sz="2400" i="1">
+                                  <a:latin typeface="Cambria Math" panose="02040503050406030204" pitchFamily="18" charset="0"/>
+                                  <a:ea typeface="Cambria Math" panose="02040503050406030204" pitchFamily="18" charset="0"/>
+                                </a:rPr>
+                                <m:t>,</m:t>
+                              </m:r>
+                              <m:r>
+                                <a:rPr lang="en-US" sz="2400" i="1">
+                                  <a:latin typeface="Cambria Math" panose="02040503050406030204" pitchFamily="18" charset="0"/>
+                                  <a:ea typeface="Cambria Math" panose="02040503050406030204" pitchFamily="18" charset="0"/>
+                                </a:rPr>
+                                <m:t>𝑡</m:t>
+                              </m:r>
+                            </m:e>
+                          </m:d>
+                          <m:r>
+                            <a:rPr lang="en-US" sz="2400" i="1">
+                              <a:latin typeface="Cambria Math" panose="02040503050406030204" pitchFamily="18" charset="0"/>
+                              <a:ea typeface="Cambria Math" panose="02040503050406030204" pitchFamily="18" charset="0"/>
+                            </a:rPr>
+                            <m:t>𝑑𝑥</m:t>
+                          </m:r>
+                          <m:r>
+                            <a:rPr lang="en-US" sz="2400" i="1">
+                              <a:latin typeface="Cambria Math" panose="02040503050406030204" pitchFamily="18" charset="0"/>
+                              <a:ea typeface="Cambria Math" panose="02040503050406030204" pitchFamily="18" charset="0"/>
+                            </a:rPr>
+                            <m:t>=</m:t>
+                          </m:r>
+                          <m:r>
+                            <a:rPr lang="en-US" sz="2400" i="1">
+                              <a:latin typeface="Cambria Math" panose="02040503050406030204" pitchFamily="18" charset="0"/>
+                              <a:ea typeface="Cambria Math" panose="02040503050406030204" pitchFamily="18" charset="0"/>
+                            </a:rPr>
+                            <m:t>𝐸</m:t>
+                          </m:r>
+                          <m:r>
+                            <a:rPr lang="en-US" sz="2400" i="1">
+                              <a:latin typeface="Cambria Math" panose="02040503050406030204" pitchFamily="18" charset="0"/>
+                              <a:ea typeface="Cambria Math" panose="02040503050406030204" pitchFamily="18" charset="0"/>
+                            </a:rPr>
+                            <m:t>(</m:t>
+                          </m:r>
+                          <m:r>
+                            <a:rPr lang="en-US" sz="2400" i="1">
+                              <a:latin typeface="Cambria Math" panose="02040503050406030204" pitchFamily="18" charset="0"/>
+                              <a:ea typeface="Cambria Math" panose="02040503050406030204" pitchFamily="18" charset="0"/>
+                            </a:rPr>
+                            <m:t>𝑡</m:t>
+                          </m:r>
+                          <m:r>
+                            <a:rPr lang="en-US" sz="2400" i="1">
+                              <a:latin typeface="Cambria Math" panose="02040503050406030204" pitchFamily="18" charset="0"/>
+                              <a:ea typeface="Cambria Math" panose="02040503050406030204" pitchFamily="18" charset="0"/>
+                            </a:rPr>
+                            <m:t>)</m:t>
+                          </m:r>
+                        </m:e>
+                      </m:nary>
+                    </m:oMath>
+                  </m:oMathPara>
+                </a14:m>
+                <a:endParaRPr lang="en-US" sz="2400" dirty="0" smtClean="0"/>
+              </a:p>
+              <a:p>
+                <a:endParaRPr lang="en-US" sz="2400" dirty="0" smtClean="0"/>
               </a:p>
               <a:p>
                 <a:r>
@@ -10264,39 +10458,86 @@
                   <a:rPr lang="en-US" sz="2400" dirty="0" smtClean="0"/>
                   <a:t>]. Treating </a:t>
                 </a:r>
+                <a14:m>
+                  <m:oMath xmlns:m="http://schemas.openxmlformats.org/officeDocument/2006/math">
+                    <m:r>
+                      <a:rPr lang="en-US" sz="2400" b="0" i="1" smtClean="0">
+                        <a:latin typeface="Cambria Math" panose="02040503050406030204" pitchFamily="18" charset="0"/>
+                      </a:rPr>
+                      <m:t>𝑡</m:t>
+                    </m:r>
+                  </m:oMath>
+                </a14:m>
+                <a:r>
+                  <a:rPr lang="en-US" sz="2400" dirty="0" smtClean="0"/>
+                  <a:t> </a:t>
+                </a:r>
                 <a:r>
                   <a:rPr lang="en-US" sz="2400" dirty="0"/>
-                  <a:t>t as the distance between beads,  E(t) the </a:t>
+                  <a:t>as the distance between </a:t>
                 </a:r>
                 <a:r>
                   <a:rPr lang="en-US" sz="2400" dirty="0" smtClean="0"/>
-                  <a:t>observed encounter </a:t>
+                  <a:t>beads, and  </a:t>
+                </a:r>
+                <a14:m>
+                  <m:oMath xmlns:m="http://schemas.openxmlformats.org/officeDocument/2006/math">
+                    <m:r>
+                      <a:rPr lang="en-US" sz="2400" b="0" i="1" smtClean="0">
+                        <a:latin typeface="Cambria Math" panose="02040503050406030204" pitchFamily="18" charset="0"/>
+                      </a:rPr>
+                      <m:t>𝐸</m:t>
+                    </m:r>
+                    <m:d>
+                      <m:dPr>
+                        <m:ctrlPr>
+                          <a:rPr lang="en-US" sz="2400" b="0" i="1" smtClean="0">
+                            <a:latin typeface="Cambria Math" panose="02040503050406030204" pitchFamily="18" charset="0"/>
+                          </a:rPr>
+                        </m:ctrlPr>
+                      </m:dPr>
+                      <m:e>
+                        <m:r>
+                          <a:rPr lang="en-US" sz="2400" b="0" i="1" smtClean="0">
+                            <a:latin typeface="Cambria Math" panose="02040503050406030204" pitchFamily="18" charset="0"/>
+                          </a:rPr>
+                          <m:t>𝑡</m:t>
+                        </m:r>
+                      </m:e>
+                    </m:d>
+                    <m:r>
+                      <a:rPr lang="en-US" sz="2400" b="0" i="1" smtClean="0">
+                        <a:latin typeface="Cambria Math" panose="02040503050406030204" pitchFamily="18" charset="0"/>
+                      </a:rPr>
+                      <m:t> </m:t>
+                    </m:r>
+                  </m:oMath>
+                </a14:m>
+                <a:r>
+                  <a:rPr lang="en-US" sz="2400" dirty="0" smtClean="0"/>
+                  <a:t>the observed encounter </a:t>
                 </a:r>
                 <a:r>
                   <a:rPr lang="en-US" sz="2400" dirty="0"/>
-                  <a:t>signal for bead i</a:t>
+                  <a:t>signal for bead </a:t>
                 </a:r>
-                <a:r>
-                  <a:rPr lang="en-US" sz="2400" dirty="0" smtClean="0"/>
-                  <a:t>, we calculate the </a:t>
-                </a:r>
-                <a:r>
-                  <a:rPr lang="en-US" sz="2400" dirty="0"/>
-                  <a:t>unknown source </a:t>
-                </a:r>
-                <a:r>
-                  <a:rPr lang="en-US" sz="2400" dirty="0" smtClean="0"/>
-                  <a:t>function and </a:t>
-                </a:r>
-                <a:r>
-                  <a:rPr lang="en-US" sz="2400" dirty="0"/>
-                  <a:t>the smoothed approximation to the encounter </a:t>
-                </a:r>
-                <a:r>
-                  <a:rPr lang="en-US" sz="2400" dirty="0" smtClean="0"/>
-                  <a:t>signal. An example of 10 smoothed signals is shown in Figure 3B</a:t>
-                </a:r>
-                <a:endParaRPr lang="en-US" sz="2400" dirty="0"/>
+                <a14:m>
+                  <m:oMath xmlns:m="http://schemas.openxmlformats.org/officeDocument/2006/math">
+                    <m:r>
+                      <a:rPr lang="en-US" sz="2400" b="0" i="1" smtClean="0">
+                        <a:latin typeface="Cambria Math" panose="02040503050406030204" pitchFamily="18" charset="0"/>
+                      </a:rPr>
+                      <m:t>𝑖</m:t>
+                    </m:r>
+                    <m:r>
+                      <a:rPr lang="en-US" sz="2400" b="0" i="0" smtClean="0">
+                        <a:latin typeface="Cambria Math" panose="02040503050406030204" pitchFamily="18" charset="0"/>
+                      </a:rPr>
+                      <m:t>.</m:t>
+                    </m:r>
+                  </m:oMath>
+                </a14:m>
+                <a:endParaRPr lang="en-US" sz="2400" dirty="0" smtClean="0"/>
               </a:p>
               <a:p>
                 <a:endParaRPr lang="en-US" sz="2400" dirty="0" smtClean="0"/>
@@ -10336,19 +10577,18 @@
                 <a:endParaRPr lang="en-US" sz="2400" dirty="0"/>
               </a:p>
               <a:p>
+                <a:endParaRPr lang="en-US" sz="2400" dirty="0"/>
+              </a:p>
+              <a:p>
                 <a:r>
-                  <a:rPr lang="en-US" sz="2400" dirty="0" smtClean="0"/>
-                  <a:t>3</a:t>
+                  <a:rPr lang="en-US" sz="2800" b="1" dirty="0" smtClean="0"/>
+                  <a:t>From </a:t>
                 </a:r>
                 <a:r>
-                  <a:rPr lang="en-US" sz="2400" dirty="0"/>
-                  <a:t>. </a:t>
+                  <a:rPr lang="en-US" sz="2800" b="1" dirty="0"/>
+                  <a:t>encounter signal to loops and chains</a:t>
                 </a:r>
-                <a:r>
-                  <a:rPr lang="en-US" sz="2400" b="1" dirty="0"/>
-                  <a:t>From encounter signal to loops and chains</a:t>
-                </a:r>
-                <a:endParaRPr lang="en-US" sz="2400" dirty="0"/>
+                <a:endParaRPr lang="en-US" sz="2800" dirty="0"/>
               </a:p>
               <a:p>
                 <a:r>
@@ -10361,7 +10601,7 @@
                 </a:r>
                 <a:r>
                   <a:rPr lang="en-US" sz="2400" dirty="0" smtClean="0"/>
-                  <a:t>chain (Figure 4) to gain insight into the structure of the chromosome.</a:t>
+                  <a:t>chain (Figure 4)</a:t>
                 </a:r>
               </a:p>
               <a:p>
@@ -10396,22 +10636,19 @@
                 <a:endParaRPr lang="en-US" sz="2400" dirty="0"/>
               </a:p>
               <a:p>
-                <a:endParaRPr lang="en-US" sz="2400" dirty="0"/>
-              </a:p>
-              <a:p>
                 <a:endParaRPr lang="en-US" sz="2400" b="1" dirty="0" smtClean="0"/>
               </a:p>
               <a:p>
                 <a:r>
-                  <a:rPr lang="en-US" sz="2400" b="1" dirty="0" smtClean="0"/>
+                  <a:rPr lang="en-US" sz="3200" b="1" dirty="0" smtClean="0"/>
                   <a:t>Assigning </a:t>
                 </a:r>
                 <a:r>
-                  <a:rPr lang="en-US" sz="2400" b="1" dirty="0"/>
+                  <a:rPr lang="en-US" sz="3200" b="1" dirty="0"/>
                   <a:t>spring </a:t>
                 </a:r>
                 <a:r>
-                  <a:rPr lang="en-US" sz="2400" b="1" dirty="0" smtClean="0"/>
+                  <a:rPr lang="en-US" sz="3200" b="1" dirty="0" smtClean="0"/>
                   <a:t>constants</a:t>
                 </a:r>
               </a:p>
@@ -10419,18 +10656,99 @@
                 <a:pPr/>
                 <a:r>
                   <a:rPr lang="en-US" sz="2400" dirty="0" smtClean="0"/>
-                  <a:t>If the encounter probabilities between bead m and n is found to be higher than the nearest neighbor (NN) probability (Figure 5A), </a:t>
+                  <a:t>If we observe  for some  signal </a:t>
+                </a:r>
+                <a14:m>
+                  <m:oMath xmlns:m="http://schemas.openxmlformats.org/officeDocument/2006/math">
+                    <m:r>
+                      <a:rPr lang="en-US" sz="2400" b="0" i="1" smtClean="0">
+                        <a:latin typeface="Cambria Math" panose="02040503050406030204" pitchFamily="18" charset="0"/>
+                      </a:rPr>
+                      <m:t>𝑃</m:t>
+                    </m:r>
+                    <m:d>
+                      <m:dPr>
+                        <m:ctrlPr>
+                          <a:rPr lang="en-US" sz="2400" b="0" i="1" smtClean="0">
+                            <a:latin typeface="Cambria Math" panose="02040503050406030204" pitchFamily="18" charset="0"/>
+                          </a:rPr>
+                        </m:ctrlPr>
+                      </m:dPr>
+                      <m:e>
+                        <m:d>
+                          <m:dPr>
+                            <m:begChr m:val="|"/>
+                            <m:endChr m:val="|"/>
+                            <m:ctrlPr>
+                              <a:rPr lang="en-US" sz="2400" b="0" i="1" smtClean="0">
+                                <a:latin typeface="Cambria Math" panose="02040503050406030204" pitchFamily="18" charset="0"/>
+                              </a:rPr>
+                            </m:ctrlPr>
+                          </m:dPr>
+                          <m:e>
+                            <m:r>
+                              <a:rPr lang="en-US" sz="2400" b="0" i="1" smtClean="0">
+                                <a:latin typeface="Cambria Math" panose="02040503050406030204" pitchFamily="18" charset="0"/>
+                              </a:rPr>
+                              <m:t>𝑚</m:t>
+                            </m:r>
+                            <m:r>
+                              <a:rPr lang="en-US" sz="2400" b="0" i="1" smtClean="0">
+                                <a:latin typeface="Cambria Math" panose="02040503050406030204" pitchFamily="18" charset="0"/>
+                              </a:rPr>
+                              <m:t>−</m:t>
+                            </m:r>
+                            <m:r>
+                              <a:rPr lang="en-US" sz="2400" b="0" i="1" smtClean="0">
+                                <a:latin typeface="Cambria Math" panose="02040503050406030204" pitchFamily="18" charset="0"/>
+                              </a:rPr>
+                              <m:t>𝑛</m:t>
+                            </m:r>
+                          </m:e>
+                        </m:d>
+                      </m:e>
+                    </m:d>
+                    <m:r>
+                      <a:rPr lang="en-US" sz="2400" b="0" i="1" smtClean="0">
+                        <a:latin typeface="Cambria Math" panose="02040503050406030204" pitchFamily="18" charset="0"/>
+                      </a:rPr>
+                      <m:t>&gt;</m:t>
+                    </m:r>
+                    <m:r>
+                      <a:rPr lang="en-US" sz="2400" b="0" i="1" smtClean="0">
+                        <a:latin typeface="Cambria Math" panose="02040503050406030204" pitchFamily="18" charset="0"/>
+                      </a:rPr>
+                      <m:t>𝑃</m:t>
+                    </m:r>
+                    <m:d>
+                      <m:dPr>
+                        <m:ctrlPr>
+                          <a:rPr lang="en-US" sz="2400" b="0" i="1" smtClean="0">
+                            <a:latin typeface="Cambria Math" panose="02040503050406030204" pitchFamily="18" charset="0"/>
+                          </a:rPr>
+                        </m:ctrlPr>
+                      </m:dPr>
+                      <m:e>
+                        <m:r>
+                          <a:rPr lang="en-US" sz="2400" b="0" i="1" smtClean="0">
+                            <a:latin typeface="Cambria Math" panose="02040503050406030204" pitchFamily="18" charset="0"/>
+                          </a:rPr>
+                          <m:t>1</m:t>
+                        </m:r>
+                      </m:e>
+                    </m:d>
+                  </m:oMath>
+                </a14:m>
+                <a:r>
+                  <a:rPr lang="en-US" sz="2400" dirty="0" smtClean="0"/>
+                  <a:t> (Figure 5A), </a:t>
                 </a:r>
                 <a:r>
                   <a:rPr lang="en-US" sz="2400" dirty="0"/>
-                  <a:t>we assign </a:t>
+                  <a:t>we assign a </a:t>
                 </a:r>
                 <a:r>
-                  <a:rPr lang="en-US" sz="2400"/>
-                  <a:t>a </a:t>
-                </a:r>
-                <a:r>
-                  <a:rPr lang="en-US" sz="2400" smtClean="0"/>
+                  <a:rPr lang="en-US" sz="2400" dirty="0" smtClean="0"/>
                   <a:t>higher spring </a:t>
                 </a:r>
                 <a:r>
@@ -10479,7 +10797,23 @@
                 </a14:m>
                 <a:r>
                   <a:rPr lang="en-US" sz="2400" dirty="0"/>
-                  <a:t>. Empirically tested, we fit a lognormal distribution to the  NN encounter probability and use its expectation in the calculation of the </a:t>
+                  <a:t>. </a:t>
+                </a:r>
+                <a:r>
+                  <a:rPr lang="en-US" sz="2400" dirty="0" smtClean="0"/>
+                  <a:t>We </a:t>
+                </a:r>
+                <a:r>
+                  <a:rPr lang="en-US" sz="2400" dirty="0"/>
+                  <a:t>fit a lognormal </a:t>
+                </a:r>
+                <a:r>
+                  <a:rPr lang="en-US" sz="2400" dirty="0" smtClean="0"/>
+                  <a:t>distribution (Figure 5B) </a:t>
+                </a:r>
+                <a:r>
+                  <a:rPr lang="en-US" sz="2400" dirty="0"/>
+                  <a:t>to the  NN encounter probability and use its expectation in the calculation of the </a:t>
                 </a:r>
                 <a:r>
                   <a:rPr lang="en-US" sz="2400" dirty="0" smtClean="0"/>
@@ -10715,12 +11049,6 @@
                   <a:rPr lang="en-US" sz="3200" b="1" dirty="0" smtClean="0"/>
                   <a:t>Figure 5</a:t>
                 </a:r>
-                <a:endParaRPr lang="en-US" sz="3200" b="1" dirty="0"/>
-              </a:p>
-              <a:p>
-                <a:endParaRPr lang="en-US" sz="2400" b="1" dirty="0" smtClean="0"/>
-              </a:p>
-              <a:p>
                 <a:endParaRPr lang="en-US" sz="2400" b="1" dirty="0"/>
               </a:p>
               <a:p>
@@ -10739,64 +11067,7 @@
                 <a:endParaRPr lang="en-US" sz="2400" b="1" dirty="0"/>
               </a:p>
               <a:p>
-                <a:endParaRPr lang="en-US" sz="2400" b="1" dirty="0" smtClean="0"/>
-              </a:p>
-              <a:p>
                 <a:endParaRPr lang="en-US" sz="2400" b="1" dirty="0"/>
-              </a:p>
-              <a:p>
-                <a:endParaRPr lang="en-US" sz="2400" b="1" dirty="0" smtClean="0"/>
-              </a:p>
-              <a:p>
-                <a:r>
-                  <a:rPr lang="en-US" sz="2400" b="1" dirty="0" smtClean="0"/>
-                  <a:t>Simulation</a:t>
-                </a:r>
-                <a:endParaRPr lang="en-US" sz="2400" b="1" dirty="0"/>
-              </a:p>
-              <a:p>
-                <a:endParaRPr lang="en-US" sz="2400" dirty="0"/>
-              </a:p>
-              <a:p>
-                <a:endParaRPr lang="en-US" sz="2400" dirty="0"/>
-              </a:p>
-              <a:p>
-                <a:r>
-                  <a:rPr lang="en-US" sz="2400" dirty="0"/>
-                  <a:t>Reconstruction</a:t>
-                </a:r>
-              </a:p>
-              <a:p>
-                <a:endParaRPr lang="en-US" sz="2400" dirty="0"/>
-              </a:p>
-              <a:p>
-                <a:r>
-                  <a:rPr lang="en-US" sz="2400" dirty="0"/>
-                  <a:t>Simulation of the resulted structure</a:t>
-                </a:r>
-              </a:p>
-              <a:p>
-                <a:endParaRPr lang="en-US" sz="2400" dirty="0"/>
-              </a:p>
-              <a:p>
-                <a:r>
-                  <a:rPr lang="en-US" sz="2400" dirty="0"/>
-                  <a:t>Validation with the </a:t>
-                </a:r>
-                <a:r>
-                  <a:rPr lang="en-US" sz="2400" dirty="0" err="1"/>
-                  <a:t>HiC</a:t>
-                </a:r>
-                <a:r>
-                  <a:rPr lang="en-US" sz="2400" dirty="0"/>
-                  <a:t> maps</a:t>
-                </a:r>
-              </a:p>
-              <a:p>
-                <a:endParaRPr lang="en-US" sz="2400" dirty="0"/>
-              </a:p>
-              <a:p>
-                <a:endParaRPr lang="he-IL" sz="2400" dirty="0"/>
               </a:p>
             </p:txBody>
           </p:sp>
@@ -10813,7 +11084,7 @@
             <p:spPr>
               <a:xfrm>
                 <a:off x="15564344" y="1979474"/>
-                <a:ext cx="7309265" cy="26881974"/>
+                <a:ext cx="7622063" cy="26164214"/>
               </a:xfrm>
               <a:prstGeom prst="rect">
                 <a:avLst/>
@@ -10821,7 +11092,7 @@
               <a:blipFill rotWithShape="0">
                 <a:blip r:embed="rId6"/>
                 <a:stretch>
-                  <a:fillRect l="-2919" t="-408" r="-834"/>
+                  <a:fillRect l="-2798" t="-419" r="-1599"/>
                 </a:stretch>
               </a:blipFill>
             </p:spPr>
@@ -10830,7 +11101,7 @@
               <a:lstStyle/>
               <a:p>
                 <a:r>
-                  <a:rPr lang="he-IL">
+                  <a:rPr lang="en-US">
                     <a:noFill/>
                   </a:rPr>
                   <a:t> </a:t>
@@ -10848,10 +11119,10 @@
         </p:nvGrpSpPr>
         <p:grpSpPr>
           <a:xfrm>
-            <a:off x="8141431" y="16992265"/>
-            <a:ext cx="6378146" cy="5602264"/>
-            <a:chOff x="8051254" y="16192612"/>
-            <a:chExt cx="6402597" cy="5912592"/>
+            <a:off x="8058936" y="22060167"/>
+            <a:ext cx="6378146" cy="5661260"/>
+            <a:chOff x="8051254" y="16130348"/>
+            <a:chExt cx="6402597" cy="5974856"/>
           </a:xfrm>
         </p:grpSpPr>
         <p:grpSp>
@@ -10862,10 +11133,10 @@
           </p:nvGrpSpPr>
           <p:grpSpPr>
             <a:xfrm>
-              <a:off x="8051254" y="16255695"/>
-              <a:ext cx="3071138" cy="2947720"/>
-              <a:chOff x="7933266" y="16255695"/>
-              <a:chExt cx="3071138" cy="2947720"/>
+              <a:off x="8051254" y="16162302"/>
+              <a:ext cx="3071138" cy="3041113"/>
+              <a:chOff x="7933266" y="16162302"/>
+              <a:chExt cx="3071138" cy="3041113"/>
             </a:xfrm>
           </p:grpSpPr>
           <p:pic>
@@ -10916,8 +11187,8 @@
             </p:nvSpPr>
             <p:spPr>
               <a:xfrm>
-                <a:off x="7933266" y="16255695"/>
-                <a:ext cx="3071138" cy="927818"/>
+                <a:off x="7933266" y="16162302"/>
+                <a:ext cx="3071138" cy="979213"/>
               </a:xfrm>
               <a:prstGeom prst="rect">
                 <a:avLst/>
@@ -10931,8 +11202,12 @@
               <a:lstStyle/>
               <a:p>
                 <a:r>
+                  <a:rPr lang="en-US" sz="4000" b="1" dirty="0" smtClean="0"/>
+                  <a:t>A</a:t>
+                </a:r>
+                <a:r>
                   <a:rPr lang="en-US" dirty="0" smtClean="0"/>
-                  <a:t>A. </a:t>
+                  <a:t>. </a:t>
                 </a:r>
                 <a:r>
                   <a:rPr lang="en-US" sz="3200" dirty="0" smtClean="0"/>
@@ -10951,10 +11226,10 @@
           </p:nvGrpSpPr>
           <p:grpSpPr>
             <a:xfrm>
-              <a:off x="11544548" y="16192612"/>
-              <a:ext cx="2909303" cy="3010804"/>
-              <a:chOff x="11551373" y="16177538"/>
-              <a:chExt cx="2909303" cy="3025877"/>
+              <a:off x="11544548" y="16130348"/>
+              <a:ext cx="2909303" cy="3073066"/>
+              <a:chOff x="11551373" y="16114964"/>
+              <a:chExt cx="2909303" cy="3088451"/>
             </a:xfrm>
           </p:grpSpPr>
           <p:pic>
@@ -11005,8 +11280,8 @@
             </p:nvSpPr>
             <p:spPr>
               <a:xfrm>
-                <a:off x="11551373" y="16177538"/>
-                <a:ext cx="2199286" cy="927818"/>
+                <a:off x="11551373" y="16114964"/>
+                <a:ext cx="2199286" cy="984115"/>
               </a:xfrm>
               <a:prstGeom prst="rect">
                 <a:avLst/>
@@ -11020,8 +11295,12 @@
               <a:lstStyle/>
               <a:p>
                 <a:r>
+                  <a:rPr lang="en-US" sz="4000" b="1" dirty="0" smtClean="0"/>
+                  <a:t>B</a:t>
+                </a:r>
+                <a:r>
                   <a:rPr lang="en-US" dirty="0" smtClean="0"/>
-                  <a:t>B. </a:t>
+                  <a:t>. </a:t>
                 </a:r>
                 <a:r>
                   <a:rPr lang="en-US" sz="3600" dirty="0" smtClean="0"/>
@@ -11109,8 +11388,12 @@
               <a:lstStyle/>
               <a:p>
                 <a:r>
+                  <a:rPr lang="en-US" sz="4000" b="1" dirty="0" smtClean="0"/>
+                  <a:t>C</a:t>
+                </a:r>
+                <a:r>
                   <a:rPr lang="en-US" dirty="0" smtClean="0"/>
-                  <a:t>C. </a:t>
+                  <a:t>. </a:t>
                 </a:r>
                 <a:r>
                   <a:rPr lang="en-US" sz="3600" dirty="0" smtClean="0"/>
@@ -11144,8 +11427,8 @@
         </p:blipFill>
         <p:spPr>
           <a:xfrm>
-            <a:off x="16344632" y="13276183"/>
-            <a:ext cx="4799466" cy="2699699"/>
+            <a:off x="17426803" y="18737067"/>
+            <a:ext cx="3971377" cy="2233899"/>
           </a:xfrm>
           <a:prstGeom prst="rect">
             <a:avLst/>
@@ -11170,7 +11453,7 @@
         </p:nvGrpSpPr>
         <p:grpSpPr>
           <a:xfrm>
-            <a:off x="15699559" y="6237933"/>
+            <a:off x="15777351" y="12098886"/>
             <a:ext cx="7021650" cy="3270802"/>
             <a:chOff x="15755954" y="5524500"/>
             <a:chExt cx="6970696" cy="3270802"/>
@@ -11265,7 +11548,7 @@
           <p:spPr>
             <a:xfrm>
               <a:off x="15772153" y="5524500"/>
-              <a:ext cx="725010" cy="927818"/>
+              <a:ext cx="725010" cy="707886"/>
             </a:xfrm>
             <a:prstGeom prst="rect">
               <a:avLst/>
@@ -11279,10 +11562,10 @@
             <a:lstStyle/>
             <a:p>
               <a:r>
-                <a:rPr lang="en-US" dirty="0" smtClean="0"/>
+                <a:rPr lang="en-US" sz="4000" b="1" dirty="0" smtClean="0"/>
                 <a:t>A</a:t>
               </a:r>
-              <a:endParaRPr lang="he-IL" dirty="0"/>
+              <a:endParaRPr lang="he-IL" sz="4000" b="1" dirty="0"/>
             </a:p>
           </p:txBody>
         </p:sp>
@@ -11295,7 +11578,7 @@
           <p:spPr>
             <a:xfrm>
               <a:off x="19273327" y="5524500"/>
-              <a:ext cx="373562" cy="927818"/>
+              <a:ext cx="373562" cy="707886"/>
             </a:xfrm>
             <a:prstGeom prst="rect">
               <a:avLst/>
@@ -11309,10 +11592,10 @@
             <a:lstStyle/>
             <a:p>
               <a:r>
-                <a:rPr lang="en-US" dirty="0" smtClean="0"/>
+                <a:rPr lang="en-US" sz="4000" b="1" dirty="0" smtClean="0"/>
                 <a:t>B</a:t>
               </a:r>
-              <a:endParaRPr lang="he-IL" dirty="0"/>
+              <a:endParaRPr lang="he-IL" sz="4000" b="1" dirty="0"/>
             </a:p>
           </p:txBody>
         </p:sp>
@@ -11325,10 +11608,10 @@
         </p:nvGrpSpPr>
         <p:grpSpPr>
           <a:xfrm>
-            <a:off x="15805130" y="20949023"/>
-            <a:ext cx="6548928" cy="3475664"/>
-            <a:chOff x="15695827" y="20538237"/>
-            <a:chExt cx="6548928" cy="2911207"/>
+            <a:off x="15831837" y="25610729"/>
+            <a:ext cx="7108732" cy="2464942"/>
+            <a:chOff x="15136022" y="21384818"/>
+            <a:chExt cx="7108732" cy="2064626"/>
           </a:xfrm>
         </p:grpSpPr>
         <p:grpSp>
@@ -11339,10 +11622,10 @@
           </p:nvGrpSpPr>
           <p:grpSpPr>
             <a:xfrm>
-              <a:off x="19124207" y="20538237"/>
-              <a:ext cx="3120548" cy="2911207"/>
-              <a:chOff x="19606985" y="20538237"/>
-              <a:chExt cx="3576087" cy="2911207"/>
+              <a:off x="18915344" y="21384818"/>
+              <a:ext cx="3329410" cy="2064626"/>
+              <a:chOff x="19367633" y="21384818"/>
+              <a:chExt cx="3815439" cy="2064626"/>
             </a:xfrm>
           </p:grpSpPr>
           <p:pic>
@@ -11393,8 +11676,8 @@
             </p:nvSpPr>
             <p:spPr>
               <a:xfrm>
-                <a:off x="19606985" y="20538237"/>
-                <a:ext cx="1405230" cy="927818"/>
+                <a:off x="19367633" y="21384818"/>
+                <a:ext cx="1405230" cy="592923"/>
               </a:xfrm>
               <a:prstGeom prst="rect">
                 <a:avLst/>
@@ -11408,10 +11691,10 @@
               <a:lstStyle/>
               <a:p>
                 <a:r>
-                  <a:rPr lang="en-US" dirty="0"/>
+                  <a:rPr lang="en-US" sz="4000" b="1" dirty="0"/>
                   <a:t>B</a:t>
                 </a:r>
-                <a:endParaRPr lang="he-IL" dirty="0"/>
+                <a:endParaRPr lang="he-IL" sz="4000" b="1" dirty="0"/>
               </a:p>
             </p:txBody>
           </p:sp>
@@ -11464,8 +11747,8 @@
           </p:nvSpPr>
           <p:spPr>
             <a:xfrm>
-              <a:off x="15742656" y="20607917"/>
-              <a:ext cx="725010" cy="927818"/>
+              <a:off x="15136022" y="21416734"/>
+              <a:ext cx="725010" cy="592923"/>
             </a:xfrm>
             <a:prstGeom prst="rect">
               <a:avLst/>
@@ -11479,14 +11762,1062 @@
             <a:lstStyle/>
             <a:p>
               <a:r>
-                <a:rPr lang="en-US" dirty="0" smtClean="0"/>
+                <a:rPr lang="en-US" sz="4000" b="1" dirty="0" smtClean="0"/>
                 <a:t>A</a:t>
               </a:r>
-              <a:endParaRPr lang="he-IL" dirty="0"/>
+              <a:endParaRPr lang="he-IL" sz="4000" b="1" dirty="0"/>
             </a:p>
           </p:txBody>
         </p:sp>
       </p:grpSp>
+      <p:grpSp>
+        <p:nvGrpSpPr>
+          <p:cNvPr id="49" name="Group 48"/>
+          <p:cNvGrpSpPr/>
+          <p:nvPr/>
+        </p:nvGrpSpPr>
+        <p:grpSpPr>
+          <a:xfrm>
+            <a:off x="23674758" y="6960062"/>
+            <a:ext cx="6684143" cy="5138824"/>
+            <a:chOff x="31388140" y="10246490"/>
+            <a:chExt cx="6684143" cy="4493627"/>
+          </a:xfrm>
+        </p:grpSpPr>
+        <p:grpSp>
+          <p:nvGrpSpPr>
+            <p:cNvPr id="48" name="Group 47"/>
+            <p:cNvGrpSpPr/>
+            <p:nvPr/>
+          </p:nvGrpSpPr>
+          <p:grpSpPr>
+            <a:xfrm>
+              <a:off x="31388140" y="10246490"/>
+              <a:ext cx="6684143" cy="4493627"/>
+              <a:chOff x="23689494" y="10163957"/>
+              <a:chExt cx="6684143" cy="4493627"/>
+            </a:xfrm>
+          </p:grpSpPr>
+          <p:pic>
+            <p:nvPicPr>
+              <p:cNvPr id="15" name="Picture 14"/>
+              <p:cNvPicPr>
+                <a:picLocks noChangeAspect="1"/>
+              </p:cNvPicPr>
+              <p:nvPr/>
+            </p:nvPicPr>
+            <p:blipFill>
+              <a:blip r:embed="rId15">
+                <a:extLst>
+                  <a:ext uri="{28A0092B-C50C-407E-A947-70E740481C1C}">
+                    <a14:useLocalDpi xmlns:a14="http://schemas.microsoft.com/office/drawing/2010/main" val="0"/>
+                  </a:ext>
+                </a:extLst>
+              </a:blip>
+              <a:stretch>
+                <a:fillRect/>
+              </a:stretch>
+            </p:blipFill>
+            <p:spPr>
+              <a:xfrm>
+                <a:off x="23740119" y="10926230"/>
+                <a:ext cx="6633518" cy="3731354"/>
+              </a:xfrm>
+              <a:prstGeom prst="rect">
+                <a:avLst/>
+              </a:prstGeom>
+              <a:ln>
+                <a:noFill/>
+              </a:ln>
+              <a:effectLst>
+                <a:outerShdw blurRad="292100" dist="139700" dir="2700000" algn="tl" rotWithShape="0">
+                  <a:srgbClr val="333333">
+                    <a:alpha val="65000"/>
+                  </a:srgbClr>
+                </a:outerShdw>
+              </a:effectLst>
+            </p:spPr>
+          </p:pic>
+          <p:sp>
+            <p:nvSpPr>
+              <p:cNvPr id="41" name="TextBox 40"/>
+              <p:cNvSpPr txBox="1"/>
+              <p:nvPr/>
+            </p:nvSpPr>
+            <p:spPr>
+              <a:xfrm>
+                <a:off x="23689494" y="10163957"/>
+                <a:ext cx="619432" cy="707886"/>
+              </a:xfrm>
+              <a:prstGeom prst="rect">
+                <a:avLst/>
+              </a:prstGeom>
+              <a:noFill/>
+            </p:spPr>
+            <p:txBody>
+              <a:bodyPr wrap="square" rtlCol="0">
+                <a:spAutoFit/>
+              </a:bodyPr>
+              <a:lstStyle/>
+              <a:p>
+                <a:r>
+                  <a:rPr lang="en-US" sz="4000" b="1" dirty="0" smtClean="0"/>
+                  <a:t>A</a:t>
+                </a:r>
+                <a:endParaRPr lang="en-US" sz="4000" b="1" dirty="0"/>
+              </a:p>
+            </p:txBody>
+          </p:sp>
+          <p:sp>
+            <p:nvSpPr>
+              <p:cNvPr id="42" name="TextBox 41"/>
+              <p:cNvSpPr txBox="1"/>
+              <p:nvPr/>
+            </p:nvSpPr>
+            <p:spPr>
+              <a:xfrm>
+                <a:off x="27407125" y="10163957"/>
+                <a:ext cx="884903" cy="707886"/>
+              </a:xfrm>
+              <a:prstGeom prst="rect">
+                <a:avLst/>
+              </a:prstGeom>
+              <a:noFill/>
+            </p:spPr>
+            <p:txBody>
+              <a:bodyPr wrap="square" rtlCol="0">
+                <a:spAutoFit/>
+              </a:bodyPr>
+              <a:lstStyle/>
+              <a:p>
+                <a:r>
+                  <a:rPr lang="en-US" sz="4000" b="1" dirty="0" smtClean="0"/>
+                  <a:t>B</a:t>
+                </a:r>
+                <a:endParaRPr lang="en-US" sz="4000" b="1" dirty="0"/>
+              </a:p>
+            </p:txBody>
+          </p:sp>
+          <p:sp>
+            <p:nvSpPr>
+              <p:cNvPr id="43" name="TextBox 42"/>
+              <p:cNvSpPr txBox="1"/>
+              <p:nvPr/>
+            </p:nvSpPr>
+            <p:spPr>
+              <a:xfrm>
+                <a:off x="23740119" y="12679140"/>
+                <a:ext cx="766916" cy="707886"/>
+              </a:xfrm>
+              <a:prstGeom prst="rect">
+                <a:avLst/>
+              </a:prstGeom>
+              <a:noFill/>
+            </p:spPr>
+            <p:txBody>
+              <a:bodyPr wrap="square" rtlCol="0">
+                <a:spAutoFit/>
+              </a:bodyPr>
+              <a:lstStyle/>
+              <a:p>
+                <a:r>
+                  <a:rPr lang="en-US" sz="4000" b="1" dirty="0"/>
+                  <a:t>C</a:t>
+                </a:r>
+              </a:p>
+            </p:txBody>
+          </p:sp>
+          <p:sp>
+            <p:nvSpPr>
+              <p:cNvPr id="45" name="Rectangle 44"/>
+              <p:cNvSpPr/>
+              <p:nvPr/>
+            </p:nvSpPr>
+            <p:spPr>
+              <a:xfrm>
+                <a:off x="26304239" y="13601700"/>
+                <a:ext cx="3909061" cy="678180"/>
+              </a:xfrm>
+              <a:prstGeom prst="rect">
+                <a:avLst/>
+              </a:prstGeom>
+              <a:solidFill>
+                <a:schemeClr val="accent2">
+                  <a:lumMod val="60000"/>
+                  <a:lumOff val="40000"/>
+                </a:schemeClr>
+              </a:solidFill>
+              <a:ln>
+                <a:noFill/>
+              </a:ln>
+            </p:spPr>
+            <p:style>
+              <a:lnRef idx="2">
+                <a:schemeClr val="accent1">
+                  <a:shade val="50000"/>
+                </a:schemeClr>
+              </a:lnRef>
+              <a:fillRef idx="1">
+                <a:schemeClr val="accent1"/>
+              </a:fillRef>
+              <a:effectRef idx="0">
+                <a:schemeClr val="accent1"/>
+              </a:effectRef>
+              <a:fontRef idx="minor">
+                <a:schemeClr val="lt1"/>
+              </a:fontRef>
+            </p:style>
+            <p:txBody>
+              <a:bodyPr rtlCol="0" anchor="ctr"/>
+              <a:lstStyle/>
+              <a:p>
+                <a:pPr algn="ctr"/>
+                <a:r>
+                  <a:rPr lang="en-US" sz="2000" dirty="0" smtClean="0">
+                    <a:solidFill>
+                      <a:schemeClr val="tx1"/>
+                    </a:solidFill>
+                  </a:rPr>
+                  <a:t>Connected beads (highlighted)</a:t>
+                </a:r>
+                <a:r>
+                  <a:rPr lang="en-US" sz="2000" dirty="0" smtClean="0"/>
+                  <a:t/>
+                </a:r>
+                <a:br>
+                  <a:rPr lang="en-US" sz="2000" dirty="0" smtClean="0"/>
+                </a:br>
+                <a:r>
+                  <a:rPr lang="en-US" sz="2000" dirty="0" smtClean="0">
+                    <a:solidFill>
+                      <a:schemeClr val="tx1"/>
+                    </a:solidFill>
+                  </a:rPr>
+                  <a:t>not connected</a:t>
+                </a:r>
+                <a:endParaRPr lang="en-US" sz="2000" dirty="0">
+                  <a:solidFill>
+                    <a:schemeClr val="tx1"/>
+                  </a:solidFill>
+                </a:endParaRPr>
+              </a:p>
+            </p:txBody>
+          </p:sp>
+        </p:grpSp>
+        <p:sp>
+          <p:nvSpPr>
+            <p:cNvPr id="44" name="Oval 43"/>
+            <p:cNvSpPr/>
+            <p:nvPr/>
+          </p:nvSpPr>
+          <p:spPr>
+            <a:xfrm>
+              <a:off x="33026337" y="13028314"/>
+              <a:ext cx="53340" cy="68580"/>
+            </a:xfrm>
+            <a:prstGeom prst="ellipse">
+              <a:avLst/>
+            </a:prstGeom>
+            <a:solidFill>
+              <a:schemeClr val="bg1"/>
+            </a:solidFill>
+          </p:spPr>
+          <p:style>
+            <a:lnRef idx="2">
+              <a:schemeClr val="accent1">
+                <a:shade val="50000"/>
+              </a:schemeClr>
+            </a:lnRef>
+            <a:fillRef idx="1">
+              <a:schemeClr val="accent1"/>
+            </a:fillRef>
+            <a:effectRef idx="0">
+              <a:schemeClr val="accent1"/>
+            </a:effectRef>
+            <a:fontRef idx="minor">
+              <a:schemeClr val="lt1"/>
+            </a:fontRef>
+          </p:style>
+          <p:txBody>
+            <a:bodyPr rtlCol="0" anchor="ctr"/>
+            <a:lstStyle/>
+            <a:p>
+              <a:pPr algn="ctr"/>
+              <a:endParaRPr lang="en-US"/>
+            </a:p>
+          </p:txBody>
+        </p:sp>
+        <p:sp>
+          <p:nvSpPr>
+            <p:cNvPr id="81" name="Oval 80"/>
+            <p:cNvSpPr/>
+            <p:nvPr/>
+          </p:nvSpPr>
+          <p:spPr>
+            <a:xfrm>
+              <a:off x="33674037" y="13021598"/>
+              <a:ext cx="53340" cy="68580"/>
+            </a:xfrm>
+            <a:prstGeom prst="ellipse">
+              <a:avLst/>
+            </a:prstGeom>
+            <a:solidFill>
+              <a:schemeClr val="bg1"/>
+            </a:solidFill>
+          </p:spPr>
+          <p:style>
+            <a:lnRef idx="2">
+              <a:schemeClr val="accent1">
+                <a:shade val="50000"/>
+              </a:schemeClr>
+            </a:lnRef>
+            <a:fillRef idx="1">
+              <a:schemeClr val="accent1"/>
+            </a:fillRef>
+            <a:effectRef idx="0">
+              <a:schemeClr val="accent1"/>
+            </a:effectRef>
+            <a:fontRef idx="minor">
+              <a:schemeClr val="lt1"/>
+            </a:fontRef>
+          </p:style>
+          <p:txBody>
+            <a:bodyPr rtlCol="0" anchor="ctr"/>
+            <a:lstStyle/>
+            <a:p>
+              <a:pPr algn="ctr"/>
+              <a:endParaRPr lang="en-US"/>
+            </a:p>
+          </p:txBody>
+        </p:sp>
+        <p:sp>
+          <p:nvSpPr>
+            <p:cNvPr id="82" name="Oval 81"/>
+            <p:cNvSpPr/>
+            <p:nvPr/>
+          </p:nvSpPr>
+          <p:spPr>
+            <a:xfrm>
+              <a:off x="33674037" y="13653154"/>
+              <a:ext cx="53340" cy="68580"/>
+            </a:xfrm>
+            <a:prstGeom prst="ellipse">
+              <a:avLst/>
+            </a:prstGeom>
+            <a:solidFill>
+              <a:schemeClr val="bg1"/>
+            </a:solidFill>
+          </p:spPr>
+          <p:style>
+            <a:lnRef idx="2">
+              <a:schemeClr val="accent1">
+                <a:shade val="50000"/>
+              </a:schemeClr>
+            </a:lnRef>
+            <a:fillRef idx="1">
+              <a:schemeClr val="accent1"/>
+            </a:fillRef>
+            <a:effectRef idx="0">
+              <a:schemeClr val="accent1"/>
+            </a:effectRef>
+            <a:fontRef idx="minor">
+              <a:schemeClr val="lt1"/>
+            </a:fontRef>
+          </p:style>
+          <p:txBody>
+            <a:bodyPr rtlCol="0" anchor="ctr"/>
+            <a:lstStyle/>
+            <a:p>
+              <a:pPr algn="ctr"/>
+              <a:endParaRPr lang="en-US"/>
+            </a:p>
+          </p:txBody>
+        </p:sp>
+        <p:sp>
+          <p:nvSpPr>
+            <p:cNvPr id="83" name="Oval 82"/>
+            <p:cNvSpPr/>
+            <p:nvPr/>
+          </p:nvSpPr>
+          <p:spPr>
+            <a:xfrm>
+              <a:off x="33361617" y="13359414"/>
+              <a:ext cx="53340" cy="68580"/>
+            </a:xfrm>
+            <a:prstGeom prst="ellipse">
+              <a:avLst/>
+            </a:prstGeom>
+            <a:solidFill>
+              <a:schemeClr val="bg1"/>
+            </a:solidFill>
+          </p:spPr>
+          <p:style>
+            <a:lnRef idx="2">
+              <a:schemeClr val="accent1">
+                <a:shade val="50000"/>
+              </a:schemeClr>
+            </a:lnRef>
+            <a:fillRef idx="1">
+              <a:schemeClr val="accent1"/>
+            </a:fillRef>
+            <a:effectRef idx="0">
+              <a:schemeClr val="accent1"/>
+            </a:effectRef>
+            <a:fontRef idx="minor">
+              <a:schemeClr val="lt1"/>
+            </a:fontRef>
+          </p:style>
+          <p:txBody>
+            <a:bodyPr rtlCol="0" anchor="ctr"/>
+            <a:lstStyle/>
+            <a:p>
+              <a:pPr algn="ctr"/>
+              <a:endParaRPr lang="en-US"/>
+            </a:p>
+          </p:txBody>
+        </p:sp>
+        <p:sp>
+          <p:nvSpPr>
+            <p:cNvPr id="84" name="Oval 83"/>
+            <p:cNvSpPr/>
+            <p:nvPr/>
+          </p:nvSpPr>
+          <p:spPr>
+            <a:xfrm>
+              <a:off x="32378637" y="13654058"/>
+              <a:ext cx="53340" cy="68580"/>
+            </a:xfrm>
+            <a:prstGeom prst="ellipse">
+              <a:avLst/>
+            </a:prstGeom>
+            <a:solidFill>
+              <a:schemeClr val="bg1"/>
+            </a:solidFill>
+          </p:spPr>
+          <p:style>
+            <a:lnRef idx="2">
+              <a:schemeClr val="accent1">
+                <a:shade val="50000"/>
+              </a:schemeClr>
+            </a:lnRef>
+            <a:fillRef idx="1">
+              <a:schemeClr val="accent1"/>
+            </a:fillRef>
+            <a:effectRef idx="0">
+              <a:schemeClr val="accent1"/>
+            </a:effectRef>
+            <a:fontRef idx="minor">
+              <a:schemeClr val="lt1"/>
+            </a:fontRef>
+          </p:style>
+          <p:txBody>
+            <a:bodyPr rtlCol="0" anchor="ctr"/>
+            <a:lstStyle/>
+            <a:p>
+              <a:pPr algn="ctr"/>
+              <a:endParaRPr lang="en-US"/>
+            </a:p>
+          </p:txBody>
+        </p:sp>
+        <p:sp>
+          <p:nvSpPr>
+            <p:cNvPr id="85" name="Oval 84"/>
+            <p:cNvSpPr/>
+            <p:nvPr/>
+          </p:nvSpPr>
+          <p:spPr>
+            <a:xfrm>
+              <a:off x="32378637" y="14331334"/>
+              <a:ext cx="53340" cy="68580"/>
+            </a:xfrm>
+            <a:prstGeom prst="ellipse">
+              <a:avLst/>
+            </a:prstGeom>
+            <a:solidFill>
+              <a:schemeClr val="bg1"/>
+            </a:solidFill>
+          </p:spPr>
+          <p:style>
+            <a:lnRef idx="2">
+              <a:schemeClr val="accent1">
+                <a:shade val="50000"/>
+              </a:schemeClr>
+            </a:lnRef>
+            <a:fillRef idx="1">
+              <a:schemeClr val="accent1"/>
+            </a:fillRef>
+            <a:effectRef idx="0">
+              <a:schemeClr val="accent1"/>
+            </a:effectRef>
+            <a:fontRef idx="minor">
+              <a:schemeClr val="lt1"/>
+            </a:fontRef>
+          </p:style>
+          <p:txBody>
+            <a:bodyPr rtlCol="0" anchor="ctr"/>
+            <a:lstStyle/>
+            <a:p>
+              <a:pPr algn="ctr"/>
+              <a:endParaRPr lang="en-US"/>
+            </a:p>
+          </p:txBody>
+        </p:sp>
+        <p:sp>
+          <p:nvSpPr>
+            <p:cNvPr id="86" name="Oval 85"/>
+            <p:cNvSpPr/>
+            <p:nvPr/>
+          </p:nvSpPr>
+          <p:spPr>
+            <a:xfrm>
+              <a:off x="32713917" y="13988434"/>
+              <a:ext cx="53340" cy="68580"/>
+            </a:xfrm>
+            <a:prstGeom prst="ellipse">
+              <a:avLst/>
+            </a:prstGeom>
+            <a:solidFill>
+              <a:schemeClr val="bg1"/>
+            </a:solidFill>
+          </p:spPr>
+          <p:style>
+            <a:lnRef idx="2">
+              <a:schemeClr val="accent1">
+                <a:shade val="50000"/>
+              </a:schemeClr>
+            </a:lnRef>
+            <a:fillRef idx="1">
+              <a:schemeClr val="accent1"/>
+            </a:fillRef>
+            <a:effectRef idx="0">
+              <a:schemeClr val="accent1"/>
+            </a:effectRef>
+            <a:fontRef idx="minor">
+              <a:schemeClr val="lt1"/>
+            </a:fontRef>
+          </p:style>
+          <p:txBody>
+            <a:bodyPr rtlCol="0" anchor="ctr"/>
+            <a:lstStyle/>
+            <a:p>
+              <a:pPr algn="ctr"/>
+              <a:endParaRPr lang="en-US"/>
+            </a:p>
+          </p:txBody>
+        </p:sp>
+        <p:sp>
+          <p:nvSpPr>
+            <p:cNvPr id="87" name="Oval 86"/>
+            <p:cNvSpPr/>
+            <p:nvPr/>
+          </p:nvSpPr>
+          <p:spPr>
+            <a:xfrm>
+              <a:off x="33026337" y="14331334"/>
+              <a:ext cx="53340" cy="68580"/>
+            </a:xfrm>
+            <a:prstGeom prst="ellipse">
+              <a:avLst/>
+            </a:prstGeom>
+            <a:solidFill>
+              <a:schemeClr val="bg1"/>
+            </a:solidFill>
+          </p:spPr>
+          <p:style>
+            <a:lnRef idx="2">
+              <a:schemeClr val="accent1">
+                <a:shade val="50000"/>
+              </a:schemeClr>
+            </a:lnRef>
+            <a:fillRef idx="1">
+              <a:schemeClr val="accent1"/>
+            </a:fillRef>
+            <a:effectRef idx="0">
+              <a:schemeClr val="accent1"/>
+            </a:effectRef>
+            <a:fontRef idx="minor">
+              <a:schemeClr val="lt1"/>
+            </a:fontRef>
+          </p:style>
+          <p:txBody>
+            <a:bodyPr rtlCol="0" anchor="ctr"/>
+            <a:lstStyle/>
+            <a:p>
+              <a:pPr algn="ctr"/>
+              <a:endParaRPr lang="en-US"/>
+            </a:p>
+          </p:txBody>
+        </p:sp>
+        <p:sp>
+          <p:nvSpPr>
+            <p:cNvPr id="46" name="Rectangle 45"/>
+            <p:cNvSpPr/>
+            <p:nvPr/>
+          </p:nvSpPr>
+          <p:spPr>
+            <a:xfrm>
+              <a:off x="34077897" y="13797934"/>
+              <a:ext cx="129540" cy="129540"/>
+            </a:xfrm>
+            <a:prstGeom prst="rect">
+              <a:avLst/>
+            </a:prstGeom>
+            <a:solidFill>
+              <a:schemeClr val="bg1"/>
+            </a:solidFill>
+            <a:ln>
+              <a:solidFill>
+                <a:schemeClr val="bg1"/>
+              </a:solidFill>
+            </a:ln>
+          </p:spPr>
+          <p:style>
+            <a:lnRef idx="2">
+              <a:schemeClr val="accent1">
+                <a:shade val="50000"/>
+              </a:schemeClr>
+            </a:lnRef>
+            <a:fillRef idx="1">
+              <a:schemeClr val="accent1"/>
+            </a:fillRef>
+            <a:effectRef idx="0">
+              <a:schemeClr val="accent1"/>
+            </a:effectRef>
+            <a:fontRef idx="minor">
+              <a:schemeClr val="lt1"/>
+            </a:fontRef>
+          </p:style>
+          <p:txBody>
+            <a:bodyPr rtlCol="0" anchor="ctr"/>
+            <a:lstStyle/>
+            <a:p>
+              <a:pPr algn="ctr"/>
+              <a:endParaRPr lang="en-US"/>
+            </a:p>
+          </p:txBody>
+        </p:sp>
+        <p:sp>
+          <p:nvSpPr>
+            <p:cNvPr id="47" name="Rectangle 46"/>
+            <p:cNvSpPr/>
+            <p:nvPr/>
+          </p:nvSpPr>
+          <p:spPr>
+            <a:xfrm>
+              <a:off x="34089327" y="14133214"/>
+              <a:ext cx="129540" cy="121920"/>
+            </a:xfrm>
+            <a:prstGeom prst="rect">
+              <a:avLst/>
+            </a:prstGeom>
+            <a:solidFill>
+              <a:schemeClr val="tx1"/>
+            </a:solidFill>
+            <a:ln>
+              <a:solidFill>
+                <a:schemeClr val="tx1"/>
+              </a:solidFill>
+            </a:ln>
+          </p:spPr>
+          <p:style>
+            <a:lnRef idx="2">
+              <a:schemeClr val="accent1">
+                <a:shade val="50000"/>
+              </a:schemeClr>
+            </a:lnRef>
+            <a:fillRef idx="1">
+              <a:schemeClr val="accent1"/>
+            </a:fillRef>
+            <a:effectRef idx="0">
+              <a:schemeClr val="accent1"/>
+            </a:effectRef>
+            <a:fontRef idx="minor">
+              <a:schemeClr val="lt1"/>
+            </a:fontRef>
+          </p:style>
+          <p:txBody>
+            <a:bodyPr rtlCol="0" anchor="ctr"/>
+            <a:lstStyle/>
+            <a:p>
+              <a:pPr algn="ctr"/>
+              <a:endParaRPr lang="en-US"/>
+            </a:p>
+          </p:txBody>
+        </p:sp>
+      </p:grpSp>
+      <p:sp>
+        <p:nvSpPr>
+          <p:cNvPr id="51" name="TextBox 50"/>
+          <p:cNvSpPr txBox="1"/>
+          <p:nvPr/>
+        </p:nvSpPr>
+        <p:spPr>
+          <a:xfrm>
+            <a:off x="31394400" y="2023505"/>
+            <a:ext cx="7239000" cy="8956298"/>
+          </a:xfrm>
+          <a:prstGeom prst="rect">
+            <a:avLst/>
+          </a:prstGeom>
+          <a:noFill/>
+        </p:spPr>
+        <p:txBody>
+          <a:bodyPr wrap="square" rtlCol="0">
+            <a:spAutoFit/>
+          </a:bodyPr>
+          <a:lstStyle/>
+          <a:p>
+            <a:r>
+              <a:rPr lang="en-US" sz="4000" b="1" dirty="0" smtClean="0"/>
+              <a:t>Summary</a:t>
+            </a:r>
+          </a:p>
+          <a:p>
+            <a:endParaRPr lang="en-US" sz="4000" b="1" dirty="0"/>
+          </a:p>
+          <a:p>
+            <a:pPr marL="457200" indent="-457200">
+              <a:buAutoNum type="arabicPeriod"/>
+            </a:pPr>
+            <a:r>
+              <a:rPr lang="en-US" sz="2400" dirty="0" smtClean="0"/>
+              <a:t>We have developed a method to reconstruct the </a:t>
+            </a:r>
+            <a:r>
+              <a:rPr lang="en-US" sz="2400" dirty="0" smtClean="0"/>
+              <a:t>mean architecture </a:t>
+            </a:r>
+            <a:r>
+              <a:rPr lang="en-US" sz="2400" dirty="0" smtClean="0"/>
+              <a:t>of </a:t>
+            </a:r>
+            <a:r>
+              <a:rPr lang="en-US" sz="2400" dirty="0" smtClean="0"/>
+              <a:t>a polymer using </a:t>
+            </a:r>
+            <a:r>
+              <a:rPr lang="en-US" sz="2400" dirty="0" err="1" smtClean="0"/>
+              <a:t>HiC</a:t>
+            </a:r>
+            <a:r>
+              <a:rPr lang="en-US" sz="2400" dirty="0" smtClean="0"/>
+              <a:t> data, capturing its salient features;</a:t>
+            </a:r>
+          </a:p>
+          <a:p>
+            <a:pPr marL="457200" indent="-457200">
+              <a:buAutoNum type="arabicPeriod"/>
+            </a:pPr>
+            <a:r>
+              <a:rPr lang="en-US" sz="2400" dirty="0" smtClean="0"/>
+              <a:t>Examination </a:t>
+            </a:r>
+            <a:r>
+              <a:rPr lang="en-US" sz="2400" dirty="0" smtClean="0"/>
+              <a:t>of the method </a:t>
+            </a:r>
+            <a:r>
+              <a:rPr lang="en-US" sz="2400" dirty="0" smtClean="0"/>
+              <a:t>shows </a:t>
+            </a:r>
+            <a:r>
+              <a:rPr lang="en-US" sz="2400" dirty="0" smtClean="0"/>
+              <a:t>excellent agreement </a:t>
+            </a:r>
+            <a:r>
+              <a:rPr lang="en-US" sz="2400" dirty="0"/>
+              <a:t>with synthetic </a:t>
+            </a:r>
+            <a:r>
+              <a:rPr lang="en-US" sz="2400" dirty="0" smtClean="0"/>
+              <a:t>data, exemplifies </a:t>
+            </a:r>
+            <a:r>
+              <a:rPr lang="en-US" sz="2400" dirty="0" smtClean="0"/>
+              <a:t>the </a:t>
+            </a:r>
+            <a:r>
+              <a:rPr lang="en-US" sz="2400" dirty="0" smtClean="0"/>
+              <a:t>robustness of our method;</a:t>
+            </a:r>
+          </a:p>
+          <a:p>
+            <a:pPr marL="457200" indent="-457200">
+              <a:buAutoNum type="arabicPeriod"/>
+            </a:pPr>
+            <a:r>
+              <a:rPr lang="en-US" sz="2400" dirty="0" smtClean="0"/>
+              <a:t>We have presented a novel use of the solution of the inverse heat equation to smooth </a:t>
+            </a:r>
+            <a:r>
+              <a:rPr lang="en-US" sz="2400" dirty="0" err="1" smtClean="0"/>
+              <a:t>HiC</a:t>
+            </a:r>
+            <a:r>
+              <a:rPr lang="en-US" sz="2400" dirty="0" smtClean="0"/>
+              <a:t> data based on </a:t>
+            </a:r>
+            <a:r>
+              <a:rPr lang="en-US" sz="2400" dirty="0" smtClean="0"/>
+              <a:t>the underlying  </a:t>
+            </a:r>
+            <a:r>
+              <a:rPr lang="en-US" sz="2400" dirty="0" smtClean="0"/>
+              <a:t>assumption </a:t>
+            </a:r>
+            <a:r>
+              <a:rPr lang="en-US" sz="2400" dirty="0" smtClean="0"/>
+              <a:t>of a Rouse polymer.</a:t>
+            </a:r>
+            <a:endParaRPr lang="en-US" sz="2400" dirty="0" smtClean="0"/>
+          </a:p>
+          <a:p>
+            <a:pPr marL="457200" indent="-457200">
+              <a:buAutoNum type="arabicPeriod"/>
+            </a:pPr>
+            <a:endParaRPr lang="en-US" sz="2400" dirty="0" smtClean="0"/>
+          </a:p>
+          <a:p>
+            <a:r>
+              <a:rPr lang="en-US" sz="4000" b="1" dirty="0" smtClean="0"/>
+              <a:t>Perspectives</a:t>
+            </a:r>
+          </a:p>
+          <a:p>
+            <a:pPr marL="457200" indent="-457200">
+              <a:buFont typeface="+mj-lt"/>
+              <a:buAutoNum type="arabicPeriod"/>
+            </a:pPr>
+            <a:r>
+              <a:rPr lang="en-US" sz="2400" dirty="0" smtClean="0"/>
+              <a:t>Further investigation into the resulting structure  from </a:t>
+            </a:r>
+            <a:r>
+              <a:rPr lang="en-US" sz="2400" dirty="0" err="1" smtClean="0"/>
+              <a:t>HiC</a:t>
+            </a:r>
+            <a:r>
+              <a:rPr lang="en-US" sz="2400" dirty="0" smtClean="0"/>
+              <a:t> experiments will be carried out;</a:t>
+            </a:r>
+          </a:p>
+          <a:p>
+            <a:pPr marL="457200" indent="-457200">
+              <a:buFont typeface="+mj-lt"/>
+              <a:buAutoNum type="arabicPeriod"/>
+            </a:pPr>
+            <a:r>
+              <a:rPr lang="en-US" sz="2400" dirty="0" smtClean="0"/>
+              <a:t>A much more accurate result can be obtained using synchronized cell cycle samples;</a:t>
+            </a:r>
+          </a:p>
+          <a:p>
+            <a:pPr marL="457200" indent="-457200">
+              <a:buFont typeface="+mj-lt"/>
+              <a:buAutoNum type="arabicPeriod"/>
+            </a:pPr>
+            <a:r>
+              <a:rPr lang="en-US" sz="2400" dirty="0" smtClean="0"/>
+              <a:t>A measure for the similarity between the simulated encounter probability and the observed one should be incorporated </a:t>
+            </a:r>
+          </a:p>
+          <a:p>
+            <a:pPr marL="457200" indent="-457200">
+              <a:buFont typeface="+mj-lt"/>
+              <a:buAutoNum type="arabicPeriod"/>
+            </a:pPr>
+            <a:endParaRPr lang="en-US" sz="2400" dirty="0" smtClean="0"/>
+          </a:p>
+          <a:p>
+            <a:pPr marL="457200" indent="-457200">
+              <a:buFont typeface="+mj-lt"/>
+              <a:buAutoNum type="arabicPeriod"/>
+            </a:pPr>
+            <a:endParaRPr lang="en-US" sz="2400" dirty="0"/>
+          </a:p>
+        </p:txBody>
+      </p:sp>
+      <p:pic>
+        <p:nvPicPr>
+          <p:cNvPr id="12" name="Picture 11"/>
+          <p:cNvPicPr>
+            <a:picLocks noChangeAspect="1"/>
+          </p:cNvPicPr>
+          <p:nvPr/>
+        </p:nvPicPr>
+        <p:blipFill>
+          <a:blip r:embed="rId16">
+            <a:extLst>
+              <a:ext uri="{28A0092B-C50C-407E-A947-70E740481C1C}">
+                <a14:useLocalDpi xmlns:a14="http://schemas.microsoft.com/office/drawing/2010/main" val="0"/>
+              </a:ext>
+            </a:extLst>
+          </a:blip>
+          <a:stretch>
+            <a:fillRect/>
+          </a:stretch>
+        </p:blipFill>
+        <p:spPr>
+          <a:xfrm>
+            <a:off x="23689494" y="17182902"/>
+            <a:ext cx="4467225" cy="3705225"/>
+          </a:xfrm>
+          <a:prstGeom prst="rect">
+            <a:avLst/>
+          </a:prstGeom>
+          <a:ln>
+            <a:noFill/>
+          </a:ln>
+          <a:effectLst>
+            <a:outerShdw blurRad="292100" dist="139700" dir="2700000" algn="tl" rotWithShape="0">
+              <a:srgbClr val="333333">
+                <a:alpha val="65000"/>
+              </a:srgbClr>
+            </a:outerShdw>
+          </a:effectLst>
+        </p:spPr>
+      </p:pic>
+      <p:sp>
+        <p:nvSpPr>
+          <p:cNvPr id="55" name="TextBox 54"/>
+          <p:cNvSpPr txBox="1"/>
+          <p:nvPr/>
+        </p:nvSpPr>
+        <p:spPr>
+          <a:xfrm>
+            <a:off x="31760016" y="14642087"/>
+            <a:ext cx="6724035" cy="5456622"/>
+          </a:xfrm>
+          <a:prstGeom prst="rect">
+            <a:avLst/>
+          </a:prstGeom>
+          <a:noFill/>
+        </p:spPr>
+        <p:txBody>
+          <a:bodyPr wrap="square" rtlCol="0">
+            <a:spAutoFit/>
+          </a:bodyPr>
+          <a:lstStyle/>
+          <a:p>
+            <a:r>
+              <a:rPr lang="en-US" dirty="0" smtClean="0"/>
+              <a:t>References</a:t>
+            </a:r>
+            <a:br>
+              <a:rPr lang="en-US" dirty="0" smtClean="0"/>
+            </a:br>
+            <a:endParaRPr lang="en-US" dirty="0" smtClean="0"/>
+          </a:p>
+          <a:p>
+            <a:r>
+              <a:rPr lang="en-US" sz="2400" dirty="0" smtClean="0"/>
+              <a:t>[Nora PE 2012] </a:t>
+            </a:r>
+            <a:r>
+              <a:rPr lang="en-US" sz="2400" dirty="0"/>
+              <a:t>Nora, </a:t>
+            </a:r>
+            <a:r>
+              <a:rPr lang="en-US" sz="2400" dirty="0" err="1"/>
+              <a:t>Elphège</a:t>
+            </a:r>
+            <a:r>
+              <a:rPr lang="en-US" sz="2400" dirty="0"/>
+              <a:t> P., et al. "Spatial partitioning of the regulatory landscape of the X-inactivation </a:t>
+            </a:r>
+            <a:r>
+              <a:rPr lang="en-US" sz="2400" dirty="0" err="1"/>
+              <a:t>centre</a:t>
+            </a:r>
+            <a:r>
+              <a:rPr lang="en-US" sz="2400" dirty="0"/>
+              <a:t>." </a:t>
+            </a:r>
+            <a:r>
+              <a:rPr lang="en-US" sz="2400" i="1" dirty="0"/>
+              <a:t>Nature</a:t>
+            </a:r>
+            <a:r>
+              <a:rPr lang="en-US" sz="2400" dirty="0"/>
+              <a:t> 485.7398 (2012): 381-385</a:t>
+            </a:r>
+            <a:r>
+              <a:rPr lang="en-US" sz="2400" dirty="0" smtClean="0"/>
+              <a:t>.</a:t>
+            </a:r>
+          </a:p>
+          <a:p>
+            <a:endParaRPr lang="en-US" sz="2400" dirty="0"/>
+          </a:p>
+          <a:p>
+            <a:r>
+              <a:rPr lang="en-US" sz="2400" dirty="0" smtClean="0"/>
+              <a:t>[Luca G 2014] </a:t>
+            </a:r>
+            <a:r>
+              <a:rPr lang="en-US" sz="2400" dirty="0" err="1"/>
+              <a:t>Giorgetti</a:t>
+            </a:r>
+            <a:r>
+              <a:rPr lang="en-US" sz="2400" dirty="0"/>
+              <a:t>, Luca, et al. </a:t>
+            </a:r>
+            <a:r>
+              <a:rPr lang="en-US" sz="2400"/>
+              <a:t>"Predictive polymer modeling reveals coupled fluctuations in chromosome conformation and transcription." </a:t>
+            </a:r>
+            <a:r>
+              <a:rPr lang="en-US" sz="2400" i="1"/>
+              <a:t>Cell</a:t>
+            </a:r>
+            <a:r>
+              <a:rPr lang="en-US" sz="2400"/>
+              <a:t> 157.4 (2014): </a:t>
+            </a:r>
+            <a:r>
+              <a:rPr lang="en-US" sz="2400"/>
+              <a:t>950-963</a:t>
+            </a:r>
+            <a:r>
+              <a:rPr lang="en-US" sz="2400" smtClean="0"/>
+              <a:t>.</a:t>
+            </a:r>
+          </a:p>
+          <a:p>
+            <a:endParaRPr lang="en-US" sz="2400" dirty="0"/>
+          </a:p>
+        </p:txBody>
+      </p:sp>
+      <p:sp>
+        <p:nvSpPr>
+          <p:cNvPr id="56" name="TextBox 55"/>
+          <p:cNvSpPr txBox="1"/>
+          <p:nvPr/>
+        </p:nvSpPr>
+        <p:spPr>
+          <a:xfrm>
+            <a:off x="23984474" y="15869265"/>
+            <a:ext cx="4292818" cy="707886"/>
+          </a:xfrm>
+          <a:prstGeom prst="rect">
+            <a:avLst/>
+          </a:prstGeom>
+          <a:noFill/>
+        </p:spPr>
+        <p:txBody>
+          <a:bodyPr wrap="square" rtlCol="0">
+            <a:spAutoFit/>
+          </a:bodyPr>
+          <a:lstStyle/>
+          <a:p>
+            <a:r>
+              <a:rPr lang="en-US" sz="4000" b="1" dirty="0" smtClean="0"/>
+              <a:t>Figure 8</a:t>
+            </a:r>
+            <a:endParaRPr lang="en-US" sz="4000" b="1" dirty="0"/>
+          </a:p>
+        </p:txBody>
+      </p:sp>
     </p:spTree>
     <p:extLst>
       <p:ext uri="{BB962C8B-B14F-4D97-AF65-F5344CB8AC3E}">

--- a/Documents/epigenetic workshop/Poster.pptx
+++ b/Documents/epigenetic workshop/Poster.pptx
@@ -243,7 +243,7 @@
           <a:p>
             <a:fld id="{00271780-4C30-459F-9B60-DDDABA3AB087}" type="datetimeFigureOut">
               <a:rPr lang="en-US" smtClean="0"/>
-              <a:t>3/12/2015</a:t>
+              <a:t>3/13/2015</a:t>
             </a:fld>
             <a:endParaRPr lang="en-US"/>
           </a:p>
@@ -413,7 +413,7 @@
           <a:p>
             <a:fld id="{00271780-4C30-459F-9B60-DDDABA3AB087}" type="datetimeFigureOut">
               <a:rPr lang="en-US" smtClean="0"/>
-              <a:t>3/12/2015</a:t>
+              <a:t>3/13/2015</a:t>
             </a:fld>
             <a:endParaRPr lang="en-US"/>
           </a:p>
@@ -593,7 +593,7 @@
           <a:p>
             <a:fld id="{00271780-4C30-459F-9B60-DDDABA3AB087}" type="datetimeFigureOut">
               <a:rPr lang="en-US" smtClean="0"/>
-              <a:t>3/12/2015</a:t>
+              <a:t>3/13/2015</a:t>
             </a:fld>
             <a:endParaRPr lang="en-US"/>
           </a:p>
@@ -763,7 +763,7 @@
           <a:p>
             <a:fld id="{00271780-4C30-459F-9B60-DDDABA3AB087}" type="datetimeFigureOut">
               <a:rPr lang="en-US" smtClean="0"/>
-              <a:t>3/12/2015</a:t>
+              <a:t>3/13/2015</a:t>
             </a:fld>
             <a:endParaRPr lang="en-US"/>
           </a:p>
@@ -1007,7 +1007,7 @@
           <a:p>
             <a:fld id="{00271780-4C30-459F-9B60-DDDABA3AB087}" type="datetimeFigureOut">
               <a:rPr lang="en-US" smtClean="0"/>
-              <a:t>3/12/2015</a:t>
+              <a:t>3/13/2015</a:t>
             </a:fld>
             <a:endParaRPr lang="en-US"/>
           </a:p>
@@ -1239,7 +1239,7 @@
           <a:p>
             <a:fld id="{00271780-4C30-459F-9B60-DDDABA3AB087}" type="datetimeFigureOut">
               <a:rPr lang="en-US" smtClean="0"/>
-              <a:t>3/12/2015</a:t>
+              <a:t>3/13/2015</a:t>
             </a:fld>
             <a:endParaRPr lang="en-US"/>
           </a:p>
@@ -1606,7 +1606,7 @@
           <a:p>
             <a:fld id="{00271780-4C30-459F-9B60-DDDABA3AB087}" type="datetimeFigureOut">
               <a:rPr lang="en-US" smtClean="0"/>
-              <a:t>3/12/2015</a:t>
+              <a:t>3/13/2015</a:t>
             </a:fld>
             <a:endParaRPr lang="en-US"/>
           </a:p>
@@ -1724,7 +1724,7 @@
           <a:p>
             <a:fld id="{00271780-4C30-459F-9B60-DDDABA3AB087}" type="datetimeFigureOut">
               <a:rPr lang="en-US" smtClean="0"/>
-              <a:t>3/12/2015</a:t>
+              <a:t>3/13/2015</a:t>
             </a:fld>
             <a:endParaRPr lang="en-US"/>
           </a:p>
@@ -1819,7 +1819,7 @@
           <a:p>
             <a:fld id="{00271780-4C30-459F-9B60-DDDABA3AB087}" type="datetimeFigureOut">
               <a:rPr lang="en-US" smtClean="0"/>
-              <a:t>3/12/2015</a:t>
+              <a:t>3/13/2015</a:t>
             </a:fld>
             <a:endParaRPr lang="en-US"/>
           </a:p>
@@ -2096,7 +2096,7 @@
           <a:p>
             <a:fld id="{00271780-4C30-459F-9B60-DDDABA3AB087}" type="datetimeFigureOut">
               <a:rPr lang="en-US" smtClean="0"/>
-              <a:t>3/12/2015</a:t>
+              <a:t>3/13/2015</a:t>
             </a:fld>
             <a:endParaRPr lang="en-US"/>
           </a:p>
@@ -2353,7 +2353,7 @@
           <a:p>
             <a:fld id="{00271780-4C30-459F-9B60-DDDABA3AB087}" type="datetimeFigureOut">
               <a:rPr lang="en-US" smtClean="0"/>
-              <a:t>3/12/2015</a:t>
+              <a:t>3/13/2015</a:t>
             </a:fld>
             <a:endParaRPr lang="en-US"/>
           </a:p>
@@ -2566,7 +2566,7 @@
           <a:p>
             <a:fld id="{00271780-4C30-459F-9B60-DDDABA3AB087}" type="datetimeFigureOut">
               <a:rPr lang="en-US" smtClean="0"/>
-              <a:t>3/12/2015</a:t>
+              <a:t>3/13/2015</a:t>
             </a:fld>
             <a:endParaRPr lang="en-US"/>
           </a:p>
@@ -3029,7 +3029,31 @@
             </a:br>
             <a:r>
               <a:rPr lang="en-US" sz="2400" dirty="0" smtClean="0"/>
-              <a:t>To test our method we start with a known structure (Figure 7A) and simulate its dynamics to get the encounter signals. Applying our method, we get an excellent agreement with the initial structure figure 7B, as can be seen from the connectivity matrix Figure 7C. </a:t>
+              <a:t>To test our method we start with a known structure (</a:t>
+            </a:r>
+            <a:r>
+              <a:rPr lang="en-US" sz="2400" b="1" dirty="0" smtClean="0"/>
+              <a:t>Figure 7A</a:t>
+            </a:r>
+            <a:r>
+              <a:rPr lang="en-US" sz="2400" dirty="0" smtClean="0"/>
+              <a:t>) and simulate its dynamics to get the encounter signals. Applying our method, we get an excellent agreement with the initial structure </a:t>
+            </a:r>
+            <a:r>
+              <a:rPr lang="en-US" sz="2400" b="1" dirty="0" smtClean="0"/>
+              <a:t>Figure 7B</a:t>
+            </a:r>
+            <a:r>
+              <a:rPr lang="en-US" sz="2400" dirty="0" smtClean="0"/>
+              <a:t>, as can be seen from the connectivity matrix </a:t>
+            </a:r>
+            <a:r>
+              <a:rPr lang="en-US" sz="2400" b="1" dirty="0" smtClean="0"/>
+              <a:t>Figure 7C</a:t>
+            </a:r>
+            <a:r>
+              <a:rPr lang="en-US" sz="2400" dirty="0" smtClean="0"/>
+              <a:t>. </a:t>
             </a:r>
           </a:p>
           <a:p>
@@ -3107,17 +3131,12 @@
             </a:r>
             <a:r>
               <a:rPr lang="en-US" sz="2400" b="1" dirty="0" smtClean="0"/>
-              <a:t>Figure </a:t>
-            </a:r>
-            <a:r>
-              <a:rPr lang="en-US" sz="2400" b="1" dirty="0" smtClean="0"/>
-              <a:t>8A.</a:t>
+              <a:t>Figure 8A.</a:t>
             </a:r>
             <a:r>
               <a:rPr lang="en-US" sz="2400" dirty="0" smtClean="0"/>
               <a:t>  A comparison between the simulated and experimental encounter probability and the simulated</a:t>
             </a:r>
-            <a:endParaRPr lang="en-US" sz="2400" dirty="0" smtClean="0"/>
           </a:p>
           <a:p>
             <a:r>
@@ -3128,7 +3147,6 @@
               <a:rPr lang="en-US" sz="2400" b="1" dirty="0" smtClean="0"/>
               <a:t> Figure 8B</a:t>
             </a:r>
-            <a:endParaRPr lang="en-US" sz="2400" b="1" dirty="0" smtClean="0"/>
           </a:p>
           <a:p>
             <a:endParaRPr lang="en-US" sz="2400" b="1" dirty="0"/>
@@ -3496,11 +3514,7 @@
             </a:r>
             <a:r>
               <a:rPr lang="en-US" sz="2400" b="1" dirty="0" smtClean="0"/>
-              <a:t>Figure </a:t>
-            </a:r>
-            <a:r>
-              <a:rPr lang="en-US" sz="2400" b="1" dirty="0" smtClean="0"/>
-              <a:t>1B</a:t>
+              <a:t>Figure 1B</a:t>
             </a:r>
             <a:r>
               <a:rPr lang="en-US" sz="2400" dirty="0" smtClean="0"/>
@@ -3540,23 +3554,19 @@
           <a:p>
             <a:r>
               <a:rPr lang="en-US" sz="2400" dirty="0" smtClean="0"/>
-              <a:t>We </a:t>
-            </a:r>
-            <a:r>
-              <a:rPr lang="en-US" sz="2400" dirty="0" smtClean="0"/>
-              <a:t>use a </a:t>
+              <a:t>We use a </a:t>
             </a:r>
             <a:r>
               <a:rPr lang="en-US" sz="2400" dirty="0"/>
               <a:t>subset of  ~1Mb region of the X-chromosome around the X- inactivation center , provided by </a:t>
             </a:r>
             <a:r>
-              <a:rPr lang="en-US" sz="2400" dirty="0" err="1" smtClean="0"/>
-              <a:t>G.Luca</a:t>
-            </a:r>
-            <a:r>
-              <a:rPr lang="en-US" sz="2400" dirty="0" smtClean="0"/>
-              <a:t> </a:t>
+              <a:rPr lang="en-US" sz="2400" err="1" smtClean="0"/>
+              <a:t>G</a:t>
+            </a:r>
+            <a:r>
+              <a:rPr lang="en-US" sz="2400" smtClean="0"/>
+              <a:t>. Luca </a:t>
             </a:r>
             <a:r>
               <a:rPr lang="en-US" sz="2400" dirty="0"/>
@@ -4605,7 +4615,15 @@
                 </a:r>
                 <a:r>
                   <a:rPr lang="en-US" sz="2400" dirty="0" smtClean="0"/>
-                  <a:t>polymer of N beads (Figure 2A), </a:t>
+                  <a:t>polymer of N beads (</a:t>
+                </a:r>
+                <a:r>
+                  <a:rPr lang="en-US" sz="2400" b="1" dirty="0" smtClean="0"/>
+                  <a:t>Figure 2A</a:t>
+                </a:r>
+                <a:r>
+                  <a:rPr lang="en-US" sz="2400" dirty="0" smtClean="0"/>
+                  <a:t>), </a:t>
                 </a:r>
                 <a:r>
                   <a:rPr lang="en-US" sz="2400" dirty="0"/>
@@ -5341,13 +5359,7 @@
                         <a:rPr lang="en-US" sz="2400" b="0" i="1" smtClean="0">
                           <a:latin typeface="Cambria Math" panose="02040503050406030204" pitchFamily="18" charset="0"/>
                         </a:rPr>
-                        <m:t>=</m:t>
-                      </m:r>
-                      <m:r>
-                        <a:rPr lang="en-US" sz="2400" b="0" i="1" smtClean="0">
-                          <a:latin typeface="Cambria Math" panose="02040503050406030204" pitchFamily="18" charset="0"/>
-                        </a:rPr>
-                        <m:t>  </m:t>
+                        <m:t>=  </m:t>
                       </m:r>
                       <m:sSup>
                         <m:sSupPr>
@@ -5756,7 +5768,15 @@
               <a:p>
                 <a:r>
                   <a:rPr lang="en-US" sz="2400" dirty="0" smtClean="0"/>
-                  <a:t>For a structure containing a loop and a chain (Figure 2C), the bead distance distribution for bead n and m is given by the addition of two normally distributed vectors, which results in a normal distribution by the convolution of the two pdfs of a chain and a ring.</a:t>
+                  <a:t>For a structure containing a loop and a chain (</a:t>
+                </a:r>
+                <a:r>
+                  <a:rPr lang="en-US" sz="2400" b="1" dirty="0" smtClean="0"/>
+                  <a:t>Figure 2C</a:t>
+                </a:r>
+                <a:r>
+                  <a:rPr lang="en-US" sz="2400" dirty="0" smtClean="0"/>
+                  <a:t>), the bead distance distribution for bead n and m is given by the addition of two normally distributed vectors, which results in a normal distribution by the convolution of the two pdfs of a chain and a ring.</a:t>
                 </a:r>
               </a:p>
               <a:p>
@@ -5944,7 +5964,7 @@
               <a:lstStyle/>
               <a:p>
                 <a:r>
-                  <a:rPr lang="en-US">
+                  <a:rPr lang="he-IL">
                     <a:noFill/>
                   </a:rPr>
                   <a:t> </a:t>
@@ -9781,7 +9801,15 @@
                 </a:r>
                 <a:r>
                   <a:rPr lang="en-US" sz="2400" dirty="0"/>
-                  <a:t>description of the distance distribution in composite polymer structure by a normal distribution motivates the use  of the fundamental solution for the diffusion (heat) equation for the  smoothing of the encounter curves. Encounter probability is thought of as the change of temperature over time, and variation in encounter probability is considered to be a result of turning on and off a heat source </a:t>
+                  <a:t>description of the distance distribution in composite polymer structure by a normal distribution motivates the use  of the fundamental solution for the diffusion (heat) equation for </a:t>
+                </a:r>
+                <a:r>
+                  <a:rPr lang="en-US" sz="2400" dirty="0" smtClean="0"/>
+                  <a:t> </a:t>
+                </a:r>
+                <a:r>
+                  <a:rPr lang="en-US" sz="2400" dirty="0"/>
+                  <a:t>smoothing of the encounter curves. Encounter probability is thought of as the change of temperature over time, and variation in encounter probability is considered to be a result of turning on and off a heat source </a:t>
                 </a:r>
                 <a14:m>
                   <m:oMath xmlns:m="http://schemas.openxmlformats.org/officeDocument/2006/math">
@@ -9813,7 +9841,23 @@
                 </a14:m>
                 <a:r>
                   <a:rPr lang="en-US" sz="2400" dirty="0"/>
-                  <a:t> (see Figure 3A). We, thus, arrive at solving the inverse heat equation with an unknown source. </a:t>
+                  <a:t> </a:t>
+                </a:r>
+                <a:r>
+                  <a:rPr lang="en-US" sz="2400" dirty="0" smtClean="0"/>
+                  <a:t> (</a:t>
+                </a:r>
+                <a:r>
+                  <a:rPr lang="en-US" sz="2400" dirty="0"/>
+                  <a:t>see </a:t>
+                </a:r>
+                <a:r>
+                  <a:rPr lang="en-US" sz="2400" b="1" dirty="0"/>
+                  <a:t>Figure 3A</a:t>
+                </a:r>
+                <a:r>
+                  <a:rPr lang="en-US" sz="2400" dirty="0"/>
+                  <a:t>). We, thus, arrive at solving the inverse heat equation with an unknown source. </a:t>
                 </a:r>
               </a:p>
               <a:p>
@@ -10447,12 +10491,16 @@
                   <a:t>2006, </a:t>
                 </a:r>
                 <a:r>
-                  <a:rPr lang="en-US" sz="2400" dirty="0" err="1"/>
+                  <a:rPr lang="en-US" sz="2400" dirty="0" err="1" smtClean="0"/>
                   <a:t>Hazanee</a:t>
                 </a:r>
                 <a:r>
+                  <a:rPr lang="en-US" sz="2400" dirty="0" smtClean="0"/>
+                  <a:t> </a:t>
+                </a:r>
+                <a:r>
                   <a:rPr lang="en-US" sz="2400" dirty="0"/>
-                  <a:t> et. al. 2011</a:t>
+                  <a:t>2011</a:t>
                 </a:r>
                 <a:r>
                   <a:rPr lang="en-US" sz="2400" dirty="0" smtClean="0"/>
@@ -10593,7 +10641,15 @@
               <a:p>
                 <a:r>
                   <a:rPr lang="en-US" sz="2400" dirty="0" smtClean="0"/>
-                  <a:t>In the context of a Rous polymer, equal encounter probabilities indicate an equal distance between beads. We therefore differentiate the smoothed encounter signal of each bead </a:t>
+                  <a:t>In the context of a Rous polymer, equal encounter probabilities indicate an equal distance between beads. </a:t>
+                </a:r>
+                <a:r>
+                  <a:rPr lang="en-US" sz="2400" dirty="0" smtClean="0"/>
+                  <a:t>With this principle we  </a:t>
+                </a:r>
+                <a:r>
+                  <a:rPr lang="en-US" sz="2400" dirty="0" smtClean="0"/>
+                  <a:t>differentiate the smoothed encounter signal of each bead </a:t>
                 </a:r>
                 <a:r>
                   <a:rPr lang="en-US" sz="2400" dirty="0"/>
@@ -10601,7 +10657,15 @@
                 </a:r>
                 <a:r>
                   <a:rPr lang="en-US" sz="2400" dirty="0" smtClean="0"/>
-                  <a:t>chain (Figure 4)</a:t>
+                  <a:t>chain (</a:t>
+                </a:r>
+                <a:r>
+                  <a:rPr lang="en-US" sz="2400" b="1" dirty="0" smtClean="0"/>
+                  <a:t>Figure 4</a:t>
+                </a:r>
+                <a:r>
+                  <a:rPr lang="en-US" sz="2400" dirty="0" smtClean="0"/>
+                  <a:t>)</a:t>
                 </a:r>
               </a:p>
               <a:p>
@@ -10630,9 +10694,6 @@
                 <a:endParaRPr lang="en-US" sz="2400" dirty="0" smtClean="0"/>
               </a:p>
               <a:p>
-                <a:endParaRPr lang="en-US" sz="2400" dirty="0" smtClean="0"/>
-              </a:p>
-              <a:p>
                 <a:endParaRPr lang="en-US" sz="2400" dirty="0"/>
               </a:p>
               <a:p>
@@ -10656,7 +10717,15 @@
                 <a:pPr/>
                 <a:r>
                   <a:rPr lang="en-US" sz="2400" dirty="0" smtClean="0"/>
-                  <a:t>If we observe  for some  signal </a:t>
+                  <a:t>If </a:t>
+                </a:r>
+                <a:r>
+                  <a:rPr lang="en-US" sz="2400" dirty="0" smtClean="0"/>
+                  <a:t>for </a:t>
+                </a:r>
+                <a:r>
+                  <a:rPr lang="en-US" sz="2400" dirty="0" smtClean="0"/>
+                  <a:t>some  signal </a:t>
                 </a:r>
                 <a14:m>
                   <m:oMath xmlns:m="http://schemas.openxmlformats.org/officeDocument/2006/math">
@@ -10741,7 +10810,15 @@
                 </a14:m>
                 <a:r>
                   <a:rPr lang="en-US" sz="2400" dirty="0" smtClean="0"/>
-                  <a:t> (Figure 5A), </a:t>
+                  <a:t> (</a:t>
+                </a:r>
+                <a:r>
+                  <a:rPr lang="en-US" sz="2400" b="1" dirty="0" smtClean="0"/>
+                  <a:t>Figure 5A</a:t>
+                </a:r>
+                <a:r>
+                  <a:rPr lang="en-US" sz="2400" dirty="0" smtClean="0"/>
+                  <a:t>), </a:t>
                 </a:r>
                 <a:r>
                   <a:rPr lang="en-US" sz="2400" dirty="0"/>
@@ -10809,7 +10886,15 @@
                 </a:r>
                 <a:r>
                   <a:rPr lang="en-US" sz="2400" dirty="0" smtClean="0"/>
-                  <a:t>distribution (Figure 5B) </a:t>
+                  <a:t>distribution (</a:t>
+                </a:r>
+                <a:r>
+                  <a:rPr lang="en-US" sz="2400" b="1" dirty="0" smtClean="0"/>
+                  <a:t>Figure 5B</a:t>
+                </a:r>
+                <a:r>
+                  <a:rPr lang="en-US" sz="2400" dirty="0" smtClean="0"/>
+                  <a:t>) </a:t>
                 </a:r>
                 <a:r>
                   <a:rPr lang="en-US" sz="2400" dirty="0"/>
@@ -11061,13 +11146,13 @@
                 <a:endParaRPr lang="en-US" sz="2400" b="1" dirty="0"/>
               </a:p>
               <a:p>
-                <a:endParaRPr lang="en-US" sz="2400" b="1" dirty="0" smtClean="0"/>
+                <a:endParaRPr lang="en-US" sz="2400" b="1" dirty="0"/>
               </a:p>
               <a:p>
                 <a:endParaRPr lang="en-US" sz="2400" b="1" dirty="0"/>
               </a:p>
               <a:p>
-                <a:endParaRPr lang="en-US" sz="2400" b="1" dirty="0"/>
+                <a:endParaRPr lang="en-US" sz="2400" b="1" dirty="0" smtClean="0"/>
               </a:p>
             </p:txBody>
           </p:sp>
@@ -11092,7 +11177,7 @@
               <a:blipFill rotWithShape="0">
                 <a:blip r:embed="rId6"/>
                 <a:stretch>
-                  <a:fillRect l="-2798" t="-419" r="-1599"/>
+                  <a:fillRect l="-2798" t="-419" r="-1918"/>
                 </a:stretch>
               </a:blipFill>
             </p:spPr>
@@ -11101,7 +11186,7 @@
               <a:lstStyle/>
               <a:p>
                 <a:r>
-                  <a:rPr lang="en-US">
+                  <a:rPr lang="he-IL">
                     <a:noFill/>
                   </a:rPr>
                   <a:t> </a:t>
@@ -12454,7 +12539,7 @@
         <p:spPr>
           <a:xfrm>
             <a:off x="31394400" y="2023505"/>
-            <a:ext cx="7239000" cy="8956298"/>
+            <a:ext cx="7239000" cy="10802957"/>
           </a:xfrm>
           <a:prstGeom prst="rect">
             <a:avLst/>
@@ -12481,19 +12566,7 @@
             </a:pPr>
             <a:r>
               <a:rPr lang="en-US" sz="2400" dirty="0" smtClean="0"/>
-              <a:t>We have developed a method to reconstruct the </a:t>
-            </a:r>
-            <a:r>
-              <a:rPr lang="en-US" sz="2400" dirty="0" smtClean="0"/>
-              <a:t>mean architecture </a:t>
-            </a:r>
-            <a:r>
-              <a:rPr lang="en-US" sz="2400" dirty="0" smtClean="0"/>
-              <a:t>of </a:t>
-            </a:r>
-            <a:r>
-              <a:rPr lang="en-US" sz="2400" dirty="0" smtClean="0"/>
-              <a:t>a polymer using </a:t>
+              <a:t>We have developed a method to reconstruct the mean architecture of a polymer using </a:t>
             </a:r>
             <a:r>
               <a:rPr lang="en-US" sz="2400" dirty="0" err="1" smtClean="0"/>
@@ -12510,19 +12583,7 @@
             </a:pPr>
             <a:r>
               <a:rPr lang="en-US" sz="2400" dirty="0" smtClean="0"/>
-              <a:t>Examination </a:t>
-            </a:r>
-            <a:r>
-              <a:rPr lang="en-US" sz="2400" dirty="0" smtClean="0"/>
-              <a:t>of the method </a:t>
-            </a:r>
-            <a:r>
-              <a:rPr lang="en-US" sz="2400" dirty="0" smtClean="0"/>
-              <a:t>shows </a:t>
-            </a:r>
-            <a:r>
-              <a:rPr lang="en-US" sz="2400" dirty="0" smtClean="0"/>
-              <a:t>excellent agreement </a:t>
+              <a:t>Examination of the method shows excellent agreement </a:t>
             </a:r>
             <a:r>
               <a:rPr lang="en-US" sz="2400" dirty="0"/>
@@ -12530,15 +12591,7 @@
             </a:r>
             <a:r>
               <a:rPr lang="en-US" sz="2400" dirty="0" smtClean="0"/>
-              <a:t>data, exemplifies </a:t>
-            </a:r>
-            <a:r>
-              <a:rPr lang="en-US" sz="2400" dirty="0" smtClean="0"/>
-              <a:t>the </a:t>
-            </a:r>
-            <a:r>
-              <a:rPr lang="en-US" sz="2400" dirty="0" smtClean="0"/>
-              <a:t>robustness of our method;</a:t>
+              <a:t>data, exemplifies the robustness of our method;</a:t>
             </a:r>
           </a:p>
           <a:p>
@@ -12555,21 +12608,26 @@
             </a:r>
             <a:r>
               <a:rPr lang="en-US" sz="2400" dirty="0" smtClean="0"/>
-              <a:t> data based on </a:t>
-            </a:r>
+              <a:t> data based on the underlying  assumption of a Rouse polymer.</a:t>
+            </a:r>
+          </a:p>
+          <a:p>
+            <a:pPr marL="457200" indent="-457200">
+              <a:buAutoNum type="arabicPeriod"/>
+            </a:pPr>
             <a:r>
               <a:rPr lang="en-US" sz="2400" dirty="0" smtClean="0"/>
-              <a:t>the underlying  </a:t>
-            </a:r>
+              <a:t>We have offered a simple and straightforward way to adjust the spring constants for highly interacting beads </a:t>
+            </a:r>
+          </a:p>
+          <a:p>
+            <a:pPr marL="457200" indent="-457200">
+              <a:buAutoNum type="arabicPeriod"/>
+            </a:pPr>
             <a:r>
               <a:rPr lang="en-US" sz="2400" dirty="0" smtClean="0"/>
-              <a:t>assumption </a:t>
-            </a:r>
-            <a:r>
-              <a:rPr lang="en-US" sz="2400" dirty="0" smtClean="0"/>
-              <a:t>of a Rouse polymer.</a:t>
-            </a:r>
-            <a:endParaRPr lang="en-US" sz="2400" dirty="0" smtClean="0"/>
+              <a:t>Resulting structure can be simulated and analyzed for both equilibrium and non equilibrium dynamics</a:t>
+            </a:r>
           </a:p>
           <a:p>
             <a:pPr marL="457200" indent="-457200">
@@ -12618,7 +12676,7 @@
             </a:pPr>
             <a:r>
               <a:rPr lang="en-US" sz="2400" dirty="0" smtClean="0"/>
-              <a:t>A measure for the similarity between the simulated encounter probability and the observed one should be incorporated </a:t>
+              <a:t>A measure for the similarity between the simulated encounter probability and the observed one should be incorporated. </a:t>
             </a:r>
           </a:p>
           <a:p>
@@ -12685,8 +12743,8 @@
         </p:nvSpPr>
         <p:spPr>
           <a:xfrm>
-            <a:off x="31760016" y="14642087"/>
-            <a:ext cx="6724035" cy="5456622"/>
+            <a:off x="31760016" y="15362896"/>
+            <a:ext cx="6724035" cy="9079409"/>
           </a:xfrm>
           <a:prstGeom prst="rect">
             <a:avLst/>
@@ -12700,13 +12758,12 @@
           <a:lstStyle/>
           <a:p>
             <a:r>
-              <a:rPr lang="en-US" dirty="0" smtClean="0"/>
+              <a:rPr lang="en-US" sz="4000" b="1" dirty="0" smtClean="0"/>
               <a:t>References</a:t>
             </a:r>
-            <a:br>
-              <a:rPr lang="en-US" dirty="0" smtClean="0"/>
-            </a:br>
-            <a:endParaRPr lang="en-US" dirty="0" smtClean="0"/>
+          </a:p>
+          <a:p>
+            <a:endParaRPr lang="en-US" sz="4000" b="1" dirty="0" smtClean="0"/>
           </a:p>
           <a:p>
             <a:r>
@@ -12760,28 +12817,107 @@
             </a:r>
             <a:r>
               <a:rPr lang="en-US" sz="2400" dirty="0"/>
-              <a:t>, Luca, et al. </a:t>
-            </a:r>
-            <a:r>
-              <a:rPr lang="en-US" sz="2400"/>
-              <a:t>"Predictive polymer modeling reveals coupled fluctuations in chromosome conformation and transcription." </a:t>
-            </a:r>
-            <a:r>
-              <a:rPr lang="en-US" sz="2400" i="1"/>
+              <a:t>, Luca, et al. "Predictive polymer modeling reveals coupled fluctuations in chromosome conformation and transcription." </a:t>
+            </a:r>
+            <a:r>
+              <a:rPr lang="en-US" sz="2400" i="1" dirty="0"/>
               <a:t>Cell</a:t>
             </a:r>
             <a:r>
-              <a:rPr lang="en-US" sz="2400"/>
-              <a:t> 157.4 (2014): </a:t>
-            </a:r>
-            <a:r>
-              <a:rPr lang="en-US" sz="2400"/>
-              <a:t>950-963</a:t>
-            </a:r>
-            <a:r>
-              <a:rPr lang="en-US" sz="2400" smtClean="0"/>
+              <a:rPr lang="en-US" sz="2400" dirty="0"/>
+              <a:t> 157.4 (2014): 950-963</a:t>
+            </a:r>
+            <a:r>
+              <a:rPr lang="en-US" sz="2400" dirty="0" smtClean="0"/>
               <a:t>.</a:t>
             </a:r>
+          </a:p>
+          <a:p>
+            <a:endParaRPr lang="en-US" sz="2400" dirty="0"/>
+          </a:p>
+          <a:p>
+            <a:r>
+              <a:rPr lang="en-US" sz="2400" dirty="0" smtClean="0"/>
+              <a:t>[</a:t>
+            </a:r>
+            <a:r>
+              <a:rPr lang="en-US" sz="2400" dirty="0" err="1" smtClean="0"/>
+              <a:t>Farcas</a:t>
+            </a:r>
+            <a:r>
+              <a:rPr lang="en-US" sz="2400" dirty="0" smtClean="0"/>
+              <a:t> and </a:t>
+            </a:r>
+            <a:r>
+              <a:rPr lang="en-US" sz="2400" dirty="0" err="1" smtClean="0"/>
+              <a:t>Lesnic</a:t>
+            </a:r>
+            <a:r>
+              <a:rPr lang="en-US" sz="2400" dirty="0" smtClean="0"/>
+              <a:t> 2006] </a:t>
+            </a:r>
+            <a:r>
+              <a:rPr lang="en-US" sz="2400" dirty="0" err="1"/>
+              <a:t>Farcas</a:t>
+            </a:r>
+            <a:r>
+              <a:rPr lang="en-US" sz="2400" dirty="0"/>
+              <a:t>, Adrian, and Daniel </a:t>
+            </a:r>
+            <a:r>
+              <a:rPr lang="en-US" sz="2400" dirty="0" err="1"/>
+              <a:t>Lesnic</a:t>
+            </a:r>
+            <a:r>
+              <a:rPr lang="en-US" sz="2400" dirty="0"/>
+              <a:t>. "The boundary-element method for the determination of a heat source dependent on one variable." </a:t>
+            </a:r>
+            <a:r>
+              <a:rPr lang="en-US" sz="2400" i="1" dirty="0"/>
+              <a:t>Journal of Engineering Mathematics</a:t>
+            </a:r>
+            <a:r>
+              <a:rPr lang="en-US" sz="2400" dirty="0"/>
+              <a:t> 54.4 (2006): 375-388</a:t>
+            </a:r>
+            <a:r>
+              <a:rPr lang="en-US" sz="2400" dirty="0" smtClean="0"/>
+              <a:t>.</a:t>
+            </a:r>
+          </a:p>
+          <a:p>
+            <a:endParaRPr lang="en-US" sz="2400" dirty="0"/>
+          </a:p>
+          <a:p>
+            <a:r>
+              <a:rPr lang="en-US" sz="2400" dirty="0" smtClean="0"/>
+              <a:t>[</a:t>
+            </a:r>
+            <a:r>
+              <a:rPr lang="en-US" sz="2400" dirty="0" err="1" smtClean="0"/>
+              <a:t>Hazanee</a:t>
+            </a:r>
+            <a:r>
+              <a:rPr lang="en-US" sz="2400" dirty="0" smtClean="0"/>
+              <a:t> 11] </a:t>
+            </a:r>
+            <a:r>
+              <a:rPr lang="en-US" sz="2400" dirty="0" err="1"/>
+              <a:t>Hazanee</a:t>
+            </a:r>
+            <a:r>
+              <a:rPr lang="en-US" sz="2400" dirty="0"/>
+              <a:t>, A., et al. "An inverse time-dependent source problem for the heat equation." </a:t>
+            </a:r>
+            <a:r>
+              <a:rPr lang="en-US" sz="2400" i="1" dirty="0"/>
+              <a:t>Applied Numerical Mathematics</a:t>
+            </a:r>
+            <a:r>
+              <a:rPr lang="en-US" sz="2400" dirty="0"/>
+              <a:t> 69 (2013): 13-33.</a:t>
+            </a:r>
+            <a:endParaRPr lang="en-US" sz="2400" dirty="0" smtClean="0"/>
           </a:p>
           <a:p>
             <a:endParaRPr lang="en-US" sz="2400" dirty="0"/>

--- a/Documents/epigenetic workshop/Poster.pptx
+++ b/Documents/epigenetic workshop/Poster.pptx
@@ -243,7 +243,7 @@
           <a:p>
             <a:fld id="{00271780-4C30-459F-9B60-DDDABA3AB087}" type="datetimeFigureOut">
               <a:rPr lang="en-US" smtClean="0"/>
-              <a:t>3/12/2015</a:t>
+              <a:t>3/13/2015</a:t>
             </a:fld>
             <a:endParaRPr lang="en-US"/>
           </a:p>
@@ -413,7 +413,7 @@
           <a:p>
             <a:fld id="{00271780-4C30-459F-9B60-DDDABA3AB087}" type="datetimeFigureOut">
               <a:rPr lang="en-US" smtClean="0"/>
-              <a:t>3/12/2015</a:t>
+              <a:t>3/13/2015</a:t>
             </a:fld>
             <a:endParaRPr lang="en-US"/>
           </a:p>
@@ -593,7 +593,7 @@
           <a:p>
             <a:fld id="{00271780-4C30-459F-9B60-DDDABA3AB087}" type="datetimeFigureOut">
               <a:rPr lang="en-US" smtClean="0"/>
-              <a:t>3/12/2015</a:t>
+              <a:t>3/13/2015</a:t>
             </a:fld>
             <a:endParaRPr lang="en-US"/>
           </a:p>
@@ -763,7 +763,7 @@
           <a:p>
             <a:fld id="{00271780-4C30-459F-9B60-DDDABA3AB087}" type="datetimeFigureOut">
               <a:rPr lang="en-US" smtClean="0"/>
-              <a:t>3/12/2015</a:t>
+              <a:t>3/13/2015</a:t>
             </a:fld>
             <a:endParaRPr lang="en-US"/>
           </a:p>
@@ -1007,7 +1007,7 @@
           <a:p>
             <a:fld id="{00271780-4C30-459F-9B60-DDDABA3AB087}" type="datetimeFigureOut">
               <a:rPr lang="en-US" smtClean="0"/>
-              <a:t>3/12/2015</a:t>
+              <a:t>3/13/2015</a:t>
             </a:fld>
             <a:endParaRPr lang="en-US"/>
           </a:p>
@@ -1239,7 +1239,7 @@
           <a:p>
             <a:fld id="{00271780-4C30-459F-9B60-DDDABA3AB087}" type="datetimeFigureOut">
               <a:rPr lang="en-US" smtClean="0"/>
-              <a:t>3/12/2015</a:t>
+              <a:t>3/13/2015</a:t>
             </a:fld>
             <a:endParaRPr lang="en-US"/>
           </a:p>
@@ -1606,7 +1606,7 @@
           <a:p>
             <a:fld id="{00271780-4C30-459F-9B60-DDDABA3AB087}" type="datetimeFigureOut">
               <a:rPr lang="en-US" smtClean="0"/>
-              <a:t>3/12/2015</a:t>
+              <a:t>3/13/2015</a:t>
             </a:fld>
             <a:endParaRPr lang="en-US"/>
           </a:p>
@@ -1724,7 +1724,7 @@
           <a:p>
             <a:fld id="{00271780-4C30-459F-9B60-DDDABA3AB087}" type="datetimeFigureOut">
               <a:rPr lang="en-US" smtClean="0"/>
-              <a:t>3/12/2015</a:t>
+              <a:t>3/13/2015</a:t>
             </a:fld>
             <a:endParaRPr lang="en-US"/>
           </a:p>
@@ -1819,7 +1819,7 @@
           <a:p>
             <a:fld id="{00271780-4C30-459F-9B60-DDDABA3AB087}" type="datetimeFigureOut">
               <a:rPr lang="en-US" smtClean="0"/>
-              <a:t>3/12/2015</a:t>
+              <a:t>3/13/2015</a:t>
             </a:fld>
             <a:endParaRPr lang="en-US"/>
           </a:p>
@@ -2096,7 +2096,7 @@
           <a:p>
             <a:fld id="{00271780-4C30-459F-9B60-DDDABA3AB087}" type="datetimeFigureOut">
               <a:rPr lang="en-US" smtClean="0"/>
-              <a:t>3/12/2015</a:t>
+              <a:t>3/13/2015</a:t>
             </a:fld>
             <a:endParaRPr lang="en-US"/>
           </a:p>
@@ -2353,7 +2353,7 @@
           <a:p>
             <a:fld id="{00271780-4C30-459F-9B60-DDDABA3AB087}" type="datetimeFigureOut">
               <a:rPr lang="en-US" smtClean="0"/>
-              <a:t>3/12/2015</a:t>
+              <a:t>3/13/2015</a:t>
             </a:fld>
             <a:endParaRPr lang="en-US"/>
           </a:p>
@@ -2566,7 +2566,7 @@
           <a:p>
             <a:fld id="{00271780-4C30-459F-9B60-DDDABA3AB087}" type="datetimeFigureOut">
               <a:rPr lang="en-US" smtClean="0"/>
-              <a:t>3/12/2015</a:t>
+              <a:t>3/13/2015</a:t>
             </a:fld>
             <a:endParaRPr lang="en-US"/>
           </a:p>
@@ -2980,7 +2980,7 @@
         <p:spPr>
           <a:xfrm>
             <a:off x="23449935" y="2013369"/>
-            <a:ext cx="7503018" cy="13142059"/>
+            <a:ext cx="7503018" cy="11664732"/>
           </a:xfrm>
           <a:prstGeom prst="rect">
             <a:avLst/>
@@ -3111,26 +3111,12 @@
             </a:r>
             <a:r>
               <a:rPr lang="en-US" sz="2400" b="1" dirty="0" smtClean="0"/>
-              <a:t>8A.</a:t>
+              <a:t>8.</a:t>
             </a:r>
             <a:r>
               <a:rPr lang="en-US" sz="2400" dirty="0" smtClean="0"/>
-              <a:t>  A comparison between the simulated and experimental encounter probability and the simulated</a:t>
-            </a:r>
-            <a:endParaRPr lang="en-US" sz="2400" dirty="0" smtClean="0"/>
-          </a:p>
-          <a:p>
-            <a:r>
-              <a:rPr lang="en-US" sz="2400" dirty="0" smtClean="0"/>
-              <a:t>can be appreciated in</a:t>
-            </a:r>
-            <a:r>
-              <a:rPr lang="en-US" sz="2400" b="1" dirty="0" smtClean="0"/>
-              <a:t> Figure 8B</a:t>
-            </a:r>
-            <a:endParaRPr lang="en-US" sz="2400" b="1" dirty="0" smtClean="0"/>
-          </a:p>
-          <a:p>
+              <a:t> </a:t>
+            </a:r>
             <a:endParaRPr lang="en-US" sz="2400" b="1" dirty="0"/>
           </a:p>
         </p:txBody>
@@ -3301,7 +3287,7 @@
         <p:spPr>
           <a:xfrm>
             <a:off x="539750" y="2013369"/>
-            <a:ext cx="6780074" cy="14756347"/>
+            <a:ext cx="6780074" cy="14879458"/>
           </a:xfrm>
           <a:prstGeom prst="rect">
             <a:avLst/>
@@ -3333,6 +3319,13 @@
             <a:br>
               <a:rPr lang="en-US" sz="2400" dirty="0" smtClean="0"/>
             </a:br>
+            <a:endParaRPr lang="en-US" sz="2400" dirty="0" smtClean="0"/>
+          </a:p>
+          <a:p>
+            <a:pPr marL="457200" indent="-457200">
+              <a:buFont typeface="+mj-lt"/>
+              <a:buAutoNum type="arabicPeriod"/>
+            </a:pPr>
             <a:r>
               <a:rPr lang="en-US" sz="2400" dirty="0" smtClean="0"/>
               <a:t>Reconstruct </a:t>
@@ -3351,7 +3344,22 @@
             </a:r>
             <a:r>
               <a:rPr lang="en-US" sz="2400" dirty="0" smtClean="0"/>
-              <a:t>maps. Study the dynamic </a:t>
+              <a:t>maps. </a:t>
+            </a:r>
+            <a:endParaRPr lang="en-US" sz="2400" dirty="0"/>
+          </a:p>
+          <a:p>
+            <a:pPr marL="457200" indent="-457200">
+              <a:buFont typeface="+mj-lt"/>
+              <a:buAutoNum type="arabicPeriod"/>
+            </a:pPr>
+            <a:r>
+              <a:rPr lang="en-US" sz="2400" dirty="0" smtClean="0"/>
+              <a:t>Study </a:t>
+            </a:r>
+            <a:r>
+              <a:rPr lang="en-US" sz="2400" dirty="0" smtClean="0"/>
+              <a:t>the dynamic </a:t>
             </a:r>
             <a:r>
               <a:rPr lang="en-US" sz="2400" dirty="0"/>
@@ -3370,10 +3378,6 @@
             <a:endParaRPr lang="en-US" sz="2400" dirty="0"/>
           </a:p>
           <a:p>
-            <a:r>
-              <a:rPr lang="en-US" sz="4000" b="1" dirty="0" smtClean="0"/>
-              <a:t>Significance</a:t>
-            </a:r>
             <a:r>
               <a:rPr lang="en-US" sz="2400" dirty="0" smtClean="0"/>
               <a:t/>
@@ -3383,7 +3387,7 @@
             </a:br>
             <a:r>
               <a:rPr lang="en-US" sz="2400" dirty="0" smtClean="0"/>
-              <a:t>Providing </a:t>
+              <a:t>By Providing </a:t>
             </a:r>
             <a:r>
               <a:rPr lang="en-US" sz="2400" dirty="0"/>
@@ -3411,7 +3415,19 @@
             </a:r>
             <a:r>
               <a:rPr lang="en-US" sz="2400" dirty="0" smtClean="0"/>
-              <a:t>microstructure of the examined cells, allowing further mathematical analysis and simulation of the dynamics of a cross-linked polymer in various </a:t>
+              <a:t>microstructure of the examined cells, allowing </a:t>
+            </a:r>
+            <a:r>
+              <a:rPr lang="en-US" sz="2400" smtClean="0"/>
+              <a:t>further </a:t>
+            </a:r>
+            <a:r>
+              <a:rPr lang="en-US" sz="2400" smtClean="0"/>
+              <a:t>analysis </a:t>
+            </a:r>
+            <a:r>
+              <a:rPr lang="en-US" sz="2400" dirty="0" smtClean="0"/>
+              <a:t>and simulation of the dynamics of a cross-linked polymer in various </a:t>
             </a:r>
             <a:r>
               <a:rPr lang="en-US" sz="2400" dirty="0"/>
@@ -3496,11 +3512,7 @@
             </a:r>
             <a:r>
               <a:rPr lang="en-US" sz="2400" b="1" dirty="0" smtClean="0"/>
-              <a:t>Figure </a:t>
-            </a:r>
-            <a:r>
-              <a:rPr lang="en-US" sz="2400" b="1" dirty="0" smtClean="0"/>
-              <a:t>1B</a:t>
+              <a:t>Figure 1B</a:t>
             </a:r>
             <a:r>
               <a:rPr lang="en-US" sz="2400" dirty="0" smtClean="0"/>
@@ -3540,11 +3552,7 @@
           <a:p>
             <a:r>
               <a:rPr lang="en-US" sz="2400" dirty="0" smtClean="0"/>
-              <a:t>We </a:t>
-            </a:r>
-            <a:r>
-              <a:rPr lang="en-US" sz="2400" dirty="0" smtClean="0"/>
-              <a:t>use a </a:t>
+              <a:t>We use a </a:t>
             </a:r>
             <a:r>
               <a:rPr lang="en-US" sz="2400" dirty="0"/>
@@ -3577,8 +3585,8 @@
           </a:p>
         </p:txBody>
       </p:sp>
-      <mc:AlternateContent xmlns:mc="http://schemas.openxmlformats.org/markup-compatibility/2006">
-        <mc:Choice xmlns:a14="http://schemas.microsoft.com/office/drawing/2010/main" Requires="a14">
+      <mc:AlternateContent xmlns:mc="http://schemas.openxmlformats.org/markup-compatibility/2006" xmlns:a14="http://schemas.microsoft.com/office/drawing/2010/main">
+        <mc:Choice Requires="a14">
           <p:sp>
             <p:nvSpPr>
               <p:cNvPr id="11" name="TextBox 10"/>
@@ -3889,14 +3897,7 @@
                               <a:latin typeface="Cambria Math" panose="02040503050406030204" pitchFamily="18" charset="0"/>
                               <a:ea typeface="Cambria Math" panose="02040503050406030204" pitchFamily="18" charset="0"/>
                             </a:rPr>
-                            <m:t>=</m:t>
-                          </m:r>
-                          <m:r>
-                            <a:rPr lang="en-US" sz="2400" b="0" i="1" smtClean="0">
-                              <a:latin typeface="Cambria Math" panose="02040503050406030204" pitchFamily="18" charset="0"/>
-                              <a:ea typeface="Cambria Math" panose="02040503050406030204" pitchFamily="18" charset="0"/>
-                            </a:rPr>
-                            <m:t>1</m:t>
+                            <m:t>=1</m:t>
                           </m:r>
                         </m:sub>
                         <m:sup>
@@ -4128,13 +4129,7 @@
                       <a:rPr lang="en-US" sz="2400" b="0" i="1" smtClean="0">
                         <a:latin typeface="Cambria Math" panose="02040503050406030204" pitchFamily="18" charset="0"/>
                       </a:rPr>
-                      <m:t>=</m:t>
-                    </m:r>
-                    <m:r>
-                      <a:rPr lang="en-US" sz="2400" b="0" i="1" smtClean="0">
-                        <a:latin typeface="Cambria Math" panose="02040503050406030204" pitchFamily="18" charset="0"/>
-                      </a:rPr>
-                      <m:t>1</m:t>
+                      <m:t>=1</m:t>
                     </m:r>
                   </m:oMath>
                 </a14:m>
@@ -4847,19 +4842,7 @@
                           <a:rPr lang="en-US" sz="2400" i="1">
                             <a:latin typeface="Cambria Math" panose="02040503050406030204" pitchFamily="18" charset="0"/>
                           </a:rPr>
-                          <m:t>1</m:t>
-                        </m:r>
-                        <m:r>
-                          <a:rPr lang="en-US" sz="2400" i="1">
-                            <a:latin typeface="Cambria Math" panose="02040503050406030204" pitchFamily="18" charset="0"/>
-                          </a:rPr>
-                          <m:t>.</m:t>
-                        </m:r>
-                        <m:r>
-                          <a:rPr lang="en-US" sz="2400" i="1">
-                            <a:latin typeface="Cambria Math" panose="02040503050406030204" pitchFamily="18" charset="0"/>
-                          </a:rPr>
-                          <m:t>5</m:t>
+                          <m:t>1.5</m:t>
                         </m:r>
                       </m:sup>
                     </m:sSup>
@@ -5341,13 +5324,7 @@
                         <a:rPr lang="en-US" sz="2400" b="0" i="1" smtClean="0">
                           <a:latin typeface="Cambria Math" panose="02040503050406030204" pitchFamily="18" charset="0"/>
                         </a:rPr>
-                        <m:t>=</m:t>
-                      </m:r>
-                      <m:r>
-                        <a:rPr lang="en-US" sz="2400" b="0" i="1" smtClean="0">
-                          <a:latin typeface="Cambria Math" panose="02040503050406030204" pitchFamily="18" charset="0"/>
-                        </a:rPr>
-                        <m:t>  </m:t>
+                        <m:t>=  </m:t>
                       </m:r>
                       <m:sSup>
                         <m:sSupPr>
@@ -5496,19 +5473,7 @@
                             <a:rPr lang="en-US" sz="2400" b="0" i="1" smtClean="0">
                               <a:latin typeface="Cambria Math" panose="02040503050406030204" pitchFamily="18" charset="0"/>
                             </a:rPr>
-                            <m:t>1</m:t>
-                          </m:r>
-                          <m:r>
-                            <a:rPr lang="en-US" sz="2400" b="0" i="1" smtClean="0">
-                              <a:latin typeface="Cambria Math" panose="02040503050406030204" pitchFamily="18" charset="0"/>
-                            </a:rPr>
-                            <m:t>.</m:t>
-                          </m:r>
-                          <m:r>
-                            <a:rPr lang="en-US" sz="2400" b="0" i="1" smtClean="0">
-                              <a:latin typeface="Cambria Math" panose="02040503050406030204" pitchFamily="18" charset="0"/>
-                            </a:rPr>
-                            <m:t>5</m:t>
+                            <m:t>1.5</m:t>
                           </m:r>
                         </m:sup>
                       </m:sSup>
@@ -5915,7 +5880,7 @@
             </p:txBody>
           </p:sp>
         </mc:Choice>
-        <mc:Fallback>
+        <mc:Fallback xmlns="">
           <p:sp>
             <p:nvSpPr>
               <p:cNvPr id="11" name="TextBox 10"/>
@@ -9724,8 +9689,8 @@
           </p:txBody>
         </p:sp>
       </p:grpSp>
-      <mc:AlternateContent xmlns:mc="http://schemas.openxmlformats.org/markup-compatibility/2006">
-        <mc:Choice xmlns:a14="http://schemas.microsoft.com/office/drawing/2010/main" Requires="a14">
+      <mc:AlternateContent xmlns:mc="http://schemas.openxmlformats.org/markup-compatibility/2006" xmlns:a14="http://schemas.microsoft.com/office/drawing/2010/main">
+        <mc:Choice Requires="a14">
           <p:sp>
             <p:nvSpPr>
               <p:cNvPr id="16" name="TextBox 15"/>
@@ -9913,19 +9878,7 @@
                         <a:rPr lang="en-US" sz="2400" i="1">
                           <a:latin typeface="Cambria Math" panose="02040503050406030204" pitchFamily="18" charset="0"/>
                         </a:rPr>
-                        <m:t>,    </m:t>
-                      </m:r>
-                      <m:r>
-                        <a:rPr lang="en-US" sz="2400" i="1">
-                          <a:latin typeface="Cambria Math" panose="02040503050406030204" pitchFamily="18" charset="0"/>
-                        </a:rPr>
-                        <m:t>0</m:t>
-                      </m:r>
-                      <m:r>
-                        <a:rPr lang="en-US" sz="2400" i="1">
-                          <a:latin typeface="Cambria Math" panose="02040503050406030204" pitchFamily="18" charset="0"/>
-                        </a:rPr>
-                        <m:t>&lt;</m:t>
+                        <m:t>,    0&lt;</m:t>
                       </m:r>
                       <m:r>
                         <a:rPr lang="en-US" sz="2400" i="1">
@@ -9937,19 +9890,7 @@
                         <a:rPr lang="en-US" sz="2400" i="1">
                           <a:latin typeface="Cambria Math" panose="02040503050406030204" pitchFamily="18" charset="0"/>
                         </a:rPr>
-                        <m:t>&lt;</m:t>
-                      </m:r>
-                      <m:r>
-                        <a:rPr lang="en-US" sz="2400" i="1">
-                          <a:latin typeface="Cambria Math" panose="02040503050406030204" pitchFamily="18" charset="0"/>
-                        </a:rPr>
-                        <m:t>1</m:t>
-                      </m:r>
-                      <m:r>
-                        <a:rPr lang="en-US" sz="2400" i="1">
-                          <a:latin typeface="Cambria Math" panose="02040503050406030204" pitchFamily="18" charset="0"/>
-                        </a:rPr>
-                        <m:t>,  </m:t>
+                        <m:t>&lt;1,  </m:t>
                       </m:r>
                       <m:r>
                         <a:rPr lang="en-US" sz="2400" i="1">
@@ -9962,14 +9903,7 @@
                           <a:latin typeface="Cambria Math" panose="02040503050406030204" pitchFamily="18" charset="0"/>
                           <a:ea typeface="Cambria Math" panose="02040503050406030204" pitchFamily="18" charset="0"/>
                         </a:rPr>
-                        <m:t>≥</m:t>
-                      </m:r>
-                      <m:r>
-                        <a:rPr lang="en-US" sz="2400" i="1">
-                          <a:latin typeface="Cambria Math" panose="02040503050406030204" pitchFamily="18" charset="0"/>
-                          <a:ea typeface="Cambria Math" panose="02040503050406030204" pitchFamily="18" charset="0"/>
-                        </a:rPr>
-                        <m:t>0</m:t>
+                        <m:t>≥0</m:t>
                       </m:r>
                     </m:oMath>
                   </m:oMathPara>
@@ -10010,13 +9944,7 @@
                             <a:rPr lang="en-US" sz="2400" i="1">
                               <a:latin typeface="Cambria Math" panose="02040503050406030204" pitchFamily="18" charset="0"/>
                             </a:rPr>
-                            <m:t>0</m:t>
-                          </m:r>
-                          <m:r>
-                            <a:rPr lang="en-US" sz="2400" i="1">
-                              <a:latin typeface="Cambria Math" panose="02040503050406030204" pitchFamily="18" charset="0"/>
-                            </a:rPr>
-                            <m:t>,</m:t>
+                            <m:t>0,</m:t>
                           </m:r>
                           <m:r>
                             <a:rPr lang="en-US" sz="2400" i="1">
@@ -10051,13 +9979,7 @@
                             <a:rPr lang="en-US" sz="2400" i="1">
                               <a:latin typeface="Cambria Math" panose="02040503050406030204" pitchFamily="18" charset="0"/>
                             </a:rPr>
-                            <m:t>1</m:t>
-                          </m:r>
-                          <m:r>
-                            <a:rPr lang="en-US" sz="2400" i="1">
-                              <a:latin typeface="Cambria Math" panose="02040503050406030204" pitchFamily="18" charset="0"/>
-                            </a:rPr>
-                            <m:t>,</m:t>
+                            <m:t>1,</m:t>
                           </m:r>
                           <m:r>
                             <a:rPr lang="en-US" sz="2400" i="1">
@@ -10111,13 +10033,7 @@
                             <a:rPr lang="en-US" sz="2400" i="1">
                               <a:latin typeface="Cambria Math" panose="02040503050406030204" pitchFamily="18" charset="0"/>
                             </a:rPr>
-                            <m:t>0</m:t>
-                          </m:r>
-                          <m:r>
-                            <a:rPr lang="en-US" sz="2400" i="1">
-                              <a:latin typeface="Cambria Math" panose="02040503050406030204" pitchFamily="18" charset="0"/>
-                            </a:rPr>
-                            <m:t>,</m:t>
+                            <m:t>0,</m:t>
                           </m:r>
                           <m:r>
                             <a:rPr lang="en-US" sz="2400" i="1">
@@ -10162,14 +10078,7 @@
                               <a:latin typeface="Cambria Math" panose="02040503050406030204" pitchFamily="18" charset="0"/>
                               <a:ea typeface="Cambria Math" panose="02040503050406030204" pitchFamily="18" charset="0"/>
                             </a:rPr>
-                            <m:t>0</m:t>
-                          </m:r>
-                          <m:r>
-                            <a:rPr lang="en-US" sz="2400" i="1">
-                              <a:latin typeface="Cambria Math" panose="02040503050406030204" pitchFamily="18" charset="0"/>
-                              <a:ea typeface="Cambria Math" panose="02040503050406030204" pitchFamily="18" charset="0"/>
-                            </a:rPr>
-                            <m:t>,</m:t>
+                            <m:t>0,</m:t>
                           </m:r>
                           <m:r>
                             <a:rPr lang="en-US" sz="2400" i="1">
@@ -10185,14 +10094,7 @@
                           <a:latin typeface="Cambria Math" panose="02040503050406030204" pitchFamily="18" charset="0"/>
                           <a:ea typeface="Cambria Math" panose="02040503050406030204" pitchFamily="18" charset="0"/>
                         </a:rPr>
-                        <m:t>=</m:t>
-                      </m:r>
-                      <m:r>
-                        <a:rPr lang="en-US" sz="2400" i="1">
-                          <a:latin typeface="Cambria Math" panose="02040503050406030204" pitchFamily="18" charset="0"/>
-                          <a:ea typeface="Cambria Math" panose="02040503050406030204" pitchFamily="18" charset="0"/>
-                        </a:rPr>
-                        <m:t>0</m:t>
+                        <m:t>=0</m:t>
                       </m:r>
                       <m:r>
                         <a:rPr lang="en-US" sz="2400" b="0" i="1" smtClean="0">
@@ -10244,14 +10146,7 @@
                               <a:latin typeface="Cambria Math" panose="02040503050406030204" pitchFamily="18" charset="0"/>
                               <a:ea typeface="Cambria Math" panose="02040503050406030204" pitchFamily="18" charset="0"/>
                             </a:rPr>
-                            <m:t>,</m:t>
-                          </m:r>
-                          <m:r>
-                            <a:rPr lang="en-US" sz="2400" i="1">
-                              <a:latin typeface="Cambria Math" panose="02040503050406030204" pitchFamily="18" charset="0"/>
-                              <a:ea typeface="Cambria Math" panose="02040503050406030204" pitchFamily="18" charset="0"/>
-                            </a:rPr>
-                            <m:t>0</m:t>
+                            <m:t>,0</m:t>
                           </m:r>
                         </m:e>
                       </m:d>
@@ -10779,19 +10674,7 @@
                       <a:rPr lang="en-US" sz="2400" i="1">
                         <a:latin typeface="Cambria Math" panose="02040503050406030204" pitchFamily="18" charset="0"/>
                       </a:rPr>
-                      <m:t>(</m:t>
-                    </m:r>
-                    <m:r>
-                      <a:rPr lang="en-US" sz="2400" i="1">
-                        <a:latin typeface="Cambria Math" panose="02040503050406030204" pitchFamily="18" charset="0"/>
-                      </a:rPr>
-                      <m:t>1</m:t>
-                    </m:r>
-                    <m:r>
-                      <a:rPr lang="en-US" sz="2400" i="1">
-                        <a:latin typeface="Cambria Math" panose="02040503050406030204" pitchFamily="18" charset="0"/>
-                      </a:rPr>
-                      <m:t>)</m:t>
+                      <m:t>(1)</m:t>
                     </m:r>
                   </m:oMath>
                 </a14:m>
@@ -10941,19 +10824,7 @@
                                     <a:rPr lang="en-US" sz="2400" i="1">
                                       <a:latin typeface="Cambria Math" panose="02040503050406030204" pitchFamily="18" charset="0"/>
                                     </a:rPr>
-                                    <m:t>(</m:t>
-                                  </m:r>
-                                  <m:r>
-                                    <a:rPr lang="en-US" sz="2400" i="1">
-                                      <a:latin typeface="Cambria Math" panose="02040503050406030204" pitchFamily="18" charset="0"/>
-                                    </a:rPr>
-                                    <m:t>1</m:t>
-                                  </m:r>
-                                  <m:r>
-                                    <a:rPr lang="en-US" sz="2400" i="1">
-                                      <a:latin typeface="Cambria Math" panose="02040503050406030204" pitchFamily="18" charset="0"/>
-                                    </a:rPr>
-                                    <m:t>)</m:t>
+                                    <m:t>(1)</m:t>
                                   </m:r>
                                 </m:num>
                                 <m:den>
@@ -11016,19 +10887,7 @@
                             <a:rPr lang="en-US" sz="2400" i="1">
                               <a:latin typeface="Cambria Math" panose="02040503050406030204" pitchFamily="18" charset="0"/>
                             </a:rPr>
-                            <m:t>1</m:t>
-                          </m:r>
-                          <m:r>
-                            <a:rPr lang="en-US" sz="2400" i="1">
-                              <a:latin typeface="Cambria Math" panose="02040503050406030204" pitchFamily="18" charset="0"/>
-                            </a:rPr>
-                            <m:t>.</m:t>
-                          </m:r>
-                          <m:r>
-                            <a:rPr lang="en-US" sz="2400" i="1">
-                              <a:latin typeface="Cambria Math" panose="02040503050406030204" pitchFamily="18" charset="0"/>
-                            </a:rPr>
-                            <m:t>5</m:t>
+                            <m:t>1.5</m:t>
                           </m:r>
                         </m:sup>
                       </m:sSup>
@@ -11072,7 +10931,7 @@
             </p:txBody>
           </p:sp>
         </mc:Choice>
-        <mc:Fallback>
+        <mc:Fallback xmlns="">
           <p:sp>
             <p:nvSpPr>
               <p:cNvPr id="16" name="TextBox 15"/>
@@ -12481,19 +12340,7 @@
             </a:pPr>
             <a:r>
               <a:rPr lang="en-US" sz="2400" dirty="0" smtClean="0"/>
-              <a:t>We have developed a method to reconstruct the </a:t>
-            </a:r>
-            <a:r>
-              <a:rPr lang="en-US" sz="2400" dirty="0" smtClean="0"/>
-              <a:t>mean architecture </a:t>
-            </a:r>
-            <a:r>
-              <a:rPr lang="en-US" sz="2400" dirty="0" smtClean="0"/>
-              <a:t>of </a:t>
-            </a:r>
-            <a:r>
-              <a:rPr lang="en-US" sz="2400" dirty="0" smtClean="0"/>
-              <a:t>a polymer using </a:t>
+              <a:t>We have developed a method to reconstruct the mean architecture of a polymer using </a:t>
             </a:r>
             <a:r>
               <a:rPr lang="en-US" sz="2400" dirty="0" err="1" smtClean="0"/>
@@ -12510,19 +12357,7 @@
             </a:pPr>
             <a:r>
               <a:rPr lang="en-US" sz="2400" dirty="0" smtClean="0"/>
-              <a:t>Examination </a:t>
-            </a:r>
-            <a:r>
-              <a:rPr lang="en-US" sz="2400" dirty="0" smtClean="0"/>
-              <a:t>of the method </a:t>
-            </a:r>
-            <a:r>
-              <a:rPr lang="en-US" sz="2400" dirty="0" smtClean="0"/>
-              <a:t>shows </a:t>
-            </a:r>
-            <a:r>
-              <a:rPr lang="en-US" sz="2400" dirty="0" smtClean="0"/>
-              <a:t>excellent agreement </a:t>
+              <a:t>Examination of the method shows excellent agreement </a:t>
             </a:r>
             <a:r>
               <a:rPr lang="en-US" sz="2400" dirty="0"/>
@@ -12530,15 +12365,7 @@
             </a:r>
             <a:r>
               <a:rPr lang="en-US" sz="2400" dirty="0" smtClean="0"/>
-              <a:t>data, exemplifies </a:t>
-            </a:r>
-            <a:r>
-              <a:rPr lang="en-US" sz="2400" dirty="0" smtClean="0"/>
-              <a:t>the </a:t>
-            </a:r>
-            <a:r>
-              <a:rPr lang="en-US" sz="2400" dirty="0" smtClean="0"/>
-              <a:t>robustness of our method;</a:t>
+              <a:t>data, exemplifies the robustness of our method;</a:t>
             </a:r>
           </a:p>
           <a:p>
@@ -12555,21 +12382,8 @@
             </a:r>
             <a:r>
               <a:rPr lang="en-US" sz="2400" dirty="0" smtClean="0"/>
-              <a:t> data based on </a:t>
-            </a:r>
-            <a:r>
-              <a:rPr lang="en-US" sz="2400" dirty="0" smtClean="0"/>
-              <a:t>the underlying  </a:t>
-            </a:r>
-            <a:r>
-              <a:rPr lang="en-US" sz="2400" dirty="0" smtClean="0"/>
-              <a:t>assumption </a:t>
-            </a:r>
-            <a:r>
-              <a:rPr lang="en-US" sz="2400" dirty="0" smtClean="0"/>
-              <a:t>of a Rouse polymer.</a:t>
-            </a:r>
-            <a:endParaRPr lang="en-US" sz="2400" dirty="0" smtClean="0"/>
+              <a:t> data based on the underlying  assumption of a Rouse polymer.</a:t>
+            </a:r>
           </a:p>
           <a:p>
             <a:pPr marL="457200" indent="-457200">
@@ -12772,11 +12586,7 @@
             </a:r>
             <a:r>
               <a:rPr lang="en-US" sz="2400"/>
-              <a:t> 157.4 (2014): </a:t>
-            </a:r>
-            <a:r>
-              <a:rPr lang="en-US" sz="2400"/>
-              <a:t>950-963</a:t>
+              <a:t> 157.4 (2014): 950-963</a:t>
             </a:r>
             <a:r>
               <a:rPr lang="en-US" sz="2400" smtClean="0"/>

--- a/Documents/epigenetic workshop/Poster.pptx
+++ b/Documents/epigenetic workshop/Poster.pptx
@@ -2979,8 +2979,8 @@
         </p:nvSpPr>
         <p:spPr>
           <a:xfrm>
-            <a:off x="23449935" y="2013369"/>
-            <a:ext cx="7503018" cy="11664732"/>
+            <a:off x="23420903" y="1994542"/>
+            <a:ext cx="7503018" cy="19420701"/>
           </a:xfrm>
           <a:prstGeom prst="rect">
             <a:avLst/>
@@ -2998,6 +2998,7 @@
           </a:bodyPr>
           <a:lstStyle/>
           <a:p>
+            <a:pPr algn="ctr"/>
             <a:r>
               <a:rPr lang="en-US" sz="4000" b="1" dirty="0" smtClean="0"/>
               <a:t>Results</a:t>
@@ -3029,7 +3030,35 @@
             </a:br>
             <a:r>
               <a:rPr lang="en-US" sz="2400" dirty="0" smtClean="0"/>
-              <a:t>To test our method we start with a known structure (Figure 7A) and simulate its dynamics to get the encounter signals. Applying our method, we get an excellent agreement with the initial structure figure 7B, as can be seen from the connectivity matrix Figure 7C. </a:t>
+              <a:t>To test our method we start with a known structure (</a:t>
+            </a:r>
+            <a:r>
+              <a:rPr lang="en-US" sz="2400" b="1" dirty="0" smtClean="0"/>
+              <a:t>Figure 7A</a:t>
+            </a:r>
+            <a:r>
+              <a:rPr lang="en-US" sz="2400" dirty="0" smtClean="0"/>
+              <a:t>) and simulate its dynamics to get the encounter signals. Applying our method, we get an excellent agreement with the initial structure </a:t>
+            </a:r>
+            <a:r>
+              <a:rPr lang="en-US" sz="2400" b="1" dirty="0" smtClean="0"/>
+              <a:t>Figure </a:t>
+            </a:r>
+            <a:r>
+              <a:rPr lang="en-US" sz="2400" b="1" dirty="0" smtClean="0"/>
+              <a:t>7B</a:t>
+            </a:r>
+            <a:r>
+              <a:rPr lang="en-US" sz="2400" dirty="0" smtClean="0"/>
+              <a:t>, as can be seen from the connectivity matrix </a:t>
+            </a:r>
+            <a:r>
+              <a:rPr lang="en-US" sz="2400" b="1" dirty="0" smtClean="0"/>
+              <a:t>Figure 7C</a:t>
+            </a:r>
+            <a:r>
+              <a:rPr lang="en-US" sz="2400" dirty="0" smtClean="0"/>
+              <a:t>. </a:t>
             </a:r>
           </a:p>
           <a:p>
@@ -3087,9 +3116,16 @@
             <a:endParaRPr lang="en-US" sz="2400" dirty="0"/>
           </a:p>
           <a:p>
+            <a:endParaRPr lang="en-US" sz="2400" b="1" dirty="0" smtClean="0"/>
+          </a:p>
+          <a:p>
             <a:r>
               <a:rPr lang="en-US" sz="2400" b="1" dirty="0" smtClean="0"/>
-              <a:t>Reconstruction of the </a:t>
+              <a:t>Reconstruction </a:t>
+            </a:r>
+            <a:r>
+              <a:rPr lang="en-US" sz="2400" b="1" dirty="0" smtClean="0"/>
+              <a:t>of the </a:t>
             </a:r>
             <a:r>
               <a:rPr lang="en-US" sz="2400" b="1" dirty="0" err="1" smtClean="0"/>
@@ -3117,6 +3153,65 @@
               <a:rPr lang="en-US" sz="2400" dirty="0" smtClean="0"/>
               <a:t> </a:t>
             </a:r>
+          </a:p>
+          <a:p>
+            <a:endParaRPr lang="en-US" sz="2400" b="1" dirty="0"/>
+          </a:p>
+          <a:p>
+            <a:endParaRPr lang="en-US" sz="2400" b="1" dirty="0" smtClean="0"/>
+          </a:p>
+          <a:p>
+            <a:endParaRPr lang="en-US" sz="2400" b="1" dirty="0"/>
+          </a:p>
+          <a:p>
+            <a:endParaRPr lang="en-US" sz="2400" b="1" dirty="0" smtClean="0"/>
+          </a:p>
+          <a:p>
+            <a:endParaRPr lang="en-US" sz="2400" b="1" dirty="0"/>
+          </a:p>
+          <a:p>
+            <a:endParaRPr lang="en-US" sz="2400" b="1" dirty="0" smtClean="0"/>
+          </a:p>
+          <a:p>
+            <a:endParaRPr lang="en-US" sz="2400" b="1" dirty="0"/>
+          </a:p>
+          <a:p>
+            <a:endParaRPr lang="en-US" sz="2400" b="1" dirty="0" smtClean="0"/>
+          </a:p>
+          <a:p>
+            <a:endParaRPr lang="en-US" sz="2400" b="1" dirty="0"/>
+          </a:p>
+          <a:p>
+            <a:endParaRPr lang="en-US" sz="2400" b="1" dirty="0" smtClean="0"/>
+          </a:p>
+          <a:p>
+            <a:endParaRPr lang="en-US" sz="2400" b="1" dirty="0"/>
+          </a:p>
+          <a:p>
+            <a:endParaRPr lang="en-US" sz="2400" b="1" dirty="0" smtClean="0"/>
+          </a:p>
+          <a:p>
+            <a:endParaRPr lang="en-US" sz="2400" b="1" dirty="0"/>
+          </a:p>
+          <a:p>
+            <a:endParaRPr lang="en-US" sz="2400" b="1" dirty="0" smtClean="0"/>
+          </a:p>
+          <a:p>
+            <a:endParaRPr lang="en-US" sz="2400" b="1" dirty="0"/>
+          </a:p>
+          <a:p>
+            <a:endParaRPr lang="en-US" sz="2400" b="1" dirty="0" smtClean="0"/>
+          </a:p>
+          <a:p>
+            <a:endParaRPr lang="en-US" sz="2400" b="1" dirty="0"/>
+          </a:p>
+          <a:p>
+            <a:endParaRPr lang="en-US" sz="2400" b="1" dirty="0" smtClean="0"/>
+          </a:p>
+          <a:p>
+            <a:endParaRPr lang="en-US" sz="2400" b="1" dirty="0"/>
+          </a:p>
+          <a:p>
             <a:endParaRPr lang="en-US" sz="2400" b="1" dirty="0"/>
           </a:p>
         </p:txBody>
@@ -3155,27 +3250,24 @@
           </a:bodyPr>
           <a:lstStyle/>
           <a:p>
-            <a:r>
-              <a:rPr lang="en-US" sz="3937" dirty="0" smtClean="0"/>
-              <a:t>             </a:t>
-            </a:r>
-            <a:r>
-              <a:rPr lang="en-US" sz="4400" dirty="0"/>
-              <a:t>Reconstruction of the X-inactivation center structure using </a:t>
-            </a:r>
-            <a:r>
-              <a:rPr lang="en-US" sz="4400" dirty="0" err="1"/>
+            <a:pPr algn="ctr"/>
+            <a:r>
+              <a:rPr lang="en-US" sz="4000" dirty="0"/>
+              <a:t>Reconstruction of the chromatin organization using </a:t>
+            </a:r>
+            <a:r>
+              <a:rPr lang="en-US" sz="4000" dirty="0" err="1"/>
               <a:t>HiC</a:t>
             </a:r>
             <a:r>
-              <a:rPr lang="en-US" sz="4400" dirty="0"/>
+              <a:rPr lang="en-US" sz="4000" dirty="0"/>
               <a:t> encounter frequency maps </a:t>
             </a:r>
           </a:p>
           <a:p>
             <a:pPr algn="ctr"/>
             <a:r>
-              <a:rPr lang="en-US" sz="3480" dirty="0"/>
+              <a:rPr lang="en-US" sz="3480" dirty="0" smtClean="0"/>
               <a:t>Ofir </a:t>
             </a:r>
             <a:r>
@@ -3198,20 +3290,8 @@
           <a:p>
             <a:pPr algn="ctr"/>
             <a:r>
-              <a:rPr lang="en-US" sz="3480" dirty="0" err="1"/>
-              <a:t>Departement</a:t>
-            </a:r>
-            <a:r>
               <a:rPr lang="en-US" sz="3480" dirty="0"/>
-              <a:t> de </a:t>
-            </a:r>
-            <a:r>
-              <a:rPr lang="en-US" sz="3480" dirty="0" err="1"/>
-              <a:t>Biologie</a:t>
-            </a:r>
-            <a:r>
-              <a:rPr lang="en-US" sz="3480" dirty="0"/>
-              <a:t>, </a:t>
+              <a:t>IBENS, </a:t>
             </a:r>
             <a:r>
               <a:rPr lang="en-US" sz="3480" dirty="0" err="1"/>
@@ -3235,7 +3315,19 @@
             </a:r>
             <a:r>
               <a:rPr lang="en-US" sz="3480" dirty="0"/>
-              <a:t>, 46 rue </a:t>
+              <a:t> </a:t>
+            </a:r>
+            <a:r>
+              <a:rPr lang="en-US" sz="3480" dirty="0" smtClean="0"/>
+              <a:t>,</a:t>
+            </a:r>
+            <a:r>
+              <a:rPr lang="en-US" sz="3480" dirty="0" smtClean="0"/>
+              <a:t> </a:t>
+            </a:r>
+            <a:r>
+              <a:rPr lang="en-US" sz="3480" dirty="0"/>
+              <a:t>46 rue </a:t>
             </a:r>
             <a:r>
               <a:rPr lang="en-US" sz="3480" dirty="0" err="1"/>
@@ -3305,6 +3397,7 @@
           </a:bodyPr>
           <a:lstStyle/>
           <a:p>
+            <a:pPr algn="ctr"/>
             <a:r>
               <a:rPr lang="en-US" sz="4000" b="1" dirty="0" smtClean="0"/>
               <a:t>Goal</a:t>
@@ -3415,14 +3508,10 @@
             </a:r>
             <a:r>
               <a:rPr lang="en-US" sz="2400" dirty="0" smtClean="0"/>
-              <a:t>microstructure of the examined cells, allowing </a:t>
-            </a:r>
-            <a:r>
-              <a:rPr lang="en-US" sz="2400" smtClean="0"/>
-              <a:t>further </a:t>
-            </a:r>
-            <a:r>
-              <a:rPr lang="en-US" sz="2400" smtClean="0"/>
+              <a:t>microstructure of the examined cells, allowing further </a:t>
+            </a:r>
+            <a:r>
+              <a:rPr lang="en-US" sz="2400" dirty="0" smtClean="0"/>
               <a:t>analysis </a:t>
             </a:r>
             <a:r>
@@ -3441,6 +3530,7 @@
             <a:endParaRPr lang="en-US" sz="2400" dirty="0"/>
           </a:p>
           <a:p>
+            <a:pPr algn="ctr"/>
             <a:r>
               <a:rPr lang="en-US" sz="4000" b="1" dirty="0" smtClean="0"/>
               <a:t>Background</a:t>
@@ -3556,7 +3646,15 @@
             </a:r>
             <a:r>
               <a:rPr lang="en-US" sz="2400" dirty="0"/>
-              <a:t>subset of  ~1Mb region of the X-chromosome around the X- inactivation center , provided by </a:t>
+              <a:t>subset of  ~1Mb region of the X-chromosome around the X- inactivation </a:t>
+            </a:r>
+            <a:r>
+              <a:rPr lang="en-US" sz="2400" dirty="0" smtClean="0"/>
+              <a:t>center, </a:t>
+            </a:r>
+            <a:r>
+              <a:rPr lang="en-US" sz="2400" dirty="0"/>
+              <a:t>provided by </a:t>
             </a:r>
             <a:r>
               <a:rPr lang="en-US" sz="2400" dirty="0" err="1" smtClean="0"/>
@@ -3585,8 +3683,8 @@
           </a:p>
         </p:txBody>
       </p:sp>
-      <mc:AlternateContent xmlns:mc="http://schemas.openxmlformats.org/markup-compatibility/2006" xmlns:a14="http://schemas.microsoft.com/office/drawing/2010/main">
-        <mc:Choice Requires="a14">
+      <mc:AlternateContent xmlns:mc="http://schemas.openxmlformats.org/markup-compatibility/2006">
+        <mc:Choice xmlns:a14="http://schemas.microsoft.com/office/drawing/2010/main" Requires="a14">
           <p:sp>
             <p:nvSpPr>
               <p:cNvPr id="11" name="TextBox 10"/>
@@ -3614,6 +3712,7 @@
               </a:bodyPr>
               <a:lstStyle/>
               <a:p>
+                <a:pPr algn="ctr"/>
                 <a:r>
                   <a:rPr lang="en-US" sz="4000" b="1" dirty="0" smtClean="0"/>
                   <a:t>Methods</a:t>
@@ -3897,7 +3996,14 @@
                               <a:latin typeface="Cambria Math" panose="02040503050406030204" pitchFamily="18" charset="0"/>
                               <a:ea typeface="Cambria Math" panose="02040503050406030204" pitchFamily="18" charset="0"/>
                             </a:rPr>
-                            <m:t>=1</m:t>
+                            <m:t>=</m:t>
+                          </m:r>
+                          <m:r>
+                            <a:rPr lang="en-US" sz="2400" b="0" i="1" smtClean="0">
+                              <a:latin typeface="Cambria Math" panose="02040503050406030204" pitchFamily="18" charset="0"/>
+                              <a:ea typeface="Cambria Math" panose="02040503050406030204" pitchFamily="18" charset="0"/>
+                            </a:rPr>
+                            <m:t>1</m:t>
                           </m:r>
                         </m:sub>
                         <m:sup>
@@ -4129,7 +4235,13 @@
                       <a:rPr lang="en-US" sz="2400" b="0" i="1" smtClean="0">
                         <a:latin typeface="Cambria Math" panose="02040503050406030204" pitchFamily="18" charset="0"/>
                       </a:rPr>
-                      <m:t>=1</m:t>
+                      <m:t>=</m:t>
+                    </m:r>
+                    <m:r>
+                      <a:rPr lang="en-US" sz="2400" b="0" i="1" smtClean="0">
+                        <a:latin typeface="Cambria Math" panose="02040503050406030204" pitchFamily="18" charset="0"/>
+                      </a:rPr>
+                      <m:t>1</m:t>
                     </m:r>
                   </m:oMath>
                 </a14:m>
@@ -4600,7 +4712,15 @@
                 </a:r>
                 <a:r>
                   <a:rPr lang="en-US" sz="2400" dirty="0" smtClean="0"/>
-                  <a:t>polymer of N beads (Figure 2A), </a:t>
+                  <a:t>polymer of N beads (</a:t>
+                </a:r>
+                <a:r>
+                  <a:rPr lang="en-US" sz="2400" b="1" dirty="0" smtClean="0"/>
+                  <a:t>Figure 2A</a:t>
+                </a:r>
+                <a:r>
+                  <a:rPr lang="en-US" sz="2400" dirty="0" smtClean="0"/>
+                  <a:t>), </a:t>
                 </a:r>
                 <a:r>
                   <a:rPr lang="en-US" sz="2400" dirty="0"/>
@@ -4842,7 +4962,19 @@
                           <a:rPr lang="en-US" sz="2400" i="1">
                             <a:latin typeface="Cambria Math" panose="02040503050406030204" pitchFamily="18" charset="0"/>
                           </a:rPr>
-                          <m:t>1.5</m:t>
+                          <m:t>1</m:t>
+                        </m:r>
+                        <m:r>
+                          <a:rPr lang="en-US" sz="2400" i="1">
+                            <a:latin typeface="Cambria Math" panose="02040503050406030204" pitchFamily="18" charset="0"/>
+                          </a:rPr>
+                          <m:t>.</m:t>
+                        </m:r>
+                        <m:r>
+                          <a:rPr lang="en-US" sz="2400" i="1">
+                            <a:latin typeface="Cambria Math" panose="02040503050406030204" pitchFamily="18" charset="0"/>
+                          </a:rPr>
+                          <m:t>5</m:t>
                         </m:r>
                       </m:sup>
                     </m:sSup>
@@ -5185,7 +5317,15 @@
                 </a14:m>
                 <a:r>
                   <a:rPr lang="en-US" sz="2400" dirty="0" smtClean="0"/>
-                  <a:t> beads (Figure 2B) behave like Brownian bridges, with distance distribution </a:t>
+                  <a:t> beads (</a:t>
+                </a:r>
+                <a:r>
+                  <a:rPr lang="en-US" sz="2400" b="1" dirty="0" smtClean="0"/>
+                  <a:t>Figure 2B</a:t>
+                </a:r>
+                <a:r>
+                  <a:rPr lang="en-US" sz="2400" dirty="0" smtClean="0"/>
+                  <a:t>) behave like Brownian bridges, with distance distribution </a:t>
                 </a:r>
               </a:p>
               <a:p>
@@ -5473,7 +5613,19 @@
                             <a:rPr lang="en-US" sz="2400" b="0" i="1" smtClean="0">
                               <a:latin typeface="Cambria Math" panose="02040503050406030204" pitchFamily="18" charset="0"/>
                             </a:rPr>
-                            <m:t>1.5</m:t>
+                            <m:t>1</m:t>
+                          </m:r>
+                          <m:r>
+                            <a:rPr lang="en-US" sz="2400" b="0" i="1" smtClean="0">
+                              <a:latin typeface="Cambria Math" panose="02040503050406030204" pitchFamily="18" charset="0"/>
+                            </a:rPr>
+                            <m:t>.</m:t>
+                          </m:r>
+                          <m:r>
+                            <a:rPr lang="en-US" sz="2400" b="0" i="1" smtClean="0">
+                              <a:latin typeface="Cambria Math" panose="02040503050406030204" pitchFamily="18" charset="0"/>
+                            </a:rPr>
+                            <m:t>5</m:t>
                           </m:r>
                         </m:sup>
                       </m:sSup>
@@ -5721,7 +5873,15 @@
               <a:p>
                 <a:r>
                   <a:rPr lang="en-US" sz="2400" dirty="0" smtClean="0"/>
-                  <a:t>For a structure containing a loop and a chain (Figure 2C), the bead distance distribution for bead n and m is given by the addition of two normally distributed vectors, which results in a normal distribution by the convolution of the two pdfs of a chain and a ring.</a:t>
+                  <a:t>For a structure containing a loop and a chain (</a:t>
+                </a:r>
+                <a:r>
+                  <a:rPr lang="en-US" sz="2400" b="1" dirty="0" smtClean="0"/>
+                  <a:t>Figure 2C</a:t>
+                </a:r>
+                <a:r>
+                  <a:rPr lang="en-US" sz="2400" dirty="0" smtClean="0"/>
+                  <a:t>), the bead distance distribution for bead n and m is given by the addition of two normally distributed vectors, which results in a normal distribution by the convolution of the two pdfs of a chain and a ring.</a:t>
                 </a:r>
               </a:p>
               <a:p>
@@ -5880,7 +6040,7 @@
             </p:txBody>
           </p:sp>
         </mc:Choice>
-        <mc:Fallback xmlns="">
+        <mc:Fallback>
           <p:sp>
             <p:nvSpPr>
               <p:cNvPr id="11" name="TextBox 10"/>
@@ -5900,7 +6060,7 @@
               <a:blipFill rotWithShape="0">
                 <a:blip r:embed="rId3"/>
                 <a:stretch>
-                  <a:fillRect l="-2907" t="-419" r="-1827"/>
+                  <a:fillRect l="-2076" t="-419" r="-1827"/>
                 </a:stretch>
               </a:blipFill>
             </p:spPr>
@@ -9606,7 +9766,7 @@
             <p:spPr>
               <a:xfrm>
                 <a:off x="421346" y="11903665"/>
-                <a:ext cx="4088743" cy="707886"/>
+                <a:ext cx="4088743" cy="584775"/>
               </a:xfrm>
               <a:prstGeom prst="rect">
                 <a:avLst/>
@@ -9620,10 +9780,10 @@
               <a:lstStyle/>
               <a:p>
                 <a:r>
-                  <a:rPr lang="en-US" sz="4000" b="1" dirty="0" smtClean="0"/>
+                  <a:rPr lang="en-US" sz="3200" b="1" dirty="0" smtClean="0"/>
                   <a:t>Figure 1</a:t>
                 </a:r>
-                <a:endParaRPr lang="en-US" sz="4000" b="1" dirty="0"/>
+                <a:endParaRPr lang="en-US" sz="3200" b="1" dirty="0"/>
               </a:p>
             </p:txBody>
           </p:sp>
@@ -9689,8 +9849,8 @@
           </p:txBody>
         </p:sp>
       </p:grpSp>
-      <mc:AlternateContent xmlns:mc="http://schemas.openxmlformats.org/markup-compatibility/2006" xmlns:a14="http://schemas.microsoft.com/office/drawing/2010/main">
-        <mc:Choice Requires="a14">
+      <mc:AlternateContent xmlns:mc="http://schemas.openxmlformats.org/markup-compatibility/2006">
+        <mc:Choice xmlns:a14="http://schemas.microsoft.com/office/drawing/2010/main" Requires="a14">
           <p:sp>
             <p:nvSpPr>
               <p:cNvPr id="16" name="TextBox 15"/>
@@ -9717,6 +9877,7 @@
               </a:bodyPr>
               <a:lstStyle/>
               <a:p>
+                <a:pPr algn="ctr"/>
                 <a:r>
                   <a:rPr lang="en-US" sz="4000" b="1" dirty="0" smtClean="0"/>
                   <a:t>Methods cont.</a:t>
@@ -9778,7 +9939,15 @@
                 </a14:m>
                 <a:r>
                   <a:rPr lang="en-US" sz="2400" dirty="0"/>
-                  <a:t> (see Figure 3A). We, thus, arrive at solving the inverse heat equation with an unknown source. </a:t>
+                  <a:t> (see </a:t>
+                </a:r>
+                <a:r>
+                  <a:rPr lang="en-US" sz="2400" b="1" dirty="0"/>
+                  <a:t>Figure 3A</a:t>
+                </a:r>
+                <a:r>
+                  <a:rPr lang="en-US" sz="2400" dirty="0"/>
+                  <a:t>). We, thus, arrive at solving the inverse heat equation with an unknown source. </a:t>
                 </a:r>
               </a:p>
               <a:p>
@@ -9878,7 +10047,19 @@
                         <a:rPr lang="en-US" sz="2400" i="1">
                           <a:latin typeface="Cambria Math" panose="02040503050406030204" pitchFamily="18" charset="0"/>
                         </a:rPr>
-                        <m:t>,    0&lt;</m:t>
+                        <m:t>,    </m:t>
+                      </m:r>
+                      <m:r>
+                        <a:rPr lang="en-US" sz="2400" i="1">
+                          <a:latin typeface="Cambria Math" panose="02040503050406030204" pitchFamily="18" charset="0"/>
+                        </a:rPr>
+                        <m:t>0</m:t>
+                      </m:r>
+                      <m:r>
+                        <a:rPr lang="en-US" sz="2400" i="1">
+                          <a:latin typeface="Cambria Math" panose="02040503050406030204" pitchFamily="18" charset="0"/>
+                        </a:rPr>
+                        <m:t>&lt;</m:t>
                       </m:r>
                       <m:r>
                         <a:rPr lang="en-US" sz="2400" i="1">
@@ -9890,7 +10071,19 @@
                         <a:rPr lang="en-US" sz="2400" i="1">
                           <a:latin typeface="Cambria Math" panose="02040503050406030204" pitchFamily="18" charset="0"/>
                         </a:rPr>
-                        <m:t>&lt;1,  </m:t>
+                        <m:t>&lt;</m:t>
+                      </m:r>
+                      <m:r>
+                        <a:rPr lang="en-US" sz="2400" i="1">
+                          <a:latin typeface="Cambria Math" panose="02040503050406030204" pitchFamily="18" charset="0"/>
+                        </a:rPr>
+                        <m:t>1</m:t>
+                      </m:r>
+                      <m:r>
+                        <a:rPr lang="en-US" sz="2400" i="1">
+                          <a:latin typeface="Cambria Math" panose="02040503050406030204" pitchFamily="18" charset="0"/>
+                        </a:rPr>
+                        <m:t>,  </m:t>
                       </m:r>
                       <m:r>
                         <a:rPr lang="en-US" sz="2400" i="1">
@@ -9903,7 +10096,14 @@
                           <a:latin typeface="Cambria Math" panose="02040503050406030204" pitchFamily="18" charset="0"/>
                           <a:ea typeface="Cambria Math" panose="02040503050406030204" pitchFamily="18" charset="0"/>
                         </a:rPr>
-                        <m:t>≥0</m:t>
+                        <m:t>≥</m:t>
+                      </m:r>
+                      <m:r>
+                        <a:rPr lang="en-US" sz="2400" i="1">
+                          <a:latin typeface="Cambria Math" panose="02040503050406030204" pitchFamily="18" charset="0"/>
+                          <a:ea typeface="Cambria Math" panose="02040503050406030204" pitchFamily="18" charset="0"/>
+                        </a:rPr>
+                        <m:t>0</m:t>
                       </m:r>
                     </m:oMath>
                   </m:oMathPara>
@@ -9944,7 +10144,13 @@
                             <a:rPr lang="en-US" sz="2400" i="1">
                               <a:latin typeface="Cambria Math" panose="02040503050406030204" pitchFamily="18" charset="0"/>
                             </a:rPr>
-                            <m:t>0,</m:t>
+                            <m:t>0</m:t>
+                          </m:r>
+                          <m:r>
+                            <a:rPr lang="en-US" sz="2400" i="1">
+                              <a:latin typeface="Cambria Math" panose="02040503050406030204" pitchFamily="18" charset="0"/>
+                            </a:rPr>
+                            <m:t>,</m:t>
                           </m:r>
                           <m:r>
                             <a:rPr lang="en-US" sz="2400" i="1">
@@ -9979,7 +10185,13 @@
                             <a:rPr lang="en-US" sz="2400" i="1">
                               <a:latin typeface="Cambria Math" panose="02040503050406030204" pitchFamily="18" charset="0"/>
                             </a:rPr>
-                            <m:t>1,</m:t>
+                            <m:t>1</m:t>
+                          </m:r>
+                          <m:r>
+                            <a:rPr lang="en-US" sz="2400" i="1">
+                              <a:latin typeface="Cambria Math" panose="02040503050406030204" pitchFamily="18" charset="0"/>
+                            </a:rPr>
+                            <m:t>,</m:t>
                           </m:r>
                           <m:r>
                             <a:rPr lang="en-US" sz="2400" i="1">
@@ -10033,7 +10245,13 @@
                             <a:rPr lang="en-US" sz="2400" i="1">
                               <a:latin typeface="Cambria Math" panose="02040503050406030204" pitchFamily="18" charset="0"/>
                             </a:rPr>
-                            <m:t>0,</m:t>
+                            <m:t>0</m:t>
+                          </m:r>
+                          <m:r>
+                            <a:rPr lang="en-US" sz="2400" i="1">
+                              <a:latin typeface="Cambria Math" panose="02040503050406030204" pitchFamily="18" charset="0"/>
+                            </a:rPr>
+                            <m:t>,</m:t>
                           </m:r>
                           <m:r>
                             <a:rPr lang="en-US" sz="2400" i="1">
@@ -10078,7 +10296,14 @@
                               <a:latin typeface="Cambria Math" panose="02040503050406030204" pitchFamily="18" charset="0"/>
                               <a:ea typeface="Cambria Math" panose="02040503050406030204" pitchFamily="18" charset="0"/>
                             </a:rPr>
-                            <m:t>0,</m:t>
+                            <m:t>0</m:t>
+                          </m:r>
+                          <m:r>
+                            <a:rPr lang="en-US" sz="2400" i="1">
+                              <a:latin typeface="Cambria Math" panose="02040503050406030204" pitchFamily="18" charset="0"/>
+                              <a:ea typeface="Cambria Math" panose="02040503050406030204" pitchFamily="18" charset="0"/>
+                            </a:rPr>
+                            <m:t>,</m:t>
                           </m:r>
                           <m:r>
                             <a:rPr lang="en-US" sz="2400" i="1">
@@ -10094,7 +10319,14 @@
                           <a:latin typeface="Cambria Math" panose="02040503050406030204" pitchFamily="18" charset="0"/>
                           <a:ea typeface="Cambria Math" panose="02040503050406030204" pitchFamily="18" charset="0"/>
                         </a:rPr>
-                        <m:t>=0</m:t>
+                        <m:t>=</m:t>
+                      </m:r>
+                      <m:r>
+                        <a:rPr lang="en-US" sz="2400" i="1">
+                          <a:latin typeface="Cambria Math" panose="02040503050406030204" pitchFamily="18" charset="0"/>
+                          <a:ea typeface="Cambria Math" panose="02040503050406030204" pitchFamily="18" charset="0"/>
+                        </a:rPr>
+                        <m:t>0</m:t>
                       </m:r>
                       <m:r>
                         <a:rPr lang="en-US" sz="2400" b="0" i="1" smtClean="0">
@@ -10146,7 +10378,14 @@
                               <a:latin typeface="Cambria Math" panose="02040503050406030204" pitchFamily="18" charset="0"/>
                               <a:ea typeface="Cambria Math" panose="02040503050406030204" pitchFamily="18" charset="0"/>
                             </a:rPr>
-                            <m:t>,0</m:t>
+                            <m:t>,</m:t>
+                          </m:r>
+                          <m:r>
+                            <a:rPr lang="en-US" sz="2400" i="1">
+                              <a:latin typeface="Cambria Math" panose="02040503050406030204" pitchFamily="18" charset="0"/>
+                              <a:ea typeface="Cambria Math" panose="02040503050406030204" pitchFamily="18" charset="0"/>
+                            </a:rPr>
+                            <m:t>0</m:t>
                           </m:r>
                         </m:e>
                       </m:d>
@@ -10496,7 +10735,15 @@
                 </a:r>
                 <a:r>
                   <a:rPr lang="en-US" sz="2400" dirty="0" smtClean="0"/>
-                  <a:t>chain (Figure 4)</a:t>
+                  <a:t>chain (</a:t>
+                </a:r>
+                <a:r>
+                  <a:rPr lang="en-US" sz="2400" b="1" dirty="0" smtClean="0"/>
+                  <a:t>Figure 4</a:t>
+                </a:r>
+                <a:r>
+                  <a:rPr lang="en-US" sz="2400" dirty="0" smtClean="0"/>
+                  <a:t>)</a:t>
                 </a:r>
               </a:p>
               <a:p>
@@ -10674,7 +10921,19 @@
                       <a:rPr lang="en-US" sz="2400" i="1">
                         <a:latin typeface="Cambria Math" panose="02040503050406030204" pitchFamily="18" charset="0"/>
                       </a:rPr>
-                      <m:t>(1)</m:t>
+                      <m:t>(</m:t>
+                    </m:r>
+                    <m:r>
+                      <a:rPr lang="en-US" sz="2400" i="1">
+                        <a:latin typeface="Cambria Math" panose="02040503050406030204" pitchFamily="18" charset="0"/>
+                      </a:rPr>
+                      <m:t>1</m:t>
+                    </m:r>
+                    <m:r>
+                      <a:rPr lang="en-US" sz="2400" i="1">
+                        <a:latin typeface="Cambria Math" panose="02040503050406030204" pitchFamily="18" charset="0"/>
+                      </a:rPr>
+                      <m:t>)</m:t>
                     </m:r>
                   </m:oMath>
                 </a14:m>
@@ -10824,7 +11083,19 @@
                                     <a:rPr lang="en-US" sz="2400" i="1">
                                       <a:latin typeface="Cambria Math" panose="02040503050406030204" pitchFamily="18" charset="0"/>
                                     </a:rPr>
-                                    <m:t>(1)</m:t>
+                                    <m:t>(</m:t>
+                                  </m:r>
+                                  <m:r>
+                                    <a:rPr lang="en-US" sz="2400" i="1">
+                                      <a:latin typeface="Cambria Math" panose="02040503050406030204" pitchFamily="18" charset="0"/>
+                                    </a:rPr>
+                                    <m:t>1</m:t>
+                                  </m:r>
+                                  <m:r>
+                                    <a:rPr lang="en-US" sz="2400" i="1">
+                                      <a:latin typeface="Cambria Math" panose="02040503050406030204" pitchFamily="18" charset="0"/>
+                                    </a:rPr>
+                                    <m:t>)</m:t>
                                   </m:r>
                                 </m:num>
                                 <m:den>
@@ -10887,7 +11158,19 @@
                             <a:rPr lang="en-US" sz="2400" i="1">
                               <a:latin typeface="Cambria Math" panose="02040503050406030204" pitchFamily="18" charset="0"/>
                             </a:rPr>
-                            <m:t>1.5</m:t>
+                            <m:t>1</m:t>
+                          </m:r>
+                          <m:r>
+                            <a:rPr lang="en-US" sz="2400" i="1">
+                              <a:latin typeface="Cambria Math" panose="02040503050406030204" pitchFamily="18" charset="0"/>
+                            </a:rPr>
+                            <m:t>.</m:t>
+                          </m:r>
+                          <m:r>
+                            <a:rPr lang="en-US" sz="2400" i="1">
+                              <a:latin typeface="Cambria Math" panose="02040503050406030204" pitchFamily="18" charset="0"/>
+                            </a:rPr>
+                            <m:t>5</m:t>
                           </m:r>
                         </m:sup>
                       </m:sSup>
@@ -10931,7 +11214,7 @@
             </p:txBody>
           </p:sp>
         </mc:Choice>
-        <mc:Fallback xmlns="">
+        <mc:Fallback>
           <p:sp>
             <p:nvSpPr>
               <p:cNvPr id="16" name="TextBox 15"/>
@@ -10951,7 +11234,7 @@
               <a:blipFill rotWithShape="0">
                 <a:blip r:embed="rId6"/>
                 <a:stretch>
-                  <a:fillRect l="-2798" t="-419" r="-1599"/>
+                  <a:fillRect l="-1998" t="-419" r="-1599"/>
                 </a:stretch>
               </a:blipFill>
             </p:spPr>
@@ -11637,7 +11920,7 @@
         </p:nvGrpSpPr>
         <p:grpSpPr>
           <a:xfrm>
-            <a:off x="23674758" y="6960062"/>
+            <a:off x="23674758" y="6911936"/>
             <a:ext cx="6684143" cy="5138824"/>
             <a:chOff x="31388140" y="10246490"/>
             <a:chExt cx="6684143" cy="4493627"/>
@@ -12313,12 +12596,17 @@
         <p:spPr>
           <a:xfrm>
             <a:off x="31394400" y="2023505"/>
-            <a:ext cx="7239000" cy="8956298"/>
+            <a:ext cx="7239000" cy="11172289"/>
           </a:xfrm>
           <a:prstGeom prst="rect">
             <a:avLst/>
           </a:prstGeom>
-          <a:noFill/>
+          <a:solidFill>
+            <a:schemeClr val="accent1">
+              <a:lumMod val="20000"/>
+              <a:lumOff val="80000"/>
+            </a:schemeClr>
+          </a:solidFill>
         </p:spPr>
         <p:txBody>
           <a:bodyPr wrap="square" rtlCol="0">
@@ -12326,6 +12614,7 @@
           </a:bodyPr>
           <a:lstStyle/>
           <a:p>
+            <a:pPr algn="ctr"/>
             <a:r>
               <a:rPr lang="en-US" sz="4000" b="1" dirty="0" smtClean="0"/>
               <a:t>Summary</a:t>
@@ -12382,8 +12671,35 @@
             </a:r>
             <a:r>
               <a:rPr lang="en-US" sz="2400" dirty="0" smtClean="0"/>
-              <a:t> data based on the underlying  assumption of a Rouse polymer.</a:t>
-            </a:r>
+              <a:t> data based on the underlying  assumption of a Rouse polymer</a:t>
+            </a:r>
+            <a:r>
+              <a:rPr lang="en-US" sz="2400" dirty="0" smtClean="0"/>
+              <a:t>.</a:t>
+            </a:r>
+          </a:p>
+          <a:p>
+            <a:pPr marL="457200" indent="-457200">
+              <a:buFontTx/>
+              <a:buAutoNum type="arabicPeriod"/>
+            </a:pPr>
+            <a:r>
+              <a:rPr lang="en-US" sz="2400" dirty="0"/>
+              <a:t>We have offered a simple and straightforward way to adjust the spring constants for highly interacting beads </a:t>
+            </a:r>
+          </a:p>
+          <a:p>
+            <a:pPr marL="457200" indent="-457200">
+              <a:buFontTx/>
+              <a:buAutoNum type="arabicPeriod"/>
+            </a:pPr>
+            <a:r>
+              <a:rPr lang="en-US" sz="2400" dirty="0"/>
+              <a:t>Resulting structure can be simulated and analyzed for both equilibrium and non equilibrium dynamics</a:t>
+            </a:r>
+          </a:p>
+          <a:p>
+            <a:endParaRPr lang="en-US" sz="2400" dirty="0" smtClean="0"/>
           </a:p>
           <a:p>
             <a:pPr marL="457200" indent="-457200">
@@ -12392,6 +12708,7 @@
             <a:endParaRPr lang="en-US" sz="2400" dirty="0" smtClean="0"/>
           </a:p>
           <a:p>
+            <a:pPr algn="ctr"/>
             <a:r>
               <a:rPr lang="en-US" sz="4000" b="1" dirty="0" smtClean="0"/>
               <a:t>Perspectives</a:t>
@@ -12448,6 +12765,388 @@
               <a:buAutoNum type="arabicPeriod"/>
             </a:pPr>
             <a:endParaRPr lang="en-US" sz="2400" dirty="0"/>
+          </a:p>
+        </p:txBody>
+      </p:sp>
+      <p:sp>
+        <p:nvSpPr>
+          <p:cNvPr id="55" name="TextBox 54"/>
+          <p:cNvSpPr txBox="1"/>
+          <p:nvPr/>
+        </p:nvSpPr>
+        <p:spPr>
+          <a:xfrm>
+            <a:off x="31461648" y="13624945"/>
+            <a:ext cx="7053124" cy="12526506"/>
+          </a:xfrm>
+          <a:prstGeom prst="rect">
+            <a:avLst/>
+          </a:prstGeom>
+          <a:solidFill>
+            <a:schemeClr val="accent4">
+              <a:lumMod val="20000"/>
+              <a:lumOff val="80000"/>
+            </a:schemeClr>
+          </a:solidFill>
+        </p:spPr>
+        <p:txBody>
+          <a:bodyPr wrap="square" rtlCol="0">
+            <a:spAutoFit/>
+          </a:bodyPr>
+          <a:lstStyle/>
+          <a:p>
+            <a:pPr algn="just"/>
+            <a:r>
+              <a:rPr lang="en-US" sz="4000" b="1" dirty="0" smtClean="0"/>
+              <a:t>References</a:t>
+            </a:r>
+            <a:r>
+              <a:rPr lang="en-US" sz="2400" dirty="0" smtClean="0"/>
+              <a:t/>
+            </a:r>
+            <a:br>
+              <a:rPr lang="en-US" sz="2400" dirty="0" smtClean="0"/>
+            </a:br>
+            <a:endParaRPr lang="en-US" sz="2400" dirty="0" smtClean="0"/>
+          </a:p>
+          <a:p>
+            <a:r>
+              <a:rPr lang="en-US" sz="2400" dirty="0" smtClean="0"/>
+              <a:t>[</a:t>
+            </a:r>
+            <a:r>
+              <a:rPr lang="en-US" sz="2400" b="1" dirty="0"/>
+              <a:t>Nora PE 2012</a:t>
+            </a:r>
+            <a:r>
+              <a:rPr lang="en-US" sz="2400" dirty="0"/>
+              <a:t>] </a:t>
+            </a:r>
+            <a:r>
+              <a:rPr lang="en-US" sz="2400" dirty="0"/>
+              <a:t>Nora, </a:t>
+            </a:r>
+            <a:r>
+              <a:rPr lang="en-US" sz="2400" dirty="0" err="1"/>
+              <a:t>Elphège</a:t>
+            </a:r>
+            <a:r>
+              <a:rPr lang="en-US" sz="2400" dirty="0"/>
+              <a:t> P., et al. "</a:t>
+            </a:r>
+            <a:r>
+              <a:rPr lang="en-US" sz="2400" dirty="0"/>
+              <a:t>Spatial</a:t>
+            </a:r>
+            <a:br>
+              <a:rPr lang="en-US" sz="2400" dirty="0"/>
+            </a:br>
+            <a:r>
+              <a:rPr lang="en-US" sz="2400" dirty="0"/>
+              <a:t>partitioning </a:t>
+            </a:r>
+            <a:r>
+              <a:rPr lang="en-US" sz="2400" dirty="0"/>
+              <a:t>of the regulatory landscape of the X-inactivation </a:t>
+            </a:r>
+            <a:r>
+              <a:rPr lang="en-US" sz="2400" dirty="0" err="1"/>
+              <a:t>centre</a:t>
+            </a:r>
+            <a:r>
+              <a:rPr lang="en-US" sz="2400" dirty="0"/>
+              <a:t>." Nature 485.7398 (2012): 381-385</a:t>
+            </a:r>
+            <a:r>
+              <a:rPr lang="en-US" sz="2400" dirty="0"/>
+              <a:t>.</a:t>
+            </a:r>
+          </a:p>
+          <a:p>
+            <a:endParaRPr lang="en-US" sz="2400" dirty="0"/>
+          </a:p>
+          <a:p>
+            <a:r>
+              <a:rPr lang="en-US" sz="2400" dirty="0"/>
+              <a:t>[</a:t>
+            </a:r>
+            <a:r>
+              <a:rPr lang="en-US" sz="2400" b="1" dirty="0"/>
+              <a:t>Luca G 2014</a:t>
+            </a:r>
+            <a:r>
+              <a:rPr lang="en-US" sz="2400" dirty="0"/>
+              <a:t>] </a:t>
+            </a:r>
+            <a:r>
+              <a:rPr lang="en-US" sz="2400" dirty="0" err="1"/>
+              <a:t>Giorgetti</a:t>
+            </a:r>
+            <a:r>
+              <a:rPr lang="en-US" sz="2400" dirty="0"/>
+              <a:t>, Luca, et al. "Predictive polymer modeling reveals coupled fluctuations in chromosome conformation and transcription." Cell 157.4 (2014): 950-963</a:t>
+            </a:r>
+            <a:r>
+              <a:rPr lang="en-US" sz="2400" dirty="0"/>
+              <a:t>.</a:t>
+            </a:r>
+          </a:p>
+          <a:p>
+            <a:endParaRPr lang="en-US" sz="2400" dirty="0"/>
+          </a:p>
+          <a:p>
+            <a:r>
+              <a:rPr lang="en-US" sz="2400" dirty="0"/>
+              <a:t>[</a:t>
+            </a:r>
+            <a:r>
+              <a:rPr lang="en-US" sz="2400" b="1" dirty="0" err="1"/>
+              <a:t>Farcas</a:t>
+            </a:r>
+            <a:r>
+              <a:rPr lang="en-US" sz="2400" b="1" dirty="0"/>
+              <a:t> </a:t>
+            </a:r>
+            <a:r>
+              <a:rPr lang="en-US" sz="2400" b="1" dirty="0" smtClean="0"/>
+              <a:t>, </a:t>
+            </a:r>
+            <a:r>
+              <a:rPr lang="en-US" sz="2400" b="1" dirty="0" err="1"/>
+              <a:t>Lesnic</a:t>
+            </a:r>
+            <a:r>
+              <a:rPr lang="en-US" sz="2400" b="1" dirty="0"/>
+              <a:t> 2006</a:t>
+            </a:r>
+            <a:r>
+              <a:rPr lang="en-US" sz="2400" dirty="0"/>
+              <a:t>] </a:t>
+            </a:r>
+            <a:r>
+              <a:rPr lang="en-US" sz="2400" dirty="0" err="1"/>
+              <a:t>Farcas</a:t>
+            </a:r>
+            <a:r>
+              <a:rPr lang="en-US" sz="2400" dirty="0"/>
+              <a:t>, Adrian, and Daniel </a:t>
+            </a:r>
+            <a:r>
+              <a:rPr lang="en-US" sz="2400" dirty="0" err="1"/>
+              <a:t>Lesnic</a:t>
+            </a:r>
+            <a:r>
+              <a:rPr lang="en-US" sz="2400" dirty="0"/>
+              <a:t>. "The boundary-element method for the determination of a heat source dependent on one variable." Journal of Engineering Mathematics 54.4 (2006): 375-388.</a:t>
+            </a:r>
+          </a:p>
+          <a:p>
+            <a:endParaRPr lang="en-US" sz="2400" dirty="0"/>
+          </a:p>
+          <a:p>
+            <a:r>
+              <a:rPr lang="en-US" sz="2400" dirty="0"/>
+              <a:t>[</a:t>
+            </a:r>
+            <a:r>
+              <a:rPr lang="en-US" sz="2400" b="1" dirty="0" err="1"/>
+              <a:t>Hazanee</a:t>
+            </a:r>
+            <a:r>
+              <a:rPr lang="en-US" sz="2400" b="1" dirty="0"/>
+              <a:t> 11</a:t>
+            </a:r>
+            <a:r>
+              <a:rPr lang="en-US" sz="2400" dirty="0"/>
+              <a:t>] </a:t>
+            </a:r>
+            <a:r>
+              <a:rPr lang="en-US" sz="2400" dirty="0" err="1"/>
+              <a:t>Hazanee</a:t>
+            </a:r>
+            <a:r>
+              <a:rPr lang="en-US" sz="2400" dirty="0"/>
+              <a:t>, A., et al. "An inverse time-dependent source problem for the heat equation." Applied Numerical Mathematics 69 (2013): 13-33.</a:t>
+            </a:r>
+          </a:p>
+          <a:p>
+            <a:endParaRPr lang="en-US" sz="2400" dirty="0"/>
+          </a:p>
+          <a:p>
+            <a:pPr marL="457200" indent="-457200"/>
+            <a:r>
+              <a:rPr lang="en-US" sz="2400" dirty="0"/>
+              <a:t>[</a:t>
+            </a:r>
+            <a:r>
+              <a:rPr lang="en-US" sz="2400" b="1" dirty="0" err="1"/>
+              <a:t>Amitai</a:t>
+            </a:r>
+            <a:r>
+              <a:rPr lang="en-US" sz="2400" b="1" dirty="0"/>
+              <a:t> A, </a:t>
+            </a:r>
+            <a:r>
+              <a:rPr lang="en-US" sz="2400" b="1" dirty="0" err="1"/>
+              <a:t>Holcman</a:t>
+            </a:r>
+            <a:r>
+              <a:rPr lang="en-US" sz="2400" b="1" dirty="0"/>
+              <a:t> D 2013</a:t>
+            </a:r>
+            <a:r>
+              <a:rPr lang="en-US" sz="2400" dirty="0"/>
+              <a:t>] Computing DNA </a:t>
+            </a:r>
+            <a:endParaRPr lang="en-US" sz="2400" dirty="0" smtClean="0"/>
+          </a:p>
+          <a:p>
+            <a:pPr marL="457200" indent="-457200"/>
+            <a:r>
+              <a:rPr lang="en-US" sz="2400" dirty="0" smtClean="0"/>
+              <a:t>Looping</a:t>
+            </a:r>
+            <a:r>
+              <a:rPr lang="en-US" sz="2400" dirty="0"/>
+              <a:t>, </a:t>
+            </a:r>
+            <a:r>
+              <a:rPr lang="en-US" sz="2400" dirty="0" smtClean="0"/>
+              <a:t>Stat</a:t>
+            </a:r>
+            <a:r>
+              <a:rPr lang="en-US" sz="2400" dirty="0"/>
+              <a:t>. </a:t>
+            </a:r>
+            <a:r>
+              <a:rPr lang="en-US" sz="2400" dirty="0"/>
+              <a:t>Phys. </a:t>
+            </a:r>
+            <a:r>
+              <a:rPr lang="en-US" sz="2400" dirty="0"/>
+              <a:t>2013 </a:t>
+            </a:r>
+            <a:endParaRPr lang="en-US" sz="2400" dirty="0" smtClean="0"/>
+          </a:p>
+          <a:p>
+            <a:pPr marL="457200" indent="-457200"/>
+            <a:endParaRPr lang="en-US" sz="2400" dirty="0"/>
+          </a:p>
+          <a:p>
+            <a:pPr marL="457200" indent="-457200"/>
+            <a:r>
+              <a:rPr lang="en-US" sz="2400" dirty="0"/>
+              <a:t>[</a:t>
+            </a:r>
+            <a:r>
+              <a:rPr lang="en-US" sz="2400" b="1" dirty="0" err="1"/>
+              <a:t>Amitai</a:t>
+            </a:r>
+            <a:r>
+              <a:rPr lang="en-US" sz="2400" b="1" dirty="0"/>
+              <a:t> A, </a:t>
+            </a:r>
+            <a:r>
+              <a:rPr lang="en-US" sz="2400" b="1" dirty="0" err="1"/>
+              <a:t>Holcman</a:t>
+            </a:r>
+            <a:r>
+              <a:rPr lang="en-US" sz="2400" b="1" dirty="0"/>
+              <a:t> D 2013</a:t>
+            </a:r>
+            <a:r>
+              <a:rPr lang="en-US" sz="2400" dirty="0"/>
+              <a:t>] beta-model application </a:t>
+            </a:r>
+            <a:endParaRPr lang="en-US" sz="2400" dirty="0" smtClean="0"/>
+          </a:p>
+          <a:p>
+            <a:pPr marL="457200" indent="-457200"/>
+            <a:r>
+              <a:rPr lang="en-US" sz="2400" dirty="0" smtClean="0"/>
+              <a:t>to </a:t>
+            </a:r>
+            <a:r>
+              <a:rPr lang="en-US" sz="2400" dirty="0"/>
+              <a:t>DNA modeling in the nucleus, PRE 88, 052604 </a:t>
+            </a:r>
+            <a:endParaRPr lang="en-US" sz="2400" dirty="0" smtClean="0"/>
+          </a:p>
+          <a:p>
+            <a:pPr marL="457200" indent="-457200"/>
+            <a:r>
+              <a:rPr lang="en-US" sz="2400" dirty="0" smtClean="0"/>
+              <a:t>2013 </a:t>
+            </a:r>
+            <a:endParaRPr lang="en-US" sz="2400" dirty="0"/>
+          </a:p>
+          <a:p>
+            <a:pPr marL="457200" indent="-457200"/>
+            <a:endParaRPr lang="en-US" sz="2400" dirty="0"/>
+          </a:p>
+          <a:p>
+            <a:pPr marL="457200" indent="-457200"/>
+            <a:r>
+              <a:rPr lang="en-US" sz="2400" dirty="0"/>
+              <a:t>[</a:t>
+            </a:r>
+            <a:r>
+              <a:rPr lang="en-US" sz="2400" b="1" dirty="0" err="1"/>
+              <a:t>Amitai</a:t>
+            </a:r>
+            <a:r>
+              <a:rPr lang="en-US" sz="2400" b="1" dirty="0"/>
+              <a:t> A, </a:t>
+            </a:r>
+            <a:r>
+              <a:rPr lang="en-US" sz="2400" b="1" dirty="0" err="1"/>
+              <a:t>Holcman</a:t>
+            </a:r>
+            <a:r>
+              <a:rPr lang="en-US" sz="2400" b="1" dirty="0"/>
+              <a:t> D</a:t>
+            </a:r>
+            <a:r>
+              <a:rPr lang="en-US" sz="2400" dirty="0"/>
+              <a:t>], Diffusing Polymers in</a:t>
+            </a:r>
+          </a:p>
+          <a:p>
+            <a:pPr marL="457200" indent="-457200"/>
+            <a:r>
+              <a:rPr lang="en-US" sz="2400" dirty="0"/>
+              <a:t> Confined </a:t>
+            </a:r>
+            <a:r>
+              <a:rPr lang="en-US" sz="2400" dirty="0" err="1"/>
+              <a:t>Microdomains</a:t>
+            </a:r>
+            <a:r>
+              <a:rPr lang="en-US" sz="2400" dirty="0"/>
+              <a:t> and Estimation of </a:t>
+            </a:r>
+          </a:p>
+          <a:p>
+            <a:pPr marL="457200" indent="-457200"/>
+            <a:r>
+              <a:rPr lang="en-US" sz="2400" dirty="0"/>
+              <a:t>Chromosomal Territory Sizes from Chromosome </a:t>
+            </a:r>
+          </a:p>
+          <a:p>
+            <a:pPr marL="457200" indent="-457200"/>
+            <a:r>
+              <a:rPr lang="en-US" sz="2400" dirty="0"/>
+              <a:t>Capture Data Phys. Rev. Lett. </a:t>
+            </a:r>
+            <a:r>
+              <a:rPr lang="en-US" sz="2400" dirty="0"/>
+              <a:t>110, 248105 (2013) </a:t>
+            </a:r>
+          </a:p>
+          <a:p>
+            <a:pPr algn="just"/>
+            <a:endParaRPr lang="en-US" sz="2400" dirty="0" smtClean="0"/>
           </a:p>
         </p:txBody>
       </p:sp>
@@ -12473,7 +13172,7 @@
         </p:blipFill>
         <p:spPr>
           <a:xfrm>
-            <a:off x="23689494" y="17182902"/>
+            <a:off x="23674009" y="15704715"/>
             <a:ext cx="4467225" cy="3705225"/>
           </a:xfrm>
           <a:prstGeom prst="rect">
@@ -12493,120 +13192,13 @@
       </p:pic>
       <p:sp>
         <p:nvSpPr>
-          <p:cNvPr id="55" name="TextBox 54"/>
-          <p:cNvSpPr txBox="1"/>
-          <p:nvPr/>
-        </p:nvSpPr>
-        <p:spPr>
-          <a:xfrm>
-            <a:off x="31760016" y="14642087"/>
-            <a:ext cx="6724035" cy="5456622"/>
-          </a:xfrm>
-          <a:prstGeom prst="rect">
-            <a:avLst/>
-          </a:prstGeom>
-          <a:noFill/>
-        </p:spPr>
-        <p:txBody>
-          <a:bodyPr wrap="square" rtlCol="0">
-            <a:spAutoFit/>
-          </a:bodyPr>
-          <a:lstStyle/>
-          <a:p>
-            <a:r>
-              <a:rPr lang="en-US" dirty="0" smtClean="0"/>
-              <a:t>References</a:t>
-            </a:r>
-            <a:br>
-              <a:rPr lang="en-US" dirty="0" smtClean="0"/>
-            </a:br>
-            <a:endParaRPr lang="en-US" dirty="0" smtClean="0"/>
-          </a:p>
-          <a:p>
-            <a:r>
-              <a:rPr lang="en-US" sz="2400" dirty="0" smtClean="0"/>
-              <a:t>[Nora PE 2012] </a:t>
-            </a:r>
-            <a:r>
-              <a:rPr lang="en-US" sz="2400" dirty="0"/>
-              <a:t>Nora, </a:t>
-            </a:r>
-            <a:r>
-              <a:rPr lang="en-US" sz="2400" dirty="0" err="1"/>
-              <a:t>Elphège</a:t>
-            </a:r>
-            <a:r>
-              <a:rPr lang="en-US" sz="2400" dirty="0"/>
-              <a:t> P., et al. "Spatial partitioning of the regulatory landscape of the X-inactivation </a:t>
-            </a:r>
-            <a:r>
-              <a:rPr lang="en-US" sz="2400" dirty="0" err="1"/>
-              <a:t>centre</a:t>
-            </a:r>
-            <a:r>
-              <a:rPr lang="en-US" sz="2400" dirty="0"/>
-              <a:t>." </a:t>
-            </a:r>
-            <a:r>
-              <a:rPr lang="en-US" sz="2400" i="1" dirty="0"/>
-              <a:t>Nature</a:t>
-            </a:r>
-            <a:r>
-              <a:rPr lang="en-US" sz="2400" dirty="0"/>
-              <a:t> 485.7398 (2012): 381-385</a:t>
-            </a:r>
-            <a:r>
-              <a:rPr lang="en-US" sz="2400" dirty="0" smtClean="0"/>
-              <a:t>.</a:t>
-            </a:r>
-          </a:p>
-          <a:p>
-            <a:endParaRPr lang="en-US" sz="2400" dirty="0"/>
-          </a:p>
-          <a:p>
-            <a:r>
-              <a:rPr lang="en-US" sz="2400" dirty="0" smtClean="0"/>
-              <a:t>[Luca G 2014] </a:t>
-            </a:r>
-            <a:r>
-              <a:rPr lang="en-US" sz="2400" dirty="0" err="1"/>
-              <a:t>Giorgetti</a:t>
-            </a:r>
-            <a:r>
-              <a:rPr lang="en-US" sz="2400" dirty="0"/>
-              <a:t>, Luca, et al. </a:t>
-            </a:r>
-            <a:r>
-              <a:rPr lang="en-US" sz="2400"/>
-              <a:t>"Predictive polymer modeling reveals coupled fluctuations in chromosome conformation and transcription." </a:t>
-            </a:r>
-            <a:r>
-              <a:rPr lang="en-US" sz="2400" i="1"/>
-              <a:t>Cell</a:t>
-            </a:r>
-            <a:r>
-              <a:rPr lang="en-US" sz="2400"/>
-              <a:t> 157.4 (2014): 950-963</a:t>
-            </a:r>
-            <a:r>
-              <a:rPr lang="en-US" sz="2400" smtClean="0"/>
-              <a:t>.</a:t>
-            </a:r>
-          </a:p>
-          <a:p>
-            <a:endParaRPr lang="en-US" sz="2400" dirty="0"/>
-          </a:p>
-        </p:txBody>
-      </p:sp>
-      <p:sp>
-        <p:nvSpPr>
           <p:cNvPr id="56" name="TextBox 55"/>
           <p:cNvSpPr txBox="1"/>
           <p:nvPr/>
         </p:nvSpPr>
         <p:spPr>
           <a:xfrm>
-            <a:off x="23984474" y="15869265"/>
+            <a:off x="23709898" y="14652613"/>
             <a:ext cx="4292818" cy="707886"/>
           </a:xfrm>
           <a:prstGeom prst="rect">
@@ -12628,6 +13220,193 @@
           </a:p>
         </p:txBody>
       </p:sp>
+      <p:grpSp>
+        <p:nvGrpSpPr>
+          <p:cNvPr id="58" name="Group 57"/>
+          <p:cNvGrpSpPr/>
+          <p:nvPr/>
+        </p:nvGrpSpPr>
+        <p:grpSpPr>
+          <a:xfrm>
+            <a:off x="25987325" y="15162900"/>
+            <a:ext cx="3909061" cy="775553"/>
+            <a:chOff x="26194278" y="19022163"/>
+            <a:chExt cx="3909061" cy="775553"/>
+          </a:xfrm>
+        </p:grpSpPr>
+        <p:sp>
+          <p:nvSpPr>
+            <p:cNvPr id="96" name="Rectangle 95"/>
+            <p:cNvSpPr/>
+            <p:nvPr/>
+          </p:nvSpPr>
+          <p:spPr>
+            <a:xfrm>
+              <a:off x="26194278" y="19022163"/>
+              <a:ext cx="3909061" cy="775553"/>
+            </a:xfrm>
+            <a:prstGeom prst="rect">
+              <a:avLst/>
+            </a:prstGeom>
+            <a:solidFill>
+              <a:schemeClr val="accent2">
+                <a:lumMod val="60000"/>
+                <a:lumOff val="40000"/>
+              </a:schemeClr>
+            </a:solidFill>
+            <a:ln>
+              <a:noFill/>
+            </a:ln>
+          </p:spPr>
+          <p:style>
+            <a:lnRef idx="2">
+              <a:schemeClr val="accent1">
+                <a:shade val="50000"/>
+              </a:schemeClr>
+            </a:lnRef>
+            <a:fillRef idx="1">
+              <a:schemeClr val="accent1"/>
+            </a:fillRef>
+            <a:effectRef idx="0">
+              <a:schemeClr val="accent1"/>
+            </a:effectRef>
+            <a:fontRef idx="minor">
+              <a:schemeClr val="lt1"/>
+            </a:fontRef>
+          </p:style>
+          <p:txBody>
+            <a:bodyPr rtlCol="0" anchor="ctr"/>
+            <a:lstStyle/>
+            <a:p>
+              <a:pPr algn="ctr"/>
+              <a:r>
+                <a:rPr lang="en-US" sz="2000" dirty="0" smtClean="0">
+                  <a:solidFill>
+                    <a:schemeClr val="tx1"/>
+                  </a:solidFill>
+                </a:rPr>
+                <a:t>Connected beads (highlighted)</a:t>
+              </a:r>
+              <a:r>
+                <a:rPr lang="en-US" sz="2000" dirty="0" smtClean="0"/>
+                <a:t/>
+              </a:r>
+              <a:br>
+                <a:rPr lang="en-US" sz="2000" dirty="0" smtClean="0"/>
+              </a:br>
+              <a:r>
+                <a:rPr lang="en-US" sz="2000" dirty="0" smtClean="0">
+                  <a:solidFill>
+                    <a:schemeClr val="tx1"/>
+                  </a:solidFill>
+                </a:rPr>
+                <a:t>not connected</a:t>
+              </a:r>
+              <a:endParaRPr lang="en-US" sz="2000" dirty="0">
+                <a:solidFill>
+                  <a:schemeClr val="tx1"/>
+                </a:solidFill>
+              </a:endParaRPr>
+            </a:p>
+          </p:txBody>
+        </p:sp>
+        <p:sp>
+          <p:nvSpPr>
+            <p:cNvPr id="100" name="Rectangle 99"/>
+            <p:cNvSpPr/>
+            <p:nvPr/>
+          </p:nvSpPr>
+          <p:spPr>
+            <a:xfrm>
+              <a:off x="26299745" y="19186753"/>
+              <a:ext cx="129540" cy="148139"/>
+            </a:xfrm>
+            <a:prstGeom prst="rect">
+              <a:avLst/>
+            </a:prstGeom>
+            <a:solidFill>
+              <a:schemeClr val="bg1"/>
+            </a:solidFill>
+            <a:ln>
+              <a:solidFill>
+                <a:schemeClr val="bg1"/>
+              </a:solidFill>
+            </a:ln>
+          </p:spPr>
+          <p:style>
+            <a:lnRef idx="2">
+              <a:schemeClr val="accent1">
+                <a:shade val="50000"/>
+              </a:schemeClr>
+            </a:lnRef>
+            <a:fillRef idx="1">
+              <a:schemeClr val="accent1"/>
+            </a:fillRef>
+            <a:effectRef idx="0">
+              <a:schemeClr val="accent1"/>
+            </a:effectRef>
+            <a:fontRef idx="minor">
+              <a:schemeClr val="lt1"/>
+            </a:fontRef>
+          </p:style>
+          <p:txBody>
+            <a:bodyPr rtlCol="0" anchor="ctr"/>
+            <a:lstStyle/>
+            <a:p>
+              <a:pPr algn="ctr"/>
+              <a:endParaRPr lang="en-US"/>
+            </a:p>
+          </p:txBody>
+        </p:sp>
+        <p:sp>
+          <p:nvSpPr>
+            <p:cNvPr id="102" name="Rectangle 101"/>
+            <p:cNvSpPr/>
+            <p:nvPr/>
+          </p:nvSpPr>
+          <p:spPr>
+            <a:xfrm>
+              <a:off x="26311175" y="19570173"/>
+              <a:ext cx="129540" cy="139425"/>
+            </a:xfrm>
+            <a:prstGeom prst="rect">
+              <a:avLst/>
+            </a:prstGeom>
+            <a:solidFill>
+              <a:schemeClr val="tx1"/>
+            </a:solidFill>
+            <a:ln>
+              <a:solidFill>
+                <a:schemeClr val="tx1"/>
+              </a:solidFill>
+            </a:ln>
+          </p:spPr>
+          <p:style>
+            <a:lnRef idx="2">
+              <a:schemeClr val="accent1">
+                <a:shade val="50000"/>
+              </a:schemeClr>
+            </a:lnRef>
+            <a:fillRef idx="1">
+              <a:schemeClr val="accent1"/>
+            </a:fillRef>
+            <a:effectRef idx="0">
+              <a:schemeClr val="accent1"/>
+            </a:effectRef>
+            <a:fontRef idx="minor">
+              <a:schemeClr val="lt1"/>
+            </a:fontRef>
+          </p:style>
+          <p:txBody>
+            <a:bodyPr rtlCol="0" anchor="ctr"/>
+            <a:lstStyle/>
+            <a:p>
+              <a:pPr algn="ctr"/>
+              <a:endParaRPr lang="en-US"/>
+            </a:p>
+          </p:txBody>
+        </p:sp>
+      </p:grpSp>
     </p:spTree>
     <p:extLst>
       <p:ext uri="{BB962C8B-B14F-4D97-AF65-F5344CB8AC3E}">
